--- a/deep_learning/DL_ppt/2_perceptron.pptx
+++ b/deep_learning/DL_ppt/2_perceptron.pptx
@@ -5,25 +5,31 @@
     <p:sldMasterId id="2147483651" r:id="rId1"/>
   </p:sldMasterIdLst>
   <p:notesMasterIdLst>
-    <p:notesMasterId r:id="rId15"/>
+    <p:notesMasterId r:id="rId21"/>
   </p:notesMasterIdLst>
   <p:handoutMasterIdLst>
-    <p:handoutMasterId r:id="rId16"/>
+    <p:handoutMasterId r:id="rId22"/>
   </p:handoutMasterIdLst>
   <p:sldIdLst>
     <p:sldId id="263" r:id="rId2"/>
     <p:sldId id="260" r:id="rId3"/>
     <p:sldId id="300" r:id="rId4"/>
-    <p:sldId id="293" r:id="rId5"/>
-    <p:sldId id="280" r:id="rId6"/>
-    <p:sldId id="315" r:id="rId7"/>
-    <p:sldId id="314" r:id="rId8"/>
-    <p:sldId id="301" r:id="rId9"/>
-    <p:sldId id="316" r:id="rId10"/>
-    <p:sldId id="294" r:id="rId11"/>
-    <p:sldId id="317" r:id="rId12"/>
-    <p:sldId id="302" r:id="rId13"/>
-    <p:sldId id="318" r:id="rId14"/>
+    <p:sldId id="320" r:id="rId5"/>
+    <p:sldId id="321" r:id="rId6"/>
+    <p:sldId id="322" r:id="rId7"/>
+    <p:sldId id="323" r:id="rId8"/>
+    <p:sldId id="324" r:id="rId9"/>
+    <p:sldId id="293" r:id="rId10"/>
+    <p:sldId id="280" r:id="rId11"/>
+    <p:sldId id="315" r:id="rId12"/>
+    <p:sldId id="314" r:id="rId13"/>
+    <p:sldId id="301" r:id="rId14"/>
+    <p:sldId id="316" r:id="rId15"/>
+    <p:sldId id="294" r:id="rId16"/>
+    <p:sldId id="317" r:id="rId17"/>
+    <p:sldId id="302" r:id="rId18"/>
+    <p:sldId id="318" r:id="rId19"/>
+    <p:sldId id="319" r:id="rId20"/>
   </p:sldIdLst>
   <p:sldSz cx="12192000" cy="6858000"/>
   <p:notesSz cx="6858000" cy="9144000"/>
@@ -4385,7 +4391,7 @@
           <p:cNvPr id="2" name="TextBox 1">
             <a:extLst>
               <a:ext uri="{FF2B5EF4-FFF2-40B4-BE49-F238E27FC236}">
-                <a16:creationId xmlns:a16="http://schemas.microsoft.com/office/drawing/2014/main" id="{94663EC0-FBD5-4C4B-137C-B9C16E034AC2}"/>
+                <a16:creationId xmlns:a16="http://schemas.microsoft.com/office/drawing/2014/main" id="{82581151-C8AA-F77B-A1C9-ACA3C18C17A4}"/>
               </a:ext>
             </a:extLst>
           </p:cNvPr>
@@ -4394,8 +4400,8 @@
         </p:nvSpPr>
         <p:spPr>
           <a:xfrm>
-            <a:off x="513806" y="615315"/>
-            <a:ext cx="8956766" cy="523220"/>
+            <a:off x="513806" y="576645"/>
+            <a:ext cx="5886994" cy="523220"/>
           </a:xfrm>
           <a:prstGeom prst="rect">
             <a:avLst/>
@@ -4417,16 +4423,41 @@
                   </a:schemeClr>
                 </a:solidFill>
               </a:rPr>
-              <a:t>Tight VNC</a:t>
-            </a:r>
-            <a:endParaRPr lang="ko-KR" altLang="en-US" sz="2800" b="1" dirty="0">
-              <a:solidFill>
-                <a:schemeClr val="tx1">
-                  <a:lumMod val="65000"/>
-                  <a:lumOff val="35000"/>
-                </a:schemeClr>
-              </a:solidFill>
-            </a:endParaRPr>
+              <a:t>Google Chrome </a:t>
+            </a:r>
+            <a:r>
+              <a:rPr lang="ko-KR" altLang="en-US" sz="2800" b="1" dirty="0">
+                <a:solidFill>
+                  <a:schemeClr val="tx1">
+                    <a:lumMod val="65000"/>
+                    <a:lumOff val="35000"/>
+                  </a:schemeClr>
+                </a:solidFill>
+              </a:rPr>
+              <a:t>원격</a:t>
+            </a:r>
+            <a:r>
+              <a:rPr lang="en-US" altLang="ko-KR" sz="2800" b="1" dirty="0">
+                <a:solidFill>
+                  <a:schemeClr val="tx1">
+                    <a:lumMod val="65000"/>
+                    <a:lumOff val="35000"/>
+                  </a:schemeClr>
+                </a:solidFill>
+              </a:rPr>
+              <a:t> </a:t>
+            </a:r>
+            <a:r>
+              <a:rPr lang="ko-KR" altLang="en-US" sz="2800" b="1" dirty="0">
+                <a:solidFill>
+                  <a:schemeClr val="tx1">
+                    <a:lumMod val="65000"/>
+                    <a:lumOff val="35000"/>
+                  </a:schemeClr>
+                </a:solidFill>
+              </a:rPr>
+              <a:t>데스크 탑</a:t>
+            </a:r>
           </a:p>
         </p:txBody>
       </p:sp>
@@ -4435,7 +4466,7 @@
           <p:cNvPr id="3" name="TextBox 2">
             <a:extLst>
               <a:ext uri="{FF2B5EF4-FFF2-40B4-BE49-F238E27FC236}">
-                <a16:creationId xmlns:a16="http://schemas.microsoft.com/office/drawing/2014/main" id="{20AE6331-59FC-4DA3-E01A-89E32F11BA35}"/>
+                <a16:creationId xmlns:a16="http://schemas.microsoft.com/office/drawing/2014/main" id="{21AC92E3-3FF0-CDDC-2D79-229EF0594FA0}"/>
               </a:ext>
             </a:extLst>
           </p:cNvPr>
@@ -4444,8 +4475,8 @@
         </p:nvSpPr>
         <p:spPr>
           <a:xfrm>
-            <a:off x="4456262" y="2322194"/>
-            <a:ext cx="7035560" cy="2554545"/>
+            <a:off x="4515356" y="2613392"/>
+            <a:ext cx="7035560" cy="2246769"/>
           </a:xfrm>
           <a:prstGeom prst="rect">
             <a:avLst/>
@@ -4471,7 +4502,7 @@
                   </a:schemeClr>
                 </a:solidFill>
               </a:rPr>
-              <a:t>접속 하는 컴퓨터의 프로그램</a:t>
+              <a:t>플러그인 설치 후 </a:t>
             </a:r>
             <a:r>
               <a:rPr lang="en-US" altLang="ko-KR" sz="2000" b="1" dirty="0">
@@ -4482,7 +4513,7 @@
                   </a:schemeClr>
                 </a:solidFill>
               </a:rPr>
-              <a:t>(Server), </a:t>
+              <a:t>PIN(</a:t>
             </a:r>
             <a:r>
               <a:rPr lang="ko-KR" altLang="en-US" sz="2000" b="1" dirty="0">
@@ -4493,7 +4524,7 @@
                   </a:schemeClr>
                 </a:solidFill>
               </a:rPr>
-              <a:t>접속 받는 프로그램</a:t>
+              <a:t>비밀번호</a:t>
             </a:r>
             <a:r>
               <a:rPr lang="en-US" altLang="ko-KR" sz="2000" b="1" dirty="0">
@@ -4504,7 +4535,7 @@
                   </a:schemeClr>
                 </a:solidFill>
               </a:rPr>
-              <a:t>(Viewer)</a:t>
+              <a:t>) </a:t>
             </a:r>
             <a:r>
               <a:rPr lang="ko-KR" altLang="en-US" sz="2000" b="1" dirty="0">
@@ -4515,7 +4546,7 @@
                   </a:schemeClr>
                 </a:solidFill>
               </a:rPr>
-              <a:t> 따로 존재</a:t>
+              <a:t>세팅</a:t>
             </a:r>
             <a:endParaRPr lang="en-US" altLang="ko-KR" sz="2000" b="1" dirty="0">
               <a:solidFill>
@@ -4546,17 +4577,6 @@
               <a:buChar char="•"/>
             </a:pPr>
             <a:r>
-              <a:rPr lang="en-US" altLang="ko-KR" sz="2000" b="1" dirty="0">
-                <a:solidFill>
-                  <a:schemeClr val="tx1">
-                    <a:lumMod val="65000"/>
-                    <a:lumOff val="35000"/>
-                  </a:schemeClr>
-                </a:solidFill>
-              </a:rPr>
-              <a:t>IP</a:t>
-            </a:r>
-            <a:r>
               <a:rPr lang="ko-KR" altLang="en-US" sz="2000" b="1" dirty="0">
                 <a:solidFill>
                   <a:schemeClr val="tx1">
@@ -4565,7 +4585,7 @@
                   </a:schemeClr>
                 </a:solidFill>
               </a:rPr>
-              <a:t>주소를 통해 연결</a:t>
+              <a:t>다른 컴퓨터에서 같은 구글 계정으로 로그인</a:t>
             </a:r>
             <a:endParaRPr lang="en-US" altLang="ko-KR" sz="2000" b="1" dirty="0">
               <a:solidFill>
@@ -4596,6 +4616,17 @@
               <a:buChar char="•"/>
             </a:pPr>
             <a:r>
+              <a:rPr lang="en-US" altLang="ko-KR" sz="2000" b="1" dirty="0">
+                <a:solidFill>
+                  <a:schemeClr val="tx1">
+                    <a:lumMod val="65000"/>
+                    <a:lumOff val="35000"/>
+                  </a:schemeClr>
+                </a:solidFill>
+              </a:rPr>
+              <a:t>PIN </a:t>
+            </a:r>
+            <a:r>
               <a:rPr lang="ko-KR" altLang="en-US" sz="2000" b="1" dirty="0">
                 <a:solidFill>
                   <a:schemeClr val="tx1">
@@ -4604,16 +4635,19 @@
                   </a:schemeClr>
                 </a:solidFill>
               </a:rPr>
-              <a:t>무료 라이선스</a:t>
-            </a:r>
-            <a:endParaRPr lang="en-US" altLang="ko-KR" sz="2000" b="1" dirty="0">
-              <a:solidFill>
-                <a:schemeClr val="tx1">
-                  <a:lumMod val="65000"/>
-                  <a:lumOff val="35000"/>
-                </a:schemeClr>
-              </a:solidFill>
-            </a:endParaRPr>
+              <a:t>번호로 접속</a:t>
+            </a:r>
+            <a:r>
+              <a:rPr lang="en-US" altLang="ko-KR" sz="2000" b="1" dirty="0">
+                <a:solidFill>
+                  <a:schemeClr val="tx1">
+                    <a:lumMod val="65000"/>
+                    <a:lumOff val="35000"/>
+                  </a:schemeClr>
+                </a:solidFill>
+              </a:rPr>
+              <a:t> </a:t>
+            </a:r>
           </a:p>
           <a:p>
             <a:pPr marL="285750" indent="-285750">
@@ -4642,32 +4676,29 @@
                     <a:lumOff val="35000"/>
                   </a:schemeClr>
                 </a:solidFill>
-                <a:highlight>
-                  <a:srgbClr val="FFFF00"/>
-                </a:highlight>
-              </a:rPr>
-              <a:t>화면 공유간 지연 발생 </a:t>
-            </a:r>
-            <a:endParaRPr lang="en-US" altLang="ko-KR" sz="2000" b="1" dirty="0">
-              <a:solidFill>
-                <a:schemeClr val="tx1">
-                  <a:lumMod val="65000"/>
-                  <a:lumOff val="35000"/>
-                </a:schemeClr>
-              </a:solidFill>
-              <a:highlight>
-                <a:srgbClr val="FFFF00"/>
-              </a:highlight>
-            </a:endParaRPr>
+              </a:rPr>
+              <a:t>접속자가 별다른 프로그램 없이 웹에서 접속 가능</a:t>
+            </a:r>
+            <a:r>
+              <a:rPr lang="en-US" altLang="ko-KR" sz="2000" b="1" dirty="0">
+                <a:solidFill>
+                  <a:schemeClr val="tx1">
+                    <a:lumMod val="65000"/>
+                    <a:lumOff val="35000"/>
+                  </a:schemeClr>
+                </a:solidFill>
+              </a:rPr>
+              <a:t>.</a:t>
+            </a:r>
           </a:p>
         </p:txBody>
       </p:sp>
       <p:pic>
         <p:nvPicPr>
-          <p:cNvPr id="5122" name="Picture 2" descr="TightVNC Home">
-            <a:extLst>
-              <a:ext uri="{FF2B5EF4-FFF2-40B4-BE49-F238E27FC236}">
-                <a16:creationId xmlns:a16="http://schemas.microsoft.com/office/drawing/2014/main" id="{2DC653EE-06C2-1A32-908E-6A866DD8D2A7}"/>
+          <p:cNvPr id="1026" name="Picture 2">
+            <a:extLst>
+              <a:ext uri="{FF2B5EF4-FFF2-40B4-BE49-F238E27FC236}">
+                <a16:creationId xmlns:a16="http://schemas.microsoft.com/office/drawing/2014/main" id="{8FA20F8D-A3E1-1D4B-7873-00244C2C9D65}"/>
               </a:ext>
             </a:extLst>
           </p:cNvPr>
@@ -4691,8 +4722,8 @@
         </p:blipFill>
         <p:spPr bwMode="auto">
           <a:xfrm>
-            <a:off x="1021910" y="2322194"/>
-            <a:ext cx="2743199" cy="2743199"/>
+            <a:off x="910609" y="2249765"/>
+            <a:ext cx="2743200" cy="2743200"/>
           </a:xfrm>
           <a:prstGeom prst="rect">
             <a:avLst/>
@@ -4712,7 +4743,7 @@
     </p:spTree>
     <p:extLst>
       <p:ext uri="{BB962C8B-B14F-4D97-AF65-F5344CB8AC3E}">
-        <p14:creationId xmlns:p14="http://schemas.microsoft.com/office/powerpoint/2010/main" val="325166944"/>
+        <p14:creationId xmlns:p14="http://schemas.microsoft.com/office/powerpoint/2010/main" val="2729244416"/>
       </p:ext>
     </p:extLst>
   </p:cSld>
@@ -4797,3311 +4828,6 @@
             <a:fld id="{77D8DCB6-DE77-432F-867E-17030BC60D58}" type="slidenum">
               <a:rPr lang="ko-KR" altLang="en-US" smtClean="0"/>
               <a:t>11</a:t>
-            </a:fld>
-            <a:endParaRPr lang="ko-KR" altLang="en-US"/>
-          </a:p>
-        </p:txBody>
-      </p:sp>
-      <p:cxnSp>
-        <p:nvCxnSpPr>
-          <p:cNvPr id="8" name="직선 연결선 7">
-            <a:extLst>
-              <a:ext uri="{FF2B5EF4-FFF2-40B4-BE49-F238E27FC236}">
-                <a16:creationId xmlns:a16="http://schemas.microsoft.com/office/drawing/2014/main" id="{D1F8D6B6-3C71-480C-BFAD-599210C64964}"/>
-              </a:ext>
-            </a:extLst>
-          </p:cNvPr>
-          <p:cNvCxnSpPr>
-            <a:cxnSpLocks/>
-          </p:cNvCxnSpPr>
-          <p:nvPr/>
-        </p:nvCxnSpPr>
-        <p:spPr>
-          <a:xfrm>
-            <a:off x="513806" y="1138535"/>
-            <a:ext cx="10978016" cy="0"/>
-          </a:xfrm>
-          <a:prstGeom prst="line">
-            <a:avLst/>
-          </a:prstGeom>
-          <a:ln w="28575">
-            <a:solidFill>
-              <a:srgbClr val="A80000"/>
-            </a:solidFill>
-          </a:ln>
-        </p:spPr>
-        <p:style>
-          <a:lnRef idx="1">
-            <a:schemeClr val="accent1"/>
-          </a:lnRef>
-          <a:fillRef idx="0">
-            <a:schemeClr val="accent1"/>
-          </a:fillRef>
-          <a:effectRef idx="0">
-            <a:schemeClr val="accent1"/>
-          </a:effectRef>
-          <a:fontRef idx="minor">
-            <a:schemeClr val="tx1"/>
-          </a:fontRef>
-        </p:style>
-      </p:cxnSp>
-      <p:sp>
-        <p:nvSpPr>
-          <p:cNvPr id="2" name="TextBox 1">
-            <a:extLst>
-              <a:ext uri="{FF2B5EF4-FFF2-40B4-BE49-F238E27FC236}">
-                <a16:creationId xmlns:a16="http://schemas.microsoft.com/office/drawing/2014/main" id="{94663EC0-FBD5-4C4B-137C-B9C16E034AC2}"/>
-              </a:ext>
-            </a:extLst>
-          </p:cNvPr>
-          <p:cNvSpPr txBox="1"/>
-          <p:nvPr/>
-        </p:nvSpPr>
-        <p:spPr>
-          <a:xfrm>
-            <a:off x="513806" y="615315"/>
-            <a:ext cx="8956766" cy="523220"/>
-          </a:xfrm>
-          <a:prstGeom prst="rect">
-            <a:avLst/>
-          </a:prstGeom>
-          <a:noFill/>
-        </p:spPr>
-        <p:txBody>
-          <a:bodyPr wrap="square" rtlCol="0">
-            <a:spAutoFit/>
-          </a:bodyPr>
-          <a:lstStyle/>
-          <a:p>
-            <a:r>
-              <a:rPr lang="en-US" altLang="ko-KR" sz="2800" b="1" dirty="0">
-                <a:solidFill>
-                  <a:schemeClr val="tx1">
-                    <a:lumMod val="65000"/>
-                    <a:lumOff val="35000"/>
-                  </a:schemeClr>
-                </a:solidFill>
-              </a:rPr>
-              <a:t>Tight VNC</a:t>
-            </a:r>
-            <a:endParaRPr lang="ko-KR" altLang="en-US" sz="2800" b="1" dirty="0">
-              <a:solidFill>
-                <a:schemeClr val="tx1">
-                  <a:lumMod val="65000"/>
-                  <a:lumOff val="35000"/>
-                </a:schemeClr>
-              </a:solidFill>
-            </a:endParaRPr>
-          </a:p>
-        </p:txBody>
-      </p:sp>
-      <p:sp>
-        <p:nvSpPr>
-          <p:cNvPr id="5" name="TextBox 4">
-            <a:extLst>
-              <a:ext uri="{FF2B5EF4-FFF2-40B4-BE49-F238E27FC236}">
-                <a16:creationId xmlns:a16="http://schemas.microsoft.com/office/drawing/2014/main" id="{59A1B189-475B-5D9A-4DCD-B21C4BCB62AD}"/>
-              </a:ext>
-            </a:extLst>
-          </p:cNvPr>
-          <p:cNvSpPr txBox="1"/>
-          <p:nvPr/>
-        </p:nvSpPr>
-        <p:spPr>
-          <a:xfrm>
-            <a:off x="1046514" y="1316708"/>
-            <a:ext cx="9916126" cy="3818481"/>
-          </a:xfrm>
-          <a:prstGeom prst="rect">
-            <a:avLst/>
-          </a:prstGeom>
-          <a:noFill/>
-        </p:spPr>
-        <p:txBody>
-          <a:bodyPr wrap="square" rtlCol="0">
-            <a:spAutoFit/>
-          </a:bodyPr>
-          <a:lstStyle/>
-          <a:p>
-            <a:pPr marL="285750" indent="-285750">
-              <a:buFont typeface="Arial" panose="020B0604020202020204" pitchFamily="34" charset="0"/>
-              <a:buChar char="•"/>
-            </a:pPr>
-            <a:r>
-              <a:rPr lang="ko-KR" altLang="en-US" sz="3000" b="1" dirty="0">
-                <a:solidFill>
-                  <a:schemeClr val="tx1">
-                    <a:lumMod val="65000"/>
-                    <a:lumOff val="35000"/>
-                  </a:schemeClr>
-                </a:solidFill>
-              </a:rPr>
-              <a:t>장점</a:t>
-            </a:r>
-            <a:endParaRPr lang="en-US" altLang="ko-KR" sz="3000" b="1" dirty="0">
-              <a:solidFill>
-                <a:schemeClr val="tx1">
-                  <a:lumMod val="65000"/>
-                  <a:lumOff val="35000"/>
-                </a:schemeClr>
-              </a:solidFill>
-            </a:endParaRPr>
-          </a:p>
-          <a:p>
-            <a:pPr marL="742950" lvl="1" indent="-285750">
-              <a:lnSpc>
-                <a:spcPct val="150000"/>
-              </a:lnSpc>
-              <a:buFont typeface="Arial" panose="020B0604020202020204" pitchFamily="34" charset="0"/>
-              <a:buChar char="•"/>
-            </a:pPr>
-            <a:r>
-              <a:rPr lang="ko-KR" altLang="en-US" sz="2000" b="1" dirty="0">
-                <a:solidFill>
-                  <a:schemeClr val="tx1">
-                    <a:lumMod val="65000"/>
-                    <a:lumOff val="35000"/>
-                  </a:schemeClr>
-                </a:solidFill>
-              </a:rPr>
-              <a:t>라이선스 비용 없음</a:t>
-            </a:r>
-            <a:endParaRPr lang="en-US" altLang="ko-KR" sz="2000" b="1" dirty="0">
-              <a:solidFill>
-                <a:schemeClr val="tx1">
-                  <a:lumMod val="65000"/>
-                  <a:lumOff val="35000"/>
-                </a:schemeClr>
-              </a:solidFill>
-            </a:endParaRPr>
-          </a:p>
-          <a:p>
-            <a:pPr marL="742950" lvl="1" indent="-285750">
-              <a:lnSpc>
-                <a:spcPct val="150000"/>
-              </a:lnSpc>
-              <a:buFont typeface="Arial" panose="020B0604020202020204" pitchFamily="34" charset="0"/>
-              <a:buChar char="•"/>
-            </a:pPr>
-            <a:r>
-              <a:rPr lang="ko-KR" altLang="en-US" sz="2000" b="1" dirty="0">
-                <a:solidFill>
-                  <a:schemeClr val="tx1">
-                    <a:lumMod val="65000"/>
-                    <a:lumOff val="35000"/>
-                  </a:schemeClr>
-                </a:solidFill>
-              </a:rPr>
-              <a:t>접속시간 제한 없음</a:t>
-            </a:r>
-            <a:endParaRPr lang="en-US" altLang="ko-KR" sz="2000" b="1" dirty="0">
-              <a:solidFill>
-                <a:schemeClr val="tx1">
-                  <a:lumMod val="65000"/>
-                  <a:lumOff val="35000"/>
-                </a:schemeClr>
-              </a:solidFill>
-            </a:endParaRPr>
-          </a:p>
-          <a:p>
-            <a:pPr marL="285750" indent="-285750">
-              <a:buFont typeface="Arial" panose="020B0604020202020204" pitchFamily="34" charset="0"/>
-              <a:buChar char="•"/>
-            </a:pPr>
-            <a:endParaRPr lang="en-US" altLang="ko-KR" b="1" dirty="0">
-              <a:solidFill>
-                <a:schemeClr val="tx1">
-                  <a:lumMod val="65000"/>
-                  <a:lumOff val="35000"/>
-                </a:schemeClr>
-              </a:solidFill>
-            </a:endParaRPr>
-          </a:p>
-          <a:p>
-            <a:pPr marL="285750" indent="-285750">
-              <a:buFont typeface="Arial" panose="020B0604020202020204" pitchFamily="34" charset="0"/>
-              <a:buChar char="•"/>
-            </a:pPr>
-            <a:endParaRPr lang="en-US" altLang="ko-KR" b="1" dirty="0">
-              <a:solidFill>
-                <a:schemeClr val="tx1">
-                  <a:lumMod val="65000"/>
-                  <a:lumOff val="35000"/>
-                </a:schemeClr>
-              </a:solidFill>
-            </a:endParaRPr>
-          </a:p>
-          <a:p>
-            <a:pPr marL="285750" indent="-285750">
-              <a:buFont typeface="Arial" panose="020B0604020202020204" pitchFamily="34" charset="0"/>
-              <a:buChar char="•"/>
-            </a:pPr>
-            <a:r>
-              <a:rPr lang="ko-KR" altLang="en-US" sz="3000" b="1" dirty="0">
-                <a:solidFill>
-                  <a:schemeClr val="tx1">
-                    <a:lumMod val="65000"/>
-                    <a:lumOff val="35000"/>
-                  </a:schemeClr>
-                </a:solidFill>
-              </a:rPr>
-              <a:t>단점</a:t>
-            </a:r>
-          </a:p>
-          <a:p>
-            <a:pPr marL="742950" lvl="1" indent="-285750">
-              <a:lnSpc>
-                <a:spcPct val="150000"/>
-              </a:lnSpc>
-              <a:buFont typeface="Arial" panose="020B0604020202020204" pitchFamily="34" charset="0"/>
-              <a:buChar char="•"/>
-            </a:pPr>
-            <a:r>
-              <a:rPr lang="ko-KR" altLang="en-US" sz="2000" b="1" dirty="0">
-                <a:solidFill>
-                  <a:schemeClr val="tx1">
-                    <a:lumMod val="65000"/>
-                    <a:lumOff val="35000"/>
-                  </a:schemeClr>
-                </a:solidFill>
-              </a:rPr>
-              <a:t>화면 송출 시 매끄럽지 않음</a:t>
-            </a:r>
-            <a:r>
-              <a:rPr lang="en-US" altLang="ko-KR" sz="2000" b="1" dirty="0">
-                <a:solidFill>
-                  <a:schemeClr val="tx1">
-                    <a:lumMod val="65000"/>
-                    <a:lumOff val="35000"/>
-                  </a:schemeClr>
-                </a:solidFill>
-              </a:rPr>
-              <a:t>.</a:t>
-            </a:r>
-          </a:p>
-          <a:p>
-            <a:pPr marL="742950" lvl="1" indent="-285750">
-              <a:lnSpc>
-                <a:spcPct val="150000"/>
-              </a:lnSpc>
-              <a:buFont typeface="Arial" panose="020B0604020202020204" pitchFamily="34" charset="0"/>
-              <a:buChar char="•"/>
-            </a:pPr>
-            <a:r>
-              <a:rPr lang="en-US" altLang="ko-KR" sz="2000" b="1" dirty="0">
-                <a:solidFill>
-                  <a:schemeClr val="tx1">
-                    <a:lumMod val="65000"/>
-                    <a:lumOff val="35000"/>
-                  </a:schemeClr>
-                </a:solidFill>
-              </a:rPr>
-              <a:t>IP</a:t>
-            </a:r>
-            <a:r>
-              <a:rPr lang="ko-KR" altLang="en-US" sz="2000" b="1" dirty="0">
-                <a:solidFill>
-                  <a:schemeClr val="tx1">
-                    <a:lumMod val="65000"/>
-                    <a:lumOff val="35000"/>
-                  </a:schemeClr>
-                </a:solidFill>
-              </a:rPr>
-              <a:t>입력으로 따른 공유기 환경에서 서버 컴퓨터의 포트 포워딩 필요</a:t>
-            </a:r>
-            <a:endParaRPr lang="en-US" altLang="ko-KR" sz="2000" b="1" dirty="0">
-              <a:solidFill>
-                <a:schemeClr val="tx1">
-                  <a:lumMod val="65000"/>
-                  <a:lumOff val="35000"/>
-                </a:schemeClr>
-              </a:solidFill>
-            </a:endParaRPr>
-          </a:p>
-          <a:p>
-            <a:pPr marL="742950" lvl="1" indent="-285750">
-              <a:lnSpc>
-                <a:spcPct val="150000"/>
-              </a:lnSpc>
-              <a:buFont typeface="Arial" panose="020B0604020202020204" pitchFamily="34" charset="0"/>
-              <a:buChar char="•"/>
-            </a:pPr>
-            <a:endParaRPr lang="en-US" altLang="ko-KR" sz="2000" b="1" dirty="0">
-              <a:solidFill>
-                <a:schemeClr val="tx1">
-                  <a:lumMod val="65000"/>
-                  <a:lumOff val="35000"/>
-                </a:schemeClr>
-              </a:solidFill>
-            </a:endParaRPr>
-          </a:p>
-        </p:txBody>
-      </p:sp>
-    </p:spTree>
-    <p:extLst>
-      <p:ext uri="{BB962C8B-B14F-4D97-AF65-F5344CB8AC3E}">
-        <p14:creationId xmlns:p14="http://schemas.microsoft.com/office/powerpoint/2010/main" val="3182674041"/>
-      </p:ext>
-    </p:extLst>
-  </p:cSld>
-  <p:clrMapOvr>
-    <a:masterClrMapping/>
-  </p:clrMapOvr>
-</p:sld>
-</file>
-
-<file path=ppt/slides/slide12.xml><?xml version="1.0" encoding="utf-8"?>
-<p:sld xmlns:a="http://schemas.openxmlformats.org/drawingml/2006/main" xmlns:r="http://schemas.openxmlformats.org/officeDocument/2006/relationships" xmlns:p="http://schemas.openxmlformats.org/presentationml/2006/main">
-  <p:cSld>
-    <p:spTree>
-      <p:nvGrpSpPr>
-        <p:cNvPr id="1" name=""/>
-        <p:cNvGrpSpPr/>
-        <p:nvPr/>
-      </p:nvGrpSpPr>
-      <p:grpSpPr>
-        <a:xfrm>
-          <a:off x="0" y="0"/>
-          <a:ext cx="0" cy="0"/>
-          <a:chOff x="0" y="0"/>
-          <a:chExt cx="0" cy="0"/>
-        </a:xfrm>
-      </p:grpSpPr>
-      <p:sp>
-        <p:nvSpPr>
-          <p:cNvPr id="4" name="날짜 개체 틀 3">
-            <a:extLst>
-              <a:ext uri="{FF2B5EF4-FFF2-40B4-BE49-F238E27FC236}">
-                <a16:creationId xmlns:a16="http://schemas.microsoft.com/office/drawing/2014/main" id="{96EB53D3-8572-4237-B28C-28CB40308C40}"/>
-              </a:ext>
-            </a:extLst>
-          </p:cNvPr>
-          <p:cNvSpPr>
-            <a:spLocks noGrp="1"/>
-          </p:cNvSpPr>
-          <p:nvPr>
-            <p:ph type="dt" sz="half" idx="10"/>
-          </p:nvPr>
-        </p:nvSpPr>
-        <p:spPr>
-          <a:xfrm>
-            <a:off x="141514" y="6356350"/>
-            <a:ext cx="2743200" cy="365125"/>
-          </a:xfrm>
-        </p:spPr>
-        <p:txBody>
-          <a:bodyPr/>
-          <a:lstStyle/>
-          <a:p>
-            <a:fld id="{0303D7D5-FAC8-4B75-A637-D564180CD715}" type="datetime1">
-              <a:rPr lang="ko-KR" altLang="en-US" sz="1000" smtClean="0"/>
-              <a:t>2023-06-07</a:t>
-            </a:fld>
-            <a:endParaRPr lang="ko-KR" altLang="en-US" sz="1000" dirty="0"/>
-          </a:p>
-        </p:txBody>
-      </p:sp>
-      <p:sp>
-        <p:nvSpPr>
-          <p:cNvPr id="6" name="슬라이드 번호 개체 틀 5">
-            <a:extLst>
-              <a:ext uri="{FF2B5EF4-FFF2-40B4-BE49-F238E27FC236}">
-                <a16:creationId xmlns:a16="http://schemas.microsoft.com/office/drawing/2014/main" id="{6E93A4FF-EE48-4AD7-B7EF-105B8CE4CD9F}"/>
-              </a:ext>
-            </a:extLst>
-          </p:cNvPr>
-          <p:cNvSpPr>
-            <a:spLocks noGrp="1"/>
-          </p:cNvSpPr>
-          <p:nvPr>
-            <p:ph type="sldNum" sz="quarter" idx="12"/>
-          </p:nvPr>
-        </p:nvSpPr>
-        <p:spPr/>
-        <p:txBody>
-          <a:bodyPr/>
-          <a:lstStyle/>
-          <a:p>
-            <a:fld id="{77D8DCB6-DE77-432F-867E-17030BC60D58}" type="slidenum">
-              <a:rPr lang="ko-KR" altLang="en-US" smtClean="0"/>
-              <a:t>12</a:t>
-            </a:fld>
-            <a:endParaRPr lang="ko-KR" altLang="en-US"/>
-          </a:p>
-        </p:txBody>
-      </p:sp>
-      <p:cxnSp>
-        <p:nvCxnSpPr>
-          <p:cNvPr id="8" name="직선 연결선 7">
-            <a:extLst>
-              <a:ext uri="{FF2B5EF4-FFF2-40B4-BE49-F238E27FC236}">
-                <a16:creationId xmlns:a16="http://schemas.microsoft.com/office/drawing/2014/main" id="{D1F8D6B6-3C71-480C-BFAD-599210C64964}"/>
-              </a:ext>
-            </a:extLst>
-          </p:cNvPr>
-          <p:cNvCxnSpPr>
-            <a:cxnSpLocks/>
-          </p:cNvCxnSpPr>
-          <p:nvPr/>
-        </p:nvCxnSpPr>
-        <p:spPr>
-          <a:xfrm>
-            <a:off x="513806" y="1138535"/>
-            <a:ext cx="10978016" cy="0"/>
-          </a:xfrm>
-          <a:prstGeom prst="line">
-            <a:avLst/>
-          </a:prstGeom>
-          <a:ln w="28575">
-            <a:solidFill>
-              <a:srgbClr val="A80000"/>
-            </a:solidFill>
-          </a:ln>
-        </p:spPr>
-        <p:style>
-          <a:lnRef idx="1">
-            <a:schemeClr val="accent1"/>
-          </a:lnRef>
-          <a:fillRef idx="0">
-            <a:schemeClr val="accent1"/>
-          </a:fillRef>
-          <a:effectRef idx="0">
-            <a:schemeClr val="accent1"/>
-          </a:effectRef>
-          <a:fontRef idx="minor">
-            <a:schemeClr val="tx1"/>
-          </a:fontRef>
-        </p:style>
-      </p:cxnSp>
-      <p:sp>
-        <p:nvSpPr>
-          <p:cNvPr id="9" name="TextBox 8">
-            <a:extLst>
-              <a:ext uri="{FF2B5EF4-FFF2-40B4-BE49-F238E27FC236}">
-                <a16:creationId xmlns:a16="http://schemas.microsoft.com/office/drawing/2014/main" id="{85E2DDDA-35AB-489C-8A37-0A056738B5CD}"/>
-              </a:ext>
-            </a:extLst>
-          </p:cNvPr>
-          <p:cNvSpPr txBox="1"/>
-          <p:nvPr/>
-        </p:nvSpPr>
-        <p:spPr>
-          <a:xfrm>
-            <a:off x="513805" y="576645"/>
-            <a:ext cx="8956766" cy="523220"/>
-          </a:xfrm>
-          <a:prstGeom prst="rect">
-            <a:avLst/>
-          </a:prstGeom>
-          <a:noFill/>
-        </p:spPr>
-        <p:txBody>
-          <a:bodyPr wrap="square" rtlCol="0">
-            <a:spAutoFit/>
-          </a:bodyPr>
-          <a:lstStyle/>
-          <a:p>
-            <a:r>
-              <a:rPr lang="en-US" altLang="ko-KR" sz="2800" b="1" dirty="0">
-                <a:solidFill>
-                  <a:schemeClr val="tx1">
-                    <a:lumMod val="65000"/>
-                    <a:lumOff val="35000"/>
-                  </a:schemeClr>
-                </a:solidFill>
-              </a:rPr>
-              <a:t>Ultra VNC</a:t>
-            </a:r>
-            <a:endParaRPr lang="ko-KR" altLang="en-US" sz="2800" b="1" dirty="0">
-              <a:solidFill>
-                <a:schemeClr val="tx1">
-                  <a:lumMod val="65000"/>
-                  <a:lumOff val="35000"/>
-                </a:schemeClr>
-              </a:solidFill>
-            </a:endParaRPr>
-          </a:p>
-        </p:txBody>
-      </p:sp>
-      <p:pic>
-        <p:nvPicPr>
-          <p:cNvPr id="6146" name="Picture 2" descr="UltraVNC icon">
-            <a:extLst>
-              <a:ext uri="{FF2B5EF4-FFF2-40B4-BE49-F238E27FC236}">
-                <a16:creationId xmlns:a16="http://schemas.microsoft.com/office/drawing/2014/main" id="{74890CD9-67FA-C280-F0C9-35AA4B7CA41C}"/>
-              </a:ext>
-            </a:extLst>
-          </p:cNvPr>
-          <p:cNvPicPr>
-            <a:picLocks noChangeAspect="1" noChangeArrowheads="1"/>
-          </p:cNvPicPr>
-          <p:nvPr/>
-        </p:nvPicPr>
-        <p:blipFill>
-          <a:blip r:embed="rId2">
-            <a:extLst>
-              <a:ext uri="{28A0092B-C50C-407E-A947-70E740481C1C}">
-                <a14:useLocalDpi xmlns:a14="http://schemas.microsoft.com/office/drawing/2010/main" val="0"/>
-              </a:ext>
-            </a:extLst>
-          </a:blip>
-          <a:srcRect/>
-          <a:stretch>
-            <a:fillRect/>
-          </a:stretch>
-        </p:blipFill>
-        <p:spPr bwMode="auto">
-          <a:xfrm>
-            <a:off x="1341663" y="2322194"/>
-            <a:ext cx="2354903" cy="2354903"/>
-          </a:xfrm>
-          <a:prstGeom prst="rect">
-            <a:avLst/>
-          </a:prstGeom>
-          <a:noFill/>
-          <a:extLst>
-            <a:ext uri="{909E8E84-426E-40DD-AFC4-6F175D3DCCD1}">
-              <a14:hiddenFill xmlns:a14="http://schemas.microsoft.com/office/drawing/2010/main">
-                <a:solidFill>
-                  <a:srgbClr val="FFFFFF"/>
-                </a:solidFill>
-              </a14:hiddenFill>
-            </a:ext>
-          </a:extLst>
-        </p:spPr>
-      </p:pic>
-      <p:sp>
-        <p:nvSpPr>
-          <p:cNvPr id="7" name="TextBox 6">
-            <a:extLst>
-              <a:ext uri="{FF2B5EF4-FFF2-40B4-BE49-F238E27FC236}">
-                <a16:creationId xmlns:a16="http://schemas.microsoft.com/office/drawing/2014/main" id="{4123B881-6647-2BDA-CBCF-0DB6A89DDEB9}"/>
-              </a:ext>
-            </a:extLst>
-          </p:cNvPr>
-          <p:cNvSpPr txBox="1"/>
-          <p:nvPr/>
-        </p:nvSpPr>
-        <p:spPr>
-          <a:xfrm>
-            <a:off x="4456262" y="2322194"/>
-            <a:ext cx="7035560" cy="2246769"/>
-          </a:xfrm>
-          <a:prstGeom prst="rect">
-            <a:avLst/>
-          </a:prstGeom>
-          <a:noFill/>
-        </p:spPr>
-        <p:txBody>
-          <a:bodyPr wrap="square" rtlCol="0">
-            <a:spAutoFit/>
-          </a:bodyPr>
-          <a:lstStyle/>
-          <a:p>
-            <a:pPr marL="285750" indent="-285750">
-              <a:buFont typeface="Arial" panose="020B0604020202020204" pitchFamily="34" charset="0"/>
-              <a:buChar char="•"/>
-            </a:pPr>
-            <a:r>
-              <a:rPr lang="ko-KR" altLang="en-US" sz="2000" b="1" dirty="0">
-                <a:solidFill>
-                  <a:schemeClr val="tx1">
-                    <a:lumMod val="65000"/>
-                    <a:lumOff val="35000"/>
-                  </a:schemeClr>
-                </a:solidFill>
-              </a:rPr>
-              <a:t>접속 하는 컴퓨터의 프로그램</a:t>
-            </a:r>
-            <a:r>
-              <a:rPr lang="en-US" altLang="ko-KR" sz="2000" b="1" dirty="0">
-                <a:solidFill>
-                  <a:schemeClr val="tx1">
-                    <a:lumMod val="65000"/>
-                    <a:lumOff val="35000"/>
-                  </a:schemeClr>
-                </a:solidFill>
-              </a:rPr>
-              <a:t>(Server), </a:t>
-            </a:r>
-            <a:r>
-              <a:rPr lang="ko-KR" altLang="en-US" sz="2000" b="1" dirty="0">
-                <a:solidFill>
-                  <a:schemeClr val="tx1">
-                    <a:lumMod val="65000"/>
-                    <a:lumOff val="35000"/>
-                  </a:schemeClr>
-                </a:solidFill>
-              </a:rPr>
-              <a:t>접속 받는 프로그램</a:t>
-            </a:r>
-            <a:r>
-              <a:rPr lang="en-US" altLang="ko-KR" sz="2000" b="1" dirty="0">
-                <a:solidFill>
-                  <a:schemeClr val="tx1">
-                    <a:lumMod val="65000"/>
-                    <a:lumOff val="35000"/>
-                  </a:schemeClr>
-                </a:solidFill>
-              </a:rPr>
-              <a:t>(Viewer)</a:t>
-            </a:r>
-            <a:r>
-              <a:rPr lang="ko-KR" altLang="en-US" sz="2000" b="1" dirty="0">
-                <a:solidFill>
-                  <a:schemeClr val="tx1">
-                    <a:lumMod val="65000"/>
-                    <a:lumOff val="35000"/>
-                  </a:schemeClr>
-                </a:solidFill>
-              </a:rPr>
-              <a:t> 따로 존재</a:t>
-            </a:r>
-            <a:endParaRPr lang="en-US" altLang="ko-KR" sz="2000" b="1" dirty="0">
-              <a:solidFill>
-                <a:schemeClr val="tx1">
-                  <a:lumMod val="65000"/>
-                  <a:lumOff val="35000"/>
-                </a:schemeClr>
-              </a:solidFill>
-            </a:endParaRPr>
-          </a:p>
-          <a:p>
-            <a:pPr marL="285750" indent="-285750">
-              <a:buFont typeface="Arial" panose="020B0604020202020204" pitchFamily="34" charset="0"/>
-              <a:buChar char="•"/>
-            </a:pPr>
-            <a:endParaRPr lang="en-US" altLang="ko-KR" sz="2000" b="1" dirty="0">
-              <a:solidFill>
-                <a:schemeClr val="tx1">
-                  <a:lumMod val="65000"/>
-                  <a:lumOff val="35000"/>
-                </a:schemeClr>
-              </a:solidFill>
-            </a:endParaRPr>
-          </a:p>
-          <a:p>
-            <a:pPr marL="285750" indent="-285750">
-              <a:buFont typeface="Arial" panose="020B0604020202020204" pitchFamily="34" charset="0"/>
-              <a:buChar char="•"/>
-            </a:pPr>
-            <a:r>
-              <a:rPr lang="en-US" altLang="ko-KR" sz="2000" b="1" dirty="0">
-                <a:solidFill>
-                  <a:schemeClr val="tx1">
-                    <a:lumMod val="65000"/>
-                    <a:lumOff val="35000"/>
-                  </a:schemeClr>
-                </a:solidFill>
-              </a:rPr>
-              <a:t>IP</a:t>
-            </a:r>
-            <a:r>
-              <a:rPr lang="ko-KR" altLang="en-US" sz="2000" b="1" dirty="0">
-                <a:solidFill>
-                  <a:schemeClr val="tx1">
-                    <a:lumMod val="65000"/>
-                    <a:lumOff val="35000"/>
-                  </a:schemeClr>
-                </a:solidFill>
-              </a:rPr>
-              <a:t>주소를 통해 연결</a:t>
-            </a:r>
-            <a:endParaRPr lang="en-US" altLang="ko-KR" sz="2000" b="1" dirty="0">
-              <a:solidFill>
-                <a:schemeClr val="tx1">
-                  <a:lumMod val="65000"/>
-                  <a:lumOff val="35000"/>
-                </a:schemeClr>
-              </a:solidFill>
-            </a:endParaRPr>
-          </a:p>
-          <a:p>
-            <a:pPr marL="285750" indent="-285750">
-              <a:buFont typeface="Arial" panose="020B0604020202020204" pitchFamily="34" charset="0"/>
-              <a:buChar char="•"/>
-            </a:pPr>
-            <a:endParaRPr lang="en-US" altLang="ko-KR" sz="2000" b="1" dirty="0">
-              <a:solidFill>
-                <a:schemeClr val="tx1">
-                  <a:lumMod val="65000"/>
-                  <a:lumOff val="35000"/>
-                </a:schemeClr>
-              </a:solidFill>
-            </a:endParaRPr>
-          </a:p>
-          <a:p>
-            <a:pPr marL="285750" indent="-285750">
-              <a:buFont typeface="Arial" panose="020B0604020202020204" pitchFamily="34" charset="0"/>
-              <a:buChar char="•"/>
-            </a:pPr>
-            <a:r>
-              <a:rPr lang="ko-KR" altLang="en-US" sz="2000" b="1" dirty="0">
-                <a:solidFill>
-                  <a:schemeClr val="tx1">
-                    <a:lumMod val="65000"/>
-                    <a:lumOff val="35000"/>
-                  </a:schemeClr>
-                </a:solidFill>
-              </a:rPr>
-              <a:t>무료 라이선스</a:t>
-            </a:r>
-            <a:endParaRPr lang="en-US" altLang="ko-KR" sz="2000" b="1" dirty="0">
-              <a:solidFill>
-                <a:schemeClr val="tx1">
-                  <a:lumMod val="65000"/>
-                  <a:lumOff val="35000"/>
-                </a:schemeClr>
-              </a:solidFill>
-            </a:endParaRPr>
-          </a:p>
-          <a:p>
-            <a:pPr marL="285750" indent="-285750">
-              <a:buFont typeface="Arial" panose="020B0604020202020204" pitchFamily="34" charset="0"/>
-              <a:buChar char="•"/>
-            </a:pPr>
-            <a:endParaRPr lang="en-US" altLang="ko-KR" sz="2000" b="1" dirty="0">
-              <a:solidFill>
-                <a:schemeClr val="tx1">
-                  <a:lumMod val="65000"/>
-                  <a:lumOff val="35000"/>
-                </a:schemeClr>
-              </a:solidFill>
-            </a:endParaRPr>
-          </a:p>
-        </p:txBody>
-      </p:sp>
-    </p:spTree>
-    <p:extLst>
-      <p:ext uri="{BB962C8B-B14F-4D97-AF65-F5344CB8AC3E}">
-        <p14:creationId xmlns:p14="http://schemas.microsoft.com/office/powerpoint/2010/main" val="3845671321"/>
-      </p:ext>
-    </p:extLst>
-  </p:cSld>
-  <p:clrMapOvr>
-    <a:masterClrMapping/>
-  </p:clrMapOvr>
-</p:sld>
-</file>
-
-<file path=ppt/slides/slide13.xml><?xml version="1.0" encoding="utf-8"?>
-<p:sld xmlns:a="http://schemas.openxmlformats.org/drawingml/2006/main" xmlns:r="http://schemas.openxmlformats.org/officeDocument/2006/relationships" xmlns:p="http://schemas.openxmlformats.org/presentationml/2006/main">
-  <p:cSld>
-    <p:spTree>
-      <p:nvGrpSpPr>
-        <p:cNvPr id="1" name=""/>
-        <p:cNvGrpSpPr/>
-        <p:nvPr/>
-      </p:nvGrpSpPr>
-      <p:grpSpPr>
-        <a:xfrm>
-          <a:off x="0" y="0"/>
-          <a:ext cx="0" cy="0"/>
-          <a:chOff x="0" y="0"/>
-          <a:chExt cx="0" cy="0"/>
-        </a:xfrm>
-      </p:grpSpPr>
-      <p:sp>
-        <p:nvSpPr>
-          <p:cNvPr id="4" name="날짜 개체 틀 3">
-            <a:extLst>
-              <a:ext uri="{FF2B5EF4-FFF2-40B4-BE49-F238E27FC236}">
-                <a16:creationId xmlns:a16="http://schemas.microsoft.com/office/drawing/2014/main" id="{96EB53D3-8572-4237-B28C-28CB40308C40}"/>
-              </a:ext>
-            </a:extLst>
-          </p:cNvPr>
-          <p:cNvSpPr>
-            <a:spLocks noGrp="1"/>
-          </p:cNvSpPr>
-          <p:nvPr>
-            <p:ph type="dt" sz="half" idx="10"/>
-          </p:nvPr>
-        </p:nvSpPr>
-        <p:spPr>
-          <a:xfrm>
-            <a:off x="141514" y="6356350"/>
-            <a:ext cx="2743200" cy="365125"/>
-          </a:xfrm>
-        </p:spPr>
-        <p:txBody>
-          <a:bodyPr/>
-          <a:lstStyle/>
-          <a:p>
-            <a:fld id="{0303D7D5-FAC8-4B75-A637-D564180CD715}" type="datetime1">
-              <a:rPr lang="ko-KR" altLang="en-US" sz="1000" smtClean="0"/>
-              <a:t>2023-06-07</a:t>
-            </a:fld>
-            <a:endParaRPr lang="ko-KR" altLang="en-US" sz="1000" dirty="0"/>
-          </a:p>
-        </p:txBody>
-      </p:sp>
-      <p:sp>
-        <p:nvSpPr>
-          <p:cNvPr id="6" name="슬라이드 번호 개체 틀 5">
-            <a:extLst>
-              <a:ext uri="{FF2B5EF4-FFF2-40B4-BE49-F238E27FC236}">
-                <a16:creationId xmlns:a16="http://schemas.microsoft.com/office/drawing/2014/main" id="{6E93A4FF-EE48-4AD7-B7EF-105B8CE4CD9F}"/>
-              </a:ext>
-            </a:extLst>
-          </p:cNvPr>
-          <p:cNvSpPr>
-            <a:spLocks noGrp="1"/>
-          </p:cNvSpPr>
-          <p:nvPr>
-            <p:ph type="sldNum" sz="quarter" idx="12"/>
-          </p:nvPr>
-        </p:nvSpPr>
-        <p:spPr/>
-        <p:txBody>
-          <a:bodyPr/>
-          <a:lstStyle/>
-          <a:p>
-            <a:fld id="{77D8DCB6-DE77-432F-867E-17030BC60D58}" type="slidenum">
-              <a:rPr lang="ko-KR" altLang="en-US" smtClean="0"/>
-              <a:t>13</a:t>
-            </a:fld>
-            <a:endParaRPr lang="ko-KR" altLang="en-US"/>
-          </a:p>
-        </p:txBody>
-      </p:sp>
-      <p:cxnSp>
-        <p:nvCxnSpPr>
-          <p:cNvPr id="8" name="직선 연결선 7">
-            <a:extLst>
-              <a:ext uri="{FF2B5EF4-FFF2-40B4-BE49-F238E27FC236}">
-                <a16:creationId xmlns:a16="http://schemas.microsoft.com/office/drawing/2014/main" id="{D1F8D6B6-3C71-480C-BFAD-599210C64964}"/>
-              </a:ext>
-            </a:extLst>
-          </p:cNvPr>
-          <p:cNvCxnSpPr>
-            <a:cxnSpLocks/>
-          </p:cNvCxnSpPr>
-          <p:nvPr/>
-        </p:nvCxnSpPr>
-        <p:spPr>
-          <a:xfrm>
-            <a:off x="513806" y="1138535"/>
-            <a:ext cx="10978016" cy="0"/>
-          </a:xfrm>
-          <a:prstGeom prst="line">
-            <a:avLst/>
-          </a:prstGeom>
-          <a:ln w="28575">
-            <a:solidFill>
-              <a:srgbClr val="A80000"/>
-            </a:solidFill>
-          </a:ln>
-        </p:spPr>
-        <p:style>
-          <a:lnRef idx="1">
-            <a:schemeClr val="accent1"/>
-          </a:lnRef>
-          <a:fillRef idx="0">
-            <a:schemeClr val="accent1"/>
-          </a:fillRef>
-          <a:effectRef idx="0">
-            <a:schemeClr val="accent1"/>
-          </a:effectRef>
-          <a:fontRef idx="minor">
-            <a:schemeClr val="tx1"/>
-          </a:fontRef>
-        </p:style>
-      </p:cxnSp>
-      <p:sp>
-        <p:nvSpPr>
-          <p:cNvPr id="5" name="TextBox 4">
-            <a:extLst>
-              <a:ext uri="{FF2B5EF4-FFF2-40B4-BE49-F238E27FC236}">
-                <a16:creationId xmlns:a16="http://schemas.microsoft.com/office/drawing/2014/main" id="{59A1B189-475B-5D9A-4DCD-B21C4BCB62AD}"/>
-              </a:ext>
-            </a:extLst>
-          </p:cNvPr>
-          <p:cNvSpPr txBox="1"/>
-          <p:nvPr/>
-        </p:nvSpPr>
-        <p:spPr>
-          <a:xfrm>
-            <a:off x="1046514" y="1316708"/>
-            <a:ext cx="9916126" cy="5203476"/>
-          </a:xfrm>
-          <a:prstGeom prst="rect">
-            <a:avLst/>
-          </a:prstGeom>
-          <a:noFill/>
-        </p:spPr>
-        <p:txBody>
-          <a:bodyPr wrap="square" rtlCol="0">
-            <a:spAutoFit/>
-          </a:bodyPr>
-          <a:lstStyle/>
-          <a:p>
-            <a:pPr marL="285750" indent="-285750">
-              <a:buFont typeface="Arial" panose="020B0604020202020204" pitchFamily="34" charset="0"/>
-              <a:buChar char="•"/>
-            </a:pPr>
-            <a:r>
-              <a:rPr lang="ko-KR" altLang="en-US" sz="3000" b="1" dirty="0">
-                <a:solidFill>
-                  <a:schemeClr val="tx1">
-                    <a:lumMod val="65000"/>
-                    <a:lumOff val="35000"/>
-                  </a:schemeClr>
-                </a:solidFill>
-              </a:rPr>
-              <a:t>장점</a:t>
-            </a:r>
-            <a:endParaRPr lang="en-US" altLang="ko-KR" sz="3000" b="1" dirty="0">
-              <a:solidFill>
-                <a:schemeClr val="tx1">
-                  <a:lumMod val="65000"/>
-                  <a:lumOff val="35000"/>
-                </a:schemeClr>
-              </a:solidFill>
-            </a:endParaRPr>
-          </a:p>
-          <a:p>
-            <a:pPr marL="742950" lvl="1" indent="-285750">
-              <a:lnSpc>
-                <a:spcPct val="150000"/>
-              </a:lnSpc>
-              <a:buFont typeface="Arial" panose="020B0604020202020204" pitchFamily="34" charset="0"/>
-              <a:buChar char="•"/>
-            </a:pPr>
-            <a:r>
-              <a:rPr lang="ko-KR" altLang="en-US" sz="2000" b="1" dirty="0">
-                <a:solidFill>
-                  <a:schemeClr val="tx1">
-                    <a:lumMod val="65000"/>
-                    <a:lumOff val="35000"/>
-                  </a:schemeClr>
-                </a:solidFill>
-              </a:rPr>
-              <a:t>라이선스 비용 없음</a:t>
-            </a:r>
-            <a:endParaRPr lang="en-US" altLang="ko-KR" sz="2000" b="1" dirty="0">
-              <a:solidFill>
-                <a:schemeClr val="tx1">
-                  <a:lumMod val="65000"/>
-                  <a:lumOff val="35000"/>
-                </a:schemeClr>
-              </a:solidFill>
-            </a:endParaRPr>
-          </a:p>
-          <a:p>
-            <a:pPr marL="742950" lvl="1" indent="-285750">
-              <a:lnSpc>
-                <a:spcPct val="150000"/>
-              </a:lnSpc>
-              <a:buFont typeface="Arial" panose="020B0604020202020204" pitchFamily="34" charset="0"/>
-              <a:buChar char="•"/>
-            </a:pPr>
-            <a:r>
-              <a:rPr lang="ko-KR" altLang="en-US" sz="2000" b="1" dirty="0">
-                <a:solidFill>
-                  <a:schemeClr val="tx1">
-                    <a:lumMod val="65000"/>
-                    <a:lumOff val="35000"/>
-                  </a:schemeClr>
-                </a:solidFill>
-              </a:rPr>
-              <a:t>접속시간 제한 없음</a:t>
-            </a:r>
-            <a:endParaRPr lang="en-US" altLang="ko-KR" sz="2000" b="1" dirty="0">
-              <a:solidFill>
-                <a:schemeClr val="tx1">
-                  <a:lumMod val="65000"/>
-                  <a:lumOff val="35000"/>
-                </a:schemeClr>
-              </a:solidFill>
-            </a:endParaRPr>
-          </a:p>
-          <a:p>
-            <a:pPr marL="285750" indent="-285750">
-              <a:buFont typeface="Arial" panose="020B0604020202020204" pitchFamily="34" charset="0"/>
-              <a:buChar char="•"/>
-            </a:pPr>
-            <a:endParaRPr lang="en-US" altLang="ko-KR" b="1" dirty="0">
-              <a:solidFill>
-                <a:schemeClr val="tx1">
-                  <a:lumMod val="65000"/>
-                  <a:lumOff val="35000"/>
-                </a:schemeClr>
-              </a:solidFill>
-            </a:endParaRPr>
-          </a:p>
-          <a:p>
-            <a:pPr marL="285750" indent="-285750">
-              <a:buFont typeface="Arial" panose="020B0604020202020204" pitchFamily="34" charset="0"/>
-              <a:buChar char="•"/>
-            </a:pPr>
-            <a:endParaRPr lang="en-US" altLang="ko-KR" b="1" dirty="0">
-              <a:solidFill>
-                <a:schemeClr val="tx1">
-                  <a:lumMod val="65000"/>
-                  <a:lumOff val="35000"/>
-                </a:schemeClr>
-              </a:solidFill>
-            </a:endParaRPr>
-          </a:p>
-          <a:p>
-            <a:pPr marL="285750" indent="-285750">
-              <a:buFont typeface="Arial" panose="020B0604020202020204" pitchFamily="34" charset="0"/>
-              <a:buChar char="•"/>
-            </a:pPr>
-            <a:r>
-              <a:rPr lang="ko-KR" altLang="en-US" sz="3000" b="1" dirty="0">
-                <a:solidFill>
-                  <a:schemeClr val="tx1">
-                    <a:lumMod val="65000"/>
-                    <a:lumOff val="35000"/>
-                  </a:schemeClr>
-                </a:solidFill>
-              </a:rPr>
-              <a:t>단점</a:t>
-            </a:r>
-          </a:p>
-          <a:p>
-            <a:pPr marL="742950" lvl="1" indent="-285750">
-              <a:lnSpc>
-                <a:spcPct val="150000"/>
-              </a:lnSpc>
-              <a:buFont typeface="Arial" panose="020B0604020202020204" pitchFamily="34" charset="0"/>
-              <a:buChar char="•"/>
-            </a:pPr>
-            <a:r>
-              <a:rPr lang="ko-KR" altLang="en-US" sz="2000" b="1" dirty="0">
-                <a:solidFill>
-                  <a:schemeClr val="tx1">
-                    <a:lumMod val="65000"/>
-                    <a:lumOff val="35000"/>
-                  </a:schemeClr>
-                </a:solidFill>
-              </a:rPr>
-              <a:t>화면 송출 시 매끄럽지 않음</a:t>
-            </a:r>
-            <a:r>
-              <a:rPr lang="en-US" altLang="ko-KR" sz="2000" b="1" dirty="0">
-                <a:solidFill>
-                  <a:schemeClr val="tx1">
-                    <a:lumMod val="65000"/>
-                    <a:lumOff val="35000"/>
-                  </a:schemeClr>
-                </a:solidFill>
-              </a:rPr>
-              <a:t>.</a:t>
-            </a:r>
-          </a:p>
-          <a:p>
-            <a:pPr marL="742950" lvl="1" indent="-285750">
-              <a:lnSpc>
-                <a:spcPct val="150000"/>
-              </a:lnSpc>
-              <a:buFont typeface="Arial" panose="020B0604020202020204" pitchFamily="34" charset="0"/>
-              <a:buChar char="•"/>
-            </a:pPr>
-            <a:r>
-              <a:rPr lang="en-US" altLang="ko-KR" sz="2000" b="1" dirty="0">
-                <a:solidFill>
-                  <a:schemeClr val="tx1">
-                    <a:lumMod val="65000"/>
-                    <a:lumOff val="35000"/>
-                  </a:schemeClr>
-                </a:solidFill>
-              </a:rPr>
-              <a:t>IP</a:t>
-            </a:r>
-            <a:r>
-              <a:rPr lang="ko-KR" altLang="en-US" sz="2000" b="1" dirty="0">
-                <a:solidFill>
-                  <a:schemeClr val="tx1">
-                    <a:lumMod val="65000"/>
-                    <a:lumOff val="35000"/>
-                  </a:schemeClr>
-                </a:solidFill>
-              </a:rPr>
-              <a:t>입력으로 따른 공유기 환경에서 서버 컴퓨터의 포트 포워딩 필요</a:t>
-            </a:r>
-            <a:endParaRPr lang="en-US" altLang="ko-KR" sz="2000" b="1" dirty="0">
-              <a:solidFill>
-                <a:schemeClr val="tx1">
-                  <a:lumMod val="65000"/>
-                  <a:lumOff val="35000"/>
-                </a:schemeClr>
-              </a:solidFill>
-            </a:endParaRPr>
-          </a:p>
-          <a:p>
-            <a:pPr marL="742950" lvl="1" indent="-285750">
-              <a:lnSpc>
-                <a:spcPct val="150000"/>
-              </a:lnSpc>
-              <a:buFont typeface="Arial" panose="020B0604020202020204" pitchFamily="34" charset="0"/>
-              <a:buChar char="•"/>
-            </a:pPr>
-            <a:r>
-              <a:rPr lang="ko-KR" altLang="en-US" sz="2000" b="1" dirty="0">
-                <a:solidFill>
-                  <a:schemeClr val="tx1">
-                    <a:lumMod val="65000"/>
-                    <a:lumOff val="35000"/>
-                  </a:schemeClr>
-                </a:solidFill>
-              </a:rPr>
-              <a:t>뷰어 화면의 마우스 위치로 서버 컴퓨터의 마우스 위치 고정</a:t>
-            </a:r>
-            <a:r>
-              <a:rPr lang="en-US" altLang="ko-KR" sz="2000" b="1" dirty="0">
-                <a:solidFill>
-                  <a:schemeClr val="tx1">
-                    <a:lumMod val="65000"/>
-                    <a:lumOff val="35000"/>
-                  </a:schemeClr>
-                </a:solidFill>
-              </a:rPr>
-              <a:t>(</a:t>
-            </a:r>
-            <a:r>
-              <a:rPr lang="ko-KR" altLang="en-US" sz="2000" b="1" dirty="0">
-                <a:solidFill>
-                  <a:schemeClr val="tx1">
-                    <a:lumMod val="65000"/>
-                    <a:lumOff val="35000"/>
-                  </a:schemeClr>
-                </a:solidFill>
-              </a:rPr>
-              <a:t>서버에서 조작 어려움</a:t>
-            </a:r>
-            <a:r>
-              <a:rPr lang="en-US" altLang="ko-KR" sz="2000" b="1" dirty="0">
-                <a:solidFill>
-                  <a:schemeClr val="tx1">
-                    <a:lumMod val="65000"/>
-                    <a:lumOff val="35000"/>
-                  </a:schemeClr>
-                </a:solidFill>
-              </a:rPr>
-              <a:t>)</a:t>
-            </a:r>
-          </a:p>
-          <a:p>
-            <a:pPr marL="742950" lvl="1" indent="-285750">
-              <a:lnSpc>
-                <a:spcPct val="150000"/>
-              </a:lnSpc>
-              <a:buFont typeface="Arial" panose="020B0604020202020204" pitchFamily="34" charset="0"/>
-              <a:buChar char="•"/>
-            </a:pPr>
-            <a:endParaRPr lang="en-US" altLang="ko-KR" sz="2000" b="1" dirty="0">
-              <a:solidFill>
-                <a:schemeClr val="tx1">
-                  <a:lumMod val="65000"/>
-                  <a:lumOff val="35000"/>
-                </a:schemeClr>
-              </a:solidFill>
-            </a:endParaRPr>
-          </a:p>
-          <a:p>
-            <a:pPr marL="742950" lvl="1" indent="-285750">
-              <a:lnSpc>
-                <a:spcPct val="150000"/>
-              </a:lnSpc>
-              <a:buFont typeface="Arial" panose="020B0604020202020204" pitchFamily="34" charset="0"/>
-              <a:buChar char="•"/>
-            </a:pPr>
-            <a:endParaRPr lang="en-US" altLang="ko-KR" sz="2000" b="1" dirty="0">
-              <a:solidFill>
-                <a:schemeClr val="tx1">
-                  <a:lumMod val="65000"/>
-                  <a:lumOff val="35000"/>
-                </a:schemeClr>
-              </a:solidFill>
-            </a:endParaRPr>
-          </a:p>
-        </p:txBody>
-      </p:sp>
-      <p:sp>
-        <p:nvSpPr>
-          <p:cNvPr id="3" name="TextBox 2">
-            <a:extLst>
-              <a:ext uri="{FF2B5EF4-FFF2-40B4-BE49-F238E27FC236}">
-                <a16:creationId xmlns:a16="http://schemas.microsoft.com/office/drawing/2014/main" id="{E52997F5-C101-6676-A302-45866E45F6D3}"/>
-              </a:ext>
-            </a:extLst>
-          </p:cNvPr>
-          <p:cNvSpPr txBox="1"/>
-          <p:nvPr/>
-        </p:nvSpPr>
-        <p:spPr>
-          <a:xfrm>
-            <a:off x="513805" y="576645"/>
-            <a:ext cx="8956766" cy="523220"/>
-          </a:xfrm>
-          <a:prstGeom prst="rect">
-            <a:avLst/>
-          </a:prstGeom>
-          <a:noFill/>
-        </p:spPr>
-        <p:txBody>
-          <a:bodyPr wrap="square" rtlCol="0">
-            <a:spAutoFit/>
-          </a:bodyPr>
-          <a:lstStyle/>
-          <a:p>
-            <a:r>
-              <a:rPr lang="en-US" altLang="ko-KR" sz="2800" b="1" dirty="0">
-                <a:solidFill>
-                  <a:schemeClr val="tx1">
-                    <a:lumMod val="65000"/>
-                    <a:lumOff val="35000"/>
-                  </a:schemeClr>
-                </a:solidFill>
-              </a:rPr>
-              <a:t>Ultra VNC</a:t>
-            </a:r>
-            <a:endParaRPr lang="ko-KR" altLang="en-US" sz="2800" b="1" dirty="0">
-              <a:solidFill>
-                <a:schemeClr val="tx1">
-                  <a:lumMod val="65000"/>
-                  <a:lumOff val="35000"/>
-                </a:schemeClr>
-              </a:solidFill>
-            </a:endParaRPr>
-          </a:p>
-        </p:txBody>
-      </p:sp>
-    </p:spTree>
-    <p:extLst>
-      <p:ext uri="{BB962C8B-B14F-4D97-AF65-F5344CB8AC3E}">
-        <p14:creationId xmlns:p14="http://schemas.microsoft.com/office/powerpoint/2010/main" val="1070169728"/>
-      </p:ext>
-    </p:extLst>
-  </p:cSld>
-  <p:clrMapOvr>
-    <a:masterClrMapping/>
-  </p:clrMapOvr>
-</p:sld>
-</file>
-
-<file path=ppt/slides/slide2.xml><?xml version="1.0" encoding="utf-8"?>
-<p:sld xmlns:a="http://schemas.openxmlformats.org/drawingml/2006/main" xmlns:r="http://schemas.openxmlformats.org/officeDocument/2006/relationships" xmlns:p="http://schemas.openxmlformats.org/presentationml/2006/main">
-  <p:cSld>
-    <p:spTree>
-      <p:nvGrpSpPr>
-        <p:cNvPr id="1" name=""/>
-        <p:cNvGrpSpPr/>
-        <p:nvPr/>
-      </p:nvGrpSpPr>
-      <p:grpSpPr>
-        <a:xfrm>
-          <a:off x="0" y="0"/>
-          <a:ext cx="0" cy="0"/>
-          <a:chOff x="0" y="0"/>
-          <a:chExt cx="0" cy="0"/>
-        </a:xfrm>
-      </p:grpSpPr>
-      <p:sp>
-        <p:nvSpPr>
-          <p:cNvPr id="4" name="날짜 개체 틀 3">
-            <a:extLst>
-              <a:ext uri="{FF2B5EF4-FFF2-40B4-BE49-F238E27FC236}">
-                <a16:creationId xmlns:a16="http://schemas.microsoft.com/office/drawing/2014/main" id="{96EB53D3-8572-4237-B28C-28CB40308C40}"/>
-              </a:ext>
-            </a:extLst>
-          </p:cNvPr>
-          <p:cNvSpPr>
-            <a:spLocks noGrp="1"/>
-          </p:cNvSpPr>
-          <p:nvPr>
-            <p:ph type="dt" sz="half" idx="10"/>
-          </p:nvPr>
-        </p:nvSpPr>
-        <p:spPr>
-          <a:xfrm>
-            <a:off x="141514" y="6356350"/>
-            <a:ext cx="2743200" cy="365125"/>
-          </a:xfrm>
-        </p:spPr>
-        <p:txBody>
-          <a:bodyPr/>
-          <a:lstStyle/>
-          <a:p>
-            <a:fld id="{0303D7D5-FAC8-4B75-A637-D564180CD715}" type="datetime1">
-              <a:rPr lang="ko-KR" altLang="en-US" sz="1000" smtClean="0"/>
-              <a:t>2023-06-07</a:t>
-            </a:fld>
-            <a:endParaRPr lang="ko-KR" altLang="en-US" sz="1000" dirty="0"/>
-          </a:p>
-        </p:txBody>
-      </p:sp>
-      <p:sp>
-        <p:nvSpPr>
-          <p:cNvPr id="6" name="슬라이드 번호 개체 틀 5">
-            <a:extLst>
-              <a:ext uri="{FF2B5EF4-FFF2-40B4-BE49-F238E27FC236}">
-                <a16:creationId xmlns:a16="http://schemas.microsoft.com/office/drawing/2014/main" id="{6E93A4FF-EE48-4AD7-B7EF-105B8CE4CD9F}"/>
-              </a:ext>
-            </a:extLst>
-          </p:cNvPr>
-          <p:cNvSpPr>
-            <a:spLocks noGrp="1"/>
-          </p:cNvSpPr>
-          <p:nvPr>
-            <p:ph type="sldNum" sz="quarter" idx="12"/>
-          </p:nvPr>
-        </p:nvSpPr>
-        <p:spPr/>
-        <p:txBody>
-          <a:bodyPr/>
-          <a:lstStyle/>
-          <a:p>
-            <a:fld id="{77D8DCB6-DE77-432F-867E-17030BC60D58}" type="slidenum">
-              <a:rPr lang="ko-KR" altLang="en-US" smtClean="0"/>
-              <a:t>2</a:t>
-            </a:fld>
-            <a:endParaRPr lang="ko-KR" altLang="en-US"/>
-          </a:p>
-        </p:txBody>
-      </p:sp>
-      <p:cxnSp>
-        <p:nvCxnSpPr>
-          <p:cNvPr id="8" name="직선 연결선 7">
-            <a:extLst>
-              <a:ext uri="{FF2B5EF4-FFF2-40B4-BE49-F238E27FC236}">
-                <a16:creationId xmlns:a16="http://schemas.microsoft.com/office/drawing/2014/main" id="{D1F8D6B6-3C71-480C-BFAD-599210C64964}"/>
-              </a:ext>
-            </a:extLst>
-          </p:cNvPr>
-          <p:cNvCxnSpPr>
-            <a:cxnSpLocks/>
-          </p:cNvCxnSpPr>
-          <p:nvPr/>
-        </p:nvCxnSpPr>
-        <p:spPr>
-          <a:xfrm>
-            <a:off x="513806" y="1138535"/>
-            <a:ext cx="10978016" cy="0"/>
-          </a:xfrm>
-          <a:prstGeom prst="line">
-            <a:avLst/>
-          </a:prstGeom>
-          <a:ln w="28575">
-            <a:solidFill>
-              <a:srgbClr val="A80000"/>
-            </a:solidFill>
-          </a:ln>
-        </p:spPr>
-        <p:style>
-          <a:lnRef idx="1">
-            <a:schemeClr val="accent1"/>
-          </a:lnRef>
-          <a:fillRef idx="0">
-            <a:schemeClr val="accent1"/>
-          </a:fillRef>
-          <a:effectRef idx="0">
-            <a:schemeClr val="accent1"/>
-          </a:effectRef>
-          <a:fontRef idx="minor">
-            <a:schemeClr val="tx1"/>
-          </a:fontRef>
-        </p:style>
-      </p:cxnSp>
-      <p:sp>
-        <p:nvSpPr>
-          <p:cNvPr id="9" name="TextBox 8">
-            <a:extLst>
-              <a:ext uri="{FF2B5EF4-FFF2-40B4-BE49-F238E27FC236}">
-                <a16:creationId xmlns:a16="http://schemas.microsoft.com/office/drawing/2014/main" id="{85E2DDDA-35AB-489C-8A37-0A056738B5CD}"/>
-              </a:ext>
-            </a:extLst>
-          </p:cNvPr>
-          <p:cNvSpPr txBox="1"/>
-          <p:nvPr/>
-        </p:nvSpPr>
-        <p:spPr>
-          <a:xfrm>
-            <a:off x="513806" y="576645"/>
-            <a:ext cx="3524794" cy="523220"/>
-          </a:xfrm>
-          <a:prstGeom prst="rect">
-            <a:avLst/>
-          </a:prstGeom>
-          <a:noFill/>
-        </p:spPr>
-        <p:txBody>
-          <a:bodyPr wrap="square" rtlCol="0">
-            <a:spAutoFit/>
-          </a:bodyPr>
-          <a:lstStyle/>
-          <a:p>
-            <a:r>
-              <a:rPr lang="ko-KR" altLang="en-US" sz="2800" b="1" dirty="0">
-                <a:solidFill>
-                  <a:schemeClr val="tx1">
-                    <a:lumMod val="65000"/>
-                    <a:lumOff val="35000"/>
-                  </a:schemeClr>
-                </a:solidFill>
-              </a:rPr>
-              <a:t>요약</a:t>
-            </a:r>
-          </a:p>
-        </p:txBody>
-      </p:sp>
-      <mc:AlternateContent xmlns:mc="http://schemas.openxmlformats.org/markup-compatibility/2006">
-        <mc:Choice xmlns:a14="http://schemas.microsoft.com/office/drawing/2010/main" Requires="a14">
-          <p:sp>
-            <p:nvSpPr>
-              <p:cNvPr id="3" name="TextBox 2">
-                <a:extLst>
-                  <a:ext uri="{FF2B5EF4-FFF2-40B4-BE49-F238E27FC236}">
-                    <a16:creationId xmlns:a16="http://schemas.microsoft.com/office/drawing/2014/main" id="{C6018689-DE6A-8724-D9C8-C125027B6225}"/>
-                  </a:ext>
-                </a:extLst>
-              </p:cNvPr>
-              <p:cNvSpPr txBox="1"/>
-              <p:nvPr/>
-            </p:nvSpPr>
-            <p:spPr>
-              <a:xfrm flipH="1">
-                <a:off x="3186248" y="2185853"/>
-                <a:ext cx="3763192" cy="617861"/>
-              </a:xfrm>
-              <a:prstGeom prst="rect">
-                <a:avLst/>
-              </a:prstGeom>
-              <a:noFill/>
-            </p:spPr>
-            <p:txBody>
-              <a:bodyPr wrap="square" lIns="0" tIns="0" rIns="0" bIns="0" rtlCol="0">
-                <a:spAutoFit/>
-              </a:bodyPr>
-              <a:lstStyle/>
-              <a:p>
-                <a14:m>
-                  <m:oMathPara xmlns:m="http://schemas.openxmlformats.org/officeDocument/2006/math">
-                    <m:oMathParaPr>
-                      <m:jc m:val="centerGroup"/>
-                    </m:oMathParaPr>
-                    <m:oMath xmlns:m="http://schemas.openxmlformats.org/officeDocument/2006/math">
-                      <m:r>
-                        <a:rPr lang="en-US" b="0" i="1" smtClean="0">
-                          <a:latin typeface="Cambria Math" panose="02040503050406030204" pitchFamily="18" charset="0"/>
-                          <a:ea typeface="Cambria Math" panose="02040503050406030204" pitchFamily="18" charset="0"/>
-                        </a:rPr>
-                        <m:t>𝑦</m:t>
-                      </m:r>
-                      <m:r>
-                        <a:rPr lang="en-US" b="0" i="1" smtClean="0">
-                          <a:latin typeface="Cambria Math" panose="02040503050406030204" pitchFamily="18" charset="0"/>
-                          <a:ea typeface="Cambria Math" panose="02040503050406030204" pitchFamily="18" charset="0"/>
-                        </a:rPr>
-                        <m:t>=</m:t>
-                      </m:r>
-                      <m:d>
-                        <m:dPr>
-                          <m:begChr m:val="{"/>
-                          <m:endChr m:val=""/>
-                          <m:ctrlPr>
-                            <a:rPr lang="el-GR" i="1" smtClean="0">
-                              <a:latin typeface="Cambria Math" panose="02040503050406030204" pitchFamily="18" charset="0"/>
-                              <a:ea typeface="Cambria Math" panose="02040503050406030204" pitchFamily="18" charset="0"/>
-                            </a:rPr>
-                          </m:ctrlPr>
-                        </m:dPr>
-                        <m:e>
-                          <m:eqArr>
-                            <m:eqArrPr>
-                              <m:ctrlPr>
-                                <a:rPr lang="el-GR" i="1" smtClean="0">
-                                  <a:latin typeface="Cambria Math" panose="02040503050406030204" pitchFamily="18" charset="0"/>
-                                  <a:ea typeface="Cambria Math" panose="02040503050406030204" pitchFamily="18" charset="0"/>
-                                </a:rPr>
-                              </m:ctrlPr>
-                            </m:eqArrPr>
-                            <m:e>
-                              <m:r>
-                                <a:rPr lang="en-US" b="0" i="1" smtClean="0">
-                                  <a:latin typeface="Cambria Math" panose="02040503050406030204" pitchFamily="18" charset="0"/>
-                                  <a:ea typeface="Cambria Math" panose="02040503050406030204" pitchFamily="18" charset="0"/>
-                                </a:rPr>
-                                <m:t>0 (</m:t>
-                              </m:r>
-                              <m:sSub>
-                                <m:sSubPr>
-                                  <m:ctrlPr>
-                                    <a:rPr lang="en-US" b="0" i="1" smtClean="0">
-                                      <a:latin typeface="Cambria Math" panose="02040503050406030204" pitchFamily="18" charset="0"/>
-                                      <a:ea typeface="Cambria Math" panose="02040503050406030204" pitchFamily="18" charset="0"/>
-                                    </a:rPr>
-                                  </m:ctrlPr>
-                                </m:sSubPr>
-                                <m:e>
-                                  <m:r>
-                                    <a:rPr lang="en-US" b="0" i="1" smtClean="0">
-                                      <a:latin typeface="Cambria Math" panose="02040503050406030204" pitchFamily="18" charset="0"/>
-                                      <a:ea typeface="Cambria Math" panose="02040503050406030204" pitchFamily="18" charset="0"/>
-                                    </a:rPr>
-                                    <m:t>𝑤</m:t>
-                                  </m:r>
-                                </m:e>
-                                <m:sub>
-                                  <m:r>
-                                    <a:rPr lang="en-US" b="0" i="1" smtClean="0">
-                                      <a:latin typeface="Cambria Math" panose="02040503050406030204" pitchFamily="18" charset="0"/>
-                                      <a:ea typeface="Cambria Math" panose="02040503050406030204" pitchFamily="18" charset="0"/>
-                                    </a:rPr>
-                                    <m:t>1</m:t>
-                                  </m:r>
-                                </m:sub>
-                              </m:sSub>
-                              <m:sSub>
-                                <m:sSubPr>
-                                  <m:ctrlPr>
-                                    <a:rPr lang="en-US" i="1">
-                                      <a:latin typeface="Cambria Math" panose="02040503050406030204" pitchFamily="18" charset="0"/>
-                                      <a:ea typeface="Cambria Math" panose="02040503050406030204" pitchFamily="18" charset="0"/>
-                                    </a:rPr>
-                                  </m:ctrlPr>
-                                </m:sSubPr>
-                                <m:e>
-                                  <m:r>
-                                    <a:rPr lang="en-US" b="0" i="1" smtClean="0">
-                                      <a:latin typeface="Cambria Math" panose="02040503050406030204" pitchFamily="18" charset="0"/>
-                                      <a:ea typeface="Cambria Math" panose="02040503050406030204" pitchFamily="18" charset="0"/>
-                                    </a:rPr>
-                                    <m:t>𝑥</m:t>
-                                  </m:r>
-                                </m:e>
-                                <m:sub>
-                                  <m:r>
-                                    <a:rPr lang="en-US" i="1">
-                                      <a:latin typeface="Cambria Math" panose="02040503050406030204" pitchFamily="18" charset="0"/>
-                                      <a:ea typeface="Cambria Math" panose="02040503050406030204" pitchFamily="18" charset="0"/>
-                                    </a:rPr>
-                                    <m:t>1</m:t>
-                                  </m:r>
-                                </m:sub>
-                              </m:sSub>
-                              <m:r>
-                                <a:rPr lang="en-US" b="0" i="1" smtClean="0">
-                                  <a:latin typeface="Cambria Math" panose="02040503050406030204" pitchFamily="18" charset="0"/>
-                                  <a:ea typeface="Cambria Math" panose="02040503050406030204" pitchFamily="18" charset="0"/>
-                                </a:rPr>
-                                <m:t>+</m:t>
-                              </m:r>
-                              <m:sSub>
-                                <m:sSubPr>
-                                  <m:ctrlPr>
-                                    <a:rPr lang="en-US" i="1">
-                                      <a:latin typeface="Cambria Math" panose="02040503050406030204" pitchFamily="18" charset="0"/>
-                                      <a:ea typeface="Cambria Math" panose="02040503050406030204" pitchFamily="18" charset="0"/>
-                                    </a:rPr>
-                                  </m:ctrlPr>
-                                </m:sSubPr>
-                                <m:e>
-                                  <m:r>
-                                    <a:rPr lang="en-US" i="1">
-                                      <a:latin typeface="Cambria Math" panose="02040503050406030204" pitchFamily="18" charset="0"/>
-                                      <a:ea typeface="Cambria Math" panose="02040503050406030204" pitchFamily="18" charset="0"/>
-                                    </a:rPr>
-                                    <m:t>𝑤</m:t>
-                                  </m:r>
-                                </m:e>
-                                <m:sub>
-                                  <m:r>
-                                    <a:rPr lang="en-US" b="0" i="1" smtClean="0">
-                                      <a:latin typeface="Cambria Math" panose="02040503050406030204" pitchFamily="18" charset="0"/>
-                                      <a:ea typeface="Cambria Math" panose="02040503050406030204" pitchFamily="18" charset="0"/>
-                                    </a:rPr>
-                                    <m:t>2</m:t>
-                                  </m:r>
-                                </m:sub>
-                              </m:sSub>
-                              <m:sSub>
-                                <m:sSubPr>
-                                  <m:ctrlPr>
-                                    <a:rPr lang="en-US" i="1">
-                                      <a:latin typeface="Cambria Math" panose="02040503050406030204" pitchFamily="18" charset="0"/>
-                                      <a:ea typeface="Cambria Math" panose="02040503050406030204" pitchFamily="18" charset="0"/>
-                                    </a:rPr>
-                                  </m:ctrlPr>
-                                </m:sSubPr>
-                                <m:e>
-                                  <m:r>
-                                    <a:rPr lang="en-US" b="0" i="1" smtClean="0">
-                                      <a:latin typeface="Cambria Math" panose="02040503050406030204" pitchFamily="18" charset="0"/>
-                                      <a:ea typeface="Cambria Math" panose="02040503050406030204" pitchFamily="18" charset="0"/>
-                                    </a:rPr>
-                                    <m:t>𝑥</m:t>
-                                  </m:r>
-                                </m:e>
-                                <m:sub>
-                                  <m:r>
-                                    <a:rPr lang="en-US" b="0" i="1" smtClean="0">
-                                      <a:latin typeface="Cambria Math" panose="02040503050406030204" pitchFamily="18" charset="0"/>
-                                      <a:ea typeface="Cambria Math" panose="02040503050406030204" pitchFamily="18" charset="0"/>
-                                    </a:rPr>
-                                    <m:t>2</m:t>
-                                  </m:r>
-                                </m:sub>
-                              </m:sSub>
-                              <m:r>
-                                <a:rPr lang="en-US" i="1" smtClean="0">
-                                  <a:latin typeface="Cambria Math" panose="02040503050406030204" pitchFamily="18" charset="0"/>
-                                  <a:ea typeface="Cambria Math" panose="02040503050406030204" pitchFamily="18" charset="0"/>
-                                </a:rPr>
-                                <m:t>≤</m:t>
-                              </m:r>
-                              <m:r>
-                                <a:rPr lang="en-US" i="1" smtClean="0">
-                                  <a:latin typeface="Cambria Math" panose="02040503050406030204" pitchFamily="18" charset="0"/>
-                                  <a:ea typeface="Cambria Math" panose="02040503050406030204" pitchFamily="18" charset="0"/>
-                                </a:rPr>
-                                <m:t>𝜃</m:t>
-                              </m:r>
-                              <m:r>
-                                <a:rPr lang="en-US" b="0" i="1" smtClean="0">
-                                  <a:latin typeface="Cambria Math" panose="02040503050406030204" pitchFamily="18" charset="0"/>
-                                  <a:ea typeface="Cambria Math" panose="02040503050406030204" pitchFamily="18" charset="0"/>
-                                </a:rPr>
-                                <m:t>)</m:t>
-                              </m:r>
-                            </m:e>
-                            <m:e>
-                              <m:r>
-                                <a:rPr lang="en-US" b="0" i="1" smtClean="0">
-                                  <a:latin typeface="Cambria Math" panose="02040503050406030204" pitchFamily="18" charset="0"/>
-                                  <a:ea typeface="Cambria Math" panose="02040503050406030204" pitchFamily="18" charset="0"/>
-                                </a:rPr>
-                                <m:t>1 </m:t>
-                              </m:r>
-                              <m:r>
-                                <a:rPr lang="en-US" i="1">
-                                  <a:latin typeface="Cambria Math" panose="02040503050406030204" pitchFamily="18" charset="0"/>
-                                  <a:ea typeface="Cambria Math" panose="02040503050406030204" pitchFamily="18" charset="0"/>
-                                </a:rPr>
-                                <m:t>(</m:t>
-                              </m:r>
-                              <m:sSub>
-                                <m:sSubPr>
-                                  <m:ctrlPr>
-                                    <a:rPr lang="en-US" i="1">
-                                      <a:latin typeface="Cambria Math" panose="02040503050406030204" pitchFamily="18" charset="0"/>
-                                      <a:ea typeface="Cambria Math" panose="02040503050406030204" pitchFamily="18" charset="0"/>
-                                    </a:rPr>
-                                  </m:ctrlPr>
-                                </m:sSubPr>
-                                <m:e>
-                                  <m:r>
-                                    <a:rPr lang="en-US" i="1">
-                                      <a:latin typeface="Cambria Math" panose="02040503050406030204" pitchFamily="18" charset="0"/>
-                                      <a:ea typeface="Cambria Math" panose="02040503050406030204" pitchFamily="18" charset="0"/>
-                                    </a:rPr>
-                                    <m:t>𝑤</m:t>
-                                  </m:r>
-                                </m:e>
-                                <m:sub>
-                                  <m:r>
-                                    <a:rPr lang="en-US" i="1">
-                                      <a:latin typeface="Cambria Math" panose="02040503050406030204" pitchFamily="18" charset="0"/>
-                                      <a:ea typeface="Cambria Math" panose="02040503050406030204" pitchFamily="18" charset="0"/>
-                                    </a:rPr>
-                                    <m:t>1</m:t>
-                                  </m:r>
-                                </m:sub>
-                              </m:sSub>
-                              <m:sSub>
-                                <m:sSubPr>
-                                  <m:ctrlPr>
-                                    <a:rPr lang="en-US" i="1">
-                                      <a:latin typeface="Cambria Math" panose="02040503050406030204" pitchFamily="18" charset="0"/>
-                                      <a:ea typeface="Cambria Math" panose="02040503050406030204" pitchFamily="18" charset="0"/>
-                                    </a:rPr>
-                                  </m:ctrlPr>
-                                </m:sSubPr>
-                                <m:e>
-                                  <m:r>
-                                    <a:rPr lang="en-US" b="0" i="1" smtClean="0">
-                                      <a:latin typeface="Cambria Math" panose="02040503050406030204" pitchFamily="18" charset="0"/>
-                                      <a:ea typeface="Cambria Math" panose="02040503050406030204" pitchFamily="18" charset="0"/>
-                                    </a:rPr>
-                                    <m:t>𝑥</m:t>
-                                  </m:r>
-                                </m:e>
-                                <m:sub>
-                                  <m:r>
-                                    <a:rPr lang="en-US" i="1">
-                                      <a:latin typeface="Cambria Math" panose="02040503050406030204" pitchFamily="18" charset="0"/>
-                                      <a:ea typeface="Cambria Math" panose="02040503050406030204" pitchFamily="18" charset="0"/>
-                                    </a:rPr>
-                                    <m:t>1</m:t>
-                                  </m:r>
-                                </m:sub>
-                              </m:sSub>
-                              <m:r>
-                                <a:rPr lang="en-US" i="1">
-                                  <a:latin typeface="Cambria Math" panose="02040503050406030204" pitchFamily="18" charset="0"/>
-                                  <a:ea typeface="Cambria Math" panose="02040503050406030204" pitchFamily="18" charset="0"/>
-                                </a:rPr>
-                                <m:t>+</m:t>
-                              </m:r>
-                              <m:sSub>
-                                <m:sSubPr>
-                                  <m:ctrlPr>
-                                    <a:rPr lang="en-US" i="1">
-                                      <a:latin typeface="Cambria Math" panose="02040503050406030204" pitchFamily="18" charset="0"/>
-                                      <a:ea typeface="Cambria Math" panose="02040503050406030204" pitchFamily="18" charset="0"/>
-                                    </a:rPr>
-                                  </m:ctrlPr>
-                                </m:sSubPr>
-                                <m:e>
-                                  <m:r>
-                                    <a:rPr lang="en-US" i="1">
-                                      <a:latin typeface="Cambria Math" panose="02040503050406030204" pitchFamily="18" charset="0"/>
-                                      <a:ea typeface="Cambria Math" panose="02040503050406030204" pitchFamily="18" charset="0"/>
-                                    </a:rPr>
-                                    <m:t>𝑤</m:t>
-                                  </m:r>
-                                </m:e>
-                                <m:sub>
-                                  <m:r>
-                                    <a:rPr lang="en-US" i="1">
-                                      <a:latin typeface="Cambria Math" panose="02040503050406030204" pitchFamily="18" charset="0"/>
-                                      <a:ea typeface="Cambria Math" panose="02040503050406030204" pitchFamily="18" charset="0"/>
-                                    </a:rPr>
-                                    <m:t>2</m:t>
-                                  </m:r>
-                                </m:sub>
-                              </m:sSub>
-                              <m:sSub>
-                                <m:sSubPr>
-                                  <m:ctrlPr>
-                                    <a:rPr lang="en-US" i="1">
-                                      <a:latin typeface="Cambria Math" panose="02040503050406030204" pitchFamily="18" charset="0"/>
-                                      <a:ea typeface="Cambria Math" panose="02040503050406030204" pitchFamily="18" charset="0"/>
-                                    </a:rPr>
-                                  </m:ctrlPr>
-                                </m:sSubPr>
-                                <m:e>
-                                  <m:r>
-                                    <a:rPr lang="en-US" i="1">
-                                      <a:latin typeface="Cambria Math" panose="02040503050406030204" pitchFamily="18" charset="0"/>
-                                      <a:ea typeface="Cambria Math" panose="02040503050406030204" pitchFamily="18" charset="0"/>
-                                    </a:rPr>
-                                    <m:t>𝑥</m:t>
-                                  </m:r>
-                                </m:e>
-                                <m:sub>
-                                  <m:r>
-                                    <a:rPr lang="en-US" i="1">
-                                      <a:latin typeface="Cambria Math" panose="02040503050406030204" pitchFamily="18" charset="0"/>
-                                      <a:ea typeface="Cambria Math" panose="02040503050406030204" pitchFamily="18" charset="0"/>
-                                    </a:rPr>
-                                    <m:t>2</m:t>
-                                  </m:r>
-                                </m:sub>
-                              </m:sSub>
-                              <m:r>
-                                <a:rPr lang="en-US" i="1">
-                                  <a:latin typeface="Cambria Math" panose="02040503050406030204" pitchFamily="18" charset="0"/>
-                                  <a:ea typeface="Cambria Math" panose="02040503050406030204" pitchFamily="18" charset="0"/>
-                                </a:rPr>
-                                <m:t>≤</m:t>
-                              </m:r>
-                              <m:r>
-                                <a:rPr lang="en-US" i="1">
-                                  <a:latin typeface="Cambria Math" panose="02040503050406030204" pitchFamily="18" charset="0"/>
-                                  <a:ea typeface="Cambria Math" panose="02040503050406030204" pitchFamily="18" charset="0"/>
-                                </a:rPr>
-                                <m:t>𝜃</m:t>
-                              </m:r>
-                              <m:r>
-                                <a:rPr lang="en-US" i="1">
-                                  <a:latin typeface="Cambria Math" panose="02040503050406030204" pitchFamily="18" charset="0"/>
-                                  <a:ea typeface="Cambria Math" panose="02040503050406030204" pitchFamily="18" charset="0"/>
-                                </a:rPr>
-                                <m:t>)</m:t>
-                              </m:r>
-                            </m:e>
-                          </m:eqArr>
-                        </m:e>
-                      </m:d>
-                    </m:oMath>
-                  </m:oMathPara>
-                </a14:m>
-                <a:endParaRPr lang="en-US" dirty="0"/>
-              </a:p>
-            </p:txBody>
-          </p:sp>
-        </mc:Choice>
-        <mc:Fallback>
-          <p:sp>
-            <p:nvSpPr>
-              <p:cNvPr id="3" name="TextBox 2">
-                <a:extLst>
-                  <a:ext uri="{FF2B5EF4-FFF2-40B4-BE49-F238E27FC236}">
-                    <a16:creationId xmlns:a16="http://schemas.microsoft.com/office/drawing/2014/main" id="{C6018689-DE6A-8724-D9C8-C125027B6225}"/>
-                  </a:ext>
-                </a:extLst>
-              </p:cNvPr>
-              <p:cNvSpPr txBox="1">
-                <a:spLocks noRot="1" noChangeAspect="1" noMove="1" noResize="1" noEditPoints="1" noAdjustHandles="1" noChangeArrowheads="1" noChangeShapeType="1" noTextEdit="1"/>
-              </p:cNvSpPr>
-              <p:nvPr/>
-            </p:nvSpPr>
-            <p:spPr>
-              <a:xfrm flipH="1">
-                <a:off x="3186248" y="2185853"/>
-                <a:ext cx="3763192" cy="617861"/>
-              </a:xfrm>
-              <a:prstGeom prst="rect">
-                <a:avLst/>
-              </a:prstGeom>
-              <a:blipFill>
-                <a:blip r:embed="rId2"/>
-                <a:stretch>
-                  <a:fillRect/>
-                </a:stretch>
-              </a:blipFill>
-            </p:spPr>
-            <p:txBody>
-              <a:bodyPr/>
-              <a:lstStyle/>
-              <a:p>
-                <a:r>
-                  <a:rPr lang="en-US">
-                    <a:noFill/>
-                  </a:rPr>
-                  <a:t> </a:t>
-                </a:r>
-              </a:p>
-            </p:txBody>
-          </p:sp>
-        </mc:Fallback>
-      </mc:AlternateContent>
-    </p:spTree>
-    <p:extLst>
-      <p:ext uri="{BB962C8B-B14F-4D97-AF65-F5344CB8AC3E}">
-        <p14:creationId xmlns:p14="http://schemas.microsoft.com/office/powerpoint/2010/main" val="487831342"/>
-      </p:ext>
-    </p:extLst>
-  </p:cSld>
-  <p:clrMapOvr>
-    <a:masterClrMapping/>
-  </p:clrMapOvr>
-</p:sld>
-</file>
-
-<file path=ppt/slides/slide3.xml><?xml version="1.0" encoding="utf-8"?>
-<p:sld xmlns:a="http://schemas.openxmlformats.org/drawingml/2006/main" xmlns:r="http://schemas.openxmlformats.org/officeDocument/2006/relationships" xmlns:p="http://schemas.openxmlformats.org/presentationml/2006/main">
-  <p:cSld>
-    <p:spTree>
-      <p:nvGrpSpPr>
-        <p:cNvPr id="1" name=""/>
-        <p:cNvGrpSpPr/>
-        <p:nvPr/>
-      </p:nvGrpSpPr>
-      <p:grpSpPr>
-        <a:xfrm>
-          <a:off x="0" y="0"/>
-          <a:ext cx="0" cy="0"/>
-          <a:chOff x="0" y="0"/>
-          <a:chExt cx="0" cy="0"/>
-        </a:xfrm>
-      </p:grpSpPr>
-      <p:sp>
-        <p:nvSpPr>
-          <p:cNvPr id="4" name="날짜 개체 틀 3">
-            <a:extLst>
-              <a:ext uri="{FF2B5EF4-FFF2-40B4-BE49-F238E27FC236}">
-                <a16:creationId xmlns:a16="http://schemas.microsoft.com/office/drawing/2014/main" id="{96EB53D3-8572-4237-B28C-28CB40308C40}"/>
-              </a:ext>
-            </a:extLst>
-          </p:cNvPr>
-          <p:cNvSpPr>
-            <a:spLocks noGrp="1"/>
-          </p:cNvSpPr>
-          <p:nvPr>
-            <p:ph type="dt" sz="half" idx="10"/>
-          </p:nvPr>
-        </p:nvSpPr>
-        <p:spPr>
-          <a:xfrm>
-            <a:off x="141514" y="6356350"/>
-            <a:ext cx="2743200" cy="365125"/>
-          </a:xfrm>
-        </p:spPr>
-        <p:txBody>
-          <a:bodyPr/>
-          <a:lstStyle/>
-          <a:p>
-            <a:fld id="{0303D7D5-FAC8-4B75-A637-D564180CD715}" type="datetime1">
-              <a:rPr lang="ko-KR" altLang="en-US" sz="1000" smtClean="0"/>
-              <a:t>2023-06-07</a:t>
-            </a:fld>
-            <a:endParaRPr lang="ko-KR" altLang="en-US" sz="1000" dirty="0"/>
-          </a:p>
-        </p:txBody>
-      </p:sp>
-      <p:sp>
-        <p:nvSpPr>
-          <p:cNvPr id="6" name="슬라이드 번호 개체 틀 5">
-            <a:extLst>
-              <a:ext uri="{FF2B5EF4-FFF2-40B4-BE49-F238E27FC236}">
-                <a16:creationId xmlns:a16="http://schemas.microsoft.com/office/drawing/2014/main" id="{6E93A4FF-EE48-4AD7-B7EF-105B8CE4CD9F}"/>
-              </a:ext>
-            </a:extLst>
-          </p:cNvPr>
-          <p:cNvSpPr>
-            <a:spLocks noGrp="1"/>
-          </p:cNvSpPr>
-          <p:nvPr>
-            <p:ph type="sldNum" sz="quarter" idx="12"/>
-          </p:nvPr>
-        </p:nvSpPr>
-        <p:spPr/>
-        <p:txBody>
-          <a:bodyPr/>
-          <a:lstStyle/>
-          <a:p>
-            <a:fld id="{77D8DCB6-DE77-432F-867E-17030BC60D58}" type="slidenum">
-              <a:rPr lang="ko-KR" altLang="en-US" smtClean="0"/>
-              <a:t>3</a:t>
-            </a:fld>
-            <a:endParaRPr lang="ko-KR" altLang="en-US"/>
-          </a:p>
-        </p:txBody>
-      </p:sp>
-      <p:cxnSp>
-        <p:nvCxnSpPr>
-          <p:cNvPr id="8" name="직선 연결선 7">
-            <a:extLst>
-              <a:ext uri="{FF2B5EF4-FFF2-40B4-BE49-F238E27FC236}">
-                <a16:creationId xmlns:a16="http://schemas.microsoft.com/office/drawing/2014/main" id="{D1F8D6B6-3C71-480C-BFAD-599210C64964}"/>
-              </a:ext>
-            </a:extLst>
-          </p:cNvPr>
-          <p:cNvCxnSpPr>
-            <a:cxnSpLocks/>
-          </p:cNvCxnSpPr>
-          <p:nvPr/>
-        </p:nvCxnSpPr>
-        <p:spPr>
-          <a:xfrm>
-            <a:off x="513806" y="1138535"/>
-            <a:ext cx="10978016" cy="0"/>
-          </a:xfrm>
-          <a:prstGeom prst="line">
-            <a:avLst/>
-          </a:prstGeom>
-          <a:ln w="28575">
-            <a:solidFill>
-              <a:srgbClr val="A80000"/>
-            </a:solidFill>
-          </a:ln>
-        </p:spPr>
-        <p:style>
-          <a:lnRef idx="1">
-            <a:schemeClr val="accent1"/>
-          </a:lnRef>
-          <a:fillRef idx="0">
-            <a:schemeClr val="accent1"/>
-          </a:fillRef>
-          <a:effectRef idx="0">
-            <a:schemeClr val="accent1"/>
-          </a:effectRef>
-          <a:fontRef idx="minor">
-            <a:schemeClr val="tx1"/>
-          </a:fontRef>
-        </p:style>
-      </p:cxnSp>
-      <p:sp>
-        <p:nvSpPr>
-          <p:cNvPr id="9" name="TextBox 8">
-            <a:extLst>
-              <a:ext uri="{FF2B5EF4-FFF2-40B4-BE49-F238E27FC236}">
-                <a16:creationId xmlns:a16="http://schemas.microsoft.com/office/drawing/2014/main" id="{85E2DDDA-35AB-489C-8A37-0A056738B5CD}"/>
-              </a:ext>
-            </a:extLst>
-          </p:cNvPr>
-          <p:cNvSpPr txBox="1"/>
-          <p:nvPr/>
-        </p:nvSpPr>
-        <p:spPr>
-          <a:xfrm>
-            <a:off x="513806" y="576645"/>
-            <a:ext cx="3524794" cy="523220"/>
-          </a:xfrm>
-          <a:prstGeom prst="rect">
-            <a:avLst/>
-          </a:prstGeom>
-          <a:noFill/>
-        </p:spPr>
-        <p:txBody>
-          <a:bodyPr wrap="square" rtlCol="0">
-            <a:spAutoFit/>
-          </a:bodyPr>
-          <a:lstStyle/>
-          <a:p>
-            <a:r>
-              <a:rPr lang="en-US" altLang="ko-KR" sz="2800" b="1" dirty="0">
-                <a:solidFill>
-                  <a:schemeClr val="tx1">
-                    <a:lumMod val="65000"/>
-                    <a:lumOff val="35000"/>
-                  </a:schemeClr>
-                </a:solidFill>
-              </a:rPr>
-              <a:t>Team Viewer</a:t>
-            </a:r>
-            <a:endParaRPr lang="ko-KR" altLang="en-US" sz="2800" b="1" dirty="0">
-              <a:solidFill>
-                <a:schemeClr val="tx1">
-                  <a:lumMod val="65000"/>
-                  <a:lumOff val="35000"/>
-                </a:schemeClr>
-              </a:solidFill>
-            </a:endParaRPr>
-          </a:p>
-        </p:txBody>
-      </p:sp>
-      <p:pic>
-        <p:nvPicPr>
-          <p:cNvPr id="8194" name="Picture 2" descr="원격 제어용 TeamViewer - Google Play 앱">
-            <a:extLst>
-              <a:ext uri="{FF2B5EF4-FFF2-40B4-BE49-F238E27FC236}">
-                <a16:creationId xmlns:a16="http://schemas.microsoft.com/office/drawing/2014/main" id="{E5A6520D-AF3F-C1AE-7353-62807211797D}"/>
-              </a:ext>
-            </a:extLst>
-          </p:cNvPr>
-          <p:cNvPicPr>
-            <a:picLocks noChangeAspect="1" noChangeArrowheads="1"/>
-          </p:cNvPicPr>
-          <p:nvPr/>
-        </p:nvPicPr>
-        <p:blipFill>
-          <a:blip r:embed="rId2">
-            <a:extLst>
-              <a:ext uri="{28A0092B-C50C-407E-A947-70E740481C1C}">
-                <a14:useLocalDpi xmlns:a14="http://schemas.microsoft.com/office/drawing/2010/main" val="0"/>
-              </a:ext>
-            </a:extLst>
-          </a:blip>
-          <a:srcRect/>
-          <a:stretch>
-            <a:fillRect/>
-          </a:stretch>
-        </p:blipFill>
-        <p:spPr bwMode="auto">
-          <a:xfrm>
-            <a:off x="914548" y="2146746"/>
-            <a:ext cx="3124052" cy="3124052"/>
-          </a:xfrm>
-          <a:prstGeom prst="rect">
-            <a:avLst/>
-          </a:prstGeom>
-          <a:noFill/>
-          <a:extLst>
-            <a:ext uri="{909E8E84-426E-40DD-AFC4-6F175D3DCCD1}">
-              <a14:hiddenFill xmlns:a14="http://schemas.microsoft.com/office/drawing/2010/main">
-                <a:solidFill>
-                  <a:srgbClr val="FFFFFF"/>
-                </a:solidFill>
-              </a14:hiddenFill>
-            </a:ext>
-          </a:extLst>
-        </p:spPr>
-      </p:pic>
-      <p:sp>
-        <p:nvSpPr>
-          <p:cNvPr id="3" name="TextBox 2">
-            <a:extLst>
-              <a:ext uri="{FF2B5EF4-FFF2-40B4-BE49-F238E27FC236}">
-                <a16:creationId xmlns:a16="http://schemas.microsoft.com/office/drawing/2014/main" id="{D603CCB4-ACB5-F02F-EF78-87D53658E441}"/>
-              </a:ext>
-            </a:extLst>
-          </p:cNvPr>
-          <p:cNvSpPr txBox="1"/>
-          <p:nvPr/>
-        </p:nvSpPr>
-        <p:spPr>
-          <a:xfrm>
-            <a:off x="4583089" y="2305615"/>
-            <a:ext cx="7035560" cy="1631216"/>
-          </a:xfrm>
-          <a:prstGeom prst="rect">
-            <a:avLst/>
-          </a:prstGeom>
-          <a:noFill/>
-        </p:spPr>
-        <p:txBody>
-          <a:bodyPr wrap="square" rtlCol="0">
-            <a:spAutoFit/>
-          </a:bodyPr>
-          <a:lstStyle/>
-          <a:p>
-            <a:pPr marL="285750" indent="-285750">
-              <a:buFont typeface="Arial" panose="020B0604020202020204" pitchFamily="34" charset="0"/>
-              <a:buChar char="•"/>
-            </a:pPr>
-            <a:r>
-              <a:rPr lang="ko-KR" altLang="en-US" sz="2000" b="1" dirty="0">
-                <a:solidFill>
-                  <a:schemeClr val="tx1">
-                    <a:lumMod val="65000"/>
-                    <a:lumOff val="35000"/>
-                  </a:schemeClr>
-                </a:solidFill>
-              </a:rPr>
-              <a:t>유료 라이선스 사용</a:t>
-            </a:r>
-            <a:endParaRPr lang="en-US" altLang="ko-KR" sz="2000" b="1" dirty="0">
-              <a:solidFill>
-                <a:schemeClr val="tx1">
-                  <a:lumMod val="65000"/>
-                  <a:lumOff val="35000"/>
-                </a:schemeClr>
-              </a:solidFill>
-            </a:endParaRPr>
-          </a:p>
-          <a:p>
-            <a:pPr marL="285750" indent="-285750">
-              <a:buFont typeface="Arial" panose="020B0604020202020204" pitchFamily="34" charset="0"/>
-              <a:buChar char="•"/>
-            </a:pPr>
-            <a:endParaRPr lang="en-US" altLang="ko-KR" sz="2000" b="1" dirty="0">
-              <a:solidFill>
-                <a:schemeClr val="tx1">
-                  <a:lumMod val="65000"/>
-                  <a:lumOff val="35000"/>
-                </a:schemeClr>
-              </a:solidFill>
-            </a:endParaRPr>
-          </a:p>
-          <a:p>
-            <a:pPr marL="285750" indent="-285750">
-              <a:buFont typeface="Arial" panose="020B0604020202020204" pitchFamily="34" charset="0"/>
-              <a:buChar char="•"/>
-            </a:pPr>
-            <a:r>
-              <a:rPr lang="ko-KR" altLang="en-US" sz="2000" b="1" dirty="0">
-                <a:solidFill>
-                  <a:schemeClr val="tx1">
-                    <a:lumMod val="65000"/>
-                    <a:lumOff val="35000"/>
-                  </a:schemeClr>
-                </a:solidFill>
-              </a:rPr>
-              <a:t>안정적인 연결 보장</a:t>
-            </a:r>
-            <a:endParaRPr lang="en-US" altLang="ko-KR" sz="2000" b="1" dirty="0">
-              <a:solidFill>
-                <a:schemeClr val="tx1">
-                  <a:lumMod val="65000"/>
-                  <a:lumOff val="35000"/>
-                </a:schemeClr>
-              </a:solidFill>
-            </a:endParaRPr>
-          </a:p>
-          <a:p>
-            <a:pPr marL="285750" indent="-285750">
-              <a:buFont typeface="Arial" panose="020B0604020202020204" pitchFamily="34" charset="0"/>
-              <a:buChar char="•"/>
-            </a:pPr>
-            <a:endParaRPr lang="en-US" altLang="ko-KR" sz="2000" b="1" dirty="0">
-              <a:solidFill>
-                <a:schemeClr val="tx1">
-                  <a:lumMod val="65000"/>
-                  <a:lumOff val="35000"/>
-                </a:schemeClr>
-              </a:solidFill>
-            </a:endParaRPr>
-          </a:p>
-          <a:p>
-            <a:pPr marL="285750" indent="-285750">
-              <a:buFont typeface="Arial" panose="020B0604020202020204" pitchFamily="34" charset="0"/>
-              <a:buChar char="•"/>
-            </a:pPr>
-            <a:endParaRPr lang="en-US" altLang="ko-KR" sz="2000" b="1" dirty="0">
-              <a:solidFill>
-                <a:schemeClr val="tx1">
-                  <a:lumMod val="65000"/>
-                  <a:lumOff val="35000"/>
-                </a:schemeClr>
-              </a:solidFill>
-            </a:endParaRPr>
-          </a:p>
-        </p:txBody>
-      </p:sp>
-    </p:spTree>
-    <p:extLst>
-      <p:ext uri="{BB962C8B-B14F-4D97-AF65-F5344CB8AC3E}">
-        <p14:creationId xmlns:p14="http://schemas.microsoft.com/office/powerpoint/2010/main" val="987020760"/>
-      </p:ext>
-    </p:extLst>
-  </p:cSld>
-  <p:clrMapOvr>
-    <a:masterClrMapping/>
-  </p:clrMapOvr>
-</p:sld>
-</file>
-
-<file path=ppt/slides/slide4.xml><?xml version="1.0" encoding="utf-8"?>
-<p:sld xmlns:a="http://schemas.openxmlformats.org/drawingml/2006/main" xmlns:r="http://schemas.openxmlformats.org/officeDocument/2006/relationships" xmlns:p="http://schemas.openxmlformats.org/presentationml/2006/main">
-  <p:cSld>
-    <p:spTree>
-      <p:nvGrpSpPr>
-        <p:cNvPr id="1" name=""/>
-        <p:cNvGrpSpPr/>
-        <p:nvPr/>
-      </p:nvGrpSpPr>
-      <p:grpSpPr>
-        <a:xfrm>
-          <a:off x="0" y="0"/>
-          <a:ext cx="0" cy="0"/>
-          <a:chOff x="0" y="0"/>
-          <a:chExt cx="0" cy="0"/>
-        </a:xfrm>
-      </p:grpSpPr>
-      <p:sp>
-        <p:nvSpPr>
-          <p:cNvPr id="4" name="날짜 개체 틀 3">
-            <a:extLst>
-              <a:ext uri="{FF2B5EF4-FFF2-40B4-BE49-F238E27FC236}">
-                <a16:creationId xmlns:a16="http://schemas.microsoft.com/office/drawing/2014/main" id="{96EB53D3-8572-4237-B28C-28CB40308C40}"/>
-              </a:ext>
-            </a:extLst>
-          </p:cNvPr>
-          <p:cNvSpPr>
-            <a:spLocks noGrp="1"/>
-          </p:cNvSpPr>
-          <p:nvPr>
-            <p:ph type="dt" sz="half" idx="10"/>
-          </p:nvPr>
-        </p:nvSpPr>
-        <p:spPr>
-          <a:xfrm>
-            <a:off x="141514" y="6356350"/>
-            <a:ext cx="2743200" cy="365125"/>
-          </a:xfrm>
-        </p:spPr>
-        <p:txBody>
-          <a:bodyPr/>
-          <a:lstStyle/>
-          <a:p>
-            <a:fld id="{0303D7D5-FAC8-4B75-A637-D564180CD715}" type="datetime1">
-              <a:rPr lang="ko-KR" altLang="en-US" sz="1000" smtClean="0"/>
-              <a:t>2023-06-07</a:t>
-            </a:fld>
-            <a:endParaRPr lang="ko-KR" altLang="en-US" sz="1000" dirty="0"/>
-          </a:p>
-        </p:txBody>
-      </p:sp>
-      <p:sp>
-        <p:nvSpPr>
-          <p:cNvPr id="6" name="슬라이드 번호 개체 틀 5">
-            <a:extLst>
-              <a:ext uri="{FF2B5EF4-FFF2-40B4-BE49-F238E27FC236}">
-                <a16:creationId xmlns:a16="http://schemas.microsoft.com/office/drawing/2014/main" id="{6E93A4FF-EE48-4AD7-B7EF-105B8CE4CD9F}"/>
-              </a:ext>
-            </a:extLst>
-          </p:cNvPr>
-          <p:cNvSpPr>
-            <a:spLocks noGrp="1"/>
-          </p:cNvSpPr>
-          <p:nvPr>
-            <p:ph type="sldNum" sz="quarter" idx="12"/>
-          </p:nvPr>
-        </p:nvSpPr>
-        <p:spPr/>
-        <p:txBody>
-          <a:bodyPr/>
-          <a:lstStyle/>
-          <a:p>
-            <a:fld id="{77D8DCB6-DE77-432F-867E-17030BC60D58}" type="slidenum">
-              <a:rPr lang="ko-KR" altLang="en-US" smtClean="0"/>
-              <a:t>4</a:t>
-            </a:fld>
-            <a:endParaRPr lang="ko-KR" altLang="en-US"/>
-          </a:p>
-        </p:txBody>
-      </p:sp>
-      <p:cxnSp>
-        <p:nvCxnSpPr>
-          <p:cNvPr id="8" name="직선 연결선 7">
-            <a:extLst>
-              <a:ext uri="{FF2B5EF4-FFF2-40B4-BE49-F238E27FC236}">
-                <a16:creationId xmlns:a16="http://schemas.microsoft.com/office/drawing/2014/main" id="{D1F8D6B6-3C71-480C-BFAD-599210C64964}"/>
-              </a:ext>
-            </a:extLst>
-          </p:cNvPr>
-          <p:cNvCxnSpPr>
-            <a:cxnSpLocks/>
-          </p:cNvCxnSpPr>
-          <p:nvPr/>
-        </p:nvCxnSpPr>
-        <p:spPr>
-          <a:xfrm>
-            <a:off x="513806" y="1138535"/>
-            <a:ext cx="10978016" cy="0"/>
-          </a:xfrm>
-          <a:prstGeom prst="line">
-            <a:avLst/>
-          </a:prstGeom>
-          <a:ln w="28575">
-            <a:solidFill>
-              <a:srgbClr val="A80000"/>
-            </a:solidFill>
-          </a:ln>
-        </p:spPr>
-        <p:style>
-          <a:lnRef idx="1">
-            <a:schemeClr val="accent1"/>
-          </a:lnRef>
-          <a:fillRef idx="0">
-            <a:schemeClr val="accent1"/>
-          </a:fillRef>
-          <a:effectRef idx="0">
-            <a:schemeClr val="accent1"/>
-          </a:effectRef>
-          <a:fontRef idx="minor">
-            <a:schemeClr val="tx1"/>
-          </a:fontRef>
-        </p:style>
-      </p:cxnSp>
-      <p:sp>
-        <p:nvSpPr>
-          <p:cNvPr id="2" name="TextBox 1">
-            <a:extLst>
-              <a:ext uri="{FF2B5EF4-FFF2-40B4-BE49-F238E27FC236}">
-                <a16:creationId xmlns:a16="http://schemas.microsoft.com/office/drawing/2014/main" id="{42C44CD5-A821-3F0D-9DCC-9081EB274BBC}"/>
-              </a:ext>
-            </a:extLst>
-          </p:cNvPr>
-          <p:cNvSpPr txBox="1"/>
-          <p:nvPr/>
-        </p:nvSpPr>
-        <p:spPr>
-          <a:xfrm>
-            <a:off x="513806" y="576645"/>
-            <a:ext cx="3524794" cy="523220"/>
-          </a:xfrm>
-          <a:prstGeom prst="rect">
-            <a:avLst/>
-          </a:prstGeom>
-          <a:noFill/>
-        </p:spPr>
-        <p:txBody>
-          <a:bodyPr wrap="square" rtlCol="0">
-            <a:spAutoFit/>
-          </a:bodyPr>
-          <a:lstStyle/>
-          <a:p>
-            <a:r>
-              <a:rPr lang="en-US" altLang="ko-KR" sz="2800" b="1" dirty="0">
-                <a:solidFill>
-                  <a:schemeClr val="tx1">
-                    <a:lumMod val="65000"/>
-                    <a:lumOff val="35000"/>
-                  </a:schemeClr>
-                </a:solidFill>
-              </a:rPr>
-              <a:t>Team Viewer</a:t>
-            </a:r>
-            <a:endParaRPr lang="ko-KR" altLang="en-US" sz="2800" b="1" dirty="0">
-              <a:solidFill>
-                <a:schemeClr val="tx1">
-                  <a:lumMod val="65000"/>
-                  <a:lumOff val="35000"/>
-                </a:schemeClr>
-              </a:solidFill>
-            </a:endParaRPr>
-          </a:p>
-        </p:txBody>
-      </p:sp>
-      <p:sp>
-        <p:nvSpPr>
-          <p:cNvPr id="3" name="TextBox 2">
-            <a:extLst>
-              <a:ext uri="{FF2B5EF4-FFF2-40B4-BE49-F238E27FC236}">
-                <a16:creationId xmlns:a16="http://schemas.microsoft.com/office/drawing/2014/main" id="{F18FD829-44F9-D01B-88F7-4608099462AE}"/>
-              </a:ext>
-            </a:extLst>
-          </p:cNvPr>
-          <p:cNvSpPr txBox="1"/>
-          <p:nvPr/>
-        </p:nvSpPr>
-        <p:spPr>
-          <a:xfrm>
-            <a:off x="1046514" y="1316708"/>
-            <a:ext cx="9916126" cy="4210896"/>
-          </a:xfrm>
-          <a:prstGeom prst="rect">
-            <a:avLst/>
-          </a:prstGeom>
-          <a:noFill/>
-        </p:spPr>
-        <p:txBody>
-          <a:bodyPr wrap="square" rtlCol="0">
-            <a:spAutoFit/>
-          </a:bodyPr>
-          <a:lstStyle/>
-          <a:p>
-            <a:pPr marL="285750" indent="-285750">
-              <a:buFont typeface="Arial" panose="020B0604020202020204" pitchFamily="34" charset="0"/>
-              <a:buChar char="•"/>
-            </a:pPr>
-            <a:r>
-              <a:rPr lang="ko-KR" altLang="en-US" sz="3000" b="1" dirty="0">
-                <a:solidFill>
-                  <a:schemeClr val="tx1">
-                    <a:lumMod val="65000"/>
-                    <a:lumOff val="35000"/>
-                  </a:schemeClr>
-                </a:solidFill>
-              </a:rPr>
-              <a:t>장점</a:t>
-            </a:r>
-            <a:endParaRPr lang="en-US" altLang="ko-KR" sz="3000" b="1" dirty="0">
-              <a:solidFill>
-                <a:schemeClr val="tx1">
-                  <a:lumMod val="65000"/>
-                  <a:lumOff val="35000"/>
-                </a:schemeClr>
-              </a:solidFill>
-            </a:endParaRPr>
-          </a:p>
-          <a:p>
-            <a:pPr marL="742950" lvl="1" indent="-285750">
-              <a:lnSpc>
-                <a:spcPct val="200000"/>
-              </a:lnSpc>
-              <a:buFont typeface="Arial" panose="020B0604020202020204" pitchFamily="34" charset="0"/>
-              <a:buChar char="•"/>
-            </a:pPr>
-            <a:r>
-              <a:rPr lang="ko-KR" altLang="en-US" sz="2000" b="1" dirty="0">
-                <a:solidFill>
-                  <a:schemeClr val="tx1">
-                    <a:lumMod val="65000"/>
-                    <a:lumOff val="35000"/>
-                  </a:schemeClr>
-                </a:solidFill>
-              </a:rPr>
-              <a:t>상용제품 </a:t>
-            </a:r>
-            <a:r>
-              <a:rPr lang="en-US" altLang="ko-KR" sz="2000" b="1" dirty="0">
-                <a:solidFill>
-                  <a:schemeClr val="tx1">
-                    <a:lumMod val="65000"/>
-                    <a:lumOff val="35000"/>
-                  </a:schemeClr>
-                </a:solidFill>
-              </a:rPr>
-              <a:t>: </a:t>
-            </a:r>
-            <a:r>
-              <a:rPr lang="ko-KR" altLang="en-US" sz="2000" b="1" dirty="0">
-                <a:solidFill>
-                  <a:schemeClr val="tx1">
-                    <a:lumMod val="65000"/>
-                    <a:lumOff val="35000"/>
-                  </a:schemeClr>
-                </a:solidFill>
-              </a:rPr>
-              <a:t>사용자 편의성 확보</a:t>
-            </a:r>
-            <a:r>
-              <a:rPr lang="en-US" altLang="ko-KR" sz="2000" b="1" dirty="0">
-                <a:solidFill>
-                  <a:schemeClr val="tx1">
-                    <a:lumMod val="65000"/>
-                    <a:lumOff val="35000"/>
-                  </a:schemeClr>
-                </a:solidFill>
-              </a:rPr>
-              <a:t>, </a:t>
-            </a:r>
-            <a:r>
-              <a:rPr lang="ko-KR" altLang="en-US" sz="2000" b="1" dirty="0">
-                <a:solidFill>
-                  <a:schemeClr val="tx1">
-                    <a:lumMod val="65000"/>
-                    <a:lumOff val="35000"/>
-                  </a:schemeClr>
-                </a:solidFill>
-              </a:rPr>
-              <a:t>다양한 기능 및 제품</a:t>
-            </a:r>
-            <a:r>
-              <a:rPr lang="en-US" altLang="ko-KR" sz="2000" b="1" dirty="0">
-                <a:solidFill>
-                  <a:schemeClr val="tx1">
-                    <a:lumMod val="65000"/>
-                    <a:lumOff val="35000"/>
-                  </a:schemeClr>
-                </a:solidFill>
-              </a:rPr>
-              <a:t>,</a:t>
-            </a:r>
-          </a:p>
-          <a:p>
-            <a:pPr marL="285750" indent="-285750">
-              <a:buFont typeface="Arial" panose="020B0604020202020204" pitchFamily="34" charset="0"/>
-              <a:buChar char="•"/>
-            </a:pPr>
-            <a:endParaRPr lang="en-US" altLang="ko-KR" b="1" dirty="0">
-              <a:solidFill>
-                <a:schemeClr val="tx1">
-                  <a:lumMod val="65000"/>
-                  <a:lumOff val="35000"/>
-                </a:schemeClr>
-              </a:solidFill>
-            </a:endParaRPr>
-          </a:p>
-          <a:p>
-            <a:pPr marL="285750" indent="-285750">
-              <a:buFont typeface="Arial" panose="020B0604020202020204" pitchFamily="34" charset="0"/>
-              <a:buChar char="•"/>
-            </a:pPr>
-            <a:endParaRPr lang="en-US" altLang="ko-KR" b="1" dirty="0">
-              <a:solidFill>
-                <a:schemeClr val="tx1">
-                  <a:lumMod val="65000"/>
-                  <a:lumOff val="35000"/>
-                </a:schemeClr>
-              </a:solidFill>
-            </a:endParaRPr>
-          </a:p>
-          <a:p>
-            <a:pPr marL="285750" indent="-285750">
-              <a:buFont typeface="Arial" panose="020B0604020202020204" pitchFamily="34" charset="0"/>
-              <a:buChar char="•"/>
-            </a:pPr>
-            <a:endParaRPr lang="en-US" altLang="ko-KR" b="1" dirty="0">
-              <a:solidFill>
-                <a:schemeClr val="tx1">
-                  <a:lumMod val="65000"/>
-                  <a:lumOff val="35000"/>
-                </a:schemeClr>
-              </a:solidFill>
-            </a:endParaRPr>
-          </a:p>
-          <a:p>
-            <a:pPr marL="285750" indent="-285750">
-              <a:buFont typeface="Arial" panose="020B0604020202020204" pitchFamily="34" charset="0"/>
-              <a:buChar char="•"/>
-            </a:pPr>
-            <a:r>
-              <a:rPr lang="ko-KR" altLang="en-US" sz="3000" b="1" dirty="0">
-                <a:solidFill>
-                  <a:schemeClr val="tx1">
-                    <a:lumMod val="65000"/>
-                    <a:lumOff val="35000"/>
-                  </a:schemeClr>
-                </a:solidFill>
-              </a:rPr>
-              <a:t>단점</a:t>
-            </a:r>
-            <a:endParaRPr lang="en-US" altLang="ko-KR" sz="3000" b="1" dirty="0">
-              <a:solidFill>
-                <a:schemeClr val="tx1">
-                  <a:lumMod val="65000"/>
-                  <a:lumOff val="35000"/>
-                </a:schemeClr>
-              </a:solidFill>
-            </a:endParaRPr>
-          </a:p>
-          <a:p>
-            <a:pPr marL="742950" lvl="1" indent="-285750">
-              <a:lnSpc>
-                <a:spcPct val="200000"/>
-              </a:lnSpc>
-              <a:buFont typeface="Arial" panose="020B0604020202020204" pitchFamily="34" charset="0"/>
-              <a:buChar char="•"/>
-            </a:pPr>
-            <a:r>
-              <a:rPr lang="ko-KR" altLang="en-US" sz="2000" b="1" dirty="0">
-                <a:solidFill>
-                  <a:schemeClr val="tx1">
-                    <a:lumMod val="65000"/>
-                    <a:lumOff val="35000"/>
-                  </a:schemeClr>
-                </a:solidFill>
-              </a:rPr>
-              <a:t>자동으로 연결이 종료될 수 있다</a:t>
-            </a:r>
-            <a:r>
-              <a:rPr lang="en-US" altLang="ko-KR" sz="2000" b="1" dirty="0">
-                <a:solidFill>
-                  <a:schemeClr val="tx1">
-                    <a:lumMod val="65000"/>
-                    <a:lumOff val="35000"/>
-                  </a:schemeClr>
-                </a:solidFill>
-              </a:rPr>
-              <a:t>(</a:t>
-            </a:r>
-            <a:r>
-              <a:rPr lang="ko-KR" altLang="en-US" sz="2000" b="1" dirty="0">
-                <a:solidFill>
-                  <a:schemeClr val="tx1">
-                    <a:lumMod val="65000"/>
-                    <a:lumOff val="35000"/>
-                  </a:schemeClr>
-                </a:solidFill>
-              </a:rPr>
-              <a:t>무료 라이선스</a:t>
-            </a:r>
-            <a:r>
-              <a:rPr lang="en-US" altLang="ko-KR" sz="2000" b="1" dirty="0">
-                <a:solidFill>
-                  <a:schemeClr val="tx1">
-                    <a:lumMod val="65000"/>
-                    <a:lumOff val="35000"/>
-                  </a:schemeClr>
-                </a:solidFill>
-              </a:rPr>
-              <a:t>).</a:t>
-            </a:r>
-          </a:p>
-          <a:p>
-            <a:pPr marL="742950" lvl="1" indent="-285750">
-              <a:lnSpc>
-                <a:spcPct val="200000"/>
-              </a:lnSpc>
-              <a:buFont typeface="Arial" panose="020B0604020202020204" pitchFamily="34" charset="0"/>
-              <a:buChar char="•"/>
-            </a:pPr>
-            <a:r>
-              <a:rPr lang="ko-KR" altLang="en-US" sz="2000" b="1" dirty="0">
-                <a:solidFill>
-                  <a:schemeClr val="tx1">
-                    <a:lumMod val="65000"/>
-                    <a:lumOff val="35000"/>
-                  </a:schemeClr>
-                </a:solidFill>
-              </a:rPr>
-              <a:t>사용자 필요성 부분에 대한 변경이 불가능</a:t>
-            </a:r>
-            <a:endParaRPr lang="en-US" altLang="ko-KR" sz="2000" b="1" dirty="0">
-              <a:solidFill>
-                <a:schemeClr val="tx1">
-                  <a:lumMod val="65000"/>
-                  <a:lumOff val="35000"/>
-                </a:schemeClr>
-              </a:solidFill>
-            </a:endParaRPr>
-          </a:p>
-          <a:p>
-            <a:pPr marL="742950" lvl="1" indent="-285750">
-              <a:lnSpc>
-                <a:spcPct val="200000"/>
-              </a:lnSpc>
-              <a:buFont typeface="Arial" panose="020B0604020202020204" pitchFamily="34" charset="0"/>
-              <a:buChar char="•"/>
-            </a:pPr>
-            <a:r>
-              <a:rPr lang="ko-KR" altLang="en-US" sz="2000" b="1" dirty="0">
-                <a:solidFill>
-                  <a:schemeClr val="tx1">
-                    <a:lumMod val="65000"/>
-                    <a:lumOff val="35000"/>
-                  </a:schemeClr>
-                </a:solidFill>
-              </a:rPr>
-              <a:t>기업 라이선스의 경우 높은 비용이 발생</a:t>
-            </a:r>
-            <a:endParaRPr lang="en-US" altLang="ko-KR" sz="2000" b="1" dirty="0">
-              <a:solidFill>
-                <a:schemeClr val="tx1">
-                  <a:lumMod val="65000"/>
-                  <a:lumOff val="35000"/>
-                </a:schemeClr>
-              </a:solidFill>
-            </a:endParaRPr>
-          </a:p>
-        </p:txBody>
-      </p:sp>
-    </p:spTree>
-    <p:extLst>
-      <p:ext uri="{BB962C8B-B14F-4D97-AF65-F5344CB8AC3E}">
-        <p14:creationId xmlns:p14="http://schemas.microsoft.com/office/powerpoint/2010/main" val="851103586"/>
-      </p:ext>
-    </p:extLst>
-  </p:cSld>
-  <p:clrMapOvr>
-    <a:masterClrMapping/>
-  </p:clrMapOvr>
-</p:sld>
-</file>
-
-<file path=ppt/slides/slide5.xml><?xml version="1.0" encoding="utf-8"?>
-<p:sld xmlns:a="http://schemas.openxmlformats.org/drawingml/2006/main" xmlns:r="http://schemas.openxmlformats.org/officeDocument/2006/relationships" xmlns:p="http://schemas.openxmlformats.org/presentationml/2006/main">
-  <p:cSld>
-    <p:spTree>
-      <p:nvGrpSpPr>
-        <p:cNvPr id="1" name=""/>
-        <p:cNvGrpSpPr/>
-        <p:nvPr/>
-      </p:nvGrpSpPr>
-      <p:grpSpPr>
-        <a:xfrm>
-          <a:off x="0" y="0"/>
-          <a:ext cx="0" cy="0"/>
-          <a:chOff x="0" y="0"/>
-          <a:chExt cx="0" cy="0"/>
-        </a:xfrm>
-      </p:grpSpPr>
-      <p:sp>
-        <p:nvSpPr>
-          <p:cNvPr id="4" name="날짜 개체 틀 3">
-            <a:extLst>
-              <a:ext uri="{FF2B5EF4-FFF2-40B4-BE49-F238E27FC236}">
-                <a16:creationId xmlns:a16="http://schemas.microsoft.com/office/drawing/2014/main" id="{96EB53D3-8572-4237-B28C-28CB40308C40}"/>
-              </a:ext>
-            </a:extLst>
-          </p:cNvPr>
-          <p:cNvSpPr>
-            <a:spLocks noGrp="1"/>
-          </p:cNvSpPr>
-          <p:nvPr>
-            <p:ph type="dt" sz="half" idx="10"/>
-          </p:nvPr>
-        </p:nvSpPr>
-        <p:spPr>
-          <a:xfrm>
-            <a:off x="141514" y="6356350"/>
-            <a:ext cx="2743200" cy="365125"/>
-          </a:xfrm>
-        </p:spPr>
-        <p:txBody>
-          <a:bodyPr/>
-          <a:lstStyle/>
-          <a:p>
-            <a:fld id="{0303D7D5-FAC8-4B75-A637-D564180CD715}" type="datetime1">
-              <a:rPr lang="ko-KR" altLang="en-US" sz="1000" smtClean="0"/>
-              <a:t>2023-06-07</a:t>
-            </a:fld>
-            <a:endParaRPr lang="ko-KR" altLang="en-US" sz="1000" dirty="0"/>
-          </a:p>
-        </p:txBody>
-      </p:sp>
-      <p:sp>
-        <p:nvSpPr>
-          <p:cNvPr id="6" name="슬라이드 번호 개체 틀 5">
-            <a:extLst>
-              <a:ext uri="{FF2B5EF4-FFF2-40B4-BE49-F238E27FC236}">
-                <a16:creationId xmlns:a16="http://schemas.microsoft.com/office/drawing/2014/main" id="{6E93A4FF-EE48-4AD7-B7EF-105B8CE4CD9F}"/>
-              </a:ext>
-            </a:extLst>
-          </p:cNvPr>
-          <p:cNvSpPr>
-            <a:spLocks noGrp="1"/>
-          </p:cNvSpPr>
-          <p:nvPr>
-            <p:ph type="sldNum" sz="quarter" idx="12"/>
-          </p:nvPr>
-        </p:nvSpPr>
-        <p:spPr/>
-        <p:txBody>
-          <a:bodyPr/>
-          <a:lstStyle/>
-          <a:p>
-            <a:fld id="{77D8DCB6-DE77-432F-867E-17030BC60D58}" type="slidenum">
-              <a:rPr lang="ko-KR" altLang="en-US" smtClean="0"/>
-              <a:t>5</a:t>
-            </a:fld>
-            <a:endParaRPr lang="ko-KR" altLang="en-US"/>
-          </a:p>
-        </p:txBody>
-      </p:sp>
-      <p:cxnSp>
-        <p:nvCxnSpPr>
-          <p:cNvPr id="8" name="직선 연결선 7">
-            <a:extLst>
-              <a:ext uri="{FF2B5EF4-FFF2-40B4-BE49-F238E27FC236}">
-                <a16:creationId xmlns:a16="http://schemas.microsoft.com/office/drawing/2014/main" id="{D1F8D6B6-3C71-480C-BFAD-599210C64964}"/>
-              </a:ext>
-            </a:extLst>
-          </p:cNvPr>
-          <p:cNvCxnSpPr>
-            <a:cxnSpLocks/>
-          </p:cNvCxnSpPr>
-          <p:nvPr/>
-        </p:nvCxnSpPr>
-        <p:spPr>
-          <a:xfrm>
-            <a:off x="513806" y="1138535"/>
-            <a:ext cx="10978016" cy="0"/>
-          </a:xfrm>
-          <a:prstGeom prst="line">
-            <a:avLst/>
-          </a:prstGeom>
-          <a:ln w="28575">
-            <a:solidFill>
-              <a:srgbClr val="A80000"/>
-            </a:solidFill>
-          </a:ln>
-        </p:spPr>
-        <p:style>
-          <a:lnRef idx="1">
-            <a:schemeClr val="accent1"/>
-          </a:lnRef>
-          <a:fillRef idx="0">
-            <a:schemeClr val="accent1"/>
-          </a:fillRef>
-          <a:effectRef idx="0">
-            <a:schemeClr val="accent1"/>
-          </a:effectRef>
-          <a:fontRef idx="minor">
-            <a:schemeClr val="tx1"/>
-          </a:fontRef>
-        </p:style>
-      </p:cxnSp>
-      <p:sp>
-        <p:nvSpPr>
-          <p:cNvPr id="2" name="TextBox 1">
-            <a:extLst>
-              <a:ext uri="{FF2B5EF4-FFF2-40B4-BE49-F238E27FC236}">
-                <a16:creationId xmlns:a16="http://schemas.microsoft.com/office/drawing/2014/main" id="{82581151-C8AA-F77B-A1C9-ACA3C18C17A4}"/>
-              </a:ext>
-            </a:extLst>
-          </p:cNvPr>
-          <p:cNvSpPr txBox="1"/>
-          <p:nvPr/>
-        </p:nvSpPr>
-        <p:spPr>
-          <a:xfrm>
-            <a:off x="513806" y="576645"/>
-            <a:ext cx="5886994" cy="523220"/>
-          </a:xfrm>
-          <a:prstGeom prst="rect">
-            <a:avLst/>
-          </a:prstGeom>
-          <a:noFill/>
-        </p:spPr>
-        <p:txBody>
-          <a:bodyPr wrap="square" rtlCol="0">
-            <a:spAutoFit/>
-          </a:bodyPr>
-          <a:lstStyle/>
-          <a:p>
-            <a:r>
-              <a:rPr lang="en-US" altLang="ko-KR" sz="2800" b="1" dirty="0">
-                <a:solidFill>
-                  <a:schemeClr val="tx1">
-                    <a:lumMod val="65000"/>
-                    <a:lumOff val="35000"/>
-                  </a:schemeClr>
-                </a:solidFill>
-              </a:rPr>
-              <a:t>Google Chrome </a:t>
-            </a:r>
-            <a:r>
-              <a:rPr lang="ko-KR" altLang="en-US" sz="2800" b="1" dirty="0">
-                <a:solidFill>
-                  <a:schemeClr val="tx1">
-                    <a:lumMod val="65000"/>
-                    <a:lumOff val="35000"/>
-                  </a:schemeClr>
-                </a:solidFill>
-              </a:rPr>
-              <a:t>원격</a:t>
-            </a:r>
-            <a:r>
-              <a:rPr lang="en-US" altLang="ko-KR" sz="2800" b="1" dirty="0">
-                <a:solidFill>
-                  <a:schemeClr val="tx1">
-                    <a:lumMod val="65000"/>
-                    <a:lumOff val="35000"/>
-                  </a:schemeClr>
-                </a:solidFill>
-              </a:rPr>
-              <a:t> </a:t>
-            </a:r>
-            <a:r>
-              <a:rPr lang="ko-KR" altLang="en-US" sz="2800" b="1" dirty="0">
-                <a:solidFill>
-                  <a:schemeClr val="tx1">
-                    <a:lumMod val="65000"/>
-                    <a:lumOff val="35000"/>
-                  </a:schemeClr>
-                </a:solidFill>
-              </a:rPr>
-              <a:t>데스크 탑</a:t>
-            </a:r>
-          </a:p>
-        </p:txBody>
-      </p:sp>
-      <p:sp>
-        <p:nvSpPr>
-          <p:cNvPr id="3" name="TextBox 2">
-            <a:extLst>
-              <a:ext uri="{FF2B5EF4-FFF2-40B4-BE49-F238E27FC236}">
-                <a16:creationId xmlns:a16="http://schemas.microsoft.com/office/drawing/2014/main" id="{21AC92E3-3FF0-CDDC-2D79-229EF0594FA0}"/>
-              </a:ext>
-            </a:extLst>
-          </p:cNvPr>
-          <p:cNvSpPr txBox="1"/>
-          <p:nvPr/>
-        </p:nvSpPr>
-        <p:spPr>
-          <a:xfrm>
-            <a:off x="4515356" y="2613392"/>
-            <a:ext cx="7035560" cy="2246769"/>
-          </a:xfrm>
-          <a:prstGeom prst="rect">
-            <a:avLst/>
-          </a:prstGeom>
-          <a:noFill/>
-        </p:spPr>
-        <p:txBody>
-          <a:bodyPr wrap="square" rtlCol="0">
-            <a:spAutoFit/>
-          </a:bodyPr>
-          <a:lstStyle/>
-          <a:p>
-            <a:pPr marL="285750" indent="-285750">
-              <a:buFont typeface="Arial" panose="020B0604020202020204" pitchFamily="34" charset="0"/>
-              <a:buChar char="•"/>
-            </a:pPr>
-            <a:r>
-              <a:rPr lang="ko-KR" altLang="en-US" sz="2000" b="1" dirty="0">
-                <a:solidFill>
-                  <a:schemeClr val="tx1">
-                    <a:lumMod val="65000"/>
-                    <a:lumOff val="35000"/>
-                  </a:schemeClr>
-                </a:solidFill>
-              </a:rPr>
-              <a:t>플러그인 설치 후 </a:t>
-            </a:r>
-            <a:r>
-              <a:rPr lang="en-US" altLang="ko-KR" sz="2000" b="1" dirty="0">
-                <a:solidFill>
-                  <a:schemeClr val="tx1">
-                    <a:lumMod val="65000"/>
-                    <a:lumOff val="35000"/>
-                  </a:schemeClr>
-                </a:solidFill>
-              </a:rPr>
-              <a:t>PIN(</a:t>
-            </a:r>
-            <a:r>
-              <a:rPr lang="ko-KR" altLang="en-US" sz="2000" b="1" dirty="0">
-                <a:solidFill>
-                  <a:schemeClr val="tx1">
-                    <a:lumMod val="65000"/>
-                    <a:lumOff val="35000"/>
-                  </a:schemeClr>
-                </a:solidFill>
-              </a:rPr>
-              <a:t>비밀번호</a:t>
-            </a:r>
-            <a:r>
-              <a:rPr lang="en-US" altLang="ko-KR" sz="2000" b="1" dirty="0">
-                <a:solidFill>
-                  <a:schemeClr val="tx1">
-                    <a:lumMod val="65000"/>
-                    <a:lumOff val="35000"/>
-                  </a:schemeClr>
-                </a:solidFill>
-              </a:rPr>
-              <a:t>) </a:t>
-            </a:r>
-            <a:r>
-              <a:rPr lang="ko-KR" altLang="en-US" sz="2000" b="1" dirty="0">
-                <a:solidFill>
-                  <a:schemeClr val="tx1">
-                    <a:lumMod val="65000"/>
-                    <a:lumOff val="35000"/>
-                  </a:schemeClr>
-                </a:solidFill>
-              </a:rPr>
-              <a:t>세팅</a:t>
-            </a:r>
-            <a:endParaRPr lang="en-US" altLang="ko-KR" sz="2000" b="1" dirty="0">
-              <a:solidFill>
-                <a:schemeClr val="tx1">
-                  <a:lumMod val="65000"/>
-                  <a:lumOff val="35000"/>
-                </a:schemeClr>
-              </a:solidFill>
-            </a:endParaRPr>
-          </a:p>
-          <a:p>
-            <a:pPr marL="285750" indent="-285750">
-              <a:buFont typeface="Arial" panose="020B0604020202020204" pitchFamily="34" charset="0"/>
-              <a:buChar char="•"/>
-            </a:pPr>
-            <a:endParaRPr lang="en-US" altLang="ko-KR" sz="2000" b="1" dirty="0">
-              <a:solidFill>
-                <a:schemeClr val="tx1">
-                  <a:lumMod val="65000"/>
-                  <a:lumOff val="35000"/>
-                </a:schemeClr>
-              </a:solidFill>
-            </a:endParaRPr>
-          </a:p>
-          <a:p>
-            <a:pPr marL="285750" indent="-285750">
-              <a:buFont typeface="Arial" panose="020B0604020202020204" pitchFamily="34" charset="0"/>
-              <a:buChar char="•"/>
-            </a:pPr>
-            <a:r>
-              <a:rPr lang="ko-KR" altLang="en-US" sz="2000" b="1" dirty="0">
-                <a:solidFill>
-                  <a:schemeClr val="tx1">
-                    <a:lumMod val="65000"/>
-                    <a:lumOff val="35000"/>
-                  </a:schemeClr>
-                </a:solidFill>
-              </a:rPr>
-              <a:t>다른 컴퓨터에서 같은 구글 계정으로 로그인</a:t>
-            </a:r>
-            <a:endParaRPr lang="en-US" altLang="ko-KR" sz="2000" b="1" dirty="0">
-              <a:solidFill>
-                <a:schemeClr val="tx1">
-                  <a:lumMod val="65000"/>
-                  <a:lumOff val="35000"/>
-                </a:schemeClr>
-              </a:solidFill>
-            </a:endParaRPr>
-          </a:p>
-          <a:p>
-            <a:pPr marL="285750" indent="-285750">
-              <a:buFont typeface="Arial" panose="020B0604020202020204" pitchFamily="34" charset="0"/>
-              <a:buChar char="•"/>
-            </a:pPr>
-            <a:endParaRPr lang="en-US" altLang="ko-KR" sz="2000" b="1" dirty="0">
-              <a:solidFill>
-                <a:schemeClr val="tx1">
-                  <a:lumMod val="65000"/>
-                  <a:lumOff val="35000"/>
-                </a:schemeClr>
-              </a:solidFill>
-            </a:endParaRPr>
-          </a:p>
-          <a:p>
-            <a:pPr marL="285750" indent="-285750">
-              <a:buFont typeface="Arial" panose="020B0604020202020204" pitchFamily="34" charset="0"/>
-              <a:buChar char="•"/>
-            </a:pPr>
-            <a:r>
-              <a:rPr lang="en-US" altLang="ko-KR" sz="2000" b="1" dirty="0">
-                <a:solidFill>
-                  <a:schemeClr val="tx1">
-                    <a:lumMod val="65000"/>
-                    <a:lumOff val="35000"/>
-                  </a:schemeClr>
-                </a:solidFill>
-              </a:rPr>
-              <a:t>PIN </a:t>
-            </a:r>
-            <a:r>
-              <a:rPr lang="ko-KR" altLang="en-US" sz="2000" b="1" dirty="0">
-                <a:solidFill>
-                  <a:schemeClr val="tx1">
-                    <a:lumMod val="65000"/>
-                    <a:lumOff val="35000"/>
-                  </a:schemeClr>
-                </a:solidFill>
-              </a:rPr>
-              <a:t>번호로 접속</a:t>
-            </a:r>
-            <a:r>
-              <a:rPr lang="en-US" altLang="ko-KR" sz="2000" b="1" dirty="0">
-                <a:solidFill>
-                  <a:schemeClr val="tx1">
-                    <a:lumMod val="65000"/>
-                    <a:lumOff val="35000"/>
-                  </a:schemeClr>
-                </a:solidFill>
-              </a:rPr>
-              <a:t> </a:t>
-            </a:r>
-          </a:p>
-          <a:p>
-            <a:pPr marL="285750" indent="-285750">
-              <a:buFont typeface="Arial" panose="020B0604020202020204" pitchFamily="34" charset="0"/>
-              <a:buChar char="•"/>
-            </a:pPr>
-            <a:endParaRPr lang="en-US" altLang="ko-KR" sz="2000" b="1" dirty="0">
-              <a:solidFill>
-                <a:schemeClr val="tx1">
-                  <a:lumMod val="65000"/>
-                  <a:lumOff val="35000"/>
-                </a:schemeClr>
-              </a:solidFill>
-            </a:endParaRPr>
-          </a:p>
-          <a:p>
-            <a:pPr marL="285750" indent="-285750">
-              <a:buFont typeface="Arial" panose="020B0604020202020204" pitchFamily="34" charset="0"/>
-              <a:buChar char="•"/>
-            </a:pPr>
-            <a:r>
-              <a:rPr lang="ko-KR" altLang="en-US" sz="2000" b="1" dirty="0">
-                <a:solidFill>
-                  <a:schemeClr val="tx1">
-                    <a:lumMod val="65000"/>
-                    <a:lumOff val="35000"/>
-                  </a:schemeClr>
-                </a:solidFill>
-              </a:rPr>
-              <a:t>접속자가 별다른 프로그램 없이 웹에서 접속 가능</a:t>
-            </a:r>
-            <a:r>
-              <a:rPr lang="en-US" altLang="ko-KR" sz="2000" b="1" dirty="0">
-                <a:solidFill>
-                  <a:schemeClr val="tx1">
-                    <a:lumMod val="65000"/>
-                    <a:lumOff val="35000"/>
-                  </a:schemeClr>
-                </a:solidFill>
-              </a:rPr>
-              <a:t>.</a:t>
-            </a:r>
-          </a:p>
-        </p:txBody>
-      </p:sp>
-      <p:pic>
-        <p:nvPicPr>
-          <p:cNvPr id="1026" name="Picture 2">
-            <a:extLst>
-              <a:ext uri="{FF2B5EF4-FFF2-40B4-BE49-F238E27FC236}">
-                <a16:creationId xmlns:a16="http://schemas.microsoft.com/office/drawing/2014/main" id="{8FA20F8D-A3E1-1D4B-7873-00244C2C9D65}"/>
-              </a:ext>
-            </a:extLst>
-          </p:cNvPr>
-          <p:cNvPicPr>
-            <a:picLocks noChangeAspect="1" noChangeArrowheads="1"/>
-          </p:cNvPicPr>
-          <p:nvPr/>
-        </p:nvPicPr>
-        <p:blipFill>
-          <a:blip r:embed="rId2">
-            <a:extLst>
-              <a:ext uri="{28A0092B-C50C-407E-A947-70E740481C1C}">
-                <a14:useLocalDpi xmlns:a14="http://schemas.microsoft.com/office/drawing/2010/main" val="0"/>
-              </a:ext>
-            </a:extLst>
-          </a:blip>
-          <a:srcRect/>
-          <a:stretch>
-            <a:fillRect/>
-          </a:stretch>
-        </p:blipFill>
-        <p:spPr bwMode="auto">
-          <a:xfrm>
-            <a:off x="910609" y="2249765"/>
-            <a:ext cx="2743200" cy="2743200"/>
-          </a:xfrm>
-          <a:prstGeom prst="rect">
-            <a:avLst/>
-          </a:prstGeom>
-          <a:noFill/>
-          <a:extLst>
-            <a:ext uri="{909E8E84-426E-40DD-AFC4-6F175D3DCCD1}">
-              <a14:hiddenFill xmlns:a14="http://schemas.microsoft.com/office/drawing/2010/main">
-                <a:solidFill>
-                  <a:srgbClr val="FFFFFF"/>
-                </a:solidFill>
-              </a14:hiddenFill>
-            </a:ext>
-          </a:extLst>
-        </p:spPr>
-      </p:pic>
-    </p:spTree>
-    <p:extLst>
-      <p:ext uri="{BB962C8B-B14F-4D97-AF65-F5344CB8AC3E}">
-        <p14:creationId xmlns:p14="http://schemas.microsoft.com/office/powerpoint/2010/main" val="2729244416"/>
-      </p:ext>
-    </p:extLst>
-  </p:cSld>
-  <p:clrMapOvr>
-    <a:masterClrMapping/>
-  </p:clrMapOvr>
-</p:sld>
-</file>
-
-<file path=ppt/slides/slide6.xml><?xml version="1.0" encoding="utf-8"?>
-<p:sld xmlns:a="http://schemas.openxmlformats.org/drawingml/2006/main" xmlns:r="http://schemas.openxmlformats.org/officeDocument/2006/relationships" xmlns:p="http://schemas.openxmlformats.org/presentationml/2006/main">
-  <p:cSld>
-    <p:spTree>
-      <p:nvGrpSpPr>
-        <p:cNvPr id="1" name=""/>
-        <p:cNvGrpSpPr/>
-        <p:nvPr/>
-      </p:nvGrpSpPr>
-      <p:grpSpPr>
-        <a:xfrm>
-          <a:off x="0" y="0"/>
-          <a:ext cx="0" cy="0"/>
-          <a:chOff x="0" y="0"/>
-          <a:chExt cx="0" cy="0"/>
-        </a:xfrm>
-      </p:grpSpPr>
-      <p:sp>
-        <p:nvSpPr>
-          <p:cNvPr id="4" name="날짜 개체 틀 3">
-            <a:extLst>
-              <a:ext uri="{FF2B5EF4-FFF2-40B4-BE49-F238E27FC236}">
-                <a16:creationId xmlns:a16="http://schemas.microsoft.com/office/drawing/2014/main" id="{96EB53D3-8572-4237-B28C-28CB40308C40}"/>
-              </a:ext>
-            </a:extLst>
-          </p:cNvPr>
-          <p:cNvSpPr>
-            <a:spLocks noGrp="1"/>
-          </p:cNvSpPr>
-          <p:nvPr>
-            <p:ph type="dt" sz="half" idx="10"/>
-          </p:nvPr>
-        </p:nvSpPr>
-        <p:spPr>
-          <a:xfrm>
-            <a:off x="141514" y="6356350"/>
-            <a:ext cx="2743200" cy="365125"/>
-          </a:xfrm>
-        </p:spPr>
-        <p:txBody>
-          <a:bodyPr/>
-          <a:lstStyle/>
-          <a:p>
-            <a:fld id="{0303D7D5-FAC8-4B75-A637-D564180CD715}" type="datetime1">
-              <a:rPr lang="ko-KR" altLang="en-US" sz="1000" smtClean="0"/>
-              <a:t>2023-06-07</a:t>
-            </a:fld>
-            <a:endParaRPr lang="ko-KR" altLang="en-US" sz="1000" dirty="0"/>
-          </a:p>
-        </p:txBody>
-      </p:sp>
-      <p:sp>
-        <p:nvSpPr>
-          <p:cNvPr id="6" name="슬라이드 번호 개체 틀 5">
-            <a:extLst>
-              <a:ext uri="{FF2B5EF4-FFF2-40B4-BE49-F238E27FC236}">
-                <a16:creationId xmlns:a16="http://schemas.microsoft.com/office/drawing/2014/main" id="{6E93A4FF-EE48-4AD7-B7EF-105B8CE4CD9F}"/>
-              </a:ext>
-            </a:extLst>
-          </p:cNvPr>
-          <p:cNvSpPr>
-            <a:spLocks noGrp="1"/>
-          </p:cNvSpPr>
-          <p:nvPr>
-            <p:ph type="sldNum" sz="quarter" idx="12"/>
-          </p:nvPr>
-        </p:nvSpPr>
-        <p:spPr/>
-        <p:txBody>
-          <a:bodyPr/>
-          <a:lstStyle/>
-          <a:p>
-            <a:fld id="{77D8DCB6-DE77-432F-867E-17030BC60D58}" type="slidenum">
-              <a:rPr lang="ko-KR" altLang="en-US" smtClean="0"/>
-              <a:t>6</a:t>
             </a:fld>
             <a:endParaRPr lang="ko-KR" altLang="en-US"/>
           </a:p>
@@ -9225,7 +5951,7 @@
 </p:sld>
 </file>
 
-<file path=ppt/slides/slide7.xml><?xml version="1.0" encoding="utf-8"?>
+<file path=ppt/slides/slide12.xml><?xml version="1.0" encoding="utf-8"?>
 <p:sld xmlns:a="http://schemas.openxmlformats.org/drawingml/2006/main" xmlns:r="http://schemas.openxmlformats.org/officeDocument/2006/relationships" xmlns:p="http://schemas.openxmlformats.org/presentationml/2006/main">
   <p:cSld>
     <p:spTree>
@@ -9299,7 +6025,7 @@
           <a:p>
             <a:fld id="{77D8DCB6-DE77-432F-867E-17030BC60D58}" type="slidenum">
               <a:rPr lang="ko-KR" altLang="en-US" smtClean="0"/>
-              <a:t>7</a:t>
+              <a:t>12</a:t>
             </a:fld>
             <a:endParaRPr lang="ko-KR" altLang="en-US"/>
           </a:p>
@@ -9825,7 +6551,7 @@
 </p:sld>
 </file>
 
-<file path=ppt/slides/slide8.xml><?xml version="1.0" encoding="utf-8"?>
+<file path=ppt/slides/slide13.xml><?xml version="1.0" encoding="utf-8"?>
 <p:sld xmlns:a="http://schemas.openxmlformats.org/drawingml/2006/main" xmlns:r="http://schemas.openxmlformats.org/officeDocument/2006/relationships" xmlns:p="http://schemas.openxmlformats.org/presentationml/2006/main">
   <p:cSld>
     <p:spTree>
@@ -9899,7 +6625,7 @@
           <a:p>
             <a:fld id="{77D8DCB6-DE77-432F-867E-17030BC60D58}" type="slidenum">
               <a:rPr lang="ko-KR" altLang="en-US" smtClean="0"/>
-              <a:t>8</a:t>
+              <a:t>13</a:t>
             </a:fld>
             <a:endParaRPr lang="ko-KR" altLang="en-US"/>
           </a:p>
@@ -10425,7 +7151,7 @@
 </p:sld>
 </file>
 
-<file path=ppt/slides/slide9.xml><?xml version="1.0" encoding="utf-8"?>
+<file path=ppt/slides/slide14.xml><?xml version="1.0" encoding="utf-8"?>
 <p:sld xmlns:a="http://schemas.openxmlformats.org/drawingml/2006/main" xmlns:r="http://schemas.openxmlformats.org/officeDocument/2006/relationships" xmlns:p="http://schemas.openxmlformats.org/presentationml/2006/main">
   <p:cSld>
     <p:spTree>
@@ -10499,7 +7225,7 @@
           <a:p>
             <a:fld id="{77D8DCB6-DE77-432F-867E-17030BC60D58}" type="slidenum">
               <a:rPr lang="ko-KR" altLang="en-US" smtClean="0"/>
-              <a:t>9</a:t>
+              <a:t>14</a:t>
             </a:fld>
             <a:endParaRPr lang="ko-KR" altLang="en-US"/>
           </a:p>
@@ -10986,6 +7712,6147 @@
     <p:extLst>
       <p:ext uri="{BB962C8B-B14F-4D97-AF65-F5344CB8AC3E}">
         <p14:creationId xmlns:p14="http://schemas.microsoft.com/office/powerpoint/2010/main" val="3749234398"/>
+      </p:ext>
+    </p:extLst>
+  </p:cSld>
+  <p:clrMapOvr>
+    <a:masterClrMapping/>
+  </p:clrMapOvr>
+</p:sld>
+</file>
+
+<file path=ppt/slides/slide15.xml><?xml version="1.0" encoding="utf-8"?>
+<p:sld xmlns:a="http://schemas.openxmlformats.org/drawingml/2006/main" xmlns:r="http://schemas.openxmlformats.org/officeDocument/2006/relationships" xmlns:p="http://schemas.openxmlformats.org/presentationml/2006/main">
+  <p:cSld>
+    <p:spTree>
+      <p:nvGrpSpPr>
+        <p:cNvPr id="1" name=""/>
+        <p:cNvGrpSpPr/>
+        <p:nvPr/>
+      </p:nvGrpSpPr>
+      <p:grpSpPr>
+        <a:xfrm>
+          <a:off x="0" y="0"/>
+          <a:ext cx="0" cy="0"/>
+          <a:chOff x="0" y="0"/>
+          <a:chExt cx="0" cy="0"/>
+        </a:xfrm>
+      </p:grpSpPr>
+      <p:sp>
+        <p:nvSpPr>
+          <p:cNvPr id="4" name="날짜 개체 틀 3">
+            <a:extLst>
+              <a:ext uri="{FF2B5EF4-FFF2-40B4-BE49-F238E27FC236}">
+                <a16:creationId xmlns:a16="http://schemas.microsoft.com/office/drawing/2014/main" id="{96EB53D3-8572-4237-B28C-28CB40308C40}"/>
+              </a:ext>
+            </a:extLst>
+          </p:cNvPr>
+          <p:cNvSpPr>
+            <a:spLocks noGrp="1"/>
+          </p:cNvSpPr>
+          <p:nvPr>
+            <p:ph type="dt" sz="half" idx="10"/>
+          </p:nvPr>
+        </p:nvSpPr>
+        <p:spPr>
+          <a:xfrm>
+            <a:off x="141514" y="6356350"/>
+            <a:ext cx="2743200" cy="365125"/>
+          </a:xfrm>
+        </p:spPr>
+        <p:txBody>
+          <a:bodyPr/>
+          <a:lstStyle/>
+          <a:p>
+            <a:fld id="{0303D7D5-FAC8-4B75-A637-D564180CD715}" type="datetime1">
+              <a:rPr lang="ko-KR" altLang="en-US" sz="1000" smtClean="0"/>
+              <a:t>2023-06-07</a:t>
+            </a:fld>
+            <a:endParaRPr lang="ko-KR" altLang="en-US" sz="1000" dirty="0"/>
+          </a:p>
+        </p:txBody>
+      </p:sp>
+      <p:sp>
+        <p:nvSpPr>
+          <p:cNvPr id="6" name="슬라이드 번호 개체 틀 5">
+            <a:extLst>
+              <a:ext uri="{FF2B5EF4-FFF2-40B4-BE49-F238E27FC236}">
+                <a16:creationId xmlns:a16="http://schemas.microsoft.com/office/drawing/2014/main" id="{6E93A4FF-EE48-4AD7-B7EF-105B8CE4CD9F}"/>
+              </a:ext>
+            </a:extLst>
+          </p:cNvPr>
+          <p:cNvSpPr>
+            <a:spLocks noGrp="1"/>
+          </p:cNvSpPr>
+          <p:nvPr>
+            <p:ph type="sldNum" sz="quarter" idx="12"/>
+          </p:nvPr>
+        </p:nvSpPr>
+        <p:spPr/>
+        <p:txBody>
+          <a:bodyPr/>
+          <a:lstStyle/>
+          <a:p>
+            <a:fld id="{77D8DCB6-DE77-432F-867E-17030BC60D58}" type="slidenum">
+              <a:rPr lang="ko-KR" altLang="en-US" smtClean="0"/>
+              <a:t>15</a:t>
+            </a:fld>
+            <a:endParaRPr lang="ko-KR" altLang="en-US"/>
+          </a:p>
+        </p:txBody>
+      </p:sp>
+      <p:cxnSp>
+        <p:nvCxnSpPr>
+          <p:cNvPr id="8" name="직선 연결선 7">
+            <a:extLst>
+              <a:ext uri="{FF2B5EF4-FFF2-40B4-BE49-F238E27FC236}">
+                <a16:creationId xmlns:a16="http://schemas.microsoft.com/office/drawing/2014/main" id="{D1F8D6B6-3C71-480C-BFAD-599210C64964}"/>
+              </a:ext>
+            </a:extLst>
+          </p:cNvPr>
+          <p:cNvCxnSpPr>
+            <a:cxnSpLocks/>
+          </p:cNvCxnSpPr>
+          <p:nvPr/>
+        </p:nvCxnSpPr>
+        <p:spPr>
+          <a:xfrm>
+            <a:off x="513806" y="1138535"/>
+            <a:ext cx="10978016" cy="0"/>
+          </a:xfrm>
+          <a:prstGeom prst="line">
+            <a:avLst/>
+          </a:prstGeom>
+          <a:ln w="28575">
+            <a:solidFill>
+              <a:srgbClr val="A80000"/>
+            </a:solidFill>
+          </a:ln>
+        </p:spPr>
+        <p:style>
+          <a:lnRef idx="1">
+            <a:schemeClr val="accent1"/>
+          </a:lnRef>
+          <a:fillRef idx="0">
+            <a:schemeClr val="accent1"/>
+          </a:fillRef>
+          <a:effectRef idx="0">
+            <a:schemeClr val="accent1"/>
+          </a:effectRef>
+          <a:fontRef idx="minor">
+            <a:schemeClr val="tx1"/>
+          </a:fontRef>
+        </p:style>
+      </p:cxnSp>
+      <p:sp>
+        <p:nvSpPr>
+          <p:cNvPr id="2" name="TextBox 1">
+            <a:extLst>
+              <a:ext uri="{FF2B5EF4-FFF2-40B4-BE49-F238E27FC236}">
+                <a16:creationId xmlns:a16="http://schemas.microsoft.com/office/drawing/2014/main" id="{94663EC0-FBD5-4C4B-137C-B9C16E034AC2}"/>
+              </a:ext>
+            </a:extLst>
+          </p:cNvPr>
+          <p:cNvSpPr txBox="1"/>
+          <p:nvPr/>
+        </p:nvSpPr>
+        <p:spPr>
+          <a:xfrm>
+            <a:off x="513806" y="615315"/>
+            <a:ext cx="8956766" cy="523220"/>
+          </a:xfrm>
+          <a:prstGeom prst="rect">
+            <a:avLst/>
+          </a:prstGeom>
+          <a:noFill/>
+        </p:spPr>
+        <p:txBody>
+          <a:bodyPr wrap="square" rtlCol="0">
+            <a:spAutoFit/>
+          </a:bodyPr>
+          <a:lstStyle/>
+          <a:p>
+            <a:r>
+              <a:rPr lang="en-US" altLang="ko-KR" sz="2800" b="1" dirty="0">
+                <a:solidFill>
+                  <a:schemeClr val="tx1">
+                    <a:lumMod val="65000"/>
+                    <a:lumOff val="35000"/>
+                  </a:schemeClr>
+                </a:solidFill>
+              </a:rPr>
+              <a:t>Tight VNC</a:t>
+            </a:r>
+            <a:endParaRPr lang="ko-KR" altLang="en-US" sz="2800" b="1" dirty="0">
+              <a:solidFill>
+                <a:schemeClr val="tx1">
+                  <a:lumMod val="65000"/>
+                  <a:lumOff val="35000"/>
+                </a:schemeClr>
+              </a:solidFill>
+            </a:endParaRPr>
+          </a:p>
+        </p:txBody>
+      </p:sp>
+      <p:sp>
+        <p:nvSpPr>
+          <p:cNvPr id="3" name="TextBox 2">
+            <a:extLst>
+              <a:ext uri="{FF2B5EF4-FFF2-40B4-BE49-F238E27FC236}">
+                <a16:creationId xmlns:a16="http://schemas.microsoft.com/office/drawing/2014/main" id="{20AE6331-59FC-4DA3-E01A-89E32F11BA35}"/>
+              </a:ext>
+            </a:extLst>
+          </p:cNvPr>
+          <p:cNvSpPr txBox="1"/>
+          <p:nvPr/>
+        </p:nvSpPr>
+        <p:spPr>
+          <a:xfrm>
+            <a:off x="4456262" y="2322194"/>
+            <a:ext cx="7035560" cy="2554545"/>
+          </a:xfrm>
+          <a:prstGeom prst="rect">
+            <a:avLst/>
+          </a:prstGeom>
+          <a:noFill/>
+        </p:spPr>
+        <p:txBody>
+          <a:bodyPr wrap="square" rtlCol="0">
+            <a:spAutoFit/>
+          </a:bodyPr>
+          <a:lstStyle/>
+          <a:p>
+            <a:pPr marL="285750" indent="-285750">
+              <a:buFont typeface="Arial" panose="020B0604020202020204" pitchFamily="34" charset="0"/>
+              <a:buChar char="•"/>
+            </a:pPr>
+            <a:r>
+              <a:rPr lang="ko-KR" altLang="en-US" sz="2000" b="1" dirty="0">
+                <a:solidFill>
+                  <a:schemeClr val="tx1">
+                    <a:lumMod val="65000"/>
+                    <a:lumOff val="35000"/>
+                  </a:schemeClr>
+                </a:solidFill>
+              </a:rPr>
+              <a:t>접속 하는 컴퓨터의 프로그램</a:t>
+            </a:r>
+            <a:r>
+              <a:rPr lang="en-US" altLang="ko-KR" sz="2000" b="1" dirty="0">
+                <a:solidFill>
+                  <a:schemeClr val="tx1">
+                    <a:lumMod val="65000"/>
+                    <a:lumOff val="35000"/>
+                  </a:schemeClr>
+                </a:solidFill>
+              </a:rPr>
+              <a:t>(Server), </a:t>
+            </a:r>
+            <a:r>
+              <a:rPr lang="ko-KR" altLang="en-US" sz="2000" b="1" dirty="0">
+                <a:solidFill>
+                  <a:schemeClr val="tx1">
+                    <a:lumMod val="65000"/>
+                    <a:lumOff val="35000"/>
+                  </a:schemeClr>
+                </a:solidFill>
+              </a:rPr>
+              <a:t>접속 받는 프로그램</a:t>
+            </a:r>
+            <a:r>
+              <a:rPr lang="en-US" altLang="ko-KR" sz="2000" b="1" dirty="0">
+                <a:solidFill>
+                  <a:schemeClr val="tx1">
+                    <a:lumMod val="65000"/>
+                    <a:lumOff val="35000"/>
+                  </a:schemeClr>
+                </a:solidFill>
+              </a:rPr>
+              <a:t>(Viewer)</a:t>
+            </a:r>
+            <a:r>
+              <a:rPr lang="ko-KR" altLang="en-US" sz="2000" b="1" dirty="0">
+                <a:solidFill>
+                  <a:schemeClr val="tx1">
+                    <a:lumMod val="65000"/>
+                    <a:lumOff val="35000"/>
+                  </a:schemeClr>
+                </a:solidFill>
+              </a:rPr>
+              <a:t> 따로 존재</a:t>
+            </a:r>
+            <a:endParaRPr lang="en-US" altLang="ko-KR" sz="2000" b="1" dirty="0">
+              <a:solidFill>
+                <a:schemeClr val="tx1">
+                  <a:lumMod val="65000"/>
+                  <a:lumOff val="35000"/>
+                </a:schemeClr>
+              </a:solidFill>
+            </a:endParaRPr>
+          </a:p>
+          <a:p>
+            <a:pPr marL="285750" indent="-285750">
+              <a:buFont typeface="Arial" panose="020B0604020202020204" pitchFamily="34" charset="0"/>
+              <a:buChar char="•"/>
+            </a:pPr>
+            <a:endParaRPr lang="en-US" altLang="ko-KR" sz="2000" b="1" dirty="0">
+              <a:solidFill>
+                <a:schemeClr val="tx1">
+                  <a:lumMod val="65000"/>
+                  <a:lumOff val="35000"/>
+                </a:schemeClr>
+              </a:solidFill>
+            </a:endParaRPr>
+          </a:p>
+          <a:p>
+            <a:pPr marL="285750" indent="-285750">
+              <a:buFont typeface="Arial" panose="020B0604020202020204" pitchFamily="34" charset="0"/>
+              <a:buChar char="•"/>
+            </a:pPr>
+            <a:r>
+              <a:rPr lang="en-US" altLang="ko-KR" sz="2000" b="1" dirty="0">
+                <a:solidFill>
+                  <a:schemeClr val="tx1">
+                    <a:lumMod val="65000"/>
+                    <a:lumOff val="35000"/>
+                  </a:schemeClr>
+                </a:solidFill>
+              </a:rPr>
+              <a:t>IP</a:t>
+            </a:r>
+            <a:r>
+              <a:rPr lang="ko-KR" altLang="en-US" sz="2000" b="1" dirty="0">
+                <a:solidFill>
+                  <a:schemeClr val="tx1">
+                    <a:lumMod val="65000"/>
+                    <a:lumOff val="35000"/>
+                  </a:schemeClr>
+                </a:solidFill>
+              </a:rPr>
+              <a:t>주소를 통해 연결</a:t>
+            </a:r>
+            <a:endParaRPr lang="en-US" altLang="ko-KR" sz="2000" b="1" dirty="0">
+              <a:solidFill>
+                <a:schemeClr val="tx1">
+                  <a:lumMod val="65000"/>
+                  <a:lumOff val="35000"/>
+                </a:schemeClr>
+              </a:solidFill>
+            </a:endParaRPr>
+          </a:p>
+          <a:p>
+            <a:pPr marL="285750" indent="-285750">
+              <a:buFont typeface="Arial" panose="020B0604020202020204" pitchFamily="34" charset="0"/>
+              <a:buChar char="•"/>
+            </a:pPr>
+            <a:endParaRPr lang="en-US" altLang="ko-KR" sz="2000" b="1" dirty="0">
+              <a:solidFill>
+                <a:schemeClr val="tx1">
+                  <a:lumMod val="65000"/>
+                  <a:lumOff val="35000"/>
+                </a:schemeClr>
+              </a:solidFill>
+            </a:endParaRPr>
+          </a:p>
+          <a:p>
+            <a:pPr marL="285750" indent="-285750">
+              <a:buFont typeface="Arial" panose="020B0604020202020204" pitchFamily="34" charset="0"/>
+              <a:buChar char="•"/>
+            </a:pPr>
+            <a:r>
+              <a:rPr lang="ko-KR" altLang="en-US" sz="2000" b="1" dirty="0">
+                <a:solidFill>
+                  <a:schemeClr val="tx1">
+                    <a:lumMod val="65000"/>
+                    <a:lumOff val="35000"/>
+                  </a:schemeClr>
+                </a:solidFill>
+              </a:rPr>
+              <a:t>무료 라이선스</a:t>
+            </a:r>
+            <a:endParaRPr lang="en-US" altLang="ko-KR" sz="2000" b="1" dirty="0">
+              <a:solidFill>
+                <a:schemeClr val="tx1">
+                  <a:lumMod val="65000"/>
+                  <a:lumOff val="35000"/>
+                </a:schemeClr>
+              </a:solidFill>
+            </a:endParaRPr>
+          </a:p>
+          <a:p>
+            <a:pPr marL="285750" indent="-285750">
+              <a:buFont typeface="Arial" panose="020B0604020202020204" pitchFamily="34" charset="0"/>
+              <a:buChar char="•"/>
+            </a:pPr>
+            <a:endParaRPr lang="en-US" altLang="ko-KR" sz="2000" b="1" dirty="0">
+              <a:solidFill>
+                <a:schemeClr val="tx1">
+                  <a:lumMod val="65000"/>
+                  <a:lumOff val="35000"/>
+                </a:schemeClr>
+              </a:solidFill>
+            </a:endParaRPr>
+          </a:p>
+          <a:p>
+            <a:pPr marL="285750" indent="-285750">
+              <a:buFont typeface="Arial" panose="020B0604020202020204" pitchFamily="34" charset="0"/>
+              <a:buChar char="•"/>
+            </a:pPr>
+            <a:r>
+              <a:rPr lang="ko-KR" altLang="en-US" sz="2000" b="1" dirty="0">
+                <a:solidFill>
+                  <a:schemeClr val="tx1">
+                    <a:lumMod val="65000"/>
+                    <a:lumOff val="35000"/>
+                  </a:schemeClr>
+                </a:solidFill>
+                <a:highlight>
+                  <a:srgbClr val="FFFF00"/>
+                </a:highlight>
+              </a:rPr>
+              <a:t>화면 공유간 지연 발생 </a:t>
+            </a:r>
+            <a:endParaRPr lang="en-US" altLang="ko-KR" sz="2000" b="1" dirty="0">
+              <a:solidFill>
+                <a:schemeClr val="tx1">
+                  <a:lumMod val="65000"/>
+                  <a:lumOff val="35000"/>
+                </a:schemeClr>
+              </a:solidFill>
+              <a:highlight>
+                <a:srgbClr val="FFFF00"/>
+              </a:highlight>
+            </a:endParaRPr>
+          </a:p>
+        </p:txBody>
+      </p:sp>
+      <p:pic>
+        <p:nvPicPr>
+          <p:cNvPr id="5122" name="Picture 2" descr="TightVNC Home">
+            <a:extLst>
+              <a:ext uri="{FF2B5EF4-FFF2-40B4-BE49-F238E27FC236}">
+                <a16:creationId xmlns:a16="http://schemas.microsoft.com/office/drawing/2014/main" id="{2DC653EE-06C2-1A32-908E-6A866DD8D2A7}"/>
+              </a:ext>
+            </a:extLst>
+          </p:cNvPr>
+          <p:cNvPicPr>
+            <a:picLocks noChangeAspect="1" noChangeArrowheads="1"/>
+          </p:cNvPicPr>
+          <p:nvPr/>
+        </p:nvPicPr>
+        <p:blipFill>
+          <a:blip r:embed="rId2">
+            <a:extLst>
+              <a:ext uri="{28A0092B-C50C-407E-A947-70E740481C1C}">
+                <a14:useLocalDpi xmlns:a14="http://schemas.microsoft.com/office/drawing/2010/main" val="0"/>
+              </a:ext>
+            </a:extLst>
+          </a:blip>
+          <a:srcRect/>
+          <a:stretch>
+            <a:fillRect/>
+          </a:stretch>
+        </p:blipFill>
+        <p:spPr bwMode="auto">
+          <a:xfrm>
+            <a:off x="1021910" y="2322194"/>
+            <a:ext cx="2743199" cy="2743199"/>
+          </a:xfrm>
+          <a:prstGeom prst="rect">
+            <a:avLst/>
+          </a:prstGeom>
+          <a:noFill/>
+          <a:extLst>
+            <a:ext uri="{909E8E84-426E-40DD-AFC4-6F175D3DCCD1}">
+              <a14:hiddenFill xmlns:a14="http://schemas.microsoft.com/office/drawing/2010/main">
+                <a:solidFill>
+                  <a:srgbClr val="FFFFFF"/>
+                </a:solidFill>
+              </a14:hiddenFill>
+            </a:ext>
+          </a:extLst>
+        </p:spPr>
+      </p:pic>
+    </p:spTree>
+    <p:extLst>
+      <p:ext uri="{BB962C8B-B14F-4D97-AF65-F5344CB8AC3E}">
+        <p14:creationId xmlns:p14="http://schemas.microsoft.com/office/powerpoint/2010/main" val="325166944"/>
+      </p:ext>
+    </p:extLst>
+  </p:cSld>
+  <p:clrMapOvr>
+    <a:masterClrMapping/>
+  </p:clrMapOvr>
+</p:sld>
+</file>
+
+<file path=ppt/slides/slide16.xml><?xml version="1.0" encoding="utf-8"?>
+<p:sld xmlns:a="http://schemas.openxmlformats.org/drawingml/2006/main" xmlns:r="http://schemas.openxmlformats.org/officeDocument/2006/relationships" xmlns:p="http://schemas.openxmlformats.org/presentationml/2006/main">
+  <p:cSld>
+    <p:spTree>
+      <p:nvGrpSpPr>
+        <p:cNvPr id="1" name=""/>
+        <p:cNvGrpSpPr/>
+        <p:nvPr/>
+      </p:nvGrpSpPr>
+      <p:grpSpPr>
+        <a:xfrm>
+          <a:off x="0" y="0"/>
+          <a:ext cx="0" cy="0"/>
+          <a:chOff x="0" y="0"/>
+          <a:chExt cx="0" cy="0"/>
+        </a:xfrm>
+      </p:grpSpPr>
+      <p:sp>
+        <p:nvSpPr>
+          <p:cNvPr id="4" name="날짜 개체 틀 3">
+            <a:extLst>
+              <a:ext uri="{FF2B5EF4-FFF2-40B4-BE49-F238E27FC236}">
+                <a16:creationId xmlns:a16="http://schemas.microsoft.com/office/drawing/2014/main" id="{96EB53D3-8572-4237-B28C-28CB40308C40}"/>
+              </a:ext>
+            </a:extLst>
+          </p:cNvPr>
+          <p:cNvSpPr>
+            <a:spLocks noGrp="1"/>
+          </p:cNvSpPr>
+          <p:nvPr>
+            <p:ph type="dt" sz="half" idx="10"/>
+          </p:nvPr>
+        </p:nvSpPr>
+        <p:spPr>
+          <a:xfrm>
+            <a:off x="141514" y="6356350"/>
+            <a:ext cx="2743200" cy="365125"/>
+          </a:xfrm>
+        </p:spPr>
+        <p:txBody>
+          <a:bodyPr/>
+          <a:lstStyle/>
+          <a:p>
+            <a:fld id="{0303D7D5-FAC8-4B75-A637-D564180CD715}" type="datetime1">
+              <a:rPr lang="ko-KR" altLang="en-US" sz="1000" smtClean="0"/>
+              <a:t>2023-06-07</a:t>
+            </a:fld>
+            <a:endParaRPr lang="ko-KR" altLang="en-US" sz="1000" dirty="0"/>
+          </a:p>
+        </p:txBody>
+      </p:sp>
+      <p:sp>
+        <p:nvSpPr>
+          <p:cNvPr id="6" name="슬라이드 번호 개체 틀 5">
+            <a:extLst>
+              <a:ext uri="{FF2B5EF4-FFF2-40B4-BE49-F238E27FC236}">
+                <a16:creationId xmlns:a16="http://schemas.microsoft.com/office/drawing/2014/main" id="{6E93A4FF-EE48-4AD7-B7EF-105B8CE4CD9F}"/>
+              </a:ext>
+            </a:extLst>
+          </p:cNvPr>
+          <p:cNvSpPr>
+            <a:spLocks noGrp="1"/>
+          </p:cNvSpPr>
+          <p:nvPr>
+            <p:ph type="sldNum" sz="quarter" idx="12"/>
+          </p:nvPr>
+        </p:nvSpPr>
+        <p:spPr/>
+        <p:txBody>
+          <a:bodyPr/>
+          <a:lstStyle/>
+          <a:p>
+            <a:fld id="{77D8DCB6-DE77-432F-867E-17030BC60D58}" type="slidenum">
+              <a:rPr lang="ko-KR" altLang="en-US" smtClean="0"/>
+              <a:t>16</a:t>
+            </a:fld>
+            <a:endParaRPr lang="ko-KR" altLang="en-US"/>
+          </a:p>
+        </p:txBody>
+      </p:sp>
+      <p:cxnSp>
+        <p:nvCxnSpPr>
+          <p:cNvPr id="8" name="직선 연결선 7">
+            <a:extLst>
+              <a:ext uri="{FF2B5EF4-FFF2-40B4-BE49-F238E27FC236}">
+                <a16:creationId xmlns:a16="http://schemas.microsoft.com/office/drawing/2014/main" id="{D1F8D6B6-3C71-480C-BFAD-599210C64964}"/>
+              </a:ext>
+            </a:extLst>
+          </p:cNvPr>
+          <p:cNvCxnSpPr>
+            <a:cxnSpLocks/>
+          </p:cNvCxnSpPr>
+          <p:nvPr/>
+        </p:nvCxnSpPr>
+        <p:spPr>
+          <a:xfrm>
+            <a:off x="513806" y="1138535"/>
+            <a:ext cx="10978016" cy="0"/>
+          </a:xfrm>
+          <a:prstGeom prst="line">
+            <a:avLst/>
+          </a:prstGeom>
+          <a:ln w="28575">
+            <a:solidFill>
+              <a:srgbClr val="A80000"/>
+            </a:solidFill>
+          </a:ln>
+        </p:spPr>
+        <p:style>
+          <a:lnRef idx="1">
+            <a:schemeClr val="accent1"/>
+          </a:lnRef>
+          <a:fillRef idx="0">
+            <a:schemeClr val="accent1"/>
+          </a:fillRef>
+          <a:effectRef idx="0">
+            <a:schemeClr val="accent1"/>
+          </a:effectRef>
+          <a:fontRef idx="minor">
+            <a:schemeClr val="tx1"/>
+          </a:fontRef>
+        </p:style>
+      </p:cxnSp>
+      <p:sp>
+        <p:nvSpPr>
+          <p:cNvPr id="2" name="TextBox 1">
+            <a:extLst>
+              <a:ext uri="{FF2B5EF4-FFF2-40B4-BE49-F238E27FC236}">
+                <a16:creationId xmlns:a16="http://schemas.microsoft.com/office/drawing/2014/main" id="{94663EC0-FBD5-4C4B-137C-B9C16E034AC2}"/>
+              </a:ext>
+            </a:extLst>
+          </p:cNvPr>
+          <p:cNvSpPr txBox="1"/>
+          <p:nvPr/>
+        </p:nvSpPr>
+        <p:spPr>
+          <a:xfrm>
+            <a:off x="513806" y="615315"/>
+            <a:ext cx="8956766" cy="523220"/>
+          </a:xfrm>
+          <a:prstGeom prst="rect">
+            <a:avLst/>
+          </a:prstGeom>
+          <a:noFill/>
+        </p:spPr>
+        <p:txBody>
+          <a:bodyPr wrap="square" rtlCol="0">
+            <a:spAutoFit/>
+          </a:bodyPr>
+          <a:lstStyle/>
+          <a:p>
+            <a:r>
+              <a:rPr lang="en-US" altLang="ko-KR" sz="2800" b="1" dirty="0">
+                <a:solidFill>
+                  <a:schemeClr val="tx1">
+                    <a:lumMod val="65000"/>
+                    <a:lumOff val="35000"/>
+                  </a:schemeClr>
+                </a:solidFill>
+              </a:rPr>
+              <a:t>Tight VNC</a:t>
+            </a:r>
+            <a:endParaRPr lang="ko-KR" altLang="en-US" sz="2800" b="1" dirty="0">
+              <a:solidFill>
+                <a:schemeClr val="tx1">
+                  <a:lumMod val="65000"/>
+                  <a:lumOff val="35000"/>
+                </a:schemeClr>
+              </a:solidFill>
+            </a:endParaRPr>
+          </a:p>
+        </p:txBody>
+      </p:sp>
+      <p:sp>
+        <p:nvSpPr>
+          <p:cNvPr id="5" name="TextBox 4">
+            <a:extLst>
+              <a:ext uri="{FF2B5EF4-FFF2-40B4-BE49-F238E27FC236}">
+                <a16:creationId xmlns:a16="http://schemas.microsoft.com/office/drawing/2014/main" id="{59A1B189-475B-5D9A-4DCD-B21C4BCB62AD}"/>
+              </a:ext>
+            </a:extLst>
+          </p:cNvPr>
+          <p:cNvSpPr txBox="1"/>
+          <p:nvPr/>
+        </p:nvSpPr>
+        <p:spPr>
+          <a:xfrm>
+            <a:off x="1046514" y="1316708"/>
+            <a:ext cx="9916126" cy="3818481"/>
+          </a:xfrm>
+          <a:prstGeom prst="rect">
+            <a:avLst/>
+          </a:prstGeom>
+          <a:noFill/>
+        </p:spPr>
+        <p:txBody>
+          <a:bodyPr wrap="square" rtlCol="0">
+            <a:spAutoFit/>
+          </a:bodyPr>
+          <a:lstStyle/>
+          <a:p>
+            <a:pPr marL="285750" indent="-285750">
+              <a:buFont typeface="Arial" panose="020B0604020202020204" pitchFamily="34" charset="0"/>
+              <a:buChar char="•"/>
+            </a:pPr>
+            <a:r>
+              <a:rPr lang="ko-KR" altLang="en-US" sz="3000" b="1" dirty="0">
+                <a:solidFill>
+                  <a:schemeClr val="tx1">
+                    <a:lumMod val="65000"/>
+                    <a:lumOff val="35000"/>
+                  </a:schemeClr>
+                </a:solidFill>
+              </a:rPr>
+              <a:t>장점</a:t>
+            </a:r>
+            <a:endParaRPr lang="en-US" altLang="ko-KR" sz="3000" b="1" dirty="0">
+              <a:solidFill>
+                <a:schemeClr val="tx1">
+                  <a:lumMod val="65000"/>
+                  <a:lumOff val="35000"/>
+                </a:schemeClr>
+              </a:solidFill>
+            </a:endParaRPr>
+          </a:p>
+          <a:p>
+            <a:pPr marL="742950" lvl="1" indent="-285750">
+              <a:lnSpc>
+                <a:spcPct val="150000"/>
+              </a:lnSpc>
+              <a:buFont typeface="Arial" panose="020B0604020202020204" pitchFamily="34" charset="0"/>
+              <a:buChar char="•"/>
+            </a:pPr>
+            <a:r>
+              <a:rPr lang="ko-KR" altLang="en-US" sz="2000" b="1" dirty="0">
+                <a:solidFill>
+                  <a:schemeClr val="tx1">
+                    <a:lumMod val="65000"/>
+                    <a:lumOff val="35000"/>
+                  </a:schemeClr>
+                </a:solidFill>
+              </a:rPr>
+              <a:t>라이선스 비용 없음</a:t>
+            </a:r>
+            <a:endParaRPr lang="en-US" altLang="ko-KR" sz="2000" b="1" dirty="0">
+              <a:solidFill>
+                <a:schemeClr val="tx1">
+                  <a:lumMod val="65000"/>
+                  <a:lumOff val="35000"/>
+                </a:schemeClr>
+              </a:solidFill>
+            </a:endParaRPr>
+          </a:p>
+          <a:p>
+            <a:pPr marL="742950" lvl="1" indent="-285750">
+              <a:lnSpc>
+                <a:spcPct val="150000"/>
+              </a:lnSpc>
+              <a:buFont typeface="Arial" panose="020B0604020202020204" pitchFamily="34" charset="0"/>
+              <a:buChar char="•"/>
+            </a:pPr>
+            <a:r>
+              <a:rPr lang="ko-KR" altLang="en-US" sz="2000" b="1" dirty="0">
+                <a:solidFill>
+                  <a:schemeClr val="tx1">
+                    <a:lumMod val="65000"/>
+                    <a:lumOff val="35000"/>
+                  </a:schemeClr>
+                </a:solidFill>
+              </a:rPr>
+              <a:t>접속시간 제한 없음</a:t>
+            </a:r>
+            <a:endParaRPr lang="en-US" altLang="ko-KR" sz="2000" b="1" dirty="0">
+              <a:solidFill>
+                <a:schemeClr val="tx1">
+                  <a:lumMod val="65000"/>
+                  <a:lumOff val="35000"/>
+                </a:schemeClr>
+              </a:solidFill>
+            </a:endParaRPr>
+          </a:p>
+          <a:p>
+            <a:pPr marL="285750" indent="-285750">
+              <a:buFont typeface="Arial" panose="020B0604020202020204" pitchFamily="34" charset="0"/>
+              <a:buChar char="•"/>
+            </a:pPr>
+            <a:endParaRPr lang="en-US" altLang="ko-KR" b="1" dirty="0">
+              <a:solidFill>
+                <a:schemeClr val="tx1">
+                  <a:lumMod val="65000"/>
+                  <a:lumOff val="35000"/>
+                </a:schemeClr>
+              </a:solidFill>
+            </a:endParaRPr>
+          </a:p>
+          <a:p>
+            <a:pPr marL="285750" indent="-285750">
+              <a:buFont typeface="Arial" panose="020B0604020202020204" pitchFamily="34" charset="0"/>
+              <a:buChar char="•"/>
+            </a:pPr>
+            <a:endParaRPr lang="en-US" altLang="ko-KR" b="1" dirty="0">
+              <a:solidFill>
+                <a:schemeClr val="tx1">
+                  <a:lumMod val="65000"/>
+                  <a:lumOff val="35000"/>
+                </a:schemeClr>
+              </a:solidFill>
+            </a:endParaRPr>
+          </a:p>
+          <a:p>
+            <a:pPr marL="285750" indent="-285750">
+              <a:buFont typeface="Arial" panose="020B0604020202020204" pitchFamily="34" charset="0"/>
+              <a:buChar char="•"/>
+            </a:pPr>
+            <a:r>
+              <a:rPr lang="ko-KR" altLang="en-US" sz="3000" b="1" dirty="0">
+                <a:solidFill>
+                  <a:schemeClr val="tx1">
+                    <a:lumMod val="65000"/>
+                    <a:lumOff val="35000"/>
+                  </a:schemeClr>
+                </a:solidFill>
+              </a:rPr>
+              <a:t>단점</a:t>
+            </a:r>
+          </a:p>
+          <a:p>
+            <a:pPr marL="742950" lvl="1" indent="-285750">
+              <a:lnSpc>
+                <a:spcPct val="150000"/>
+              </a:lnSpc>
+              <a:buFont typeface="Arial" panose="020B0604020202020204" pitchFamily="34" charset="0"/>
+              <a:buChar char="•"/>
+            </a:pPr>
+            <a:r>
+              <a:rPr lang="ko-KR" altLang="en-US" sz="2000" b="1" dirty="0">
+                <a:solidFill>
+                  <a:schemeClr val="tx1">
+                    <a:lumMod val="65000"/>
+                    <a:lumOff val="35000"/>
+                  </a:schemeClr>
+                </a:solidFill>
+              </a:rPr>
+              <a:t>화면 송출 시 매끄럽지 않음</a:t>
+            </a:r>
+            <a:r>
+              <a:rPr lang="en-US" altLang="ko-KR" sz="2000" b="1" dirty="0">
+                <a:solidFill>
+                  <a:schemeClr val="tx1">
+                    <a:lumMod val="65000"/>
+                    <a:lumOff val="35000"/>
+                  </a:schemeClr>
+                </a:solidFill>
+              </a:rPr>
+              <a:t>.</a:t>
+            </a:r>
+          </a:p>
+          <a:p>
+            <a:pPr marL="742950" lvl="1" indent="-285750">
+              <a:lnSpc>
+                <a:spcPct val="150000"/>
+              </a:lnSpc>
+              <a:buFont typeface="Arial" panose="020B0604020202020204" pitchFamily="34" charset="0"/>
+              <a:buChar char="•"/>
+            </a:pPr>
+            <a:r>
+              <a:rPr lang="en-US" altLang="ko-KR" sz="2000" b="1" dirty="0">
+                <a:solidFill>
+                  <a:schemeClr val="tx1">
+                    <a:lumMod val="65000"/>
+                    <a:lumOff val="35000"/>
+                  </a:schemeClr>
+                </a:solidFill>
+              </a:rPr>
+              <a:t>IP</a:t>
+            </a:r>
+            <a:r>
+              <a:rPr lang="ko-KR" altLang="en-US" sz="2000" b="1" dirty="0">
+                <a:solidFill>
+                  <a:schemeClr val="tx1">
+                    <a:lumMod val="65000"/>
+                    <a:lumOff val="35000"/>
+                  </a:schemeClr>
+                </a:solidFill>
+              </a:rPr>
+              <a:t>입력으로 따른 공유기 환경에서 서버 컴퓨터의 포트 포워딩 필요</a:t>
+            </a:r>
+            <a:endParaRPr lang="en-US" altLang="ko-KR" sz="2000" b="1" dirty="0">
+              <a:solidFill>
+                <a:schemeClr val="tx1">
+                  <a:lumMod val="65000"/>
+                  <a:lumOff val="35000"/>
+                </a:schemeClr>
+              </a:solidFill>
+            </a:endParaRPr>
+          </a:p>
+          <a:p>
+            <a:pPr marL="742950" lvl="1" indent="-285750">
+              <a:lnSpc>
+                <a:spcPct val="150000"/>
+              </a:lnSpc>
+              <a:buFont typeface="Arial" panose="020B0604020202020204" pitchFamily="34" charset="0"/>
+              <a:buChar char="•"/>
+            </a:pPr>
+            <a:endParaRPr lang="en-US" altLang="ko-KR" sz="2000" b="1" dirty="0">
+              <a:solidFill>
+                <a:schemeClr val="tx1">
+                  <a:lumMod val="65000"/>
+                  <a:lumOff val="35000"/>
+                </a:schemeClr>
+              </a:solidFill>
+            </a:endParaRPr>
+          </a:p>
+        </p:txBody>
+      </p:sp>
+    </p:spTree>
+    <p:extLst>
+      <p:ext uri="{BB962C8B-B14F-4D97-AF65-F5344CB8AC3E}">
+        <p14:creationId xmlns:p14="http://schemas.microsoft.com/office/powerpoint/2010/main" val="3182674041"/>
+      </p:ext>
+    </p:extLst>
+  </p:cSld>
+  <p:clrMapOvr>
+    <a:masterClrMapping/>
+  </p:clrMapOvr>
+</p:sld>
+</file>
+
+<file path=ppt/slides/slide17.xml><?xml version="1.0" encoding="utf-8"?>
+<p:sld xmlns:a="http://schemas.openxmlformats.org/drawingml/2006/main" xmlns:r="http://schemas.openxmlformats.org/officeDocument/2006/relationships" xmlns:p="http://schemas.openxmlformats.org/presentationml/2006/main">
+  <p:cSld>
+    <p:spTree>
+      <p:nvGrpSpPr>
+        <p:cNvPr id="1" name=""/>
+        <p:cNvGrpSpPr/>
+        <p:nvPr/>
+      </p:nvGrpSpPr>
+      <p:grpSpPr>
+        <a:xfrm>
+          <a:off x="0" y="0"/>
+          <a:ext cx="0" cy="0"/>
+          <a:chOff x="0" y="0"/>
+          <a:chExt cx="0" cy="0"/>
+        </a:xfrm>
+      </p:grpSpPr>
+      <p:sp>
+        <p:nvSpPr>
+          <p:cNvPr id="4" name="날짜 개체 틀 3">
+            <a:extLst>
+              <a:ext uri="{FF2B5EF4-FFF2-40B4-BE49-F238E27FC236}">
+                <a16:creationId xmlns:a16="http://schemas.microsoft.com/office/drawing/2014/main" id="{96EB53D3-8572-4237-B28C-28CB40308C40}"/>
+              </a:ext>
+            </a:extLst>
+          </p:cNvPr>
+          <p:cNvSpPr>
+            <a:spLocks noGrp="1"/>
+          </p:cNvSpPr>
+          <p:nvPr>
+            <p:ph type="dt" sz="half" idx="10"/>
+          </p:nvPr>
+        </p:nvSpPr>
+        <p:spPr>
+          <a:xfrm>
+            <a:off x="141514" y="6356350"/>
+            <a:ext cx="2743200" cy="365125"/>
+          </a:xfrm>
+        </p:spPr>
+        <p:txBody>
+          <a:bodyPr/>
+          <a:lstStyle/>
+          <a:p>
+            <a:fld id="{0303D7D5-FAC8-4B75-A637-D564180CD715}" type="datetime1">
+              <a:rPr lang="ko-KR" altLang="en-US" sz="1000" smtClean="0"/>
+              <a:t>2023-06-07</a:t>
+            </a:fld>
+            <a:endParaRPr lang="ko-KR" altLang="en-US" sz="1000" dirty="0"/>
+          </a:p>
+        </p:txBody>
+      </p:sp>
+      <p:sp>
+        <p:nvSpPr>
+          <p:cNvPr id="6" name="슬라이드 번호 개체 틀 5">
+            <a:extLst>
+              <a:ext uri="{FF2B5EF4-FFF2-40B4-BE49-F238E27FC236}">
+                <a16:creationId xmlns:a16="http://schemas.microsoft.com/office/drawing/2014/main" id="{6E93A4FF-EE48-4AD7-B7EF-105B8CE4CD9F}"/>
+              </a:ext>
+            </a:extLst>
+          </p:cNvPr>
+          <p:cNvSpPr>
+            <a:spLocks noGrp="1"/>
+          </p:cNvSpPr>
+          <p:nvPr>
+            <p:ph type="sldNum" sz="quarter" idx="12"/>
+          </p:nvPr>
+        </p:nvSpPr>
+        <p:spPr/>
+        <p:txBody>
+          <a:bodyPr/>
+          <a:lstStyle/>
+          <a:p>
+            <a:fld id="{77D8DCB6-DE77-432F-867E-17030BC60D58}" type="slidenum">
+              <a:rPr lang="ko-KR" altLang="en-US" smtClean="0"/>
+              <a:t>17</a:t>
+            </a:fld>
+            <a:endParaRPr lang="ko-KR" altLang="en-US"/>
+          </a:p>
+        </p:txBody>
+      </p:sp>
+      <p:cxnSp>
+        <p:nvCxnSpPr>
+          <p:cNvPr id="8" name="직선 연결선 7">
+            <a:extLst>
+              <a:ext uri="{FF2B5EF4-FFF2-40B4-BE49-F238E27FC236}">
+                <a16:creationId xmlns:a16="http://schemas.microsoft.com/office/drawing/2014/main" id="{D1F8D6B6-3C71-480C-BFAD-599210C64964}"/>
+              </a:ext>
+            </a:extLst>
+          </p:cNvPr>
+          <p:cNvCxnSpPr>
+            <a:cxnSpLocks/>
+          </p:cNvCxnSpPr>
+          <p:nvPr/>
+        </p:nvCxnSpPr>
+        <p:spPr>
+          <a:xfrm>
+            <a:off x="513806" y="1138535"/>
+            <a:ext cx="10978016" cy="0"/>
+          </a:xfrm>
+          <a:prstGeom prst="line">
+            <a:avLst/>
+          </a:prstGeom>
+          <a:ln w="28575">
+            <a:solidFill>
+              <a:srgbClr val="A80000"/>
+            </a:solidFill>
+          </a:ln>
+        </p:spPr>
+        <p:style>
+          <a:lnRef idx="1">
+            <a:schemeClr val="accent1"/>
+          </a:lnRef>
+          <a:fillRef idx="0">
+            <a:schemeClr val="accent1"/>
+          </a:fillRef>
+          <a:effectRef idx="0">
+            <a:schemeClr val="accent1"/>
+          </a:effectRef>
+          <a:fontRef idx="minor">
+            <a:schemeClr val="tx1"/>
+          </a:fontRef>
+        </p:style>
+      </p:cxnSp>
+      <p:sp>
+        <p:nvSpPr>
+          <p:cNvPr id="9" name="TextBox 8">
+            <a:extLst>
+              <a:ext uri="{FF2B5EF4-FFF2-40B4-BE49-F238E27FC236}">
+                <a16:creationId xmlns:a16="http://schemas.microsoft.com/office/drawing/2014/main" id="{85E2DDDA-35AB-489C-8A37-0A056738B5CD}"/>
+              </a:ext>
+            </a:extLst>
+          </p:cNvPr>
+          <p:cNvSpPr txBox="1"/>
+          <p:nvPr/>
+        </p:nvSpPr>
+        <p:spPr>
+          <a:xfrm>
+            <a:off x="513805" y="576645"/>
+            <a:ext cx="8956766" cy="523220"/>
+          </a:xfrm>
+          <a:prstGeom prst="rect">
+            <a:avLst/>
+          </a:prstGeom>
+          <a:noFill/>
+        </p:spPr>
+        <p:txBody>
+          <a:bodyPr wrap="square" rtlCol="0">
+            <a:spAutoFit/>
+          </a:bodyPr>
+          <a:lstStyle/>
+          <a:p>
+            <a:r>
+              <a:rPr lang="en-US" altLang="ko-KR" sz="2800" b="1" dirty="0">
+                <a:solidFill>
+                  <a:schemeClr val="tx1">
+                    <a:lumMod val="65000"/>
+                    <a:lumOff val="35000"/>
+                  </a:schemeClr>
+                </a:solidFill>
+              </a:rPr>
+              <a:t>Ultra VNC</a:t>
+            </a:r>
+            <a:endParaRPr lang="ko-KR" altLang="en-US" sz="2800" b="1" dirty="0">
+              <a:solidFill>
+                <a:schemeClr val="tx1">
+                  <a:lumMod val="65000"/>
+                  <a:lumOff val="35000"/>
+                </a:schemeClr>
+              </a:solidFill>
+            </a:endParaRPr>
+          </a:p>
+        </p:txBody>
+      </p:sp>
+      <p:pic>
+        <p:nvPicPr>
+          <p:cNvPr id="6146" name="Picture 2" descr="UltraVNC icon">
+            <a:extLst>
+              <a:ext uri="{FF2B5EF4-FFF2-40B4-BE49-F238E27FC236}">
+                <a16:creationId xmlns:a16="http://schemas.microsoft.com/office/drawing/2014/main" id="{74890CD9-67FA-C280-F0C9-35AA4B7CA41C}"/>
+              </a:ext>
+            </a:extLst>
+          </p:cNvPr>
+          <p:cNvPicPr>
+            <a:picLocks noChangeAspect="1" noChangeArrowheads="1"/>
+          </p:cNvPicPr>
+          <p:nvPr/>
+        </p:nvPicPr>
+        <p:blipFill>
+          <a:blip r:embed="rId2">
+            <a:extLst>
+              <a:ext uri="{28A0092B-C50C-407E-A947-70E740481C1C}">
+                <a14:useLocalDpi xmlns:a14="http://schemas.microsoft.com/office/drawing/2010/main" val="0"/>
+              </a:ext>
+            </a:extLst>
+          </a:blip>
+          <a:srcRect/>
+          <a:stretch>
+            <a:fillRect/>
+          </a:stretch>
+        </p:blipFill>
+        <p:spPr bwMode="auto">
+          <a:xfrm>
+            <a:off x="1341663" y="2322194"/>
+            <a:ext cx="2354903" cy="2354903"/>
+          </a:xfrm>
+          <a:prstGeom prst="rect">
+            <a:avLst/>
+          </a:prstGeom>
+          <a:noFill/>
+          <a:extLst>
+            <a:ext uri="{909E8E84-426E-40DD-AFC4-6F175D3DCCD1}">
+              <a14:hiddenFill xmlns:a14="http://schemas.microsoft.com/office/drawing/2010/main">
+                <a:solidFill>
+                  <a:srgbClr val="FFFFFF"/>
+                </a:solidFill>
+              </a14:hiddenFill>
+            </a:ext>
+          </a:extLst>
+        </p:spPr>
+      </p:pic>
+      <p:sp>
+        <p:nvSpPr>
+          <p:cNvPr id="7" name="TextBox 6">
+            <a:extLst>
+              <a:ext uri="{FF2B5EF4-FFF2-40B4-BE49-F238E27FC236}">
+                <a16:creationId xmlns:a16="http://schemas.microsoft.com/office/drawing/2014/main" id="{4123B881-6647-2BDA-CBCF-0DB6A89DDEB9}"/>
+              </a:ext>
+            </a:extLst>
+          </p:cNvPr>
+          <p:cNvSpPr txBox="1"/>
+          <p:nvPr/>
+        </p:nvSpPr>
+        <p:spPr>
+          <a:xfrm>
+            <a:off x="4456262" y="2322194"/>
+            <a:ext cx="7035560" cy="2246769"/>
+          </a:xfrm>
+          <a:prstGeom prst="rect">
+            <a:avLst/>
+          </a:prstGeom>
+          <a:noFill/>
+        </p:spPr>
+        <p:txBody>
+          <a:bodyPr wrap="square" rtlCol="0">
+            <a:spAutoFit/>
+          </a:bodyPr>
+          <a:lstStyle/>
+          <a:p>
+            <a:pPr marL="285750" indent="-285750">
+              <a:buFont typeface="Arial" panose="020B0604020202020204" pitchFamily="34" charset="0"/>
+              <a:buChar char="•"/>
+            </a:pPr>
+            <a:r>
+              <a:rPr lang="ko-KR" altLang="en-US" sz="2000" b="1" dirty="0">
+                <a:solidFill>
+                  <a:schemeClr val="tx1">
+                    <a:lumMod val="65000"/>
+                    <a:lumOff val="35000"/>
+                  </a:schemeClr>
+                </a:solidFill>
+              </a:rPr>
+              <a:t>접속 하는 컴퓨터의 프로그램</a:t>
+            </a:r>
+            <a:r>
+              <a:rPr lang="en-US" altLang="ko-KR" sz="2000" b="1" dirty="0">
+                <a:solidFill>
+                  <a:schemeClr val="tx1">
+                    <a:lumMod val="65000"/>
+                    <a:lumOff val="35000"/>
+                  </a:schemeClr>
+                </a:solidFill>
+              </a:rPr>
+              <a:t>(Server), </a:t>
+            </a:r>
+            <a:r>
+              <a:rPr lang="ko-KR" altLang="en-US" sz="2000" b="1" dirty="0">
+                <a:solidFill>
+                  <a:schemeClr val="tx1">
+                    <a:lumMod val="65000"/>
+                    <a:lumOff val="35000"/>
+                  </a:schemeClr>
+                </a:solidFill>
+              </a:rPr>
+              <a:t>접속 받는 프로그램</a:t>
+            </a:r>
+            <a:r>
+              <a:rPr lang="en-US" altLang="ko-KR" sz="2000" b="1" dirty="0">
+                <a:solidFill>
+                  <a:schemeClr val="tx1">
+                    <a:lumMod val="65000"/>
+                    <a:lumOff val="35000"/>
+                  </a:schemeClr>
+                </a:solidFill>
+              </a:rPr>
+              <a:t>(Viewer)</a:t>
+            </a:r>
+            <a:r>
+              <a:rPr lang="ko-KR" altLang="en-US" sz="2000" b="1" dirty="0">
+                <a:solidFill>
+                  <a:schemeClr val="tx1">
+                    <a:lumMod val="65000"/>
+                    <a:lumOff val="35000"/>
+                  </a:schemeClr>
+                </a:solidFill>
+              </a:rPr>
+              <a:t> 따로 존재</a:t>
+            </a:r>
+            <a:endParaRPr lang="en-US" altLang="ko-KR" sz="2000" b="1" dirty="0">
+              <a:solidFill>
+                <a:schemeClr val="tx1">
+                  <a:lumMod val="65000"/>
+                  <a:lumOff val="35000"/>
+                </a:schemeClr>
+              </a:solidFill>
+            </a:endParaRPr>
+          </a:p>
+          <a:p>
+            <a:pPr marL="285750" indent="-285750">
+              <a:buFont typeface="Arial" panose="020B0604020202020204" pitchFamily="34" charset="0"/>
+              <a:buChar char="•"/>
+            </a:pPr>
+            <a:endParaRPr lang="en-US" altLang="ko-KR" sz="2000" b="1" dirty="0">
+              <a:solidFill>
+                <a:schemeClr val="tx1">
+                  <a:lumMod val="65000"/>
+                  <a:lumOff val="35000"/>
+                </a:schemeClr>
+              </a:solidFill>
+            </a:endParaRPr>
+          </a:p>
+          <a:p>
+            <a:pPr marL="285750" indent="-285750">
+              <a:buFont typeface="Arial" panose="020B0604020202020204" pitchFamily="34" charset="0"/>
+              <a:buChar char="•"/>
+            </a:pPr>
+            <a:r>
+              <a:rPr lang="en-US" altLang="ko-KR" sz="2000" b="1" dirty="0">
+                <a:solidFill>
+                  <a:schemeClr val="tx1">
+                    <a:lumMod val="65000"/>
+                    <a:lumOff val="35000"/>
+                  </a:schemeClr>
+                </a:solidFill>
+              </a:rPr>
+              <a:t>IP</a:t>
+            </a:r>
+            <a:r>
+              <a:rPr lang="ko-KR" altLang="en-US" sz="2000" b="1" dirty="0">
+                <a:solidFill>
+                  <a:schemeClr val="tx1">
+                    <a:lumMod val="65000"/>
+                    <a:lumOff val="35000"/>
+                  </a:schemeClr>
+                </a:solidFill>
+              </a:rPr>
+              <a:t>주소를 통해 연결</a:t>
+            </a:r>
+            <a:endParaRPr lang="en-US" altLang="ko-KR" sz="2000" b="1" dirty="0">
+              <a:solidFill>
+                <a:schemeClr val="tx1">
+                  <a:lumMod val="65000"/>
+                  <a:lumOff val="35000"/>
+                </a:schemeClr>
+              </a:solidFill>
+            </a:endParaRPr>
+          </a:p>
+          <a:p>
+            <a:pPr marL="285750" indent="-285750">
+              <a:buFont typeface="Arial" panose="020B0604020202020204" pitchFamily="34" charset="0"/>
+              <a:buChar char="•"/>
+            </a:pPr>
+            <a:endParaRPr lang="en-US" altLang="ko-KR" sz="2000" b="1" dirty="0">
+              <a:solidFill>
+                <a:schemeClr val="tx1">
+                  <a:lumMod val="65000"/>
+                  <a:lumOff val="35000"/>
+                </a:schemeClr>
+              </a:solidFill>
+            </a:endParaRPr>
+          </a:p>
+          <a:p>
+            <a:pPr marL="285750" indent="-285750">
+              <a:buFont typeface="Arial" panose="020B0604020202020204" pitchFamily="34" charset="0"/>
+              <a:buChar char="•"/>
+            </a:pPr>
+            <a:r>
+              <a:rPr lang="ko-KR" altLang="en-US" sz="2000" b="1" dirty="0">
+                <a:solidFill>
+                  <a:schemeClr val="tx1">
+                    <a:lumMod val="65000"/>
+                    <a:lumOff val="35000"/>
+                  </a:schemeClr>
+                </a:solidFill>
+              </a:rPr>
+              <a:t>무료 라이선스</a:t>
+            </a:r>
+            <a:endParaRPr lang="en-US" altLang="ko-KR" sz="2000" b="1" dirty="0">
+              <a:solidFill>
+                <a:schemeClr val="tx1">
+                  <a:lumMod val="65000"/>
+                  <a:lumOff val="35000"/>
+                </a:schemeClr>
+              </a:solidFill>
+            </a:endParaRPr>
+          </a:p>
+          <a:p>
+            <a:pPr marL="285750" indent="-285750">
+              <a:buFont typeface="Arial" panose="020B0604020202020204" pitchFamily="34" charset="0"/>
+              <a:buChar char="•"/>
+            </a:pPr>
+            <a:endParaRPr lang="en-US" altLang="ko-KR" sz="2000" b="1" dirty="0">
+              <a:solidFill>
+                <a:schemeClr val="tx1">
+                  <a:lumMod val="65000"/>
+                  <a:lumOff val="35000"/>
+                </a:schemeClr>
+              </a:solidFill>
+            </a:endParaRPr>
+          </a:p>
+        </p:txBody>
+      </p:sp>
+    </p:spTree>
+    <p:extLst>
+      <p:ext uri="{BB962C8B-B14F-4D97-AF65-F5344CB8AC3E}">
+        <p14:creationId xmlns:p14="http://schemas.microsoft.com/office/powerpoint/2010/main" val="3845671321"/>
+      </p:ext>
+    </p:extLst>
+  </p:cSld>
+  <p:clrMapOvr>
+    <a:masterClrMapping/>
+  </p:clrMapOvr>
+</p:sld>
+</file>
+
+<file path=ppt/slides/slide18.xml><?xml version="1.0" encoding="utf-8"?>
+<p:sld xmlns:a="http://schemas.openxmlformats.org/drawingml/2006/main" xmlns:r="http://schemas.openxmlformats.org/officeDocument/2006/relationships" xmlns:p="http://schemas.openxmlformats.org/presentationml/2006/main">
+  <p:cSld>
+    <p:spTree>
+      <p:nvGrpSpPr>
+        <p:cNvPr id="1" name=""/>
+        <p:cNvGrpSpPr/>
+        <p:nvPr/>
+      </p:nvGrpSpPr>
+      <p:grpSpPr>
+        <a:xfrm>
+          <a:off x="0" y="0"/>
+          <a:ext cx="0" cy="0"/>
+          <a:chOff x="0" y="0"/>
+          <a:chExt cx="0" cy="0"/>
+        </a:xfrm>
+      </p:grpSpPr>
+      <p:sp>
+        <p:nvSpPr>
+          <p:cNvPr id="4" name="날짜 개체 틀 3">
+            <a:extLst>
+              <a:ext uri="{FF2B5EF4-FFF2-40B4-BE49-F238E27FC236}">
+                <a16:creationId xmlns:a16="http://schemas.microsoft.com/office/drawing/2014/main" id="{96EB53D3-8572-4237-B28C-28CB40308C40}"/>
+              </a:ext>
+            </a:extLst>
+          </p:cNvPr>
+          <p:cNvSpPr>
+            <a:spLocks noGrp="1"/>
+          </p:cNvSpPr>
+          <p:nvPr>
+            <p:ph type="dt" sz="half" idx="10"/>
+          </p:nvPr>
+        </p:nvSpPr>
+        <p:spPr>
+          <a:xfrm>
+            <a:off x="141514" y="6356350"/>
+            <a:ext cx="2743200" cy="365125"/>
+          </a:xfrm>
+        </p:spPr>
+        <p:txBody>
+          <a:bodyPr/>
+          <a:lstStyle/>
+          <a:p>
+            <a:fld id="{0303D7D5-FAC8-4B75-A637-D564180CD715}" type="datetime1">
+              <a:rPr lang="ko-KR" altLang="en-US" sz="1000" smtClean="0"/>
+              <a:t>2023-06-07</a:t>
+            </a:fld>
+            <a:endParaRPr lang="ko-KR" altLang="en-US" sz="1000" dirty="0"/>
+          </a:p>
+        </p:txBody>
+      </p:sp>
+      <p:sp>
+        <p:nvSpPr>
+          <p:cNvPr id="6" name="슬라이드 번호 개체 틀 5">
+            <a:extLst>
+              <a:ext uri="{FF2B5EF4-FFF2-40B4-BE49-F238E27FC236}">
+                <a16:creationId xmlns:a16="http://schemas.microsoft.com/office/drawing/2014/main" id="{6E93A4FF-EE48-4AD7-B7EF-105B8CE4CD9F}"/>
+              </a:ext>
+            </a:extLst>
+          </p:cNvPr>
+          <p:cNvSpPr>
+            <a:spLocks noGrp="1"/>
+          </p:cNvSpPr>
+          <p:nvPr>
+            <p:ph type="sldNum" sz="quarter" idx="12"/>
+          </p:nvPr>
+        </p:nvSpPr>
+        <p:spPr/>
+        <p:txBody>
+          <a:bodyPr/>
+          <a:lstStyle/>
+          <a:p>
+            <a:fld id="{77D8DCB6-DE77-432F-867E-17030BC60D58}" type="slidenum">
+              <a:rPr lang="ko-KR" altLang="en-US" smtClean="0"/>
+              <a:t>18</a:t>
+            </a:fld>
+            <a:endParaRPr lang="ko-KR" altLang="en-US"/>
+          </a:p>
+        </p:txBody>
+      </p:sp>
+      <p:cxnSp>
+        <p:nvCxnSpPr>
+          <p:cNvPr id="8" name="직선 연결선 7">
+            <a:extLst>
+              <a:ext uri="{FF2B5EF4-FFF2-40B4-BE49-F238E27FC236}">
+                <a16:creationId xmlns:a16="http://schemas.microsoft.com/office/drawing/2014/main" id="{D1F8D6B6-3C71-480C-BFAD-599210C64964}"/>
+              </a:ext>
+            </a:extLst>
+          </p:cNvPr>
+          <p:cNvCxnSpPr>
+            <a:cxnSpLocks/>
+          </p:cNvCxnSpPr>
+          <p:nvPr/>
+        </p:nvCxnSpPr>
+        <p:spPr>
+          <a:xfrm>
+            <a:off x="513806" y="1138535"/>
+            <a:ext cx="10978016" cy="0"/>
+          </a:xfrm>
+          <a:prstGeom prst="line">
+            <a:avLst/>
+          </a:prstGeom>
+          <a:ln w="28575">
+            <a:solidFill>
+              <a:srgbClr val="A80000"/>
+            </a:solidFill>
+          </a:ln>
+        </p:spPr>
+        <p:style>
+          <a:lnRef idx="1">
+            <a:schemeClr val="accent1"/>
+          </a:lnRef>
+          <a:fillRef idx="0">
+            <a:schemeClr val="accent1"/>
+          </a:fillRef>
+          <a:effectRef idx="0">
+            <a:schemeClr val="accent1"/>
+          </a:effectRef>
+          <a:fontRef idx="minor">
+            <a:schemeClr val="tx1"/>
+          </a:fontRef>
+        </p:style>
+      </p:cxnSp>
+      <p:sp>
+        <p:nvSpPr>
+          <p:cNvPr id="5" name="TextBox 4">
+            <a:extLst>
+              <a:ext uri="{FF2B5EF4-FFF2-40B4-BE49-F238E27FC236}">
+                <a16:creationId xmlns:a16="http://schemas.microsoft.com/office/drawing/2014/main" id="{59A1B189-475B-5D9A-4DCD-B21C4BCB62AD}"/>
+              </a:ext>
+            </a:extLst>
+          </p:cNvPr>
+          <p:cNvSpPr txBox="1"/>
+          <p:nvPr/>
+        </p:nvSpPr>
+        <p:spPr>
+          <a:xfrm>
+            <a:off x="1046514" y="1316708"/>
+            <a:ext cx="9916126" cy="5203476"/>
+          </a:xfrm>
+          <a:prstGeom prst="rect">
+            <a:avLst/>
+          </a:prstGeom>
+          <a:noFill/>
+        </p:spPr>
+        <p:txBody>
+          <a:bodyPr wrap="square" rtlCol="0">
+            <a:spAutoFit/>
+          </a:bodyPr>
+          <a:lstStyle/>
+          <a:p>
+            <a:pPr marL="285750" indent="-285750">
+              <a:buFont typeface="Arial" panose="020B0604020202020204" pitchFamily="34" charset="0"/>
+              <a:buChar char="•"/>
+            </a:pPr>
+            <a:r>
+              <a:rPr lang="ko-KR" altLang="en-US" sz="3000" b="1" dirty="0">
+                <a:solidFill>
+                  <a:schemeClr val="tx1">
+                    <a:lumMod val="65000"/>
+                    <a:lumOff val="35000"/>
+                  </a:schemeClr>
+                </a:solidFill>
+              </a:rPr>
+              <a:t>장점</a:t>
+            </a:r>
+            <a:endParaRPr lang="en-US" altLang="ko-KR" sz="3000" b="1" dirty="0">
+              <a:solidFill>
+                <a:schemeClr val="tx1">
+                  <a:lumMod val="65000"/>
+                  <a:lumOff val="35000"/>
+                </a:schemeClr>
+              </a:solidFill>
+            </a:endParaRPr>
+          </a:p>
+          <a:p>
+            <a:pPr marL="742950" lvl="1" indent="-285750">
+              <a:lnSpc>
+                <a:spcPct val="150000"/>
+              </a:lnSpc>
+              <a:buFont typeface="Arial" panose="020B0604020202020204" pitchFamily="34" charset="0"/>
+              <a:buChar char="•"/>
+            </a:pPr>
+            <a:r>
+              <a:rPr lang="ko-KR" altLang="en-US" sz="2000" b="1" dirty="0">
+                <a:solidFill>
+                  <a:schemeClr val="tx1">
+                    <a:lumMod val="65000"/>
+                    <a:lumOff val="35000"/>
+                  </a:schemeClr>
+                </a:solidFill>
+              </a:rPr>
+              <a:t>라이선스 비용 없음</a:t>
+            </a:r>
+            <a:endParaRPr lang="en-US" altLang="ko-KR" sz="2000" b="1" dirty="0">
+              <a:solidFill>
+                <a:schemeClr val="tx1">
+                  <a:lumMod val="65000"/>
+                  <a:lumOff val="35000"/>
+                </a:schemeClr>
+              </a:solidFill>
+            </a:endParaRPr>
+          </a:p>
+          <a:p>
+            <a:pPr marL="742950" lvl="1" indent="-285750">
+              <a:lnSpc>
+                <a:spcPct val="150000"/>
+              </a:lnSpc>
+              <a:buFont typeface="Arial" panose="020B0604020202020204" pitchFamily="34" charset="0"/>
+              <a:buChar char="•"/>
+            </a:pPr>
+            <a:r>
+              <a:rPr lang="ko-KR" altLang="en-US" sz="2000" b="1" dirty="0">
+                <a:solidFill>
+                  <a:schemeClr val="tx1">
+                    <a:lumMod val="65000"/>
+                    <a:lumOff val="35000"/>
+                  </a:schemeClr>
+                </a:solidFill>
+              </a:rPr>
+              <a:t>접속시간 제한 없음</a:t>
+            </a:r>
+            <a:endParaRPr lang="en-US" altLang="ko-KR" sz="2000" b="1" dirty="0">
+              <a:solidFill>
+                <a:schemeClr val="tx1">
+                  <a:lumMod val="65000"/>
+                  <a:lumOff val="35000"/>
+                </a:schemeClr>
+              </a:solidFill>
+            </a:endParaRPr>
+          </a:p>
+          <a:p>
+            <a:pPr marL="285750" indent="-285750">
+              <a:buFont typeface="Arial" panose="020B0604020202020204" pitchFamily="34" charset="0"/>
+              <a:buChar char="•"/>
+            </a:pPr>
+            <a:endParaRPr lang="en-US" altLang="ko-KR" b="1" dirty="0">
+              <a:solidFill>
+                <a:schemeClr val="tx1">
+                  <a:lumMod val="65000"/>
+                  <a:lumOff val="35000"/>
+                </a:schemeClr>
+              </a:solidFill>
+            </a:endParaRPr>
+          </a:p>
+          <a:p>
+            <a:pPr marL="285750" indent="-285750">
+              <a:buFont typeface="Arial" panose="020B0604020202020204" pitchFamily="34" charset="0"/>
+              <a:buChar char="•"/>
+            </a:pPr>
+            <a:endParaRPr lang="en-US" altLang="ko-KR" b="1" dirty="0">
+              <a:solidFill>
+                <a:schemeClr val="tx1">
+                  <a:lumMod val="65000"/>
+                  <a:lumOff val="35000"/>
+                </a:schemeClr>
+              </a:solidFill>
+            </a:endParaRPr>
+          </a:p>
+          <a:p>
+            <a:pPr marL="285750" indent="-285750">
+              <a:buFont typeface="Arial" panose="020B0604020202020204" pitchFamily="34" charset="0"/>
+              <a:buChar char="•"/>
+            </a:pPr>
+            <a:r>
+              <a:rPr lang="ko-KR" altLang="en-US" sz="3000" b="1" dirty="0">
+                <a:solidFill>
+                  <a:schemeClr val="tx1">
+                    <a:lumMod val="65000"/>
+                    <a:lumOff val="35000"/>
+                  </a:schemeClr>
+                </a:solidFill>
+              </a:rPr>
+              <a:t>단점</a:t>
+            </a:r>
+          </a:p>
+          <a:p>
+            <a:pPr marL="742950" lvl="1" indent="-285750">
+              <a:lnSpc>
+                <a:spcPct val="150000"/>
+              </a:lnSpc>
+              <a:buFont typeface="Arial" panose="020B0604020202020204" pitchFamily="34" charset="0"/>
+              <a:buChar char="•"/>
+            </a:pPr>
+            <a:r>
+              <a:rPr lang="ko-KR" altLang="en-US" sz="2000" b="1" dirty="0">
+                <a:solidFill>
+                  <a:schemeClr val="tx1">
+                    <a:lumMod val="65000"/>
+                    <a:lumOff val="35000"/>
+                  </a:schemeClr>
+                </a:solidFill>
+              </a:rPr>
+              <a:t>화면 송출 시 매끄럽지 않음</a:t>
+            </a:r>
+            <a:r>
+              <a:rPr lang="en-US" altLang="ko-KR" sz="2000" b="1" dirty="0">
+                <a:solidFill>
+                  <a:schemeClr val="tx1">
+                    <a:lumMod val="65000"/>
+                    <a:lumOff val="35000"/>
+                  </a:schemeClr>
+                </a:solidFill>
+              </a:rPr>
+              <a:t>.</a:t>
+            </a:r>
+          </a:p>
+          <a:p>
+            <a:pPr marL="742950" lvl="1" indent="-285750">
+              <a:lnSpc>
+                <a:spcPct val="150000"/>
+              </a:lnSpc>
+              <a:buFont typeface="Arial" panose="020B0604020202020204" pitchFamily="34" charset="0"/>
+              <a:buChar char="•"/>
+            </a:pPr>
+            <a:r>
+              <a:rPr lang="en-US" altLang="ko-KR" sz="2000" b="1" dirty="0">
+                <a:solidFill>
+                  <a:schemeClr val="tx1">
+                    <a:lumMod val="65000"/>
+                    <a:lumOff val="35000"/>
+                  </a:schemeClr>
+                </a:solidFill>
+              </a:rPr>
+              <a:t>IP</a:t>
+            </a:r>
+            <a:r>
+              <a:rPr lang="ko-KR" altLang="en-US" sz="2000" b="1" dirty="0">
+                <a:solidFill>
+                  <a:schemeClr val="tx1">
+                    <a:lumMod val="65000"/>
+                    <a:lumOff val="35000"/>
+                  </a:schemeClr>
+                </a:solidFill>
+              </a:rPr>
+              <a:t>입력으로 따른 공유기 환경에서 서버 컴퓨터의 포트 포워딩 필요</a:t>
+            </a:r>
+            <a:endParaRPr lang="en-US" altLang="ko-KR" sz="2000" b="1" dirty="0">
+              <a:solidFill>
+                <a:schemeClr val="tx1">
+                  <a:lumMod val="65000"/>
+                  <a:lumOff val="35000"/>
+                </a:schemeClr>
+              </a:solidFill>
+            </a:endParaRPr>
+          </a:p>
+          <a:p>
+            <a:pPr marL="742950" lvl="1" indent="-285750">
+              <a:lnSpc>
+                <a:spcPct val="150000"/>
+              </a:lnSpc>
+              <a:buFont typeface="Arial" panose="020B0604020202020204" pitchFamily="34" charset="0"/>
+              <a:buChar char="•"/>
+            </a:pPr>
+            <a:r>
+              <a:rPr lang="ko-KR" altLang="en-US" sz="2000" b="1" dirty="0">
+                <a:solidFill>
+                  <a:schemeClr val="tx1">
+                    <a:lumMod val="65000"/>
+                    <a:lumOff val="35000"/>
+                  </a:schemeClr>
+                </a:solidFill>
+              </a:rPr>
+              <a:t>뷰어 화면의 마우스 위치로 서버 컴퓨터의 마우스 위치 고정</a:t>
+            </a:r>
+            <a:r>
+              <a:rPr lang="en-US" altLang="ko-KR" sz="2000" b="1" dirty="0">
+                <a:solidFill>
+                  <a:schemeClr val="tx1">
+                    <a:lumMod val="65000"/>
+                    <a:lumOff val="35000"/>
+                  </a:schemeClr>
+                </a:solidFill>
+              </a:rPr>
+              <a:t>(</a:t>
+            </a:r>
+            <a:r>
+              <a:rPr lang="ko-KR" altLang="en-US" sz="2000" b="1" dirty="0">
+                <a:solidFill>
+                  <a:schemeClr val="tx1">
+                    <a:lumMod val="65000"/>
+                    <a:lumOff val="35000"/>
+                  </a:schemeClr>
+                </a:solidFill>
+              </a:rPr>
+              <a:t>서버에서 조작 어려움</a:t>
+            </a:r>
+            <a:r>
+              <a:rPr lang="en-US" altLang="ko-KR" sz="2000" b="1" dirty="0">
+                <a:solidFill>
+                  <a:schemeClr val="tx1">
+                    <a:lumMod val="65000"/>
+                    <a:lumOff val="35000"/>
+                  </a:schemeClr>
+                </a:solidFill>
+              </a:rPr>
+              <a:t>)</a:t>
+            </a:r>
+          </a:p>
+          <a:p>
+            <a:pPr marL="742950" lvl="1" indent="-285750">
+              <a:lnSpc>
+                <a:spcPct val="150000"/>
+              </a:lnSpc>
+              <a:buFont typeface="Arial" panose="020B0604020202020204" pitchFamily="34" charset="0"/>
+              <a:buChar char="•"/>
+            </a:pPr>
+            <a:endParaRPr lang="en-US" altLang="ko-KR" sz="2000" b="1" dirty="0">
+              <a:solidFill>
+                <a:schemeClr val="tx1">
+                  <a:lumMod val="65000"/>
+                  <a:lumOff val="35000"/>
+                </a:schemeClr>
+              </a:solidFill>
+            </a:endParaRPr>
+          </a:p>
+          <a:p>
+            <a:pPr marL="742950" lvl="1" indent="-285750">
+              <a:lnSpc>
+                <a:spcPct val="150000"/>
+              </a:lnSpc>
+              <a:buFont typeface="Arial" panose="020B0604020202020204" pitchFamily="34" charset="0"/>
+              <a:buChar char="•"/>
+            </a:pPr>
+            <a:endParaRPr lang="en-US" altLang="ko-KR" sz="2000" b="1" dirty="0">
+              <a:solidFill>
+                <a:schemeClr val="tx1">
+                  <a:lumMod val="65000"/>
+                  <a:lumOff val="35000"/>
+                </a:schemeClr>
+              </a:solidFill>
+            </a:endParaRPr>
+          </a:p>
+        </p:txBody>
+      </p:sp>
+      <p:sp>
+        <p:nvSpPr>
+          <p:cNvPr id="3" name="TextBox 2">
+            <a:extLst>
+              <a:ext uri="{FF2B5EF4-FFF2-40B4-BE49-F238E27FC236}">
+                <a16:creationId xmlns:a16="http://schemas.microsoft.com/office/drawing/2014/main" id="{E52997F5-C101-6676-A302-45866E45F6D3}"/>
+              </a:ext>
+            </a:extLst>
+          </p:cNvPr>
+          <p:cNvSpPr txBox="1"/>
+          <p:nvPr/>
+        </p:nvSpPr>
+        <p:spPr>
+          <a:xfrm>
+            <a:off x="513805" y="576645"/>
+            <a:ext cx="8956766" cy="523220"/>
+          </a:xfrm>
+          <a:prstGeom prst="rect">
+            <a:avLst/>
+          </a:prstGeom>
+          <a:noFill/>
+        </p:spPr>
+        <p:txBody>
+          <a:bodyPr wrap="square" rtlCol="0">
+            <a:spAutoFit/>
+          </a:bodyPr>
+          <a:lstStyle/>
+          <a:p>
+            <a:r>
+              <a:rPr lang="en-US" altLang="ko-KR" sz="2800" b="1" dirty="0">
+                <a:solidFill>
+                  <a:schemeClr val="tx1">
+                    <a:lumMod val="65000"/>
+                    <a:lumOff val="35000"/>
+                  </a:schemeClr>
+                </a:solidFill>
+              </a:rPr>
+              <a:t>Ultra VNC</a:t>
+            </a:r>
+            <a:endParaRPr lang="ko-KR" altLang="en-US" sz="2800" b="1" dirty="0">
+              <a:solidFill>
+                <a:schemeClr val="tx1">
+                  <a:lumMod val="65000"/>
+                  <a:lumOff val="35000"/>
+                </a:schemeClr>
+              </a:solidFill>
+            </a:endParaRPr>
+          </a:p>
+        </p:txBody>
+      </p:sp>
+    </p:spTree>
+    <p:extLst>
+      <p:ext uri="{BB962C8B-B14F-4D97-AF65-F5344CB8AC3E}">
+        <p14:creationId xmlns:p14="http://schemas.microsoft.com/office/powerpoint/2010/main" val="1070169728"/>
+      </p:ext>
+    </p:extLst>
+  </p:cSld>
+  <p:clrMapOvr>
+    <a:masterClrMapping/>
+  </p:clrMapOvr>
+</p:sld>
+</file>
+
+<file path=ppt/slides/slide19.xml><?xml version="1.0" encoding="utf-8"?>
+<p:sld xmlns:a="http://schemas.openxmlformats.org/drawingml/2006/main" xmlns:r="http://schemas.openxmlformats.org/officeDocument/2006/relationships" xmlns:p="http://schemas.openxmlformats.org/presentationml/2006/main">
+  <p:cSld>
+    <p:spTree>
+      <p:nvGrpSpPr>
+        <p:cNvPr id="1" name=""/>
+        <p:cNvGrpSpPr/>
+        <p:nvPr/>
+      </p:nvGrpSpPr>
+      <p:grpSpPr>
+        <a:xfrm>
+          <a:off x="0" y="0"/>
+          <a:ext cx="0" cy="0"/>
+          <a:chOff x="0" y="0"/>
+          <a:chExt cx="0" cy="0"/>
+        </a:xfrm>
+      </p:grpSpPr>
+      <p:sp>
+        <p:nvSpPr>
+          <p:cNvPr id="2" name="제목 1">
+            <a:extLst>
+              <a:ext uri="{FF2B5EF4-FFF2-40B4-BE49-F238E27FC236}">
+                <a16:creationId xmlns:a16="http://schemas.microsoft.com/office/drawing/2014/main" id="{F507C3B1-CA32-E146-9070-3BCAC8B14247}"/>
+              </a:ext>
+            </a:extLst>
+          </p:cNvPr>
+          <p:cNvSpPr>
+            <a:spLocks noGrp="1"/>
+          </p:cNvSpPr>
+          <p:nvPr>
+            <p:ph type="title"/>
+          </p:nvPr>
+        </p:nvSpPr>
+        <p:spPr/>
+        <p:txBody>
+          <a:bodyPr/>
+          <a:lstStyle/>
+          <a:p>
+            <a:r>
+              <a:rPr lang="ko-KR" altLang="en-US" dirty="0"/>
+              <a:t>수식 </a:t>
+            </a:r>
+            <a:r>
+              <a:rPr lang="ko-KR" altLang="en-US" dirty="0" err="1"/>
+              <a:t>짬처리</a:t>
+            </a:r>
+            <a:r>
+              <a:rPr lang="ko-KR" altLang="en-US" dirty="0"/>
+              <a:t> 공간</a:t>
+            </a:r>
+            <a:endParaRPr lang="en-US" dirty="0"/>
+          </a:p>
+        </p:txBody>
+      </p:sp>
+      <mc:AlternateContent xmlns:mc="http://schemas.openxmlformats.org/markup-compatibility/2006">
+        <mc:Choice xmlns:a14="http://schemas.microsoft.com/office/drawing/2010/main" Requires="a14">
+          <p:sp>
+            <p:nvSpPr>
+              <p:cNvPr id="4" name="내용 개체 틀 3">
+                <a:extLst>
+                  <a:ext uri="{FF2B5EF4-FFF2-40B4-BE49-F238E27FC236}">
+                    <a16:creationId xmlns:a16="http://schemas.microsoft.com/office/drawing/2014/main" id="{66E3B77C-9E0A-E235-E613-630147427461}"/>
+                  </a:ext>
+                </a:extLst>
+              </p:cNvPr>
+              <p:cNvSpPr txBox="1">
+                <a:spLocks noGrp="1"/>
+              </p:cNvSpPr>
+              <p:nvPr>
+                <p:ph idx="1"/>
+              </p:nvPr>
+            </p:nvSpPr>
+            <p:spPr>
+              <a:xfrm flipH="1">
+                <a:off x="838200" y="1825625"/>
+                <a:ext cx="10515600" cy="4351338"/>
+              </a:xfrm>
+              <a:prstGeom prst="rect">
+                <a:avLst/>
+              </a:prstGeom>
+              <a:noFill/>
+            </p:spPr>
+            <p:txBody>
+              <a:bodyPr wrap="square" lIns="0" tIns="0" rIns="0" bIns="0" rtlCol="0">
+                <a:spAutoFit/>
+              </a:bodyPr>
+              <a:lstStyle/>
+              <a:p>
+                <a:pPr/>
+                <a14:m>
+                  <m:oMath xmlns:m="http://schemas.openxmlformats.org/officeDocument/2006/math">
+                    <m:r>
+                      <a:rPr lang="en-US" b="0" i="1" smtClean="0">
+                        <a:latin typeface="Cambria Math" panose="02040503050406030204" pitchFamily="18" charset="0"/>
+                        <a:ea typeface="Cambria Math" panose="02040503050406030204" pitchFamily="18" charset="0"/>
+                      </a:rPr>
+                      <m:t>𝑦</m:t>
+                    </m:r>
+                    <m:r>
+                      <a:rPr lang="en-US" b="0" i="1" smtClean="0">
+                        <a:latin typeface="Cambria Math" panose="02040503050406030204" pitchFamily="18" charset="0"/>
+                        <a:ea typeface="Cambria Math" panose="02040503050406030204" pitchFamily="18" charset="0"/>
+                      </a:rPr>
+                      <m:t>=</m:t>
+                    </m:r>
+                    <m:d>
+                      <m:dPr>
+                        <m:begChr m:val="{"/>
+                        <m:endChr m:val=""/>
+                        <m:ctrlPr>
+                          <a:rPr lang="el-GR" i="1" smtClean="0">
+                            <a:latin typeface="Cambria Math" panose="02040503050406030204" pitchFamily="18" charset="0"/>
+                            <a:ea typeface="Cambria Math" panose="02040503050406030204" pitchFamily="18" charset="0"/>
+                          </a:rPr>
+                        </m:ctrlPr>
+                      </m:dPr>
+                      <m:e>
+                        <m:eqArr>
+                          <m:eqArrPr>
+                            <m:ctrlPr>
+                              <a:rPr lang="el-GR" i="1" smtClean="0">
+                                <a:latin typeface="Cambria Math" panose="02040503050406030204" pitchFamily="18" charset="0"/>
+                                <a:ea typeface="Cambria Math" panose="02040503050406030204" pitchFamily="18" charset="0"/>
+                              </a:rPr>
+                            </m:ctrlPr>
+                          </m:eqArrPr>
+                          <m:e>
+                            <m:r>
+                              <a:rPr lang="en-US" b="0" i="1" smtClean="0">
+                                <a:latin typeface="Cambria Math" panose="02040503050406030204" pitchFamily="18" charset="0"/>
+                                <a:ea typeface="Cambria Math" panose="02040503050406030204" pitchFamily="18" charset="0"/>
+                              </a:rPr>
+                              <m:t>0 (</m:t>
+                            </m:r>
+                            <m:sSub>
+                              <m:sSubPr>
+                                <m:ctrlPr>
+                                  <a:rPr lang="en-US" b="0" i="1" smtClean="0">
+                                    <a:latin typeface="Cambria Math" panose="02040503050406030204" pitchFamily="18" charset="0"/>
+                                    <a:ea typeface="Cambria Math" panose="02040503050406030204" pitchFamily="18" charset="0"/>
+                                  </a:rPr>
+                                </m:ctrlPr>
+                              </m:sSubPr>
+                              <m:e>
+                                <m:r>
+                                  <a:rPr lang="en-US" b="0" i="1" smtClean="0">
+                                    <a:latin typeface="Cambria Math" panose="02040503050406030204" pitchFamily="18" charset="0"/>
+                                    <a:ea typeface="Cambria Math" panose="02040503050406030204" pitchFamily="18" charset="0"/>
+                                  </a:rPr>
+                                  <m:t>𝑤</m:t>
+                                </m:r>
+                              </m:e>
+                              <m:sub>
+                                <m:r>
+                                  <a:rPr lang="en-US" b="0" i="1" smtClean="0">
+                                    <a:latin typeface="Cambria Math" panose="02040503050406030204" pitchFamily="18" charset="0"/>
+                                    <a:ea typeface="Cambria Math" panose="02040503050406030204" pitchFamily="18" charset="0"/>
+                                  </a:rPr>
+                                  <m:t>1</m:t>
+                                </m:r>
+                              </m:sub>
+                            </m:sSub>
+                            <m:sSub>
+                              <m:sSubPr>
+                                <m:ctrlPr>
+                                  <a:rPr lang="en-US" i="1">
+                                    <a:latin typeface="Cambria Math" panose="02040503050406030204" pitchFamily="18" charset="0"/>
+                                    <a:ea typeface="Cambria Math" panose="02040503050406030204" pitchFamily="18" charset="0"/>
+                                  </a:rPr>
+                                </m:ctrlPr>
+                              </m:sSubPr>
+                              <m:e>
+                                <m:r>
+                                  <a:rPr lang="en-US" b="0" i="1" smtClean="0">
+                                    <a:latin typeface="Cambria Math" panose="02040503050406030204" pitchFamily="18" charset="0"/>
+                                    <a:ea typeface="Cambria Math" panose="02040503050406030204" pitchFamily="18" charset="0"/>
+                                  </a:rPr>
+                                  <m:t>𝑥</m:t>
+                                </m:r>
+                              </m:e>
+                              <m:sub>
+                                <m:r>
+                                  <a:rPr lang="en-US" i="1">
+                                    <a:latin typeface="Cambria Math" panose="02040503050406030204" pitchFamily="18" charset="0"/>
+                                    <a:ea typeface="Cambria Math" panose="02040503050406030204" pitchFamily="18" charset="0"/>
+                                  </a:rPr>
+                                  <m:t>1</m:t>
+                                </m:r>
+                              </m:sub>
+                            </m:sSub>
+                            <m:r>
+                              <a:rPr lang="en-US" b="0" i="1" smtClean="0">
+                                <a:latin typeface="Cambria Math" panose="02040503050406030204" pitchFamily="18" charset="0"/>
+                                <a:ea typeface="Cambria Math" panose="02040503050406030204" pitchFamily="18" charset="0"/>
+                              </a:rPr>
+                              <m:t>+</m:t>
+                            </m:r>
+                            <m:sSub>
+                              <m:sSubPr>
+                                <m:ctrlPr>
+                                  <a:rPr lang="en-US" i="1">
+                                    <a:latin typeface="Cambria Math" panose="02040503050406030204" pitchFamily="18" charset="0"/>
+                                    <a:ea typeface="Cambria Math" panose="02040503050406030204" pitchFamily="18" charset="0"/>
+                                  </a:rPr>
+                                </m:ctrlPr>
+                              </m:sSubPr>
+                              <m:e>
+                                <m:r>
+                                  <a:rPr lang="en-US" i="1">
+                                    <a:latin typeface="Cambria Math" panose="02040503050406030204" pitchFamily="18" charset="0"/>
+                                    <a:ea typeface="Cambria Math" panose="02040503050406030204" pitchFamily="18" charset="0"/>
+                                  </a:rPr>
+                                  <m:t>𝑤</m:t>
+                                </m:r>
+                              </m:e>
+                              <m:sub>
+                                <m:r>
+                                  <a:rPr lang="en-US" b="0" i="1" smtClean="0">
+                                    <a:latin typeface="Cambria Math" panose="02040503050406030204" pitchFamily="18" charset="0"/>
+                                    <a:ea typeface="Cambria Math" panose="02040503050406030204" pitchFamily="18" charset="0"/>
+                                  </a:rPr>
+                                  <m:t>2</m:t>
+                                </m:r>
+                              </m:sub>
+                            </m:sSub>
+                            <m:sSub>
+                              <m:sSubPr>
+                                <m:ctrlPr>
+                                  <a:rPr lang="en-US" i="1">
+                                    <a:latin typeface="Cambria Math" panose="02040503050406030204" pitchFamily="18" charset="0"/>
+                                    <a:ea typeface="Cambria Math" panose="02040503050406030204" pitchFamily="18" charset="0"/>
+                                  </a:rPr>
+                                </m:ctrlPr>
+                              </m:sSubPr>
+                              <m:e>
+                                <m:r>
+                                  <a:rPr lang="en-US" b="0" i="1" smtClean="0">
+                                    <a:latin typeface="Cambria Math" panose="02040503050406030204" pitchFamily="18" charset="0"/>
+                                    <a:ea typeface="Cambria Math" panose="02040503050406030204" pitchFamily="18" charset="0"/>
+                                  </a:rPr>
+                                  <m:t>𝑥</m:t>
+                                </m:r>
+                              </m:e>
+                              <m:sub>
+                                <m:r>
+                                  <a:rPr lang="en-US" b="0" i="1" smtClean="0">
+                                    <a:latin typeface="Cambria Math" panose="02040503050406030204" pitchFamily="18" charset="0"/>
+                                    <a:ea typeface="Cambria Math" panose="02040503050406030204" pitchFamily="18" charset="0"/>
+                                  </a:rPr>
+                                  <m:t>2</m:t>
+                                </m:r>
+                              </m:sub>
+                            </m:sSub>
+                            <m:r>
+                              <a:rPr lang="en-US" i="1" smtClean="0">
+                                <a:latin typeface="Cambria Math" panose="02040503050406030204" pitchFamily="18" charset="0"/>
+                                <a:ea typeface="Cambria Math" panose="02040503050406030204" pitchFamily="18" charset="0"/>
+                              </a:rPr>
+                              <m:t>≤</m:t>
+                            </m:r>
+                            <m:r>
+                              <a:rPr lang="en-US" i="1" smtClean="0">
+                                <a:latin typeface="Cambria Math" panose="02040503050406030204" pitchFamily="18" charset="0"/>
+                                <a:ea typeface="Cambria Math" panose="02040503050406030204" pitchFamily="18" charset="0"/>
+                              </a:rPr>
+                              <m:t>𝜃</m:t>
+                            </m:r>
+                            <m:r>
+                              <a:rPr lang="en-US" b="0" i="1" smtClean="0">
+                                <a:latin typeface="Cambria Math" panose="02040503050406030204" pitchFamily="18" charset="0"/>
+                                <a:ea typeface="Cambria Math" panose="02040503050406030204" pitchFamily="18" charset="0"/>
+                              </a:rPr>
+                              <m:t>)</m:t>
+                            </m:r>
+                          </m:e>
+                          <m:e>
+                            <m:r>
+                              <a:rPr lang="en-US" b="0" i="1" smtClean="0">
+                                <a:latin typeface="Cambria Math" panose="02040503050406030204" pitchFamily="18" charset="0"/>
+                                <a:ea typeface="Cambria Math" panose="02040503050406030204" pitchFamily="18" charset="0"/>
+                              </a:rPr>
+                              <m:t>1 </m:t>
+                            </m:r>
+                            <m:r>
+                              <a:rPr lang="en-US" i="1">
+                                <a:latin typeface="Cambria Math" panose="02040503050406030204" pitchFamily="18" charset="0"/>
+                                <a:ea typeface="Cambria Math" panose="02040503050406030204" pitchFamily="18" charset="0"/>
+                              </a:rPr>
+                              <m:t>(</m:t>
+                            </m:r>
+                            <m:sSub>
+                              <m:sSubPr>
+                                <m:ctrlPr>
+                                  <a:rPr lang="en-US" i="1">
+                                    <a:latin typeface="Cambria Math" panose="02040503050406030204" pitchFamily="18" charset="0"/>
+                                    <a:ea typeface="Cambria Math" panose="02040503050406030204" pitchFamily="18" charset="0"/>
+                                  </a:rPr>
+                                </m:ctrlPr>
+                              </m:sSubPr>
+                              <m:e>
+                                <m:r>
+                                  <a:rPr lang="en-US" i="1">
+                                    <a:latin typeface="Cambria Math" panose="02040503050406030204" pitchFamily="18" charset="0"/>
+                                    <a:ea typeface="Cambria Math" panose="02040503050406030204" pitchFamily="18" charset="0"/>
+                                  </a:rPr>
+                                  <m:t>𝑤</m:t>
+                                </m:r>
+                              </m:e>
+                              <m:sub>
+                                <m:r>
+                                  <a:rPr lang="en-US" i="1">
+                                    <a:latin typeface="Cambria Math" panose="02040503050406030204" pitchFamily="18" charset="0"/>
+                                    <a:ea typeface="Cambria Math" panose="02040503050406030204" pitchFamily="18" charset="0"/>
+                                  </a:rPr>
+                                  <m:t>1</m:t>
+                                </m:r>
+                              </m:sub>
+                            </m:sSub>
+                            <m:sSub>
+                              <m:sSubPr>
+                                <m:ctrlPr>
+                                  <a:rPr lang="en-US" i="1">
+                                    <a:latin typeface="Cambria Math" panose="02040503050406030204" pitchFamily="18" charset="0"/>
+                                    <a:ea typeface="Cambria Math" panose="02040503050406030204" pitchFamily="18" charset="0"/>
+                                  </a:rPr>
+                                </m:ctrlPr>
+                              </m:sSubPr>
+                              <m:e>
+                                <m:r>
+                                  <a:rPr lang="en-US" b="0" i="1" smtClean="0">
+                                    <a:latin typeface="Cambria Math" panose="02040503050406030204" pitchFamily="18" charset="0"/>
+                                    <a:ea typeface="Cambria Math" panose="02040503050406030204" pitchFamily="18" charset="0"/>
+                                  </a:rPr>
+                                  <m:t>𝑥</m:t>
+                                </m:r>
+                              </m:e>
+                              <m:sub>
+                                <m:r>
+                                  <a:rPr lang="en-US" i="1">
+                                    <a:latin typeface="Cambria Math" panose="02040503050406030204" pitchFamily="18" charset="0"/>
+                                    <a:ea typeface="Cambria Math" panose="02040503050406030204" pitchFamily="18" charset="0"/>
+                                  </a:rPr>
+                                  <m:t>1</m:t>
+                                </m:r>
+                              </m:sub>
+                            </m:sSub>
+                            <m:r>
+                              <a:rPr lang="en-US" i="1">
+                                <a:latin typeface="Cambria Math" panose="02040503050406030204" pitchFamily="18" charset="0"/>
+                                <a:ea typeface="Cambria Math" panose="02040503050406030204" pitchFamily="18" charset="0"/>
+                              </a:rPr>
+                              <m:t>+</m:t>
+                            </m:r>
+                            <m:sSub>
+                              <m:sSubPr>
+                                <m:ctrlPr>
+                                  <a:rPr lang="en-US" i="1">
+                                    <a:latin typeface="Cambria Math" panose="02040503050406030204" pitchFamily="18" charset="0"/>
+                                    <a:ea typeface="Cambria Math" panose="02040503050406030204" pitchFamily="18" charset="0"/>
+                                  </a:rPr>
+                                </m:ctrlPr>
+                              </m:sSubPr>
+                              <m:e>
+                                <m:r>
+                                  <a:rPr lang="en-US" i="1">
+                                    <a:latin typeface="Cambria Math" panose="02040503050406030204" pitchFamily="18" charset="0"/>
+                                    <a:ea typeface="Cambria Math" panose="02040503050406030204" pitchFamily="18" charset="0"/>
+                                  </a:rPr>
+                                  <m:t>𝑤</m:t>
+                                </m:r>
+                              </m:e>
+                              <m:sub>
+                                <m:r>
+                                  <a:rPr lang="en-US" i="1">
+                                    <a:latin typeface="Cambria Math" panose="02040503050406030204" pitchFamily="18" charset="0"/>
+                                    <a:ea typeface="Cambria Math" panose="02040503050406030204" pitchFamily="18" charset="0"/>
+                                  </a:rPr>
+                                  <m:t>2</m:t>
+                                </m:r>
+                              </m:sub>
+                            </m:sSub>
+                            <m:sSub>
+                              <m:sSubPr>
+                                <m:ctrlPr>
+                                  <a:rPr lang="en-US" i="1">
+                                    <a:latin typeface="Cambria Math" panose="02040503050406030204" pitchFamily="18" charset="0"/>
+                                    <a:ea typeface="Cambria Math" panose="02040503050406030204" pitchFamily="18" charset="0"/>
+                                  </a:rPr>
+                                </m:ctrlPr>
+                              </m:sSubPr>
+                              <m:e>
+                                <m:r>
+                                  <a:rPr lang="en-US" i="1">
+                                    <a:latin typeface="Cambria Math" panose="02040503050406030204" pitchFamily="18" charset="0"/>
+                                    <a:ea typeface="Cambria Math" panose="02040503050406030204" pitchFamily="18" charset="0"/>
+                                  </a:rPr>
+                                  <m:t>𝑥</m:t>
+                                </m:r>
+                              </m:e>
+                              <m:sub>
+                                <m:r>
+                                  <a:rPr lang="en-US" i="1">
+                                    <a:latin typeface="Cambria Math" panose="02040503050406030204" pitchFamily="18" charset="0"/>
+                                    <a:ea typeface="Cambria Math" panose="02040503050406030204" pitchFamily="18" charset="0"/>
+                                  </a:rPr>
+                                  <m:t>2</m:t>
+                                </m:r>
+                              </m:sub>
+                            </m:sSub>
+                            <m:r>
+                              <a:rPr lang="en-US" i="1">
+                                <a:latin typeface="Cambria Math" panose="02040503050406030204" pitchFamily="18" charset="0"/>
+                                <a:ea typeface="Cambria Math" panose="02040503050406030204" pitchFamily="18" charset="0"/>
+                              </a:rPr>
+                              <m:t>≤</m:t>
+                            </m:r>
+                            <m:r>
+                              <a:rPr lang="en-US" i="1">
+                                <a:latin typeface="Cambria Math" panose="02040503050406030204" pitchFamily="18" charset="0"/>
+                                <a:ea typeface="Cambria Math" panose="02040503050406030204" pitchFamily="18" charset="0"/>
+                              </a:rPr>
+                              <m:t>𝜃</m:t>
+                            </m:r>
+                            <m:r>
+                              <a:rPr lang="en-US" i="1">
+                                <a:latin typeface="Cambria Math" panose="02040503050406030204" pitchFamily="18" charset="0"/>
+                                <a:ea typeface="Cambria Math" panose="02040503050406030204" pitchFamily="18" charset="0"/>
+                              </a:rPr>
+                              <m:t>)</m:t>
+                            </m:r>
+                          </m:e>
+                        </m:eqArr>
+                      </m:e>
+                    </m:d>
+                  </m:oMath>
+                </a14:m>
+                <a:endParaRPr lang="en-US" dirty="0"/>
+              </a:p>
+            </p:txBody>
+          </p:sp>
+        </mc:Choice>
+        <mc:Fallback>
+          <p:sp>
+            <p:nvSpPr>
+              <p:cNvPr id="4" name="내용 개체 틀 3">
+                <a:extLst>
+                  <a:ext uri="{FF2B5EF4-FFF2-40B4-BE49-F238E27FC236}">
+                    <a16:creationId xmlns:a16="http://schemas.microsoft.com/office/drawing/2014/main" id="{66E3B77C-9E0A-E235-E613-630147427461}"/>
+                  </a:ext>
+                </a:extLst>
+              </p:cNvPr>
+              <p:cNvSpPr txBox="1">
+                <a:spLocks noGrp="1" noRot="1" noChangeAspect="1" noMove="1" noResize="1" noEditPoints="1" noAdjustHandles="1" noChangeArrowheads="1" noChangeShapeType="1" noTextEdit="1"/>
+              </p:cNvSpPr>
+              <p:nvPr>
+                <p:ph idx="1"/>
+              </p:nvPr>
+            </p:nvSpPr>
+            <p:spPr>
+              <a:xfrm flipH="1">
+                <a:off x="838200" y="1825625"/>
+                <a:ext cx="10515600" cy="4351338"/>
+              </a:xfrm>
+              <a:prstGeom prst="rect">
+                <a:avLst/>
+              </a:prstGeom>
+              <a:blipFill>
+                <a:blip r:embed="rId2"/>
+                <a:stretch>
+                  <a:fillRect t="-420"/>
+                </a:stretch>
+              </a:blipFill>
+            </p:spPr>
+            <p:txBody>
+              <a:bodyPr/>
+              <a:lstStyle/>
+              <a:p>
+                <a:r>
+                  <a:rPr lang="en-US">
+                    <a:noFill/>
+                  </a:rPr>
+                  <a:t> </a:t>
+                </a:r>
+              </a:p>
+            </p:txBody>
+          </p:sp>
+        </mc:Fallback>
+      </mc:AlternateContent>
+    </p:spTree>
+    <p:extLst>
+      <p:ext uri="{BB962C8B-B14F-4D97-AF65-F5344CB8AC3E}">
+        <p14:creationId xmlns:p14="http://schemas.microsoft.com/office/powerpoint/2010/main" val="2652711112"/>
+      </p:ext>
+    </p:extLst>
+  </p:cSld>
+  <p:clrMapOvr>
+    <a:masterClrMapping/>
+  </p:clrMapOvr>
+</p:sld>
+</file>
+
+<file path=ppt/slides/slide2.xml><?xml version="1.0" encoding="utf-8"?>
+<p:sld xmlns:a="http://schemas.openxmlformats.org/drawingml/2006/main" xmlns:r="http://schemas.openxmlformats.org/officeDocument/2006/relationships" xmlns:p="http://schemas.openxmlformats.org/presentationml/2006/main">
+  <p:cSld>
+    <p:spTree>
+      <p:nvGrpSpPr>
+        <p:cNvPr id="1" name=""/>
+        <p:cNvGrpSpPr/>
+        <p:nvPr/>
+      </p:nvGrpSpPr>
+      <p:grpSpPr>
+        <a:xfrm>
+          <a:off x="0" y="0"/>
+          <a:ext cx="0" cy="0"/>
+          <a:chOff x="0" y="0"/>
+          <a:chExt cx="0" cy="0"/>
+        </a:xfrm>
+      </p:grpSpPr>
+      <p:sp>
+        <p:nvSpPr>
+          <p:cNvPr id="4" name="날짜 개체 틀 3">
+            <a:extLst>
+              <a:ext uri="{FF2B5EF4-FFF2-40B4-BE49-F238E27FC236}">
+                <a16:creationId xmlns:a16="http://schemas.microsoft.com/office/drawing/2014/main" id="{96EB53D3-8572-4237-B28C-28CB40308C40}"/>
+              </a:ext>
+            </a:extLst>
+          </p:cNvPr>
+          <p:cNvSpPr>
+            <a:spLocks noGrp="1"/>
+          </p:cNvSpPr>
+          <p:nvPr>
+            <p:ph type="dt" sz="half" idx="10"/>
+          </p:nvPr>
+        </p:nvSpPr>
+        <p:spPr>
+          <a:xfrm>
+            <a:off x="141514" y="6356350"/>
+            <a:ext cx="2743200" cy="365125"/>
+          </a:xfrm>
+        </p:spPr>
+        <p:txBody>
+          <a:bodyPr/>
+          <a:lstStyle/>
+          <a:p>
+            <a:fld id="{0303D7D5-FAC8-4B75-A637-D564180CD715}" type="datetime1">
+              <a:rPr lang="ko-KR" altLang="en-US" sz="1000" smtClean="0"/>
+              <a:t>2023-06-07</a:t>
+            </a:fld>
+            <a:endParaRPr lang="ko-KR" altLang="en-US" sz="1000" dirty="0"/>
+          </a:p>
+        </p:txBody>
+      </p:sp>
+      <p:sp>
+        <p:nvSpPr>
+          <p:cNvPr id="6" name="슬라이드 번호 개체 틀 5">
+            <a:extLst>
+              <a:ext uri="{FF2B5EF4-FFF2-40B4-BE49-F238E27FC236}">
+                <a16:creationId xmlns:a16="http://schemas.microsoft.com/office/drawing/2014/main" id="{6E93A4FF-EE48-4AD7-B7EF-105B8CE4CD9F}"/>
+              </a:ext>
+            </a:extLst>
+          </p:cNvPr>
+          <p:cNvSpPr>
+            <a:spLocks noGrp="1"/>
+          </p:cNvSpPr>
+          <p:nvPr>
+            <p:ph type="sldNum" sz="quarter" idx="12"/>
+          </p:nvPr>
+        </p:nvSpPr>
+        <p:spPr/>
+        <p:txBody>
+          <a:bodyPr/>
+          <a:lstStyle/>
+          <a:p>
+            <a:fld id="{77D8DCB6-DE77-432F-867E-17030BC60D58}" type="slidenum">
+              <a:rPr lang="ko-KR" altLang="en-US" smtClean="0"/>
+              <a:t>2</a:t>
+            </a:fld>
+            <a:endParaRPr lang="ko-KR" altLang="en-US"/>
+          </a:p>
+        </p:txBody>
+      </p:sp>
+      <p:cxnSp>
+        <p:nvCxnSpPr>
+          <p:cNvPr id="8" name="직선 연결선 7">
+            <a:extLst>
+              <a:ext uri="{FF2B5EF4-FFF2-40B4-BE49-F238E27FC236}">
+                <a16:creationId xmlns:a16="http://schemas.microsoft.com/office/drawing/2014/main" id="{D1F8D6B6-3C71-480C-BFAD-599210C64964}"/>
+              </a:ext>
+            </a:extLst>
+          </p:cNvPr>
+          <p:cNvCxnSpPr>
+            <a:cxnSpLocks/>
+          </p:cNvCxnSpPr>
+          <p:nvPr/>
+        </p:nvCxnSpPr>
+        <p:spPr>
+          <a:xfrm>
+            <a:off x="513806" y="1138535"/>
+            <a:ext cx="10978016" cy="0"/>
+          </a:xfrm>
+          <a:prstGeom prst="line">
+            <a:avLst/>
+          </a:prstGeom>
+          <a:ln w="28575">
+            <a:solidFill>
+              <a:srgbClr val="A80000"/>
+            </a:solidFill>
+          </a:ln>
+        </p:spPr>
+        <p:style>
+          <a:lnRef idx="1">
+            <a:schemeClr val="accent1"/>
+          </a:lnRef>
+          <a:fillRef idx="0">
+            <a:schemeClr val="accent1"/>
+          </a:fillRef>
+          <a:effectRef idx="0">
+            <a:schemeClr val="accent1"/>
+          </a:effectRef>
+          <a:fontRef idx="minor">
+            <a:schemeClr val="tx1"/>
+          </a:fontRef>
+        </p:style>
+      </p:cxnSp>
+      <p:sp>
+        <p:nvSpPr>
+          <p:cNvPr id="9" name="TextBox 8">
+            <a:extLst>
+              <a:ext uri="{FF2B5EF4-FFF2-40B4-BE49-F238E27FC236}">
+                <a16:creationId xmlns:a16="http://schemas.microsoft.com/office/drawing/2014/main" id="{85E2DDDA-35AB-489C-8A37-0A056738B5CD}"/>
+              </a:ext>
+            </a:extLst>
+          </p:cNvPr>
+          <p:cNvSpPr txBox="1"/>
+          <p:nvPr/>
+        </p:nvSpPr>
+        <p:spPr>
+          <a:xfrm>
+            <a:off x="513806" y="576645"/>
+            <a:ext cx="3524794" cy="523220"/>
+          </a:xfrm>
+          <a:prstGeom prst="rect">
+            <a:avLst/>
+          </a:prstGeom>
+          <a:noFill/>
+        </p:spPr>
+        <p:txBody>
+          <a:bodyPr wrap="square" rtlCol="0">
+            <a:spAutoFit/>
+          </a:bodyPr>
+          <a:lstStyle/>
+          <a:p>
+            <a:r>
+              <a:rPr lang="ko-KR" altLang="en-US" sz="2800" b="1" dirty="0">
+                <a:solidFill>
+                  <a:schemeClr val="tx1">
+                    <a:lumMod val="65000"/>
+                    <a:lumOff val="35000"/>
+                  </a:schemeClr>
+                </a:solidFill>
+              </a:rPr>
+              <a:t>목차</a:t>
+            </a:r>
+          </a:p>
+        </p:txBody>
+      </p:sp>
+    </p:spTree>
+    <p:extLst>
+      <p:ext uri="{BB962C8B-B14F-4D97-AF65-F5344CB8AC3E}">
+        <p14:creationId xmlns:p14="http://schemas.microsoft.com/office/powerpoint/2010/main" val="487831342"/>
+      </p:ext>
+    </p:extLst>
+  </p:cSld>
+  <p:clrMapOvr>
+    <a:masterClrMapping/>
+  </p:clrMapOvr>
+</p:sld>
+</file>
+
+<file path=ppt/slides/slide3.xml><?xml version="1.0" encoding="utf-8"?>
+<p:sld xmlns:a="http://schemas.openxmlformats.org/drawingml/2006/main" xmlns:r="http://schemas.openxmlformats.org/officeDocument/2006/relationships" xmlns:p="http://schemas.openxmlformats.org/presentationml/2006/main">
+  <p:cSld>
+    <p:spTree>
+      <p:nvGrpSpPr>
+        <p:cNvPr id="1" name=""/>
+        <p:cNvGrpSpPr/>
+        <p:nvPr/>
+      </p:nvGrpSpPr>
+      <p:grpSpPr>
+        <a:xfrm>
+          <a:off x="0" y="0"/>
+          <a:ext cx="0" cy="0"/>
+          <a:chOff x="0" y="0"/>
+          <a:chExt cx="0" cy="0"/>
+        </a:xfrm>
+      </p:grpSpPr>
+      <p:sp>
+        <p:nvSpPr>
+          <p:cNvPr id="4" name="날짜 개체 틀 3">
+            <a:extLst>
+              <a:ext uri="{FF2B5EF4-FFF2-40B4-BE49-F238E27FC236}">
+                <a16:creationId xmlns:a16="http://schemas.microsoft.com/office/drawing/2014/main" id="{96EB53D3-8572-4237-B28C-28CB40308C40}"/>
+              </a:ext>
+            </a:extLst>
+          </p:cNvPr>
+          <p:cNvSpPr>
+            <a:spLocks noGrp="1"/>
+          </p:cNvSpPr>
+          <p:nvPr>
+            <p:ph type="dt" sz="half" idx="10"/>
+          </p:nvPr>
+        </p:nvSpPr>
+        <p:spPr>
+          <a:xfrm>
+            <a:off x="141514" y="6356350"/>
+            <a:ext cx="2743200" cy="365125"/>
+          </a:xfrm>
+        </p:spPr>
+        <p:txBody>
+          <a:bodyPr/>
+          <a:lstStyle/>
+          <a:p>
+            <a:fld id="{0303D7D5-FAC8-4B75-A637-D564180CD715}" type="datetime1">
+              <a:rPr lang="ko-KR" altLang="en-US" sz="1000" smtClean="0"/>
+              <a:t>2023-06-07</a:t>
+            </a:fld>
+            <a:endParaRPr lang="ko-KR" altLang="en-US" sz="1000" dirty="0"/>
+          </a:p>
+        </p:txBody>
+      </p:sp>
+      <p:sp>
+        <p:nvSpPr>
+          <p:cNvPr id="6" name="슬라이드 번호 개체 틀 5">
+            <a:extLst>
+              <a:ext uri="{FF2B5EF4-FFF2-40B4-BE49-F238E27FC236}">
+                <a16:creationId xmlns:a16="http://schemas.microsoft.com/office/drawing/2014/main" id="{6E93A4FF-EE48-4AD7-B7EF-105B8CE4CD9F}"/>
+              </a:ext>
+            </a:extLst>
+          </p:cNvPr>
+          <p:cNvSpPr>
+            <a:spLocks noGrp="1"/>
+          </p:cNvSpPr>
+          <p:nvPr>
+            <p:ph type="sldNum" sz="quarter" idx="12"/>
+          </p:nvPr>
+        </p:nvSpPr>
+        <p:spPr/>
+        <p:txBody>
+          <a:bodyPr/>
+          <a:lstStyle/>
+          <a:p>
+            <a:fld id="{77D8DCB6-DE77-432F-867E-17030BC60D58}" type="slidenum">
+              <a:rPr lang="ko-KR" altLang="en-US" smtClean="0"/>
+              <a:t>3</a:t>
+            </a:fld>
+            <a:endParaRPr lang="ko-KR" altLang="en-US"/>
+          </a:p>
+        </p:txBody>
+      </p:sp>
+      <p:cxnSp>
+        <p:nvCxnSpPr>
+          <p:cNvPr id="8" name="직선 연결선 7">
+            <a:extLst>
+              <a:ext uri="{FF2B5EF4-FFF2-40B4-BE49-F238E27FC236}">
+                <a16:creationId xmlns:a16="http://schemas.microsoft.com/office/drawing/2014/main" id="{D1F8D6B6-3C71-480C-BFAD-599210C64964}"/>
+              </a:ext>
+            </a:extLst>
+          </p:cNvPr>
+          <p:cNvCxnSpPr>
+            <a:cxnSpLocks/>
+          </p:cNvCxnSpPr>
+          <p:nvPr/>
+        </p:nvCxnSpPr>
+        <p:spPr>
+          <a:xfrm>
+            <a:off x="513806" y="1138535"/>
+            <a:ext cx="10978016" cy="0"/>
+          </a:xfrm>
+          <a:prstGeom prst="line">
+            <a:avLst/>
+          </a:prstGeom>
+          <a:ln w="28575">
+            <a:solidFill>
+              <a:srgbClr val="A80000"/>
+            </a:solidFill>
+          </a:ln>
+        </p:spPr>
+        <p:style>
+          <a:lnRef idx="1">
+            <a:schemeClr val="accent1"/>
+          </a:lnRef>
+          <a:fillRef idx="0">
+            <a:schemeClr val="accent1"/>
+          </a:fillRef>
+          <a:effectRef idx="0">
+            <a:schemeClr val="accent1"/>
+          </a:effectRef>
+          <a:fontRef idx="minor">
+            <a:schemeClr val="tx1"/>
+          </a:fontRef>
+        </p:style>
+      </p:cxnSp>
+      <p:sp>
+        <p:nvSpPr>
+          <p:cNvPr id="9" name="TextBox 8">
+            <a:extLst>
+              <a:ext uri="{FF2B5EF4-FFF2-40B4-BE49-F238E27FC236}">
+                <a16:creationId xmlns:a16="http://schemas.microsoft.com/office/drawing/2014/main" id="{85E2DDDA-35AB-489C-8A37-0A056738B5CD}"/>
+              </a:ext>
+            </a:extLst>
+          </p:cNvPr>
+          <p:cNvSpPr txBox="1"/>
+          <p:nvPr/>
+        </p:nvSpPr>
+        <p:spPr>
+          <a:xfrm>
+            <a:off x="513806" y="576645"/>
+            <a:ext cx="3524794" cy="523220"/>
+          </a:xfrm>
+          <a:prstGeom prst="rect">
+            <a:avLst/>
+          </a:prstGeom>
+          <a:noFill/>
+        </p:spPr>
+        <p:txBody>
+          <a:bodyPr wrap="square" rtlCol="0">
+            <a:spAutoFit/>
+          </a:bodyPr>
+          <a:lstStyle/>
+          <a:p>
+            <a:r>
+              <a:rPr lang="en-US" altLang="ko-KR" sz="2800" b="1" dirty="0">
+                <a:solidFill>
+                  <a:schemeClr val="tx1">
+                    <a:lumMod val="65000"/>
+                    <a:lumOff val="35000"/>
+                  </a:schemeClr>
+                </a:solidFill>
+              </a:rPr>
+              <a:t>1. Perceptron</a:t>
+            </a:r>
+            <a:endParaRPr lang="ko-KR" altLang="en-US" sz="2800" b="1" dirty="0">
+              <a:solidFill>
+                <a:schemeClr val="tx1">
+                  <a:lumMod val="65000"/>
+                  <a:lumOff val="35000"/>
+                </a:schemeClr>
+              </a:solidFill>
+            </a:endParaRPr>
+          </a:p>
+        </p:txBody>
+      </p:sp>
+      <p:sp>
+        <p:nvSpPr>
+          <p:cNvPr id="3" name="TextBox 2">
+            <a:extLst>
+              <a:ext uri="{FF2B5EF4-FFF2-40B4-BE49-F238E27FC236}">
+                <a16:creationId xmlns:a16="http://schemas.microsoft.com/office/drawing/2014/main" id="{D603CCB4-ACB5-F02F-EF78-87D53658E441}"/>
+              </a:ext>
+            </a:extLst>
+          </p:cNvPr>
+          <p:cNvSpPr txBox="1"/>
+          <p:nvPr/>
+        </p:nvSpPr>
+        <p:spPr>
+          <a:xfrm>
+            <a:off x="727699" y="2331740"/>
+            <a:ext cx="10550230" cy="1938992"/>
+          </a:xfrm>
+          <a:prstGeom prst="rect">
+            <a:avLst/>
+          </a:prstGeom>
+          <a:noFill/>
+        </p:spPr>
+        <p:txBody>
+          <a:bodyPr wrap="square" rtlCol="0">
+            <a:spAutoFit/>
+          </a:bodyPr>
+          <a:lstStyle/>
+          <a:p>
+            <a:pPr marL="285750" indent="-285750">
+              <a:buFont typeface="Arial" panose="020B0604020202020204" pitchFamily="34" charset="0"/>
+              <a:buChar char="•"/>
+            </a:pPr>
+            <a:r>
+              <a:rPr lang="ko-KR" altLang="en-US" sz="2000" b="1" dirty="0" err="1">
+                <a:solidFill>
+                  <a:schemeClr val="tx1">
+                    <a:lumMod val="65000"/>
+                    <a:lumOff val="35000"/>
+                  </a:schemeClr>
+                </a:solidFill>
+              </a:rPr>
+              <a:t>퍼셉트론은</a:t>
+            </a:r>
+            <a:r>
+              <a:rPr lang="ko-KR" altLang="en-US" sz="2000" b="1" dirty="0">
+                <a:solidFill>
+                  <a:schemeClr val="tx1">
+                    <a:lumMod val="65000"/>
+                    <a:lumOff val="35000"/>
+                  </a:schemeClr>
+                </a:solidFill>
+              </a:rPr>
+              <a:t> 인공 신경망</a:t>
+            </a:r>
+            <a:r>
+              <a:rPr lang="en-US" altLang="ko-KR" sz="2000" b="1" dirty="0">
+                <a:solidFill>
+                  <a:schemeClr val="tx1">
+                    <a:lumMod val="65000"/>
+                    <a:lumOff val="35000"/>
+                  </a:schemeClr>
+                </a:solidFill>
+              </a:rPr>
+              <a:t>(Artificial Neural Network, ANN) </a:t>
+            </a:r>
+            <a:r>
+              <a:rPr lang="ko-KR" altLang="en-US" sz="2000" b="1" dirty="0">
+                <a:solidFill>
+                  <a:schemeClr val="tx1">
+                    <a:lumMod val="65000"/>
+                    <a:lumOff val="35000"/>
+                  </a:schemeClr>
+                </a:solidFill>
+              </a:rPr>
+              <a:t>의 구성요소</a:t>
+            </a:r>
+            <a:r>
+              <a:rPr lang="en-US" altLang="ko-KR" sz="2000" b="1" dirty="0">
+                <a:solidFill>
+                  <a:schemeClr val="tx1">
+                    <a:lumMod val="65000"/>
+                    <a:lumOff val="35000"/>
+                  </a:schemeClr>
+                </a:solidFill>
+              </a:rPr>
+              <a:t>(Unit)</a:t>
+            </a:r>
+            <a:r>
+              <a:rPr lang="ko-KR" altLang="en-US" sz="2000" b="1" dirty="0">
+                <a:solidFill>
+                  <a:schemeClr val="tx1">
+                    <a:lumMod val="65000"/>
+                    <a:lumOff val="35000"/>
+                  </a:schemeClr>
+                </a:solidFill>
+              </a:rPr>
+              <a:t>로서 다수의 값을 </a:t>
+            </a:r>
+            <a:r>
+              <a:rPr lang="ko-KR" altLang="en-US" sz="2000" b="1" dirty="0" err="1">
+                <a:solidFill>
+                  <a:schemeClr val="tx1">
+                    <a:lumMod val="65000"/>
+                    <a:lumOff val="35000"/>
+                  </a:schemeClr>
+                </a:solidFill>
+              </a:rPr>
+              <a:t>입력받아</a:t>
+            </a:r>
+            <a:r>
+              <a:rPr lang="ko-KR" altLang="en-US" sz="2000" b="1" dirty="0">
+                <a:solidFill>
+                  <a:schemeClr val="tx1">
+                    <a:lumMod val="65000"/>
+                    <a:lumOff val="35000"/>
+                  </a:schemeClr>
+                </a:solidFill>
+              </a:rPr>
+              <a:t> 출력하는 알고리즘</a:t>
+            </a:r>
+            <a:r>
+              <a:rPr lang="en-US" altLang="ko-KR" sz="2000" b="1" dirty="0">
+                <a:solidFill>
+                  <a:schemeClr val="tx1">
+                    <a:lumMod val="65000"/>
+                    <a:lumOff val="35000"/>
+                  </a:schemeClr>
+                </a:solidFill>
+              </a:rPr>
+              <a:t>.</a:t>
+            </a:r>
+          </a:p>
+          <a:p>
+            <a:pPr marL="285750" indent="-285750">
+              <a:buFont typeface="Arial" panose="020B0604020202020204" pitchFamily="34" charset="0"/>
+              <a:buChar char="•"/>
+            </a:pPr>
+            <a:endParaRPr lang="en-US" altLang="ko-KR" sz="2000" b="1" dirty="0">
+              <a:solidFill>
+                <a:schemeClr val="tx1">
+                  <a:lumMod val="65000"/>
+                  <a:lumOff val="35000"/>
+                </a:schemeClr>
+              </a:solidFill>
+            </a:endParaRPr>
+          </a:p>
+          <a:p>
+            <a:pPr marL="285750" indent="-285750">
+              <a:buFont typeface="Arial" panose="020B0604020202020204" pitchFamily="34" charset="0"/>
+              <a:buChar char="•"/>
+            </a:pPr>
+            <a:endParaRPr lang="en-US" altLang="ko-KR" sz="2000" b="1" dirty="0">
+              <a:solidFill>
+                <a:schemeClr val="tx1">
+                  <a:lumMod val="65000"/>
+                  <a:lumOff val="35000"/>
+                </a:schemeClr>
+              </a:solidFill>
+            </a:endParaRPr>
+          </a:p>
+          <a:p>
+            <a:pPr marL="285750" indent="-285750">
+              <a:buFont typeface="Arial" panose="020B0604020202020204" pitchFamily="34" charset="0"/>
+              <a:buChar char="•"/>
+            </a:pPr>
+            <a:r>
+              <a:rPr lang="ko-KR" altLang="en-US" sz="2000" b="1" dirty="0">
+                <a:solidFill>
+                  <a:schemeClr val="tx1">
+                    <a:lumMod val="65000"/>
+                    <a:lumOff val="35000"/>
+                  </a:schemeClr>
+                </a:solidFill>
+              </a:rPr>
+              <a:t>생물학적인 신경계</a:t>
+            </a:r>
+            <a:r>
+              <a:rPr lang="en-US" altLang="ko-KR" sz="2000" b="1" dirty="0">
+                <a:solidFill>
+                  <a:schemeClr val="tx1">
+                    <a:lumMod val="65000"/>
+                    <a:lumOff val="35000"/>
+                  </a:schemeClr>
+                </a:solidFill>
+              </a:rPr>
+              <a:t>(Neural Network)</a:t>
+            </a:r>
+            <a:r>
+              <a:rPr lang="ko-KR" altLang="en-US" sz="2000" b="1" dirty="0">
+                <a:solidFill>
+                  <a:schemeClr val="tx1">
+                    <a:lumMod val="65000"/>
+                    <a:lumOff val="35000"/>
+                  </a:schemeClr>
+                </a:solidFill>
+              </a:rPr>
+              <a:t>의 기본 단위인 신경세포</a:t>
+            </a:r>
+            <a:r>
+              <a:rPr lang="en-US" altLang="ko-KR" sz="2000" b="1" dirty="0">
+                <a:solidFill>
+                  <a:schemeClr val="tx1">
+                    <a:lumMod val="65000"/>
+                    <a:lumOff val="35000"/>
+                  </a:schemeClr>
+                </a:solidFill>
+              </a:rPr>
+              <a:t>(Neuron)</a:t>
+            </a:r>
+            <a:r>
+              <a:rPr lang="ko-KR" altLang="en-US" sz="2000" b="1" dirty="0">
+                <a:solidFill>
+                  <a:schemeClr val="tx1">
+                    <a:lumMod val="65000"/>
+                    <a:lumOff val="35000"/>
+                  </a:schemeClr>
+                </a:solidFill>
+              </a:rPr>
+              <a:t>의 동작과정을 통계학적으로 모델링 </a:t>
+            </a:r>
+            <a:r>
+              <a:rPr lang="ko-KR" altLang="en-US" sz="2000" b="1" dirty="0" err="1">
+                <a:solidFill>
+                  <a:schemeClr val="tx1">
+                    <a:lumMod val="65000"/>
+                    <a:lumOff val="35000"/>
+                  </a:schemeClr>
+                </a:solidFill>
+              </a:rPr>
+              <a:t>한것</a:t>
+            </a:r>
+            <a:r>
+              <a:rPr lang="en-US" altLang="ko-KR" sz="2000" b="1" dirty="0">
+                <a:solidFill>
+                  <a:schemeClr val="tx1">
+                    <a:lumMod val="65000"/>
+                    <a:lumOff val="35000"/>
+                  </a:schemeClr>
+                </a:solidFill>
+              </a:rPr>
+              <a:t>!</a:t>
+            </a:r>
+          </a:p>
+        </p:txBody>
+      </p:sp>
+    </p:spTree>
+    <p:extLst>
+      <p:ext uri="{BB962C8B-B14F-4D97-AF65-F5344CB8AC3E}">
+        <p14:creationId xmlns:p14="http://schemas.microsoft.com/office/powerpoint/2010/main" val="987020760"/>
+      </p:ext>
+    </p:extLst>
+  </p:cSld>
+  <p:clrMapOvr>
+    <a:masterClrMapping/>
+  </p:clrMapOvr>
+</p:sld>
+</file>
+
+<file path=ppt/slides/slide4.xml><?xml version="1.0" encoding="utf-8"?>
+<p:sld xmlns:a="http://schemas.openxmlformats.org/drawingml/2006/main" xmlns:r="http://schemas.openxmlformats.org/officeDocument/2006/relationships" xmlns:p="http://schemas.openxmlformats.org/presentationml/2006/main">
+  <p:cSld>
+    <p:spTree>
+      <p:nvGrpSpPr>
+        <p:cNvPr id="1" name=""/>
+        <p:cNvGrpSpPr/>
+        <p:nvPr/>
+      </p:nvGrpSpPr>
+      <p:grpSpPr>
+        <a:xfrm>
+          <a:off x="0" y="0"/>
+          <a:ext cx="0" cy="0"/>
+          <a:chOff x="0" y="0"/>
+          <a:chExt cx="0" cy="0"/>
+        </a:xfrm>
+      </p:grpSpPr>
+      <p:sp>
+        <p:nvSpPr>
+          <p:cNvPr id="4" name="날짜 개체 틀 3">
+            <a:extLst>
+              <a:ext uri="{FF2B5EF4-FFF2-40B4-BE49-F238E27FC236}">
+                <a16:creationId xmlns:a16="http://schemas.microsoft.com/office/drawing/2014/main" id="{96EB53D3-8572-4237-B28C-28CB40308C40}"/>
+              </a:ext>
+            </a:extLst>
+          </p:cNvPr>
+          <p:cNvSpPr>
+            <a:spLocks noGrp="1"/>
+          </p:cNvSpPr>
+          <p:nvPr>
+            <p:ph type="dt" sz="half" idx="10"/>
+          </p:nvPr>
+        </p:nvSpPr>
+        <p:spPr>
+          <a:xfrm>
+            <a:off x="141514" y="6356350"/>
+            <a:ext cx="2743200" cy="365125"/>
+          </a:xfrm>
+        </p:spPr>
+        <p:txBody>
+          <a:bodyPr/>
+          <a:lstStyle/>
+          <a:p>
+            <a:fld id="{0303D7D5-FAC8-4B75-A637-D564180CD715}" type="datetime1">
+              <a:rPr lang="ko-KR" altLang="en-US" sz="1000" smtClean="0"/>
+              <a:t>2023-06-07</a:t>
+            </a:fld>
+            <a:endParaRPr lang="ko-KR" altLang="en-US" sz="1000" dirty="0"/>
+          </a:p>
+        </p:txBody>
+      </p:sp>
+      <p:sp>
+        <p:nvSpPr>
+          <p:cNvPr id="6" name="슬라이드 번호 개체 틀 5">
+            <a:extLst>
+              <a:ext uri="{FF2B5EF4-FFF2-40B4-BE49-F238E27FC236}">
+                <a16:creationId xmlns:a16="http://schemas.microsoft.com/office/drawing/2014/main" id="{6E93A4FF-EE48-4AD7-B7EF-105B8CE4CD9F}"/>
+              </a:ext>
+            </a:extLst>
+          </p:cNvPr>
+          <p:cNvSpPr>
+            <a:spLocks noGrp="1"/>
+          </p:cNvSpPr>
+          <p:nvPr>
+            <p:ph type="sldNum" sz="quarter" idx="12"/>
+          </p:nvPr>
+        </p:nvSpPr>
+        <p:spPr/>
+        <p:txBody>
+          <a:bodyPr/>
+          <a:lstStyle/>
+          <a:p>
+            <a:fld id="{77D8DCB6-DE77-432F-867E-17030BC60D58}" type="slidenum">
+              <a:rPr lang="ko-KR" altLang="en-US" smtClean="0"/>
+              <a:t>4</a:t>
+            </a:fld>
+            <a:endParaRPr lang="ko-KR" altLang="en-US"/>
+          </a:p>
+        </p:txBody>
+      </p:sp>
+      <p:cxnSp>
+        <p:nvCxnSpPr>
+          <p:cNvPr id="8" name="직선 연결선 7">
+            <a:extLst>
+              <a:ext uri="{FF2B5EF4-FFF2-40B4-BE49-F238E27FC236}">
+                <a16:creationId xmlns:a16="http://schemas.microsoft.com/office/drawing/2014/main" id="{D1F8D6B6-3C71-480C-BFAD-599210C64964}"/>
+              </a:ext>
+            </a:extLst>
+          </p:cNvPr>
+          <p:cNvCxnSpPr>
+            <a:cxnSpLocks/>
+          </p:cNvCxnSpPr>
+          <p:nvPr/>
+        </p:nvCxnSpPr>
+        <p:spPr>
+          <a:xfrm>
+            <a:off x="513806" y="1138535"/>
+            <a:ext cx="10978016" cy="0"/>
+          </a:xfrm>
+          <a:prstGeom prst="line">
+            <a:avLst/>
+          </a:prstGeom>
+          <a:ln w="28575">
+            <a:solidFill>
+              <a:srgbClr val="A80000"/>
+            </a:solidFill>
+          </a:ln>
+        </p:spPr>
+        <p:style>
+          <a:lnRef idx="1">
+            <a:schemeClr val="accent1"/>
+          </a:lnRef>
+          <a:fillRef idx="0">
+            <a:schemeClr val="accent1"/>
+          </a:fillRef>
+          <a:effectRef idx="0">
+            <a:schemeClr val="accent1"/>
+          </a:effectRef>
+          <a:fontRef idx="minor">
+            <a:schemeClr val="tx1"/>
+          </a:fontRef>
+        </p:style>
+      </p:cxnSp>
+      <p:sp>
+        <p:nvSpPr>
+          <p:cNvPr id="9" name="TextBox 8">
+            <a:extLst>
+              <a:ext uri="{FF2B5EF4-FFF2-40B4-BE49-F238E27FC236}">
+                <a16:creationId xmlns:a16="http://schemas.microsoft.com/office/drawing/2014/main" id="{85E2DDDA-35AB-489C-8A37-0A056738B5CD}"/>
+              </a:ext>
+            </a:extLst>
+          </p:cNvPr>
+          <p:cNvSpPr txBox="1"/>
+          <p:nvPr/>
+        </p:nvSpPr>
+        <p:spPr>
+          <a:xfrm>
+            <a:off x="513806" y="576645"/>
+            <a:ext cx="6461760" cy="523220"/>
+          </a:xfrm>
+          <a:prstGeom prst="rect">
+            <a:avLst/>
+          </a:prstGeom>
+          <a:noFill/>
+        </p:spPr>
+        <p:txBody>
+          <a:bodyPr wrap="square" rtlCol="0">
+            <a:spAutoFit/>
+          </a:bodyPr>
+          <a:lstStyle/>
+          <a:p>
+            <a:r>
+              <a:rPr lang="en-US" altLang="ko-KR" sz="2800" b="1" dirty="0">
+                <a:solidFill>
+                  <a:schemeClr val="tx1">
+                    <a:lumMod val="65000"/>
+                    <a:lumOff val="35000"/>
+                  </a:schemeClr>
+                </a:solidFill>
+              </a:rPr>
+              <a:t>1. Perceptron-How to work Neuron</a:t>
+            </a:r>
+            <a:endParaRPr lang="ko-KR" altLang="en-US" sz="2800" b="1" dirty="0">
+              <a:solidFill>
+                <a:schemeClr val="tx1">
+                  <a:lumMod val="65000"/>
+                  <a:lumOff val="35000"/>
+                </a:schemeClr>
+              </a:solidFill>
+            </a:endParaRPr>
+          </a:p>
+        </p:txBody>
+      </p:sp>
+      <p:pic>
+        <p:nvPicPr>
+          <p:cNvPr id="1026" name="Picture 2">
+            <a:extLst>
+              <a:ext uri="{FF2B5EF4-FFF2-40B4-BE49-F238E27FC236}">
+                <a16:creationId xmlns:a16="http://schemas.microsoft.com/office/drawing/2014/main" id="{B63E5861-973A-319E-DEC3-A64F3731CF82}"/>
+              </a:ext>
+            </a:extLst>
+          </p:cNvPr>
+          <p:cNvPicPr>
+            <a:picLocks noChangeAspect="1" noChangeArrowheads="1"/>
+          </p:cNvPicPr>
+          <p:nvPr/>
+        </p:nvPicPr>
+        <p:blipFill>
+          <a:blip r:embed="rId2">
+            <a:extLst>
+              <a:ext uri="{28A0092B-C50C-407E-A947-70E740481C1C}">
+                <a14:useLocalDpi xmlns:a14="http://schemas.microsoft.com/office/drawing/2010/main" val="0"/>
+              </a:ext>
+            </a:extLst>
+          </a:blip>
+          <a:srcRect/>
+          <a:stretch>
+            <a:fillRect/>
+          </a:stretch>
+        </p:blipFill>
+        <p:spPr bwMode="auto">
+          <a:xfrm>
+            <a:off x="2246154" y="1331419"/>
+            <a:ext cx="7513320" cy="4038410"/>
+          </a:xfrm>
+          <a:prstGeom prst="rect">
+            <a:avLst/>
+          </a:prstGeom>
+          <a:noFill/>
+          <a:extLst>
+            <a:ext uri="{909E8E84-426E-40DD-AFC4-6F175D3DCCD1}">
+              <a14:hiddenFill xmlns:a14="http://schemas.microsoft.com/office/drawing/2010/main">
+                <a:solidFill>
+                  <a:srgbClr val="FFFFFF"/>
+                </a:solidFill>
+              </a14:hiddenFill>
+            </a:ext>
+          </a:extLst>
+        </p:spPr>
+      </p:pic>
+      <p:cxnSp>
+        <p:nvCxnSpPr>
+          <p:cNvPr id="5" name="직선 화살표 연결선 4">
+            <a:extLst>
+              <a:ext uri="{FF2B5EF4-FFF2-40B4-BE49-F238E27FC236}">
+                <a16:creationId xmlns:a16="http://schemas.microsoft.com/office/drawing/2014/main" id="{75E7974F-C2F8-FB02-9899-D7C53FF7BCEA}"/>
+              </a:ext>
+            </a:extLst>
+          </p:cNvPr>
+          <p:cNvCxnSpPr>
+            <a:cxnSpLocks/>
+          </p:cNvCxnSpPr>
+          <p:nvPr/>
+        </p:nvCxnSpPr>
+        <p:spPr>
+          <a:xfrm>
+            <a:off x="4539250" y="5483710"/>
+            <a:ext cx="3892732" cy="0"/>
+          </a:xfrm>
+          <a:prstGeom prst="straightConnector1">
+            <a:avLst/>
+          </a:prstGeom>
+          <a:ln w="19050">
+            <a:headEnd type="triangle"/>
+            <a:tailEnd type="triangle"/>
+          </a:ln>
+        </p:spPr>
+        <p:style>
+          <a:lnRef idx="1">
+            <a:schemeClr val="accent1"/>
+          </a:lnRef>
+          <a:fillRef idx="0">
+            <a:schemeClr val="accent1"/>
+          </a:fillRef>
+          <a:effectRef idx="0">
+            <a:schemeClr val="accent1"/>
+          </a:effectRef>
+          <a:fontRef idx="minor">
+            <a:schemeClr val="tx1"/>
+          </a:fontRef>
+        </p:style>
+      </p:cxnSp>
+      <p:cxnSp>
+        <p:nvCxnSpPr>
+          <p:cNvPr id="7" name="직선 화살표 연결선 6">
+            <a:extLst>
+              <a:ext uri="{FF2B5EF4-FFF2-40B4-BE49-F238E27FC236}">
+                <a16:creationId xmlns:a16="http://schemas.microsoft.com/office/drawing/2014/main" id="{EB33D34B-CAA6-ED92-57B4-115D6FDA08C7}"/>
+              </a:ext>
+            </a:extLst>
+          </p:cNvPr>
+          <p:cNvCxnSpPr>
+            <a:cxnSpLocks/>
+          </p:cNvCxnSpPr>
+          <p:nvPr/>
+        </p:nvCxnSpPr>
+        <p:spPr>
+          <a:xfrm>
+            <a:off x="2906579" y="5483710"/>
+            <a:ext cx="1524000" cy="0"/>
+          </a:xfrm>
+          <a:prstGeom prst="straightConnector1">
+            <a:avLst/>
+          </a:prstGeom>
+          <a:ln w="19050">
+            <a:headEnd type="triangle"/>
+            <a:tailEnd type="triangle"/>
+          </a:ln>
+        </p:spPr>
+        <p:style>
+          <a:lnRef idx="1">
+            <a:schemeClr val="accent1"/>
+          </a:lnRef>
+          <a:fillRef idx="0">
+            <a:schemeClr val="accent1"/>
+          </a:fillRef>
+          <a:effectRef idx="0">
+            <a:schemeClr val="accent1"/>
+          </a:effectRef>
+          <a:fontRef idx="minor">
+            <a:schemeClr val="tx1"/>
+          </a:fontRef>
+        </p:style>
+      </p:cxnSp>
+      <p:cxnSp>
+        <p:nvCxnSpPr>
+          <p:cNvPr id="10" name="직선 화살표 연결선 9">
+            <a:extLst>
+              <a:ext uri="{FF2B5EF4-FFF2-40B4-BE49-F238E27FC236}">
+                <a16:creationId xmlns:a16="http://schemas.microsoft.com/office/drawing/2014/main" id="{2DFCDC1D-4EBE-5CD8-380D-8F07DE6D3FC2}"/>
+              </a:ext>
+            </a:extLst>
+          </p:cNvPr>
+          <p:cNvCxnSpPr>
+            <a:cxnSpLocks/>
+          </p:cNvCxnSpPr>
+          <p:nvPr/>
+        </p:nvCxnSpPr>
+        <p:spPr>
+          <a:xfrm>
+            <a:off x="8610600" y="5483710"/>
+            <a:ext cx="657683" cy="0"/>
+          </a:xfrm>
+          <a:prstGeom prst="straightConnector1">
+            <a:avLst/>
+          </a:prstGeom>
+          <a:ln w="19050">
+            <a:headEnd type="triangle"/>
+            <a:tailEnd type="triangle"/>
+          </a:ln>
+        </p:spPr>
+        <p:style>
+          <a:lnRef idx="1">
+            <a:schemeClr val="accent1"/>
+          </a:lnRef>
+          <a:fillRef idx="0">
+            <a:schemeClr val="accent1"/>
+          </a:fillRef>
+          <a:effectRef idx="0">
+            <a:schemeClr val="accent1"/>
+          </a:effectRef>
+          <a:fontRef idx="minor">
+            <a:schemeClr val="tx1"/>
+          </a:fontRef>
+        </p:style>
+      </p:cxnSp>
+      <p:sp>
+        <p:nvSpPr>
+          <p:cNvPr id="23" name="TextBox 22">
+            <a:extLst>
+              <a:ext uri="{FF2B5EF4-FFF2-40B4-BE49-F238E27FC236}">
+                <a16:creationId xmlns:a16="http://schemas.microsoft.com/office/drawing/2014/main" id="{3EF739F9-3CA2-45DD-0F4A-4D357DAA7B27}"/>
+              </a:ext>
+            </a:extLst>
+          </p:cNvPr>
+          <p:cNvSpPr txBox="1"/>
+          <p:nvPr/>
+        </p:nvSpPr>
+        <p:spPr>
+          <a:xfrm>
+            <a:off x="3103123" y="5710136"/>
+            <a:ext cx="1196503" cy="369332"/>
+          </a:xfrm>
+          <a:prstGeom prst="rect">
+            <a:avLst/>
+          </a:prstGeom>
+          <a:noFill/>
+        </p:spPr>
+        <p:txBody>
+          <a:bodyPr wrap="square" rtlCol="0">
+            <a:spAutoFit/>
+          </a:bodyPr>
+          <a:lstStyle/>
+          <a:p>
+            <a:pPr algn="ctr"/>
+            <a:r>
+              <a:rPr lang="ko-KR" altLang="en-US"/>
+              <a:t>입력</a:t>
+            </a:r>
+            <a:endParaRPr lang="en-US" dirty="0"/>
+          </a:p>
+        </p:txBody>
+      </p:sp>
+      <p:sp>
+        <p:nvSpPr>
+          <p:cNvPr id="24" name="TextBox 23">
+            <a:extLst>
+              <a:ext uri="{FF2B5EF4-FFF2-40B4-BE49-F238E27FC236}">
+                <a16:creationId xmlns:a16="http://schemas.microsoft.com/office/drawing/2014/main" id="{90399A7E-301C-D36F-8EAC-9ABE0FD83C72}"/>
+              </a:ext>
+            </a:extLst>
+          </p:cNvPr>
+          <p:cNvSpPr txBox="1"/>
+          <p:nvPr/>
+        </p:nvSpPr>
+        <p:spPr>
+          <a:xfrm>
+            <a:off x="5887364" y="5719465"/>
+            <a:ext cx="1196503" cy="369332"/>
+          </a:xfrm>
+          <a:prstGeom prst="rect">
+            <a:avLst/>
+          </a:prstGeom>
+          <a:noFill/>
+        </p:spPr>
+        <p:txBody>
+          <a:bodyPr wrap="square" rtlCol="0">
+            <a:spAutoFit/>
+          </a:bodyPr>
+          <a:lstStyle/>
+          <a:p>
+            <a:pPr algn="ctr"/>
+            <a:r>
+              <a:rPr lang="ko-KR" altLang="en-US" dirty="0"/>
+              <a:t>전달</a:t>
+            </a:r>
+            <a:endParaRPr lang="en-US" dirty="0"/>
+          </a:p>
+        </p:txBody>
+      </p:sp>
+      <p:sp>
+        <p:nvSpPr>
+          <p:cNvPr id="25" name="TextBox 24">
+            <a:extLst>
+              <a:ext uri="{FF2B5EF4-FFF2-40B4-BE49-F238E27FC236}">
+                <a16:creationId xmlns:a16="http://schemas.microsoft.com/office/drawing/2014/main" id="{9C401DDE-2A4C-6E2C-ED64-D0656AD1A9B6}"/>
+              </a:ext>
+            </a:extLst>
+          </p:cNvPr>
+          <p:cNvSpPr txBox="1"/>
+          <p:nvPr/>
+        </p:nvSpPr>
+        <p:spPr>
+          <a:xfrm>
+            <a:off x="8341189" y="5719465"/>
+            <a:ext cx="1196503" cy="369332"/>
+          </a:xfrm>
+          <a:prstGeom prst="rect">
+            <a:avLst/>
+          </a:prstGeom>
+          <a:noFill/>
+        </p:spPr>
+        <p:txBody>
+          <a:bodyPr wrap="square" rtlCol="0">
+            <a:spAutoFit/>
+          </a:bodyPr>
+          <a:lstStyle/>
+          <a:p>
+            <a:pPr algn="ctr"/>
+            <a:r>
+              <a:rPr lang="ko-KR" altLang="en-US"/>
+              <a:t>출력</a:t>
+            </a:r>
+            <a:endParaRPr lang="en-US" dirty="0"/>
+          </a:p>
+        </p:txBody>
+      </p:sp>
+    </p:spTree>
+    <p:extLst>
+      <p:ext uri="{BB962C8B-B14F-4D97-AF65-F5344CB8AC3E}">
+        <p14:creationId xmlns:p14="http://schemas.microsoft.com/office/powerpoint/2010/main" val="1686507768"/>
+      </p:ext>
+    </p:extLst>
+  </p:cSld>
+  <p:clrMapOvr>
+    <a:masterClrMapping/>
+  </p:clrMapOvr>
+</p:sld>
+</file>
+
+<file path=ppt/slides/slide5.xml><?xml version="1.0" encoding="utf-8"?>
+<p:sld xmlns:a="http://schemas.openxmlformats.org/drawingml/2006/main" xmlns:r="http://schemas.openxmlformats.org/officeDocument/2006/relationships" xmlns:p="http://schemas.openxmlformats.org/presentationml/2006/main">
+  <p:cSld>
+    <p:spTree>
+      <p:nvGrpSpPr>
+        <p:cNvPr id="1" name=""/>
+        <p:cNvGrpSpPr/>
+        <p:nvPr/>
+      </p:nvGrpSpPr>
+      <p:grpSpPr>
+        <a:xfrm>
+          <a:off x="0" y="0"/>
+          <a:ext cx="0" cy="0"/>
+          <a:chOff x="0" y="0"/>
+          <a:chExt cx="0" cy="0"/>
+        </a:xfrm>
+      </p:grpSpPr>
+      <p:sp>
+        <p:nvSpPr>
+          <p:cNvPr id="4" name="날짜 개체 틀 3">
+            <a:extLst>
+              <a:ext uri="{FF2B5EF4-FFF2-40B4-BE49-F238E27FC236}">
+                <a16:creationId xmlns:a16="http://schemas.microsoft.com/office/drawing/2014/main" id="{96EB53D3-8572-4237-B28C-28CB40308C40}"/>
+              </a:ext>
+            </a:extLst>
+          </p:cNvPr>
+          <p:cNvSpPr>
+            <a:spLocks noGrp="1"/>
+          </p:cNvSpPr>
+          <p:nvPr>
+            <p:ph type="dt" sz="half" idx="10"/>
+          </p:nvPr>
+        </p:nvSpPr>
+        <p:spPr>
+          <a:xfrm>
+            <a:off x="141514" y="6356350"/>
+            <a:ext cx="2743200" cy="365125"/>
+          </a:xfrm>
+        </p:spPr>
+        <p:txBody>
+          <a:bodyPr/>
+          <a:lstStyle/>
+          <a:p>
+            <a:fld id="{0303D7D5-FAC8-4B75-A637-D564180CD715}" type="datetime1">
+              <a:rPr lang="ko-KR" altLang="en-US" sz="1000" smtClean="0"/>
+              <a:t>2023-06-07</a:t>
+            </a:fld>
+            <a:endParaRPr lang="ko-KR" altLang="en-US" sz="1000" dirty="0"/>
+          </a:p>
+        </p:txBody>
+      </p:sp>
+      <p:sp>
+        <p:nvSpPr>
+          <p:cNvPr id="6" name="슬라이드 번호 개체 틀 5">
+            <a:extLst>
+              <a:ext uri="{FF2B5EF4-FFF2-40B4-BE49-F238E27FC236}">
+                <a16:creationId xmlns:a16="http://schemas.microsoft.com/office/drawing/2014/main" id="{6E93A4FF-EE48-4AD7-B7EF-105B8CE4CD9F}"/>
+              </a:ext>
+            </a:extLst>
+          </p:cNvPr>
+          <p:cNvSpPr>
+            <a:spLocks noGrp="1"/>
+          </p:cNvSpPr>
+          <p:nvPr>
+            <p:ph type="sldNum" sz="quarter" idx="12"/>
+          </p:nvPr>
+        </p:nvSpPr>
+        <p:spPr/>
+        <p:txBody>
+          <a:bodyPr/>
+          <a:lstStyle/>
+          <a:p>
+            <a:fld id="{77D8DCB6-DE77-432F-867E-17030BC60D58}" type="slidenum">
+              <a:rPr lang="ko-KR" altLang="en-US" smtClean="0"/>
+              <a:t>5</a:t>
+            </a:fld>
+            <a:endParaRPr lang="ko-KR" altLang="en-US"/>
+          </a:p>
+        </p:txBody>
+      </p:sp>
+      <p:cxnSp>
+        <p:nvCxnSpPr>
+          <p:cNvPr id="8" name="직선 연결선 7">
+            <a:extLst>
+              <a:ext uri="{FF2B5EF4-FFF2-40B4-BE49-F238E27FC236}">
+                <a16:creationId xmlns:a16="http://schemas.microsoft.com/office/drawing/2014/main" id="{D1F8D6B6-3C71-480C-BFAD-599210C64964}"/>
+              </a:ext>
+            </a:extLst>
+          </p:cNvPr>
+          <p:cNvCxnSpPr>
+            <a:cxnSpLocks/>
+          </p:cNvCxnSpPr>
+          <p:nvPr/>
+        </p:nvCxnSpPr>
+        <p:spPr>
+          <a:xfrm>
+            <a:off x="513806" y="1138535"/>
+            <a:ext cx="10978016" cy="0"/>
+          </a:xfrm>
+          <a:prstGeom prst="line">
+            <a:avLst/>
+          </a:prstGeom>
+          <a:ln w="28575">
+            <a:solidFill>
+              <a:srgbClr val="A80000"/>
+            </a:solidFill>
+          </a:ln>
+        </p:spPr>
+        <p:style>
+          <a:lnRef idx="1">
+            <a:schemeClr val="accent1"/>
+          </a:lnRef>
+          <a:fillRef idx="0">
+            <a:schemeClr val="accent1"/>
+          </a:fillRef>
+          <a:effectRef idx="0">
+            <a:schemeClr val="accent1"/>
+          </a:effectRef>
+          <a:fontRef idx="minor">
+            <a:schemeClr val="tx1"/>
+          </a:fontRef>
+        </p:style>
+      </p:cxnSp>
+      <p:sp>
+        <p:nvSpPr>
+          <p:cNvPr id="9" name="TextBox 8">
+            <a:extLst>
+              <a:ext uri="{FF2B5EF4-FFF2-40B4-BE49-F238E27FC236}">
+                <a16:creationId xmlns:a16="http://schemas.microsoft.com/office/drawing/2014/main" id="{85E2DDDA-35AB-489C-8A37-0A056738B5CD}"/>
+              </a:ext>
+            </a:extLst>
+          </p:cNvPr>
+          <p:cNvSpPr txBox="1"/>
+          <p:nvPr/>
+        </p:nvSpPr>
+        <p:spPr>
+          <a:xfrm>
+            <a:off x="513806" y="576645"/>
+            <a:ext cx="3524794" cy="523220"/>
+          </a:xfrm>
+          <a:prstGeom prst="rect">
+            <a:avLst/>
+          </a:prstGeom>
+          <a:noFill/>
+        </p:spPr>
+        <p:txBody>
+          <a:bodyPr wrap="square" rtlCol="0">
+            <a:spAutoFit/>
+          </a:bodyPr>
+          <a:lstStyle/>
+          <a:p>
+            <a:r>
+              <a:rPr lang="en-US" altLang="ko-KR" sz="2800" b="1" dirty="0">
+                <a:solidFill>
+                  <a:schemeClr val="tx1">
+                    <a:lumMod val="65000"/>
+                    <a:lumOff val="35000"/>
+                  </a:schemeClr>
+                </a:solidFill>
+              </a:rPr>
+              <a:t>1. Perceptron</a:t>
+            </a:r>
+            <a:endParaRPr lang="ko-KR" altLang="en-US" sz="2800" b="1" dirty="0">
+              <a:solidFill>
+                <a:schemeClr val="tx1">
+                  <a:lumMod val="65000"/>
+                  <a:lumOff val="35000"/>
+                </a:schemeClr>
+              </a:solidFill>
+            </a:endParaRPr>
+          </a:p>
+        </p:txBody>
+      </p:sp>
+      <p:pic>
+        <p:nvPicPr>
+          <p:cNvPr id="5" name="그림 4">
+            <a:extLst>
+              <a:ext uri="{FF2B5EF4-FFF2-40B4-BE49-F238E27FC236}">
+                <a16:creationId xmlns:a16="http://schemas.microsoft.com/office/drawing/2014/main" id="{590FBBD1-9DA6-107B-1B8E-E5D65705947D}"/>
+              </a:ext>
+            </a:extLst>
+          </p:cNvPr>
+          <p:cNvPicPr>
+            <a:picLocks noChangeAspect="1"/>
+          </p:cNvPicPr>
+          <p:nvPr/>
+        </p:nvPicPr>
+        <p:blipFill>
+          <a:blip r:embed="rId2">
+            <a:extLst>
+              <a:ext uri="{28A0092B-C50C-407E-A947-70E740481C1C}">
+                <a14:useLocalDpi xmlns:a14="http://schemas.microsoft.com/office/drawing/2010/main" val="0"/>
+              </a:ext>
+            </a:extLst>
+          </a:blip>
+          <a:stretch>
+            <a:fillRect/>
+          </a:stretch>
+        </p:blipFill>
+        <p:spPr>
+          <a:xfrm>
+            <a:off x="2593426" y="1690866"/>
+            <a:ext cx="2997354" cy="2730640"/>
+          </a:xfrm>
+          <a:prstGeom prst="rect">
+            <a:avLst/>
+          </a:prstGeom>
+        </p:spPr>
+      </p:pic>
+      <mc:AlternateContent xmlns:mc="http://schemas.openxmlformats.org/markup-compatibility/2006">
+        <mc:Choice xmlns:a14="http://schemas.microsoft.com/office/drawing/2010/main" Requires="a14">
+          <p:sp>
+            <p:nvSpPr>
+              <p:cNvPr id="7" name="TextBox 6">
+                <a:extLst>
+                  <a:ext uri="{FF2B5EF4-FFF2-40B4-BE49-F238E27FC236}">
+                    <a16:creationId xmlns:a16="http://schemas.microsoft.com/office/drawing/2014/main" id="{D407085A-08F7-9501-100E-AD32329D625B}"/>
+                  </a:ext>
+                </a:extLst>
+              </p:cNvPr>
+              <p:cNvSpPr txBox="1"/>
+              <p:nvPr/>
+            </p:nvSpPr>
+            <p:spPr>
+              <a:xfrm>
+                <a:off x="6476672" y="2151727"/>
+                <a:ext cx="2997354" cy="2554545"/>
+              </a:xfrm>
+              <a:prstGeom prst="rect">
+                <a:avLst/>
+              </a:prstGeom>
+              <a:noFill/>
+            </p:spPr>
+            <p:txBody>
+              <a:bodyPr wrap="square" rtlCol="0">
+                <a:spAutoFit/>
+              </a:bodyPr>
+              <a:lstStyle/>
+              <a:p>
+                <a:pPr marL="285750" indent="-285750">
+                  <a:buFont typeface="Arial" panose="020B0604020202020204" pitchFamily="34" charset="0"/>
+                  <a:buChar char="•"/>
+                </a:pPr>
+                <a14:m>
+                  <m:oMath xmlns:m="http://schemas.openxmlformats.org/officeDocument/2006/math">
+                    <m:sSub>
+                      <m:sSubPr>
+                        <m:ctrlPr>
+                          <a:rPr lang="en-US" altLang="ko-KR" sz="2000" b="1" i="1" smtClean="0">
+                            <a:solidFill>
+                              <a:schemeClr val="tx1">
+                                <a:lumMod val="65000"/>
+                                <a:lumOff val="35000"/>
+                              </a:schemeClr>
+                            </a:solidFill>
+                            <a:latin typeface="Cambria Math" panose="02040503050406030204" pitchFamily="18" charset="0"/>
+                          </a:rPr>
+                        </m:ctrlPr>
+                      </m:sSubPr>
+                      <m:e>
+                        <m:r>
+                          <a:rPr lang="en-US" altLang="ko-KR" sz="2000" b="1" i="1" smtClean="0">
+                            <a:solidFill>
+                              <a:schemeClr val="tx1">
+                                <a:lumMod val="65000"/>
+                                <a:lumOff val="35000"/>
+                              </a:schemeClr>
+                            </a:solidFill>
+                            <a:latin typeface="Cambria Math" panose="02040503050406030204" pitchFamily="18" charset="0"/>
+                          </a:rPr>
+                          <m:t>𝒙</m:t>
+                        </m:r>
+                      </m:e>
+                      <m:sub>
+                        <m:r>
+                          <a:rPr lang="en-US" altLang="ko-KR" sz="2000" b="1" i="1" smtClean="0">
+                            <a:solidFill>
+                              <a:schemeClr val="tx1">
+                                <a:lumMod val="65000"/>
+                                <a:lumOff val="35000"/>
+                              </a:schemeClr>
+                            </a:solidFill>
+                            <a:latin typeface="Cambria Math" panose="02040503050406030204" pitchFamily="18" charset="0"/>
+                          </a:rPr>
+                          <m:t>𝟏</m:t>
+                        </m:r>
+                      </m:sub>
+                    </m:sSub>
+                    <m:r>
+                      <a:rPr lang="en-US" altLang="ko-KR" sz="2000" b="1" i="1" smtClean="0">
+                        <a:solidFill>
+                          <a:schemeClr val="tx1">
+                            <a:lumMod val="65000"/>
+                            <a:lumOff val="35000"/>
+                          </a:schemeClr>
+                        </a:solidFill>
+                        <a:latin typeface="Cambria Math" panose="02040503050406030204" pitchFamily="18" charset="0"/>
+                      </a:rPr>
+                      <m:t>,</m:t>
+                    </m:r>
+                    <m:sSub>
+                      <m:sSubPr>
+                        <m:ctrlPr>
+                          <a:rPr lang="en-US" altLang="ko-KR" sz="2000" b="1" i="1">
+                            <a:solidFill>
+                              <a:schemeClr val="tx1">
+                                <a:lumMod val="65000"/>
+                                <a:lumOff val="35000"/>
+                              </a:schemeClr>
+                            </a:solidFill>
+                            <a:latin typeface="Cambria Math" panose="02040503050406030204" pitchFamily="18" charset="0"/>
+                          </a:rPr>
+                        </m:ctrlPr>
+                      </m:sSubPr>
+                      <m:e>
+                        <m:r>
+                          <a:rPr lang="en-US" altLang="ko-KR" sz="2000" b="1" i="1">
+                            <a:solidFill>
+                              <a:schemeClr val="tx1">
+                                <a:lumMod val="65000"/>
+                                <a:lumOff val="35000"/>
+                              </a:schemeClr>
+                            </a:solidFill>
+                            <a:latin typeface="Cambria Math" panose="02040503050406030204" pitchFamily="18" charset="0"/>
+                          </a:rPr>
+                          <m:t>𝒙</m:t>
+                        </m:r>
+                      </m:e>
+                      <m:sub>
+                        <m:r>
+                          <a:rPr lang="en-US" altLang="ko-KR" sz="2000" b="1" i="1" smtClean="0">
+                            <a:solidFill>
+                              <a:schemeClr val="tx1">
+                                <a:lumMod val="65000"/>
+                                <a:lumOff val="35000"/>
+                              </a:schemeClr>
+                            </a:solidFill>
+                            <a:latin typeface="Cambria Math" panose="02040503050406030204" pitchFamily="18" charset="0"/>
+                          </a:rPr>
+                          <m:t>𝟐</m:t>
+                        </m:r>
+                      </m:sub>
+                    </m:sSub>
+                    <m:r>
+                      <a:rPr lang="en-US" altLang="ko-KR" sz="2000" b="1" i="1" smtClean="0">
+                        <a:solidFill>
+                          <a:schemeClr val="tx1">
+                            <a:lumMod val="65000"/>
+                            <a:lumOff val="35000"/>
+                          </a:schemeClr>
+                        </a:solidFill>
+                        <a:latin typeface="Cambria Math" panose="02040503050406030204" pitchFamily="18" charset="0"/>
+                      </a:rPr>
+                      <m:t> :  </m:t>
+                    </m:r>
+                  </m:oMath>
+                </a14:m>
+                <a:r>
+                  <a:rPr lang="ko-KR" altLang="en-US" sz="2000" b="1" dirty="0">
+                    <a:solidFill>
+                      <a:schemeClr val="tx1">
+                        <a:lumMod val="65000"/>
+                        <a:lumOff val="35000"/>
+                      </a:schemeClr>
+                    </a:solidFill>
+                  </a:rPr>
+                  <a:t>입력 신호</a:t>
+                </a:r>
+                <a:endParaRPr lang="en-US" altLang="ko-KR" sz="2000" b="1" dirty="0">
+                  <a:solidFill>
+                    <a:schemeClr val="tx1">
+                      <a:lumMod val="65000"/>
+                      <a:lumOff val="35000"/>
+                    </a:schemeClr>
+                  </a:solidFill>
+                </a:endParaRPr>
+              </a:p>
+              <a:p>
+                <a:pPr marL="285750" indent="-285750">
+                  <a:buFont typeface="Arial" panose="020B0604020202020204" pitchFamily="34" charset="0"/>
+                  <a:buChar char="•"/>
+                </a:pPr>
+                <a:endParaRPr lang="en-US" altLang="ko-KR" sz="2000" b="1" dirty="0">
+                  <a:solidFill>
+                    <a:schemeClr val="tx1">
+                      <a:lumMod val="65000"/>
+                      <a:lumOff val="35000"/>
+                    </a:schemeClr>
+                  </a:solidFill>
+                </a:endParaRPr>
+              </a:p>
+              <a:p>
+                <a:pPr marL="285750" indent="-285750">
+                  <a:buFont typeface="Arial" panose="020B0604020202020204" pitchFamily="34" charset="0"/>
+                  <a:buChar char="•"/>
+                </a:pPr>
+                <a14:m>
+                  <m:oMath xmlns:m="http://schemas.openxmlformats.org/officeDocument/2006/math">
+                    <m:sSub>
+                      <m:sSubPr>
+                        <m:ctrlPr>
+                          <a:rPr lang="en-US" altLang="ko-KR" sz="2000" b="1" i="1" smtClean="0">
+                            <a:solidFill>
+                              <a:schemeClr val="tx1">
+                                <a:lumMod val="65000"/>
+                                <a:lumOff val="35000"/>
+                              </a:schemeClr>
+                            </a:solidFill>
+                            <a:latin typeface="Cambria Math" panose="02040503050406030204" pitchFamily="18" charset="0"/>
+                          </a:rPr>
+                        </m:ctrlPr>
+                      </m:sSubPr>
+                      <m:e>
+                        <m:r>
+                          <a:rPr lang="en-US" altLang="ko-KR" sz="2000" b="1" i="1" smtClean="0">
+                            <a:solidFill>
+                              <a:schemeClr val="tx1">
+                                <a:lumMod val="65000"/>
+                                <a:lumOff val="35000"/>
+                              </a:schemeClr>
+                            </a:solidFill>
+                            <a:latin typeface="Cambria Math" panose="02040503050406030204" pitchFamily="18" charset="0"/>
+                          </a:rPr>
+                          <m:t>𝒘</m:t>
+                        </m:r>
+                      </m:e>
+                      <m:sub>
+                        <m:r>
+                          <a:rPr lang="en-US" altLang="ko-KR" sz="2000" b="1" i="1" smtClean="0">
+                            <a:solidFill>
+                              <a:schemeClr val="tx1">
+                                <a:lumMod val="65000"/>
+                                <a:lumOff val="35000"/>
+                              </a:schemeClr>
+                            </a:solidFill>
+                            <a:latin typeface="Cambria Math" panose="02040503050406030204" pitchFamily="18" charset="0"/>
+                          </a:rPr>
+                          <m:t>𝟏</m:t>
+                        </m:r>
+                      </m:sub>
+                    </m:sSub>
+                    <m:r>
+                      <a:rPr lang="en-US" altLang="ko-KR" sz="2000" b="1" i="1" smtClean="0">
+                        <a:solidFill>
+                          <a:schemeClr val="tx1">
+                            <a:lumMod val="65000"/>
+                            <a:lumOff val="35000"/>
+                          </a:schemeClr>
+                        </a:solidFill>
+                        <a:latin typeface="Cambria Math" panose="02040503050406030204" pitchFamily="18" charset="0"/>
+                      </a:rPr>
+                      <m:t>,</m:t>
+                    </m:r>
+                    <m:sSub>
+                      <m:sSubPr>
+                        <m:ctrlPr>
+                          <a:rPr lang="en-US" altLang="ko-KR" sz="2000" b="1" i="1">
+                            <a:solidFill>
+                              <a:schemeClr val="tx1">
+                                <a:lumMod val="65000"/>
+                                <a:lumOff val="35000"/>
+                              </a:schemeClr>
+                            </a:solidFill>
+                            <a:latin typeface="Cambria Math" panose="02040503050406030204" pitchFamily="18" charset="0"/>
+                          </a:rPr>
+                        </m:ctrlPr>
+                      </m:sSubPr>
+                      <m:e>
+                        <m:r>
+                          <a:rPr lang="en-US" altLang="ko-KR" sz="2000" b="1" i="1" smtClean="0">
+                            <a:solidFill>
+                              <a:schemeClr val="tx1">
+                                <a:lumMod val="65000"/>
+                                <a:lumOff val="35000"/>
+                              </a:schemeClr>
+                            </a:solidFill>
+                            <a:latin typeface="Cambria Math" panose="02040503050406030204" pitchFamily="18" charset="0"/>
+                          </a:rPr>
+                          <m:t>𝒘</m:t>
+                        </m:r>
+                      </m:e>
+                      <m:sub>
+                        <m:r>
+                          <a:rPr lang="en-US" altLang="ko-KR" sz="2000" b="1" i="1" smtClean="0">
+                            <a:solidFill>
+                              <a:schemeClr val="tx1">
+                                <a:lumMod val="65000"/>
+                                <a:lumOff val="35000"/>
+                              </a:schemeClr>
+                            </a:solidFill>
+                            <a:latin typeface="Cambria Math" panose="02040503050406030204" pitchFamily="18" charset="0"/>
+                          </a:rPr>
+                          <m:t>𝟐</m:t>
+                        </m:r>
+                      </m:sub>
+                    </m:sSub>
+                    <m:r>
+                      <a:rPr lang="en-US" altLang="ko-KR" sz="2000" b="1" i="1" smtClean="0">
+                        <a:solidFill>
+                          <a:schemeClr val="tx1">
+                            <a:lumMod val="65000"/>
+                            <a:lumOff val="35000"/>
+                          </a:schemeClr>
+                        </a:solidFill>
+                        <a:latin typeface="Cambria Math" panose="02040503050406030204" pitchFamily="18" charset="0"/>
+                      </a:rPr>
+                      <m:t> :  </m:t>
+                    </m:r>
+                  </m:oMath>
+                </a14:m>
+                <a:r>
+                  <a:rPr lang="ko-KR" altLang="en-US" sz="2000" b="1" dirty="0">
+                    <a:solidFill>
+                      <a:schemeClr val="tx1">
+                        <a:lumMod val="65000"/>
+                        <a:lumOff val="35000"/>
+                      </a:schemeClr>
+                    </a:solidFill>
+                  </a:rPr>
+                  <a:t>가중치</a:t>
+                </a:r>
+                <a:endParaRPr lang="en-US" altLang="ko-KR" sz="2000" b="1" dirty="0">
+                  <a:solidFill>
+                    <a:schemeClr val="tx1">
+                      <a:lumMod val="65000"/>
+                      <a:lumOff val="35000"/>
+                    </a:schemeClr>
+                  </a:solidFill>
+                </a:endParaRPr>
+              </a:p>
+              <a:p>
+                <a:pPr marL="285750" indent="-285750">
+                  <a:buFont typeface="Arial" panose="020B0604020202020204" pitchFamily="34" charset="0"/>
+                  <a:buChar char="•"/>
+                </a:pPr>
+                <a:endParaRPr lang="en-US" altLang="ko-KR" sz="2000" b="1" dirty="0">
+                  <a:solidFill>
+                    <a:schemeClr val="tx1">
+                      <a:lumMod val="65000"/>
+                      <a:lumOff val="35000"/>
+                    </a:schemeClr>
+                  </a:solidFill>
+                </a:endParaRPr>
+              </a:p>
+              <a:p>
+                <a:pPr marL="285750" indent="-285750">
+                  <a:buFont typeface="Arial" panose="020B0604020202020204" pitchFamily="34" charset="0"/>
+                  <a:buChar char="•"/>
+                </a:pPr>
+                <a14:m>
+                  <m:oMath xmlns:m="http://schemas.openxmlformats.org/officeDocument/2006/math">
+                    <m:r>
+                      <a:rPr lang="en-US" altLang="ko-KR" sz="2000" b="1" i="1" smtClean="0">
+                        <a:solidFill>
+                          <a:schemeClr val="tx1">
+                            <a:lumMod val="65000"/>
+                            <a:lumOff val="35000"/>
+                          </a:schemeClr>
+                        </a:solidFill>
+                        <a:latin typeface="Cambria Math" panose="02040503050406030204" pitchFamily="18" charset="0"/>
+                      </a:rPr>
+                      <m:t>𝒚</m:t>
+                    </m:r>
+                    <m:r>
+                      <a:rPr lang="en-US" altLang="ko-KR" sz="2000" b="1" i="1" smtClean="0">
+                        <a:solidFill>
+                          <a:schemeClr val="tx1">
+                            <a:lumMod val="65000"/>
+                            <a:lumOff val="35000"/>
+                          </a:schemeClr>
+                        </a:solidFill>
+                        <a:latin typeface="Cambria Math" panose="02040503050406030204" pitchFamily="18" charset="0"/>
+                      </a:rPr>
+                      <m:t>: </m:t>
+                    </m:r>
+                  </m:oMath>
+                </a14:m>
+                <a:r>
+                  <a:rPr lang="ko-KR" altLang="en-US" sz="2000" b="1" dirty="0">
+                    <a:solidFill>
+                      <a:schemeClr val="tx1">
+                        <a:lumMod val="65000"/>
+                        <a:lumOff val="35000"/>
+                      </a:schemeClr>
+                    </a:solidFill>
+                  </a:rPr>
+                  <a:t>출력신호</a:t>
+                </a:r>
+                <a:endParaRPr lang="en-US" altLang="ko-KR" sz="2000" b="1" dirty="0">
+                  <a:solidFill>
+                    <a:schemeClr val="tx1">
+                      <a:lumMod val="65000"/>
+                      <a:lumOff val="35000"/>
+                    </a:schemeClr>
+                  </a:solidFill>
+                </a:endParaRPr>
+              </a:p>
+              <a:p>
+                <a:pPr marL="285750" indent="-285750">
+                  <a:buFont typeface="Arial" panose="020B0604020202020204" pitchFamily="34" charset="0"/>
+                  <a:buChar char="•"/>
+                </a:pPr>
+                <a:endParaRPr lang="en-US" altLang="ko-KR" sz="2000" b="1" dirty="0">
+                  <a:solidFill>
+                    <a:schemeClr val="tx1">
+                      <a:lumMod val="65000"/>
+                      <a:lumOff val="35000"/>
+                    </a:schemeClr>
+                  </a:solidFill>
+                </a:endParaRPr>
+              </a:p>
+              <a:p>
+                <a:pPr marL="285750" indent="-285750">
+                  <a:buFont typeface="Arial" panose="020B0604020202020204" pitchFamily="34" charset="0"/>
+                  <a:buChar char="•"/>
+                </a:pPr>
+                <a:endParaRPr lang="en-US" altLang="ko-KR" sz="2000" b="1" dirty="0">
+                  <a:solidFill>
+                    <a:schemeClr val="tx1">
+                      <a:lumMod val="65000"/>
+                      <a:lumOff val="35000"/>
+                    </a:schemeClr>
+                  </a:solidFill>
+                </a:endParaRPr>
+              </a:p>
+              <a:p>
+                <a:pPr marL="285750" indent="-285750">
+                  <a:buFont typeface="Arial" panose="020B0604020202020204" pitchFamily="34" charset="0"/>
+                  <a:buChar char="•"/>
+                </a:pPr>
+                <a:endParaRPr lang="en-US" altLang="ko-KR" sz="2000" b="1" dirty="0">
+                  <a:solidFill>
+                    <a:schemeClr val="tx1">
+                      <a:lumMod val="65000"/>
+                      <a:lumOff val="35000"/>
+                    </a:schemeClr>
+                  </a:solidFill>
+                </a:endParaRPr>
+              </a:p>
+            </p:txBody>
+          </p:sp>
+        </mc:Choice>
+        <mc:Fallback>
+          <p:sp>
+            <p:nvSpPr>
+              <p:cNvPr id="7" name="TextBox 6">
+                <a:extLst>
+                  <a:ext uri="{FF2B5EF4-FFF2-40B4-BE49-F238E27FC236}">
+                    <a16:creationId xmlns:a16="http://schemas.microsoft.com/office/drawing/2014/main" id="{D407085A-08F7-9501-100E-AD32329D625B}"/>
+                  </a:ext>
+                </a:extLst>
+              </p:cNvPr>
+              <p:cNvSpPr txBox="1">
+                <a:spLocks noRot="1" noChangeAspect="1" noMove="1" noResize="1" noEditPoints="1" noAdjustHandles="1" noChangeArrowheads="1" noChangeShapeType="1" noTextEdit="1"/>
+              </p:cNvSpPr>
+              <p:nvPr/>
+            </p:nvSpPr>
+            <p:spPr>
+              <a:xfrm>
+                <a:off x="6476672" y="2151727"/>
+                <a:ext cx="2997354" cy="2554545"/>
+              </a:xfrm>
+              <a:prstGeom prst="rect">
+                <a:avLst/>
+              </a:prstGeom>
+              <a:blipFill>
+                <a:blip r:embed="rId3"/>
+                <a:stretch>
+                  <a:fillRect l="-1829" t="-1432"/>
+                </a:stretch>
+              </a:blipFill>
+            </p:spPr>
+            <p:txBody>
+              <a:bodyPr/>
+              <a:lstStyle/>
+              <a:p>
+                <a:r>
+                  <a:rPr lang="en-US">
+                    <a:noFill/>
+                  </a:rPr>
+                  <a:t> </a:t>
+                </a:r>
+              </a:p>
+            </p:txBody>
+          </p:sp>
+        </mc:Fallback>
+      </mc:AlternateContent>
+      <mc:AlternateContent xmlns:mc="http://schemas.openxmlformats.org/markup-compatibility/2006">
+        <mc:Choice xmlns:a14="http://schemas.microsoft.com/office/drawing/2010/main" Requires="a14">
+          <p:sp>
+            <p:nvSpPr>
+              <p:cNvPr id="11" name="TextBox 10">
+                <a:extLst>
+                  <a:ext uri="{FF2B5EF4-FFF2-40B4-BE49-F238E27FC236}">
+                    <a16:creationId xmlns:a16="http://schemas.microsoft.com/office/drawing/2014/main" id="{BC91F14D-EE40-62F8-E49F-BAFE7ACD8534}"/>
+                  </a:ext>
+                </a:extLst>
+              </p:cNvPr>
+              <p:cNvSpPr txBox="1"/>
+              <p:nvPr/>
+            </p:nvSpPr>
+            <p:spPr>
+              <a:xfrm>
+                <a:off x="3591938" y="4962544"/>
+                <a:ext cx="6094378" cy="710194"/>
+              </a:xfrm>
+              <a:prstGeom prst="rect">
+                <a:avLst/>
+              </a:prstGeom>
+              <a:noFill/>
+            </p:spPr>
+            <p:txBody>
+              <a:bodyPr wrap="square">
+                <a:spAutoFit/>
+              </a:bodyPr>
+              <a:lstStyle/>
+              <a:p>
+                <a:pPr algn="ctr"/>
+                <a14:m>
+                  <m:oMath xmlns:m="http://schemas.openxmlformats.org/officeDocument/2006/math">
+                    <m:r>
+                      <a:rPr lang="en-US" b="0" i="1" smtClean="0">
+                        <a:latin typeface="Cambria Math" panose="02040503050406030204" pitchFamily="18" charset="0"/>
+                        <a:ea typeface="Cambria Math" panose="02040503050406030204" pitchFamily="18" charset="0"/>
+                      </a:rPr>
+                      <m:t>𝑦</m:t>
+                    </m:r>
+                    <m:r>
+                      <a:rPr lang="en-US" b="0" i="1" smtClean="0">
+                        <a:latin typeface="Cambria Math" panose="02040503050406030204" pitchFamily="18" charset="0"/>
+                        <a:ea typeface="Cambria Math" panose="02040503050406030204" pitchFamily="18" charset="0"/>
+                      </a:rPr>
+                      <m:t>=</m:t>
+                    </m:r>
+                    <m:d>
+                      <m:dPr>
+                        <m:begChr m:val="{"/>
+                        <m:endChr m:val=""/>
+                        <m:ctrlPr>
+                          <a:rPr lang="el-GR" i="1" smtClean="0">
+                            <a:latin typeface="Cambria Math" panose="02040503050406030204" pitchFamily="18" charset="0"/>
+                            <a:ea typeface="Cambria Math" panose="02040503050406030204" pitchFamily="18" charset="0"/>
+                          </a:rPr>
+                        </m:ctrlPr>
+                      </m:dPr>
+                      <m:e>
+                        <m:eqArr>
+                          <m:eqArrPr>
+                            <m:ctrlPr>
+                              <a:rPr lang="el-GR" i="1" smtClean="0">
+                                <a:latin typeface="Cambria Math" panose="02040503050406030204" pitchFamily="18" charset="0"/>
+                                <a:ea typeface="Cambria Math" panose="02040503050406030204" pitchFamily="18" charset="0"/>
+                              </a:rPr>
+                            </m:ctrlPr>
+                          </m:eqArrPr>
+                          <m:e>
+                            <m:r>
+                              <a:rPr lang="en-US" b="0" i="1" smtClean="0">
+                                <a:latin typeface="Cambria Math" panose="02040503050406030204" pitchFamily="18" charset="0"/>
+                                <a:ea typeface="Cambria Math" panose="02040503050406030204" pitchFamily="18" charset="0"/>
+                              </a:rPr>
+                              <m:t>0 </m:t>
+                            </m:r>
+                            <m:r>
+                              <a:rPr lang="en-US" b="0" i="1" smtClean="0">
+                                <a:latin typeface="Cambria Math" panose="02040503050406030204" pitchFamily="18" charset="0"/>
+                                <a:ea typeface="Cambria Math" panose="02040503050406030204" pitchFamily="18" charset="0"/>
+                              </a:rPr>
+                              <m:t> ,</m:t>
+                            </m:r>
+                            <m:r>
+                              <a:rPr lang="en-US" b="0" i="1" smtClean="0">
+                                <a:latin typeface="Cambria Math" panose="02040503050406030204" pitchFamily="18" charset="0"/>
+                                <a:ea typeface="Cambria Math" panose="02040503050406030204" pitchFamily="18" charset="0"/>
+                              </a:rPr>
+                              <m:t>(</m:t>
+                            </m:r>
+                            <m:sSub>
+                              <m:sSubPr>
+                                <m:ctrlPr>
+                                  <a:rPr lang="en-US" b="0" i="1" smtClean="0">
+                                    <a:latin typeface="Cambria Math" panose="02040503050406030204" pitchFamily="18" charset="0"/>
+                                    <a:ea typeface="Cambria Math" panose="02040503050406030204" pitchFamily="18" charset="0"/>
+                                  </a:rPr>
+                                </m:ctrlPr>
+                              </m:sSubPr>
+                              <m:e>
+                                <m:r>
+                                  <a:rPr lang="en-US" b="0" i="1" smtClean="0">
+                                    <a:latin typeface="Cambria Math" panose="02040503050406030204" pitchFamily="18" charset="0"/>
+                                    <a:ea typeface="Cambria Math" panose="02040503050406030204" pitchFamily="18" charset="0"/>
+                                  </a:rPr>
+                                  <m:t>𝑤</m:t>
+                                </m:r>
+                              </m:e>
+                              <m:sub>
+                                <m:r>
+                                  <a:rPr lang="en-US" b="0" i="1" smtClean="0">
+                                    <a:latin typeface="Cambria Math" panose="02040503050406030204" pitchFamily="18" charset="0"/>
+                                    <a:ea typeface="Cambria Math" panose="02040503050406030204" pitchFamily="18" charset="0"/>
+                                  </a:rPr>
+                                  <m:t>1</m:t>
+                                </m:r>
+                              </m:sub>
+                            </m:sSub>
+                            <m:sSub>
+                              <m:sSubPr>
+                                <m:ctrlPr>
+                                  <a:rPr lang="en-US" i="1">
+                                    <a:latin typeface="Cambria Math" panose="02040503050406030204" pitchFamily="18" charset="0"/>
+                                    <a:ea typeface="Cambria Math" panose="02040503050406030204" pitchFamily="18" charset="0"/>
+                                  </a:rPr>
+                                </m:ctrlPr>
+                              </m:sSubPr>
+                              <m:e>
+                                <m:r>
+                                  <a:rPr lang="en-US" b="0" i="1" smtClean="0">
+                                    <a:latin typeface="Cambria Math" panose="02040503050406030204" pitchFamily="18" charset="0"/>
+                                    <a:ea typeface="Cambria Math" panose="02040503050406030204" pitchFamily="18" charset="0"/>
+                                  </a:rPr>
+                                  <m:t>𝑥</m:t>
+                                </m:r>
+                              </m:e>
+                              <m:sub>
+                                <m:r>
+                                  <a:rPr lang="en-US" i="1">
+                                    <a:latin typeface="Cambria Math" panose="02040503050406030204" pitchFamily="18" charset="0"/>
+                                    <a:ea typeface="Cambria Math" panose="02040503050406030204" pitchFamily="18" charset="0"/>
+                                  </a:rPr>
+                                  <m:t>1</m:t>
+                                </m:r>
+                              </m:sub>
+                            </m:sSub>
+                            <m:r>
+                              <a:rPr lang="en-US" b="0" i="1" smtClean="0">
+                                <a:latin typeface="Cambria Math" panose="02040503050406030204" pitchFamily="18" charset="0"/>
+                                <a:ea typeface="Cambria Math" panose="02040503050406030204" pitchFamily="18" charset="0"/>
+                              </a:rPr>
+                              <m:t>+</m:t>
+                            </m:r>
+                            <m:sSub>
+                              <m:sSubPr>
+                                <m:ctrlPr>
+                                  <a:rPr lang="en-US" i="1">
+                                    <a:latin typeface="Cambria Math" panose="02040503050406030204" pitchFamily="18" charset="0"/>
+                                    <a:ea typeface="Cambria Math" panose="02040503050406030204" pitchFamily="18" charset="0"/>
+                                  </a:rPr>
+                                </m:ctrlPr>
+                              </m:sSubPr>
+                              <m:e>
+                                <m:r>
+                                  <a:rPr lang="en-US" i="1">
+                                    <a:latin typeface="Cambria Math" panose="02040503050406030204" pitchFamily="18" charset="0"/>
+                                    <a:ea typeface="Cambria Math" panose="02040503050406030204" pitchFamily="18" charset="0"/>
+                                  </a:rPr>
+                                  <m:t>𝑤</m:t>
+                                </m:r>
+                              </m:e>
+                              <m:sub>
+                                <m:r>
+                                  <a:rPr lang="en-US" b="0" i="1" smtClean="0">
+                                    <a:latin typeface="Cambria Math" panose="02040503050406030204" pitchFamily="18" charset="0"/>
+                                    <a:ea typeface="Cambria Math" panose="02040503050406030204" pitchFamily="18" charset="0"/>
+                                  </a:rPr>
+                                  <m:t>2</m:t>
+                                </m:r>
+                              </m:sub>
+                            </m:sSub>
+                            <m:sSub>
+                              <m:sSubPr>
+                                <m:ctrlPr>
+                                  <a:rPr lang="en-US" i="1">
+                                    <a:latin typeface="Cambria Math" panose="02040503050406030204" pitchFamily="18" charset="0"/>
+                                    <a:ea typeface="Cambria Math" panose="02040503050406030204" pitchFamily="18" charset="0"/>
+                                  </a:rPr>
+                                </m:ctrlPr>
+                              </m:sSubPr>
+                              <m:e>
+                                <m:r>
+                                  <a:rPr lang="en-US" b="0" i="1" smtClean="0">
+                                    <a:latin typeface="Cambria Math" panose="02040503050406030204" pitchFamily="18" charset="0"/>
+                                    <a:ea typeface="Cambria Math" panose="02040503050406030204" pitchFamily="18" charset="0"/>
+                                  </a:rPr>
+                                  <m:t>𝑥</m:t>
+                                </m:r>
+                              </m:e>
+                              <m:sub>
+                                <m:r>
+                                  <a:rPr lang="en-US" b="0" i="1" smtClean="0">
+                                    <a:latin typeface="Cambria Math" panose="02040503050406030204" pitchFamily="18" charset="0"/>
+                                    <a:ea typeface="Cambria Math" panose="02040503050406030204" pitchFamily="18" charset="0"/>
+                                  </a:rPr>
+                                  <m:t>2</m:t>
+                                </m:r>
+                              </m:sub>
+                            </m:sSub>
+                            <m:r>
+                              <a:rPr lang="en-US" i="1" smtClean="0">
+                                <a:latin typeface="Cambria Math" panose="02040503050406030204" pitchFamily="18" charset="0"/>
+                                <a:ea typeface="Cambria Math" panose="02040503050406030204" pitchFamily="18" charset="0"/>
+                              </a:rPr>
+                              <m:t>≤</m:t>
+                            </m:r>
+                            <m:r>
+                              <a:rPr lang="en-US" i="1" smtClean="0">
+                                <a:latin typeface="Cambria Math" panose="02040503050406030204" pitchFamily="18" charset="0"/>
+                                <a:ea typeface="Cambria Math" panose="02040503050406030204" pitchFamily="18" charset="0"/>
+                              </a:rPr>
+                              <m:t>𝜃</m:t>
+                            </m:r>
+                            <m:r>
+                              <a:rPr lang="en-US" b="0" i="1" smtClean="0">
+                                <a:latin typeface="Cambria Math" panose="02040503050406030204" pitchFamily="18" charset="0"/>
+                                <a:ea typeface="Cambria Math" panose="02040503050406030204" pitchFamily="18" charset="0"/>
+                              </a:rPr>
+                              <m:t>)</m:t>
+                            </m:r>
+                          </m:e>
+                          <m:e>
+                            <m:r>
+                              <a:rPr lang="en-US" b="0" i="1" smtClean="0">
+                                <a:latin typeface="Cambria Math" panose="02040503050406030204" pitchFamily="18" charset="0"/>
+                                <a:ea typeface="Cambria Math" panose="02040503050406030204" pitchFamily="18" charset="0"/>
+                              </a:rPr>
+                              <m:t>1 </m:t>
+                            </m:r>
+                            <m:r>
+                              <a:rPr lang="en-US" b="0" i="1" smtClean="0">
+                                <a:latin typeface="Cambria Math" panose="02040503050406030204" pitchFamily="18" charset="0"/>
+                                <a:ea typeface="Cambria Math" panose="02040503050406030204" pitchFamily="18" charset="0"/>
+                              </a:rPr>
+                              <m:t> ,</m:t>
+                            </m:r>
+                            <m:r>
+                              <a:rPr lang="en-US" i="1">
+                                <a:latin typeface="Cambria Math" panose="02040503050406030204" pitchFamily="18" charset="0"/>
+                                <a:ea typeface="Cambria Math" panose="02040503050406030204" pitchFamily="18" charset="0"/>
+                              </a:rPr>
+                              <m:t>(</m:t>
+                            </m:r>
+                            <m:sSub>
+                              <m:sSubPr>
+                                <m:ctrlPr>
+                                  <a:rPr lang="en-US" i="1">
+                                    <a:latin typeface="Cambria Math" panose="02040503050406030204" pitchFamily="18" charset="0"/>
+                                    <a:ea typeface="Cambria Math" panose="02040503050406030204" pitchFamily="18" charset="0"/>
+                                  </a:rPr>
+                                </m:ctrlPr>
+                              </m:sSubPr>
+                              <m:e>
+                                <m:r>
+                                  <a:rPr lang="en-US" i="1">
+                                    <a:latin typeface="Cambria Math" panose="02040503050406030204" pitchFamily="18" charset="0"/>
+                                    <a:ea typeface="Cambria Math" panose="02040503050406030204" pitchFamily="18" charset="0"/>
+                                  </a:rPr>
+                                  <m:t>𝑤</m:t>
+                                </m:r>
+                              </m:e>
+                              <m:sub>
+                                <m:r>
+                                  <a:rPr lang="en-US" i="1">
+                                    <a:latin typeface="Cambria Math" panose="02040503050406030204" pitchFamily="18" charset="0"/>
+                                    <a:ea typeface="Cambria Math" panose="02040503050406030204" pitchFamily="18" charset="0"/>
+                                  </a:rPr>
+                                  <m:t>1</m:t>
+                                </m:r>
+                              </m:sub>
+                            </m:sSub>
+                            <m:sSub>
+                              <m:sSubPr>
+                                <m:ctrlPr>
+                                  <a:rPr lang="en-US" i="1">
+                                    <a:latin typeface="Cambria Math" panose="02040503050406030204" pitchFamily="18" charset="0"/>
+                                    <a:ea typeface="Cambria Math" panose="02040503050406030204" pitchFamily="18" charset="0"/>
+                                  </a:rPr>
+                                </m:ctrlPr>
+                              </m:sSubPr>
+                              <m:e>
+                                <m:r>
+                                  <a:rPr lang="en-US" b="0" i="1" smtClean="0">
+                                    <a:latin typeface="Cambria Math" panose="02040503050406030204" pitchFamily="18" charset="0"/>
+                                    <a:ea typeface="Cambria Math" panose="02040503050406030204" pitchFamily="18" charset="0"/>
+                                  </a:rPr>
+                                  <m:t>𝑥</m:t>
+                                </m:r>
+                              </m:e>
+                              <m:sub>
+                                <m:r>
+                                  <a:rPr lang="en-US" i="1">
+                                    <a:latin typeface="Cambria Math" panose="02040503050406030204" pitchFamily="18" charset="0"/>
+                                    <a:ea typeface="Cambria Math" panose="02040503050406030204" pitchFamily="18" charset="0"/>
+                                  </a:rPr>
+                                  <m:t>1</m:t>
+                                </m:r>
+                              </m:sub>
+                            </m:sSub>
+                            <m:r>
+                              <a:rPr lang="en-US" i="1">
+                                <a:latin typeface="Cambria Math" panose="02040503050406030204" pitchFamily="18" charset="0"/>
+                                <a:ea typeface="Cambria Math" panose="02040503050406030204" pitchFamily="18" charset="0"/>
+                              </a:rPr>
+                              <m:t>+</m:t>
+                            </m:r>
+                            <m:sSub>
+                              <m:sSubPr>
+                                <m:ctrlPr>
+                                  <a:rPr lang="en-US" i="1">
+                                    <a:latin typeface="Cambria Math" panose="02040503050406030204" pitchFamily="18" charset="0"/>
+                                    <a:ea typeface="Cambria Math" panose="02040503050406030204" pitchFamily="18" charset="0"/>
+                                  </a:rPr>
+                                </m:ctrlPr>
+                              </m:sSubPr>
+                              <m:e>
+                                <m:r>
+                                  <a:rPr lang="en-US" i="1">
+                                    <a:latin typeface="Cambria Math" panose="02040503050406030204" pitchFamily="18" charset="0"/>
+                                    <a:ea typeface="Cambria Math" panose="02040503050406030204" pitchFamily="18" charset="0"/>
+                                  </a:rPr>
+                                  <m:t>𝑤</m:t>
+                                </m:r>
+                              </m:e>
+                              <m:sub>
+                                <m:r>
+                                  <a:rPr lang="en-US" i="1">
+                                    <a:latin typeface="Cambria Math" panose="02040503050406030204" pitchFamily="18" charset="0"/>
+                                    <a:ea typeface="Cambria Math" panose="02040503050406030204" pitchFamily="18" charset="0"/>
+                                  </a:rPr>
+                                  <m:t>2</m:t>
+                                </m:r>
+                              </m:sub>
+                            </m:sSub>
+                            <m:sSub>
+                              <m:sSubPr>
+                                <m:ctrlPr>
+                                  <a:rPr lang="en-US" i="1">
+                                    <a:latin typeface="Cambria Math" panose="02040503050406030204" pitchFamily="18" charset="0"/>
+                                    <a:ea typeface="Cambria Math" panose="02040503050406030204" pitchFamily="18" charset="0"/>
+                                  </a:rPr>
+                                </m:ctrlPr>
+                              </m:sSubPr>
+                              <m:e>
+                                <m:r>
+                                  <a:rPr lang="en-US" i="1">
+                                    <a:latin typeface="Cambria Math" panose="02040503050406030204" pitchFamily="18" charset="0"/>
+                                    <a:ea typeface="Cambria Math" panose="02040503050406030204" pitchFamily="18" charset="0"/>
+                                  </a:rPr>
+                                  <m:t>𝑥</m:t>
+                                </m:r>
+                              </m:e>
+                              <m:sub>
+                                <m:r>
+                                  <a:rPr lang="en-US" i="1">
+                                    <a:latin typeface="Cambria Math" panose="02040503050406030204" pitchFamily="18" charset="0"/>
+                                    <a:ea typeface="Cambria Math" panose="02040503050406030204" pitchFamily="18" charset="0"/>
+                                  </a:rPr>
+                                  <m:t>2</m:t>
+                                </m:r>
+                              </m:sub>
+                            </m:sSub>
+                            <m:r>
+                              <a:rPr lang="en-US" i="1">
+                                <a:latin typeface="Cambria Math" panose="02040503050406030204" pitchFamily="18" charset="0"/>
+                                <a:ea typeface="Cambria Math" panose="02040503050406030204" pitchFamily="18" charset="0"/>
+                              </a:rPr>
+                              <m:t>≤</m:t>
+                            </m:r>
+                            <m:r>
+                              <a:rPr lang="en-US" i="1">
+                                <a:latin typeface="Cambria Math" panose="02040503050406030204" pitchFamily="18" charset="0"/>
+                                <a:ea typeface="Cambria Math" panose="02040503050406030204" pitchFamily="18" charset="0"/>
+                              </a:rPr>
+                              <m:t>𝜃</m:t>
+                            </m:r>
+                            <m:r>
+                              <a:rPr lang="en-US" i="1">
+                                <a:latin typeface="Cambria Math" panose="02040503050406030204" pitchFamily="18" charset="0"/>
+                                <a:ea typeface="Cambria Math" panose="02040503050406030204" pitchFamily="18" charset="0"/>
+                              </a:rPr>
+                              <m:t>)</m:t>
+                            </m:r>
+                          </m:e>
+                        </m:eqArr>
+                      </m:e>
+                    </m:d>
+                  </m:oMath>
+                </a14:m>
+                <a:r>
+                  <a:rPr lang="en-US" dirty="0"/>
+                  <a:t> 		(1)</a:t>
+                </a:r>
+              </a:p>
+            </p:txBody>
+          </p:sp>
+        </mc:Choice>
+        <mc:Fallback>
+          <p:sp>
+            <p:nvSpPr>
+              <p:cNvPr id="11" name="TextBox 10">
+                <a:extLst>
+                  <a:ext uri="{FF2B5EF4-FFF2-40B4-BE49-F238E27FC236}">
+                    <a16:creationId xmlns:a16="http://schemas.microsoft.com/office/drawing/2014/main" id="{BC91F14D-EE40-62F8-E49F-BAFE7ACD8534}"/>
+                  </a:ext>
+                </a:extLst>
+              </p:cNvPr>
+              <p:cNvSpPr txBox="1">
+                <a:spLocks noRot="1" noChangeAspect="1" noMove="1" noResize="1" noEditPoints="1" noAdjustHandles="1" noChangeArrowheads="1" noChangeShapeType="1" noTextEdit="1"/>
+              </p:cNvSpPr>
+              <p:nvPr/>
+            </p:nvSpPr>
+            <p:spPr>
+              <a:xfrm>
+                <a:off x="3591938" y="4962544"/>
+                <a:ext cx="6094378" cy="710194"/>
+              </a:xfrm>
+              <a:prstGeom prst="rect">
+                <a:avLst/>
+              </a:prstGeom>
+              <a:blipFill>
+                <a:blip r:embed="rId4"/>
+                <a:stretch>
+                  <a:fillRect/>
+                </a:stretch>
+              </a:blipFill>
+            </p:spPr>
+            <p:txBody>
+              <a:bodyPr/>
+              <a:lstStyle/>
+              <a:p>
+                <a:r>
+                  <a:rPr lang="en-US">
+                    <a:noFill/>
+                  </a:rPr>
+                  <a:t> </a:t>
+                </a:r>
+              </a:p>
+            </p:txBody>
+          </p:sp>
+        </mc:Fallback>
+      </mc:AlternateContent>
+    </p:spTree>
+    <p:extLst>
+      <p:ext uri="{BB962C8B-B14F-4D97-AF65-F5344CB8AC3E}">
+        <p14:creationId xmlns:p14="http://schemas.microsoft.com/office/powerpoint/2010/main" val="1547151976"/>
+      </p:ext>
+    </p:extLst>
+  </p:cSld>
+  <p:clrMapOvr>
+    <a:masterClrMapping/>
+  </p:clrMapOvr>
+</p:sld>
+</file>
+
+<file path=ppt/slides/slide6.xml><?xml version="1.0" encoding="utf-8"?>
+<p:sld xmlns:a="http://schemas.openxmlformats.org/drawingml/2006/main" xmlns:r="http://schemas.openxmlformats.org/officeDocument/2006/relationships" xmlns:p="http://schemas.openxmlformats.org/presentationml/2006/main">
+  <p:cSld>
+    <p:spTree>
+      <p:nvGrpSpPr>
+        <p:cNvPr id="1" name=""/>
+        <p:cNvGrpSpPr/>
+        <p:nvPr/>
+      </p:nvGrpSpPr>
+      <p:grpSpPr>
+        <a:xfrm>
+          <a:off x="0" y="0"/>
+          <a:ext cx="0" cy="0"/>
+          <a:chOff x="0" y="0"/>
+          <a:chExt cx="0" cy="0"/>
+        </a:xfrm>
+      </p:grpSpPr>
+      <p:sp>
+        <p:nvSpPr>
+          <p:cNvPr id="4" name="날짜 개체 틀 3">
+            <a:extLst>
+              <a:ext uri="{FF2B5EF4-FFF2-40B4-BE49-F238E27FC236}">
+                <a16:creationId xmlns:a16="http://schemas.microsoft.com/office/drawing/2014/main" id="{96EB53D3-8572-4237-B28C-28CB40308C40}"/>
+              </a:ext>
+            </a:extLst>
+          </p:cNvPr>
+          <p:cNvSpPr>
+            <a:spLocks noGrp="1"/>
+          </p:cNvSpPr>
+          <p:nvPr>
+            <p:ph type="dt" sz="half" idx="10"/>
+          </p:nvPr>
+        </p:nvSpPr>
+        <p:spPr>
+          <a:xfrm>
+            <a:off x="141514" y="6356350"/>
+            <a:ext cx="2743200" cy="365125"/>
+          </a:xfrm>
+        </p:spPr>
+        <p:txBody>
+          <a:bodyPr/>
+          <a:lstStyle/>
+          <a:p>
+            <a:fld id="{0303D7D5-FAC8-4B75-A637-D564180CD715}" type="datetime1">
+              <a:rPr lang="ko-KR" altLang="en-US" sz="1000" smtClean="0"/>
+              <a:t>2023-06-07</a:t>
+            </a:fld>
+            <a:endParaRPr lang="ko-KR" altLang="en-US" sz="1000" dirty="0"/>
+          </a:p>
+        </p:txBody>
+      </p:sp>
+      <p:sp>
+        <p:nvSpPr>
+          <p:cNvPr id="6" name="슬라이드 번호 개체 틀 5">
+            <a:extLst>
+              <a:ext uri="{FF2B5EF4-FFF2-40B4-BE49-F238E27FC236}">
+                <a16:creationId xmlns:a16="http://schemas.microsoft.com/office/drawing/2014/main" id="{6E93A4FF-EE48-4AD7-B7EF-105B8CE4CD9F}"/>
+              </a:ext>
+            </a:extLst>
+          </p:cNvPr>
+          <p:cNvSpPr>
+            <a:spLocks noGrp="1"/>
+          </p:cNvSpPr>
+          <p:nvPr>
+            <p:ph type="sldNum" sz="quarter" idx="12"/>
+          </p:nvPr>
+        </p:nvSpPr>
+        <p:spPr/>
+        <p:txBody>
+          <a:bodyPr/>
+          <a:lstStyle/>
+          <a:p>
+            <a:fld id="{77D8DCB6-DE77-432F-867E-17030BC60D58}" type="slidenum">
+              <a:rPr lang="ko-KR" altLang="en-US" smtClean="0"/>
+              <a:t>6</a:t>
+            </a:fld>
+            <a:endParaRPr lang="ko-KR" altLang="en-US"/>
+          </a:p>
+        </p:txBody>
+      </p:sp>
+      <p:cxnSp>
+        <p:nvCxnSpPr>
+          <p:cNvPr id="8" name="직선 연결선 7">
+            <a:extLst>
+              <a:ext uri="{FF2B5EF4-FFF2-40B4-BE49-F238E27FC236}">
+                <a16:creationId xmlns:a16="http://schemas.microsoft.com/office/drawing/2014/main" id="{D1F8D6B6-3C71-480C-BFAD-599210C64964}"/>
+              </a:ext>
+            </a:extLst>
+          </p:cNvPr>
+          <p:cNvCxnSpPr>
+            <a:cxnSpLocks/>
+          </p:cNvCxnSpPr>
+          <p:nvPr/>
+        </p:nvCxnSpPr>
+        <p:spPr>
+          <a:xfrm>
+            <a:off x="513806" y="1138535"/>
+            <a:ext cx="10978016" cy="0"/>
+          </a:xfrm>
+          <a:prstGeom prst="line">
+            <a:avLst/>
+          </a:prstGeom>
+          <a:ln w="28575">
+            <a:solidFill>
+              <a:srgbClr val="A80000"/>
+            </a:solidFill>
+          </a:ln>
+        </p:spPr>
+        <p:style>
+          <a:lnRef idx="1">
+            <a:schemeClr val="accent1"/>
+          </a:lnRef>
+          <a:fillRef idx="0">
+            <a:schemeClr val="accent1"/>
+          </a:fillRef>
+          <a:effectRef idx="0">
+            <a:schemeClr val="accent1"/>
+          </a:effectRef>
+          <a:fontRef idx="minor">
+            <a:schemeClr val="tx1"/>
+          </a:fontRef>
+        </p:style>
+      </p:cxnSp>
+      <p:sp>
+        <p:nvSpPr>
+          <p:cNvPr id="9" name="TextBox 8">
+            <a:extLst>
+              <a:ext uri="{FF2B5EF4-FFF2-40B4-BE49-F238E27FC236}">
+                <a16:creationId xmlns:a16="http://schemas.microsoft.com/office/drawing/2014/main" id="{85E2DDDA-35AB-489C-8A37-0A056738B5CD}"/>
+              </a:ext>
+            </a:extLst>
+          </p:cNvPr>
+          <p:cNvSpPr txBox="1"/>
+          <p:nvPr/>
+        </p:nvSpPr>
+        <p:spPr>
+          <a:xfrm>
+            <a:off x="513806" y="576645"/>
+            <a:ext cx="3524794" cy="523220"/>
+          </a:xfrm>
+          <a:prstGeom prst="rect">
+            <a:avLst/>
+          </a:prstGeom>
+          <a:noFill/>
+        </p:spPr>
+        <p:txBody>
+          <a:bodyPr wrap="square" rtlCol="0">
+            <a:spAutoFit/>
+          </a:bodyPr>
+          <a:lstStyle/>
+          <a:p>
+            <a:r>
+              <a:rPr lang="en-US" altLang="ko-KR" sz="2800" b="1" dirty="0">
+                <a:solidFill>
+                  <a:schemeClr val="tx1">
+                    <a:lumMod val="65000"/>
+                    <a:lumOff val="35000"/>
+                  </a:schemeClr>
+                </a:solidFill>
+              </a:rPr>
+              <a:t>2. Logic Gate</a:t>
+            </a:r>
+            <a:endParaRPr lang="ko-KR" altLang="en-US" sz="2800" b="1" dirty="0">
+              <a:solidFill>
+                <a:schemeClr val="tx1">
+                  <a:lumMod val="65000"/>
+                  <a:lumOff val="35000"/>
+                </a:schemeClr>
+              </a:solidFill>
+            </a:endParaRPr>
+          </a:p>
+        </p:txBody>
+      </p:sp>
+      <p:sp>
+        <p:nvSpPr>
+          <p:cNvPr id="3" name="TextBox 2">
+            <a:extLst>
+              <a:ext uri="{FF2B5EF4-FFF2-40B4-BE49-F238E27FC236}">
+                <a16:creationId xmlns:a16="http://schemas.microsoft.com/office/drawing/2014/main" id="{D603CCB4-ACB5-F02F-EF78-87D53658E441}"/>
+              </a:ext>
+            </a:extLst>
+          </p:cNvPr>
+          <p:cNvSpPr txBox="1"/>
+          <p:nvPr/>
+        </p:nvSpPr>
+        <p:spPr>
+          <a:xfrm>
+            <a:off x="727699" y="1611893"/>
+            <a:ext cx="10550230" cy="1631216"/>
+          </a:xfrm>
+          <a:prstGeom prst="rect">
+            <a:avLst/>
+          </a:prstGeom>
+          <a:noFill/>
+        </p:spPr>
+        <p:txBody>
+          <a:bodyPr wrap="square" rtlCol="0">
+            <a:spAutoFit/>
+          </a:bodyPr>
+          <a:lstStyle/>
+          <a:p>
+            <a:pPr marL="285750" indent="-285750">
+              <a:buFont typeface="Arial" panose="020B0604020202020204" pitchFamily="34" charset="0"/>
+              <a:buChar char="•"/>
+            </a:pPr>
+            <a:r>
+              <a:rPr lang="ko-KR" altLang="en-US" sz="2000" b="1" dirty="0">
+                <a:solidFill>
+                  <a:schemeClr val="tx1">
+                    <a:lumMod val="65000"/>
+                    <a:lumOff val="35000"/>
+                  </a:schemeClr>
+                </a:solidFill>
+              </a:rPr>
+              <a:t>논리 회로</a:t>
+            </a:r>
+            <a:r>
+              <a:rPr lang="en-US" altLang="ko-KR" sz="2000" b="1" dirty="0">
+                <a:solidFill>
+                  <a:schemeClr val="tx1">
+                    <a:lumMod val="65000"/>
+                    <a:lumOff val="35000"/>
+                  </a:schemeClr>
+                </a:solidFill>
+              </a:rPr>
+              <a:t>(Logic Gate)</a:t>
+            </a:r>
+            <a:r>
+              <a:rPr lang="ko-KR" altLang="en-US" sz="2000" b="1" dirty="0">
+                <a:solidFill>
+                  <a:schemeClr val="tx1">
+                    <a:lumMod val="65000"/>
+                    <a:lumOff val="35000"/>
+                  </a:schemeClr>
+                </a:solidFill>
+              </a:rPr>
+              <a:t>는 하나 이상의 논리적 </a:t>
+            </a:r>
+            <a:r>
+              <a:rPr lang="ko-KR" altLang="en-US" sz="2000" b="1" dirty="0" err="1">
+                <a:solidFill>
+                  <a:schemeClr val="tx1">
+                    <a:lumMod val="65000"/>
+                    <a:lumOff val="35000"/>
+                  </a:schemeClr>
+                </a:solidFill>
+              </a:rPr>
+              <a:t>입력값에</a:t>
+            </a:r>
+            <a:r>
+              <a:rPr lang="ko-KR" altLang="en-US" sz="2000" b="1" dirty="0">
+                <a:solidFill>
+                  <a:schemeClr val="tx1">
+                    <a:lumMod val="65000"/>
+                    <a:lumOff val="35000"/>
+                  </a:schemeClr>
+                </a:solidFill>
+              </a:rPr>
+              <a:t> 대해 논리 연산을 수행하여 하나의 논리적 </a:t>
+            </a:r>
+            <a:r>
+              <a:rPr lang="ko-KR" altLang="en-US" sz="2000" b="1" dirty="0" err="1">
+                <a:solidFill>
+                  <a:schemeClr val="tx1">
+                    <a:lumMod val="65000"/>
+                    <a:lumOff val="35000"/>
+                  </a:schemeClr>
+                </a:solidFill>
+              </a:rPr>
+              <a:t>출력값을</a:t>
+            </a:r>
+            <a:r>
+              <a:rPr lang="ko-KR" altLang="en-US" sz="2000" b="1" dirty="0">
+                <a:solidFill>
+                  <a:schemeClr val="tx1">
+                    <a:lumMod val="65000"/>
+                    <a:lumOff val="35000"/>
+                  </a:schemeClr>
+                </a:solidFill>
+              </a:rPr>
+              <a:t> 얻는 전자회로를 뜻한다</a:t>
+            </a:r>
+            <a:r>
+              <a:rPr lang="en-US" altLang="ko-KR" sz="2000" b="1" dirty="0">
+                <a:solidFill>
+                  <a:schemeClr val="tx1">
+                    <a:lumMod val="65000"/>
+                    <a:lumOff val="35000"/>
+                  </a:schemeClr>
+                </a:solidFill>
+              </a:rPr>
+              <a:t>. </a:t>
+            </a:r>
+          </a:p>
+          <a:p>
+            <a:pPr marL="285750" indent="-285750">
+              <a:buFont typeface="Arial" panose="020B0604020202020204" pitchFamily="34" charset="0"/>
+              <a:buChar char="•"/>
+            </a:pPr>
+            <a:endParaRPr lang="en-US" altLang="ko-KR" sz="2000" b="1" dirty="0">
+              <a:solidFill>
+                <a:schemeClr val="tx1">
+                  <a:lumMod val="65000"/>
+                  <a:lumOff val="35000"/>
+                </a:schemeClr>
+              </a:solidFill>
+            </a:endParaRPr>
+          </a:p>
+          <a:p>
+            <a:pPr marL="285750" indent="-285750">
+              <a:buFont typeface="Arial" panose="020B0604020202020204" pitchFamily="34" charset="0"/>
+              <a:buChar char="•"/>
+            </a:pPr>
+            <a:endParaRPr lang="en-US" altLang="ko-KR" sz="2000" b="1" dirty="0">
+              <a:solidFill>
+                <a:schemeClr val="tx1">
+                  <a:lumMod val="65000"/>
+                  <a:lumOff val="35000"/>
+                </a:schemeClr>
+              </a:solidFill>
+            </a:endParaRPr>
+          </a:p>
+          <a:p>
+            <a:pPr marL="285750" indent="-285750">
+              <a:buFont typeface="Arial" panose="020B0604020202020204" pitchFamily="34" charset="0"/>
+              <a:buChar char="•"/>
+            </a:pPr>
+            <a:r>
+              <a:rPr lang="en-US" altLang="ko-KR" sz="2000" b="1" dirty="0">
+                <a:solidFill>
+                  <a:schemeClr val="tx1">
+                    <a:lumMod val="65000"/>
+                    <a:lumOff val="35000"/>
+                  </a:schemeClr>
+                </a:solidFill>
+              </a:rPr>
+              <a:t>AND, OR, NOT </a:t>
+            </a:r>
+            <a:r>
+              <a:rPr lang="ko-KR" altLang="en-US" sz="2000" b="1" dirty="0">
+                <a:solidFill>
+                  <a:schemeClr val="tx1">
+                    <a:lumMod val="65000"/>
+                    <a:lumOff val="35000"/>
+                  </a:schemeClr>
+                </a:solidFill>
+              </a:rPr>
+              <a:t>이 기본 논리이며 이것들을 조합해서 다양한 표현이 가능하다</a:t>
+            </a:r>
+            <a:r>
+              <a:rPr lang="en-US" altLang="ko-KR" sz="2000" b="1" dirty="0">
+                <a:solidFill>
+                  <a:schemeClr val="tx1">
+                    <a:lumMod val="65000"/>
+                    <a:lumOff val="35000"/>
+                  </a:schemeClr>
+                </a:solidFill>
+              </a:rPr>
+              <a:t>. </a:t>
+            </a:r>
+          </a:p>
+        </p:txBody>
+      </p:sp>
+    </p:spTree>
+    <p:extLst>
+      <p:ext uri="{BB962C8B-B14F-4D97-AF65-F5344CB8AC3E}">
+        <p14:creationId xmlns:p14="http://schemas.microsoft.com/office/powerpoint/2010/main" val="336365404"/>
+      </p:ext>
+    </p:extLst>
+  </p:cSld>
+  <p:clrMapOvr>
+    <a:masterClrMapping/>
+  </p:clrMapOvr>
+</p:sld>
+</file>
+
+<file path=ppt/slides/slide7.xml><?xml version="1.0" encoding="utf-8"?>
+<p:sld xmlns:a="http://schemas.openxmlformats.org/drawingml/2006/main" xmlns:r="http://schemas.openxmlformats.org/officeDocument/2006/relationships" xmlns:p="http://schemas.openxmlformats.org/presentationml/2006/main">
+  <p:cSld>
+    <p:spTree>
+      <p:nvGrpSpPr>
+        <p:cNvPr id="1" name=""/>
+        <p:cNvGrpSpPr/>
+        <p:nvPr/>
+      </p:nvGrpSpPr>
+      <p:grpSpPr>
+        <a:xfrm>
+          <a:off x="0" y="0"/>
+          <a:ext cx="0" cy="0"/>
+          <a:chOff x="0" y="0"/>
+          <a:chExt cx="0" cy="0"/>
+        </a:xfrm>
+      </p:grpSpPr>
+      <p:sp>
+        <p:nvSpPr>
+          <p:cNvPr id="4" name="날짜 개체 틀 3">
+            <a:extLst>
+              <a:ext uri="{FF2B5EF4-FFF2-40B4-BE49-F238E27FC236}">
+                <a16:creationId xmlns:a16="http://schemas.microsoft.com/office/drawing/2014/main" id="{96EB53D3-8572-4237-B28C-28CB40308C40}"/>
+              </a:ext>
+            </a:extLst>
+          </p:cNvPr>
+          <p:cNvSpPr>
+            <a:spLocks noGrp="1"/>
+          </p:cNvSpPr>
+          <p:nvPr>
+            <p:ph type="dt" sz="half" idx="10"/>
+          </p:nvPr>
+        </p:nvSpPr>
+        <p:spPr>
+          <a:xfrm>
+            <a:off x="141514" y="6356350"/>
+            <a:ext cx="2743200" cy="365125"/>
+          </a:xfrm>
+        </p:spPr>
+        <p:txBody>
+          <a:bodyPr/>
+          <a:lstStyle/>
+          <a:p>
+            <a:fld id="{0303D7D5-FAC8-4B75-A637-D564180CD715}" type="datetime1">
+              <a:rPr lang="ko-KR" altLang="en-US" sz="1000" smtClean="0"/>
+              <a:t>2023-06-07</a:t>
+            </a:fld>
+            <a:endParaRPr lang="ko-KR" altLang="en-US" sz="1000" dirty="0"/>
+          </a:p>
+        </p:txBody>
+      </p:sp>
+      <p:sp>
+        <p:nvSpPr>
+          <p:cNvPr id="6" name="슬라이드 번호 개체 틀 5">
+            <a:extLst>
+              <a:ext uri="{FF2B5EF4-FFF2-40B4-BE49-F238E27FC236}">
+                <a16:creationId xmlns:a16="http://schemas.microsoft.com/office/drawing/2014/main" id="{6E93A4FF-EE48-4AD7-B7EF-105B8CE4CD9F}"/>
+              </a:ext>
+            </a:extLst>
+          </p:cNvPr>
+          <p:cNvSpPr>
+            <a:spLocks noGrp="1"/>
+          </p:cNvSpPr>
+          <p:nvPr>
+            <p:ph type="sldNum" sz="quarter" idx="12"/>
+          </p:nvPr>
+        </p:nvSpPr>
+        <p:spPr/>
+        <p:txBody>
+          <a:bodyPr/>
+          <a:lstStyle/>
+          <a:p>
+            <a:fld id="{77D8DCB6-DE77-432F-867E-17030BC60D58}" type="slidenum">
+              <a:rPr lang="ko-KR" altLang="en-US" smtClean="0"/>
+              <a:t>7</a:t>
+            </a:fld>
+            <a:endParaRPr lang="ko-KR" altLang="en-US"/>
+          </a:p>
+        </p:txBody>
+      </p:sp>
+      <p:cxnSp>
+        <p:nvCxnSpPr>
+          <p:cNvPr id="8" name="직선 연결선 7">
+            <a:extLst>
+              <a:ext uri="{FF2B5EF4-FFF2-40B4-BE49-F238E27FC236}">
+                <a16:creationId xmlns:a16="http://schemas.microsoft.com/office/drawing/2014/main" id="{D1F8D6B6-3C71-480C-BFAD-599210C64964}"/>
+              </a:ext>
+            </a:extLst>
+          </p:cNvPr>
+          <p:cNvCxnSpPr>
+            <a:cxnSpLocks/>
+          </p:cNvCxnSpPr>
+          <p:nvPr/>
+        </p:nvCxnSpPr>
+        <p:spPr>
+          <a:xfrm>
+            <a:off x="513806" y="1138535"/>
+            <a:ext cx="10978016" cy="0"/>
+          </a:xfrm>
+          <a:prstGeom prst="line">
+            <a:avLst/>
+          </a:prstGeom>
+          <a:ln w="28575">
+            <a:solidFill>
+              <a:srgbClr val="A80000"/>
+            </a:solidFill>
+          </a:ln>
+        </p:spPr>
+        <p:style>
+          <a:lnRef idx="1">
+            <a:schemeClr val="accent1"/>
+          </a:lnRef>
+          <a:fillRef idx="0">
+            <a:schemeClr val="accent1"/>
+          </a:fillRef>
+          <a:effectRef idx="0">
+            <a:schemeClr val="accent1"/>
+          </a:effectRef>
+          <a:fontRef idx="minor">
+            <a:schemeClr val="tx1"/>
+          </a:fontRef>
+        </p:style>
+      </p:cxnSp>
+      <p:sp>
+        <p:nvSpPr>
+          <p:cNvPr id="9" name="TextBox 8">
+            <a:extLst>
+              <a:ext uri="{FF2B5EF4-FFF2-40B4-BE49-F238E27FC236}">
+                <a16:creationId xmlns:a16="http://schemas.microsoft.com/office/drawing/2014/main" id="{85E2DDDA-35AB-489C-8A37-0A056738B5CD}"/>
+              </a:ext>
+            </a:extLst>
+          </p:cNvPr>
+          <p:cNvSpPr txBox="1"/>
+          <p:nvPr/>
+        </p:nvSpPr>
+        <p:spPr>
+          <a:xfrm>
+            <a:off x="513806" y="576645"/>
+            <a:ext cx="3524794" cy="523220"/>
+          </a:xfrm>
+          <a:prstGeom prst="rect">
+            <a:avLst/>
+          </a:prstGeom>
+          <a:noFill/>
+        </p:spPr>
+        <p:txBody>
+          <a:bodyPr wrap="square" rtlCol="0">
+            <a:spAutoFit/>
+          </a:bodyPr>
+          <a:lstStyle/>
+          <a:p>
+            <a:r>
+              <a:rPr lang="en-US" altLang="ko-KR" sz="2800" b="1" dirty="0">
+                <a:solidFill>
+                  <a:schemeClr val="tx1">
+                    <a:lumMod val="65000"/>
+                    <a:lumOff val="35000"/>
+                  </a:schemeClr>
+                </a:solidFill>
+              </a:rPr>
+              <a:t>2. Logic Gate</a:t>
+            </a:r>
+            <a:endParaRPr lang="ko-KR" altLang="en-US" sz="2800" b="1" dirty="0">
+              <a:solidFill>
+                <a:schemeClr val="tx1">
+                  <a:lumMod val="65000"/>
+                  <a:lumOff val="35000"/>
+                </a:schemeClr>
+              </a:solidFill>
+            </a:endParaRPr>
+          </a:p>
+        </p:txBody>
+      </p:sp>
+      <p:pic>
+        <p:nvPicPr>
+          <p:cNvPr id="5" name="그림 4">
+            <a:extLst>
+              <a:ext uri="{FF2B5EF4-FFF2-40B4-BE49-F238E27FC236}">
+                <a16:creationId xmlns:a16="http://schemas.microsoft.com/office/drawing/2014/main" id="{43AF5C54-337A-BAF4-178F-51DB8ED559BD}"/>
+              </a:ext>
+            </a:extLst>
+          </p:cNvPr>
+          <p:cNvPicPr>
+            <a:picLocks noChangeAspect="1"/>
+          </p:cNvPicPr>
+          <p:nvPr/>
+        </p:nvPicPr>
+        <p:blipFill>
+          <a:blip r:embed="rId2">
+            <a:extLst>
+              <a:ext uri="{28A0092B-C50C-407E-A947-70E740481C1C}">
+                <a14:useLocalDpi xmlns:a14="http://schemas.microsoft.com/office/drawing/2010/main" val="0"/>
+              </a:ext>
+            </a:extLst>
+          </a:blip>
+          <a:stretch>
+            <a:fillRect/>
+          </a:stretch>
+        </p:blipFill>
+        <p:spPr>
+          <a:xfrm>
+            <a:off x="688222" y="2268016"/>
+            <a:ext cx="3240000" cy="2280001"/>
+          </a:xfrm>
+          <a:prstGeom prst="rect">
+            <a:avLst/>
+          </a:prstGeom>
+        </p:spPr>
+      </p:pic>
+      <p:pic>
+        <p:nvPicPr>
+          <p:cNvPr id="10" name="그림 9">
+            <a:extLst>
+              <a:ext uri="{FF2B5EF4-FFF2-40B4-BE49-F238E27FC236}">
+                <a16:creationId xmlns:a16="http://schemas.microsoft.com/office/drawing/2014/main" id="{6F34E1FF-2E3D-C3FB-1BEF-D2D27EEF5EBC}"/>
+              </a:ext>
+            </a:extLst>
+          </p:cNvPr>
+          <p:cNvPicPr>
+            <a:picLocks noChangeAspect="1"/>
+          </p:cNvPicPr>
+          <p:nvPr/>
+        </p:nvPicPr>
+        <p:blipFill>
+          <a:blip r:embed="rId3">
+            <a:extLst>
+              <a:ext uri="{28A0092B-C50C-407E-A947-70E740481C1C}">
+                <a14:useLocalDpi xmlns:a14="http://schemas.microsoft.com/office/drawing/2010/main" val="0"/>
+              </a:ext>
+            </a:extLst>
+          </a:blip>
+          <a:stretch>
+            <a:fillRect/>
+          </a:stretch>
+        </p:blipFill>
+        <p:spPr>
+          <a:xfrm>
+            <a:off x="4470022" y="2266438"/>
+            <a:ext cx="3240000" cy="2283157"/>
+          </a:xfrm>
+          <a:prstGeom prst="rect">
+            <a:avLst/>
+          </a:prstGeom>
+        </p:spPr>
+      </p:pic>
+      <p:pic>
+        <p:nvPicPr>
+          <p:cNvPr id="12" name="그림 11">
+            <a:extLst>
+              <a:ext uri="{FF2B5EF4-FFF2-40B4-BE49-F238E27FC236}">
+                <a16:creationId xmlns:a16="http://schemas.microsoft.com/office/drawing/2014/main" id="{E7495677-D57A-9C2C-DBEF-F6E408180B8F}"/>
+              </a:ext>
+            </a:extLst>
+          </p:cNvPr>
+          <p:cNvPicPr>
+            <a:picLocks noChangeAspect="1"/>
+          </p:cNvPicPr>
+          <p:nvPr/>
+        </p:nvPicPr>
+        <p:blipFill>
+          <a:blip r:embed="rId4">
+            <a:extLst>
+              <a:ext uri="{28A0092B-C50C-407E-A947-70E740481C1C}">
+                <a14:useLocalDpi xmlns:a14="http://schemas.microsoft.com/office/drawing/2010/main" val="0"/>
+              </a:ext>
+            </a:extLst>
+          </a:blip>
+          <a:stretch>
+            <a:fillRect/>
+          </a:stretch>
+        </p:blipFill>
+        <p:spPr>
+          <a:xfrm>
+            <a:off x="8251822" y="2309983"/>
+            <a:ext cx="3240000" cy="2238034"/>
+          </a:xfrm>
+          <a:prstGeom prst="rect">
+            <a:avLst/>
+          </a:prstGeom>
+        </p:spPr>
+      </p:pic>
+      <p:sp>
+        <p:nvSpPr>
+          <p:cNvPr id="15" name="TextBox 14">
+            <a:extLst>
+              <a:ext uri="{FF2B5EF4-FFF2-40B4-BE49-F238E27FC236}">
+                <a16:creationId xmlns:a16="http://schemas.microsoft.com/office/drawing/2014/main" id="{700B308F-79D9-2AF1-B3E4-C76192D2AD07}"/>
+              </a:ext>
+            </a:extLst>
+          </p:cNvPr>
+          <p:cNvSpPr txBox="1"/>
+          <p:nvPr/>
+        </p:nvSpPr>
+        <p:spPr>
+          <a:xfrm>
+            <a:off x="1410441" y="4756826"/>
+            <a:ext cx="1731524" cy="369332"/>
+          </a:xfrm>
+          <a:prstGeom prst="rect">
+            <a:avLst/>
+          </a:prstGeom>
+          <a:noFill/>
+        </p:spPr>
+        <p:txBody>
+          <a:bodyPr wrap="square" rtlCol="0">
+            <a:spAutoFit/>
+          </a:bodyPr>
+          <a:lstStyle/>
+          <a:p>
+            <a:pPr algn="ctr"/>
+            <a:r>
+              <a:rPr lang="en-US" b="1" dirty="0"/>
+              <a:t>AND</a:t>
+            </a:r>
+          </a:p>
+        </p:txBody>
+      </p:sp>
+      <p:sp>
+        <p:nvSpPr>
+          <p:cNvPr id="16" name="TextBox 15">
+            <a:extLst>
+              <a:ext uri="{FF2B5EF4-FFF2-40B4-BE49-F238E27FC236}">
+                <a16:creationId xmlns:a16="http://schemas.microsoft.com/office/drawing/2014/main" id="{E0CF1A4C-B598-E37D-6692-0575958239A5}"/>
+              </a:ext>
+            </a:extLst>
+          </p:cNvPr>
+          <p:cNvSpPr txBox="1"/>
+          <p:nvPr/>
+        </p:nvSpPr>
+        <p:spPr>
+          <a:xfrm>
+            <a:off x="9006060" y="4756826"/>
+            <a:ext cx="1731524" cy="369332"/>
+          </a:xfrm>
+          <a:prstGeom prst="rect">
+            <a:avLst/>
+          </a:prstGeom>
+          <a:noFill/>
+        </p:spPr>
+        <p:txBody>
+          <a:bodyPr wrap="square" rtlCol="0">
+            <a:spAutoFit/>
+          </a:bodyPr>
+          <a:lstStyle/>
+          <a:p>
+            <a:pPr algn="ctr"/>
+            <a:r>
+              <a:rPr lang="en-US" b="1" dirty="0"/>
+              <a:t>OR</a:t>
+            </a:r>
+          </a:p>
+        </p:txBody>
+      </p:sp>
+      <p:sp>
+        <p:nvSpPr>
+          <p:cNvPr id="17" name="TextBox 16">
+            <a:extLst>
+              <a:ext uri="{FF2B5EF4-FFF2-40B4-BE49-F238E27FC236}">
+                <a16:creationId xmlns:a16="http://schemas.microsoft.com/office/drawing/2014/main" id="{D5055AA1-7032-83FD-AA68-73B46B97275E}"/>
+              </a:ext>
+            </a:extLst>
+          </p:cNvPr>
+          <p:cNvSpPr txBox="1"/>
+          <p:nvPr/>
+        </p:nvSpPr>
+        <p:spPr>
+          <a:xfrm>
+            <a:off x="5137052" y="4756826"/>
+            <a:ext cx="1731524" cy="369332"/>
+          </a:xfrm>
+          <a:prstGeom prst="rect">
+            <a:avLst/>
+          </a:prstGeom>
+          <a:noFill/>
+        </p:spPr>
+        <p:txBody>
+          <a:bodyPr wrap="square" rtlCol="0">
+            <a:spAutoFit/>
+          </a:bodyPr>
+          <a:lstStyle/>
+          <a:p>
+            <a:pPr algn="ctr"/>
+            <a:r>
+              <a:rPr lang="en-US" b="1" dirty="0"/>
+              <a:t>NAND</a:t>
+            </a:r>
+          </a:p>
+        </p:txBody>
+      </p:sp>
+    </p:spTree>
+    <p:extLst>
+      <p:ext uri="{BB962C8B-B14F-4D97-AF65-F5344CB8AC3E}">
+        <p14:creationId xmlns:p14="http://schemas.microsoft.com/office/powerpoint/2010/main" val="3236820678"/>
+      </p:ext>
+    </p:extLst>
+  </p:cSld>
+  <p:clrMapOvr>
+    <a:masterClrMapping/>
+  </p:clrMapOvr>
+</p:sld>
+</file>
+
+<file path=ppt/slides/slide8.xml><?xml version="1.0" encoding="utf-8"?>
+<p:sld xmlns:a="http://schemas.openxmlformats.org/drawingml/2006/main" xmlns:r="http://schemas.openxmlformats.org/officeDocument/2006/relationships" xmlns:p="http://schemas.openxmlformats.org/presentationml/2006/main">
+  <p:cSld>
+    <p:spTree>
+      <p:nvGrpSpPr>
+        <p:cNvPr id="1" name=""/>
+        <p:cNvGrpSpPr/>
+        <p:nvPr/>
+      </p:nvGrpSpPr>
+      <p:grpSpPr>
+        <a:xfrm>
+          <a:off x="0" y="0"/>
+          <a:ext cx="0" cy="0"/>
+          <a:chOff x="0" y="0"/>
+          <a:chExt cx="0" cy="0"/>
+        </a:xfrm>
+      </p:grpSpPr>
+      <p:sp>
+        <p:nvSpPr>
+          <p:cNvPr id="4" name="날짜 개체 틀 3">
+            <a:extLst>
+              <a:ext uri="{FF2B5EF4-FFF2-40B4-BE49-F238E27FC236}">
+                <a16:creationId xmlns:a16="http://schemas.microsoft.com/office/drawing/2014/main" id="{96EB53D3-8572-4237-B28C-28CB40308C40}"/>
+              </a:ext>
+            </a:extLst>
+          </p:cNvPr>
+          <p:cNvSpPr>
+            <a:spLocks noGrp="1"/>
+          </p:cNvSpPr>
+          <p:nvPr>
+            <p:ph type="dt" sz="half" idx="10"/>
+          </p:nvPr>
+        </p:nvSpPr>
+        <p:spPr>
+          <a:xfrm>
+            <a:off x="141514" y="6356350"/>
+            <a:ext cx="2743200" cy="365125"/>
+          </a:xfrm>
+        </p:spPr>
+        <p:txBody>
+          <a:bodyPr/>
+          <a:lstStyle/>
+          <a:p>
+            <a:fld id="{0303D7D5-FAC8-4B75-A637-D564180CD715}" type="datetime1">
+              <a:rPr lang="ko-KR" altLang="en-US" sz="1000" smtClean="0"/>
+              <a:t>2023-06-07</a:t>
+            </a:fld>
+            <a:endParaRPr lang="ko-KR" altLang="en-US" sz="1000" dirty="0"/>
+          </a:p>
+        </p:txBody>
+      </p:sp>
+      <p:sp>
+        <p:nvSpPr>
+          <p:cNvPr id="6" name="슬라이드 번호 개체 틀 5">
+            <a:extLst>
+              <a:ext uri="{FF2B5EF4-FFF2-40B4-BE49-F238E27FC236}">
+                <a16:creationId xmlns:a16="http://schemas.microsoft.com/office/drawing/2014/main" id="{6E93A4FF-EE48-4AD7-B7EF-105B8CE4CD9F}"/>
+              </a:ext>
+            </a:extLst>
+          </p:cNvPr>
+          <p:cNvSpPr>
+            <a:spLocks noGrp="1"/>
+          </p:cNvSpPr>
+          <p:nvPr>
+            <p:ph type="sldNum" sz="quarter" idx="12"/>
+          </p:nvPr>
+        </p:nvSpPr>
+        <p:spPr/>
+        <p:txBody>
+          <a:bodyPr/>
+          <a:lstStyle/>
+          <a:p>
+            <a:fld id="{77D8DCB6-DE77-432F-867E-17030BC60D58}" type="slidenum">
+              <a:rPr lang="ko-KR" altLang="en-US" smtClean="0"/>
+              <a:t>8</a:t>
+            </a:fld>
+            <a:endParaRPr lang="ko-KR" altLang="en-US"/>
+          </a:p>
+        </p:txBody>
+      </p:sp>
+      <p:cxnSp>
+        <p:nvCxnSpPr>
+          <p:cNvPr id="8" name="직선 연결선 7">
+            <a:extLst>
+              <a:ext uri="{FF2B5EF4-FFF2-40B4-BE49-F238E27FC236}">
+                <a16:creationId xmlns:a16="http://schemas.microsoft.com/office/drawing/2014/main" id="{D1F8D6B6-3C71-480C-BFAD-599210C64964}"/>
+              </a:ext>
+            </a:extLst>
+          </p:cNvPr>
+          <p:cNvCxnSpPr>
+            <a:cxnSpLocks/>
+          </p:cNvCxnSpPr>
+          <p:nvPr/>
+        </p:nvCxnSpPr>
+        <p:spPr>
+          <a:xfrm>
+            <a:off x="513806" y="1138535"/>
+            <a:ext cx="10978016" cy="0"/>
+          </a:xfrm>
+          <a:prstGeom prst="line">
+            <a:avLst/>
+          </a:prstGeom>
+          <a:ln w="28575">
+            <a:solidFill>
+              <a:srgbClr val="A80000"/>
+            </a:solidFill>
+          </a:ln>
+        </p:spPr>
+        <p:style>
+          <a:lnRef idx="1">
+            <a:schemeClr val="accent1"/>
+          </a:lnRef>
+          <a:fillRef idx="0">
+            <a:schemeClr val="accent1"/>
+          </a:fillRef>
+          <a:effectRef idx="0">
+            <a:schemeClr val="accent1"/>
+          </a:effectRef>
+          <a:fontRef idx="minor">
+            <a:schemeClr val="tx1"/>
+          </a:fontRef>
+        </p:style>
+      </p:cxnSp>
+      <p:sp>
+        <p:nvSpPr>
+          <p:cNvPr id="9" name="TextBox 8">
+            <a:extLst>
+              <a:ext uri="{FF2B5EF4-FFF2-40B4-BE49-F238E27FC236}">
+                <a16:creationId xmlns:a16="http://schemas.microsoft.com/office/drawing/2014/main" id="{85E2DDDA-35AB-489C-8A37-0A056738B5CD}"/>
+              </a:ext>
+            </a:extLst>
+          </p:cNvPr>
+          <p:cNvSpPr txBox="1"/>
+          <p:nvPr/>
+        </p:nvSpPr>
+        <p:spPr>
+          <a:xfrm>
+            <a:off x="513805" y="576645"/>
+            <a:ext cx="4953139" cy="523220"/>
+          </a:xfrm>
+          <a:prstGeom prst="rect">
+            <a:avLst/>
+          </a:prstGeom>
+          <a:noFill/>
+        </p:spPr>
+        <p:txBody>
+          <a:bodyPr wrap="square" rtlCol="0">
+            <a:spAutoFit/>
+          </a:bodyPr>
+          <a:lstStyle/>
+          <a:p>
+            <a:r>
+              <a:rPr lang="en-US" altLang="ko-KR" sz="2800" b="1" dirty="0">
+                <a:solidFill>
+                  <a:schemeClr val="tx1">
+                    <a:lumMod val="65000"/>
+                    <a:lumOff val="35000"/>
+                  </a:schemeClr>
+                </a:solidFill>
+              </a:rPr>
+              <a:t>3. Perceptron Implement</a:t>
+            </a:r>
+            <a:endParaRPr lang="ko-KR" altLang="en-US" sz="2800" b="1" dirty="0">
+              <a:solidFill>
+                <a:schemeClr val="tx1">
+                  <a:lumMod val="65000"/>
+                  <a:lumOff val="35000"/>
+                </a:schemeClr>
+              </a:solidFill>
+            </a:endParaRPr>
+          </a:p>
+        </p:txBody>
+      </p:sp>
+      <p:sp>
+        <p:nvSpPr>
+          <p:cNvPr id="3" name="TextBox 2">
+            <a:extLst>
+              <a:ext uri="{FF2B5EF4-FFF2-40B4-BE49-F238E27FC236}">
+                <a16:creationId xmlns:a16="http://schemas.microsoft.com/office/drawing/2014/main" id="{D603CCB4-ACB5-F02F-EF78-87D53658E441}"/>
+              </a:ext>
+            </a:extLst>
+          </p:cNvPr>
+          <p:cNvSpPr txBox="1"/>
+          <p:nvPr/>
+        </p:nvSpPr>
+        <p:spPr>
+          <a:xfrm>
+            <a:off x="727699" y="1611893"/>
+            <a:ext cx="10550230" cy="1015663"/>
+          </a:xfrm>
+          <a:prstGeom prst="rect">
+            <a:avLst/>
+          </a:prstGeom>
+          <a:noFill/>
+        </p:spPr>
+        <p:txBody>
+          <a:bodyPr wrap="square" rtlCol="0">
+            <a:spAutoFit/>
+          </a:bodyPr>
+          <a:lstStyle/>
+          <a:p>
+            <a:pPr marL="285750" indent="-285750">
+              <a:buFont typeface="Arial" panose="020B0604020202020204" pitchFamily="34" charset="0"/>
+              <a:buChar char="•"/>
+            </a:pPr>
+            <a:r>
+              <a:rPr lang="ko-KR" altLang="en-US" sz="2000" b="1" dirty="0">
+                <a:solidFill>
+                  <a:schemeClr val="tx1">
+                    <a:lumMod val="65000"/>
+                    <a:lumOff val="35000"/>
+                  </a:schemeClr>
+                </a:solidFill>
+              </a:rPr>
+              <a:t>앞서 나온 </a:t>
+            </a:r>
+            <a:r>
+              <a:rPr lang="en-US" altLang="ko-KR" sz="2000" b="1" dirty="0">
+                <a:solidFill>
+                  <a:schemeClr val="tx1">
+                    <a:lumMod val="65000"/>
+                    <a:lumOff val="35000"/>
+                  </a:schemeClr>
+                </a:solidFill>
+              </a:rPr>
+              <a:t>AND, OR, NAND </a:t>
+            </a:r>
+            <a:r>
+              <a:rPr lang="ko-KR" altLang="en-US" sz="2000" b="1" dirty="0">
+                <a:solidFill>
+                  <a:schemeClr val="tx1">
+                    <a:lumMod val="65000"/>
+                    <a:lumOff val="35000"/>
+                  </a:schemeClr>
+                </a:solidFill>
+              </a:rPr>
+              <a:t>게이트를 </a:t>
+            </a:r>
+            <a:r>
+              <a:rPr lang="ko-KR" altLang="en-US" sz="2000" b="1" dirty="0" err="1">
+                <a:solidFill>
+                  <a:schemeClr val="tx1">
+                    <a:lumMod val="65000"/>
+                    <a:lumOff val="35000"/>
+                  </a:schemeClr>
+                </a:solidFill>
+              </a:rPr>
+              <a:t>퍼셉트론으로</a:t>
+            </a:r>
+            <a:r>
+              <a:rPr lang="ko-KR" altLang="en-US" sz="2000" b="1" dirty="0">
+                <a:solidFill>
+                  <a:schemeClr val="tx1">
+                    <a:lumMod val="65000"/>
+                    <a:lumOff val="35000"/>
+                  </a:schemeClr>
+                </a:solidFill>
+              </a:rPr>
+              <a:t> 구현이 가능하다</a:t>
+            </a:r>
+            <a:r>
+              <a:rPr lang="en-US" altLang="ko-KR" sz="2000" b="1" dirty="0">
+                <a:solidFill>
+                  <a:schemeClr val="tx1">
+                    <a:lumMod val="65000"/>
+                    <a:lumOff val="35000"/>
+                  </a:schemeClr>
+                </a:solidFill>
+              </a:rPr>
+              <a:t>.</a:t>
+            </a:r>
+          </a:p>
+          <a:p>
+            <a:pPr marL="285750" indent="-285750">
+              <a:buFont typeface="Arial" panose="020B0604020202020204" pitchFamily="34" charset="0"/>
+              <a:buChar char="•"/>
+            </a:pPr>
+            <a:endParaRPr lang="en-US" altLang="ko-KR" sz="2000" b="1" dirty="0">
+              <a:solidFill>
+                <a:schemeClr val="tx1">
+                  <a:lumMod val="65000"/>
+                  <a:lumOff val="35000"/>
+                </a:schemeClr>
+              </a:solidFill>
+            </a:endParaRPr>
+          </a:p>
+          <a:p>
+            <a:pPr marL="285750" indent="-285750">
+              <a:buFont typeface="Arial" panose="020B0604020202020204" pitchFamily="34" charset="0"/>
+              <a:buChar char="•"/>
+            </a:pPr>
+            <a:endParaRPr lang="en-US" altLang="ko-KR" sz="2000" b="1" dirty="0">
+              <a:solidFill>
+                <a:schemeClr val="tx1">
+                  <a:lumMod val="65000"/>
+                  <a:lumOff val="35000"/>
+                </a:schemeClr>
+              </a:solidFill>
+            </a:endParaRPr>
+          </a:p>
+        </p:txBody>
+      </p:sp>
+    </p:spTree>
+    <p:extLst>
+      <p:ext uri="{BB962C8B-B14F-4D97-AF65-F5344CB8AC3E}">
+        <p14:creationId xmlns:p14="http://schemas.microsoft.com/office/powerpoint/2010/main" val="2259825360"/>
+      </p:ext>
+    </p:extLst>
+  </p:cSld>
+  <p:clrMapOvr>
+    <a:masterClrMapping/>
+  </p:clrMapOvr>
+</p:sld>
+</file>
+
+<file path=ppt/slides/slide9.xml><?xml version="1.0" encoding="utf-8"?>
+<p:sld xmlns:a="http://schemas.openxmlformats.org/drawingml/2006/main" xmlns:r="http://schemas.openxmlformats.org/officeDocument/2006/relationships" xmlns:p="http://schemas.openxmlformats.org/presentationml/2006/main">
+  <p:cSld>
+    <p:spTree>
+      <p:nvGrpSpPr>
+        <p:cNvPr id="1" name=""/>
+        <p:cNvGrpSpPr/>
+        <p:nvPr/>
+      </p:nvGrpSpPr>
+      <p:grpSpPr>
+        <a:xfrm>
+          <a:off x="0" y="0"/>
+          <a:ext cx="0" cy="0"/>
+          <a:chOff x="0" y="0"/>
+          <a:chExt cx="0" cy="0"/>
+        </a:xfrm>
+      </p:grpSpPr>
+      <p:sp>
+        <p:nvSpPr>
+          <p:cNvPr id="4" name="날짜 개체 틀 3">
+            <a:extLst>
+              <a:ext uri="{FF2B5EF4-FFF2-40B4-BE49-F238E27FC236}">
+                <a16:creationId xmlns:a16="http://schemas.microsoft.com/office/drawing/2014/main" id="{96EB53D3-8572-4237-B28C-28CB40308C40}"/>
+              </a:ext>
+            </a:extLst>
+          </p:cNvPr>
+          <p:cNvSpPr>
+            <a:spLocks noGrp="1"/>
+          </p:cNvSpPr>
+          <p:nvPr>
+            <p:ph type="dt" sz="half" idx="10"/>
+          </p:nvPr>
+        </p:nvSpPr>
+        <p:spPr>
+          <a:xfrm>
+            <a:off x="141514" y="6356350"/>
+            <a:ext cx="2743200" cy="365125"/>
+          </a:xfrm>
+        </p:spPr>
+        <p:txBody>
+          <a:bodyPr/>
+          <a:lstStyle/>
+          <a:p>
+            <a:fld id="{0303D7D5-FAC8-4B75-A637-D564180CD715}" type="datetime1">
+              <a:rPr lang="ko-KR" altLang="en-US" sz="1000" smtClean="0"/>
+              <a:t>2023-06-07</a:t>
+            </a:fld>
+            <a:endParaRPr lang="ko-KR" altLang="en-US" sz="1000" dirty="0"/>
+          </a:p>
+        </p:txBody>
+      </p:sp>
+      <p:sp>
+        <p:nvSpPr>
+          <p:cNvPr id="6" name="슬라이드 번호 개체 틀 5">
+            <a:extLst>
+              <a:ext uri="{FF2B5EF4-FFF2-40B4-BE49-F238E27FC236}">
+                <a16:creationId xmlns:a16="http://schemas.microsoft.com/office/drawing/2014/main" id="{6E93A4FF-EE48-4AD7-B7EF-105B8CE4CD9F}"/>
+              </a:ext>
+            </a:extLst>
+          </p:cNvPr>
+          <p:cNvSpPr>
+            <a:spLocks noGrp="1"/>
+          </p:cNvSpPr>
+          <p:nvPr>
+            <p:ph type="sldNum" sz="quarter" idx="12"/>
+          </p:nvPr>
+        </p:nvSpPr>
+        <p:spPr/>
+        <p:txBody>
+          <a:bodyPr/>
+          <a:lstStyle/>
+          <a:p>
+            <a:fld id="{77D8DCB6-DE77-432F-867E-17030BC60D58}" type="slidenum">
+              <a:rPr lang="ko-KR" altLang="en-US" smtClean="0"/>
+              <a:t>9</a:t>
+            </a:fld>
+            <a:endParaRPr lang="ko-KR" altLang="en-US"/>
+          </a:p>
+        </p:txBody>
+      </p:sp>
+      <p:cxnSp>
+        <p:nvCxnSpPr>
+          <p:cNvPr id="8" name="직선 연결선 7">
+            <a:extLst>
+              <a:ext uri="{FF2B5EF4-FFF2-40B4-BE49-F238E27FC236}">
+                <a16:creationId xmlns:a16="http://schemas.microsoft.com/office/drawing/2014/main" id="{D1F8D6B6-3C71-480C-BFAD-599210C64964}"/>
+              </a:ext>
+            </a:extLst>
+          </p:cNvPr>
+          <p:cNvCxnSpPr>
+            <a:cxnSpLocks/>
+          </p:cNvCxnSpPr>
+          <p:nvPr/>
+        </p:nvCxnSpPr>
+        <p:spPr>
+          <a:xfrm>
+            <a:off x="513806" y="1138535"/>
+            <a:ext cx="10978016" cy="0"/>
+          </a:xfrm>
+          <a:prstGeom prst="line">
+            <a:avLst/>
+          </a:prstGeom>
+          <a:ln w="28575">
+            <a:solidFill>
+              <a:srgbClr val="A80000"/>
+            </a:solidFill>
+          </a:ln>
+        </p:spPr>
+        <p:style>
+          <a:lnRef idx="1">
+            <a:schemeClr val="accent1"/>
+          </a:lnRef>
+          <a:fillRef idx="0">
+            <a:schemeClr val="accent1"/>
+          </a:fillRef>
+          <a:effectRef idx="0">
+            <a:schemeClr val="accent1"/>
+          </a:effectRef>
+          <a:fontRef idx="minor">
+            <a:schemeClr val="tx1"/>
+          </a:fontRef>
+        </p:style>
+      </p:cxnSp>
+      <p:sp>
+        <p:nvSpPr>
+          <p:cNvPr id="2" name="TextBox 1">
+            <a:extLst>
+              <a:ext uri="{FF2B5EF4-FFF2-40B4-BE49-F238E27FC236}">
+                <a16:creationId xmlns:a16="http://schemas.microsoft.com/office/drawing/2014/main" id="{42C44CD5-A821-3F0D-9DCC-9081EB274BBC}"/>
+              </a:ext>
+            </a:extLst>
+          </p:cNvPr>
+          <p:cNvSpPr txBox="1"/>
+          <p:nvPr/>
+        </p:nvSpPr>
+        <p:spPr>
+          <a:xfrm>
+            <a:off x="513806" y="576645"/>
+            <a:ext cx="3524794" cy="523220"/>
+          </a:xfrm>
+          <a:prstGeom prst="rect">
+            <a:avLst/>
+          </a:prstGeom>
+          <a:noFill/>
+        </p:spPr>
+        <p:txBody>
+          <a:bodyPr wrap="square" rtlCol="0">
+            <a:spAutoFit/>
+          </a:bodyPr>
+          <a:lstStyle/>
+          <a:p>
+            <a:r>
+              <a:rPr lang="en-US" altLang="ko-KR" sz="2800" b="1" dirty="0">
+                <a:solidFill>
+                  <a:schemeClr val="tx1">
+                    <a:lumMod val="65000"/>
+                    <a:lumOff val="35000"/>
+                  </a:schemeClr>
+                </a:solidFill>
+              </a:rPr>
+              <a:t>Team Viewer</a:t>
+            </a:r>
+            <a:endParaRPr lang="ko-KR" altLang="en-US" sz="2800" b="1" dirty="0">
+              <a:solidFill>
+                <a:schemeClr val="tx1">
+                  <a:lumMod val="65000"/>
+                  <a:lumOff val="35000"/>
+                </a:schemeClr>
+              </a:solidFill>
+            </a:endParaRPr>
+          </a:p>
+        </p:txBody>
+      </p:sp>
+      <p:sp>
+        <p:nvSpPr>
+          <p:cNvPr id="3" name="TextBox 2">
+            <a:extLst>
+              <a:ext uri="{FF2B5EF4-FFF2-40B4-BE49-F238E27FC236}">
+                <a16:creationId xmlns:a16="http://schemas.microsoft.com/office/drawing/2014/main" id="{F18FD829-44F9-D01B-88F7-4608099462AE}"/>
+              </a:ext>
+            </a:extLst>
+          </p:cNvPr>
+          <p:cNvSpPr txBox="1"/>
+          <p:nvPr/>
+        </p:nvSpPr>
+        <p:spPr>
+          <a:xfrm>
+            <a:off x="1046514" y="1316708"/>
+            <a:ext cx="9916126" cy="4210896"/>
+          </a:xfrm>
+          <a:prstGeom prst="rect">
+            <a:avLst/>
+          </a:prstGeom>
+          <a:noFill/>
+        </p:spPr>
+        <p:txBody>
+          <a:bodyPr wrap="square" rtlCol="0">
+            <a:spAutoFit/>
+          </a:bodyPr>
+          <a:lstStyle/>
+          <a:p>
+            <a:pPr marL="285750" indent="-285750">
+              <a:buFont typeface="Arial" panose="020B0604020202020204" pitchFamily="34" charset="0"/>
+              <a:buChar char="•"/>
+            </a:pPr>
+            <a:r>
+              <a:rPr lang="ko-KR" altLang="en-US" sz="3000" b="1" dirty="0">
+                <a:solidFill>
+                  <a:schemeClr val="tx1">
+                    <a:lumMod val="65000"/>
+                    <a:lumOff val="35000"/>
+                  </a:schemeClr>
+                </a:solidFill>
+              </a:rPr>
+              <a:t>장점</a:t>
+            </a:r>
+            <a:endParaRPr lang="en-US" altLang="ko-KR" sz="3000" b="1" dirty="0">
+              <a:solidFill>
+                <a:schemeClr val="tx1">
+                  <a:lumMod val="65000"/>
+                  <a:lumOff val="35000"/>
+                </a:schemeClr>
+              </a:solidFill>
+            </a:endParaRPr>
+          </a:p>
+          <a:p>
+            <a:pPr marL="742950" lvl="1" indent="-285750">
+              <a:lnSpc>
+                <a:spcPct val="200000"/>
+              </a:lnSpc>
+              <a:buFont typeface="Arial" panose="020B0604020202020204" pitchFamily="34" charset="0"/>
+              <a:buChar char="•"/>
+            </a:pPr>
+            <a:r>
+              <a:rPr lang="ko-KR" altLang="en-US" sz="2000" b="1" dirty="0">
+                <a:solidFill>
+                  <a:schemeClr val="tx1">
+                    <a:lumMod val="65000"/>
+                    <a:lumOff val="35000"/>
+                  </a:schemeClr>
+                </a:solidFill>
+              </a:rPr>
+              <a:t>상용제품 </a:t>
+            </a:r>
+            <a:r>
+              <a:rPr lang="en-US" altLang="ko-KR" sz="2000" b="1" dirty="0">
+                <a:solidFill>
+                  <a:schemeClr val="tx1">
+                    <a:lumMod val="65000"/>
+                    <a:lumOff val="35000"/>
+                  </a:schemeClr>
+                </a:solidFill>
+              </a:rPr>
+              <a:t>: </a:t>
+            </a:r>
+            <a:r>
+              <a:rPr lang="ko-KR" altLang="en-US" sz="2000" b="1" dirty="0">
+                <a:solidFill>
+                  <a:schemeClr val="tx1">
+                    <a:lumMod val="65000"/>
+                    <a:lumOff val="35000"/>
+                  </a:schemeClr>
+                </a:solidFill>
+              </a:rPr>
+              <a:t>사용자 편의성 확보</a:t>
+            </a:r>
+            <a:r>
+              <a:rPr lang="en-US" altLang="ko-KR" sz="2000" b="1" dirty="0">
+                <a:solidFill>
+                  <a:schemeClr val="tx1">
+                    <a:lumMod val="65000"/>
+                    <a:lumOff val="35000"/>
+                  </a:schemeClr>
+                </a:solidFill>
+              </a:rPr>
+              <a:t>, </a:t>
+            </a:r>
+            <a:r>
+              <a:rPr lang="ko-KR" altLang="en-US" sz="2000" b="1" dirty="0">
+                <a:solidFill>
+                  <a:schemeClr val="tx1">
+                    <a:lumMod val="65000"/>
+                    <a:lumOff val="35000"/>
+                  </a:schemeClr>
+                </a:solidFill>
+              </a:rPr>
+              <a:t>다양한 기능 및 제품</a:t>
+            </a:r>
+            <a:r>
+              <a:rPr lang="en-US" altLang="ko-KR" sz="2000" b="1" dirty="0">
+                <a:solidFill>
+                  <a:schemeClr val="tx1">
+                    <a:lumMod val="65000"/>
+                    <a:lumOff val="35000"/>
+                  </a:schemeClr>
+                </a:solidFill>
+              </a:rPr>
+              <a:t>,</a:t>
+            </a:r>
+          </a:p>
+          <a:p>
+            <a:pPr marL="285750" indent="-285750">
+              <a:buFont typeface="Arial" panose="020B0604020202020204" pitchFamily="34" charset="0"/>
+              <a:buChar char="•"/>
+            </a:pPr>
+            <a:endParaRPr lang="en-US" altLang="ko-KR" b="1" dirty="0">
+              <a:solidFill>
+                <a:schemeClr val="tx1">
+                  <a:lumMod val="65000"/>
+                  <a:lumOff val="35000"/>
+                </a:schemeClr>
+              </a:solidFill>
+            </a:endParaRPr>
+          </a:p>
+          <a:p>
+            <a:pPr marL="285750" indent="-285750">
+              <a:buFont typeface="Arial" panose="020B0604020202020204" pitchFamily="34" charset="0"/>
+              <a:buChar char="•"/>
+            </a:pPr>
+            <a:endParaRPr lang="en-US" altLang="ko-KR" b="1" dirty="0">
+              <a:solidFill>
+                <a:schemeClr val="tx1">
+                  <a:lumMod val="65000"/>
+                  <a:lumOff val="35000"/>
+                </a:schemeClr>
+              </a:solidFill>
+            </a:endParaRPr>
+          </a:p>
+          <a:p>
+            <a:pPr marL="285750" indent="-285750">
+              <a:buFont typeface="Arial" panose="020B0604020202020204" pitchFamily="34" charset="0"/>
+              <a:buChar char="•"/>
+            </a:pPr>
+            <a:endParaRPr lang="en-US" altLang="ko-KR" b="1" dirty="0">
+              <a:solidFill>
+                <a:schemeClr val="tx1">
+                  <a:lumMod val="65000"/>
+                  <a:lumOff val="35000"/>
+                </a:schemeClr>
+              </a:solidFill>
+            </a:endParaRPr>
+          </a:p>
+          <a:p>
+            <a:pPr marL="285750" indent="-285750">
+              <a:buFont typeface="Arial" panose="020B0604020202020204" pitchFamily="34" charset="0"/>
+              <a:buChar char="•"/>
+            </a:pPr>
+            <a:r>
+              <a:rPr lang="ko-KR" altLang="en-US" sz="3000" b="1" dirty="0">
+                <a:solidFill>
+                  <a:schemeClr val="tx1">
+                    <a:lumMod val="65000"/>
+                    <a:lumOff val="35000"/>
+                  </a:schemeClr>
+                </a:solidFill>
+              </a:rPr>
+              <a:t>단점</a:t>
+            </a:r>
+            <a:endParaRPr lang="en-US" altLang="ko-KR" sz="3000" b="1" dirty="0">
+              <a:solidFill>
+                <a:schemeClr val="tx1">
+                  <a:lumMod val="65000"/>
+                  <a:lumOff val="35000"/>
+                </a:schemeClr>
+              </a:solidFill>
+            </a:endParaRPr>
+          </a:p>
+          <a:p>
+            <a:pPr marL="742950" lvl="1" indent="-285750">
+              <a:lnSpc>
+                <a:spcPct val="200000"/>
+              </a:lnSpc>
+              <a:buFont typeface="Arial" panose="020B0604020202020204" pitchFamily="34" charset="0"/>
+              <a:buChar char="•"/>
+            </a:pPr>
+            <a:r>
+              <a:rPr lang="ko-KR" altLang="en-US" sz="2000" b="1" dirty="0">
+                <a:solidFill>
+                  <a:schemeClr val="tx1">
+                    <a:lumMod val="65000"/>
+                    <a:lumOff val="35000"/>
+                  </a:schemeClr>
+                </a:solidFill>
+              </a:rPr>
+              <a:t>자동으로 연결이 종료될 수 있다</a:t>
+            </a:r>
+            <a:r>
+              <a:rPr lang="en-US" altLang="ko-KR" sz="2000" b="1" dirty="0">
+                <a:solidFill>
+                  <a:schemeClr val="tx1">
+                    <a:lumMod val="65000"/>
+                    <a:lumOff val="35000"/>
+                  </a:schemeClr>
+                </a:solidFill>
+              </a:rPr>
+              <a:t>(</a:t>
+            </a:r>
+            <a:r>
+              <a:rPr lang="ko-KR" altLang="en-US" sz="2000" b="1" dirty="0">
+                <a:solidFill>
+                  <a:schemeClr val="tx1">
+                    <a:lumMod val="65000"/>
+                    <a:lumOff val="35000"/>
+                  </a:schemeClr>
+                </a:solidFill>
+              </a:rPr>
+              <a:t>무료 라이선스</a:t>
+            </a:r>
+            <a:r>
+              <a:rPr lang="en-US" altLang="ko-KR" sz="2000" b="1" dirty="0">
+                <a:solidFill>
+                  <a:schemeClr val="tx1">
+                    <a:lumMod val="65000"/>
+                    <a:lumOff val="35000"/>
+                  </a:schemeClr>
+                </a:solidFill>
+              </a:rPr>
+              <a:t>).</a:t>
+            </a:r>
+          </a:p>
+          <a:p>
+            <a:pPr marL="742950" lvl="1" indent="-285750">
+              <a:lnSpc>
+                <a:spcPct val="200000"/>
+              </a:lnSpc>
+              <a:buFont typeface="Arial" panose="020B0604020202020204" pitchFamily="34" charset="0"/>
+              <a:buChar char="•"/>
+            </a:pPr>
+            <a:r>
+              <a:rPr lang="ko-KR" altLang="en-US" sz="2000" b="1" dirty="0">
+                <a:solidFill>
+                  <a:schemeClr val="tx1">
+                    <a:lumMod val="65000"/>
+                    <a:lumOff val="35000"/>
+                  </a:schemeClr>
+                </a:solidFill>
+              </a:rPr>
+              <a:t>사용자 필요성 부분에 대한 변경이 불가능</a:t>
+            </a:r>
+            <a:endParaRPr lang="en-US" altLang="ko-KR" sz="2000" b="1" dirty="0">
+              <a:solidFill>
+                <a:schemeClr val="tx1">
+                  <a:lumMod val="65000"/>
+                  <a:lumOff val="35000"/>
+                </a:schemeClr>
+              </a:solidFill>
+            </a:endParaRPr>
+          </a:p>
+          <a:p>
+            <a:pPr marL="742950" lvl="1" indent="-285750">
+              <a:lnSpc>
+                <a:spcPct val="200000"/>
+              </a:lnSpc>
+              <a:buFont typeface="Arial" panose="020B0604020202020204" pitchFamily="34" charset="0"/>
+              <a:buChar char="•"/>
+            </a:pPr>
+            <a:r>
+              <a:rPr lang="ko-KR" altLang="en-US" sz="2000" b="1" dirty="0">
+                <a:solidFill>
+                  <a:schemeClr val="tx1">
+                    <a:lumMod val="65000"/>
+                    <a:lumOff val="35000"/>
+                  </a:schemeClr>
+                </a:solidFill>
+              </a:rPr>
+              <a:t>기업 라이선스의 경우 높은 비용이 발생</a:t>
+            </a:r>
+            <a:endParaRPr lang="en-US" altLang="ko-KR" sz="2000" b="1" dirty="0">
+              <a:solidFill>
+                <a:schemeClr val="tx1">
+                  <a:lumMod val="65000"/>
+                  <a:lumOff val="35000"/>
+                </a:schemeClr>
+              </a:solidFill>
+            </a:endParaRPr>
+          </a:p>
+        </p:txBody>
+      </p:sp>
+    </p:spTree>
+    <p:extLst>
+      <p:ext uri="{BB962C8B-B14F-4D97-AF65-F5344CB8AC3E}">
+        <p14:creationId xmlns:p14="http://schemas.microsoft.com/office/powerpoint/2010/main" val="851103586"/>
       </p:ext>
     </p:extLst>
   </p:cSld>

--- a/deep_learning/DL_ppt/2_perceptron.pptx
+++ b/deep_learning/DL_ppt/2_perceptron.pptx
@@ -5,10 +5,10 @@
     <p:sldMasterId id="2147483651" r:id="rId1"/>
   </p:sldMasterIdLst>
   <p:notesMasterIdLst>
-    <p:notesMasterId r:id="rId21"/>
+    <p:notesMasterId r:id="rId18"/>
   </p:notesMasterIdLst>
   <p:handoutMasterIdLst>
-    <p:handoutMasterId r:id="rId22"/>
+    <p:handoutMasterId r:id="rId19"/>
   </p:handoutMasterIdLst>
   <p:sldIdLst>
     <p:sldId id="263" r:id="rId2"/>
@@ -19,17 +19,14 @@
     <p:sldId id="322" r:id="rId7"/>
     <p:sldId id="323" r:id="rId8"/>
     <p:sldId id="324" r:id="rId9"/>
-    <p:sldId id="293" r:id="rId10"/>
-    <p:sldId id="280" r:id="rId11"/>
-    <p:sldId id="315" r:id="rId12"/>
-    <p:sldId id="314" r:id="rId13"/>
-    <p:sldId id="301" r:id="rId14"/>
-    <p:sldId id="316" r:id="rId15"/>
-    <p:sldId id="294" r:id="rId16"/>
-    <p:sldId id="317" r:id="rId17"/>
-    <p:sldId id="302" r:id="rId18"/>
-    <p:sldId id="318" r:id="rId19"/>
-    <p:sldId id="319" r:id="rId20"/>
+    <p:sldId id="325" r:id="rId10"/>
+    <p:sldId id="327" r:id="rId11"/>
+    <p:sldId id="328" r:id="rId12"/>
+    <p:sldId id="329" r:id="rId13"/>
+    <p:sldId id="330" r:id="rId14"/>
+    <p:sldId id="331" r:id="rId15"/>
+    <p:sldId id="332" r:id="rId16"/>
+    <p:sldId id="333" r:id="rId17"/>
   </p:sldIdLst>
   <p:sldSz cx="12192000" cy="6858000"/>
   <p:notesSz cx="6858000" cy="9144000"/>
@@ -4388,10 +4385,10 @@
       </p:cxnSp>
       <p:sp>
         <p:nvSpPr>
-          <p:cNvPr id="2" name="TextBox 1">
-            <a:extLst>
-              <a:ext uri="{FF2B5EF4-FFF2-40B4-BE49-F238E27FC236}">
-                <a16:creationId xmlns:a16="http://schemas.microsoft.com/office/drawing/2014/main" id="{82581151-C8AA-F77B-A1C9-ACA3C18C17A4}"/>
+          <p:cNvPr id="9" name="TextBox 8">
+            <a:extLst>
+              <a:ext uri="{FF2B5EF4-FFF2-40B4-BE49-F238E27FC236}">
+                <a16:creationId xmlns:a16="http://schemas.microsoft.com/office/drawing/2014/main" id="{85E2DDDA-35AB-489C-8A37-0A056738B5CD}"/>
               </a:ext>
             </a:extLst>
           </p:cNvPr>
@@ -4401,7 +4398,7 @@
         <p:spPr>
           <a:xfrm>
             <a:off x="513806" y="576645"/>
-            <a:ext cx="5886994" cy="523220"/>
+            <a:ext cx="3524794" cy="523220"/>
           </a:xfrm>
           <a:prstGeom prst="rect">
             <a:avLst/>
@@ -4423,132 +4420,9 @@
                   </a:schemeClr>
                 </a:solidFill>
               </a:rPr>
-              <a:t>Google Chrome </a:t>
-            </a:r>
-            <a:r>
-              <a:rPr lang="ko-KR" altLang="en-US" sz="2800" b="1" dirty="0">
-                <a:solidFill>
-                  <a:schemeClr val="tx1">
-                    <a:lumMod val="65000"/>
-                    <a:lumOff val="35000"/>
-                  </a:schemeClr>
-                </a:solidFill>
-              </a:rPr>
-              <a:t>원격</a:t>
-            </a:r>
-            <a:r>
-              <a:rPr lang="en-US" altLang="ko-KR" sz="2800" b="1" dirty="0">
-                <a:solidFill>
-                  <a:schemeClr val="tx1">
-                    <a:lumMod val="65000"/>
-                    <a:lumOff val="35000"/>
-                  </a:schemeClr>
-                </a:solidFill>
-              </a:rPr>
-              <a:t> </a:t>
-            </a:r>
-            <a:r>
-              <a:rPr lang="ko-KR" altLang="en-US" sz="2800" b="1" dirty="0">
-                <a:solidFill>
-                  <a:schemeClr val="tx1">
-                    <a:lumMod val="65000"/>
-                    <a:lumOff val="35000"/>
-                  </a:schemeClr>
-                </a:solidFill>
-              </a:rPr>
-              <a:t>데스크 탑</a:t>
-            </a:r>
-          </a:p>
-        </p:txBody>
-      </p:sp>
-      <p:sp>
-        <p:nvSpPr>
-          <p:cNvPr id="3" name="TextBox 2">
-            <a:extLst>
-              <a:ext uri="{FF2B5EF4-FFF2-40B4-BE49-F238E27FC236}">
-                <a16:creationId xmlns:a16="http://schemas.microsoft.com/office/drawing/2014/main" id="{21AC92E3-3FF0-CDDC-2D79-229EF0594FA0}"/>
-              </a:ext>
-            </a:extLst>
-          </p:cNvPr>
-          <p:cNvSpPr txBox="1"/>
-          <p:nvPr/>
-        </p:nvSpPr>
-        <p:spPr>
-          <a:xfrm>
-            <a:off x="4515356" y="2613392"/>
-            <a:ext cx="7035560" cy="2246769"/>
-          </a:xfrm>
-          <a:prstGeom prst="rect">
-            <a:avLst/>
-          </a:prstGeom>
-          <a:noFill/>
-        </p:spPr>
-        <p:txBody>
-          <a:bodyPr wrap="square" rtlCol="0">
-            <a:spAutoFit/>
-          </a:bodyPr>
-          <a:lstStyle/>
-          <a:p>
-            <a:pPr marL="285750" indent="-285750">
-              <a:buFont typeface="Arial" panose="020B0604020202020204" pitchFamily="34" charset="0"/>
-              <a:buChar char="•"/>
-            </a:pPr>
-            <a:r>
-              <a:rPr lang="ko-KR" altLang="en-US" sz="2000" b="1" dirty="0">
-                <a:solidFill>
-                  <a:schemeClr val="tx1">
-                    <a:lumMod val="65000"/>
-                    <a:lumOff val="35000"/>
-                  </a:schemeClr>
-                </a:solidFill>
-              </a:rPr>
-              <a:t>플러그인 설치 후 </a:t>
-            </a:r>
-            <a:r>
-              <a:rPr lang="en-US" altLang="ko-KR" sz="2000" b="1" dirty="0">
-                <a:solidFill>
-                  <a:schemeClr val="tx1">
-                    <a:lumMod val="65000"/>
-                    <a:lumOff val="35000"/>
-                  </a:schemeClr>
-                </a:solidFill>
-              </a:rPr>
-              <a:t>PIN(</a:t>
-            </a:r>
-            <a:r>
-              <a:rPr lang="ko-KR" altLang="en-US" sz="2000" b="1" dirty="0">
-                <a:solidFill>
-                  <a:schemeClr val="tx1">
-                    <a:lumMod val="65000"/>
-                    <a:lumOff val="35000"/>
-                  </a:schemeClr>
-                </a:solidFill>
-              </a:rPr>
-              <a:t>비밀번호</a:t>
-            </a:r>
-            <a:r>
-              <a:rPr lang="en-US" altLang="ko-KR" sz="2000" b="1" dirty="0">
-                <a:solidFill>
-                  <a:schemeClr val="tx1">
-                    <a:lumMod val="65000"/>
-                    <a:lumOff val="35000"/>
-                  </a:schemeClr>
-                </a:solidFill>
-              </a:rPr>
-              <a:t>) </a:t>
-            </a:r>
-            <a:r>
-              <a:rPr lang="ko-KR" altLang="en-US" sz="2000" b="1" dirty="0">
-                <a:solidFill>
-                  <a:schemeClr val="tx1">
-                    <a:lumMod val="65000"/>
-                    <a:lumOff val="35000"/>
-                  </a:schemeClr>
-                </a:solidFill>
-              </a:rPr>
-              <a:t>세팅</a:t>
-            </a:r>
-            <a:endParaRPr lang="en-US" altLang="ko-KR" sz="2000" b="1" dirty="0">
+              <a:t>4. XOR</a:t>
+            </a:r>
+            <a:endParaRPr lang="ko-KR" altLang="en-US" sz="2800" b="1" dirty="0">
               <a:solidFill>
                 <a:schemeClr val="tx1">
                   <a:lumMod val="65000"/>
@@ -4557,193 +4431,433 @@
               </a:solidFill>
             </a:endParaRPr>
           </a:p>
-          <a:p>
-            <a:pPr marL="285750" indent="-285750">
-              <a:buFont typeface="Arial" panose="020B0604020202020204" pitchFamily="34" charset="0"/>
-              <a:buChar char="•"/>
-            </a:pPr>
-            <a:endParaRPr lang="en-US" altLang="ko-KR" sz="2000" b="1" dirty="0">
-              <a:solidFill>
-                <a:schemeClr val="tx1">
-                  <a:lumMod val="65000"/>
-                  <a:lumOff val="35000"/>
-                </a:schemeClr>
-              </a:solidFill>
-            </a:endParaRPr>
-          </a:p>
-          <a:p>
-            <a:pPr marL="285750" indent="-285750">
-              <a:buFont typeface="Arial" panose="020B0604020202020204" pitchFamily="34" charset="0"/>
-              <a:buChar char="•"/>
-            </a:pPr>
-            <a:r>
-              <a:rPr lang="ko-KR" altLang="en-US" sz="2000" b="1" dirty="0">
-                <a:solidFill>
-                  <a:schemeClr val="tx1">
-                    <a:lumMod val="65000"/>
-                    <a:lumOff val="35000"/>
-                  </a:schemeClr>
-                </a:solidFill>
-              </a:rPr>
-              <a:t>다른 컴퓨터에서 같은 구글 계정으로 로그인</a:t>
-            </a:r>
-            <a:endParaRPr lang="en-US" altLang="ko-KR" sz="2000" b="1" dirty="0">
-              <a:solidFill>
-                <a:schemeClr val="tx1">
-                  <a:lumMod val="65000"/>
-                  <a:lumOff val="35000"/>
-                </a:schemeClr>
-              </a:solidFill>
-            </a:endParaRPr>
-          </a:p>
-          <a:p>
-            <a:pPr marL="285750" indent="-285750">
-              <a:buFont typeface="Arial" panose="020B0604020202020204" pitchFamily="34" charset="0"/>
-              <a:buChar char="•"/>
-            </a:pPr>
-            <a:endParaRPr lang="en-US" altLang="ko-KR" sz="2000" b="1" dirty="0">
-              <a:solidFill>
-                <a:schemeClr val="tx1">
-                  <a:lumMod val="65000"/>
-                  <a:lumOff val="35000"/>
-                </a:schemeClr>
-              </a:solidFill>
-            </a:endParaRPr>
-          </a:p>
-          <a:p>
-            <a:pPr marL="285750" indent="-285750">
-              <a:buFont typeface="Arial" panose="020B0604020202020204" pitchFamily="34" charset="0"/>
-              <a:buChar char="•"/>
-            </a:pPr>
-            <a:r>
-              <a:rPr lang="en-US" altLang="ko-KR" sz="2000" b="1" dirty="0">
-                <a:solidFill>
-                  <a:schemeClr val="tx1">
-                    <a:lumMod val="65000"/>
-                    <a:lumOff val="35000"/>
-                  </a:schemeClr>
-                </a:solidFill>
-              </a:rPr>
-              <a:t>PIN </a:t>
-            </a:r>
-            <a:r>
-              <a:rPr lang="ko-KR" altLang="en-US" sz="2000" b="1" dirty="0">
-                <a:solidFill>
-                  <a:schemeClr val="tx1">
-                    <a:lumMod val="65000"/>
-                    <a:lumOff val="35000"/>
-                  </a:schemeClr>
-                </a:solidFill>
-              </a:rPr>
-              <a:t>번호로 접속</a:t>
-            </a:r>
-            <a:r>
-              <a:rPr lang="en-US" altLang="ko-KR" sz="2000" b="1" dirty="0">
-                <a:solidFill>
-                  <a:schemeClr val="tx1">
-                    <a:lumMod val="65000"/>
-                    <a:lumOff val="35000"/>
-                  </a:schemeClr>
-                </a:solidFill>
-              </a:rPr>
-              <a:t> </a:t>
-            </a:r>
-          </a:p>
-          <a:p>
-            <a:pPr marL="285750" indent="-285750">
-              <a:buFont typeface="Arial" panose="020B0604020202020204" pitchFamily="34" charset="0"/>
-              <a:buChar char="•"/>
-            </a:pPr>
-            <a:endParaRPr lang="en-US" altLang="ko-KR" sz="2000" b="1" dirty="0">
-              <a:solidFill>
-                <a:schemeClr val="tx1">
-                  <a:lumMod val="65000"/>
-                  <a:lumOff val="35000"/>
-                </a:schemeClr>
-              </a:solidFill>
-            </a:endParaRPr>
-          </a:p>
-          <a:p>
-            <a:pPr marL="285750" indent="-285750">
-              <a:buFont typeface="Arial" panose="020B0604020202020204" pitchFamily="34" charset="0"/>
-              <a:buChar char="•"/>
-            </a:pPr>
-            <a:r>
-              <a:rPr lang="ko-KR" altLang="en-US" sz="2000" b="1" dirty="0">
-                <a:solidFill>
-                  <a:schemeClr val="tx1">
-                    <a:lumMod val="65000"/>
-                    <a:lumOff val="35000"/>
-                  </a:schemeClr>
-                </a:solidFill>
-              </a:rPr>
-              <a:t>접속자가 별다른 프로그램 없이 웹에서 접속 가능</a:t>
-            </a:r>
-            <a:r>
-              <a:rPr lang="en-US" altLang="ko-KR" sz="2000" b="1" dirty="0">
-                <a:solidFill>
-                  <a:schemeClr val="tx1">
-                    <a:lumMod val="65000"/>
-                    <a:lumOff val="35000"/>
-                  </a:schemeClr>
-                </a:solidFill>
-              </a:rPr>
-              <a:t>.</a:t>
-            </a:r>
-          </a:p>
-        </p:txBody>
-      </p:sp>
+        </p:txBody>
+      </p:sp>
+      <mc:AlternateContent xmlns:mc="http://schemas.openxmlformats.org/markup-compatibility/2006">
+        <mc:Choice xmlns:a14="http://schemas.microsoft.com/office/drawing/2010/main" Requires="a14">
+          <p:sp>
+            <p:nvSpPr>
+              <p:cNvPr id="3" name="TextBox 2">
+                <a:extLst>
+                  <a:ext uri="{FF2B5EF4-FFF2-40B4-BE49-F238E27FC236}">
+                    <a16:creationId xmlns:a16="http://schemas.microsoft.com/office/drawing/2014/main" id="{D603CCB4-ACB5-F02F-EF78-87D53658E441}"/>
+                  </a:ext>
+                </a:extLst>
+              </p:cNvPr>
+              <p:cNvSpPr txBox="1"/>
+              <p:nvPr/>
+            </p:nvSpPr>
+            <p:spPr>
+              <a:xfrm>
+                <a:off x="5715431" y="2860208"/>
+                <a:ext cx="4983332" cy="1631216"/>
+              </a:xfrm>
+              <a:prstGeom prst="rect">
+                <a:avLst/>
+              </a:prstGeom>
+              <a:noFill/>
+            </p:spPr>
+            <p:txBody>
+              <a:bodyPr wrap="square" rtlCol="0">
+                <a:spAutoFit/>
+              </a:bodyPr>
+              <a:lstStyle/>
+              <a:p>
+                <a:pPr marL="285750" indent="-285750">
+                  <a:buFont typeface="Arial" panose="020B0604020202020204" pitchFamily="34" charset="0"/>
+                  <a:buChar char="•"/>
+                </a:pPr>
+                <a:r>
+                  <a:rPr lang="en-US" altLang="ko-KR" sz="2000" b="1" dirty="0">
+                    <a:solidFill>
+                      <a:schemeClr val="tx1">
+                        <a:lumMod val="65000"/>
+                        <a:lumOff val="35000"/>
+                      </a:schemeClr>
+                    </a:solidFill>
+                  </a:rPr>
+                  <a:t>XOR</a:t>
+                </a:r>
+                <a:r>
+                  <a:rPr lang="ko-KR" altLang="en-US" sz="2000" b="1" dirty="0">
+                    <a:solidFill>
+                      <a:schemeClr val="tx1">
+                        <a:lumMod val="65000"/>
+                        <a:lumOff val="35000"/>
+                      </a:schemeClr>
+                    </a:solidFill>
+                  </a:rPr>
+                  <a:t>은 배타적 논리합 이라는 논리회로</a:t>
+                </a:r>
+                <a:endParaRPr lang="en-US" altLang="ko-KR" sz="2000" b="1" dirty="0">
+                  <a:solidFill>
+                    <a:schemeClr val="tx1">
+                      <a:lumMod val="65000"/>
+                      <a:lumOff val="35000"/>
+                    </a:schemeClr>
+                  </a:solidFill>
+                </a:endParaRPr>
+              </a:p>
+              <a:p>
+                <a:pPr marL="285750" indent="-285750">
+                  <a:buFont typeface="Arial" panose="020B0604020202020204" pitchFamily="34" charset="0"/>
+                  <a:buChar char="•"/>
+                </a:pPr>
+                <a:endParaRPr lang="en-US" altLang="ko-KR" sz="2000" b="1" dirty="0">
+                  <a:solidFill>
+                    <a:schemeClr val="tx1">
+                      <a:lumMod val="65000"/>
+                      <a:lumOff val="35000"/>
+                    </a:schemeClr>
+                  </a:solidFill>
+                </a:endParaRPr>
+              </a:p>
+              <a:p>
+                <a:pPr marL="285750" indent="-285750">
+                  <a:buFont typeface="Arial" panose="020B0604020202020204" pitchFamily="34" charset="0"/>
+                  <a:buChar char="•"/>
+                </a:pPr>
+                <a14:m>
+                  <m:oMath xmlns:m="http://schemas.openxmlformats.org/officeDocument/2006/math">
+                    <m:sSub>
+                      <m:sSubPr>
+                        <m:ctrlPr>
+                          <a:rPr lang="en-US" altLang="ko-KR" sz="2000" b="1" i="1" smtClean="0">
+                            <a:solidFill>
+                              <a:schemeClr val="tx1">
+                                <a:lumMod val="65000"/>
+                                <a:lumOff val="35000"/>
+                              </a:schemeClr>
+                            </a:solidFill>
+                            <a:latin typeface="Cambria Math" panose="02040503050406030204" pitchFamily="18" charset="0"/>
+                          </a:rPr>
+                        </m:ctrlPr>
+                      </m:sSubPr>
+                      <m:e>
+                        <m:r>
+                          <a:rPr lang="en-US" altLang="ko-KR" sz="2000" b="1" i="1" smtClean="0">
+                            <a:solidFill>
+                              <a:schemeClr val="tx1">
+                                <a:lumMod val="65000"/>
+                                <a:lumOff val="35000"/>
+                              </a:schemeClr>
+                            </a:solidFill>
+                            <a:latin typeface="Cambria Math" panose="02040503050406030204" pitchFamily="18" charset="0"/>
+                          </a:rPr>
+                          <m:t>𝒙</m:t>
+                        </m:r>
+                      </m:e>
+                      <m:sub>
+                        <m:r>
+                          <a:rPr lang="en-US" altLang="ko-KR" sz="2000" b="1" i="1" smtClean="0">
+                            <a:solidFill>
+                              <a:schemeClr val="tx1">
+                                <a:lumMod val="65000"/>
+                                <a:lumOff val="35000"/>
+                              </a:schemeClr>
+                            </a:solidFill>
+                            <a:latin typeface="Cambria Math" panose="02040503050406030204" pitchFamily="18" charset="0"/>
+                          </a:rPr>
+                          <m:t>𝟏</m:t>
+                        </m:r>
+                      </m:sub>
+                    </m:sSub>
+                    <m:r>
+                      <a:rPr lang="en-US" altLang="ko-KR" sz="2000" b="1" i="1" smtClean="0">
+                        <a:solidFill>
+                          <a:schemeClr val="tx1">
+                            <a:lumMod val="65000"/>
+                            <a:lumOff val="35000"/>
+                          </a:schemeClr>
+                        </a:solidFill>
+                        <a:latin typeface="Cambria Math" panose="02040503050406030204" pitchFamily="18" charset="0"/>
+                      </a:rPr>
+                      <m:t>,</m:t>
+                    </m:r>
+                  </m:oMath>
+                </a14:m>
+                <a:r>
+                  <a:rPr lang="en-US" altLang="ko-KR" sz="2000" b="1" dirty="0">
+                    <a:solidFill>
+                      <a:schemeClr val="tx1">
+                        <a:lumMod val="65000"/>
+                        <a:lumOff val="35000"/>
+                      </a:schemeClr>
+                    </a:solidFill>
+                  </a:rPr>
+                  <a:t> </a:t>
+                </a:r>
+                <a14:m>
+                  <m:oMath xmlns:m="http://schemas.openxmlformats.org/officeDocument/2006/math">
+                    <m:sSub>
+                      <m:sSubPr>
+                        <m:ctrlPr>
+                          <a:rPr lang="en-US" altLang="ko-KR" sz="2000" b="1" i="1">
+                            <a:solidFill>
+                              <a:schemeClr val="tx1">
+                                <a:lumMod val="65000"/>
+                                <a:lumOff val="35000"/>
+                              </a:schemeClr>
+                            </a:solidFill>
+                            <a:latin typeface="Cambria Math" panose="02040503050406030204" pitchFamily="18" charset="0"/>
+                          </a:rPr>
+                        </m:ctrlPr>
+                      </m:sSubPr>
+                      <m:e>
+                        <m:r>
+                          <a:rPr lang="en-US" altLang="ko-KR" sz="2000" b="1" i="1">
+                            <a:solidFill>
+                              <a:schemeClr val="tx1">
+                                <a:lumMod val="65000"/>
+                                <a:lumOff val="35000"/>
+                              </a:schemeClr>
+                            </a:solidFill>
+                            <a:latin typeface="Cambria Math" panose="02040503050406030204" pitchFamily="18" charset="0"/>
+                          </a:rPr>
+                          <m:t>𝒙</m:t>
+                        </m:r>
+                      </m:e>
+                      <m:sub>
+                        <m:r>
+                          <a:rPr lang="en-US" altLang="ko-KR" sz="2000" b="1" i="1" smtClean="0">
+                            <a:solidFill>
+                              <a:schemeClr val="tx1">
+                                <a:lumMod val="65000"/>
+                                <a:lumOff val="35000"/>
+                              </a:schemeClr>
+                            </a:solidFill>
+                            <a:latin typeface="Cambria Math" panose="02040503050406030204" pitchFamily="18" charset="0"/>
+                          </a:rPr>
+                          <m:t>𝟐</m:t>
+                        </m:r>
+                      </m:sub>
+                    </m:sSub>
+                  </m:oMath>
+                </a14:m>
+                <a:r>
+                  <a:rPr lang="en-US" altLang="ko-KR" sz="2000" b="1" dirty="0">
+                    <a:solidFill>
+                      <a:schemeClr val="tx1">
+                        <a:lumMod val="65000"/>
+                        <a:lumOff val="35000"/>
+                      </a:schemeClr>
+                    </a:solidFill>
+                  </a:rPr>
+                  <a:t> </a:t>
+                </a:r>
+                <a:r>
+                  <a:rPr lang="ko-KR" altLang="en-US" sz="2000" b="1" dirty="0">
+                    <a:solidFill>
+                      <a:schemeClr val="tx1">
+                        <a:lumMod val="65000"/>
+                        <a:lumOff val="35000"/>
+                      </a:schemeClr>
+                    </a:solidFill>
+                  </a:rPr>
+                  <a:t>중 한쪽이 </a:t>
+                </a:r>
+                <a:r>
+                  <a:rPr lang="en-US" altLang="ko-KR" sz="2000" b="1" dirty="0">
+                    <a:solidFill>
+                      <a:schemeClr val="tx1">
+                        <a:lumMod val="65000"/>
+                        <a:lumOff val="35000"/>
+                      </a:schemeClr>
+                    </a:solidFill>
+                  </a:rPr>
+                  <a:t>1</a:t>
+                </a:r>
+                <a:r>
+                  <a:rPr lang="ko-KR" altLang="en-US" sz="2000" b="1" dirty="0">
+                    <a:solidFill>
+                      <a:schemeClr val="tx1">
+                        <a:lumMod val="65000"/>
+                        <a:lumOff val="35000"/>
+                      </a:schemeClr>
+                    </a:solidFill>
+                  </a:rPr>
+                  <a:t>일 때만 </a:t>
+                </a:r>
+                <a:r>
+                  <a:rPr lang="en-US" altLang="ko-KR" sz="2000" b="1" dirty="0">
+                    <a:solidFill>
+                      <a:schemeClr val="tx1">
+                        <a:lumMod val="65000"/>
+                        <a:lumOff val="35000"/>
+                      </a:schemeClr>
+                    </a:solidFill>
+                  </a:rPr>
+                  <a:t>1</a:t>
+                </a:r>
+                <a:r>
+                  <a:rPr lang="ko-KR" altLang="en-US" sz="2000" b="1" dirty="0">
+                    <a:solidFill>
+                      <a:schemeClr val="tx1">
+                        <a:lumMod val="65000"/>
+                        <a:lumOff val="35000"/>
+                      </a:schemeClr>
+                    </a:solidFill>
+                  </a:rPr>
+                  <a:t>을 출력</a:t>
+                </a:r>
+                <a:endParaRPr lang="en-US" altLang="ko-KR" sz="2000" b="1" dirty="0">
+                  <a:solidFill>
+                    <a:schemeClr val="tx1">
+                      <a:lumMod val="65000"/>
+                      <a:lumOff val="35000"/>
+                    </a:schemeClr>
+                  </a:solidFill>
+                </a:endParaRPr>
+              </a:p>
+              <a:p>
+                <a:pPr marL="285750" indent="-285750">
+                  <a:buFont typeface="Arial" panose="020B0604020202020204" pitchFamily="34" charset="0"/>
+                  <a:buChar char="•"/>
+                </a:pPr>
+                <a:endParaRPr lang="en-US" altLang="ko-KR" sz="2000" b="1" dirty="0">
+                  <a:solidFill>
+                    <a:schemeClr val="tx1">
+                      <a:lumMod val="65000"/>
+                      <a:lumOff val="35000"/>
+                    </a:schemeClr>
+                  </a:solidFill>
+                </a:endParaRPr>
+              </a:p>
+              <a:p>
+                <a:pPr marL="285750" indent="-285750">
+                  <a:buFont typeface="Arial" panose="020B0604020202020204" pitchFamily="34" charset="0"/>
+                  <a:buChar char="•"/>
+                </a:pPr>
+                <a:r>
+                  <a:rPr lang="ko-KR" altLang="en-US" sz="2000" b="1" dirty="0">
+                    <a:solidFill>
+                      <a:schemeClr val="tx1">
+                        <a:lumMod val="65000"/>
+                        <a:lumOff val="35000"/>
+                      </a:schemeClr>
+                    </a:solidFill>
+                  </a:rPr>
+                  <a:t>하나의 </a:t>
+                </a:r>
+                <a:r>
+                  <a:rPr lang="ko-KR" altLang="en-US" sz="2000" b="1" dirty="0" err="1">
+                    <a:solidFill>
+                      <a:schemeClr val="tx1">
+                        <a:lumMod val="65000"/>
+                        <a:lumOff val="35000"/>
+                      </a:schemeClr>
+                    </a:solidFill>
+                  </a:rPr>
+                  <a:t>퍼셉트론으로는</a:t>
+                </a:r>
+                <a:r>
+                  <a:rPr lang="ko-KR" altLang="en-US" sz="2000" b="1" dirty="0">
+                    <a:solidFill>
+                      <a:schemeClr val="tx1">
+                        <a:lumMod val="65000"/>
+                        <a:lumOff val="35000"/>
+                      </a:schemeClr>
+                    </a:solidFill>
+                  </a:rPr>
+                  <a:t> 구현이 불가능</a:t>
+                </a:r>
+                <a:endParaRPr lang="en-US" altLang="ko-KR" sz="2000" b="1" dirty="0">
+                  <a:solidFill>
+                    <a:schemeClr val="tx1">
+                      <a:lumMod val="65000"/>
+                      <a:lumOff val="35000"/>
+                    </a:schemeClr>
+                  </a:solidFill>
+                </a:endParaRPr>
+              </a:p>
+            </p:txBody>
+          </p:sp>
+        </mc:Choice>
+        <mc:Fallback>
+          <p:sp>
+            <p:nvSpPr>
+              <p:cNvPr id="3" name="TextBox 2">
+                <a:extLst>
+                  <a:ext uri="{FF2B5EF4-FFF2-40B4-BE49-F238E27FC236}">
+                    <a16:creationId xmlns:a16="http://schemas.microsoft.com/office/drawing/2014/main" id="{D603CCB4-ACB5-F02F-EF78-87D53658E441}"/>
+                  </a:ext>
+                </a:extLst>
+              </p:cNvPr>
+              <p:cNvSpPr txBox="1">
+                <a:spLocks noRot="1" noChangeAspect="1" noMove="1" noResize="1" noEditPoints="1" noAdjustHandles="1" noChangeArrowheads="1" noChangeShapeType="1" noTextEdit="1"/>
+              </p:cNvSpPr>
+              <p:nvPr/>
+            </p:nvSpPr>
+            <p:spPr>
+              <a:xfrm>
+                <a:off x="5715431" y="2860208"/>
+                <a:ext cx="4983332" cy="1631216"/>
+              </a:xfrm>
+              <a:prstGeom prst="rect">
+                <a:avLst/>
+              </a:prstGeom>
+              <a:blipFill>
+                <a:blip r:embed="rId2"/>
+                <a:stretch>
+                  <a:fillRect l="-1102" t="-1866" b="-5597"/>
+                </a:stretch>
+              </a:blipFill>
+            </p:spPr>
+            <p:txBody>
+              <a:bodyPr/>
+              <a:lstStyle/>
+              <a:p>
+                <a:r>
+                  <a:rPr lang="en-US">
+                    <a:noFill/>
+                  </a:rPr>
+                  <a:t> </a:t>
+                </a:r>
+              </a:p>
+            </p:txBody>
+          </p:sp>
+        </mc:Fallback>
+      </mc:AlternateContent>
       <p:pic>
         <p:nvPicPr>
-          <p:cNvPr id="1026" name="Picture 2">
-            <a:extLst>
-              <a:ext uri="{FF2B5EF4-FFF2-40B4-BE49-F238E27FC236}">
-                <a16:creationId xmlns:a16="http://schemas.microsoft.com/office/drawing/2014/main" id="{8FA20F8D-A3E1-1D4B-7873-00244C2C9D65}"/>
+          <p:cNvPr id="5" name="그림 4">
+            <a:extLst>
+              <a:ext uri="{FF2B5EF4-FFF2-40B4-BE49-F238E27FC236}">
+                <a16:creationId xmlns:a16="http://schemas.microsoft.com/office/drawing/2014/main" id="{3B6210B6-4187-BF55-AB72-339C46849F11}"/>
               </a:ext>
             </a:extLst>
           </p:cNvPr>
           <p:cNvPicPr>
-            <a:picLocks noChangeAspect="1" noChangeArrowheads="1"/>
+            <a:picLocks noChangeAspect="1"/>
           </p:cNvPicPr>
           <p:nvPr/>
         </p:nvPicPr>
         <p:blipFill>
-          <a:blip r:embed="rId2">
+          <a:blip r:embed="rId3">
             <a:extLst>
               <a:ext uri="{28A0092B-C50C-407E-A947-70E740481C1C}">
                 <a14:useLocalDpi xmlns:a14="http://schemas.microsoft.com/office/drawing/2010/main" val="0"/>
               </a:ext>
             </a:extLst>
           </a:blip>
-          <a:srcRect/>
           <a:stretch>
             <a:fillRect/>
           </a:stretch>
         </p:blipFill>
-        <p:spPr bwMode="auto">
+        <p:spPr>
           <a:xfrm>
-            <a:off x="910609" y="2249765"/>
-            <a:ext cx="2743200" cy="2743200"/>
+            <a:off x="1781017" y="2024483"/>
+            <a:ext cx="2603634" cy="3035456"/>
           </a:xfrm>
           <a:prstGeom prst="rect">
             <a:avLst/>
           </a:prstGeom>
-          <a:noFill/>
-          <a:extLst>
-            <a:ext uri="{909E8E84-426E-40DD-AFC4-6F175D3DCCD1}">
-              <a14:hiddenFill xmlns:a14="http://schemas.microsoft.com/office/drawing/2010/main">
-                <a:solidFill>
-                  <a:srgbClr val="FFFFFF"/>
-                </a:solidFill>
-              </a14:hiddenFill>
-            </a:ext>
-          </a:extLst>
         </p:spPr>
       </p:pic>
     </p:spTree>
     <p:extLst>
       <p:ext uri="{BB962C8B-B14F-4D97-AF65-F5344CB8AC3E}">
-        <p14:creationId xmlns:p14="http://schemas.microsoft.com/office/powerpoint/2010/main" val="2729244416"/>
+        <p14:creationId xmlns:p14="http://schemas.microsoft.com/office/powerpoint/2010/main" val="1891154778"/>
       </p:ext>
     </p:extLst>
   </p:cSld>
@@ -4878,10 +4992,10 @@
       </p:cxnSp>
       <p:sp>
         <p:nvSpPr>
-          <p:cNvPr id="2" name="TextBox 1">
-            <a:extLst>
-              <a:ext uri="{FF2B5EF4-FFF2-40B4-BE49-F238E27FC236}">
-                <a16:creationId xmlns:a16="http://schemas.microsoft.com/office/drawing/2014/main" id="{82581151-C8AA-F77B-A1C9-ACA3C18C17A4}"/>
+          <p:cNvPr id="9" name="TextBox 8">
+            <a:extLst>
+              <a:ext uri="{FF2B5EF4-FFF2-40B4-BE49-F238E27FC236}">
+                <a16:creationId xmlns:a16="http://schemas.microsoft.com/office/drawing/2014/main" id="{85E2DDDA-35AB-489C-8A37-0A056738B5CD}"/>
               </a:ext>
             </a:extLst>
           </p:cNvPr>
@@ -4891,7 +5005,7 @@
         <p:spPr>
           <a:xfrm>
             <a:off x="513806" y="576645"/>
-            <a:ext cx="5886994" cy="523220"/>
+            <a:ext cx="3524794" cy="523220"/>
           </a:xfrm>
           <a:prstGeom prst="rect">
             <a:avLst/>
@@ -4913,1805 +5027,7 @@
                   </a:schemeClr>
                 </a:solidFill>
               </a:rPr>
-              <a:t>Google Chrome </a:t>
-            </a:r>
-            <a:r>
-              <a:rPr lang="ko-KR" altLang="en-US" sz="2800" b="1" dirty="0">
-                <a:solidFill>
-                  <a:schemeClr val="tx1">
-                    <a:lumMod val="65000"/>
-                    <a:lumOff val="35000"/>
-                  </a:schemeClr>
-                </a:solidFill>
-              </a:rPr>
-              <a:t>원격</a:t>
-            </a:r>
-            <a:r>
-              <a:rPr lang="en-US" altLang="ko-KR" sz="2800" b="1" dirty="0">
-                <a:solidFill>
-                  <a:schemeClr val="tx1">
-                    <a:lumMod val="65000"/>
-                    <a:lumOff val="35000"/>
-                  </a:schemeClr>
-                </a:solidFill>
-              </a:rPr>
-              <a:t> </a:t>
-            </a:r>
-            <a:r>
-              <a:rPr lang="ko-KR" altLang="en-US" sz="2800" b="1" dirty="0">
-                <a:solidFill>
-                  <a:schemeClr val="tx1">
-                    <a:lumMod val="65000"/>
-                    <a:lumOff val="35000"/>
-                  </a:schemeClr>
-                </a:solidFill>
-              </a:rPr>
-              <a:t>데스크 탑</a:t>
-            </a:r>
-          </a:p>
-        </p:txBody>
-      </p:sp>
-      <p:pic>
-        <p:nvPicPr>
-          <p:cNvPr id="2050" name="Picture 2" descr="간단한 컴퓨터 라인 아이콘입니다 0명에 대한 스톡 벡터 아트 및 기타 이미지 - 0명, LCD, 개념 - iStock">
-            <a:extLst>
-              <a:ext uri="{FF2B5EF4-FFF2-40B4-BE49-F238E27FC236}">
-                <a16:creationId xmlns:a16="http://schemas.microsoft.com/office/drawing/2014/main" id="{189A6AB2-AE56-9443-35BC-D037C1135E42}"/>
-              </a:ext>
-            </a:extLst>
-          </p:cNvPr>
-          <p:cNvPicPr>
-            <a:picLocks noChangeAspect="1" noChangeArrowheads="1"/>
-          </p:cNvPicPr>
-          <p:nvPr/>
-        </p:nvPicPr>
-        <p:blipFill>
-          <a:blip r:embed="rId2">
-            <a:extLst>
-              <a:ext uri="{28A0092B-C50C-407E-A947-70E740481C1C}">
-                <a14:useLocalDpi xmlns:a14="http://schemas.microsoft.com/office/drawing/2010/main" val="0"/>
-              </a:ext>
-            </a:extLst>
-          </a:blip>
-          <a:srcRect/>
-          <a:stretch>
-            <a:fillRect/>
-          </a:stretch>
-        </p:blipFill>
-        <p:spPr bwMode="auto">
-          <a:xfrm>
-            <a:off x="4889240" y="1356256"/>
-            <a:ext cx="1754155" cy="1754155"/>
-          </a:xfrm>
-          <a:prstGeom prst="rect">
-            <a:avLst/>
-          </a:prstGeom>
-          <a:noFill/>
-          <a:extLst>
-            <a:ext uri="{909E8E84-426E-40DD-AFC4-6F175D3DCCD1}">
-              <a14:hiddenFill xmlns:a14="http://schemas.microsoft.com/office/drawing/2010/main">
-                <a:solidFill>
-                  <a:srgbClr val="FFFFFF"/>
-                </a:solidFill>
-              </a14:hiddenFill>
-            </a:ext>
-          </a:extLst>
-        </p:spPr>
-      </p:pic>
-      <p:pic>
-        <p:nvPicPr>
-          <p:cNvPr id="5" name="Picture 2" descr="간단한 컴퓨터 라인 아이콘입니다 0명에 대한 스톡 벡터 아트 및 기타 이미지 - 0명, LCD, 개념 - iStock">
-            <a:extLst>
-              <a:ext uri="{FF2B5EF4-FFF2-40B4-BE49-F238E27FC236}">
-                <a16:creationId xmlns:a16="http://schemas.microsoft.com/office/drawing/2014/main" id="{8ADE6059-F919-ACBE-6EDC-33745161E49A}"/>
-              </a:ext>
-            </a:extLst>
-          </p:cNvPr>
-          <p:cNvPicPr>
-            <a:picLocks noChangeAspect="1" noChangeArrowheads="1"/>
-          </p:cNvPicPr>
-          <p:nvPr/>
-        </p:nvPicPr>
-        <p:blipFill>
-          <a:blip r:embed="rId2">
-            <a:extLst>
-              <a:ext uri="{28A0092B-C50C-407E-A947-70E740481C1C}">
-                <a14:useLocalDpi xmlns:a14="http://schemas.microsoft.com/office/drawing/2010/main" val="0"/>
-              </a:ext>
-            </a:extLst>
-          </a:blip>
-          <a:srcRect/>
-          <a:stretch>
-            <a:fillRect/>
-          </a:stretch>
-        </p:blipFill>
-        <p:spPr bwMode="auto">
-          <a:xfrm>
-            <a:off x="660916" y="3965311"/>
-            <a:ext cx="1754155" cy="1754155"/>
-          </a:xfrm>
-          <a:prstGeom prst="rect">
-            <a:avLst/>
-          </a:prstGeom>
-          <a:noFill/>
-          <a:extLst>
-            <a:ext uri="{909E8E84-426E-40DD-AFC4-6F175D3DCCD1}">
-              <a14:hiddenFill xmlns:a14="http://schemas.microsoft.com/office/drawing/2010/main">
-                <a:solidFill>
-                  <a:srgbClr val="FFFFFF"/>
-                </a:solidFill>
-              </a14:hiddenFill>
-            </a:ext>
-          </a:extLst>
-        </p:spPr>
-      </p:pic>
-      <p:pic>
-        <p:nvPicPr>
-          <p:cNvPr id="7" name="Picture 2" descr="간단한 컴퓨터 라인 아이콘입니다 0명에 대한 스톡 벡터 아트 및 기타 이미지 - 0명, LCD, 개념 - iStock">
-            <a:extLst>
-              <a:ext uri="{FF2B5EF4-FFF2-40B4-BE49-F238E27FC236}">
-                <a16:creationId xmlns:a16="http://schemas.microsoft.com/office/drawing/2014/main" id="{7073E3B7-6C3A-02AD-DEEB-40E980DE110F}"/>
-              </a:ext>
-            </a:extLst>
-          </p:cNvPr>
-          <p:cNvPicPr>
-            <a:picLocks noChangeAspect="1" noChangeArrowheads="1"/>
-          </p:cNvPicPr>
-          <p:nvPr/>
-        </p:nvPicPr>
-        <p:blipFill>
-          <a:blip r:embed="rId2">
-            <a:extLst>
-              <a:ext uri="{28A0092B-C50C-407E-A947-70E740481C1C}">
-                <a14:useLocalDpi xmlns:a14="http://schemas.microsoft.com/office/drawing/2010/main" val="0"/>
-              </a:ext>
-            </a:extLst>
-          </a:blip>
-          <a:srcRect/>
-          <a:stretch>
-            <a:fillRect/>
-          </a:stretch>
-        </p:blipFill>
-        <p:spPr bwMode="auto">
-          <a:xfrm>
-            <a:off x="3073268" y="3965310"/>
-            <a:ext cx="1754155" cy="1754155"/>
-          </a:xfrm>
-          <a:prstGeom prst="rect">
-            <a:avLst/>
-          </a:prstGeom>
-          <a:noFill/>
-          <a:extLst>
-            <a:ext uri="{909E8E84-426E-40DD-AFC4-6F175D3DCCD1}">
-              <a14:hiddenFill xmlns:a14="http://schemas.microsoft.com/office/drawing/2010/main">
-                <a:solidFill>
-                  <a:srgbClr val="FFFFFF"/>
-                </a:solidFill>
-              </a14:hiddenFill>
-            </a:ext>
-          </a:extLst>
-        </p:spPr>
-      </p:pic>
-      <p:pic>
-        <p:nvPicPr>
-          <p:cNvPr id="9" name="Picture 2" descr="간단한 컴퓨터 라인 아이콘입니다 0명에 대한 스톡 벡터 아트 및 기타 이미지 - 0명, LCD, 개념 - iStock">
-            <a:extLst>
-              <a:ext uri="{FF2B5EF4-FFF2-40B4-BE49-F238E27FC236}">
-                <a16:creationId xmlns:a16="http://schemas.microsoft.com/office/drawing/2014/main" id="{67759F4C-C8A2-9A25-539E-B260338BDF9A}"/>
-              </a:ext>
-            </a:extLst>
-          </p:cNvPr>
-          <p:cNvPicPr>
-            <a:picLocks noChangeAspect="1" noChangeArrowheads="1"/>
-          </p:cNvPicPr>
-          <p:nvPr/>
-        </p:nvPicPr>
-        <p:blipFill>
-          <a:blip r:embed="rId2">
-            <a:extLst>
-              <a:ext uri="{28A0092B-C50C-407E-A947-70E740481C1C}">
-                <a14:useLocalDpi xmlns:a14="http://schemas.microsoft.com/office/drawing/2010/main" val="0"/>
-              </a:ext>
-            </a:extLst>
-          </a:blip>
-          <a:srcRect/>
-          <a:stretch>
-            <a:fillRect/>
-          </a:stretch>
-        </p:blipFill>
-        <p:spPr bwMode="auto">
-          <a:xfrm>
-            <a:off x="5305228" y="3965311"/>
-            <a:ext cx="1754155" cy="1754155"/>
-          </a:xfrm>
-          <a:prstGeom prst="rect">
-            <a:avLst/>
-          </a:prstGeom>
-          <a:noFill/>
-          <a:extLst>
-            <a:ext uri="{909E8E84-426E-40DD-AFC4-6F175D3DCCD1}">
-              <a14:hiddenFill xmlns:a14="http://schemas.microsoft.com/office/drawing/2010/main">
-                <a:solidFill>
-                  <a:srgbClr val="FFFFFF"/>
-                </a:solidFill>
-              </a14:hiddenFill>
-            </a:ext>
-          </a:extLst>
-        </p:spPr>
-      </p:pic>
-      <p:pic>
-        <p:nvPicPr>
-          <p:cNvPr id="10" name="Picture 2" descr="간단한 컴퓨터 라인 아이콘입니다 0명에 대한 스톡 벡터 아트 및 기타 이미지 - 0명, LCD, 개념 - iStock">
-            <a:extLst>
-              <a:ext uri="{FF2B5EF4-FFF2-40B4-BE49-F238E27FC236}">
-                <a16:creationId xmlns:a16="http://schemas.microsoft.com/office/drawing/2014/main" id="{9D56B2ED-42D2-C079-E38D-F34DC340396B}"/>
-              </a:ext>
-            </a:extLst>
-          </p:cNvPr>
-          <p:cNvPicPr>
-            <a:picLocks noChangeAspect="1" noChangeArrowheads="1"/>
-          </p:cNvPicPr>
-          <p:nvPr/>
-        </p:nvPicPr>
-        <p:blipFill>
-          <a:blip r:embed="rId2">
-            <a:extLst>
-              <a:ext uri="{28A0092B-C50C-407E-A947-70E740481C1C}">
-                <a14:useLocalDpi xmlns:a14="http://schemas.microsoft.com/office/drawing/2010/main" val="0"/>
-              </a:ext>
-            </a:extLst>
-          </a:blip>
-          <a:srcRect/>
-          <a:stretch>
-            <a:fillRect/>
-          </a:stretch>
-        </p:blipFill>
-        <p:spPr bwMode="auto">
-          <a:xfrm>
-            <a:off x="7537188" y="3965310"/>
-            <a:ext cx="1754155" cy="1754155"/>
-          </a:xfrm>
-          <a:prstGeom prst="rect">
-            <a:avLst/>
-          </a:prstGeom>
-          <a:noFill/>
-          <a:extLst>
-            <a:ext uri="{909E8E84-426E-40DD-AFC4-6F175D3DCCD1}">
-              <a14:hiddenFill xmlns:a14="http://schemas.microsoft.com/office/drawing/2010/main">
-                <a:solidFill>
-                  <a:srgbClr val="FFFFFF"/>
-                </a:solidFill>
-              </a14:hiddenFill>
-            </a:ext>
-          </a:extLst>
-        </p:spPr>
-      </p:pic>
-      <p:sp>
-        <p:nvSpPr>
-          <p:cNvPr id="11" name="TextBox 10">
-            <a:extLst>
-              <a:ext uri="{FF2B5EF4-FFF2-40B4-BE49-F238E27FC236}">
-                <a16:creationId xmlns:a16="http://schemas.microsoft.com/office/drawing/2014/main" id="{17DD300C-CF8D-ADED-6900-6607E8E373B1}"/>
-              </a:ext>
-            </a:extLst>
-          </p:cNvPr>
-          <p:cNvSpPr txBox="1"/>
-          <p:nvPr/>
-        </p:nvSpPr>
-        <p:spPr>
-          <a:xfrm>
-            <a:off x="6643395" y="1806019"/>
-            <a:ext cx="2096278" cy="646331"/>
-          </a:xfrm>
-          <a:prstGeom prst="rect">
-            <a:avLst/>
-          </a:prstGeom>
-          <a:noFill/>
-        </p:spPr>
-        <p:txBody>
-          <a:bodyPr wrap="square" rtlCol="0">
-            <a:spAutoFit/>
-          </a:bodyPr>
-          <a:lstStyle/>
-          <a:p>
-            <a:r>
-              <a:rPr lang="ko-KR" altLang="en-US" dirty="0"/>
-              <a:t>접속 받는 컴퓨터</a:t>
-            </a:r>
-            <a:endParaRPr lang="en-US" altLang="ko-KR" dirty="0"/>
-          </a:p>
-          <a:p>
-            <a:r>
-              <a:rPr lang="en-US" dirty="0"/>
-              <a:t>aaa@gmail.com</a:t>
-            </a:r>
-          </a:p>
-        </p:txBody>
-      </p:sp>
-      <p:sp>
-        <p:nvSpPr>
-          <p:cNvPr id="12" name="TextBox 11">
-            <a:extLst>
-              <a:ext uri="{FF2B5EF4-FFF2-40B4-BE49-F238E27FC236}">
-                <a16:creationId xmlns:a16="http://schemas.microsoft.com/office/drawing/2014/main" id="{7E110454-4829-FBE3-081B-4C77C0AE4E2D}"/>
-              </a:ext>
-            </a:extLst>
-          </p:cNvPr>
-          <p:cNvSpPr txBox="1"/>
-          <p:nvPr/>
-        </p:nvSpPr>
-        <p:spPr>
-          <a:xfrm>
-            <a:off x="7537188" y="5569366"/>
-            <a:ext cx="2096278" cy="646331"/>
-          </a:xfrm>
-          <a:prstGeom prst="rect">
-            <a:avLst/>
-          </a:prstGeom>
-          <a:noFill/>
-        </p:spPr>
-        <p:txBody>
-          <a:bodyPr wrap="square" rtlCol="0">
-            <a:spAutoFit/>
-          </a:bodyPr>
-          <a:lstStyle/>
-          <a:p>
-            <a:r>
-              <a:rPr lang="ko-KR" altLang="en-US" dirty="0"/>
-              <a:t>접속 하는 컴퓨터</a:t>
-            </a:r>
-            <a:endParaRPr lang="en-US" altLang="ko-KR" dirty="0"/>
-          </a:p>
-          <a:p>
-            <a:r>
-              <a:rPr lang="en-US" dirty="0"/>
-              <a:t>aaa@gmail.com</a:t>
-            </a:r>
-          </a:p>
-        </p:txBody>
-      </p:sp>
-      <p:sp>
-        <p:nvSpPr>
-          <p:cNvPr id="13" name="TextBox 12">
-            <a:extLst>
-              <a:ext uri="{FF2B5EF4-FFF2-40B4-BE49-F238E27FC236}">
-                <a16:creationId xmlns:a16="http://schemas.microsoft.com/office/drawing/2014/main" id="{BB8A6068-E2E5-7237-0027-339CBF0CB982}"/>
-              </a:ext>
-            </a:extLst>
-          </p:cNvPr>
-          <p:cNvSpPr txBox="1"/>
-          <p:nvPr/>
-        </p:nvSpPr>
-        <p:spPr>
-          <a:xfrm>
-            <a:off x="5232333" y="5569366"/>
-            <a:ext cx="2096278" cy="646331"/>
-          </a:xfrm>
-          <a:prstGeom prst="rect">
-            <a:avLst/>
-          </a:prstGeom>
-          <a:noFill/>
-        </p:spPr>
-        <p:txBody>
-          <a:bodyPr wrap="square" rtlCol="0">
-            <a:spAutoFit/>
-          </a:bodyPr>
-          <a:lstStyle/>
-          <a:p>
-            <a:r>
-              <a:rPr lang="ko-KR" altLang="en-US" dirty="0"/>
-              <a:t>접속 하는 컴퓨터</a:t>
-            </a:r>
-            <a:endParaRPr lang="en-US" altLang="ko-KR" dirty="0"/>
-          </a:p>
-          <a:p>
-            <a:r>
-              <a:rPr lang="en-US" dirty="0"/>
-              <a:t>ddd@gmail.com</a:t>
-            </a:r>
-          </a:p>
-        </p:txBody>
-      </p:sp>
-      <p:sp>
-        <p:nvSpPr>
-          <p:cNvPr id="14" name="TextBox 13">
-            <a:extLst>
-              <a:ext uri="{FF2B5EF4-FFF2-40B4-BE49-F238E27FC236}">
-                <a16:creationId xmlns:a16="http://schemas.microsoft.com/office/drawing/2014/main" id="{259DC590-4549-45DF-BBFA-7ED97A9A5822}"/>
-              </a:ext>
-            </a:extLst>
-          </p:cNvPr>
-          <p:cNvSpPr txBox="1"/>
-          <p:nvPr/>
-        </p:nvSpPr>
-        <p:spPr>
-          <a:xfrm>
-            <a:off x="3073268" y="5569366"/>
-            <a:ext cx="2096278" cy="646331"/>
-          </a:xfrm>
-          <a:prstGeom prst="rect">
-            <a:avLst/>
-          </a:prstGeom>
-          <a:noFill/>
-        </p:spPr>
-        <p:txBody>
-          <a:bodyPr wrap="square" rtlCol="0">
-            <a:spAutoFit/>
-          </a:bodyPr>
-          <a:lstStyle/>
-          <a:p>
-            <a:r>
-              <a:rPr lang="ko-KR" altLang="en-US" dirty="0"/>
-              <a:t>접속 하는 컴퓨터</a:t>
-            </a:r>
-            <a:endParaRPr lang="en-US" altLang="ko-KR" dirty="0"/>
-          </a:p>
-          <a:p>
-            <a:r>
-              <a:rPr lang="en-US" dirty="0"/>
-              <a:t>ccc@gmail.com</a:t>
-            </a:r>
-          </a:p>
-        </p:txBody>
-      </p:sp>
-      <p:sp>
-        <p:nvSpPr>
-          <p:cNvPr id="15" name="TextBox 14">
-            <a:extLst>
-              <a:ext uri="{FF2B5EF4-FFF2-40B4-BE49-F238E27FC236}">
-                <a16:creationId xmlns:a16="http://schemas.microsoft.com/office/drawing/2014/main" id="{59F07D39-2B06-E6C5-85E1-6436B6B014C0}"/>
-              </a:ext>
-            </a:extLst>
-          </p:cNvPr>
-          <p:cNvSpPr txBox="1"/>
-          <p:nvPr/>
-        </p:nvSpPr>
-        <p:spPr>
-          <a:xfrm>
-            <a:off x="681602" y="5569366"/>
-            <a:ext cx="2096278" cy="646331"/>
-          </a:xfrm>
-          <a:prstGeom prst="rect">
-            <a:avLst/>
-          </a:prstGeom>
-          <a:noFill/>
-        </p:spPr>
-        <p:txBody>
-          <a:bodyPr wrap="square" rtlCol="0">
-            <a:spAutoFit/>
-          </a:bodyPr>
-          <a:lstStyle/>
-          <a:p>
-            <a:r>
-              <a:rPr lang="ko-KR" altLang="en-US" dirty="0"/>
-              <a:t>접속 하는 컴퓨터</a:t>
-            </a:r>
-            <a:endParaRPr lang="en-US" altLang="ko-KR" dirty="0"/>
-          </a:p>
-          <a:p>
-            <a:r>
-              <a:rPr lang="en-US" dirty="0"/>
-              <a:t>bbb@gmail.com</a:t>
-            </a:r>
-          </a:p>
-        </p:txBody>
-      </p:sp>
-      <p:pic>
-        <p:nvPicPr>
-          <p:cNvPr id="16" name="Picture 2" descr="간단한 컴퓨터 라인 아이콘입니다 0명에 대한 스톡 벡터 아트 및 기타 이미지 - 0명, LCD, 개념 - iStock">
-            <a:extLst>
-              <a:ext uri="{FF2B5EF4-FFF2-40B4-BE49-F238E27FC236}">
-                <a16:creationId xmlns:a16="http://schemas.microsoft.com/office/drawing/2014/main" id="{3F3B234D-A775-346A-F8CF-75CA7DAE42D3}"/>
-              </a:ext>
-            </a:extLst>
-          </p:cNvPr>
-          <p:cNvPicPr>
-            <a:picLocks noChangeAspect="1" noChangeArrowheads="1"/>
-          </p:cNvPicPr>
-          <p:nvPr/>
-        </p:nvPicPr>
-        <p:blipFill>
-          <a:blip r:embed="rId2">
-            <a:extLst>
-              <a:ext uri="{28A0092B-C50C-407E-A947-70E740481C1C}">
-                <a14:useLocalDpi xmlns:a14="http://schemas.microsoft.com/office/drawing/2010/main" val="0"/>
-              </a:ext>
-            </a:extLst>
-          </a:blip>
-          <a:srcRect/>
-          <a:stretch>
-            <a:fillRect/>
-          </a:stretch>
-        </p:blipFill>
-        <p:spPr bwMode="auto">
-          <a:xfrm>
-            <a:off x="9737667" y="3965310"/>
-            <a:ext cx="1754155" cy="1754155"/>
-          </a:xfrm>
-          <a:prstGeom prst="rect">
-            <a:avLst/>
-          </a:prstGeom>
-          <a:noFill/>
-          <a:extLst>
-            <a:ext uri="{909E8E84-426E-40DD-AFC4-6F175D3DCCD1}">
-              <a14:hiddenFill xmlns:a14="http://schemas.microsoft.com/office/drawing/2010/main">
-                <a:solidFill>
-                  <a:srgbClr val="FFFFFF"/>
-                </a:solidFill>
-              </a14:hiddenFill>
-            </a:ext>
-          </a:extLst>
-        </p:spPr>
-      </p:pic>
-      <p:sp>
-        <p:nvSpPr>
-          <p:cNvPr id="17" name="TextBox 16">
-            <a:extLst>
-              <a:ext uri="{FF2B5EF4-FFF2-40B4-BE49-F238E27FC236}">
-                <a16:creationId xmlns:a16="http://schemas.microsoft.com/office/drawing/2014/main" id="{732AD5D5-D803-8647-C9BC-1701EB25A840}"/>
-              </a:ext>
-            </a:extLst>
-          </p:cNvPr>
-          <p:cNvSpPr txBox="1"/>
-          <p:nvPr/>
-        </p:nvSpPr>
-        <p:spPr>
-          <a:xfrm>
-            <a:off x="9737667" y="5569366"/>
-            <a:ext cx="2096278" cy="646331"/>
-          </a:xfrm>
-          <a:prstGeom prst="rect">
-            <a:avLst/>
-          </a:prstGeom>
-          <a:noFill/>
-        </p:spPr>
-        <p:txBody>
-          <a:bodyPr wrap="square" rtlCol="0">
-            <a:spAutoFit/>
-          </a:bodyPr>
-          <a:lstStyle/>
-          <a:p>
-            <a:r>
-              <a:rPr lang="ko-KR" altLang="en-US" dirty="0"/>
-              <a:t>접속 하는 컴퓨터</a:t>
-            </a:r>
-            <a:endParaRPr lang="en-US" altLang="ko-KR" dirty="0"/>
-          </a:p>
-          <a:p>
-            <a:r>
-              <a:rPr lang="en-US" dirty="0"/>
-              <a:t>aaa@gmail.com</a:t>
-            </a:r>
-          </a:p>
-        </p:txBody>
-      </p:sp>
-      <p:cxnSp>
-        <p:nvCxnSpPr>
-          <p:cNvPr id="19" name="직선 화살표 연결선 18">
-            <a:extLst>
-              <a:ext uri="{FF2B5EF4-FFF2-40B4-BE49-F238E27FC236}">
-                <a16:creationId xmlns:a16="http://schemas.microsoft.com/office/drawing/2014/main" id="{5869B424-0215-29CE-4B13-C102CDE13EB4}"/>
-              </a:ext>
-            </a:extLst>
-          </p:cNvPr>
-          <p:cNvCxnSpPr>
-            <a:stCxn id="5" idx="0"/>
-            <a:endCxn id="2050" idx="2"/>
-          </p:cNvCxnSpPr>
-          <p:nvPr/>
-        </p:nvCxnSpPr>
-        <p:spPr>
-          <a:xfrm flipV="1">
-            <a:off x="1537994" y="3110411"/>
-            <a:ext cx="4228324" cy="854900"/>
-          </a:xfrm>
-          <a:prstGeom prst="straightConnector1">
-            <a:avLst/>
-          </a:prstGeom>
-          <a:ln>
-            <a:headEnd type="triangle"/>
-            <a:tailEnd type="triangle"/>
-          </a:ln>
-        </p:spPr>
-        <p:style>
-          <a:lnRef idx="1">
-            <a:schemeClr val="accent1"/>
-          </a:lnRef>
-          <a:fillRef idx="0">
-            <a:schemeClr val="accent1"/>
-          </a:fillRef>
-          <a:effectRef idx="0">
-            <a:schemeClr val="accent1"/>
-          </a:effectRef>
-          <a:fontRef idx="minor">
-            <a:schemeClr val="tx1"/>
-          </a:fontRef>
-        </p:style>
-      </p:cxnSp>
-      <p:cxnSp>
-        <p:nvCxnSpPr>
-          <p:cNvPr id="21" name="직선 화살표 연결선 20">
-            <a:extLst>
-              <a:ext uri="{FF2B5EF4-FFF2-40B4-BE49-F238E27FC236}">
-                <a16:creationId xmlns:a16="http://schemas.microsoft.com/office/drawing/2014/main" id="{8B964B44-C0DC-02D7-0A3D-EF65E3D7B747}"/>
-              </a:ext>
-            </a:extLst>
-          </p:cNvPr>
-          <p:cNvCxnSpPr>
-            <a:stCxn id="7" idx="0"/>
-            <a:endCxn id="2050" idx="2"/>
-          </p:cNvCxnSpPr>
-          <p:nvPr/>
-        </p:nvCxnSpPr>
-        <p:spPr>
-          <a:xfrm flipV="1">
-            <a:off x="3950346" y="3110411"/>
-            <a:ext cx="1815972" cy="854899"/>
-          </a:xfrm>
-          <a:prstGeom prst="straightConnector1">
-            <a:avLst/>
-          </a:prstGeom>
-          <a:ln>
-            <a:headEnd type="triangle"/>
-            <a:tailEnd type="triangle"/>
-          </a:ln>
-        </p:spPr>
-        <p:style>
-          <a:lnRef idx="1">
-            <a:schemeClr val="accent1"/>
-          </a:lnRef>
-          <a:fillRef idx="0">
-            <a:schemeClr val="accent1"/>
-          </a:fillRef>
-          <a:effectRef idx="0">
-            <a:schemeClr val="accent1"/>
-          </a:effectRef>
-          <a:fontRef idx="minor">
-            <a:schemeClr val="tx1"/>
-          </a:fontRef>
-        </p:style>
-      </p:cxnSp>
-      <p:cxnSp>
-        <p:nvCxnSpPr>
-          <p:cNvPr id="23" name="직선 화살표 연결선 22">
-            <a:extLst>
-              <a:ext uri="{FF2B5EF4-FFF2-40B4-BE49-F238E27FC236}">
-                <a16:creationId xmlns:a16="http://schemas.microsoft.com/office/drawing/2014/main" id="{7C6478B9-26D7-B923-DACE-A928ABF681E4}"/>
-              </a:ext>
-            </a:extLst>
-          </p:cNvPr>
-          <p:cNvCxnSpPr>
-            <a:cxnSpLocks/>
-            <a:stCxn id="2050" idx="2"/>
-            <a:endCxn id="9" idx="0"/>
-          </p:cNvCxnSpPr>
-          <p:nvPr/>
-        </p:nvCxnSpPr>
-        <p:spPr>
-          <a:xfrm>
-            <a:off x="5766318" y="3110411"/>
-            <a:ext cx="415988" cy="854900"/>
-          </a:xfrm>
-          <a:prstGeom prst="straightConnector1">
-            <a:avLst/>
-          </a:prstGeom>
-          <a:ln>
-            <a:headEnd type="triangle"/>
-            <a:tailEnd type="triangle"/>
-          </a:ln>
-        </p:spPr>
-        <p:style>
-          <a:lnRef idx="1">
-            <a:schemeClr val="accent1"/>
-          </a:lnRef>
-          <a:fillRef idx="0">
-            <a:schemeClr val="accent1"/>
-          </a:fillRef>
-          <a:effectRef idx="0">
-            <a:schemeClr val="accent1"/>
-          </a:effectRef>
-          <a:fontRef idx="minor">
-            <a:schemeClr val="tx1"/>
-          </a:fontRef>
-        </p:style>
-      </p:cxnSp>
-      <p:cxnSp>
-        <p:nvCxnSpPr>
-          <p:cNvPr id="27" name="직선 화살표 연결선 26">
-            <a:extLst>
-              <a:ext uri="{FF2B5EF4-FFF2-40B4-BE49-F238E27FC236}">
-                <a16:creationId xmlns:a16="http://schemas.microsoft.com/office/drawing/2014/main" id="{A46ED744-BADD-60EA-B001-630AD6F03279}"/>
-              </a:ext>
-            </a:extLst>
-          </p:cNvPr>
-          <p:cNvCxnSpPr>
-            <a:stCxn id="2050" idx="2"/>
-            <a:endCxn id="10" idx="0"/>
-          </p:cNvCxnSpPr>
-          <p:nvPr/>
-        </p:nvCxnSpPr>
-        <p:spPr>
-          <a:xfrm>
-            <a:off x="5766318" y="3110411"/>
-            <a:ext cx="2647948" cy="854899"/>
-          </a:xfrm>
-          <a:prstGeom prst="straightConnector1">
-            <a:avLst/>
-          </a:prstGeom>
-          <a:ln>
-            <a:headEnd type="triangle"/>
-            <a:tailEnd type="triangle"/>
-          </a:ln>
-        </p:spPr>
-        <p:style>
-          <a:lnRef idx="1">
-            <a:schemeClr val="accent1"/>
-          </a:lnRef>
-          <a:fillRef idx="0">
-            <a:schemeClr val="accent1"/>
-          </a:fillRef>
-          <a:effectRef idx="0">
-            <a:schemeClr val="accent1"/>
-          </a:effectRef>
-          <a:fontRef idx="minor">
-            <a:schemeClr val="tx1"/>
-          </a:fontRef>
-        </p:style>
-      </p:cxnSp>
-      <p:cxnSp>
-        <p:nvCxnSpPr>
-          <p:cNvPr id="29" name="직선 화살표 연결선 28">
-            <a:extLst>
-              <a:ext uri="{FF2B5EF4-FFF2-40B4-BE49-F238E27FC236}">
-                <a16:creationId xmlns:a16="http://schemas.microsoft.com/office/drawing/2014/main" id="{2F27C382-96D3-2CA7-1E02-E1ED41E4EF3B}"/>
-              </a:ext>
-            </a:extLst>
-          </p:cNvPr>
-          <p:cNvCxnSpPr>
-            <a:stCxn id="2050" idx="2"/>
-            <a:endCxn id="16" idx="0"/>
-          </p:cNvCxnSpPr>
-          <p:nvPr/>
-        </p:nvCxnSpPr>
-        <p:spPr>
-          <a:xfrm>
-            <a:off x="5766318" y="3110411"/>
-            <a:ext cx="4848427" cy="854899"/>
-          </a:xfrm>
-          <a:prstGeom prst="straightConnector1">
-            <a:avLst/>
-          </a:prstGeom>
-          <a:ln>
-            <a:headEnd type="triangle"/>
-            <a:tailEnd type="triangle"/>
-          </a:ln>
-        </p:spPr>
-        <p:style>
-          <a:lnRef idx="1">
-            <a:schemeClr val="accent1"/>
-          </a:lnRef>
-          <a:fillRef idx="0">
-            <a:schemeClr val="accent1"/>
-          </a:fillRef>
-          <a:effectRef idx="0">
-            <a:schemeClr val="accent1"/>
-          </a:effectRef>
-          <a:fontRef idx="minor">
-            <a:schemeClr val="tx1"/>
-          </a:fontRef>
-        </p:style>
-      </p:cxnSp>
-      <p:sp>
-        <p:nvSpPr>
-          <p:cNvPr id="31" name="사각형: 둥근 모서리 30">
-            <a:extLst>
-              <a:ext uri="{FF2B5EF4-FFF2-40B4-BE49-F238E27FC236}">
-                <a16:creationId xmlns:a16="http://schemas.microsoft.com/office/drawing/2014/main" id="{FC366216-1BC9-8FD1-7359-4FC6E5590646}"/>
-              </a:ext>
-            </a:extLst>
-          </p:cNvPr>
-          <p:cNvSpPr/>
-          <p:nvPr/>
-        </p:nvSpPr>
-        <p:spPr>
-          <a:xfrm>
-            <a:off x="7446804" y="4007154"/>
-            <a:ext cx="4257516" cy="2278869"/>
-          </a:xfrm>
-          <a:prstGeom prst="roundRect">
-            <a:avLst/>
-          </a:prstGeom>
-          <a:noFill/>
-          <a:ln w="38100">
-            <a:solidFill>
-              <a:srgbClr val="A80000"/>
-            </a:solidFill>
-          </a:ln>
-        </p:spPr>
-        <p:style>
-          <a:lnRef idx="2">
-            <a:schemeClr val="accent1">
-              <a:shade val="50000"/>
-            </a:schemeClr>
-          </a:lnRef>
-          <a:fillRef idx="1">
-            <a:schemeClr val="accent1"/>
-          </a:fillRef>
-          <a:effectRef idx="0">
-            <a:schemeClr val="accent1"/>
-          </a:effectRef>
-          <a:fontRef idx="minor">
-            <a:schemeClr val="lt1"/>
-          </a:fontRef>
-        </p:style>
-        <p:txBody>
-          <a:bodyPr rtlCol="0" anchor="ctr"/>
-          <a:lstStyle/>
-          <a:p>
-            <a:pPr algn="ctr"/>
-            <a:endParaRPr lang="en-US"/>
-          </a:p>
-        </p:txBody>
-      </p:sp>
-      <p:sp>
-        <p:nvSpPr>
-          <p:cNvPr id="32" name="TextBox 31">
-            <a:extLst>
-              <a:ext uri="{FF2B5EF4-FFF2-40B4-BE49-F238E27FC236}">
-                <a16:creationId xmlns:a16="http://schemas.microsoft.com/office/drawing/2014/main" id="{77B33B11-3770-34B4-ECF3-77F35EC5E55C}"/>
-              </a:ext>
-            </a:extLst>
-          </p:cNvPr>
-          <p:cNvSpPr txBox="1"/>
-          <p:nvPr/>
-        </p:nvSpPr>
-        <p:spPr>
-          <a:xfrm>
-            <a:off x="9566605" y="2207350"/>
-            <a:ext cx="2096278" cy="1200329"/>
-          </a:xfrm>
-          <a:prstGeom prst="rect">
-            <a:avLst/>
-          </a:prstGeom>
-          <a:noFill/>
-        </p:spPr>
-        <p:txBody>
-          <a:bodyPr wrap="square" rtlCol="0">
-            <a:spAutoFit/>
-          </a:bodyPr>
-          <a:lstStyle/>
-          <a:p>
-            <a:pPr marL="285750" indent="-285750">
-              <a:buFontTx/>
-              <a:buChar char="-"/>
-            </a:pPr>
-            <a:r>
-              <a:rPr lang="ko-KR" altLang="en-US" dirty="0"/>
-              <a:t>같은 계정 동시 접속 불가능</a:t>
-            </a:r>
-            <a:r>
-              <a:rPr lang="en-US" altLang="ko-KR" dirty="0"/>
-              <a:t>(1</a:t>
-            </a:r>
-            <a:r>
-              <a:rPr lang="ko-KR" altLang="en-US" dirty="0"/>
-              <a:t>대</a:t>
-            </a:r>
-            <a:r>
-              <a:rPr lang="en-US" altLang="ko-KR" dirty="0"/>
-              <a:t>1</a:t>
-            </a:r>
-            <a:r>
-              <a:rPr lang="ko-KR" altLang="en-US" dirty="0"/>
-              <a:t>만 가능</a:t>
-            </a:r>
-            <a:r>
-              <a:rPr lang="en-US" altLang="ko-KR" dirty="0"/>
-              <a:t>)</a:t>
-            </a:r>
-          </a:p>
-          <a:p>
-            <a:pPr marL="285750" indent="-285750">
-              <a:buFontTx/>
-              <a:buChar char="-"/>
-            </a:pPr>
-            <a:r>
-              <a:rPr lang="ko-KR" altLang="en-US" dirty="0"/>
-              <a:t>외에 제한 없음</a:t>
-            </a:r>
-            <a:endParaRPr lang="en-US" altLang="ko-KR" dirty="0"/>
-          </a:p>
-        </p:txBody>
-      </p:sp>
-      <p:sp>
-        <p:nvSpPr>
-          <p:cNvPr id="33" name="사각형: 둥근 모서리 32">
-            <a:extLst>
-              <a:ext uri="{FF2B5EF4-FFF2-40B4-BE49-F238E27FC236}">
-                <a16:creationId xmlns:a16="http://schemas.microsoft.com/office/drawing/2014/main" id="{A1691F50-D9D7-0EBC-3991-CEED029BE720}"/>
-              </a:ext>
-            </a:extLst>
-          </p:cNvPr>
-          <p:cNvSpPr/>
-          <p:nvPr/>
-        </p:nvSpPr>
-        <p:spPr>
-          <a:xfrm>
-            <a:off x="528493" y="4007154"/>
-            <a:ext cx="6666572" cy="2278869"/>
-          </a:xfrm>
-          <a:prstGeom prst="roundRect">
-            <a:avLst/>
-          </a:prstGeom>
-          <a:noFill/>
-          <a:ln w="38100">
-            <a:solidFill>
-              <a:srgbClr val="A80000"/>
-            </a:solidFill>
-          </a:ln>
-        </p:spPr>
-        <p:style>
-          <a:lnRef idx="2">
-            <a:schemeClr val="accent1">
-              <a:shade val="50000"/>
-            </a:schemeClr>
-          </a:lnRef>
-          <a:fillRef idx="1">
-            <a:schemeClr val="accent1"/>
-          </a:fillRef>
-          <a:effectRef idx="0">
-            <a:schemeClr val="accent1"/>
-          </a:effectRef>
-          <a:fontRef idx="minor">
-            <a:schemeClr val="lt1"/>
-          </a:fontRef>
-        </p:style>
-        <p:txBody>
-          <a:bodyPr rtlCol="0" anchor="ctr"/>
-          <a:lstStyle/>
-          <a:p>
-            <a:pPr algn="ctr"/>
-            <a:endParaRPr lang="en-US"/>
-          </a:p>
-        </p:txBody>
-      </p:sp>
-      <p:sp>
-        <p:nvSpPr>
-          <p:cNvPr id="36" name="TextBox 35">
-            <a:extLst>
-              <a:ext uri="{FF2B5EF4-FFF2-40B4-BE49-F238E27FC236}">
-                <a16:creationId xmlns:a16="http://schemas.microsoft.com/office/drawing/2014/main" id="{E0514BD4-771E-D38E-F535-5F5ADF41FB83}"/>
-              </a:ext>
-            </a:extLst>
-          </p:cNvPr>
-          <p:cNvSpPr txBox="1"/>
-          <p:nvPr/>
-        </p:nvSpPr>
-        <p:spPr>
-          <a:xfrm>
-            <a:off x="600457" y="2207350"/>
-            <a:ext cx="2767256" cy="1477328"/>
-          </a:xfrm>
-          <a:prstGeom prst="rect">
-            <a:avLst/>
-          </a:prstGeom>
-          <a:noFill/>
-        </p:spPr>
-        <p:txBody>
-          <a:bodyPr wrap="square" rtlCol="0">
-            <a:spAutoFit/>
-          </a:bodyPr>
-          <a:lstStyle/>
-          <a:p>
-            <a:pPr marL="285750" indent="-285750">
-              <a:buFontTx/>
-              <a:buChar char="-"/>
-            </a:pPr>
-            <a:r>
-              <a:rPr lang="ko-KR" altLang="en-US" dirty="0"/>
-              <a:t>접속 받는 컴퓨터로부터 </a:t>
-            </a:r>
-            <a:r>
-              <a:rPr lang="en-US" altLang="ko-KR" dirty="0"/>
-              <a:t>PIN </a:t>
-            </a:r>
-            <a:r>
-              <a:rPr lang="ko-KR" altLang="en-US" dirty="0"/>
-              <a:t>번호를 받아야 접속 가능</a:t>
-            </a:r>
-            <a:endParaRPr lang="en-US" altLang="ko-KR" dirty="0"/>
-          </a:p>
-          <a:p>
-            <a:pPr marL="285750" indent="-285750">
-              <a:buFontTx/>
-              <a:buChar char="-"/>
-            </a:pPr>
-            <a:r>
-              <a:rPr lang="en-US" dirty="0"/>
-              <a:t>1</a:t>
-            </a:r>
-            <a:r>
-              <a:rPr lang="ko-KR" altLang="en-US" dirty="0"/>
-              <a:t>시간 이후 자동으로 접속종료</a:t>
-            </a:r>
-            <a:endParaRPr lang="en-US" dirty="0"/>
-          </a:p>
-        </p:txBody>
-      </p:sp>
-    </p:spTree>
-    <p:extLst>
-      <p:ext uri="{BB962C8B-B14F-4D97-AF65-F5344CB8AC3E}">
-        <p14:creationId xmlns:p14="http://schemas.microsoft.com/office/powerpoint/2010/main" val="2318599122"/>
-      </p:ext>
-    </p:extLst>
-  </p:cSld>
-  <p:clrMapOvr>
-    <a:masterClrMapping/>
-  </p:clrMapOvr>
-</p:sld>
-</file>
-
-<file path=ppt/slides/slide12.xml><?xml version="1.0" encoding="utf-8"?>
-<p:sld xmlns:a="http://schemas.openxmlformats.org/drawingml/2006/main" xmlns:r="http://schemas.openxmlformats.org/officeDocument/2006/relationships" xmlns:p="http://schemas.openxmlformats.org/presentationml/2006/main">
-  <p:cSld>
-    <p:spTree>
-      <p:nvGrpSpPr>
-        <p:cNvPr id="1" name=""/>
-        <p:cNvGrpSpPr/>
-        <p:nvPr/>
-      </p:nvGrpSpPr>
-      <p:grpSpPr>
-        <a:xfrm>
-          <a:off x="0" y="0"/>
-          <a:ext cx="0" cy="0"/>
-          <a:chOff x="0" y="0"/>
-          <a:chExt cx="0" cy="0"/>
-        </a:xfrm>
-      </p:grpSpPr>
-      <p:sp>
-        <p:nvSpPr>
-          <p:cNvPr id="4" name="날짜 개체 틀 3">
-            <a:extLst>
-              <a:ext uri="{FF2B5EF4-FFF2-40B4-BE49-F238E27FC236}">
-                <a16:creationId xmlns:a16="http://schemas.microsoft.com/office/drawing/2014/main" id="{96EB53D3-8572-4237-B28C-28CB40308C40}"/>
-              </a:ext>
-            </a:extLst>
-          </p:cNvPr>
-          <p:cNvSpPr>
-            <a:spLocks noGrp="1"/>
-          </p:cNvSpPr>
-          <p:nvPr>
-            <p:ph type="dt" sz="half" idx="10"/>
-          </p:nvPr>
-        </p:nvSpPr>
-        <p:spPr>
-          <a:xfrm>
-            <a:off x="141514" y="6356350"/>
-            <a:ext cx="2743200" cy="365125"/>
-          </a:xfrm>
-        </p:spPr>
-        <p:txBody>
-          <a:bodyPr/>
-          <a:lstStyle/>
-          <a:p>
-            <a:fld id="{0303D7D5-FAC8-4B75-A637-D564180CD715}" type="datetime1">
-              <a:rPr lang="ko-KR" altLang="en-US" sz="1000" smtClean="0"/>
-              <a:t>2023-06-07</a:t>
-            </a:fld>
-            <a:endParaRPr lang="ko-KR" altLang="en-US" sz="1000" dirty="0"/>
-          </a:p>
-        </p:txBody>
-      </p:sp>
-      <p:sp>
-        <p:nvSpPr>
-          <p:cNvPr id="6" name="슬라이드 번호 개체 틀 5">
-            <a:extLst>
-              <a:ext uri="{FF2B5EF4-FFF2-40B4-BE49-F238E27FC236}">
-                <a16:creationId xmlns:a16="http://schemas.microsoft.com/office/drawing/2014/main" id="{6E93A4FF-EE48-4AD7-B7EF-105B8CE4CD9F}"/>
-              </a:ext>
-            </a:extLst>
-          </p:cNvPr>
-          <p:cNvSpPr>
-            <a:spLocks noGrp="1"/>
-          </p:cNvSpPr>
-          <p:nvPr>
-            <p:ph type="sldNum" sz="quarter" idx="12"/>
-          </p:nvPr>
-        </p:nvSpPr>
-        <p:spPr/>
-        <p:txBody>
-          <a:bodyPr/>
-          <a:lstStyle/>
-          <a:p>
-            <a:fld id="{77D8DCB6-DE77-432F-867E-17030BC60D58}" type="slidenum">
-              <a:rPr lang="ko-KR" altLang="en-US" smtClean="0"/>
-              <a:t>12</a:t>
-            </a:fld>
-            <a:endParaRPr lang="ko-KR" altLang="en-US"/>
-          </a:p>
-        </p:txBody>
-      </p:sp>
-      <p:cxnSp>
-        <p:nvCxnSpPr>
-          <p:cNvPr id="8" name="직선 연결선 7">
-            <a:extLst>
-              <a:ext uri="{FF2B5EF4-FFF2-40B4-BE49-F238E27FC236}">
-                <a16:creationId xmlns:a16="http://schemas.microsoft.com/office/drawing/2014/main" id="{D1F8D6B6-3C71-480C-BFAD-599210C64964}"/>
-              </a:ext>
-            </a:extLst>
-          </p:cNvPr>
-          <p:cNvCxnSpPr>
-            <a:cxnSpLocks/>
-          </p:cNvCxnSpPr>
-          <p:nvPr/>
-        </p:nvCxnSpPr>
-        <p:spPr>
-          <a:xfrm>
-            <a:off x="513806" y="1138535"/>
-            <a:ext cx="10978016" cy="0"/>
-          </a:xfrm>
-          <a:prstGeom prst="line">
-            <a:avLst/>
-          </a:prstGeom>
-          <a:ln w="28575">
-            <a:solidFill>
-              <a:srgbClr val="A80000"/>
-            </a:solidFill>
-          </a:ln>
-        </p:spPr>
-        <p:style>
-          <a:lnRef idx="1">
-            <a:schemeClr val="accent1"/>
-          </a:lnRef>
-          <a:fillRef idx="0">
-            <a:schemeClr val="accent1"/>
-          </a:fillRef>
-          <a:effectRef idx="0">
-            <a:schemeClr val="accent1"/>
-          </a:effectRef>
-          <a:fontRef idx="minor">
-            <a:schemeClr val="tx1"/>
-          </a:fontRef>
-        </p:style>
-      </p:cxnSp>
-      <p:sp>
-        <p:nvSpPr>
-          <p:cNvPr id="36" name="TextBox 35">
-            <a:extLst>
-              <a:ext uri="{FF2B5EF4-FFF2-40B4-BE49-F238E27FC236}">
-                <a16:creationId xmlns:a16="http://schemas.microsoft.com/office/drawing/2014/main" id="{3C3939C7-CC39-44FA-A675-2041553BC4CE}"/>
-              </a:ext>
-            </a:extLst>
-          </p:cNvPr>
-          <p:cNvSpPr txBox="1"/>
-          <p:nvPr/>
-        </p:nvSpPr>
-        <p:spPr>
-          <a:xfrm>
-            <a:off x="1046514" y="1316708"/>
-            <a:ext cx="9916126" cy="5203476"/>
-          </a:xfrm>
-          <a:prstGeom prst="rect">
-            <a:avLst/>
-          </a:prstGeom>
-          <a:noFill/>
-        </p:spPr>
-        <p:txBody>
-          <a:bodyPr wrap="square" rtlCol="0">
-            <a:spAutoFit/>
-          </a:bodyPr>
-          <a:lstStyle/>
-          <a:p>
-            <a:pPr marL="285750" indent="-285750">
-              <a:buFont typeface="Arial" panose="020B0604020202020204" pitchFamily="34" charset="0"/>
-              <a:buChar char="•"/>
-            </a:pPr>
-            <a:r>
-              <a:rPr lang="ko-KR" altLang="en-US" sz="3000" b="1" dirty="0">
-                <a:solidFill>
-                  <a:schemeClr val="tx1">
-                    <a:lumMod val="65000"/>
-                    <a:lumOff val="35000"/>
-                  </a:schemeClr>
-                </a:solidFill>
-              </a:rPr>
-              <a:t>장점</a:t>
-            </a:r>
-            <a:endParaRPr lang="en-US" altLang="ko-KR" sz="3000" b="1" dirty="0">
-              <a:solidFill>
-                <a:schemeClr val="tx1">
-                  <a:lumMod val="65000"/>
-                  <a:lumOff val="35000"/>
-                </a:schemeClr>
-              </a:solidFill>
-            </a:endParaRPr>
-          </a:p>
-          <a:p>
-            <a:pPr marL="742950" lvl="1" indent="-285750">
-              <a:lnSpc>
-                <a:spcPct val="150000"/>
-              </a:lnSpc>
-              <a:buFont typeface="Arial" panose="020B0604020202020204" pitchFamily="34" charset="0"/>
-              <a:buChar char="•"/>
-            </a:pPr>
-            <a:r>
-              <a:rPr lang="ko-KR" altLang="en-US" sz="2000" b="1" dirty="0">
-                <a:solidFill>
-                  <a:schemeClr val="tx1">
-                    <a:lumMod val="65000"/>
-                    <a:lumOff val="35000"/>
-                  </a:schemeClr>
-                </a:solidFill>
-              </a:rPr>
-              <a:t>간편한 설치 및 접근성</a:t>
-            </a:r>
-            <a:endParaRPr lang="en-US" altLang="ko-KR" sz="2000" b="1" dirty="0">
-              <a:solidFill>
-                <a:schemeClr val="tx1">
-                  <a:lumMod val="65000"/>
-                  <a:lumOff val="35000"/>
-                </a:schemeClr>
-              </a:solidFill>
-            </a:endParaRPr>
-          </a:p>
-          <a:p>
-            <a:pPr marL="742950" lvl="1" indent="-285750">
-              <a:lnSpc>
-                <a:spcPct val="150000"/>
-              </a:lnSpc>
-              <a:buFont typeface="Arial" panose="020B0604020202020204" pitchFamily="34" charset="0"/>
-              <a:buChar char="•"/>
-            </a:pPr>
-            <a:r>
-              <a:rPr lang="ko-KR" altLang="en-US" sz="2000" b="1" dirty="0">
-                <a:solidFill>
-                  <a:schemeClr val="tx1">
-                    <a:lumMod val="65000"/>
-                    <a:lumOff val="35000"/>
-                  </a:schemeClr>
-                </a:solidFill>
-              </a:rPr>
-              <a:t>비용 발생하지 않음</a:t>
-            </a:r>
-            <a:endParaRPr lang="en-US" altLang="ko-KR" sz="2000" b="1" dirty="0">
-              <a:solidFill>
-                <a:schemeClr val="tx1">
-                  <a:lumMod val="65000"/>
-                  <a:lumOff val="35000"/>
-                </a:schemeClr>
-              </a:solidFill>
-            </a:endParaRPr>
-          </a:p>
-          <a:p>
-            <a:pPr marL="742950" lvl="1" indent="-285750">
-              <a:lnSpc>
-                <a:spcPct val="150000"/>
-              </a:lnSpc>
-              <a:buFont typeface="Arial" panose="020B0604020202020204" pitchFamily="34" charset="0"/>
-              <a:buChar char="•"/>
-            </a:pPr>
-            <a:r>
-              <a:rPr lang="ko-KR" altLang="en-US" sz="2000" b="1" dirty="0">
-                <a:solidFill>
-                  <a:schemeClr val="tx1">
-                    <a:lumMod val="65000"/>
-                    <a:lumOff val="35000"/>
-                  </a:schemeClr>
-                </a:solidFill>
-              </a:rPr>
-              <a:t>같은 구글 계정간 연결 시 추가 인증번호가 필요하지 않음</a:t>
-            </a:r>
-            <a:r>
-              <a:rPr lang="en-US" altLang="ko-KR" sz="2000" b="1" dirty="0">
-                <a:solidFill>
-                  <a:schemeClr val="tx1">
-                    <a:lumMod val="65000"/>
-                    <a:lumOff val="35000"/>
-                  </a:schemeClr>
-                </a:solidFill>
-              </a:rPr>
-              <a:t>.(2</a:t>
-            </a:r>
-            <a:r>
-              <a:rPr lang="ko-KR" altLang="en-US" sz="2000" b="1" dirty="0">
-                <a:solidFill>
-                  <a:schemeClr val="tx1">
-                    <a:lumMod val="65000"/>
-                    <a:lumOff val="35000"/>
-                  </a:schemeClr>
-                </a:solidFill>
-              </a:rPr>
-              <a:t>명 이상 이용 </a:t>
-            </a:r>
-            <a:r>
-              <a:rPr lang="en-US" altLang="ko-KR" sz="2000" b="1" dirty="0">
-                <a:solidFill>
-                  <a:schemeClr val="tx1">
-                    <a:lumMod val="65000"/>
-                    <a:lumOff val="35000"/>
-                  </a:schemeClr>
-                </a:solidFill>
-              </a:rPr>
-              <a:t>x)</a:t>
-            </a:r>
-          </a:p>
-          <a:p>
-            <a:pPr marL="742950" lvl="1" indent="-285750">
-              <a:lnSpc>
-                <a:spcPct val="150000"/>
-              </a:lnSpc>
-              <a:buFont typeface="Arial" panose="020B0604020202020204" pitchFamily="34" charset="0"/>
-              <a:buChar char="•"/>
-            </a:pPr>
-            <a:endParaRPr lang="en-US" altLang="ko-KR" sz="2000" b="1" dirty="0">
-              <a:solidFill>
-                <a:schemeClr val="tx1">
-                  <a:lumMod val="65000"/>
-                  <a:lumOff val="35000"/>
-                </a:schemeClr>
-              </a:solidFill>
-            </a:endParaRPr>
-          </a:p>
-          <a:p>
-            <a:pPr marL="285750" indent="-285750">
-              <a:buFont typeface="Arial" panose="020B0604020202020204" pitchFamily="34" charset="0"/>
-              <a:buChar char="•"/>
-            </a:pPr>
-            <a:endParaRPr lang="en-US" altLang="ko-KR" b="1" dirty="0">
-              <a:solidFill>
-                <a:schemeClr val="tx1">
-                  <a:lumMod val="65000"/>
-                  <a:lumOff val="35000"/>
-                </a:schemeClr>
-              </a:solidFill>
-            </a:endParaRPr>
-          </a:p>
-          <a:p>
-            <a:pPr marL="285750" indent="-285750">
-              <a:buFont typeface="Arial" panose="020B0604020202020204" pitchFamily="34" charset="0"/>
-              <a:buChar char="•"/>
-            </a:pPr>
-            <a:endParaRPr lang="en-US" altLang="ko-KR" b="1" dirty="0">
-              <a:solidFill>
-                <a:schemeClr val="tx1">
-                  <a:lumMod val="65000"/>
-                  <a:lumOff val="35000"/>
-                </a:schemeClr>
-              </a:solidFill>
-            </a:endParaRPr>
-          </a:p>
-          <a:p>
-            <a:pPr marL="285750" indent="-285750">
-              <a:buFont typeface="Arial" panose="020B0604020202020204" pitchFamily="34" charset="0"/>
-              <a:buChar char="•"/>
-            </a:pPr>
-            <a:r>
-              <a:rPr lang="ko-KR" altLang="en-US" sz="3000" b="1" dirty="0">
-                <a:solidFill>
-                  <a:schemeClr val="tx1">
-                    <a:lumMod val="65000"/>
-                    <a:lumOff val="35000"/>
-                  </a:schemeClr>
-                </a:solidFill>
-              </a:rPr>
-              <a:t>단점</a:t>
-            </a:r>
-            <a:endParaRPr lang="en-US" altLang="ko-KR" sz="3000" b="1" dirty="0">
-              <a:solidFill>
-                <a:schemeClr val="tx1">
-                  <a:lumMod val="65000"/>
-                  <a:lumOff val="35000"/>
-                </a:schemeClr>
-              </a:solidFill>
-            </a:endParaRPr>
-          </a:p>
-          <a:p>
-            <a:pPr marL="742950" lvl="1" indent="-285750">
-              <a:lnSpc>
-                <a:spcPct val="150000"/>
-              </a:lnSpc>
-              <a:buFont typeface="Arial" panose="020B0604020202020204" pitchFamily="34" charset="0"/>
-              <a:buChar char="•"/>
-            </a:pPr>
-            <a:r>
-              <a:rPr lang="ko-KR" altLang="en-US" sz="2000" b="1" dirty="0">
-                <a:solidFill>
-                  <a:schemeClr val="tx1">
-                    <a:lumMod val="65000"/>
-                    <a:lumOff val="35000"/>
-                  </a:schemeClr>
-                </a:solidFill>
-              </a:rPr>
-              <a:t>자동으로 연결이 종료됨</a:t>
-            </a:r>
-            <a:r>
-              <a:rPr lang="en-US" altLang="ko-KR" sz="2000" b="1" dirty="0">
-                <a:solidFill>
-                  <a:schemeClr val="tx1">
-                    <a:lumMod val="65000"/>
-                    <a:lumOff val="35000"/>
-                  </a:schemeClr>
-                </a:solidFill>
-              </a:rPr>
-              <a:t>(1</a:t>
-            </a:r>
-            <a:r>
-              <a:rPr lang="ko-KR" altLang="en-US" sz="2000" b="1" dirty="0">
-                <a:solidFill>
-                  <a:schemeClr val="tx1">
-                    <a:lumMod val="65000"/>
-                    <a:lumOff val="35000"/>
-                  </a:schemeClr>
-                </a:solidFill>
-              </a:rPr>
-              <a:t>시간</a:t>
-            </a:r>
-            <a:r>
-              <a:rPr lang="en-US" altLang="ko-KR" sz="2000" b="1" dirty="0">
-                <a:solidFill>
-                  <a:schemeClr val="tx1">
-                    <a:lumMod val="65000"/>
-                    <a:lumOff val="35000"/>
-                  </a:schemeClr>
-                </a:solidFill>
-              </a:rPr>
-              <a:t>)-&gt;</a:t>
-            </a:r>
-            <a:r>
-              <a:rPr lang="ko-KR" altLang="en-US" sz="2000" b="1" dirty="0">
-                <a:solidFill>
-                  <a:schemeClr val="tx1">
-                    <a:lumMod val="65000"/>
-                    <a:lumOff val="35000"/>
-                  </a:schemeClr>
-                </a:solidFill>
-              </a:rPr>
-              <a:t>지속적인 연결이 필요함</a:t>
-            </a:r>
-            <a:r>
-              <a:rPr lang="en-US" altLang="ko-KR" sz="2000" b="1" dirty="0">
-                <a:solidFill>
-                  <a:schemeClr val="tx1">
-                    <a:lumMod val="65000"/>
-                    <a:lumOff val="35000"/>
-                  </a:schemeClr>
-                </a:solidFill>
-              </a:rPr>
-              <a:t>.</a:t>
-            </a:r>
-          </a:p>
-          <a:p>
-            <a:pPr marL="742950" lvl="1" indent="-285750">
-              <a:lnSpc>
-                <a:spcPct val="150000"/>
-              </a:lnSpc>
-              <a:buFont typeface="Arial" panose="020B0604020202020204" pitchFamily="34" charset="0"/>
-              <a:buChar char="•"/>
-            </a:pPr>
-            <a:r>
-              <a:rPr lang="en-US" altLang="ko-KR" sz="2000" b="1" dirty="0">
-                <a:solidFill>
-                  <a:schemeClr val="tx1">
-                    <a:lumMod val="65000"/>
-                    <a:lumOff val="35000"/>
-                  </a:schemeClr>
-                </a:solidFill>
-              </a:rPr>
-              <a:t>2</a:t>
-            </a:r>
-            <a:r>
-              <a:rPr lang="ko-KR" altLang="en-US" sz="2000" b="1" dirty="0">
-                <a:solidFill>
-                  <a:schemeClr val="tx1">
-                    <a:lumMod val="65000"/>
-                    <a:lumOff val="35000"/>
-                  </a:schemeClr>
-                </a:solidFill>
-              </a:rPr>
-              <a:t>명 이상 이용 시 원격을 제공하는 곳에서 접속시마다 액세스 코드를 생성해 접속자에게 전달 필요</a:t>
-            </a:r>
-            <a:r>
-              <a:rPr lang="en-US" altLang="ko-KR" sz="2000" b="1" dirty="0">
-                <a:solidFill>
-                  <a:schemeClr val="tx1">
-                    <a:lumMod val="65000"/>
-                    <a:lumOff val="35000"/>
-                  </a:schemeClr>
-                </a:solidFill>
-              </a:rPr>
-              <a:t>.</a:t>
-            </a:r>
-          </a:p>
-          <a:p>
-            <a:pPr marL="742950" lvl="1" indent="-285750">
-              <a:lnSpc>
-                <a:spcPct val="150000"/>
-              </a:lnSpc>
-              <a:buFont typeface="Arial" panose="020B0604020202020204" pitchFamily="34" charset="0"/>
-              <a:buChar char="•"/>
-            </a:pPr>
-            <a:r>
-              <a:rPr lang="ko-KR" altLang="en-US" sz="2000" b="1" dirty="0">
-                <a:solidFill>
-                  <a:schemeClr val="tx1">
-                    <a:lumMod val="65000"/>
-                    <a:lumOff val="35000"/>
-                  </a:schemeClr>
-                </a:solidFill>
-              </a:rPr>
-              <a:t>다중 모니터 이용 시 화면이 작아져 확대가 어려움</a:t>
-            </a:r>
-            <a:r>
-              <a:rPr lang="en-US" altLang="ko-KR" sz="2000" b="1" dirty="0">
-                <a:solidFill>
-                  <a:schemeClr val="tx1">
-                    <a:lumMod val="65000"/>
-                    <a:lumOff val="35000"/>
-                  </a:schemeClr>
-                </a:solidFill>
-              </a:rPr>
-              <a:t>.</a:t>
-            </a:r>
-            <a:endParaRPr lang="ko-KR" altLang="en-US" sz="2000" b="1" dirty="0">
-              <a:solidFill>
-                <a:schemeClr val="tx1">
-                  <a:lumMod val="65000"/>
-                  <a:lumOff val="35000"/>
-                </a:schemeClr>
-              </a:solidFill>
-            </a:endParaRPr>
-          </a:p>
-        </p:txBody>
-      </p:sp>
-      <p:sp>
-        <p:nvSpPr>
-          <p:cNvPr id="2" name="TextBox 1">
-            <a:extLst>
-              <a:ext uri="{FF2B5EF4-FFF2-40B4-BE49-F238E27FC236}">
-                <a16:creationId xmlns:a16="http://schemas.microsoft.com/office/drawing/2014/main" id="{82581151-C8AA-F77B-A1C9-ACA3C18C17A4}"/>
-              </a:ext>
-            </a:extLst>
-          </p:cNvPr>
-          <p:cNvSpPr txBox="1"/>
-          <p:nvPr/>
-        </p:nvSpPr>
-        <p:spPr>
-          <a:xfrm>
-            <a:off x="513806" y="576645"/>
-            <a:ext cx="5886994" cy="523220"/>
-          </a:xfrm>
-          <a:prstGeom prst="rect">
-            <a:avLst/>
-          </a:prstGeom>
-          <a:noFill/>
-        </p:spPr>
-        <p:txBody>
-          <a:bodyPr wrap="square" rtlCol="0">
-            <a:spAutoFit/>
-          </a:bodyPr>
-          <a:lstStyle/>
-          <a:p>
-            <a:r>
-              <a:rPr lang="en-US" altLang="ko-KR" sz="2800" b="1" dirty="0">
-                <a:solidFill>
-                  <a:schemeClr val="tx1">
-                    <a:lumMod val="65000"/>
-                    <a:lumOff val="35000"/>
-                  </a:schemeClr>
-                </a:solidFill>
-              </a:rPr>
-              <a:t>Google Chrome </a:t>
-            </a:r>
-            <a:r>
-              <a:rPr lang="ko-KR" altLang="en-US" sz="2800" b="1" dirty="0">
-                <a:solidFill>
-                  <a:schemeClr val="tx1">
-                    <a:lumMod val="65000"/>
-                    <a:lumOff val="35000"/>
-                  </a:schemeClr>
-                </a:solidFill>
-              </a:rPr>
-              <a:t>원격</a:t>
-            </a:r>
-            <a:r>
-              <a:rPr lang="en-US" altLang="ko-KR" sz="2800" b="1" dirty="0">
-                <a:solidFill>
-                  <a:schemeClr val="tx1">
-                    <a:lumMod val="65000"/>
-                    <a:lumOff val="35000"/>
-                  </a:schemeClr>
-                </a:solidFill>
-              </a:rPr>
-              <a:t> </a:t>
-            </a:r>
-            <a:r>
-              <a:rPr lang="ko-KR" altLang="en-US" sz="2800" b="1" dirty="0">
-                <a:solidFill>
-                  <a:schemeClr val="tx1">
-                    <a:lumMod val="65000"/>
-                    <a:lumOff val="35000"/>
-                  </a:schemeClr>
-                </a:solidFill>
-              </a:rPr>
-              <a:t>데스크 탑</a:t>
-            </a:r>
-          </a:p>
-        </p:txBody>
-      </p:sp>
-    </p:spTree>
-    <p:extLst>
-      <p:ext uri="{BB962C8B-B14F-4D97-AF65-F5344CB8AC3E}">
-        <p14:creationId xmlns:p14="http://schemas.microsoft.com/office/powerpoint/2010/main" val="1218103858"/>
-      </p:ext>
-    </p:extLst>
-  </p:cSld>
-  <p:clrMapOvr>
-    <a:masterClrMapping/>
-  </p:clrMapOvr>
-</p:sld>
-</file>
-
-<file path=ppt/slides/slide13.xml><?xml version="1.0" encoding="utf-8"?>
-<p:sld xmlns:a="http://schemas.openxmlformats.org/drawingml/2006/main" xmlns:r="http://schemas.openxmlformats.org/officeDocument/2006/relationships" xmlns:p="http://schemas.openxmlformats.org/presentationml/2006/main">
-  <p:cSld>
-    <p:spTree>
-      <p:nvGrpSpPr>
-        <p:cNvPr id="1" name=""/>
-        <p:cNvGrpSpPr/>
-        <p:nvPr/>
-      </p:nvGrpSpPr>
-      <p:grpSpPr>
-        <a:xfrm>
-          <a:off x="0" y="0"/>
-          <a:ext cx="0" cy="0"/>
-          <a:chOff x="0" y="0"/>
-          <a:chExt cx="0" cy="0"/>
-        </a:xfrm>
-      </p:grpSpPr>
-      <p:sp>
-        <p:nvSpPr>
-          <p:cNvPr id="4" name="날짜 개체 틀 3">
-            <a:extLst>
-              <a:ext uri="{FF2B5EF4-FFF2-40B4-BE49-F238E27FC236}">
-                <a16:creationId xmlns:a16="http://schemas.microsoft.com/office/drawing/2014/main" id="{96EB53D3-8572-4237-B28C-28CB40308C40}"/>
-              </a:ext>
-            </a:extLst>
-          </p:cNvPr>
-          <p:cNvSpPr>
-            <a:spLocks noGrp="1"/>
-          </p:cNvSpPr>
-          <p:nvPr>
-            <p:ph type="dt" sz="half" idx="10"/>
-          </p:nvPr>
-        </p:nvSpPr>
-        <p:spPr>
-          <a:xfrm>
-            <a:off x="141514" y="6356350"/>
-            <a:ext cx="2743200" cy="365125"/>
-          </a:xfrm>
-        </p:spPr>
-        <p:txBody>
-          <a:bodyPr/>
-          <a:lstStyle/>
-          <a:p>
-            <a:fld id="{0303D7D5-FAC8-4B75-A637-D564180CD715}" type="datetime1">
-              <a:rPr lang="ko-KR" altLang="en-US" sz="1000" smtClean="0"/>
-              <a:t>2023-06-07</a:t>
-            </a:fld>
-            <a:endParaRPr lang="ko-KR" altLang="en-US" sz="1000" dirty="0"/>
-          </a:p>
-        </p:txBody>
-      </p:sp>
-      <p:sp>
-        <p:nvSpPr>
-          <p:cNvPr id="6" name="슬라이드 번호 개체 틀 5">
-            <a:extLst>
-              <a:ext uri="{FF2B5EF4-FFF2-40B4-BE49-F238E27FC236}">
-                <a16:creationId xmlns:a16="http://schemas.microsoft.com/office/drawing/2014/main" id="{6E93A4FF-EE48-4AD7-B7EF-105B8CE4CD9F}"/>
-              </a:ext>
-            </a:extLst>
-          </p:cNvPr>
-          <p:cNvSpPr>
-            <a:spLocks noGrp="1"/>
-          </p:cNvSpPr>
-          <p:nvPr>
-            <p:ph type="sldNum" sz="quarter" idx="12"/>
-          </p:nvPr>
-        </p:nvSpPr>
-        <p:spPr/>
-        <p:txBody>
-          <a:bodyPr/>
-          <a:lstStyle/>
-          <a:p>
-            <a:fld id="{77D8DCB6-DE77-432F-867E-17030BC60D58}" type="slidenum">
-              <a:rPr lang="ko-KR" altLang="en-US" smtClean="0"/>
-              <a:t>13</a:t>
-            </a:fld>
-            <a:endParaRPr lang="ko-KR" altLang="en-US"/>
-          </a:p>
-        </p:txBody>
-      </p:sp>
-      <p:cxnSp>
-        <p:nvCxnSpPr>
-          <p:cNvPr id="8" name="직선 연결선 7">
-            <a:extLst>
-              <a:ext uri="{FF2B5EF4-FFF2-40B4-BE49-F238E27FC236}">
-                <a16:creationId xmlns:a16="http://schemas.microsoft.com/office/drawing/2014/main" id="{D1F8D6B6-3C71-480C-BFAD-599210C64964}"/>
-              </a:ext>
-            </a:extLst>
-          </p:cNvPr>
-          <p:cNvCxnSpPr>
-            <a:cxnSpLocks/>
-          </p:cNvCxnSpPr>
-          <p:nvPr/>
-        </p:nvCxnSpPr>
-        <p:spPr>
-          <a:xfrm>
-            <a:off x="513806" y="1138535"/>
-            <a:ext cx="10978016" cy="0"/>
-          </a:xfrm>
-          <a:prstGeom prst="line">
-            <a:avLst/>
-          </a:prstGeom>
-          <a:ln w="28575">
-            <a:solidFill>
-              <a:srgbClr val="A80000"/>
-            </a:solidFill>
-          </a:ln>
-        </p:spPr>
-        <p:style>
-          <a:lnRef idx="1">
-            <a:schemeClr val="accent1"/>
-          </a:lnRef>
-          <a:fillRef idx="0">
-            <a:schemeClr val="accent1"/>
-          </a:fillRef>
-          <a:effectRef idx="0">
-            <a:schemeClr val="accent1"/>
-          </a:effectRef>
-          <a:fontRef idx="minor">
-            <a:schemeClr val="tx1"/>
-          </a:fontRef>
-        </p:style>
-      </p:cxnSp>
-      <p:sp>
-        <p:nvSpPr>
-          <p:cNvPr id="9" name="TextBox 8">
-            <a:extLst>
-              <a:ext uri="{FF2B5EF4-FFF2-40B4-BE49-F238E27FC236}">
-                <a16:creationId xmlns:a16="http://schemas.microsoft.com/office/drawing/2014/main" id="{85E2DDDA-35AB-489C-8A37-0A056738B5CD}"/>
-              </a:ext>
-            </a:extLst>
-          </p:cNvPr>
-          <p:cNvSpPr txBox="1"/>
-          <p:nvPr/>
-        </p:nvSpPr>
-        <p:spPr>
-          <a:xfrm>
-            <a:off x="513806" y="615315"/>
-            <a:ext cx="8956766" cy="523220"/>
-          </a:xfrm>
-          <a:prstGeom prst="rect">
-            <a:avLst/>
-          </a:prstGeom>
-          <a:noFill/>
-        </p:spPr>
-        <p:txBody>
-          <a:bodyPr wrap="square" rtlCol="0">
-            <a:spAutoFit/>
-          </a:bodyPr>
-          <a:lstStyle/>
-          <a:p>
-            <a:r>
-              <a:rPr lang="en-US" altLang="ko-KR" sz="2800" b="1" dirty="0">
-                <a:solidFill>
-                  <a:schemeClr val="tx1">
-                    <a:lumMod val="65000"/>
-                    <a:lumOff val="35000"/>
-                  </a:schemeClr>
-                </a:solidFill>
-              </a:rPr>
-              <a:t>Jump Desktop</a:t>
+              <a:t>4. XOR</a:t>
             </a:r>
             <a:endParaRPr lang="ko-KR" altLang="en-US" sz="2800" b="1" dirty="0">
               <a:solidFill>
@@ -6726,15 +5042,15 @@
       </p:sp>
       <p:pic>
         <p:nvPicPr>
-          <p:cNvPr id="3074" name="Picture 2" descr="점프데스크탑 이미지에 대한 이미지 검색결과">
-            <a:extLst>
-              <a:ext uri="{FF2B5EF4-FFF2-40B4-BE49-F238E27FC236}">
-                <a16:creationId xmlns:a16="http://schemas.microsoft.com/office/drawing/2014/main" id="{0E43D5E6-AD69-6706-A720-ECD49793A0E5}"/>
+          <p:cNvPr id="7" name="그림 6">
+            <a:extLst>
+              <a:ext uri="{FF2B5EF4-FFF2-40B4-BE49-F238E27FC236}">
+                <a16:creationId xmlns:a16="http://schemas.microsoft.com/office/drawing/2014/main" id="{CFFE517B-706A-2E47-6BB0-AAF4F212F1C9}"/>
               </a:ext>
             </a:extLst>
           </p:cNvPr>
           <p:cNvPicPr>
-            <a:picLocks noChangeAspect="1" noChangeArrowheads="1"/>
+            <a:picLocks noChangeAspect="1"/>
           </p:cNvPicPr>
           <p:nvPr/>
         </p:nvPicPr>
@@ -6746,2882 +5062,38 @@
               </a:ext>
             </a:extLst>
           </a:blip>
-          <a:srcRect/>
           <a:stretch>
             <a:fillRect/>
           </a:stretch>
         </p:blipFill>
-        <p:spPr bwMode="auto">
+        <p:spPr>
           <a:xfrm>
-            <a:off x="965834" y="2322194"/>
-            <a:ext cx="2935606" cy="2935606"/>
+            <a:off x="1604269" y="1507380"/>
+            <a:ext cx="3629583" cy="3563290"/>
           </a:xfrm>
           <a:prstGeom prst="rect">
             <a:avLst/>
           </a:prstGeom>
-          <a:noFill/>
-          <a:extLst>
-            <a:ext uri="{909E8E84-426E-40DD-AFC4-6F175D3DCCD1}">
-              <a14:hiddenFill xmlns:a14="http://schemas.microsoft.com/office/drawing/2010/main">
-                <a:solidFill>
-                  <a:srgbClr val="FFFFFF"/>
-                </a:solidFill>
-              </a14:hiddenFill>
-            </a:ext>
-          </a:extLst>
         </p:spPr>
       </p:pic>
-      <p:sp>
-        <p:nvSpPr>
-          <p:cNvPr id="11" name="TextBox 10">
-            <a:extLst>
-              <a:ext uri="{FF2B5EF4-FFF2-40B4-BE49-F238E27FC236}">
-                <a16:creationId xmlns:a16="http://schemas.microsoft.com/office/drawing/2014/main" id="{B545E820-2725-6F13-D8B9-DB9A258473F6}"/>
-              </a:ext>
-            </a:extLst>
-          </p:cNvPr>
-          <p:cNvSpPr txBox="1"/>
-          <p:nvPr/>
-        </p:nvSpPr>
-        <p:spPr>
-          <a:xfrm>
-            <a:off x="4456262" y="2322194"/>
-            <a:ext cx="7035560" cy="2862322"/>
-          </a:xfrm>
-          <a:prstGeom prst="rect">
-            <a:avLst/>
-          </a:prstGeom>
-          <a:noFill/>
-        </p:spPr>
-        <p:txBody>
-          <a:bodyPr wrap="square" rtlCol="0">
-            <a:spAutoFit/>
-          </a:bodyPr>
-          <a:lstStyle/>
-          <a:p>
-            <a:pPr marL="285750" indent="-285750">
-              <a:buFont typeface="Arial" panose="020B0604020202020204" pitchFamily="34" charset="0"/>
-              <a:buChar char="•"/>
-            </a:pPr>
-            <a:r>
-              <a:rPr lang="ko-KR" altLang="en-US" sz="2000" b="1" dirty="0">
-                <a:solidFill>
-                  <a:schemeClr val="tx1">
-                    <a:lumMod val="65000"/>
-                    <a:lumOff val="35000"/>
-                  </a:schemeClr>
-                </a:solidFill>
-              </a:rPr>
-              <a:t>접속 하는 컴퓨터의 프로그램</a:t>
-            </a:r>
-            <a:r>
-              <a:rPr lang="en-US" altLang="ko-KR" sz="2000" b="1" dirty="0">
-                <a:solidFill>
-                  <a:schemeClr val="tx1">
-                    <a:lumMod val="65000"/>
-                    <a:lumOff val="35000"/>
-                  </a:schemeClr>
-                </a:solidFill>
-              </a:rPr>
-              <a:t>(Server), </a:t>
-            </a:r>
-            <a:r>
-              <a:rPr lang="ko-KR" altLang="en-US" sz="2000" b="1" dirty="0">
-                <a:solidFill>
-                  <a:schemeClr val="tx1">
-                    <a:lumMod val="65000"/>
-                    <a:lumOff val="35000"/>
-                  </a:schemeClr>
-                </a:solidFill>
-              </a:rPr>
-              <a:t>접속 받는 프로그램</a:t>
-            </a:r>
-            <a:r>
-              <a:rPr lang="en-US" altLang="ko-KR" sz="2000" b="1" dirty="0">
-                <a:solidFill>
-                  <a:schemeClr val="tx1">
-                    <a:lumMod val="65000"/>
-                    <a:lumOff val="35000"/>
-                  </a:schemeClr>
-                </a:solidFill>
-              </a:rPr>
-              <a:t>(Viewer)</a:t>
-            </a:r>
-            <a:r>
-              <a:rPr lang="ko-KR" altLang="en-US" sz="2000" b="1" dirty="0">
-                <a:solidFill>
-                  <a:schemeClr val="tx1">
-                    <a:lumMod val="65000"/>
-                    <a:lumOff val="35000"/>
-                  </a:schemeClr>
-                </a:solidFill>
-              </a:rPr>
-              <a:t> 따로 존재</a:t>
-            </a:r>
-            <a:endParaRPr lang="en-US" altLang="ko-KR" sz="2000" b="1" dirty="0">
-              <a:solidFill>
-                <a:schemeClr val="tx1">
-                  <a:lumMod val="65000"/>
-                  <a:lumOff val="35000"/>
-                </a:schemeClr>
-              </a:solidFill>
-            </a:endParaRPr>
-          </a:p>
-          <a:p>
-            <a:pPr marL="285750" indent="-285750">
-              <a:buFont typeface="Arial" panose="020B0604020202020204" pitchFamily="34" charset="0"/>
-              <a:buChar char="•"/>
-            </a:pPr>
-            <a:endParaRPr lang="en-US" altLang="ko-KR" sz="2000" b="1" dirty="0">
-              <a:solidFill>
-                <a:schemeClr val="tx1">
-                  <a:lumMod val="65000"/>
-                  <a:lumOff val="35000"/>
-                </a:schemeClr>
-              </a:solidFill>
-            </a:endParaRPr>
-          </a:p>
-          <a:p>
-            <a:pPr marL="285750" indent="-285750">
-              <a:buFont typeface="Arial" panose="020B0604020202020204" pitchFamily="34" charset="0"/>
-              <a:buChar char="•"/>
-            </a:pPr>
-            <a:r>
-              <a:rPr lang="ko-KR" altLang="en-US" sz="2000" b="1" dirty="0">
-                <a:solidFill>
-                  <a:schemeClr val="tx1">
-                    <a:lumMod val="65000"/>
-                    <a:lumOff val="35000"/>
-                  </a:schemeClr>
-                </a:solidFill>
-                <a:highlight>
-                  <a:srgbClr val="FFFF00"/>
-                </a:highlight>
-              </a:rPr>
-              <a:t>계정을 통해서 연결</a:t>
-            </a:r>
-            <a:r>
-              <a:rPr lang="en-US" altLang="ko-KR" sz="2000" b="1" dirty="0">
-                <a:solidFill>
-                  <a:schemeClr val="tx1">
-                    <a:lumMod val="65000"/>
-                    <a:lumOff val="35000"/>
-                  </a:schemeClr>
-                </a:solidFill>
-                <a:highlight>
-                  <a:srgbClr val="FFFF00"/>
-                </a:highlight>
-              </a:rPr>
-              <a:t> </a:t>
-            </a:r>
-            <a:r>
-              <a:rPr lang="en-US" altLang="ko-KR" sz="2000" b="1" dirty="0">
-                <a:solidFill>
-                  <a:schemeClr val="tx1">
-                    <a:lumMod val="65000"/>
-                    <a:lumOff val="35000"/>
-                  </a:schemeClr>
-                </a:solidFill>
-              </a:rPr>
-              <a:t>or IP</a:t>
-            </a:r>
-            <a:r>
-              <a:rPr lang="ko-KR" altLang="en-US" sz="2000" b="1" dirty="0">
-                <a:solidFill>
-                  <a:schemeClr val="tx1">
-                    <a:lumMod val="65000"/>
-                    <a:lumOff val="35000"/>
-                  </a:schemeClr>
-                </a:solidFill>
-              </a:rPr>
-              <a:t>주소를 통해 연결</a:t>
-            </a:r>
-            <a:endParaRPr lang="en-US" altLang="ko-KR" sz="2000" b="1" dirty="0">
-              <a:solidFill>
-                <a:schemeClr val="tx1">
-                  <a:lumMod val="65000"/>
-                  <a:lumOff val="35000"/>
-                </a:schemeClr>
-              </a:solidFill>
-            </a:endParaRPr>
-          </a:p>
-          <a:p>
-            <a:pPr marL="285750" indent="-285750">
-              <a:buFont typeface="Arial" panose="020B0604020202020204" pitchFamily="34" charset="0"/>
-              <a:buChar char="•"/>
-            </a:pPr>
-            <a:endParaRPr lang="en-US" altLang="ko-KR" sz="2000" b="1" dirty="0">
-              <a:solidFill>
-                <a:schemeClr val="tx1">
-                  <a:lumMod val="65000"/>
-                  <a:lumOff val="35000"/>
-                </a:schemeClr>
-              </a:solidFill>
-            </a:endParaRPr>
-          </a:p>
-          <a:p>
-            <a:pPr marL="285750" indent="-285750">
-              <a:buFont typeface="Arial" panose="020B0604020202020204" pitchFamily="34" charset="0"/>
-              <a:buChar char="•"/>
-            </a:pPr>
-            <a:r>
-              <a:rPr lang="ko-KR" altLang="en-US" sz="2000" b="1" dirty="0">
-                <a:solidFill>
-                  <a:schemeClr val="tx1">
-                    <a:lumMod val="65000"/>
-                    <a:lumOff val="35000"/>
-                  </a:schemeClr>
-                </a:solidFill>
-              </a:rPr>
-              <a:t>윈도우 무료</a:t>
-            </a:r>
-            <a:r>
-              <a:rPr lang="en-US" altLang="ko-KR" sz="2000" b="1" dirty="0">
-                <a:solidFill>
-                  <a:schemeClr val="tx1">
-                    <a:lumMod val="65000"/>
-                    <a:lumOff val="35000"/>
-                  </a:schemeClr>
-                </a:solidFill>
-              </a:rPr>
-              <a:t>, MAC</a:t>
-            </a:r>
-            <a:r>
-              <a:rPr lang="ko-KR" altLang="en-US" sz="2000" b="1" dirty="0">
-                <a:solidFill>
-                  <a:schemeClr val="tx1">
-                    <a:lumMod val="65000"/>
-                    <a:lumOff val="35000"/>
-                  </a:schemeClr>
-                </a:solidFill>
-              </a:rPr>
-              <a:t> </a:t>
-            </a:r>
-            <a:r>
-              <a:rPr lang="en-US" altLang="ko-KR" sz="2000" b="1" dirty="0">
-                <a:solidFill>
-                  <a:schemeClr val="tx1">
-                    <a:lumMod val="65000"/>
-                    <a:lumOff val="35000"/>
-                  </a:schemeClr>
-                </a:solidFill>
-              </a:rPr>
-              <a:t>OS</a:t>
-            </a:r>
-            <a:r>
-              <a:rPr lang="ko-KR" altLang="en-US" sz="2000" b="1" dirty="0">
-                <a:solidFill>
-                  <a:schemeClr val="tx1">
-                    <a:lumMod val="65000"/>
-                    <a:lumOff val="35000"/>
-                  </a:schemeClr>
-                </a:solidFill>
-              </a:rPr>
-              <a:t> </a:t>
-            </a:r>
-            <a:r>
-              <a:rPr lang="en-US" altLang="ko-KR" sz="2000" b="1" dirty="0">
-                <a:solidFill>
-                  <a:schemeClr val="tx1">
-                    <a:lumMod val="65000"/>
-                    <a:lumOff val="35000"/>
-                  </a:schemeClr>
-                </a:solidFill>
-              </a:rPr>
-              <a:t>19,000(</a:t>
-            </a:r>
-            <a:r>
-              <a:rPr lang="ko-KR" altLang="en-US" sz="2000" b="1" dirty="0">
-                <a:solidFill>
-                  <a:schemeClr val="tx1">
-                    <a:lumMod val="65000"/>
-                    <a:lumOff val="35000"/>
-                  </a:schemeClr>
-                </a:solidFill>
-              </a:rPr>
-              <a:t>원</a:t>
-            </a:r>
-            <a:r>
-              <a:rPr lang="en-US" altLang="ko-KR" sz="2000" b="1" dirty="0">
-                <a:solidFill>
-                  <a:schemeClr val="tx1">
-                    <a:lumMod val="65000"/>
-                    <a:lumOff val="35000"/>
-                  </a:schemeClr>
-                </a:solidFill>
-              </a:rPr>
-              <a:t>)</a:t>
-            </a:r>
-            <a:r>
-              <a:rPr lang="ko-KR" altLang="en-US" sz="2000" b="1" dirty="0">
-                <a:solidFill>
-                  <a:schemeClr val="tx1">
-                    <a:lumMod val="65000"/>
-                    <a:lumOff val="35000"/>
-                  </a:schemeClr>
-                </a:solidFill>
-              </a:rPr>
-              <a:t> 비용 발생</a:t>
-            </a:r>
-            <a:endParaRPr lang="en-US" altLang="ko-KR" sz="2000" b="1" dirty="0">
-              <a:solidFill>
-                <a:schemeClr val="tx1">
-                  <a:lumMod val="65000"/>
-                  <a:lumOff val="35000"/>
-                </a:schemeClr>
-              </a:solidFill>
-            </a:endParaRPr>
-          </a:p>
-          <a:p>
-            <a:pPr marL="285750" indent="-285750">
-              <a:buFont typeface="Arial" panose="020B0604020202020204" pitchFamily="34" charset="0"/>
-              <a:buChar char="•"/>
-            </a:pPr>
-            <a:endParaRPr lang="en-US" altLang="ko-KR" sz="2000" b="1" dirty="0">
-              <a:solidFill>
-                <a:schemeClr val="tx1">
-                  <a:lumMod val="65000"/>
-                  <a:lumOff val="35000"/>
-                </a:schemeClr>
-              </a:solidFill>
-            </a:endParaRPr>
-          </a:p>
-          <a:p>
-            <a:pPr marL="285750" indent="-285750">
-              <a:buFont typeface="Arial" panose="020B0604020202020204" pitchFamily="34" charset="0"/>
-              <a:buChar char="•"/>
-            </a:pPr>
-            <a:r>
-              <a:rPr lang="ko-KR" altLang="en-US" sz="2000" b="1" dirty="0">
-                <a:solidFill>
-                  <a:schemeClr val="tx1">
-                    <a:lumMod val="65000"/>
-                    <a:lumOff val="35000"/>
-                  </a:schemeClr>
-                </a:solidFill>
-              </a:rPr>
-              <a:t>다른 프로그램과 비교해서 지연이 적음</a:t>
-            </a:r>
-            <a:r>
-              <a:rPr lang="en-US" altLang="ko-KR" sz="2000" b="1" dirty="0">
-                <a:solidFill>
-                  <a:schemeClr val="tx1">
-                    <a:lumMod val="65000"/>
-                    <a:lumOff val="35000"/>
-                  </a:schemeClr>
-                </a:solidFill>
-              </a:rPr>
-              <a:t>(</a:t>
-            </a:r>
-            <a:r>
-              <a:rPr lang="ko-KR" altLang="en-US" sz="2000" b="1" dirty="0">
-                <a:solidFill>
-                  <a:schemeClr val="tx1">
-                    <a:lumMod val="65000"/>
-                    <a:lumOff val="35000"/>
-                  </a:schemeClr>
-                </a:solidFill>
-              </a:rPr>
-              <a:t>공유하는 화면의 움직임이 부드러움</a:t>
-            </a:r>
-            <a:r>
-              <a:rPr lang="en-US" altLang="ko-KR" sz="2000" b="1" dirty="0">
-                <a:solidFill>
-                  <a:schemeClr val="tx1">
-                    <a:lumMod val="65000"/>
-                    <a:lumOff val="35000"/>
-                  </a:schemeClr>
-                </a:solidFill>
-              </a:rPr>
-              <a:t>)</a:t>
-            </a:r>
-          </a:p>
-        </p:txBody>
-      </p:sp>
-    </p:spTree>
-    <p:extLst>
-      <p:ext uri="{BB962C8B-B14F-4D97-AF65-F5344CB8AC3E}">
-        <p14:creationId xmlns:p14="http://schemas.microsoft.com/office/powerpoint/2010/main" val="2451144561"/>
-      </p:ext>
-    </p:extLst>
-  </p:cSld>
-  <p:clrMapOvr>
-    <a:masterClrMapping/>
-  </p:clrMapOvr>
-</p:sld>
-</file>
-
-<file path=ppt/slides/slide14.xml><?xml version="1.0" encoding="utf-8"?>
-<p:sld xmlns:a="http://schemas.openxmlformats.org/drawingml/2006/main" xmlns:r="http://schemas.openxmlformats.org/officeDocument/2006/relationships" xmlns:p="http://schemas.openxmlformats.org/presentationml/2006/main">
-  <p:cSld>
-    <p:spTree>
-      <p:nvGrpSpPr>
-        <p:cNvPr id="1" name=""/>
-        <p:cNvGrpSpPr/>
-        <p:nvPr/>
-      </p:nvGrpSpPr>
-      <p:grpSpPr>
-        <a:xfrm>
-          <a:off x="0" y="0"/>
-          <a:ext cx="0" cy="0"/>
-          <a:chOff x="0" y="0"/>
-          <a:chExt cx="0" cy="0"/>
-        </a:xfrm>
-      </p:grpSpPr>
-      <p:sp>
-        <p:nvSpPr>
-          <p:cNvPr id="4" name="날짜 개체 틀 3">
-            <a:extLst>
-              <a:ext uri="{FF2B5EF4-FFF2-40B4-BE49-F238E27FC236}">
-                <a16:creationId xmlns:a16="http://schemas.microsoft.com/office/drawing/2014/main" id="{96EB53D3-8572-4237-B28C-28CB40308C40}"/>
-              </a:ext>
-            </a:extLst>
-          </p:cNvPr>
-          <p:cNvSpPr>
-            <a:spLocks noGrp="1"/>
-          </p:cNvSpPr>
-          <p:nvPr>
-            <p:ph type="dt" sz="half" idx="10"/>
-          </p:nvPr>
-        </p:nvSpPr>
-        <p:spPr>
-          <a:xfrm>
-            <a:off x="141514" y="6356350"/>
-            <a:ext cx="2743200" cy="365125"/>
-          </a:xfrm>
-        </p:spPr>
-        <p:txBody>
-          <a:bodyPr/>
-          <a:lstStyle/>
-          <a:p>
-            <a:fld id="{0303D7D5-FAC8-4B75-A637-D564180CD715}" type="datetime1">
-              <a:rPr lang="ko-KR" altLang="en-US" sz="1000" smtClean="0"/>
-              <a:t>2023-06-07</a:t>
-            </a:fld>
-            <a:endParaRPr lang="ko-KR" altLang="en-US" sz="1000" dirty="0"/>
-          </a:p>
-        </p:txBody>
-      </p:sp>
-      <p:sp>
-        <p:nvSpPr>
-          <p:cNvPr id="6" name="슬라이드 번호 개체 틀 5">
-            <a:extLst>
-              <a:ext uri="{FF2B5EF4-FFF2-40B4-BE49-F238E27FC236}">
-                <a16:creationId xmlns:a16="http://schemas.microsoft.com/office/drawing/2014/main" id="{6E93A4FF-EE48-4AD7-B7EF-105B8CE4CD9F}"/>
-              </a:ext>
-            </a:extLst>
-          </p:cNvPr>
-          <p:cNvSpPr>
-            <a:spLocks noGrp="1"/>
-          </p:cNvSpPr>
-          <p:nvPr>
-            <p:ph type="sldNum" sz="quarter" idx="12"/>
-          </p:nvPr>
-        </p:nvSpPr>
-        <p:spPr/>
-        <p:txBody>
-          <a:bodyPr/>
-          <a:lstStyle/>
-          <a:p>
-            <a:fld id="{77D8DCB6-DE77-432F-867E-17030BC60D58}" type="slidenum">
-              <a:rPr lang="ko-KR" altLang="en-US" smtClean="0"/>
-              <a:t>14</a:t>
-            </a:fld>
-            <a:endParaRPr lang="ko-KR" altLang="en-US"/>
-          </a:p>
-        </p:txBody>
-      </p:sp>
-      <p:cxnSp>
-        <p:nvCxnSpPr>
-          <p:cNvPr id="8" name="직선 연결선 7">
-            <a:extLst>
-              <a:ext uri="{FF2B5EF4-FFF2-40B4-BE49-F238E27FC236}">
-                <a16:creationId xmlns:a16="http://schemas.microsoft.com/office/drawing/2014/main" id="{D1F8D6B6-3C71-480C-BFAD-599210C64964}"/>
-              </a:ext>
-            </a:extLst>
-          </p:cNvPr>
-          <p:cNvCxnSpPr>
-            <a:cxnSpLocks/>
-          </p:cNvCxnSpPr>
-          <p:nvPr/>
-        </p:nvCxnSpPr>
-        <p:spPr>
-          <a:xfrm>
-            <a:off x="513806" y="1138535"/>
-            <a:ext cx="10978016" cy="0"/>
-          </a:xfrm>
-          <a:prstGeom prst="line">
-            <a:avLst/>
-          </a:prstGeom>
-          <a:ln w="28575">
-            <a:solidFill>
-              <a:srgbClr val="A80000"/>
-            </a:solidFill>
-          </a:ln>
-        </p:spPr>
-        <p:style>
-          <a:lnRef idx="1">
-            <a:schemeClr val="accent1"/>
-          </a:lnRef>
-          <a:fillRef idx="0">
-            <a:schemeClr val="accent1"/>
-          </a:fillRef>
-          <a:effectRef idx="0">
-            <a:schemeClr val="accent1"/>
-          </a:effectRef>
-          <a:fontRef idx="minor">
-            <a:schemeClr val="tx1"/>
-          </a:fontRef>
-        </p:style>
-      </p:cxnSp>
-      <p:sp>
-        <p:nvSpPr>
-          <p:cNvPr id="9" name="TextBox 8">
-            <a:extLst>
-              <a:ext uri="{FF2B5EF4-FFF2-40B4-BE49-F238E27FC236}">
-                <a16:creationId xmlns:a16="http://schemas.microsoft.com/office/drawing/2014/main" id="{85E2DDDA-35AB-489C-8A37-0A056738B5CD}"/>
-              </a:ext>
-            </a:extLst>
-          </p:cNvPr>
-          <p:cNvSpPr txBox="1"/>
-          <p:nvPr/>
-        </p:nvSpPr>
-        <p:spPr>
-          <a:xfrm>
-            <a:off x="513806" y="615315"/>
-            <a:ext cx="8956766" cy="523220"/>
-          </a:xfrm>
-          <a:prstGeom prst="rect">
-            <a:avLst/>
-          </a:prstGeom>
-          <a:noFill/>
-        </p:spPr>
-        <p:txBody>
-          <a:bodyPr wrap="square" rtlCol="0">
-            <a:spAutoFit/>
-          </a:bodyPr>
-          <a:lstStyle/>
-          <a:p>
-            <a:r>
-              <a:rPr lang="en-US" altLang="ko-KR" sz="2800" b="1" dirty="0">
-                <a:solidFill>
-                  <a:schemeClr val="tx1">
-                    <a:lumMod val="65000"/>
-                    <a:lumOff val="35000"/>
-                  </a:schemeClr>
-                </a:solidFill>
-              </a:rPr>
-              <a:t>Jump Desktop</a:t>
-            </a:r>
-            <a:endParaRPr lang="ko-KR" altLang="en-US" sz="2800" b="1" dirty="0">
-              <a:solidFill>
-                <a:schemeClr val="tx1">
-                  <a:lumMod val="65000"/>
-                  <a:lumOff val="35000"/>
-                </a:schemeClr>
-              </a:solidFill>
-            </a:endParaRPr>
-          </a:p>
-        </p:txBody>
-      </p:sp>
-      <p:sp>
-        <p:nvSpPr>
-          <p:cNvPr id="2" name="TextBox 1">
-            <a:extLst>
-              <a:ext uri="{FF2B5EF4-FFF2-40B4-BE49-F238E27FC236}">
-                <a16:creationId xmlns:a16="http://schemas.microsoft.com/office/drawing/2014/main" id="{0CD81573-96E6-F704-E162-8FA37C37B7B4}"/>
-              </a:ext>
-            </a:extLst>
-          </p:cNvPr>
-          <p:cNvSpPr txBox="1"/>
-          <p:nvPr/>
-        </p:nvSpPr>
-        <p:spPr>
-          <a:xfrm>
-            <a:off x="1046514" y="1316708"/>
-            <a:ext cx="9916126" cy="4280146"/>
-          </a:xfrm>
-          <a:prstGeom prst="rect">
-            <a:avLst/>
-          </a:prstGeom>
-          <a:noFill/>
-        </p:spPr>
-        <p:txBody>
-          <a:bodyPr wrap="square" rtlCol="0">
-            <a:spAutoFit/>
-          </a:bodyPr>
-          <a:lstStyle/>
-          <a:p>
-            <a:pPr marL="285750" indent="-285750">
-              <a:buFont typeface="Arial" panose="020B0604020202020204" pitchFamily="34" charset="0"/>
-              <a:buChar char="•"/>
-            </a:pPr>
-            <a:r>
-              <a:rPr lang="ko-KR" altLang="en-US" sz="3000" b="1" dirty="0">
-                <a:solidFill>
-                  <a:schemeClr val="tx1">
-                    <a:lumMod val="65000"/>
-                    <a:lumOff val="35000"/>
-                  </a:schemeClr>
-                </a:solidFill>
-              </a:rPr>
-              <a:t>장점</a:t>
-            </a:r>
-            <a:endParaRPr lang="en-US" altLang="ko-KR" sz="3000" b="1" dirty="0">
-              <a:solidFill>
-                <a:schemeClr val="tx1">
-                  <a:lumMod val="65000"/>
-                  <a:lumOff val="35000"/>
-                </a:schemeClr>
-              </a:solidFill>
-            </a:endParaRPr>
-          </a:p>
-          <a:p>
-            <a:pPr marL="742950" lvl="1" indent="-285750">
-              <a:lnSpc>
-                <a:spcPct val="150000"/>
-              </a:lnSpc>
-              <a:buFont typeface="Arial" panose="020B0604020202020204" pitchFamily="34" charset="0"/>
-              <a:buChar char="•"/>
-            </a:pPr>
-            <a:r>
-              <a:rPr lang="ko-KR" altLang="en-US" sz="2000" b="1" dirty="0">
-                <a:solidFill>
-                  <a:schemeClr val="tx1">
-                    <a:lumMod val="65000"/>
-                    <a:lumOff val="35000"/>
-                  </a:schemeClr>
-                </a:solidFill>
-              </a:rPr>
-              <a:t>간편한 설치 및 접근성</a:t>
-            </a:r>
-            <a:endParaRPr lang="en-US" altLang="ko-KR" sz="2000" b="1" dirty="0">
-              <a:solidFill>
-                <a:schemeClr val="tx1">
-                  <a:lumMod val="65000"/>
-                  <a:lumOff val="35000"/>
-                </a:schemeClr>
-              </a:solidFill>
-            </a:endParaRPr>
-          </a:p>
-          <a:p>
-            <a:pPr marL="742950" lvl="1" indent="-285750">
-              <a:lnSpc>
-                <a:spcPct val="150000"/>
-              </a:lnSpc>
-              <a:buFont typeface="Arial" panose="020B0604020202020204" pitchFamily="34" charset="0"/>
-              <a:buChar char="•"/>
-            </a:pPr>
-            <a:r>
-              <a:rPr lang="ko-KR" altLang="en-US" sz="2000" b="1" dirty="0">
-                <a:solidFill>
-                  <a:schemeClr val="tx1">
-                    <a:lumMod val="65000"/>
-                    <a:lumOff val="35000"/>
-                  </a:schemeClr>
-                </a:solidFill>
-              </a:rPr>
-              <a:t>부분 비용 무료</a:t>
-            </a:r>
-            <a:r>
-              <a:rPr lang="en-US" altLang="ko-KR" sz="2000" b="1" dirty="0">
-                <a:solidFill>
-                  <a:schemeClr val="tx1">
-                    <a:lumMod val="65000"/>
-                    <a:lumOff val="35000"/>
-                  </a:schemeClr>
-                </a:solidFill>
-              </a:rPr>
-              <a:t>(</a:t>
-            </a:r>
-            <a:r>
-              <a:rPr lang="ko-KR" altLang="en-US" sz="2000" b="1" dirty="0">
-                <a:solidFill>
-                  <a:schemeClr val="tx1">
-                    <a:lumMod val="65000"/>
-                    <a:lumOff val="35000"/>
-                  </a:schemeClr>
-                </a:solidFill>
-              </a:rPr>
-              <a:t>일부 라이선스 존재</a:t>
-            </a:r>
-            <a:r>
-              <a:rPr lang="en-US" altLang="ko-KR" sz="2000" b="1" dirty="0">
-                <a:solidFill>
-                  <a:schemeClr val="tx1">
-                    <a:lumMod val="65000"/>
-                    <a:lumOff val="35000"/>
-                  </a:schemeClr>
-                </a:solidFill>
-              </a:rPr>
-              <a:t>)</a:t>
-            </a:r>
-          </a:p>
-          <a:p>
-            <a:pPr marL="742950" lvl="1" indent="-285750">
-              <a:lnSpc>
-                <a:spcPct val="150000"/>
-              </a:lnSpc>
-              <a:buFont typeface="Arial" panose="020B0604020202020204" pitchFamily="34" charset="0"/>
-              <a:buChar char="•"/>
-            </a:pPr>
-            <a:r>
-              <a:rPr lang="ko-KR" altLang="en-US" sz="2000" b="1" dirty="0">
-                <a:solidFill>
-                  <a:schemeClr val="tx1">
-                    <a:lumMod val="65000"/>
-                    <a:lumOff val="35000"/>
-                  </a:schemeClr>
-                </a:solidFill>
-              </a:rPr>
-              <a:t>같은 계정간 접속 시 </a:t>
-            </a:r>
-            <a:r>
-              <a:rPr lang="en-US" altLang="ko-KR" sz="2000" b="1" dirty="0">
-                <a:solidFill>
-                  <a:schemeClr val="tx1">
-                    <a:lumMod val="65000"/>
-                    <a:lumOff val="35000"/>
-                  </a:schemeClr>
-                </a:solidFill>
-              </a:rPr>
-              <a:t>3</a:t>
-            </a:r>
-            <a:r>
-              <a:rPr lang="ko-KR" altLang="en-US" sz="2000" b="1" dirty="0">
-                <a:solidFill>
-                  <a:schemeClr val="tx1">
-                    <a:lumMod val="65000"/>
-                    <a:lumOff val="35000"/>
-                  </a:schemeClr>
-                </a:solidFill>
-              </a:rPr>
-              <a:t>대 접속 가능</a:t>
-            </a:r>
-            <a:r>
-              <a:rPr lang="en-US" altLang="ko-KR" sz="2000" b="1" dirty="0">
-                <a:solidFill>
-                  <a:schemeClr val="tx1">
-                    <a:lumMod val="65000"/>
-                    <a:lumOff val="35000"/>
-                  </a:schemeClr>
-                </a:solidFill>
-              </a:rPr>
-              <a:t>(4</a:t>
-            </a:r>
-            <a:r>
-              <a:rPr lang="ko-KR" altLang="en-US" sz="2000" b="1" dirty="0">
-                <a:solidFill>
-                  <a:schemeClr val="tx1">
-                    <a:lumMod val="65000"/>
-                    <a:lumOff val="35000"/>
-                  </a:schemeClr>
-                </a:solidFill>
-              </a:rPr>
-              <a:t>대 이상 확인 필요</a:t>
-            </a:r>
-            <a:r>
-              <a:rPr lang="en-US" altLang="ko-KR" sz="2000" b="1" dirty="0">
-                <a:solidFill>
-                  <a:schemeClr val="tx1">
-                    <a:lumMod val="65000"/>
-                    <a:lumOff val="35000"/>
-                  </a:schemeClr>
-                </a:solidFill>
-              </a:rPr>
-              <a:t>)</a:t>
-            </a:r>
-          </a:p>
-          <a:p>
-            <a:pPr marL="742950" lvl="1" indent="-285750">
-              <a:lnSpc>
-                <a:spcPct val="150000"/>
-              </a:lnSpc>
-              <a:buFont typeface="Arial" panose="020B0604020202020204" pitchFamily="34" charset="0"/>
-              <a:buChar char="•"/>
-            </a:pPr>
-            <a:r>
-              <a:rPr lang="ko-KR" altLang="en-US" sz="2000" b="1" dirty="0">
-                <a:solidFill>
-                  <a:schemeClr val="tx1">
-                    <a:lumMod val="65000"/>
-                    <a:lumOff val="35000"/>
-                  </a:schemeClr>
-                </a:solidFill>
-              </a:rPr>
-              <a:t>접속시간 제한 없음</a:t>
-            </a:r>
-            <a:endParaRPr lang="en-US" altLang="ko-KR" sz="2000" b="1" dirty="0">
-              <a:solidFill>
-                <a:schemeClr val="tx1">
-                  <a:lumMod val="65000"/>
-                  <a:lumOff val="35000"/>
-                </a:schemeClr>
-              </a:solidFill>
-            </a:endParaRPr>
-          </a:p>
-          <a:p>
-            <a:pPr marL="285750" indent="-285750">
-              <a:buFont typeface="Arial" panose="020B0604020202020204" pitchFamily="34" charset="0"/>
-              <a:buChar char="•"/>
-            </a:pPr>
-            <a:endParaRPr lang="en-US" altLang="ko-KR" b="1" dirty="0">
-              <a:solidFill>
-                <a:schemeClr val="tx1">
-                  <a:lumMod val="65000"/>
-                  <a:lumOff val="35000"/>
-                </a:schemeClr>
-              </a:solidFill>
-            </a:endParaRPr>
-          </a:p>
-          <a:p>
-            <a:pPr marL="285750" indent="-285750">
-              <a:buFont typeface="Arial" panose="020B0604020202020204" pitchFamily="34" charset="0"/>
-              <a:buChar char="•"/>
-            </a:pPr>
-            <a:endParaRPr lang="en-US" altLang="ko-KR" b="1" dirty="0">
-              <a:solidFill>
-                <a:schemeClr val="tx1">
-                  <a:lumMod val="65000"/>
-                  <a:lumOff val="35000"/>
-                </a:schemeClr>
-              </a:solidFill>
-            </a:endParaRPr>
-          </a:p>
-          <a:p>
-            <a:pPr marL="285750" indent="-285750">
-              <a:buFont typeface="Arial" panose="020B0604020202020204" pitchFamily="34" charset="0"/>
-              <a:buChar char="•"/>
-            </a:pPr>
-            <a:r>
-              <a:rPr lang="ko-KR" altLang="en-US" sz="3000" b="1" dirty="0">
-                <a:solidFill>
-                  <a:schemeClr val="tx1">
-                    <a:lumMod val="65000"/>
-                    <a:lumOff val="35000"/>
-                  </a:schemeClr>
-                </a:solidFill>
-              </a:rPr>
-              <a:t>단점</a:t>
-            </a:r>
-          </a:p>
-          <a:p>
-            <a:pPr marL="742950" lvl="1" indent="-285750">
-              <a:lnSpc>
-                <a:spcPct val="150000"/>
-              </a:lnSpc>
-              <a:buFont typeface="Arial" panose="020B0604020202020204" pitchFamily="34" charset="0"/>
-              <a:buChar char="•"/>
-            </a:pPr>
-            <a:r>
-              <a:rPr lang="ko-KR" altLang="en-US" sz="2000" b="1" dirty="0">
-                <a:solidFill>
-                  <a:schemeClr val="tx1">
-                    <a:lumMod val="65000"/>
-                    <a:lumOff val="35000"/>
-                  </a:schemeClr>
-                </a:solidFill>
-              </a:rPr>
-              <a:t>체감되는 단점 존재하지 않음</a:t>
-            </a:r>
-            <a:r>
-              <a:rPr lang="en-US" altLang="ko-KR" sz="2000" b="1" dirty="0">
-                <a:solidFill>
-                  <a:schemeClr val="tx1">
-                    <a:lumMod val="65000"/>
-                    <a:lumOff val="35000"/>
-                  </a:schemeClr>
-                </a:solidFill>
-              </a:rPr>
-              <a:t>.</a:t>
-            </a:r>
-          </a:p>
-          <a:p>
-            <a:pPr marL="742950" lvl="1" indent="-285750">
-              <a:lnSpc>
-                <a:spcPct val="150000"/>
-              </a:lnSpc>
-              <a:buFont typeface="Arial" panose="020B0604020202020204" pitchFamily="34" charset="0"/>
-              <a:buChar char="•"/>
-            </a:pPr>
-            <a:r>
-              <a:rPr lang="ko-KR" altLang="en-US" sz="2000" b="1" dirty="0">
-                <a:solidFill>
-                  <a:schemeClr val="tx1">
-                    <a:lumMod val="65000"/>
-                    <a:lumOff val="35000"/>
-                  </a:schemeClr>
-                </a:solidFill>
-              </a:rPr>
-              <a:t>라이선스가 존재</a:t>
-            </a:r>
-            <a:r>
-              <a:rPr lang="en-US" altLang="ko-KR" sz="2000" b="1" dirty="0">
-                <a:solidFill>
-                  <a:schemeClr val="tx1">
-                    <a:lumMod val="65000"/>
-                    <a:lumOff val="35000"/>
-                  </a:schemeClr>
-                </a:solidFill>
-              </a:rPr>
-              <a:t>,</a:t>
-            </a:r>
-            <a:r>
-              <a:rPr lang="ko-KR" altLang="en-US" sz="2000" b="1" dirty="0">
-                <a:solidFill>
-                  <a:schemeClr val="tx1">
-                    <a:lumMod val="65000"/>
-                    <a:lumOff val="35000"/>
-                  </a:schemeClr>
-                </a:solidFill>
-              </a:rPr>
-              <a:t> </a:t>
-            </a:r>
-            <a:r>
-              <a:rPr lang="ko-KR" altLang="en-US" sz="2000" b="1" dirty="0">
-                <a:solidFill>
-                  <a:schemeClr val="tx1">
-                    <a:lumMod val="65000"/>
-                    <a:lumOff val="35000"/>
-                  </a:schemeClr>
-                </a:solidFill>
-                <a:highlight>
-                  <a:srgbClr val="FFFF00"/>
-                </a:highlight>
-              </a:rPr>
-              <a:t>추후 서비스 확장성 고려하면 비용지불 가능성 있음</a:t>
-            </a:r>
-            <a:r>
-              <a:rPr lang="en-US" altLang="ko-KR" sz="2000" b="1" dirty="0">
-                <a:solidFill>
-                  <a:schemeClr val="tx1">
-                    <a:lumMod val="65000"/>
-                    <a:lumOff val="35000"/>
-                  </a:schemeClr>
-                </a:solidFill>
-                <a:highlight>
-                  <a:srgbClr val="FFFF00"/>
-                </a:highlight>
-              </a:rPr>
-              <a:t>.</a:t>
-            </a:r>
-          </a:p>
-        </p:txBody>
-      </p:sp>
-    </p:spTree>
-    <p:extLst>
-      <p:ext uri="{BB962C8B-B14F-4D97-AF65-F5344CB8AC3E}">
-        <p14:creationId xmlns:p14="http://schemas.microsoft.com/office/powerpoint/2010/main" val="3749234398"/>
-      </p:ext>
-    </p:extLst>
-  </p:cSld>
-  <p:clrMapOvr>
-    <a:masterClrMapping/>
-  </p:clrMapOvr>
-</p:sld>
-</file>
-
-<file path=ppt/slides/slide15.xml><?xml version="1.0" encoding="utf-8"?>
-<p:sld xmlns:a="http://schemas.openxmlformats.org/drawingml/2006/main" xmlns:r="http://schemas.openxmlformats.org/officeDocument/2006/relationships" xmlns:p="http://schemas.openxmlformats.org/presentationml/2006/main">
-  <p:cSld>
-    <p:spTree>
-      <p:nvGrpSpPr>
-        <p:cNvPr id="1" name=""/>
-        <p:cNvGrpSpPr/>
-        <p:nvPr/>
-      </p:nvGrpSpPr>
-      <p:grpSpPr>
-        <a:xfrm>
-          <a:off x="0" y="0"/>
-          <a:ext cx="0" cy="0"/>
-          <a:chOff x="0" y="0"/>
-          <a:chExt cx="0" cy="0"/>
-        </a:xfrm>
-      </p:grpSpPr>
-      <p:sp>
-        <p:nvSpPr>
-          <p:cNvPr id="4" name="날짜 개체 틀 3">
-            <a:extLst>
-              <a:ext uri="{FF2B5EF4-FFF2-40B4-BE49-F238E27FC236}">
-                <a16:creationId xmlns:a16="http://schemas.microsoft.com/office/drawing/2014/main" id="{96EB53D3-8572-4237-B28C-28CB40308C40}"/>
-              </a:ext>
-            </a:extLst>
-          </p:cNvPr>
-          <p:cNvSpPr>
-            <a:spLocks noGrp="1"/>
-          </p:cNvSpPr>
-          <p:nvPr>
-            <p:ph type="dt" sz="half" idx="10"/>
-          </p:nvPr>
-        </p:nvSpPr>
-        <p:spPr>
-          <a:xfrm>
-            <a:off x="141514" y="6356350"/>
-            <a:ext cx="2743200" cy="365125"/>
-          </a:xfrm>
-        </p:spPr>
-        <p:txBody>
-          <a:bodyPr/>
-          <a:lstStyle/>
-          <a:p>
-            <a:fld id="{0303D7D5-FAC8-4B75-A637-D564180CD715}" type="datetime1">
-              <a:rPr lang="ko-KR" altLang="en-US" sz="1000" smtClean="0"/>
-              <a:t>2023-06-07</a:t>
-            </a:fld>
-            <a:endParaRPr lang="ko-KR" altLang="en-US" sz="1000" dirty="0"/>
-          </a:p>
-        </p:txBody>
-      </p:sp>
-      <p:sp>
-        <p:nvSpPr>
-          <p:cNvPr id="6" name="슬라이드 번호 개체 틀 5">
-            <a:extLst>
-              <a:ext uri="{FF2B5EF4-FFF2-40B4-BE49-F238E27FC236}">
-                <a16:creationId xmlns:a16="http://schemas.microsoft.com/office/drawing/2014/main" id="{6E93A4FF-EE48-4AD7-B7EF-105B8CE4CD9F}"/>
-              </a:ext>
-            </a:extLst>
-          </p:cNvPr>
-          <p:cNvSpPr>
-            <a:spLocks noGrp="1"/>
-          </p:cNvSpPr>
-          <p:nvPr>
-            <p:ph type="sldNum" sz="quarter" idx="12"/>
-          </p:nvPr>
-        </p:nvSpPr>
-        <p:spPr/>
-        <p:txBody>
-          <a:bodyPr/>
-          <a:lstStyle/>
-          <a:p>
-            <a:fld id="{77D8DCB6-DE77-432F-867E-17030BC60D58}" type="slidenum">
-              <a:rPr lang="ko-KR" altLang="en-US" smtClean="0"/>
-              <a:t>15</a:t>
-            </a:fld>
-            <a:endParaRPr lang="ko-KR" altLang="en-US"/>
-          </a:p>
-        </p:txBody>
-      </p:sp>
-      <p:cxnSp>
-        <p:nvCxnSpPr>
-          <p:cNvPr id="8" name="직선 연결선 7">
-            <a:extLst>
-              <a:ext uri="{FF2B5EF4-FFF2-40B4-BE49-F238E27FC236}">
-                <a16:creationId xmlns:a16="http://schemas.microsoft.com/office/drawing/2014/main" id="{D1F8D6B6-3C71-480C-BFAD-599210C64964}"/>
-              </a:ext>
-            </a:extLst>
-          </p:cNvPr>
-          <p:cNvCxnSpPr>
-            <a:cxnSpLocks/>
-          </p:cNvCxnSpPr>
-          <p:nvPr/>
-        </p:nvCxnSpPr>
-        <p:spPr>
-          <a:xfrm>
-            <a:off x="513806" y="1138535"/>
-            <a:ext cx="10978016" cy="0"/>
-          </a:xfrm>
-          <a:prstGeom prst="line">
-            <a:avLst/>
-          </a:prstGeom>
-          <a:ln w="28575">
-            <a:solidFill>
-              <a:srgbClr val="A80000"/>
-            </a:solidFill>
-          </a:ln>
-        </p:spPr>
-        <p:style>
-          <a:lnRef idx="1">
-            <a:schemeClr val="accent1"/>
-          </a:lnRef>
-          <a:fillRef idx="0">
-            <a:schemeClr val="accent1"/>
-          </a:fillRef>
-          <a:effectRef idx="0">
-            <a:schemeClr val="accent1"/>
-          </a:effectRef>
-          <a:fontRef idx="minor">
-            <a:schemeClr val="tx1"/>
-          </a:fontRef>
-        </p:style>
-      </p:cxnSp>
-      <p:sp>
-        <p:nvSpPr>
-          <p:cNvPr id="2" name="TextBox 1">
-            <a:extLst>
-              <a:ext uri="{FF2B5EF4-FFF2-40B4-BE49-F238E27FC236}">
-                <a16:creationId xmlns:a16="http://schemas.microsoft.com/office/drawing/2014/main" id="{94663EC0-FBD5-4C4B-137C-B9C16E034AC2}"/>
-              </a:ext>
-            </a:extLst>
-          </p:cNvPr>
-          <p:cNvSpPr txBox="1"/>
-          <p:nvPr/>
-        </p:nvSpPr>
-        <p:spPr>
-          <a:xfrm>
-            <a:off x="513806" y="615315"/>
-            <a:ext cx="8956766" cy="523220"/>
-          </a:xfrm>
-          <a:prstGeom prst="rect">
-            <a:avLst/>
-          </a:prstGeom>
-          <a:noFill/>
-        </p:spPr>
-        <p:txBody>
-          <a:bodyPr wrap="square" rtlCol="0">
-            <a:spAutoFit/>
-          </a:bodyPr>
-          <a:lstStyle/>
-          <a:p>
-            <a:r>
-              <a:rPr lang="en-US" altLang="ko-KR" sz="2800" b="1" dirty="0">
-                <a:solidFill>
-                  <a:schemeClr val="tx1">
-                    <a:lumMod val="65000"/>
-                    <a:lumOff val="35000"/>
-                  </a:schemeClr>
-                </a:solidFill>
-              </a:rPr>
-              <a:t>Tight VNC</a:t>
-            </a:r>
-            <a:endParaRPr lang="ko-KR" altLang="en-US" sz="2800" b="1" dirty="0">
-              <a:solidFill>
-                <a:schemeClr val="tx1">
-                  <a:lumMod val="65000"/>
-                  <a:lumOff val="35000"/>
-                </a:schemeClr>
-              </a:solidFill>
-            </a:endParaRPr>
-          </a:p>
-        </p:txBody>
-      </p:sp>
-      <p:sp>
-        <p:nvSpPr>
-          <p:cNvPr id="3" name="TextBox 2">
-            <a:extLst>
-              <a:ext uri="{FF2B5EF4-FFF2-40B4-BE49-F238E27FC236}">
-                <a16:creationId xmlns:a16="http://schemas.microsoft.com/office/drawing/2014/main" id="{20AE6331-59FC-4DA3-E01A-89E32F11BA35}"/>
-              </a:ext>
-            </a:extLst>
-          </p:cNvPr>
-          <p:cNvSpPr txBox="1"/>
-          <p:nvPr/>
-        </p:nvSpPr>
-        <p:spPr>
-          <a:xfrm>
-            <a:off x="4456262" y="2322194"/>
-            <a:ext cx="7035560" cy="2554545"/>
-          </a:xfrm>
-          <a:prstGeom prst="rect">
-            <a:avLst/>
-          </a:prstGeom>
-          <a:noFill/>
-        </p:spPr>
-        <p:txBody>
-          <a:bodyPr wrap="square" rtlCol="0">
-            <a:spAutoFit/>
-          </a:bodyPr>
-          <a:lstStyle/>
-          <a:p>
-            <a:pPr marL="285750" indent="-285750">
-              <a:buFont typeface="Arial" panose="020B0604020202020204" pitchFamily="34" charset="0"/>
-              <a:buChar char="•"/>
-            </a:pPr>
-            <a:r>
-              <a:rPr lang="ko-KR" altLang="en-US" sz="2000" b="1" dirty="0">
-                <a:solidFill>
-                  <a:schemeClr val="tx1">
-                    <a:lumMod val="65000"/>
-                    <a:lumOff val="35000"/>
-                  </a:schemeClr>
-                </a:solidFill>
-              </a:rPr>
-              <a:t>접속 하는 컴퓨터의 프로그램</a:t>
-            </a:r>
-            <a:r>
-              <a:rPr lang="en-US" altLang="ko-KR" sz="2000" b="1" dirty="0">
-                <a:solidFill>
-                  <a:schemeClr val="tx1">
-                    <a:lumMod val="65000"/>
-                    <a:lumOff val="35000"/>
-                  </a:schemeClr>
-                </a:solidFill>
-              </a:rPr>
-              <a:t>(Server), </a:t>
-            </a:r>
-            <a:r>
-              <a:rPr lang="ko-KR" altLang="en-US" sz="2000" b="1" dirty="0">
-                <a:solidFill>
-                  <a:schemeClr val="tx1">
-                    <a:lumMod val="65000"/>
-                    <a:lumOff val="35000"/>
-                  </a:schemeClr>
-                </a:solidFill>
-              </a:rPr>
-              <a:t>접속 받는 프로그램</a:t>
-            </a:r>
-            <a:r>
-              <a:rPr lang="en-US" altLang="ko-KR" sz="2000" b="1" dirty="0">
-                <a:solidFill>
-                  <a:schemeClr val="tx1">
-                    <a:lumMod val="65000"/>
-                    <a:lumOff val="35000"/>
-                  </a:schemeClr>
-                </a:solidFill>
-              </a:rPr>
-              <a:t>(Viewer)</a:t>
-            </a:r>
-            <a:r>
-              <a:rPr lang="ko-KR" altLang="en-US" sz="2000" b="1" dirty="0">
-                <a:solidFill>
-                  <a:schemeClr val="tx1">
-                    <a:lumMod val="65000"/>
-                    <a:lumOff val="35000"/>
-                  </a:schemeClr>
-                </a:solidFill>
-              </a:rPr>
-              <a:t> 따로 존재</a:t>
-            </a:r>
-            <a:endParaRPr lang="en-US" altLang="ko-KR" sz="2000" b="1" dirty="0">
-              <a:solidFill>
-                <a:schemeClr val="tx1">
-                  <a:lumMod val="65000"/>
-                  <a:lumOff val="35000"/>
-                </a:schemeClr>
-              </a:solidFill>
-            </a:endParaRPr>
-          </a:p>
-          <a:p>
-            <a:pPr marL="285750" indent="-285750">
-              <a:buFont typeface="Arial" panose="020B0604020202020204" pitchFamily="34" charset="0"/>
-              <a:buChar char="•"/>
-            </a:pPr>
-            <a:endParaRPr lang="en-US" altLang="ko-KR" sz="2000" b="1" dirty="0">
-              <a:solidFill>
-                <a:schemeClr val="tx1">
-                  <a:lumMod val="65000"/>
-                  <a:lumOff val="35000"/>
-                </a:schemeClr>
-              </a:solidFill>
-            </a:endParaRPr>
-          </a:p>
-          <a:p>
-            <a:pPr marL="285750" indent="-285750">
-              <a:buFont typeface="Arial" panose="020B0604020202020204" pitchFamily="34" charset="0"/>
-              <a:buChar char="•"/>
-            </a:pPr>
-            <a:r>
-              <a:rPr lang="en-US" altLang="ko-KR" sz="2000" b="1" dirty="0">
-                <a:solidFill>
-                  <a:schemeClr val="tx1">
-                    <a:lumMod val="65000"/>
-                    <a:lumOff val="35000"/>
-                  </a:schemeClr>
-                </a:solidFill>
-              </a:rPr>
-              <a:t>IP</a:t>
-            </a:r>
-            <a:r>
-              <a:rPr lang="ko-KR" altLang="en-US" sz="2000" b="1" dirty="0">
-                <a:solidFill>
-                  <a:schemeClr val="tx1">
-                    <a:lumMod val="65000"/>
-                    <a:lumOff val="35000"/>
-                  </a:schemeClr>
-                </a:solidFill>
-              </a:rPr>
-              <a:t>주소를 통해 연결</a:t>
-            </a:r>
-            <a:endParaRPr lang="en-US" altLang="ko-KR" sz="2000" b="1" dirty="0">
-              <a:solidFill>
-                <a:schemeClr val="tx1">
-                  <a:lumMod val="65000"/>
-                  <a:lumOff val="35000"/>
-                </a:schemeClr>
-              </a:solidFill>
-            </a:endParaRPr>
-          </a:p>
-          <a:p>
-            <a:pPr marL="285750" indent="-285750">
-              <a:buFont typeface="Arial" panose="020B0604020202020204" pitchFamily="34" charset="0"/>
-              <a:buChar char="•"/>
-            </a:pPr>
-            <a:endParaRPr lang="en-US" altLang="ko-KR" sz="2000" b="1" dirty="0">
-              <a:solidFill>
-                <a:schemeClr val="tx1">
-                  <a:lumMod val="65000"/>
-                  <a:lumOff val="35000"/>
-                </a:schemeClr>
-              </a:solidFill>
-            </a:endParaRPr>
-          </a:p>
-          <a:p>
-            <a:pPr marL="285750" indent="-285750">
-              <a:buFont typeface="Arial" panose="020B0604020202020204" pitchFamily="34" charset="0"/>
-              <a:buChar char="•"/>
-            </a:pPr>
-            <a:r>
-              <a:rPr lang="ko-KR" altLang="en-US" sz="2000" b="1" dirty="0">
-                <a:solidFill>
-                  <a:schemeClr val="tx1">
-                    <a:lumMod val="65000"/>
-                    <a:lumOff val="35000"/>
-                  </a:schemeClr>
-                </a:solidFill>
-              </a:rPr>
-              <a:t>무료 라이선스</a:t>
-            </a:r>
-            <a:endParaRPr lang="en-US" altLang="ko-KR" sz="2000" b="1" dirty="0">
-              <a:solidFill>
-                <a:schemeClr val="tx1">
-                  <a:lumMod val="65000"/>
-                  <a:lumOff val="35000"/>
-                </a:schemeClr>
-              </a:solidFill>
-            </a:endParaRPr>
-          </a:p>
-          <a:p>
-            <a:pPr marL="285750" indent="-285750">
-              <a:buFont typeface="Arial" panose="020B0604020202020204" pitchFamily="34" charset="0"/>
-              <a:buChar char="•"/>
-            </a:pPr>
-            <a:endParaRPr lang="en-US" altLang="ko-KR" sz="2000" b="1" dirty="0">
-              <a:solidFill>
-                <a:schemeClr val="tx1">
-                  <a:lumMod val="65000"/>
-                  <a:lumOff val="35000"/>
-                </a:schemeClr>
-              </a:solidFill>
-            </a:endParaRPr>
-          </a:p>
-          <a:p>
-            <a:pPr marL="285750" indent="-285750">
-              <a:buFont typeface="Arial" panose="020B0604020202020204" pitchFamily="34" charset="0"/>
-              <a:buChar char="•"/>
-            </a:pPr>
-            <a:r>
-              <a:rPr lang="ko-KR" altLang="en-US" sz="2000" b="1" dirty="0">
-                <a:solidFill>
-                  <a:schemeClr val="tx1">
-                    <a:lumMod val="65000"/>
-                    <a:lumOff val="35000"/>
-                  </a:schemeClr>
-                </a:solidFill>
-                <a:highlight>
-                  <a:srgbClr val="FFFF00"/>
-                </a:highlight>
-              </a:rPr>
-              <a:t>화면 공유간 지연 발생 </a:t>
-            </a:r>
-            <a:endParaRPr lang="en-US" altLang="ko-KR" sz="2000" b="1" dirty="0">
-              <a:solidFill>
-                <a:schemeClr val="tx1">
-                  <a:lumMod val="65000"/>
-                  <a:lumOff val="35000"/>
-                </a:schemeClr>
-              </a:solidFill>
-              <a:highlight>
-                <a:srgbClr val="FFFF00"/>
-              </a:highlight>
-            </a:endParaRPr>
-          </a:p>
-        </p:txBody>
-      </p:sp>
-      <p:pic>
-        <p:nvPicPr>
-          <p:cNvPr id="5122" name="Picture 2" descr="TightVNC Home">
-            <a:extLst>
-              <a:ext uri="{FF2B5EF4-FFF2-40B4-BE49-F238E27FC236}">
-                <a16:creationId xmlns:a16="http://schemas.microsoft.com/office/drawing/2014/main" id="{2DC653EE-06C2-1A32-908E-6A866DD8D2A7}"/>
-              </a:ext>
-            </a:extLst>
-          </p:cNvPr>
-          <p:cNvPicPr>
-            <a:picLocks noChangeAspect="1" noChangeArrowheads="1"/>
-          </p:cNvPicPr>
-          <p:nvPr/>
-        </p:nvPicPr>
-        <p:blipFill>
-          <a:blip r:embed="rId2">
-            <a:extLst>
-              <a:ext uri="{28A0092B-C50C-407E-A947-70E740481C1C}">
-                <a14:useLocalDpi xmlns:a14="http://schemas.microsoft.com/office/drawing/2010/main" val="0"/>
-              </a:ext>
-            </a:extLst>
-          </a:blip>
-          <a:srcRect/>
-          <a:stretch>
-            <a:fillRect/>
-          </a:stretch>
-        </p:blipFill>
-        <p:spPr bwMode="auto">
-          <a:xfrm>
-            <a:off x="1021910" y="2322194"/>
-            <a:ext cx="2743199" cy="2743199"/>
-          </a:xfrm>
-          <a:prstGeom prst="rect">
-            <a:avLst/>
-          </a:prstGeom>
-          <a:noFill/>
-          <a:extLst>
-            <a:ext uri="{909E8E84-426E-40DD-AFC4-6F175D3DCCD1}">
-              <a14:hiddenFill xmlns:a14="http://schemas.microsoft.com/office/drawing/2010/main">
-                <a:solidFill>
-                  <a:srgbClr val="FFFFFF"/>
-                </a:solidFill>
-              </a14:hiddenFill>
-            </a:ext>
-          </a:extLst>
-        </p:spPr>
-      </p:pic>
-    </p:spTree>
-    <p:extLst>
-      <p:ext uri="{BB962C8B-B14F-4D97-AF65-F5344CB8AC3E}">
-        <p14:creationId xmlns:p14="http://schemas.microsoft.com/office/powerpoint/2010/main" val="325166944"/>
-      </p:ext>
-    </p:extLst>
-  </p:cSld>
-  <p:clrMapOvr>
-    <a:masterClrMapping/>
-  </p:clrMapOvr>
-</p:sld>
-</file>
-
-<file path=ppt/slides/slide16.xml><?xml version="1.0" encoding="utf-8"?>
-<p:sld xmlns:a="http://schemas.openxmlformats.org/drawingml/2006/main" xmlns:r="http://schemas.openxmlformats.org/officeDocument/2006/relationships" xmlns:p="http://schemas.openxmlformats.org/presentationml/2006/main">
-  <p:cSld>
-    <p:spTree>
-      <p:nvGrpSpPr>
-        <p:cNvPr id="1" name=""/>
-        <p:cNvGrpSpPr/>
-        <p:nvPr/>
-      </p:nvGrpSpPr>
-      <p:grpSpPr>
-        <a:xfrm>
-          <a:off x="0" y="0"/>
-          <a:ext cx="0" cy="0"/>
-          <a:chOff x="0" y="0"/>
-          <a:chExt cx="0" cy="0"/>
-        </a:xfrm>
-      </p:grpSpPr>
-      <p:sp>
-        <p:nvSpPr>
-          <p:cNvPr id="4" name="날짜 개체 틀 3">
-            <a:extLst>
-              <a:ext uri="{FF2B5EF4-FFF2-40B4-BE49-F238E27FC236}">
-                <a16:creationId xmlns:a16="http://schemas.microsoft.com/office/drawing/2014/main" id="{96EB53D3-8572-4237-B28C-28CB40308C40}"/>
-              </a:ext>
-            </a:extLst>
-          </p:cNvPr>
-          <p:cNvSpPr>
-            <a:spLocks noGrp="1"/>
-          </p:cNvSpPr>
-          <p:nvPr>
-            <p:ph type="dt" sz="half" idx="10"/>
-          </p:nvPr>
-        </p:nvSpPr>
-        <p:spPr>
-          <a:xfrm>
-            <a:off x="141514" y="6356350"/>
-            <a:ext cx="2743200" cy="365125"/>
-          </a:xfrm>
-        </p:spPr>
-        <p:txBody>
-          <a:bodyPr/>
-          <a:lstStyle/>
-          <a:p>
-            <a:fld id="{0303D7D5-FAC8-4B75-A637-D564180CD715}" type="datetime1">
-              <a:rPr lang="ko-KR" altLang="en-US" sz="1000" smtClean="0"/>
-              <a:t>2023-06-07</a:t>
-            </a:fld>
-            <a:endParaRPr lang="ko-KR" altLang="en-US" sz="1000" dirty="0"/>
-          </a:p>
-        </p:txBody>
-      </p:sp>
-      <p:sp>
-        <p:nvSpPr>
-          <p:cNvPr id="6" name="슬라이드 번호 개체 틀 5">
-            <a:extLst>
-              <a:ext uri="{FF2B5EF4-FFF2-40B4-BE49-F238E27FC236}">
-                <a16:creationId xmlns:a16="http://schemas.microsoft.com/office/drawing/2014/main" id="{6E93A4FF-EE48-4AD7-B7EF-105B8CE4CD9F}"/>
-              </a:ext>
-            </a:extLst>
-          </p:cNvPr>
-          <p:cNvSpPr>
-            <a:spLocks noGrp="1"/>
-          </p:cNvSpPr>
-          <p:nvPr>
-            <p:ph type="sldNum" sz="quarter" idx="12"/>
-          </p:nvPr>
-        </p:nvSpPr>
-        <p:spPr/>
-        <p:txBody>
-          <a:bodyPr/>
-          <a:lstStyle/>
-          <a:p>
-            <a:fld id="{77D8DCB6-DE77-432F-867E-17030BC60D58}" type="slidenum">
-              <a:rPr lang="ko-KR" altLang="en-US" smtClean="0"/>
-              <a:t>16</a:t>
-            </a:fld>
-            <a:endParaRPr lang="ko-KR" altLang="en-US"/>
-          </a:p>
-        </p:txBody>
-      </p:sp>
-      <p:cxnSp>
-        <p:nvCxnSpPr>
-          <p:cNvPr id="8" name="직선 연결선 7">
-            <a:extLst>
-              <a:ext uri="{FF2B5EF4-FFF2-40B4-BE49-F238E27FC236}">
-                <a16:creationId xmlns:a16="http://schemas.microsoft.com/office/drawing/2014/main" id="{D1F8D6B6-3C71-480C-BFAD-599210C64964}"/>
-              </a:ext>
-            </a:extLst>
-          </p:cNvPr>
-          <p:cNvCxnSpPr>
-            <a:cxnSpLocks/>
-          </p:cNvCxnSpPr>
-          <p:nvPr/>
-        </p:nvCxnSpPr>
-        <p:spPr>
-          <a:xfrm>
-            <a:off x="513806" y="1138535"/>
-            <a:ext cx="10978016" cy="0"/>
-          </a:xfrm>
-          <a:prstGeom prst="line">
-            <a:avLst/>
-          </a:prstGeom>
-          <a:ln w="28575">
-            <a:solidFill>
-              <a:srgbClr val="A80000"/>
-            </a:solidFill>
-          </a:ln>
-        </p:spPr>
-        <p:style>
-          <a:lnRef idx="1">
-            <a:schemeClr val="accent1"/>
-          </a:lnRef>
-          <a:fillRef idx="0">
-            <a:schemeClr val="accent1"/>
-          </a:fillRef>
-          <a:effectRef idx="0">
-            <a:schemeClr val="accent1"/>
-          </a:effectRef>
-          <a:fontRef idx="minor">
-            <a:schemeClr val="tx1"/>
-          </a:fontRef>
-        </p:style>
-      </p:cxnSp>
-      <p:sp>
-        <p:nvSpPr>
-          <p:cNvPr id="2" name="TextBox 1">
-            <a:extLst>
-              <a:ext uri="{FF2B5EF4-FFF2-40B4-BE49-F238E27FC236}">
-                <a16:creationId xmlns:a16="http://schemas.microsoft.com/office/drawing/2014/main" id="{94663EC0-FBD5-4C4B-137C-B9C16E034AC2}"/>
-              </a:ext>
-            </a:extLst>
-          </p:cNvPr>
-          <p:cNvSpPr txBox="1"/>
-          <p:nvPr/>
-        </p:nvSpPr>
-        <p:spPr>
-          <a:xfrm>
-            <a:off x="513806" y="615315"/>
-            <a:ext cx="8956766" cy="523220"/>
-          </a:xfrm>
-          <a:prstGeom prst="rect">
-            <a:avLst/>
-          </a:prstGeom>
-          <a:noFill/>
-        </p:spPr>
-        <p:txBody>
-          <a:bodyPr wrap="square" rtlCol="0">
-            <a:spAutoFit/>
-          </a:bodyPr>
-          <a:lstStyle/>
-          <a:p>
-            <a:r>
-              <a:rPr lang="en-US" altLang="ko-KR" sz="2800" b="1" dirty="0">
-                <a:solidFill>
-                  <a:schemeClr val="tx1">
-                    <a:lumMod val="65000"/>
-                    <a:lumOff val="35000"/>
-                  </a:schemeClr>
-                </a:solidFill>
-              </a:rPr>
-              <a:t>Tight VNC</a:t>
-            </a:r>
-            <a:endParaRPr lang="ko-KR" altLang="en-US" sz="2800" b="1" dirty="0">
-              <a:solidFill>
-                <a:schemeClr val="tx1">
-                  <a:lumMod val="65000"/>
-                  <a:lumOff val="35000"/>
-                </a:schemeClr>
-              </a:solidFill>
-            </a:endParaRPr>
-          </a:p>
-        </p:txBody>
-      </p:sp>
-      <p:sp>
-        <p:nvSpPr>
-          <p:cNvPr id="5" name="TextBox 4">
-            <a:extLst>
-              <a:ext uri="{FF2B5EF4-FFF2-40B4-BE49-F238E27FC236}">
-                <a16:creationId xmlns:a16="http://schemas.microsoft.com/office/drawing/2014/main" id="{59A1B189-475B-5D9A-4DCD-B21C4BCB62AD}"/>
-              </a:ext>
-            </a:extLst>
-          </p:cNvPr>
-          <p:cNvSpPr txBox="1"/>
-          <p:nvPr/>
-        </p:nvSpPr>
-        <p:spPr>
-          <a:xfrm>
-            <a:off x="1046514" y="1316708"/>
-            <a:ext cx="9916126" cy="3818481"/>
-          </a:xfrm>
-          <a:prstGeom prst="rect">
-            <a:avLst/>
-          </a:prstGeom>
-          <a:noFill/>
-        </p:spPr>
-        <p:txBody>
-          <a:bodyPr wrap="square" rtlCol="0">
-            <a:spAutoFit/>
-          </a:bodyPr>
-          <a:lstStyle/>
-          <a:p>
-            <a:pPr marL="285750" indent="-285750">
-              <a:buFont typeface="Arial" panose="020B0604020202020204" pitchFamily="34" charset="0"/>
-              <a:buChar char="•"/>
-            </a:pPr>
-            <a:r>
-              <a:rPr lang="ko-KR" altLang="en-US" sz="3000" b="1" dirty="0">
-                <a:solidFill>
-                  <a:schemeClr val="tx1">
-                    <a:lumMod val="65000"/>
-                    <a:lumOff val="35000"/>
-                  </a:schemeClr>
-                </a:solidFill>
-              </a:rPr>
-              <a:t>장점</a:t>
-            </a:r>
-            <a:endParaRPr lang="en-US" altLang="ko-KR" sz="3000" b="1" dirty="0">
-              <a:solidFill>
-                <a:schemeClr val="tx1">
-                  <a:lumMod val="65000"/>
-                  <a:lumOff val="35000"/>
-                </a:schemeClr>
-              </a:solidFill>
-            </a:endParaRPr>
-          </a:p>
-          <a:p>
-            <a:pPr marL="742950" lvl="1" indent="-285750">
-              <a:lnSpc>
-                <a:spcPct val="150000"/>
-              </a:lnSpc>
-              <a:buFont typeface="Arial" panose="020B0604020202020204" pitchFamily="34" charset="0"/>
-              <a:buChar char="•"/>
-            </a:pPr>
-            <a:r>
-              <a:rPr lang="ko-KR" altLang="en-US" sz="2000" b="1" dirty="0">
-                <a:solidFill>
-                  <a:schemeClr val="tx1">
-                    <a:lumMod val="65000"/>
-                    <a:lumOff val="35000"/>
-                  </a:schemeClr>
-                </a:solidFill>
-              </a:rPr>
-              <a:t>라이선스 비용 없음</a:t>
-            </a:r>
-            <a:endParaRPr lang="en-US" altLang="ko-KR" sz="2000" b="1" dirty="0">
-              <a:solidFill>
-                <a:schemeClr val="tx1">
-                  <a:lumMod val="65000"/>
-                  <a:lumOff val="35000"/>
-                </a:schemeClr>
-              </a:solidFill>
-            </a:endParaRPr>
-          </a:p>
-          <a:p>
-            <a:pPr marL="742950" lvl="1" indent="-285750">
-              <a:lnSpc>
-                <a:spcPct val="150000"/>
-              </a:lnSpc>
-              <a:buFont typeface="Arial" panose="020B0604020202020204" pitchFamily="34" charset="0"/>
-              <a:buChar char="•"/>
-            </a:pPr>
-            <a:r>
-              <a:rPr lang="ko-KR" altLang="en-US" sz="2000" b="1" dirty="0">
-                <a:solidFill>
-                  <a:schemeClr val="tx1">
-                    <a:lumMod val="65000"/>
-                    <a:lumOff val="35000"/>
-                  </a:schemeClr>
-                </a:solidFill>
-              </a:rPr>
-              <a:t>접속시간 제한 없음</a:t>
-            </a:r>
-            <a:endParaRPr lang="en-US" altLang="ko-KR" sz="2000" b="1" dirty="0">
-              <a:solidFill>
-                <a:schemeClr val="tx1">
-                  <a:lumMod val="65000"/>
-                  <a:lumOff val="35000"/>
-                </a:schemeClr>
-              </a:solidFill>
-            </a:endParaRPr>
-          </a:p>
-          <a:p>
-            <a:pPr marL="285750" indent="-285750">
-              <a:buFont typeface="Arial" panose="020B0604020202020204" pitchFamily="34" charset="0"/>
-              <a:buChar char="•"/>
-            </a:pPr>
-            <a:endParaRPr lang="en-US" altLang="ko-KR" b="1" dirty="0">
-              <a:solidFill>
-                <a:schemeClr val="tx1">
-                  <a:lumMod val="65000"/>
-                  <a:lumOff val="35000"/>
-                </a:schemeClr>
-              </a:solidFill>
-            </a:endParaRPr>
-          </a:p>
-          <a:p>
-            <a:pPr marL="285750" indent="-285750">
-              <a:buFont typeface="Arial" panose="020B0604020202020204" pitchFamily="34" charset="0"/>
-              <a:buChar char="•"/>
-            </a:pPr>
-            <a:endParaRPr lang="en-US" altLang="ko-KR" b="1" dirty="0">
-              <a:solidFill>
-                <a:schemeClr val="tx1">
-                  <a:lumMod val="65000"/>
-                  <a:lumOff val="35000"/>
-                </a:schemeClr>
-              </a:solidFill>
-            </a:endParaRPr>
-          </a:p>
-          <a:p>
-            <a:pPr marL="285750" indent="-285750">
-              <a:buFont typeface="Arial" panose="020B0604020202020204" pitchFamily="34" charset="0"/>
-              <a:buChar char="•"/>
-            </a:pPr>
-            <a:r>
-              <a:rPr lang="ko-KR" altLang="en-US" sz="3000" b="1" dirty="0">
-                <a:solidFill>
-                  <a:schemeClr val="tx1">
-                    <a:lumMod val="65000"/>
-                    <a:lumOff val="35000"/>
-                  </a:schemeClr>
-                </a:solidFill>
-              </a:rPr>
-              <a:t>단점</a:t>
-            </a:r>
-          </a:p>
-          <a:p>
-            <a:pPr marL="742950" lvl="1" indent="-285750">
-              <a:lnSpc>
-                <a:spcPct val="150000"/>
-              </a:lnSpc>
-              <a:buFont typeface="Arial" panose="020B0604020202020204" pitchFamily="34" charset="0"/>
-              <a:buChar char="•"/>
-            </a:pPr>
-            <a:r>
-              <a:rPr lang="ko-KR" altLang="en-US" sz="2000" b="1" dirty="0">
-                <a:solidFill>
-                  <a:schemeClr val="tx1">
-                    <a:lumMod val="65000"/>
-                    <a:lumOff val="35000"/>
-                  </a:schemeClr>
-                </a:solidFill>
-              </a:rPr>
-              <a:t>화면 송출 시 매끄럽지 않음</a:t>
-            </a:r>
-            <a:r>
-              <a:rPr lang="en-US" altLang="ko-KR" sz="2000" b="1" dirty="0">
-                <a:solidFill>
-                  <a:schemeClr val="tx1">
-                    <a:lumMod val="65000"/>
-                    <a:lumOff val="35000"/>
-                  </a:schemeClr>
-                </a:solidFill>
-              </a:rPr>
-              <a:t>.</a:t>
-            </a:r>
-          </a:p>
-          <a:p>
-            <a:pPr marL="742950" lvl="1" indent="-285750">
-              <a:lnSpc>
-                <a:spcPct val="150000"/>
-              </a:lnSpc>
-              <a:buFont typeface="Arial" panose="020B0604020202020204" pitchFamily="34" charset="0"/>
-              <a:buChar char="•"/>
-            </a:pPr>
-            <a:r>
-              <a:rPr lang="en-US" altLang="ko-KR" sz="2000" b="1" dirty="0">
-                <a:solidFill>
-                  <a:schemeClr val="tx1">
-                    <a:lumMod val="65000"/>
-                    <a:lumOff val="35000"/>
-                  </a:schemeClr>
-                </a:solidFill>
-              </a:rPr>
-              <a:t>IP</a:t>
-            </a:r>
-            <a:r>
-              <a:rPr lang="ko-KR" altLang="en-US" sz="2000" b="1" dirty="0">
-                <a:solidFill>
-                  <a:schemeClr val="tx1">
-                    <a:lumMod val="65000"/>
-                    <a:lumOff val="35000"/>
-                  </a:schemeClr>
-                </a:solidFill>
-              </a:rPr>
-              <a:t>입력으로 따른 공유기 환경에서 서버 컴퓨터의 포트 포워딩 필요</a:t>
-            </a:r>
-            <a:endParaRPr lang="en-US" altLang="ko-KR" sz="2000" b="1" dirty="0">
-              <a:solidFill>
-                <a:schemeClr val="tx1">
-                  <a:lumMod val="65000"/>
-                  <a:lumOff val="35000"/>
-                </a:schemeClr>
-              </a:solidFill>
-            </a:endParaRPr>
-          </a:p>
-          <a:p>
-            <a:pPr marL="742950" lvl="1" indent="-285750">
-              <a:lnSpc>
-                <a:spcPct val="150000"/>
-              </a:lnSpc>
-              <a:buFont typeface="Arial" panose="020B0604020202020204" pitchFamily="34" charset="0"/>
-              <a:buChar char="•"/>
-            </a:pPr>
-            <a:endParaRPr lang="en-US" altLang="ko-KR" sz="2000" b="1" dirty="0">
-              <a:solidFill>
-                <a:schemeClr val="tx1">
-                  <a:lumMod val="65000"/>
-                  <a:lumOff val="35000"/>
-                </a:schemeClr>
-              </a:solidFill>
-            </a:endParaRPr>
-          </a:p>
-        </p:txBody>
-      </p:sp>
-    </p:spTree>
-    <p:extLst>
-      <p:ext uri="{BB962C8B-B14F-4D97-AF65-F5344CB8AC3E}">
-        <p14:creationId xmlns:p14="http://schemas.microsoft.com/office/powerpoint/2010/main" val="3182674041"/>
-      </p:ext>
-    </p:extLst>
-  </p:cSld>
-  <p:clrMapOvr>
-    <a:masterClrMapping/>
-  </p:clrMapOvr>
-</p:sld>
-</file>
-
-<file path=ppt/slides/slide17.xml><?xml version="1.0" encoding="utf-8"?>
-<p:sld xmlns:a="http://schemas.openxmlformats.org/drawingml/2006/main" xmlns:r="http://schemas.openxmlformats.org/officeDocument/2006/relationships" xmlns:p="http://schemas.openxmlformats.org/presentationml/2006/main">
-  <p:cSld>
-    <p:spTree>
-      <p:nvGrpSpPr>
-        <p:cNvPr id="1" name=""/>
-        <p:cNvGrpSpPr/>
-        <p:nvPr/>
-      </p:nvGrpSpPr>
-      <p:grpSpPr>
-        <a:xfrm>
-          <a:off x="0" y="0"/>
-          <a:ext cx="0" cy="0"/>
-          <a:chOff x="0" y="0"/>
-          <a:chExt cx="0" cy="0"/>
-        </a:xfrm>
-      </p:grpSpPr>
-      <p:sp>
-        <p:nvSpPr>
-          <p:cNvPr id="4" name="날짜 개체 틀 3">
-            <a:extLst>
-              <a:ext uri="{FF2B5EF4-FFF2-40B4-BE49-F238E27FC236}">
-                <a16:creationId xmlns:a16="http://schemas.microsoft.com/office/drawing/2014/main" id="{96EB53D3-8572-4237-B28C-28CB40308C40}"/>
-              </a:ext>
-            </a:extLst>
-          </p:cNvPr>
-          <p:cNvSpPr>
-            <a:spLocks noGrp="1"/>
-          </p:cNvSpPr>
-          <p:nvPr>
-            <p:ph type="dt" sz="half" idx="10"/>
-          </p:nvPr>
-        </p:nvSpPr>
-        <p:spPr>
-          <a:xfrm>
-            <a:off x="141514" y="6356350"/>
-            <a:ext cx="2743200" cy="365125"/>
-          </a:xfrm>
-        </p:spPr>
-        <p:txBody>
-          <a:bodyPr/>
-          <a:lstStyle/>
-          <a:p>
-            <a:fld id="{0303D7D5-FAC8-4B75-A637-D564180CD715}" type="datetime1">
-              <a:rPr lang="ko-KR" altLang="en-US" sz="1000" smtClean="0"/>
-              <a:t>2023-06-07</a:t>
-            </a:fld>
-            <a:endParaRPr lang="ko-KR" altLang="en-US" sz="1000" dirty="0"/>
-          </a:p>
-        </p:txBody>
-      </p:sp>
-      <p:sp>
-        <p:nvSpPr>
-          <p:cNvPr id="6" name="슬라이드 번호 개체 틀 5">
-            <a:extLst>
-              <a:ext uri="{FF2B5EF4-FFF2-40B4-BE49-F238E27FC236}">
-                <a16:creationId xmlns:a16="http://schemas.microsoft.com/office/drawing/2014/main" id="{6E93A4FF-EE48-4AD7-B7EF-105B8CE4CD9F}"/>
-              </a:ext>
-            </a:extLst>
-          </p:cNvPr>
-          <p:cNvSpPr>
-            <a:spLocks noGrp="1"/>
-          </p:cNvSpPr>
-          <p:nvPr>
-            <p:ph type="sldNum" sz="quarter" idx="12"/>
-          </p:nvPr>
-        </p:nvSpPr>
-        <p:spPr/>
-        <p:txBody>
-          <a:bodyPr/>
-          <a:lstStyle/>
-          <a:p>
-            <a:fld id="{77D8DCB6-DE77-432F-867E-17030BC60D58}" type="slidenum">
-              <a:rPr lang="ko-KR" altLang="en-US" smtClean="0"/>
-              <a:t>17</a:t>
-            </a:fld>
-            <a:endParaRPr lang="ko-KR" altLang="en-US"/>
-          </a:p>
-        </p:txBody>
-      </p:sp>
-      <p:cxnSp>
-        <p:nvCxnSpPr>
-          <p:cNvPr id="8" name="직선 연결선 7">
-            <a:extLst>
-              <a:ext uri="{FF2B5EF4-FFF2-40B4-BE49-F238E27FC236}">
-                <a16:creationId xmlns:a16="http://schemas.microsoft.com/office/drawing/2014/main" id="{D1F8D6B6-3C71-480C-BFAD-599210C64964}"/>
-              </a:ext>
-            </a:extLst>
-          </p:cNvPr>
-          <p:cNvCxnSpPr>
-            <a:cxnSpLocks/>
-          </p:cNvCxnSpPr>
-          <p:nvPr/>
-        </p:nvCxnSpPr>
-        <p:spPr>
-          <a:xfrm>
-            <a:off x="513806" y="1138535"/>
-            <a:ext cx="10978016" cy="0"/>
-          </a:xfrm>
-          <a:prstGeom prst="line">
-            <a:avLst/>
-          </a:prstGeom>
-          <a:ln w="28575">
-            <a:solidFill>
-              <a:srgbClr val="A80000"/>
-            </a:solidFill>
-          </a:ln>
-        </p:spPr>
-        <p:style>
-          <a:lnRef idx="1">
-            <a:schemeClr val="accent1"/>
-          </a:lnRef>
-          <a:fillRef idx="0">
-            <a:schemeClr val="accent1"/>
-          </a:fillRef>
-          <a:effectRef idx="0">
-            <a:schemeClr val="accent1"/>
-          </a:effectRef>
-          <a:fontRef idx="minor">
-            <a:schemeClr val="tx1"/>
-          </a:fontRef>
-        </p:style>
-      </p:cxnSp>
-      <p:sp>
-        <p:nvSpPr>
-          <p:cNvPr id="9" name="TextBox 8">
-            <a:extLst>
-              <a:ext uri="{FF2B5EF4-FFF2-40B4-BE49-F238E27FC236}">
-                <a16:creationId xmlns:a16="http://schemas.microsoft.com/office/drawing/2014/main" id="{85E2DDDA-35AB-489C-8A37-0A056738B5CD}"/>
-              </a:ext>
-            </a:extLst>
-          </p:cNvPr>
-          <p:cNvSpPr txBox="1"/>
-          <p:nvPr/>
-        </p:nvSpPr>
-        <p:spPr>
-          <a:xfrm>
-            <a:off x="513805" y="576645"/>
-            <a:ext cx="8956766" cy="523220"/>
-          </a:xfrm>
-          <a:prstGeom prst="rect">
-            <a:avLst/>
-          </a:prstGeom>
-          <a:noFill/>
-        </p:spPr>
-        <p:txBody>
-          <a:bodyPr wrap="square" rtlCol="0">
-            <a:spAutoFit/>
-          </a:bodyPr>
-          <a:lstStyle/>
-          <a:p>
-            <a:r>
-              <a:rPr lang="en-US" altLang="ko-KR" sz="2800" b="1" dirty="0">
-                <a:solidFill>
-                  <a:schemeClr val="tx1">
-                    <a:lumMod val="65000"/>
-                    <a:lumOff val="35000"/>
-                  </a:schemeClr>
-                </a:solidFill>
-              </a:rPr>
-              <a:t>Ultra VNC</a:t>
-            </a:r>
-            <a:endParaRPr lang="ko-KR" altLang="en-US" sz="2800" b="1" dirty="0">
-              <a:solidFill>
-                <a:schemeClr val="tx1">
-                  <a:lumMod val="65000"/>
-                  <a:lumOff val="35000"/>
-                </a:schemeClr>
-              </a:solidFill>
-            </a:endParaRPr>
-          </a:p>
-        </p:txBody>
-      </p:sp>
-      <p:pic>
-        <p:nvPicPr>
-          <p:cNvPr id="6146" name="Picture 2" descr="UltraVNC icon">
-            <a:extLst>
-              <a:ext uri="{FF2B5EF4-FFF2-40B4-BE49-F238E27FC236}">
-                <a16:creationId xmlns:a16="http://schemas.microsoft.com/office/drawing/2014/main" id="{74890CD9-67FA-C280-F0C9-35AA4B7CA41C}"/>
-              </a:ext>
-            </a:extLst>
-          </p:cNvPr>
-          <p:cNvPicPr>
-            <a:picLocks noChangeAspect="1" noChangeArrowheads="1"/>
-          </p:cNvPicPr>
-          <p:nvPr/>
-        </p:nvPicPr>
-        <p:blipFill>
-          <a:blip r:embed="rId2">
-            <a:extLst>
-              <a:ext uri="{28A0092B-C50C-407E-A947-70E740481C1C}">
-                <a14:useLocalDpi xmlns:a14="http://schemas.microsoft.com/office/drawing/2010/main" val="0"/>
-              </a:ext>
-            </a:extLst>
-          </a:blip>
-          <a:srcRect/>
-          <a:stretch>
-            <a:fillRect/>
-          </a:stretch>
-        </p:blipFill>
-        <p:spPr bwMode="auto">
-          <a:xfrm>
-            <a:off x="1341663" y="2322194"/>
-            <a:ext cx="2354903" cy="2354903"/>
-          </a:xfrm>
-          <a:prstGeom prst="rect">
-            <a:avLst/>
-          </a:prstGeom>
-          <a:noFill/>
-          <a:extLst>
-            <a:ext uri="{909E8E84-426E-40DD-AFC4-6F175D3DCCD1}">
-              <a14:hiddenFill xmlns:a14="http://schemas.microsoft.com/office/drawing/2010/main">
-                <a:solidFill>
-                  <a:srgbClr val="FFFFFF"/>
-                </a:solidFill>
-              </a14:hiddenFill>
-            </a:ext>
-          </a:extLst>
-        </p:spPr>
-      </p:pic>
-      <p:sp>
-        <p:nvSpPr>
-          <p:cNvPr id="7" name="TextBox 6">
-            <a:extLst>
-              <a:ext uri="{FF2B5EF4-FFF2-40B4-BE49-F238E27FC236}">
-                <a16:creationId xmlns:a16="http://schemas.microsoft.com/office/drawing/2014/main" id="{4123B881-6647-2BDA-CBCF-0DB6A89DDEB9}"/>
-              </a:ext>
-            </a:extLst>
-          </p:cNvPr>
-          <p:cNvSpPr txBox="1"/>
-          <p:nvPr/>
-        </p:nvSpPr>
-        <p:spPr>
-          <a:xfrm>
-            <a:off x="4456262" y="2322194"/>
-            <a:ext cx="7035560" cy="2246769"/>
-          </a:xfrm>
-          <a:prstGeom prst="rect">
-            <a:avLst/>
-          </a:prstGeom>
-          <a:noFill/>
-        </p:spPr>
-        <p:txBody>
-          <a:bodyPr wrap="square" rtlCol="0">
-            <a:spAutoFit/>
-          </a:bodyPr>
-          <a:lstStyle/>
-          <a:p>
-            <a:pPr marL="285750" indent="-285750">
-              <a:buFont typeface="Arial" panose="020B0604020202020204" pitchFamily="34" charset="0"/>
-              <a:buChar char="•"/>
-            </a:pPr>
-            <a:r>
-              <a:rPr lang="ko-KR" altLang="en-US" sz="2000" b="1" dirty="0">
-                <a:solidFill>
-                  <a:schemeClr val="tx1">
-                    <a:lumMod val="65000"/>
-                    <a:lumOff val="35000"/>
-                  </a:schemeClr>
-                </a:solidFill>
-              </a:rPr>
-              <a:t>접속 하는 컴퓨터의 프로그램</a:t>
-            </a:r>
-            <a:r>
-              <a:rPr lang="en-US" altLang="ko-KR" sz="2000" b="1" dirty="0">
-                <a:solidFill>
-                  <a:schemeClr val="tx1">
-                    <a:lumMod val="65000"/>
-                    <a:lumOff val="35000"/>
-                  </a:schemeClr>
-                </a:solidFill>
-              </a:rPr>
-              <a:t>(Server), </a:t>
-            </a:r>
-            <a:r>
-              <a:rPr lang="ko-KR" altLang="en-US" sz="2000" b="1" dirty="0">
-                <a:solidFill>
-                  <a:schemeClr val="tx1">
-                    <a:lumMod val="65000"/>
-                    <a:lumOff val="35000"/>
-                  </a:schemeClr>
-                </a:solidFill>
-              </a:rPr>
-              <a:t>접속 받는 프로그램</a:t>
-            </a:r>
-            <a:r>
-              <a:rPr lang="en-US" altLang="ko-KR" sz="2000" b="1" dirty="0">
-                <a:solidFill>
-                  <a:schemeClr val="tx1">
-                    <a:lumMod val="65000"/>
-                    <a:lumOff val="35000"/>
-                  </a:schemeClr>
-                </a:solidFill>
-              </a:rPr>
-              <a:t>(Viewer)</a:t>
-            </a:r>
-            <a:r>
-              <a:rPr lang="ko-KR" altLang="en-US" sz="2000" b="1" dirty="0">
-                <a:solidFill>
-                  <a:schemeClr val="tx1">
-                    <a:lumMod val="65000"/>
-                    <a:lumOff val="35000"/>
-                  </a:schemeClr>
-                </a:solidFill>
-              </a:rPr>
-              <a:t> 따로 존재</a:t>
-            </a:r>
-            <a:endParaRPr lang="en-US" altLang="ko-KR" sz="2000" b="1" dirty="0">
-              <a:solidFill>
-                <a:schemeClr val="tx1">
-                  <a:lumMod val="65000"/>
-                  <a:lumOff val="35000"/>
-                </a:schemeClr>
-              </a:solidFill>
-            </a:endParaRPr>
-          </a:p>
-          <a:p>
-            <a:pPr marL="285750" indent="-285750">
-              <a:buFont typeface="Arial" panose="020B0604020202020204" pitchFamily="34" charset="0"/>
-              <a:buChar char="•"/>
-            </a:pPr>
-            <a:endParaRPr lang="en-US" altLang="ko-KR" sz="2000" b="1" dirty="0">
-              <a:solidFill>
-                <a:schemeClr val="tx1">
-                  <a:lumMod val="65000"/>
-                  <a:lumOff val="35000"/>
-                </a:schemeClr>
-              </a:solidFill>
-            </a:endParaRPr>
-          </a:p>
-          <a:p>
-            <a:pPr marL="285750" indent="-285750">
-              <a:buFont typeface="Arial" panose="020B0604020202020204" pitchFamily="34" charset="0"/>
-              <a:buChar char="•"/>
-            </a:pPr>
-            <a:r>
-              <a:rPr lang="en-US" altLang="ko-KR" sz="2000" b="1" dirty="0">
-                <a:solidFill>
-                  <a:schemeClr val="tx1">
-                    <a:lumMod val="65000"/>
-                    <a:lumOff val="35000"/>
-                  </a:schemeClr>
-                </a:solidFill>
-              </a:rPr>
-              <a:t>IP</a:t>
-            </a:r>
-            <a:r>
-              <a:rPr lang="ko-KR" altLang="en-US" sz="2000" b="1" dirty="0">
-                <a:solidFill>
-                  <a:schemeClr val="tx1">
-                    <a:lumMod val="65000"/>
-                    <a:lumOff val="35000"/>
-                  </a:schemeClr>
-                </a:solidFill>
-              </a:rPr>
-              <a:t>주소를 통해 연결</a:t>
-            </a:r>
-            <a:endParaRPr lang="en-US" altLang="ko-KR" sz="2000" b="1" dirty="0">
-              <a:solidFill>
-                <a:schemeClr val="tx1">
-                  <a:lumMod val="65000"/>
-                  <a:lumOff val="35000"/>
-                </a:schemeClr>
-              </a:solidFill>
-            </a:endParaRPr>
-          </a:p>
-          <a:p>
-            <a:pPr marL="285750" indent="-285750">
-              <a:buFont typeface="Arial" panose="020B0604020202020204" pitchFamily="34" charset="0"/>
-              <a:buChar char="•"/>
-            </a:pPr>
-            <a:endParaRPr lang="en-US" altLang="ko-KR" sz="2000" b="1" dirty="0">
-              <a:solidFill>
-                <a:schemeClr val="tx1">
-                  <a:lumMod val="65000"/>
-                  <a:lumOff val="35000"/>
-                </a:schemeClr>
-              </a:solidFill>
-            </a:endParaRPr>
-          </a:p>
-          <a:p>
-            <a:pPr marL="285750" indent="-285750">
-              <a:buFont typeface="Arial" panose="020B0604020202020204" pitchFamily="34" charset="0"/>
-              <a:buChar char="•"/>
-            </a:pPr>
-            <a:r>
-              <a:rPr lang="ko-KR" altLang="en-US" sz="2000" b="1" dirty="0">
-                <a:solidFill>
-                  <a:schemeClr val="tx1">
-                    <a:lumMod val="65000"/>
-                    <a:lumOff val="35000"/>
-                  </a:schemeClr>
-                </a:solidFill>
-              </a:rPr>
-              <a:t>무료 라이선스</a:t>
-            </a:r>
-            <a:endParaRPr lang="en-US" altLang="ko-KR" sz="2000" b="1" dirty="0">
-              <a:solidFill>
-                <a:schemeClr val="tx1">
-                  <a:lumMod val="65000"/>
-                  <a:lumOff val="35000"/>
-                </a:schemeClr>
-              </a:solidFill>
-            </a:endParaRPr>
-          </a:p>
-          <a:p>
-            <a:pPr marL="285750" indent="-285750">
-              <a:buFont typeface="Arial" panose="020B0604020202020204" pitchFamily="34" charset="0"/>
-              <a:buChar char="•"/>
-            </a:pPr>
-            <a:endParaRPr lang="en-US" altLang="ko-KR" sz="2000" b="1" dirty="0">
-              <a:solidFill>
-                <a:schemeClr val="tx1">
-                  <a:lumMod val="65000"/>
-                  <a:lumOff val="35000"/>
-                </a:schemeClr>
-              </a:solidFill>
-            </a:endParaRPr>
-          </a:p>
-        </p:txBody>
-      </p:sp>
-    </p:spTree>
-    <p:extLst>
-      <p:ext uri="{BB962C8B-B14F-4D97-AF65-F5344CB8AC3E}">
-        <p14:creationId xmlns:p14="http://schemas.microsoft.com/office/powerpoint/2010/main" val="3845671321"/>
-      </p:ext>
-    </p:extLst>
-  </p:cSld>
-  <p:clrMapOvr>
-    <a:masterClrMapping/>
-  </p:clrMapOvr>
-</p:sld>
-</file>
-
-<file path=ppt/slides/slide18.xml><?xml version="1.0" encoding="utf-8"?>
-<p:sld xmlns:a="http://schemas.openxmlformats.org/drawingml/2006/main" xmlns:r="http://schemas.openxmlformats.org/officeDocument/2006/relationships" xmlns:p="http://schemas.openxmlformats.org/presentationml/2006/main">
-  <p:cSld>
-    <p:spTree>
-      <p:nvGrpSpPr>
-        <p:cNvPr id="1" name=""/>
-        <p:cNvGrpSpPr/>
-        <p:nvPr/>
-      </p:nvGrpSpPr>
-      <p:grpSpPr>
-        <a:xfrm>
-          <a:off x="0" y="0"/>
-          <a:ext cx="0" cy="0"/>
-          <a:chOff x="0" y="0"/>
-          <a:chExt cx="0" cy="0"/>
-        </a:xfrm>
-      </p:grpSpPr>
-      <p:sp>
-        <p:nvSpPr>
-          <p:cNvPr id="4" name="날짜 개체 틀 3">
-            <a:extLst>
-              <a:ext uri="{FF2B5EF4-FFF2-40B4-BE49-F238E27FC236}">
-                <a16:creationId xmlns:a16="http://schemas.microsoft.com/office/drawing/2014/main" id="{96EB53D3-8572-4237-B28C-28CB40308C40}"/>
-              </a:ext>
-            </a:extLst>
-          </p:cNvPr>
-          <p:cNvSpPr>
-            <a:spLocks noGrp="1"/>
-          </p:cNvSpPr>
-          <p:nvPr>
-            <p:ph type="dt" sz="half" idx="10"/>
-          </p:nvPr>
-        </p:nvSpPr>
-        <p:spPr>
-          <a:xfrm>
-            <a:off x="141514" y="6356350"/>
-            <a:ext cx="2743200" cy="365125"/>
-          </a:xfrm>
-        </p:spPr>
-        <p:txBody>
-          <a:bodyPr/>
-          <a:lstStyle/>
-          <a:p>
-            <a:fld id="{0303D7D5-FAC8-4B75-A637-D564180CD715}" type="datetime1">
-              <a:rPr lang="ko-KR" altLang="en-US" sz="1000" smtClean="0"/>
-              <a:t>2023-06-07</a:t>
-            </a:fld>
-            <a:endParaRPr lang="ko-KR" altLang="en-US" sz="1000" dirty="0"/>
-          </a:p>
-        </p:txBody>
-      </p:sp>
-      <p:sp>
-        <p:nvSpPr>
-          <p:cNvPr id="6" name="슬라이드 번호 개체 틀 5">
-            <a:extLst>
-              <a:ext uri="{FF2B5EF4-FFF2-40B4-BE49-F238E27FC236}">
-                <a16:creationId xmlns:a16="http://schemas.microsoft.com/office/drawing/2014/main" id="{6E93A4FF-EE48-4AD7-B7EF-105B8CE4CD9F}"/>
-              </a:ext>
-            </a:extLst>
-          </p:cNvPr>
-          <p:cNvSpPr>
-            <a:spLocks noGrp="1"/>
-          </p:cNvSpPr>
-          <p:nvPr>
-            <p:ph type="sldNum" sz="quarter" idx="12"/>
-          </p:nvPr>
-        </p:nvSpPr>
-        <p:spPr/>
-        <p:txBody>
-          <a:bodyPr/>
-          <a:lstStyle/>
-          <a:p>
-            <a:fld id="{77D8DCB6-DE77-432F-867E-17030BC60D58}" type="slidenum">
-              <a:rPr lang="ko-KR" altLang="en-US" smtClean="0"/>
-              <a:t>18</a:t>
-            </a:fld>
-            <a:endParaRPr lang="ko-KR" altLang="en-US"/>
-          </a:p>
-        </p:txBody>
-      </p:sp>
-      <p:cxnSp>
-        <p:nvCxnSpPr>
-          <p:cNvPr id="8" name="직선 연결선 7">
-            <a:extLst>
-              <a:ext uri="{FF2B5EF4-FFF2-40B4-BE49-F238E27FC236}">
-                <a16:creationId xmlns:a16="http://schemas.microsoft.com/office/drawing/2014/main" id="{D1F8D6B6-3C71-480C-BFAD-599210C64964}"/>
-              </a:ext>
-            </a:extLst>
-          </p:cNvPr>
-          <p:cNvCxnSpPr>
-            <a:cxnSpLocks/>
-          </p:cNvCxnSpPr>
-          <p:nvPr/>
-        </p:nvCxnSpPr>
-        <p:spPr>
-          <a:xfrm>
-            <a:off x="513806" y="1138535"/>
-            <a:ext cx="10978016" cy="0"/>
-          </a:xfrm>
-          <a:prstGeom prst="line">
-            <a:avLst/>
-          </a:prstGeom>
-          <a:ln w="28575">
-            <a:solidFill>
-              <a:srgbClr val="A80000"/>
-            </a:solidFill>
-          </a:ln>
-        </p:spPr>
-        <p:style>
-          <a:lnRef idx="1">
-            <a:schemeClr val="accent1"/>
-          </a:lnRef>
-          <a:fillRef idx="0">
-            <a:schemeClr val="accent1"/>
-          </a:fillRef>
-          <a:effectRef idx="0">
-            <a:schemeClr val="accent1"/>
-          </a:effectRef>
-          <a:fontRef idx="minor">
-            <a:schemeClr val="tx1"/>
-          </a:fontRef>
-        </p:style>
-      </p:cxnSp>
-      <p:sp>
-        <p:nvSpPr>
-          <p:cNvPr id="5" name="TextBox 4">
-            <a:extLst>
-              <a:ext uri="{FF2B5EF4-FFF2-40B4-BE49-F238E27FC236}">
-                <a16:creationId xmlns:a16="http://schemas.microsoft.com/office/drawing/2014/main" id="{59A1B189-475B-5D9A-4DCD-B21C4BCB62AD}"/>
-              </a:ext>
-            </a:extLst>
-          </p:cNvPr>
-          <p:cNvSpPr txBox="1"/>
-          <p:nvPr/>
-        </p:nvSpPr>
-        <p:spPr>
-          <a:xfrm>
-            <a:off x="1046514" y="1316708"/>
-            <a:ext cx="9916126" cy="5203476"/>
-          </a:xfrm>
-          <a:prstGeom prst="rect">
-            <a:avLst/>
-          </a:prstGeom>
-          <a:noFill/>
-        </p:spPr>
-        <p:txBody>
-          <a:bodyPr wrap="square" rtlCol="0">
-            <a:spAutoFit/>
-          </a:bodyPr>
-          <a:lstStyle/>
-          <a:p>
-            <a:pPr marL="285750" indent="-285750">
-              <a:buFont typeface="Arial" panose="020B0604020202020204" pitchFamily="34" charset="0"/>
-              <a:buChar char="•"/>
-            </a:pPr>
-            <a:r>
-              <a:rPr lang="ko-KR" altLang="en-US" sz="3000" b="1" dirty="0">
-                <a:solidFill>
-                  <a:schemeClr val="tx1">
-                    <a:lumMod val="65000"/>
-                    <a:lumOff val="35000"/>
-                  </a:schemeClr>
-                </a:solidFill>
-              </a:rPr>
-              <a:t>장점</a:t>
-            </a:r>
-            <a:endParaRPr lang="en-US" altLang="ko-KR" sz="3000" b="1" dirty="0">
-              <a:solidFill>
-                <a:schemeClr val="tx1">
-                  <a:lumMod val="65000"/>
-                  <a:lumOff val="35000"/>
-                </a:schemeClr>
-              </a:solidFill>
-            </a:endParaRPr>
-          </a:p>
-          <a:p>
-            <a:pPr marL="742950" lvl="1" indent="-285750">
-              <a:lnSpc>
-                <a:spcPct val="150000"/>
-              </a:lnSpc>
-              <a:buFont typeface="Arial" panose="020B0604020202020204" pitchFamily="34" charset="0"/>
-              <a:buChar char="•"/>
-            </a:pPr>
-            <a:r>
-              <a:rPr lang="ko-KR" altLang="en-US" sz="2000" b="1" dirty="0">
-                <a:solidFill>
-                  <a:schemeClr val="tx1">
-                    <a:lumMod val="65000"/>
-                    <a:lumOff val="35000"/>
-                  </a:schemeClr>
-                </a:solidFill>
-              </a:rPr>
-              <a:t>라이선스 비용 없음</a:t>
-            </a:r>
-            <a:endParaRPr lang="en-US" altLang="ko-KR" sz="2000" b="1" dirty="0">
-              <a:solidFill>
-                <a:schemeClr val="tx1">
-                  <a:lumMod val="65000"/>
-                  <a:lumOff val="35000"/>
-                </a:schemeClr>
-              </a:solidFill>
-            </a:endParaRPr>
-          </a:p>
-          <a:p>
-            <a:pPr marL="742950" lvl="1" indent="-285750">
-              <a:lnSpc>
-                <a:spcPct val="150000"/>
-              </a:lnSpc>
-              <a:buFont typeface="Arial" panose="020B0604020202020204" pitchFamily="34" charset="0"/>
-              <a:buChar char="•"/>
-            </a:pPr>
-            <a:r>
-              <a:rPr lang="ko-KR" altLang="en-US" sz="2000" b="1" dirty="0">
-                <a:solidFill>
-                  <a:schemeClr val="tx1">
-                    <a:lumMod val="65000"/>
-                    <a:lumOff val="35000"/>
-                  </a:schemeClr>
-                </a:solidFill>
-              </a:rPr>
-              <a:t>접속시간 제한 없음</a:t>
-            </a:r>
-            <a:endParaRPr lang="en-US" altLang="ko-KR" sz="2000" b="1" dirty="0">
-              <a:solidFill>
-                <a:schemeClr val="tx1">
-                  <a:lumMod val="65000"/>
-                  <a:lumOff val="35000"/>
-                </a:schemeClr>
-              </a:solidFill>
-            </a:endParaRPr>
-          </a:p>
-          <a:p>
-            <a:pPr marL="285750" indent="-285750">
-              <a:buFont typeface="Arial" panose="020B0604020202020204" pitchFamily="34" charset="0"/>
-              <a:buChar char="•"/>
-            </a:pPr>
-            <a:endParaRPr lang="en-US" altLang="ko-KR" b="1" dirty="0">
-              <a:solidFill>
-                <a:schemeClr val="tx1">
-                  <a:lumMod val="65000"/>
-                  <a:lumOff val="35000"/>
-                </a:schemeClr>
-              </a:solidFill>
-            </a:endParaRPr>
-          </a:p>
-          <a:p>
-            <a:pPr marL="285750" indent="-285750">
-              <a:buFont typeface="Arial" panose="020B0604020202020204" pitchFamily="34" charset="0"/>
-              <a:buChar char="•"/>
-            </a:pPr>
-            <a:endParaRPr lang="en-US" altLang="ko-KR" b="1" dirty="0">
-              <a:solidFill>
-                <a:schemeClr val="tx1">
-                  <a:lumMod val="65000"/>
-                  <a:lumOff val="35000"/>
-                </a:schemeClr>
-              </a:solidFill>
-            </a:endParaRPr>
-          </a:p>
-          <a:p>
-            <a:pPr marL="285750" indent="-285750">
-              <a:buFont typeface="Arial" panose="020B0604020202020204" pitchFamily="34" charset="0"/>
-              <a:buChar char="•"/>
-            </a:pPr>
-            <a:r>
-              <a:rPr lang="ko-KR" altLang="en-US" sz="3000" b="1" dirty="0">
-                <a:solidFill>
-                  <a:schemeClr val="tx1">
-                    <a:lumMod val="65000"/>
-                    <a:lumOff val="35000"/>
-                  </a:schemeClr>
-                </a:solidFill>
-              </a:rPr>
-              <a:t>단점</a:t>
-            </a:r>
-          </a:p>
-          <a:p>
-            <a:pPr marL="742950" lvl="1" indent="-285750">
-              <a:lnSpc>
-                <a:spcPct val="150000"/>
-              </a:lnSpc>
-              <a:buFont typeface="Arial" panose="020B0604020202020204" pitchFamily="34" charset="0"/>
-              <a:buChar char="•"/>
-            </a:pPr>
-            <a:r>
-              <a:rPr lang="ko-KR" altLang="en-US" sz="2000" b="1" dirty="0">
-                <a:solidFill>
-                  <a:schemeClr val="tx1">
-                    <a:lumMod val="65000"/>
-                    <a:lumOff val="35000"/>
-                  </a:schemeClr>
-                </a:solidFill>
-              </a:rPr>
-              <a:t>화면 송출 시 매끄럽지 않음</a:t>
-            </a:r>
-            <a:r>
-              <a:rPr lang="en-US" altLang="ko-KR" sz="2000" b="1" dirty="0">
-                <a:solidFill>
-                  <a:schemeClr val="tx1">
-                    <a:lumMod val="65000"/>
-                    <a:lumOff val="35000"/>
-                  </a:schemeClr>
-                </a:solidFill>
-              </a:rPr>
-              <a:t>.</a:t>
-            </a:r>
-          </a:p>
-          <a:p>
-            <a:pPr marL="742950" lvl="1" indent="-285750">
-              <a:lnSpc>
-                <a:spcPct val="150000"/>
-              </a:lnSpc>
-              <a:buFont typeface="Arial" panose="020B0604020202020204" pitchFamily="34" charset="0"/>
-              <a:buChar char="•"/>
-            </a:pPr>
-            <a:r>
-              <a:rPr lang="en-US" altLang="ko-KR" sz="2000" b="1" dirty="0">
-                <a:solidFill>
-                  <a:schemeClr val="tx1">
-                    <a:lumMod val="65000"/>
-                    <a:lumOff val="35000"/>
-                  </a:schemeClr>
-                </a:solidFill>
-              </a:rPr>
-              <a:t>IP</a:t>
-            </a:r>
-            <a:r>
-              <a:rPr lang="ko-KR" altLang="en-US" sz="2000" b="1" dirty="0">
-                <a:solidFill>
-                  <a:schemeClr val="tx1">
-                    <a:lumMod val="65000"/>
-                    <a:lumOff val="35000"/>
-                  </a:schemeClr>
-                </a:solidFill>
-              </a:rPr>
-              <a:t>입력으로 따른 공유기 환경에서 서버 컴퓨터의 포트 포워딩 필요</a:t>
-            </a:r>
-            <a:endParaRPr lang="en-US" altLang="ko-KR" sz="2000" b="1" dirty="0">
-              <a:solidFill>
-                <a:schemeClr val="tx1">
-                  <a:lumMod val="65000"/>
-                  <a:lumOff val="35000"/>
-                </a:schemeClr>
-              </a:solidFill>
-            </a:endParaRPr>
-          </a:p>
-          <a:p>
-            <a:pPr marL="742950" lvl="1" indent="-285750">
-              <a:lnSpc>
-                <a:spcPct val="150000"/>
-              </a:lnSpc>
-              <a:buFont typeface="Arial" panose="020B0604020202020204" pitchFamily="34" charset="0"/>
-              <a:buChar char="•"/>
-            </a:pPr>
-            <a:r>
-              <a:rPr lang="ko-KR" altLang="en-US" sz="2000" b="1" dirty="0">
-                <a:solidFill>
-                  <a:schemeClr val="tx1">
-                    <a:lumMod val="65000"/>
-                    <a:lumOff val="35000"/>
-                  </a:schemeClr>
-                </a:solidFill>
-              </a:rPr>
-              <a:t>뷰어 화면의 마우스 위치로 서버 컴퓨터의 마우스 위치 고정</a:t>
-            </a:r>
-            <a:r>
-              <a:rPr lang="en-US" altLang="ko-KR" sz="2000" b="1" dirty="0">
-                <a:solidFill>
-                  <a:schemeClr val="tx1">
-                    <a:lumMod val="65000"/>
-                    <a:lumOff val="35000"/>
-                  </a:schemeClr>
-                </a:solidFill>
-              </a:rPr>
-              <a:t>(</a:t>
-            </a:r>
-            <a:r>
-              <a:rPr lang="ko-KR" altLang="en-US" sz="2000" b="1" dirty="0">
-                <a:solidFill>
-                  <a:schemeClr val="tx1">
-                    <a:lumMod val="65000"/>
-                    <a:lumOff val="35000"/>
-                  </a:schemeClr>
-                </a:solidFill>
-              </a:rPr>
-              <a:t>서버에서 조작 어려움</a:t>
-            </a:r>
-            <a:r>
-              <a:rPr lang="en-US" altLang="ko-KR" sz="2000" b="1" dirty="0">
-                <a:solidFill>
-                  <a:schemeClr val="tx1">
-                    <a:lumMod val="65000"/>
-                    <a:lumOff val="35000"/>
-                  </a:schemeClr>
-                </a:solidFill>
-              </a:rPr>
-              <a:t>)</a:t>
-            </a:r>
-          </a:p>
-          <a:p>
-            <a:pPr marL="742950" lvl="1" indent="-285750">
-              <a:lnSpc>
-                <a:spcPct val="150000"/>
-              </a:lnSpc>
-              <a:buFont typeface="Arial" panose="020B0604020202020204" pitchFamily="34" charset="0"/>
-              <a:buChar char="•"/>
-            </a:pPr>
-            <a:endParaRPr lang="en-US" altLang="ko-KR" sz="2000" b="1" dirty="0">
-              <a:solidFill>
-                <a:schemeClr val="tx1">
-                  <a:lumMod val="65000"/>
-                  <a:lumOff val="35000"/>
-                </a:schemeClr>
-              </a:solidFill>
-            </a:endParaRPr>
-          </a:p>
-          <a:p>
-            <a:pPr marL="742950" lvl="1" indent="-285750">
-              <a:lnSpc>
-                <a:spcPct val="150000"/>
-              </a:lnSpc>
-              <a:buFont typeface="Arial" panose="020B0604020202020204" pitchFamily="34" charset="0"/>
-              <a:buChar char="•"/>
-            </a:pPr>
-            <a:endParaRPr lang="en-US" altLang="ko-KR" sz="2000" b="1" dirty="0">
-              <a:solidFill>
-                <a:schemeClr val="tx1">
-                  <a:lumMod val="65000"/>
-                  <a:lumOff val="35000"/>
-                </a:schemeClr>
-              </a:solidFill>
-            </a:endParaRPr>
-          </a:p>
-        </p:txBody>
-      </p:sp>
-      <p:sp>
-        <p:nvSpPr>
-          <p:cNvPr id="3" name="TextBox 2">
-            <a:extLst>
-              <a:ext uri="{FF2B5EF4-FFF2-40B4-BE49-F238E27FC236}">
-                <a16:creationId xmlns:a16="http://schemas.microsoft.com/office/drawing/2014/main" id="{E52997F5-C101-6676-A302-45866E45F6D3}"/>
-              </a:ext>
-            </a:extLst>
-          </p:cNvPr>
-          <p:cNvSpPr txBox="1"/>
-          <p:nvPr/>
-        </p:nvSpPr>
-        <p:spPr>
-          <a:xfrm>
-            <a:off x="513805" y="576645"/>
-            <a:ext cx="8956766" cy="523220"/>
-          </a:xfrm>
-          <a:prstGeom prst="rect">
-            <a:avLst/>
-          </a:prstGeom>
-          <a:noFill/>
-        </p:spPr>
-        <p:txBody>
-          <a:bodyPr wrap="square" rtlCol="0">
-            <a:spAutoFit/>
-          </a:bodyPr>
-          <a:lstStyle/>
-          <a:p>
-            <a:r>
-              <a:rPr lang="en-US" altLang="ko-KR" sz="2800" b="1" dirty="0">
-                <a:solidFill>
-                  <a:schemeClr val="tx1">
-                    <a:lumMod val="65000"/>
-                    <a:lumOff val="35000"/>
-                  </a:schemeClr>
-                </a:solidFill>
-              </a:rPr>
-              <a:t>Ultra VNC</a:t>
-            </a:r>
-            <a:endParaRPr lang="ko-KR" altLang="en-US" sz="2800" b="1" dirty="0">
-              <a:solidFill>
-                <a:schemeClr val="tx1">
-                  <a:lumMod val="65000"/>
-                  <a:lumOff val="35000"/>
-                </a:schemeClr>
-              </a:solidFill>
-            </a:endParaRPr>
-          </a:p>
-        </p:txBody>
-      </p:sp>
-    </p:spTree>
-    <p:extLst>
-      <p:ext uri="{BB962C8B-B14F-4D97-AF65-F5344CB8AC3E}">
-        <p14:creationId xmlns:p14="http://schemas.microsoft.com/office/powerpoint/2010/main" val="1070169728"/>
-      </p:ext>
-    </p:extLst>
-  </p:cSld>
-  <p:clrMapOvr>
-    <a:masterClrMapping/>
-  </p:clrMapOvr>
-</p:sld>
-</file>
-
-<file path=ppt/slides/slide19.xml><?xml version="1.0" encoding="utf-8"?>
-<p:sld xmlns:a="http://schemas.openxmlformats.org/drawingml/2006/main" xmlns:r="http://schemas.openxmlformats.org/officeDocument/2006/relationships" xmlns:p="http://schemas.openxmlformats.org/presentationml/2006/main">
-  <p:cSld>
-    <p:spTree>
-      <p:nvGrpSpPr>
-        <p:cNvPr id="1" name=""/>
-        <p:cNvGrpSpPr/>
-        <p:nvPr/>
-      </p:nvGrpSpPr>
-      <p:grpSpPr>
-        <a:xfrm>
-          <a:off x="0" y="0"/>
-          <a:ext cx="0" cy="0"/>
-          <a:chOff x="0" y="0"/>
-          <a:chExt cx="0" cy="0"/>
-        </a:xfrm>
-      </p:grpSpPr>
-      <p:sp>
-        <p:nvSpPr>
-          <p:cNvPr id="2" name="제목 1">
-            <a:extLst>
-              <a:ext uri="{FF2B5EF4-FFF2-40B4-BE49-F238E27FC236}">
-                <a16:creationId xmlns:a16="http://schemas.microsoft.com/office/drawing/2014/main" id="{F507C3B1-CA32-E146-9070-3BCAC8B14247}"/>
-              </a:ext>
-            </a:extLst>
-          </p:cNvPr>
-          <p:cNvSpPr>
-            <a:spLocks noGrp="1"/>
-          </p:cNvSpPr>
-          <p:nvPr>
-            <p:ph type="title"/>
-          </p:nvPr>
-        </p:nvSpPr>
-        <p:spPr/>
-        <p:txBody>
-          <a:bodyPr/>
-          <a:lstStyle/>
-          <a:p>
-            <a:r>
-              <a:rPr lang="ko-KR" altLang="en-US" dirty="0"/>
-              <a:t>수식 </a:t>
-            </a:r>
-            <a:r>
-              <a:rPr lang="ko-KR" altLang="en-US" dirty="0" err="1"/>
-              <a:t>짬처리</a:t>
-            </a:r>
-            <a:r>
-              <a:rPr lang="ko-KR" altLang="en-US" dirty="0"/>
-              <a:t> 공간</a:t>
-            </a:r>
-            <a:endParaRPr lang="en-US" dirty="0"/>
-          </a:p>
-        </p:txBody>
-      </p:sp>
       <mc:AlternateContent xmlns:mc="http://schemas.openxmlformats.org/markup-compatibility/2006">
         <mc:Choice xmlns:a14="http://schemas.microsoft.com/office/drawing/2010/main" Requires="a14">
           <p:sp>
             <p:nvSpPr>
-              <p:cNvPr id="4" name="내용 개체 틀 3">
+              <p:cNvPr id="10" name="TextBox 9">
                 <a:extLst>
                   <a:ext uri="{FF2B5EF4-FFF2-40B4-BE49-F238E27FC236}">
-                    <a16:creationId xmlns:a16="http://schemas.microsoft.com/office/drawing/2014/main" id="{66E3B77C-9E0A-E235-E613-630147427461}"/>
+                    <a16:creationId xmlns:a16="http://schemas.microsoft.com/office/drawing/2014/main" id="{56397820-54C6-DE8B-E54E-0163820E9069}"/>
                   </a:ext>
                 </a:extLst>
               </p:cNvPr>
-              <p:cNvSpPr txBox="1">
-                <a:spLocks noGrp="1"/>
-              </p:cNvSpPr>
-              <p:nvPr>
-                <p:ph idx="1"/>
-              </p:nvPr>
+              <p:cNvSpPr txBox="1"/>
+              <p:nvPr/>
             </p:nvSpPr>
             <p:spPr>
-              <a:xfrm flipH="1">
-                <a:off x="838200" y="1825625"/>
-                <a:ext cx="10515600" cy="4351338"/>
+              <a:xfrm>
+                <a:off x="5068120" y="3289025"/>
+                <a:ext cx="6094378" cy="710194"/>
               </a:xfrm>
               <a:prstGeom prst="rect">
                 <a:avLst/>
@@ -9629,12 +5101,12 @@
               <a:noFill/>
             </p:spPr>
             <p:txBody>
-              <a:bodyPr wrap="square" lIns="0" tIns="0" rIns="0" bIns="0" rtlCol="0">
+              <a:bodyPr wrap="square">
                 <a:spAutoFit/>
               </a:bodyPr>
               <a:lstStyle/>
               <a:p>
-                <a:pPr/>
+                <a:pPr algn="ctr"/>
                 <a14:m>
                   <m:oMath xmlns:m="http://schemas.openxmlformats.org/officeDocument/2006/math">
                     <m:r>
@@ -9678,40 +5150,19 @@
                                 <a:latin typeface="Cambria Math" panose="02040503050406030204" pitchFamily="18" charset="0"/>
                                 <a:ea typeface="Cambria Math" panose="02040503050406030204" pitchFamily="18" charset="0"/>
                               </a:rPr>
-                              <m:t>0 (</m:t>
+                              <m:t>0  ,(</m:t>
+                            </m:r>
+                            <m:r>
+                              <a:rPr lang="en-US" b="0" i="1" smtClean="0">
+                                <a:latin typeface="Cambria Math" panose="02040503050406030204" pitchFamily="18" charset="0"/>
+                                <a:ea typeface="Cambria Math" panose="02040503050406030204" pitchFamily="18" charset="0"/>
+                              </a:rPr>
+                              <m:t>−0.5+</m:t>
                             </m:r>
                             <m:sSub>
                               <m:sSubPr>
                                 <m:ctrlPr>
-                                  <a:rPr lang="en-US" b="0" i="1" smtClean="0">
-                                    <a:latin typeface="Cambria Math" panose="02040503050406030204" pitchFamily="18" charset="0"/>
-                                    <a:ea typeface="Cambria Math" panose="02040503050406030204" pitchFamily="18" charset="0"/>
-                                  </a:rPr>
-                                </m:ctrlPr>
-                              </m:sSubPr>
-                              <m:e>
-                                <m:r>
-                                  <a:rPr lang="en-US" b="0" i="1" smtClean="0">
-                                    <a:latin typeface="Cambria Math" panose="02040503050406030204" pitchFamily="18" charset="0"/>
-                                    <a:ea typeface="Cambria Math" panose="02040503050406030204" pitchFamily="18" charset="0"/>
-                                  </a:rPr>
-                                  <m:t>𝑤</m:t>
-                                </m:r>
-                              </m:e>
-                              <m:sub>
-                                <m:r>
-                                  <a:rPr lang="en-US" b="0" i="1" smtClean="0">
-                                    <a:latin typeface="Cambria Math" panose="02040503050406030204" pitchFamily="18" charset="0"/>
-                                    <a:ea typeface="Cambria Math" panose="02040503050406030204" pitchFamily="18" charset="0"/>
-                                  </a:rPr>
-                                  <m:t>1</m:t>
-                                </m:r>
-                              </m:sub>
-                            </m:sSub>
-                            <m:sSub>
-                              <m:sSubPr>
-                                <m:ctrlPr>
-                                  <a:rPr lang="en-US" i="1">
+                                  <a:rPr lang="en-US" i="1" smtClean="0">
                                     <a:latin typeface="Cambria Math" panose="02040503050406030204" pitchFamily="18" charset="0"/>
                                     <a:ea typeface="Cambria Math" panose="02040503050406030204" pitchFamily="18" charset="0"/>
                                   </a:rPr>
@@ -9754,34 +5205,6 @@
                               </m:sSubPr>
                               <m:e>
                                 <m:r>
-                                  <a:rPr lang="en-US" i="1">
-                                    <a:latin typeface="Cambria Math" panose="02040503050406030204" pitchFamily="18" charset="0"/>
-                                    <a:ea typeface="Cambria Math" panose="02040503050406030204" pitchFamily="18" charset="0"/>
-                                  </a:rPr>
-                                  <m:t>𝑤</m:t>
-                                </m:r>
-                              </m:e>
-                              <m:sub>
-                                <m:r>
-                                  <a:rPr lang="en-US" b="0" i="1" smtClean="0">
-                                    <a:latin typeface="Cambria Math" panose="02040503050406030204" pitchFamily="18" charset="0"/>
-                                    <a:ea typeface="Cambria Math" panose="02040503050406030204" pitchFamily="18" charset="0"/>
-                                  </a:rPr>
-                                  <m:t>2</m:t>
-                                </m:r>
-                              </m:sub>
-                            </m:sSub>
-                            <m:sSub>
-                              <m:sSubPr>
-                                <m:ctrlPr>
-                                  <a:rPr lang="en-US" i="1">
-                                    <a:latin typeface="Cambria Math" panose="02040503050406030204" pitchFamily="18" charset="0"/>
-                                    <a:ea typeface="Cambria Math" panose="02040503050406030204" pitchFamily="18" charset="0"/>
-                                  </a:rPr>
-                                </m:ctrlPr>
-                              </m:sSubPr>
-                              <m:e>
-                                <m:r>
                                   <a:rPr lang="en-US" b="0" i="1" smtClean="0">
                                     <a:latin typeface="Cambria Math" panose="02040503050406030204" pitchFamily="18" charset="0"/>
                                     <a:ea typeface="Cambria Math" panose="02040503050406030204" pitchFamily="18" charset="0"/>
@@ -9807,11 +5230,11 @@
                               <m:t>≤</m:t>
                             </m:r>
                             <m:r>
-                              <a:rPr lang="en-US" i="1" smtClean="0">
+                              <a:rPr lang="en-US" b="0" i="1" smtClean="0">
                                 <a:latin typeface="Cambria Math" panose="02040503050406030204" pitchFamily="18" charset="0"/>
                                 <a:ea typeface="Cambria Math" panose="02040503050406030204" pitchFamily="18" charset="0"/>
                               </a:rPr>
-                              <m:t>𝜃</m:t>
+                              <m:t>0</m:t>
                             </m:r>
                             <m:r>
                               <a:rPr lang="en-US" b="0" i="1" smtClean="0">
@@ -9827,14 +5250,14 @@
                                 <a:latin typeface="Cambria Math" panose="02040503050406030204" pitchFamily="18" charset="0"/>
                                 <a:ea typeface="Cambria Math" panose="02040503050406030204" pitchFamily="18" charset="0"/>
                               </a:rPr>
-                              <m:t>1 </m:t>
+                              <m:t>1</m:t>
                             </m:r>
                             <m:r>
                               <a:rPr lang="en-US" i="1">
                                 <a:latin typeface="Cambria Math" panose="02040503050406030204" pitchFamily="18" charset="0"/>
                                 <a:ea typeface="Cambria Math" panose="02040503050406030204" pitchFamily="18" charset="0"/>
                               </a:rPr>
-                              <m:t>(</m:t>
+                              <m:t>,(</m:t>
                             </m:r>
                             <m:sSub>
                               <m:sSubPr>
@@ -9847,35 +5270,14 @@
                               </m:sSubPr>
                               <m:e>
                                 <m:r>
-                                  <a:rPr lang="en-US" i="1">
+                                  <a:rPr lang="en-US" b="0" i="1" smtClean="0">
                                     <a:latin typeface="Cambria Math" panose="02040503050406030204" pitchFamily="18" charset="0"/>
                                     <a:ea typeface="Cambria Math" panose="02040503050406030204" pitchFamily="18" charset="0"/>
                                   </a:rPr>
-                                  <m:t>𝑤</m:t>
+                                  <m:t>−0.5+</m:t>
                                 </m:r>
-                              </m:e>
-                              <m:sub>
                                 <m:r>
                                   <a:rPr lang="en-US" i="1">
-                                    <a:latin typeface="Cambria Math" panose="02040503050406030204" pitchFamily="18" charset="0"/>
-                                    <a:ea typeface="Cambria Math" panose="02040503050406030204" pitchFamily="18" charset="0"/>
-                                  </a:rPr>
-                                  <m:t>1</m:t>
-                                </m:r>
-                              </m:sub>
-                            </m:sSub>
-                            <m:sSub>
-                              <m:sSubPr>
-                                <m:ctrlPr>
-                                  <a:rPr lang="en-US" i="1">
-                                    <a:latin typeface="Cambria Math" panose="02040503050406030204" pitchFamily="18" charset="0"/>
-                                    <a:ea typeface="Cambria Math" panose="02040503050406030204" pitchFamily="18" charset="0"/>
-                                  </a:rPr>
-                                </m:ctrlPr>
-                              </m:sSubPr>
-                              <m:e>
-                                <m:r>
-                                  <a:rPr lang="en-US" b="0" i="1" smtClean="0">
                                     <a:latin typeface="Cambria Math" panose="02040503050406030204" pitchFamily="18" charset="0"/>
                                     <a:ea typeface="Cambria Math" panose="02040503050406030204" pitchFamily="18" charset="0"/>
                                   </a:rPr>
@@ -9914,34 +5316,6 @@
                                     <a:latin typeface="Cambria Math" panose="02040503050406030204" pitchFamily="18" charset="0"/>
                                     <a:ea typeface="Cambria Math" panose="02040503050406030204" pitchFamily="18" charset="0"/>
                                   </a:rPr>
-                                  <m:t>𝑤</m:t>
-                                </m:r>
-                              </m:e>
-                              <m:sub>
-                                <m:r>
-                                  <a:rPr lang="en-US" i="1">
-                                    <a:latin typeface="Cambria Math" panose="02040503050406030204" pitchFamily="18" charset="0"/>
-                                    <a:ea typeface="Cambria Math" panose="02040503050406030204" pitchFamily="18" charset="0"/>
-                                  </a:rPr>
-                                  <m:t>2</m:t>
-                                </m:r>
-                              </m:sub>
-                            </m:sSub>
-                            <m:sSub>
-                              <m:sSubPr>
-                                <m:ctrlPr>
-                                  <a:rPr lang="en-US" i="1">
-                                    <a:latin typeface="Cambria Math" panose="02040503050406030204" pitchFamily="18" charset="0"/>
-                                    <a:ea typeface="Cambria Math" panose="02040503050406030204" pitchFamily="18" charset="0"/>
-                                  </a:rPr>
-                                </m:ctrlPr>
-                              </m:sSubPr>
-                              <m:e>
-                                <m:r>
-                                  <a:rPr lang="en-US" i="1">
-                                    <a:latin typeface="Cambria Math" panose="02040503050406030204" pitchFamily="18" charset="0"/>
-                                    <a:ea typeface="Cambria Math" panose="02040503050406030204" pitchFamily="18" charset="0"/>
-                                  </a:rPr>
                                   <m:t>𝑥</m:t>
                                 </m:r>
                               </m:e>
@@ -9963,11 +5337,11 @@
                               <m:t>≤</m:t>
                             </m:r>
                             <m:r>
-                              <a:rPr lang="en-US" i="1">
+                              <a:rPr lang="en-US" b="0" i="1" smtClean="0">
                                 <a:latin typeface="Cambria Math" panose="02040503050406030204" pitchFamily="18" charset="0"/>
                                 <a:ea typeface="Cambria Math" panose="02040503050406030204" pitchFamily="18" charset="0"/>
                               </a:rPr>
-                              <m:t>𝜃</m:t>
+                              <m:t>0</m:t>
                             </m:r>
                             <m:r>
                               <a:rPr lang="en-US" i="1">
@@ -9982,7 +5356,10 @@
                     </m:d>
                   </m:oMath>
                 </a14:m>
-                <a:endParaRPr lang="en-US" dirty="0"/>
+                <a:r>
+                  <a:rPr lang="en-US" dirty="0"/>
+                  <a:t> </a:t>
+                </a:r>
               </a:p>
             </p:txBody>
           </p:sp>
@@ -9990,32 +5367,30 @@
         <mc:Fallback>
           <p:sp>
             <p:nvSpPr>
-              <p:cNvPr id="4" name="내용 개체 틀 3">
+              <p:cNvPr id="10" name="TextBox 9">
                 <a:extLst>
                   <a:ext uri="{FF2B5EF4-FFF2-40B4-BE49-F238E27FC236}">
-                    <a16:creationId xmlns:a16="http://schemas.microsoft.com/office/drawing/2014/main" id="{66E3B77C-9E0A-E235-E613-630147427461}"/>
+                    <a16:creationId xmlns:a16="http://schemas.microsoft.com/office/drawing/2014/main" id="{56397820-54C6-DE8B-E54E-0163820E9069}"/>
                   </a:ext>
                 </a:extLst>
               </p:cNvPr>
               <p:cNvSpPr txBox="1">
-                <a:spLocks noGrp="1" noRot="1" noChangeAspect="1" noMove="1" noResize="1" noEditPoints="1" noAdjustHandles="1" noChangeArrowheads="1" noChangeShapeType="1" noTextEdit="1"/>
+                <a:spLocks noRot="1" noChangeAspect="1" noMove="1" noResize="1" noEditPoints="1" noAdjustHandles="1" noChangeArrowheads="1" noChangeShapeType="1" noTextEdit="1"/>
               </p:cNvSpPr>
-              <p:nvPr>
-                <p:ph idx="1"/>
-              </p:nvPr>
+              <p:nvPr/>
             </p:nvSpPr>
             <p:spPr>
-              <a:xfrm flipH="1">
-                <a:off x="838200" y="1825625"/>
-                <a:ext cx="10515600" cy="4351338"/>
+              <a:xfrm>
+                <a:off x="5068120" y="3289025"/>
+                <a:ext cx="6094378" cy="710194"/>
               </a:xfrm>
               <a:prstGeom prst="rect">
                 <a:avLst/>
               </a:prstGeom>
               <a:blipFill>
-                <a:blip r:embed="rId2"/>
+                <a:blip r:embed="rId3"/>
                 <a:stretch>
-                  <a:fillRect t="-420"/>
+                  <a:fillRect/>
                 </a:stretch>
               </a:blipFill>
             </p:spPr>
@@ -10034,10 +5409,50 @@
           </p:sp>
         </mc:Fallback>
       </mc:AlternateContent>
+      <p:sp>
+        <p:nvSpPr>
+          <p:cNvPr id="11" name="TextBox 10">
+            <a:extLst>
+              <a:ext uri="{FF2B5EF4-FFF2-40B4-BE49-F238E27FC236}">
+                <a16:creationId xmlns:a16="http://schemas.microsoft.com/office/drawing/2014/main" id="{45EEBBD7-8A12-BC23-CD48-D541B8B259BF}"/>
+              </a:ext>
+            </a:extLst>
+          </p:cNvPr>
+          <p:cNvSpPr txBox="1"/>
+          <p:nvPr/>
+        </p:nvSpPr>
+        <p:spPr>
+          <a:xfrm>
+            <a:off x="3025149" y="5254848"/>
+            <a:ext cx="1733005" cy="369332"/>
+          </a:xfrm>
+          <a:prstGeom prst="rect">
+            <a:avLst/>
+          </a:prstGeom>
+          <a:noFill/>
+        </p:spPr>
+        <p:txBody>
+          <a:bodyPr wrap="square" rtlCol="0">
+            <a:spAutoFit/>
+          </a:bodyPr>
+          <a:lstStyle/>
+          <a:p>
+            <a:r>
+              <a:rPr lang="en-US" altLang="ko-KR" dirty="0"/>
+              <a:t>OR</a:t>
+            </a:r>
+            <a:r>
+              <a:rPr lang="ko-KR" altLang="en-US" dirty="0"/>
+              <a:t> </a:t>
+            </a:r>
+            <a:endParaRPr lang="en-US" dirty="0"/>
+          </a:p>
+        </p:txBody>
+      </p:sp>
     </p:spTree>
     <p:extLst>
       <p:ext uri="{BB962C8B-B14F-4D97-AF65-F5344CB8AC3E}">
-        <p14:creationId xmlns:p14="http://schemas.microsoft.com/office/powerpoint/2010/main" val="2652711112"/>
+        <p14:creationId xmlns:p14="http://schemas.microsoft.com/office/powerpoint/2010/main" val="2894499815"/>
       </p:ext>
     </p:extLst>
   </p:cSld>
@@ -10047,7 +5462,7 @@
 </p:sld>
 </file>
 
-<file path=ppt/slides/slide2.xml><?xml version="1.0" encoding="utf-8"?>
+<file path=ppt/slides/slide12.xml><?xml version="1.0" encoding="utf-8"?>
 <p:sld xmlns:a="http://schemas.openxmlformats.org/drawingml/2006/main" xmlns:r="http://schemas.openxmlformats.org/officeDocument/2006/relationships" xmlns:p="http://schemas.openxmlformats.org/presentationml/2006/main">
   <p:cSld>
     <p:spTree>
@@ -10121,7 +5536,7 @@
           <a:p>
             <a:fld id="{77D8DCB6-DE77-432F-867E-17030BC60D58}" type="slidenum">
               <a:rPr lang="ko-KR" altLang="en-US" smtClean="0"/>
-              <a:t>2</a:t>
+              <a:t>12</a:t>
             </a:fld>
             <a:endParaRPr lang="ko-KR" altLang="en-US"/>
           </a:p>
@@ -10199,6 +5614,1427 @@
           <a:lstStyle/>
           <a:p>
             <a:r>
+              <a:rPr lang="en-US" altLang="ko-KR" sz="2800" b="1" dirty="0">
+                <a:solidFill>
+                  <a:schemeClr val="tx1">
+                    <a:lumMod val="65000"/>
+                    <a:lumOff val="35000"/>
+                  </a:schemeClr>
+                </a:solidFill>
+              </a:rPr>
+              <a:t>4. XOR</a:t>
+            </a:r>
+            <a:endParaRPr lang="ko-KR" altLang="en-US" sz="2800" b="1" dirty="0">
+              <a:solidFill>
+                <a:schemeClr val="tx1">
+                  <a:lumMod val="65000"/>
+                  <a:lumOff val="35000"/>
+                </a:schemeClr>
+              </a:solidFill>
+            </a:endParaRPr>
+          </a:p>
+        </p:txBody>
+      </p:sp>
+      <p:sp>
+        <p:nvSpPr>
+          <p:cNvPr id="11" name="TextBox 10">
+            <a:extLst>
+              <a:ext uri="{FF2B5EF4-FFF2-40B4-BE49-F238E27FC236}">
+                <a16:creationId xmlns:a16="http://schemas.microsoft.com/office/drawing/2014/main" id="{45EEBBD7-8A12-BC23-CD48-D541B8B259BF}"/>
+              </a:ext>
+            </a:extLst>
+          </p:cNvPr>
+          <p:cNvSpPr txBox="1"/>
+          <p:nvPr/>
+        </p:nvSpPr>
+        <p:spPr>
+          <a:xfrm>
+            <a:off x="5001995" y="5350133"/>
+            <a:ext cx="1733005" cy="369332"/>
+          </a:xfrm>
+          <a:prstGeom prst="rect">
+            <a:avLst/>
+          </a:prstGeom>
+          <a:noFill/>
+        </p:spPr>
+        <p:txBody>
+          <a:bodyPr wrap="square" rtlCol="0">
+            <a:spAutoFit/>
+          </a:bodyPr>
+          <a:lstStyle/>
+          <a:p>
+            <a:r>
+              <a:rPr lang="en-US" altLang="ko-KR" dirty="0"/>
+              <a:t>XOR</a:t>
+            </a:r>
+            <a:r>
+              <a:rPr lang="ko-KR" altLang="en-US" dirty="0"/>
+              <a:t> </a:t>
+            </a:r>
+            <a:endParaRPr lang="en-US" dirty="0"/>
+          </a:p>
+        </p:txBody>
+      </p:sp>
+      <p:pic>
+        <p:nvPicPr>
+          <p:cNvPr id="3" name="그림 2">
+            <a:extLst>
+              <a:ext uri="{FF2B5EF4-FFF2-40B4-BE49-F238E27FC236}">
+                <a16:creationId xmlns:a16="http://schemas.microsoft.com/office/drawing/2014/main" id="{F92C3650-9EC0-0FB2-DDA5-58435370E16D}"/>
+              </a:ext>
+            </a:extLst>
+          </p:cNvPr>
+          <p:cNvPicPr>
+            <a:picLocks noChangeAspect="1"/>
+          </p:cNvPicPr>
+          <p:nvPr/>
+        </p:nvPicPr>
+        <p:blipFill>
+          <a:blip r:embed="rId2">
+            <a:extLst>
+              <a:ext uri="{28A0092B-C50C-407E-A947-70E740481C1C}">
+                <a14:useLocalDpi xmlns:a14="http://schemas.microsoft.com/office/drawing/2010/main" val="0"/>
+              </a:ext>
+            </a:extLst>
+          </a:blip>
+          <a:stretch>
+            <a:fillRect/>
+          </a:stretch>
+        </p:blipFill>
+        <p:spPr>
+          <a:xfrm>
+            <a:off x="3533366" y="1439841"/>
+            <a:ext cx="3982131" cy="3735618"/>
+          </a:xfrm>
+          <a:prstGeom prst="rect">
+            <a:avLst/>
+          </a:prstGeom>
+        </p:spPr>
+      </p:pic>
+    </p:spTree>
+    <p:extLst>
+      <p:ext uri="{BB962C8B-B14F-4D97-AF65-F5344CB8AC3E}">
+        <p14:creationId xmlns:p14="http://schemas.microsoft.com/office/powerpoint/2010/main" val="1359711320"/>
+      </p:ext>
+    </p:extLst>
+  </p:cSld>
+  <p:clrMapOvr>
+    <a:masterClrMapping/>
+  </p:clrMapOvr>
+</p:sld>
+</file>
+
+<file path=ppt/slides/slide13.xml><?xml version="1.0" encoding="utf-8"?>
+<p:sld xmlns:a="http://schemas.openxmlformats.org/drawingml/2006/main" xmlns:r="http://schemas.openxmlformats.org/officeDocument/2006/relationships" xmlns:p="http://schemas.openxmlformats.org/presentationml/2006/main">
+  <p:cSld>
+    <p:spTree>
+      <p:nvGrpSpPr>
+        <p:cNvPr id="1" name=""/>
+        <p:cNvGrpSpPr/>
+        <p:nvPr/>
+      </p:nvGrpSpPr>
+      <p:grpSpPr>
+        <a:xfrm>
+          <a:off x="0" y="0"/>
+          <a:ext cx="0" cy="0"/>
+          <a:chOff x="0" y="0"/>
+          <a:chExt cx="0" cy="0"/>
+        </a:xfrm>
+      </p:grpSpPr>
+      <p:sp>
+        <p:nvSpPr>
+          <p:cNvPr id="4" name="날짜 개체 틀 3">
+            <a:extLst>
+              <a:ext uri="{FF2B5EF4-FFF2-40B4-BE49-F238E27FC236}">
+                <a16:creationId xmlns:a16="http://schemas.microsoft.com/office/drawing/2014/main" id="{96EB53D3-8572-4237-B28C-28CB40308C40}"/>
+              </a:ext>
+            </a:extLst>
+          </p:cNvPr>
+          <p:cNvSpPr>
+            <a:spLocks noGrp="1"/>
+          </p:cNvSpPr>
+          <p:nvPr>
+            <p:ph type="dt" sz="half" idx="10"/>
+          </p:nvPr>
+        </p:nvSpPr>
+        <p:spPr>
+          <a:xfrm>
+            <a:off x="141514" y="6356350"/>
+            <a:ext cx="2743200" cy="365125"/>
+          </a:xfrm>
+        </p:spPr>
+        <p:txBody>
+          <a:bodyPr/>
+          <a:lstStyle/>
+          <a:p>
+            <a:fld id="{0303D7D5-FAC8-4B75-A637-D564180CD715}" type="datetime1">
+              <a:rPr lang="ko-KR" altLang="en-US" sz="1000" smtClean="0"/>
+              <a:t>2023-06-07</a:t>
+            </a:fld>
+            <a:endParaRPr lang="ko-KR" altLang="en-US" sz="1000" dirty="0"/>
+          </a:p>
+        </p:txBody>
+      </p:sp>
+      <p:sp>
+        <p:nvSpPr>
+          <p:cNvPr id="6" name="슬라이드 번호 개체 틀 5">
+            <a:extLst>
+              <a:ext uri="{FF2B5EF4-FFF2-40B4-BE49-F238E27FC236}">
+                <a16:creationId xmlns:a16="http://schemas.microsoft.com/office/drawing/2014/main" id="{6E93A4FF-EE48-4AD7-B7EF-105B8CE4CD9F}"/>
+              </a:ext>
+            </a:extLst>
+          </p:cNvPr>
+          <p:cNvSpPr>
+            <a:spLocks noGrp="1"/>
+          </p:cNvSpPr>
+          <p:nvPr>
+            <p:ph type="sldNum" sz="quarter" idx="12"/>
+          </p:nvPr>
+        </p:nvSpPr>
+        <p:spPr/>
+        <p:txBody>
+          <a:bodyPr/>
+          <a:lstStyle/>
+          <a:p>
+            <a:fld id="{77D8DCB6-DE77-432F-867E-17030BC60D58}" type="slidenum">
+              <a:rPr lang="ko-KR" altLang="en-US" smtClean="0"/>
+              <a:t>13</a:t>
+            </a:fld>
+            <a:endParaRPr lang="ko-KR" altLang="en-US"/>
+          </a:p>
+        </p:txBody>
+      </p:sp>
+      <p:cxnSp>
+        <p:nvCxnSpPr>
+          <p:cNvPr id="8" name="직선 연결선 7">
+            <a:extLst>
+              <a:ext uri="{FF2B5EF4-FFF2-40B4-BE49-F238E27FC236}">
+                <a16:creationId xmlns:a16="http://schemas.microsoft.com/office/drawing/2014/main" id="{D1F8D6B6-3C71-480C-BFAD-599210C64964}"/>
+              </a:ext>
+            </a:extLst>
+          </p:cNvPr>
+          <p:cNvCxnSpPr>
+            <a:cxnSpLocks/>
+          </p:cNvCxnSpPr>
+          <p:nvPr/>
+        </p:nvCxnSpPr>
+        <p:spPr>
+          <a:xfrm>
+            <a:off x="513806" y="1138535"/>
+            <a:ext cx="10978016" cy="0"/>
+          </a:xfrm>
+          <a:prstGeom prst="line">
+            <a:avLst/>
+          </a:prstGeom>
+          <a:ln w="28575">
+            <a:solidFill>
+              <a:srgbClr val="A80000"/>
+            </a:solidFill>
+          </a:ln>
+        </p:spPr>
+        <p:style>
+          <a:lnRef idx="1">
+            <a:schemeClr val="accent1"/>
+          </a:lnRef>
+          <a:fillRef idx="0">
+            <a:schemeClr val="accent1"/>
+          </a:fillRef>
+          <a:effectRef idx="0">
+            <a:schemeClr val="accent1"/>
+          </a:effectRef>
+          <a:fontRef idx="minor">
+            <a:schemeClr val="tx1"/>
+          </a:fontRef>
+        </p:style>
+      </p:cxnSp>
+      <p:sp>
+        <p:nvSpPr>
+          <p:cNvPr id="9" name="TextBox 8">
+            <a:extLst>
+              <a:ext uri="{FF2B5EF4-FFF2-40B4-BE49-F238E27FC236}">
+                <a16:creationId xmlns:a16="http://schemas.microsoft.com/office/drawing/2014/main" id="{85E2DDDA-35AB-489C-8A37-0A056738B5CD}"/>
+              </a:ext>
+            </a:extLst>
+          </p:cNvPr>
+          <p:cNvSpPr txBox="1"/>
+          <p:nvPr/>
+        </p:nvSpPr>
+        <p:spPr>
+          <a:xfrm>
+            <a:off x="513805" y="576645"/>
+            <a:ext cx="4953139" cy="523220"/>
+          </a:xfrm>
+          <a:prstGeom prst="rect">
+            <a:avLst/>
+          </a:prstGeom>
+          <a:noFill/>
+        </p:spPr>
+        <p:txBody>
+          <a:bodyPr wrap="square" rtlCol="0">
+            <a:spAutoFit/>
+          </a:bodyPr>
+          <a:lstStyle/>
+          <a:p>
+            <a:r>
+              <a:rPr lang="en-US" altLang="ko-KR" sz="2800" b="1" dirty="0">
+                <a:solidFill>
+                  <a:schemeClr val="tx1">
+                    <a:lumMod val="65000"/>
+                    <a:lumOff val="35000"/>
+                  </a:schemeClr>
+                </a:solidFill>
+              </a:rPr>
+              <a:t>5. Multi-Layer Perceptron</a:t>
+            </a:r>
+            <a:endParaRPr lang="ko-KR" altLang="en-US" sz="2800" b="1" dirty="0">
+              <a:solidFill>
+                <a:schemeClr val="tx1">
+                  <a:lumMod val="65000"/>
+                  <a:lumOff val="35000"/>
+                </a:schemeClr>
+              </a:solidFill>
+            </a:endParaRPr>
+          </a:p>
+        </p:txBody>
+      </p:sp>
+      <p:sp>
+        <p:nvSpPr>
+          <p:cNvPr id="3" name="TextBox 2">
+            <a:extLst>
+              <a:ext uri="{FF2B5EF4-FFF2-40B4-BE49-F238E27FC236}">
+                <a16:creationId xmlns:a16="http://schemas.microsoft.com/office/drawing/2014/main" id="{D603CCB4-ACB5-F02F-EF78-87D53658E441}"/>
+              </a:ext>
+            </a:extLst>
+          </p:cNvPr>
+          <p:cNvSpPr txBox="1"/>
+          <p:nvPr/>
+        </p:nvSpPr>
+        <p:spPr>
+          <a:xfrm>
+            <a:off x="727699" y="1611893"/>
+            <a:ext cx="10550230" cy="707886"/>
+          </a:xfrm>
+          <a:prstGeom prst="rect">
+            <a:avLst/>
+          </a:prstGeom>
+          <a:noFill/>
+        </p:spPr>
+        <p:txBody>
+          <a:bodyPr wrap="square" rtlCol="0">
+            <a:spAutoFit/>
+          </a:bodyPr>
+          <a:lstStyle/>
+          <a:p>
+            <a:pPr marL="285750" indent="-285750">
+              <a:buFont typeface="Arial" panose="020B0604020202020204" pitchFamily="34" charset="0"/>
+              <a:buChar char="•"/>
+            </a:pPr>
+            <a:r>
+              <a:rPr lang="en-US" altLang="ko-KR" sz="2000" b="1" dirty="0">
+                <a:solidFill>
+                  <a:schemeClr val="tx1">
+                    <a:lumMod val="65000"/>
+                    <a:lumOff val="35000"/>
+                  </a:schemeClr>
+                </a:solidFill>
+              </a:rPr>
+              <a:t>XOR </a:t>
+            </a:r>
+            <a:r>
+              <a:rPr lang="ko-KR" altLang="en-US" sz="2000" b="1" dirty="0">
+                <a:solidFill>
+                  <a:schemeClr val="tx1">
+                    <a:lumMod val="65000"/>
+                    <a:lumOff val="35000"/>
+                  </a:schemeClr>
+                </a:solidFill>
+              </a:rPr>
+              <a:t>은 앞에 나왔던 </a:t>
+            </a:r>
+            <a:r>
+              <a:rPr lang="en-US" altLang="ko-KR" sz="2000" b="1" dirty="0">
+                <a:solidFill>
+                  <a:schemeClr val="tx1">
+                    <a:lumMod val="65000"/>
+                    <a:lumOff val="35000"/>
+                  </a:schemeClr>
+                </a:solidFill>
+              </a:rPr>
+              <a:t>AND, NAND, OR </a:t>
+            </a:r>
+            <a:r>
+              <a:rPr lang="ko-KR" altLang="en-US" sz="2000" b="1" dirty="0">
+                <a:solidFill>
+                  <a:schemeClr val="tx1">
+                    <a:lumMod val="65000"/>
+                    <a:lumOff val="35000"/>
+                  </a:schemeClr>
+                </a:solidFill>
+              </a:rPr>
+              <a:t>게이트를 조합해서 </a:t>
+            </a:r>
+            <a:r>
+              <a:rPr lang="ko-KR" altLang="en-US" sz="2000" b="1" dirty="0" err="1">
+                <a:solidFill>
+                  <a:schemeClr val="tx1">
+                    <a:lumMod val="65000"/>
+                    <a:lumOff val="35000"/>
+                  </a:schemeClr>
+                </a:solidFill>
+              </a:rPr>
+              <a:t>만들수</a:t>
+            </a:r>
+            <a:r>
+              <a:rPr lang="ko-KR" altLang="en-US" sz="2000" b="1" dirty="0">
+                <a:solidFill>
+                  <a:schemeClr val="tx1">
+                    <a:lumMod val="65000"/>
+                    <a:lumOff val="35000"/>
+                  </a:schemeClr>
+                </a:solidFill>
+              </a:rPr>
+              <a:t> 있다</a:t>
+            </a:r>
+            <a:r>
+              <a:rPr lang="en-US" altLang="ko-KR" sz="2000" b="1" dirty="0">
+                <a:solidFill>
+                  <a:schemeClr val="tx1">
+                    <a:lumMod val="65000"/>
+                    <a:lumOff val="35000"/>
+                  </a:schemeClr>
+                </a:solidFill>
+              </a:rPr>
+              <a:t>.</a:t>
+            </a:r>
+          </a:p>
+          <a:p>
+            <a:pPr marL="285750" indent="-285750">
+              <a:buFont typeface="Arial" panose="020B0604020202020204" pitchFamily="34" charset="0"/>
+              <a:buChar char="•"/>
+            </a:pPr>
+            <a:endParaRPr lang="en-US" altLang="ko-KR" sz="2000" b="1" dirty="0">
+              <a:solidFill>
+                <a:schemeClr val="tx1">
+                  <a:lumMod val="65000"/>
+                  <a:lumOff val="35000"/>
+                </a:schemeClr>
+              </a:solidFill>
+            </a:endParaRPr>
+          </a:p>
+        </p:txBody>
+      </p:sp>
+      <p:pic>
+        <p:nvPicPr>
+          <p:cNvPr id="7" name="그림 6">
+            <a:extLst>
+              <a:ext uri="{FF2B5EF4-FFF2-40B4-BE49-F238E27FC236}">
+                <a16:creationId xmlns:a16="http://schemas.microsoft.com/office/drawing/2014/main" id="{1403FA7A-DCF5-326C-4366-2E361645A7F8}"/>
+              </a:ext>
+            </a:extLst>
+          </p:cNvPr>
+          <p:cNvPicPr>
+            <a:picLocks noChangeAspect="1"/>
+          </p:cNvPicPr>
+          <p:nvPr/>
+        </p:nvPicPr>
+        <p:blipFill>
+          <a:blip r:embed="rId2">
+            <a:extLst>
+              <a:ext uri="{28A0092B-C50C-407E-A947-70E740481C1C}">
+                <a14:useLocalDpi xmlns:a14="http://schemas.microsoft.com/office/drawing/2010/main" val="0"/>
+              </a:ext>
+            </a:extLst>
+          </a:blip>
+          <a:stretch>
+            <a:fillRect/>
+          </a:stretch>
+        </p:blipFill>
+        <p:spPr>
+          <a:xfrm>
+            <a:off x="512129" y="2372456"/>
+            <a:ext cx="5461281" cy="1079555"/>
+          </a:xfrm>
+          <a:prstGeom prst="rect">
+            <a:avLst/>
+          </a:prstGeom>
+        </p:spPr>
+      </p:pic>
+      <p:pic>
+        <p:nvPicPr>
+          <p:cNvPr id="13" name="그림 12">
+            <a:extLst>
+              <a:ext uri="{FF2B5EF4-FFF2-40B4-BE49-F238E27FC236}">
+                <a16:creationId xmlns:a16="http://schemas.microsoft.com/office/drawing/2014/main" id="{52F4010F-D978-2069-EC59-76EF060FAAD6}"/>
+              </a:ext>
+            </a:extLst>
+          </p:cNvPr>
+          <p:cNvPicPr>
+            <a:picLocks noChangeAspect="1"/>
+          </p:cNvPicPr>
+          <p:nvPr/>
+        </p:nvPicPr>
+        <p:blipFill>
+          <a:blip r:embed="rId3">
+            <a:extLst>
+              <a:ext uri="{28A0092B-C50C-407E-A947-70E740481C1C}">
+                <a14:useLocalDpi xmlns:a14="http://schemas.microsoft.com/office/drawing/2010/main" val="0"/>
+              </a:ext>
+            </a:extLst>
+          </a:blip>
+          <a:stretch>
+            <a:fillRect/>
+          </a:stretch>
+        </p:blipFill>
+        <p:spPr>
+          <a:xfrm>
+            <a:off x="2240253" y="3723887"/>
+            <a:ext cx="2005034" cy="2337576"/>
+          </a:xfrm>
+          <a:prstGeom prst="rect">
+            <a:avLst/>
+          </a:prstGeom>
+        </p:spPr>
+      </p:pic>
+      <p:pic>
+        <p:nvPicPr>
+          <p:cNvPr id="15" name="그림 14">
+            <a:extLst>
+              <a:ext uri="{FF2B5EF4-FFF2-40B4-BE49-F238E27FC236}">
+                <a16:creationId xmlns:a16="http://schemas.microsoft.com/office/drawing/2014/main" id="{6CEBE14D-10D7-9185-8F33-BB494C27CFA4}"/>
+              </a:ext>
+            </a:extLst>
+          </p:cNvPr>
+          <p:cNvPicPr>
+            <a:picLocks noChangeAspect="1"/>
+          </p:cNvPicPr>
+          <p:nvPr/>
+        </p:nvPicPr>
+        <p:blipFill>
+          <a:blip r:embed="rId4">
+            <a:extLst>
+              <a:ext uri="{28A0092B-C50C-407E-A947-70E740481C1C}">
+                <a14:useLocalDpi xmlns:a14="http://schemas.microsoft.com/office/drawing/2010/main" val="0"/>
+              </a:ext>
+            </a:extLst>
+          </a:blip>
+          <a:stretch>
+            <a:fillRect/>
+          </a:stretch>
+        </p:blipFill>
+        <p:spPr>
+          <a:xfrm>
+            <a:off x="6754473" y="3664756"/>
+            <a:ext cx="3300657" cy="2337576"/>
+          </a:xfrm>
+          <a:prstGeom prst="rect">
+            <a:avLst/>
+          </a:prstGeom>
+        </p:spPr>
+      </p:pic>
+      <p:pic>
+        <p:nvPicPr>
+          <p:cNvPr id="17" name="그림 16">
+            <a:extLst>
+              <a:ext uri="{FF2B5EF4-FFF2-40B4-BE49-F238E27FC236}">
+                <a16:creationId xmlns:a16="http://schemas.microsoft.com/office/drawing/2014/main" id="{A3C2B0F7-338A-7908-B073-43738CF4279C}"/>
+              </a:ext>
+            </a:extLst>
+          </p:cNvPr>
+          <p:cNvPicPr>
+            <a:picLocks noChangeAspect="1"/>
+          </p:cNvPicPr>
+          <p:nvPr/>
+        </p:nvPicPr>
+        <p:blipFill>
+          <a:blip r:embed="rId5">
+            <a:extLst>
+              <a:ext uri="{28A0092B-C50C-407E-A947-70E740481C1C}">
+                <a14:useLocalDpi xmlns:a14="http://schemas.microsoft.com/office/drawing/2010/main" val="0"/>
+              </a:ext>
+            </a:extLst>
+          </a:blip>
+          <a:stretch>
+            <a:fillRect/>
+          </a:stretch>
+        </p:blipFill>
+        <p:spPr>
+          <a:xfrm>
+            <a:off x="6353694" y="2134260"/>
+            <a:ext cx="4102217" cy="1317751"/>
+          </a:xfrm>
+          <a:prstGeom prst="rect">
+            <a:avLst/>
+          </a:prstGeom>
+        </p:spPr>
+      </p:pic>
+    </p:spTree>
+    <p:extLst>
+      <p:ext uri="{BB962C8B-B14F-4D97-AF65-F5344CB8AC3E}">
+        <p14:creationId xmlns:p14="http://schemas.microsoft.com/office/powerpoint/2010/main" val="2477969582"/>
+      </p:ext>
+    </p:extLst>
+  </p:cSld>
+  <p:clrMapOvr>
+    <a:masterClrMapping/>
+  </p:clrMapOvr>
+</p:sld>
+</file>
+
+<file path=ppt/slides/slide14.xml><?xml version="1.0" encoding="utf-8"?>
+<p:sld xmlns:a="http://schemas.openxmlformats.org/drawingml/2006/main" xmlns:r="http://schemas.openxmlformats.org/officeDocument/2006/relationships" xmlns:p="http://schemas.openxmlformats.org/presentationml/2006/main">
+  <p:cSld>
+    <p:spTree>
+      <p:nvGrpSpPr>
+        <p:cNvPr id="1" name=""/>
+        <p:cNvGrpSpPr/>
+        <p:nvPr/>
+      </p:nvGrpSpPr>
+      <p:grpSpPr>
+        <a:xfrm>
+          <a:off x="0" y="0"/>
+          <a:ext cx="0" cy="0"/>
+          <a:chOff x="0" y="0"/>
+          <a:chExt cx="0" cy="0"/>
+        </a:xfrm>
+      </p:grpSpPr>
+      <p:sp>
+        <p:nvSpPr>
+          <p:cNvPr id="4" name="날짜 개체 틀 3">
+            <a:extLst>
+              <a:ext uri="{FF2B5EF4-FFF2-40B4-BE49-F238E27FC236}">
+                <a16:creationId xmlns:a16="http://schemas.microsoft.com/office/drawing/2014/main" id="{96EB53D3-8572-4237-B28C-28CB40308C40}"/>
+              </a:ext>
+            </a:extLst>
+          </p:cNvPr>
+          <p:cNvSpPr>
+            <a:spLocks noGrp="1"/>
+          </p:cNvSpPr>
+          <p:nvPr>
+            <p:ph type="dt" sz="half" idx="10"/>
+          </p:nvPr>
+        </p:nvSpPr>
+        <p:spPr>
+          <a:xfrm>
+            <a:off x="141514" y="6356350"/>
+            <a:ext cx="2743200" cy="365125"/>
+          </a:xfrm>
+        </p:spPr>
+        <p:txBody>
+          <a:bodyPr/>
+          <a:lstStyle/>
+          <a:p>
+            <a:fld id="{0303D7D5-FAC8-4B75-A637-D564180CD715}" type="datetime1">
+              <a:rPr lang="ko-KR" altLang="en-US" sz="1000" smtClean="0"/>
+              <a:t>2023-06-07</a:t>
+            </a:fld>
+            <a:endParaRPr lang="ko-KR" altLang="en-US" sz="1000" dirty="0"/>
+          </a:p>
+        </p:txBody>
+      </p:sp>
+      <p:sp>
+        <p:nvSpPr>
+          <p:cNvPr id="6" name="슬라이드 번호 개체 틀 5">
+            <a:extLst>
+              <a:ext uri="{FF2B5EF4-FFF2-40B4-BE49-F238E27FC236}">
+                <a16:creationId xmlns:a16="http://schemas.microsoft.com/office/drawing/2014/main" id="{6E93A4FF-EE48-4AD7-B7EF-105B8CE4CD9F}"/>
+              </a:ext>
+            </a:extLst>
+          </p:cNvPr>
+          <p:cNvSpPr>
+            <a:spLocks noGrp="1"/>
+          </p:cNvSpPr>
+          <p:nvPr>
+            <p:ph type="sldNum" sz="quarter" idx="12"/>
+          </p:nvPr>
+        </p:nvSpPr>
+        <p:spPr/>
+        <p:txBody>
+          <a:bodyPr/>
+          <a:lstStyle/>
+          <a:p>
+            <a:fld id="{77D8DCB6-DE77-432F-867E-17030BC60D58}" type="slidenum">
+              <a:rPr lang="ko-KR" altLang="en-US" smtClean="0"/>
+              <a:t>14</a:t>
+            </a:fld>
+            <a:endParaRPr lang="ko-KR" altLang="en-US"/>
+          </a:p>
+        </p:txBody>
+      </p:sp>
+      <p:cxnSp>
+        <p:nvCxnSpPr>
+          <p:cNvPr id="8" name="직선 연결선 7">
+            <a:extLst>
+              <a:ext uri="{FF2B5EF4-FFF2-40B4-BE49-F238E27FC236}">
+                <a16:creationId xmlns:a16="http://schemas.microsoft.com/office/drawing/2014/main" id="{D1F8D6B6-3C71-480C-BFAD-599210C64964}"/>
+              </a:ext>
+            </a:extLst>
+          </p:cNvPr>
+          <p:cNvCxnSpPr>
+            <a:cxnSpLocks/>
+          </p:cNvCxnSpPr>
+          <p:nvPr/>
+        </p:nvCxnSpPr>
+        <p:spPr>
+          <a:xfrm>
+            <a:off x="513806" y="1138535"/>
+            <a:ext cx="10978016" cy="0"/>
+          </a:xfrm>
+          <a:prstGeom prst="line">
+            <a:avLst/>
+          </a:prstGeom>
+          <a:ln w="28575">
+            <a:solidFill>
+              <a:srgbClr val="A80000"/>
+            </a:solidFill>
+          </a:ln>
+        </p:spPr>
+        <p:style>
+          <a:lnRef idx="1">
+            <a:schemeClr val="accent1"/>
+          </a:lnRef>
+          <a:fillRef idx="0">
+            <a:schemeClr val="accent1"/>
+          </a:fillRef>
+          <a:effectRef idx="0">
+            <a:schemeClr val="accent1"/>
+          </a:effectRef>
+          <a:fontRef idx="minor">
+            <a:schemeClr val="tx1"/>
+          </a:fontRef>
+        </p:style>
+      </p:cxnSp>
+      <p:sp>
+        <p:nvSpPr>
+          <p:cNvPr id="9" name="TextBox 8">
+            <a:extLst>
+              <a:ext uri="{FF2B5EF4-FFF2-40B4-BE49-F238E27FC236}">
+                <a16:creationId xmlns:a16="http://schemas.microsoft.com/office/drawing/2014/main" id="{85E2DDDA-35AB-489C-8A37-0A056738B5CD}"/>
+              </a:ext>
+            </a:extLst>
+          </p:cNvPr>
+          <p:cNvSpPr txBox="1"/>
+          <p:nvPr/>
+        </p:nvSpPr>
+        <p:spPr>
+          <a:xfrm>
+            <a:off x="513805" y="576645"/>
+            <a:ext cx="4953139" cy="523220"/>
+          </a:xfrm>
+          <a:prstGeom prst="rect">
+            <a:avLst/>
+          </a:prstGeom>
+          <a:noFill/>
+        </p:spPr>
+        <p:txBody>
+          <a:bodyPr wrap="square" rtlCol="0">
+            <a:spAutoFit/>
+          </a:bodyPr>
+          <a:lstStyle/>
+          <a:p>
+            <a:r>
+              <a:rPr lang="en-US" altLang="ko-KR" sz="2800" b="1" dirty="0">
+                <a:solidFill>
+                  <a:schemeClr val="tx1">
+                    <a:lumMod val="65000"/>
+                    <a:lumOff val="35000"/>
+                  </a:schemeClr>
+                </a:solidFill>
+              </a:rPr>
+              <a:t>5. Multi-Layer Perceptron</a:t>
+            </a:r>
+            <a:endParaRPr lang="ko-KR" altLang="en-US" sz="2800" b="1" dirty="0">
+              <a:solidFill>
+                <a:schemeClr val="tx1">
+                  <a:lumMod val="65000"/>
+                  <a:lumOff val="35000"/>
+                </a:schemeClr>
+              </a:solidFill>
+            </a:endParaRPr>
+          </a:p>
+        </p:txBody>
+      </p:sp>
+      <p:pic>
+        <p:nvPicPr>
+          <p:cNvPr id="5" name="그림 4">
+            <a:extLst>
+              <a:ext uri="{FF2B5EF4-FFF2-40B4-BE49-F238E27FC236}">
+                <a16:creationId xmlns:a16="http://schemas.microsoft.com/office/drawing/2014/main" id="{D447E971-BA55-B473-24AF-66EE8A97F102}"/>
+              </a:ext>
+            </a:extLst>
+          </p:cNvPr>
+          <p:cNvPicPr>
+            <a:picLocks noChangeAspect="1"/>
+          </p:cNvPicPr>
+          <p:nvPr/>
+        </p:nvPicPr>
+        <p:blipFill>
+          <a:blip r:embed="rId2"/>
+          <a:stretch>
+            <a:fillRect/>
+          </a:stretch>
+        </p:blipFill>
+        <p:spPr>
+          <a:xfrm>
+            <a:off x="1518552" y="2660492"/>
+            <a:ext cx="2732323" cy="1806369"/>
+          </a:xfrm>
+          <a:prstGeom prst="rect">
+            <a:avLst/>
+          </a:prstGeom>
+        </p:spPr>
+      </p:pic>
+      <p:pic>
+        <p:nvPicPr>
+          <p:cNvPr id="11" name="그림 10">
+            <a:extLst>
+              <a:ext uri="{FF2B5EF4-FFF2-40B4-BE49-F238E27FC236}">
+                <a16:creationId xmlns:a16="http://schemas.microsoft.com/office/drawing/2014/main" id="{3AA849F6-CA98-913E-BDE5-C44222CD4010}"/>
+              </a:ext>
+            </a:extLst>
+          </p:cNvPr>
+          <p:cNvPicPr>
+            <a:picLocks noChangeAspect="1"/>
+          </p:cNvPicPr>
+          <p:nvPr/>
+        </p:nvPicPr>
+        <p:blipFill>
+          <a:blip r:embed="rId3">
+            <a:extLst>
+              <a:ext uri="{28A0092B-C50C-407E-A947-70E740481C1C}">
+                <a14:useLocalDpi xmlns:a14="http://schemas.microsoft.com/office/drawing/2010/main" val="0"/>
+              </a:ext>
+            </a:extLst>
+          </a:blip>
+          <a:stretch>
+            <a:fillRect/>
+          </a:stretch>
+        </p:blipFill>
+        <p:spPr>
+          <a:xfrm>
+            <a:off x="5565545" y="2014196"/>
+            <a:ext cx="5397777" cy="3098959"/>
+          </a:xfrm>
+          <a:prstGeom prst="rect">
+            <a:avLst/>
+          </a:prstGeom>
+        </p:spPr>
+      </p:pic>
+    </p:spTree>
+    <p:extLst>
+      <p:ext uri="{BB962C8B-B14F-4D97-AF65-F5344CB8AC3E}">
+        <p14:creationId xmlns:p14="http://schemas.microsoft.com/office/powerpoint/2010/main" val="325806320"/>
+      </p:ext>
+    </p:extLst>
+  </p:cSld>
+  <p:clrMapOvr>
+    <a:masterClrMapping/>
+  </p:clrMapOvr>
+</p:sld>
+</file>
+
+<file path=ppt/slides/slide15.xml><?xml version="1.0" encoding="utf-8"?>
+<p:sld xmlns:a="http://schemas.openxmlformats.org/drawingml/2006/main" xmlns:r="http://schemas.openxmlformats.org/officeDocument/2006/relationships" xmlns:p="http://schemas.openxmlformats.org/presentationml/2006/main">
+  <p:cSld>
+    <p:spTree>
+      <p:nvGrpSpPr>
+        <p:cNvPr id="1" name=""/>
+        <p:cNvGrpSpPr/>
+        <p:nvPr/>
+      </p:nvGrpSpPr>
+      <p:grpSpPr>
+        <a:xfrm>
+          <a:off x="0" y="0"/>
+          <a:ext cx="0" cy="0"/>
+          <a:chOff x="0" y="0"/>
+          <a:chExt cx="0" cy="0"/>
+        </a:xfrm>
+      </p:grpSpPr>
+      <p:sp>
+        <p:nvSpPr>
+          <p:cNvPr id="4" name="날짜 개체 틀 3">
+            <a:extLst>
+              <a:ext uri="{FF2B5EF4-FFF2-40B4-BE49-F238E27FC236}">
+                <a16:creationId xmlns:a16="http://schemas.microsoft.com/office/drawing/2014/main" id="{96EB53D3-8572-4237-B28C-28CB40308C40}"/>
+              </a:ext>
+            </a:extLst>
+          </p:cNvPr>
+          <p:cNvSpPr>
+            <a:spLocks noGrp="1"/>
+          </p:cNvSpPr>
+          <p:nvPr>
+            <p:ph type="dt" sz="half" idx="10"/>
+          </p:nvPr>
+        </p:nvSpPr>
+        <p:spPr>
+          <a:xfrm>
+            <a:off x="141514" y="6356350"/>
+            <a:ext cx="2743200" cy="365125"/>
+          </a:xfrm>
+        </p:spPr>
+        <p:txBody>
+          <a:bodyPr/>
+          <a:lstStyle/>
+          <a:p>
+            <a:fld id="{0303D7D5-FAC8-4B75-A637-D564180CD715}" type="datetime1">
+              <a:rPr lang="ko-KR" altLang="en-US" sz="1000" smtClean="0"/>
+              <a:t>2023-06-07</a:t>
+            </a:fld>
+            <a:endParaRPr lang="ko-KR" altLang="en-US" sz="1000" dirty="0"/>
+          </a:p>
+        </p:txBody>
+      </p:sp>
+      <p:sp>
+        <p:nvSpPr>
+          <p:cNvPr id="6" name="슬라이드 번호 개체 틀 5">
+            <a:extLst>
+              <a:ext uri="{FF2B5EF4-FFF2-40B4-BE49-F238E27FC236}">
+                <a16:creationId xmlns:a16="http://schemas.microsoft.com/office/drawing/2014/main" id="{6E93A4FF-EE48-4AD7-B7EF-105B8CE4CD9F}"/>
+              </a:ext>
+            </a:extLst>
+          </p:cNvPr>
+          <p:cNvSpPr>
+            <a:spLocks noGrp="1"/>
+          </p:cNvSpPr>
+          <p:nvPr>
+            <p:ph type="sldNum" sz="quarter" idx="12"/>
+          </p:nvPr>
+        </p:nvSpPr>
+        <p:spPr/>
+        <p:txBody>
+          <a:bodyPr/>
+          <a:lstStyle/>
+          <a:p>
+            <a:fld id="{77D8DCB6-DE77-432F-867E-17030BC60D58}" type="slidenum">
+              <a:rPr lang="ko-KR" altLang="en-US" smtClean="0"/>
+              <a:t>15</a:t>
+            </a:fld>
+            <a:endParaRPr lang="ko-KR" altLang="en-US"/>
+          </a:p>
+        </p:txBody>
+      </p:sp>
+      <p:cxnSp>
+        <p:nvCxnSpPr>
+          <p:cNvPr id="8" name="직선 연결선 7">
+            <a:extLst>
+              <a:ext uri="{FF2B5EF4-FFF2-40B4-BE49-F238E27FC236}">
+                <a16:creationId xmlns:a16="http://schemas.microsoft.com/office/drawing/2014/main" id="{D1F8D6B6-3C71-480C-BFAD-599210C64964}"/>
+              </a:ext>
+            </a:extLst>
+          </p:cNvPr>
+          <p:cNvCxnSpPr>
+            <a:cxnSpLocks/>
+          </p:cNvCxnSpPr>
+          <p:nvPr/>
+        </p:nvCxnSpPr>
+        <p:spPr>
+          <a:xfrm>
+            <a:off x="513806" y="1138535"/>
+            <a:ext cx="10978016" cy="0"/>
+          </a:xfrm>
+          <a:prstGeom prst="line">
+            <a:avLst/>
+          </a:prstGeom>
+          <a:ln w="28575">
+            <a:solidFill>
+              <a:srgbClr val="A80000"/>
+            </a:solidFill>
+          </a:ln>
+        </p:spPr>
+        <p:style>
+          <a:lnRef idx="1">
+            <a:schemeClr val="accent1"/>
+          </a:lnRef>
+          <a:fillRef idx="0">
+            <a:schemeClr val="accent1"/>
+          </a:fillRef>
+          <a:effectRef idx="0">
+            <a:schemeClr val="accent1"/>
+          </a:effectRef>
+          <a:fontRef idx="minor">
+            <a:schemeClr val="tx1"/>
+          </a:fontRef>
+        </p:style>
+      </p:cxnSp>
+      <p:sp>
+        <p:nvSpPr>
+          <p:cNvPr id="9" name="TextBox 8">
+            <a:extLst>
+              <a:ext uri="{FF2B5EF4-FFF2-40B4-BE49-F238E27FC236}">
+                <a16:creationId xmlns:a16="http://schemas.microsoft.com/office/drawing/2014/main" id="{85E2DDDA-35AB-489C-8A37-0A056738B5CD}"/>
+              </a:ext>
+            </a:extLst>
+          </p:cNvPr>
+          <p:cNvSpPr txBox="1"/>
+          <p:nvPr/>
+        </p:nvSpPr>
+        <p:spPr>
+          <a:xfrm>
+            <a:off x="513805" y="576645"/>
+            <a:ext cx="4953139" cy="523220"/>
+          </a:xfrm>
+          <a:prstGeom prst="rect">
+            <a:avLst/>
+          </a:prstGeom>
+          <a:noFill/>
+        </p:spPr>
+        <p:txBody>
+          <a:bodyPr wrap="square" rtlCol="0">
+            <a:spAutoFit/>
+          </a:bodyPr>
+          <a:lstStyle/>
+          <a:p>
+            <a:r>
+              <a:rPr lang="en-US" altLang="ko-KR" sz="2800" b="1" dirty="0">
+                <a:solidFill>
+                  <a:schemeClr val="tx1">
+                    <a:lumMod val="65000"/>
+                    <a:lumOff val="35000"/>
+                  </a:schemeClr>
+                </a:solidFill>
+              </a:rPr>
+              <a:t>5. Multi-Layer Perceptron</a:t>
+            </a:r>
+            <a:endParaRPr lang="ko-KR" altLang="en-US" sz="2800" b="1" dirty="0">
+              <a:solidFill>
+                <a:schemeClr val="tx1">
+                  <a:lumMod val="65000"/>
+                  <a:lumOff val="35000"/>
+                </a:schemeClr>
+              </a:solidFill>
+            </a:endParaRPr>
+          </a:p>
+        </p:txBody>
+      </p:sp>
+      <p:pic>
+        <p:nvPicPr>
+          <p:cNvPr id="3" name="그림 2">
+            <a:extLst>
+              <a:ext uri="{FF2B5EF4-FFF2-40B4-BE49-F238E27FC236}">
+                <a16:creationId xmlns:a16="http://schemas.microsoft.com/office/drawing/2014/main" id="{4373C307-BCC9-445A-1631-79A996AE4754}"/>
+              </a:ext>
+            </a:extLst>
+          </p:cNvPr>
+          <p:cNvPicPr>
+            <a:picLocks noChangeAspect="1"/>
+          </p:cNvPicPr>
+          <p:nvPr/>
+        </p:nvPicPr>
+        <p:blipFill>
+          <a:blip r:embed="rId2">
+            <a:extLst>
+              <a:ext uri="{28A0092B-C50C-407E-A947-70E740481C1C}">
+                <a14:useLocalDpi xmlns:a14="http://schemas.microsoft.com/office/drawing/2010/main" val="0"/>
+              </a:ext>
+            </a:extLst>
+          </a:blip>
+          <a:stretch>
+            <a:fillRect/>
+          </a:stretch>
+        </p:blipFill>
+        <p:spPr>
+          <a:xfrm>
+            <a:off x="2392116" y="1864943"/>
+            <a:ext cx="6987015" cy="3854522"/>
+          </a:xfrm>
+          <a:prstGeom prst="rect">
+            <a:avLst/>
+          </a:prstGeom>
+        </p:spPr>
+      </p:pic>
+    </p:spTree>
+    <p:extLst>
+      <p:ext uri="{BB962C8B-B14F-4D97-AF65-F5344CB8AC3E}">
+        <p14:creationId xmlns:p14="http://schemas.microsoft.com/office/powerpoint/2010/main" val="3889064052"/>
+      </p:ext>
+    </p:extLst>
+  </p:cSld>
+  <p:clrMapOvr>
+    <a:masterClrMapping/>
+  </p:clrMapOvr>
+</p:sld>
+</file>
+
+<file path=ppt/slides/slide16.xml><?xml version="1.0" encoding="utf-8"?>
+<p:sld xmlns:a="http://schemas.openxmlformats.org/drawingml/2006/main" xmlns:r="http://schemas.openxmlformats.org/officeDocument/2006/relationships" xmlns:p="http://schemas.openxmlformats.org/presentationml/2006/main">
+  <p:cSld>
+    <p:spTree>
+      <p:nvGrpSpPr>
+        <p:cNvPr id="1" name=""/>
+        <p:cNvGrpSpPr/>
+        <p:nvPr/>
+      </p:nvGrpSpPr>
+      <p:grpSpPr>
+        <a:xfrm>
+          <a:off x="0" y="0"/>
+          <a:ext cx="0" cy="0"/>
+          <a:chOff x="0" y="0"/>
+          <a:chExt cx="0" cy="0"/>
+        </a:xfrm>
+      </p:grpSpPr>
+      <p:sp>
+        <p:nvSpPr>
+          <p:cNvPr id="4" name="날짜 개체 틀 3">
+            <a:extLst>
+              <a:ext uri="{FF2B5EF4-FFF2-40B4-BE49-F238E27FC236}">
+                <a16:creationId xmlns:a16="http://schemas.microsoft.com/office/drawing/2014/main" id="{96EB53D3-8572-4237-B28C-28CB40308C40}"/>
+              </a:ext>
+            </a:extLst>
+          </p:cNvPr>
+          <p:cNvSpPr>
+            <a:spLocks noGrp="1"/>
+          </p:cNvSpPr>
+          <p:nvPr>
+            <p:ph type="dt" sz="half" idx="10"/>
+          </p:nvPr>
+        </p:nvSpPr>
+        <p:spPr>
+          <a:xfrm>
+            <a:off x="141514" y="6356350"/>
+            <a:ext cx="2743200" cy="365125"/>
+          </a:xfrm>
+        </p:spPr>
+        <p:txBody>
+          <a:bodyPr/>
+          <a:lstStyle/>
+          <a:p>
+            <a:fld id="{0303D7D5-FAC8-4B75-A637-D564180CD715}" type="datetime1">
+              <a:rPr lang="ko-KR" altLang="en-US" sz="1000" smtClean="0"/>
+              <a:t>2023-06-07</a:t>
+            </a:fld>
+            <a:endParaRPr lang="ko-KR" altLang="en-US" sz="1000" dirty="0"/>
+          </a:p>
+        </p:txBody>
+      </p:sp>
+      <p:sp>
+        <p:nvSpPr>
+          <p:cNvPr id="6" name="슬라이드 번호 개체 틀 5">
+            <a:extLst>
+              <a:ext uri="{FF2B5EF4-FFF2-40B4-BE49-F238E27FC236}">
+                <a16:creationId xmlns:a16="http://schemas.microsoft.com/office/drawing/2014/main" id="{6E93A4FF-EE48-4AD7-B7EF-105B8CE4CD9F}"/>
+              </a:ext>
+            </a:extLst>
+          </p:cNvPr>
+          <p:cNvSpPr>
+            <a:spLocks noGrp="1"/>
+          </p:cNvSpPr>
+          <p:nvPr>
+            <p:ph type="sldNum" sz="quarter" idx="12"/>
+          </p:nvPr>
+        </p:nvSpPr>
+        <p:spPr/>
+        <p:txBody>
+          <a:bodyPr/>
+          <a:lstStyle/>
+          <a:p>
+            <a:fld id="{77D8DCB6-DE77-432F-867E-17030BC60D58}" type="slidenum">
+              <a:rPr lang="ko-KR" altLang="en-US" smtClean="0"/>
+              <a:t>16</a:t>
+            </a:fld>
+            <a:endParaRPr lang="ko-KR" altLang="en-US"/>
+          </a:p>
+        </p:txBody>
+      </p:sp>
+      <p:cxnSp>
+        <p:nvCxnSpPr>
+          <p:cNvPr id="8" name="직선 연결선 7">
+            <a:extLst>
+              <a:ext uri="{FF2B5EF4-FFF2-40B4-BE49-F238E27FC236}">
+                <a16:creationId xmlns:a16="http://schemas.microsoft.com/office/drawing/2014/main" id="{D1F8D6B6-3C71-480C-BFAD-599210C64964}"/>
+              </a:ext>
+            </a:extLst>
+          </p:cNvPr>
+          <p:cNvCxnSpPr>
+            <a:cxnSpLocks/>
+          </p:cNvCxnSpPr>
+          <p:nvPr/>
+        </p:nvCxnSpPr>
+        <p:spPr>
+          <a:xfrm>
+            <a:off x="513806" y="1138535"/>
+            <a:ext cx="10978016" cy="0"/>
+          </a:xfrm>
+          <a:prstGeom prst="line">
+            <a:avLst/>
+          </a:prstGeom>
+          <a:ln w="28575">
+            <a:solidFill>
+              <a:srgbClr val="A80000"/>
+            </a:solidFill>
+          </a:ln>
+        </p:spPr>
+        <p:style>
+          <a:lnRef idx="1">
+            <a:schemeClr val="accent1"/>
+          </a:lnRef>
+          <a:fillRef idx="0">
+            <a:schemeClr val="accent1"/>
+          </a:fillRef>
+          <a:effectRef idx="0">
+            <a:schemeClr val="accent1"/>
+          </a:effectRef>
+          <a:fontRef idx="minor">
+            <a:schemeClr val="tx1"/>
+          </a:fontRef>
+        </p:style>
+      </p:cxnSp>
+      <p:sp>
+        <p:nvSpPr>
+          <p:cNvPr id="9" name="TextBox 8">
+            <a:extLst>
+              <a:ext uri="{FF2B5EF4-FFF2-40B4-BE49-F238E27FC236}">
+                <a16:creationId xmlns:a16="http://schemas.microsoft.com/office/drawing/2014/main" id="{85E2DDDA-35AB-489C-8A37-0A056738B5CD}"/>
+              </a:ext>
+            </a:extLst>
+          </p:cNvPr>
+          <p:cNvSpPr txBox="1"/>
+          <p:nvPr/>
+        </p:nvSpPr>
+        <p:spPr>
+          <a:xfrm>
+            <a:off x="513805" y="576645"/>
+            <a:ext cx="4953139" cy="523220"/>
+          </a:xfrm>
+          <a:prstGeom prst="rect">
+            <a:avLst/>
+          </a:prstGeom>
+          <a:noFill/>
+        </p:spPr>
+        <p:txBody>
+          <a:bodyPr wrap="square" rtlCol="0">
+            <a:spAutoFit/>
+          </a:bodyPr>
+          <a:lstStyle/>
+          <a:p>
+            <a:r>
+              <a:rPr lang="en-US" altLang="ko-KR" sz="2800" b="1" dirty="0">
+                <a:solidFill>
+                  <a:schemeClr val="tx1">
+                    <a:lumMod val="65000"/>
+                    <a:lumOff val="35000"/>
+                  </a:schemeClr>
+                </a:solidFill>
+              </a:rPr>
+              <a:t>6. Q&amp;A</a:t>
+            </a:r>
+            <a:endParaRPr lang="ko-KR" altLang="en-US" sz="2800" b="1" dirty="0">
+              <a:solidFill>
+                <a:schemeClr val="tx1">
+                  <a:lumMod val="65000"/>
+                  <a:lumOff val="35000"/>
+                </a:schemeClr>
+              </a:solidFill>
+            </a:endParaRPr>
+          </a:p>
+        </p:txBody>
+      </p:sp>
+      <p:sp>
+        <p:nvSpPr>
+          <p:cNvPr id="5" name="TextBox 4">
+            <a:extLst>
+              <a:ext uri="{FF2B5EF4-FFF2-40B4-BE49-F238E27FC236}">
+                <a16:creationId xmlns:a16="http://schemas.microsoft.com/office/drawing/2014/main" id="{C20646DE-0A45-1C62-11B1-6C467300621E}"/>
+              </a:ext>
+            </a:extLst>
+          </p:cNvPr>
+          <p:cNvSpPr txBox="1"/>
+          <p:nvPr/>
+        </p:nvSpPr>
+        <p:spPr>
+          <a:xfrm>
+            <a:off x="1822700" y="2838994"/>
+            <a:ext cx="8360228" cy="2246769"/>
+          </a:xfrm>
+          <a:prstGeom prst="rect">
+            <a:avLst/>
+          </a:prstGeom>
+          <a:noFill/>
+        </p:spPr>
+        <p:txBody>
+          <a:bodyPr wrap="square" rtlCol="0">
+            <a:spAutoFit/>
+          </a:bodyPr>
+          <a:lstStyle/>
+          <a:p>
+            <a:pPr algn="ctr"/>
+            <a:r>
+              <a:rPr lang="en-US" sz="14000" dirty="0">
+                <a:solidFill>
+                  <a:schemeClr val="tx1">
+                    <a:lumMod val="50000"/>
+                    <a:lumOff val="50000"/>
+                  </a:schemeClr>
+                </a:solidFill>
+              </a:rPr>
+              <a:t>Q&amp;A</a:t>
+            </a:r>
+          </a:p>
+        </p:txBody>
+      </p:sp>
+    </p:spTree>
+    <p:extLst>
+      <p:ext uri="{BB962C8B-B14F-4D97-AF65-F5344CB8AC3E}">
+        <p14:creationId xmlns:p14="http://schemas.microsoft.com/office/powerpoint/2010/main" val="2819296862"/>
+      </p:ext>
+    </p:extLst>
+  </p:cSld>
+  <p:clrMapOvr>
+    <a:masterClrMapping/>
+  </p:clrMapOvr>
+</p:sld>
+</file>
+
+<file path=ppt/slides/slide2.xml><?xml version="1.0" encoding="utf-8"?>
+<p:sld xmlns:a="http://schemas.openxmlformats.org/drawingml/2006/main" xmlns:r="http://schemas.openxmlformats.org/officeDocument/2006/relationships" xmlns:p="http://schemas.openxmlformats.org/presentationml/2006/main">
+  <p:cSld>
+    <p:spTree>
+      <p:nvGrpSpPr>
+        <p:cNvPr id="1" name=""/>
+        <p:cNvGrpSpPr/>
+        <p:nvPr/>
+      </p:nvGrpSpPr>
+      <p:grpSpPr>
+        <a:xfrm>
+          <a:off x="0" y="0"/>
+          <a:ext cx="0" cy="0"/>
+          <a:chOff x="0" y="0"/>
+          <a:chExt cx="0" cy="0"/>
+        </a:xfrm>
+      </p:grpSpPr>
+      <p:sp>
+        <p:nvSpPr>
+          <p:cNvPr id="4" name="날짜 개체 틀 3">
+            <a:extLst>
+              <a:ext uri="{FF2B5EF4-FFF2-40B4-BE49-F238E27FC236}">
+                <a16:creationId xmlns:a16="http://schemas.microsoft.com/office/drawing/2014/main" id="{96EB53D3-8572-4237-B28C-28CB40308C40}"/>
+              </a:ext>
+            </a:extLst>
+          </p:cNvPr>
+          <p:cNvSpPr>
+            <a:spLocks noGrp="1"/>
+          </p:cNvSpPr>
+          <p:nvPr>
+            <p:ph type="dt" sz="half" idx="10"/>
+          </p:nvPr>
+        </p:nvSpPr>
+        <p:spPr>
+          <a:xfrm>
+            <a:off x="141514" y="6356350"/>
+            <a:ext cx="2743200" cy="365125"/>
+          </a:xfrm>
+        </p:spPr>
+        <p:txBody>
+          <a:bodyPr/>
+          <a:lstStyle/>
+          <a:p>
+            <a:fld id="{0303D7D5-FAC8-4B75-A637-D564180CD715}" type="datetime1">
+              <a:rPr lang="ko-KR" altLang="en-US" sz="1000" smtClean="0"/>
+              <a:t>2023-06-07</a:t>
+            </a:fld>
+            <a:endParaRPr lang="ko-KR" altLang="en-US" sz="1000" dirty="0"/>
+          </a:p>
+        </p:txBody>
+      </p:sp>
+      <p:sp>
+        <p:nvSpPr>
+          <p:cNvPr id="6" name="슬라이드 번호 개체 틀 5">
+            <a:extLst>
+              <a:ext uri="{FF2B5EF4-FFF2-40B4-BE49-F238E27FC236}">
+                <a16:creationId xmlns:a16="http://schemas.microsoft.com/office/drawing/2014/main" id="{6E93A4FF-EE48-4AD7-B7EF-105B8CE4CD9F}"/>
+              </a:ext>
+            </a:extLst>
+          </p:cNvPr>
+          <p:cNvSpPr>
+            <a:spLocks noGrp="1"/>
+          </p:cNvSpPr>
+          <p:nvPr>
+            <p:ph type="sldNum" sz="quarter" idx="12"/>
+          </p:nvPr>
+        </p:nvSpPr>
+        <p:spPr/>
+        <p:txBody>
+          <a:bodyPr/>
+          <a:lstStyle/>
+          <a:p>
+            <a:fld id="{77D8DCB6-DE77-432F-867E-17030BC60D58}" type="slidenum">
+              <a:rPr lang="ko-KR" altLang="en-US" smtClean="0"/>
+              <a:t>2</a:t>
+            </a:fld>
+            <a:endParaRPr lang="ko-KR" altLang="en-US"/>
+          </a:p>
+        </p:txBody>
+      </p:sp>
+      <p:cxnSp>
+        <p:nvCxnSpPr>
+          <p:cNvPr id="8" name="직선 연결선 7">
+            <a:extLst>
+              <a:ext uri="{FF2B5EF4-FFF2-40B4-BE49-F238E27FC236}">
+                <a16:creationId xmlns:a16="http://schemas.microsoft.com/office/drawing/2014/main" id="{D1F8D6B6-3C71-480C-BFAD-599210C64964}"/>
+              </a:ext>
+            </a:extLst>
+          </p:cNvPr>
+          <p:cNvCxnSpPr>
+            <a:cxnSpLocks/>
+          </p:cNvCxnSpPr>
+          <p:nvPr/>
+        </p:nvCxnSpPr>
+        <p:spPr>
+          <a:xfrm>
+            <a:off x="513806" y="1138535"/>
+            <a:ext cx="10978016" cy="0"/>
+          </a:xfrm>
+          <a:prstGeom prst="line">
+            <a:avLst/>
+          </a:prstGeom>
+          <a:ln w="28575">
+            <a:solidFill>
+              <a:srgbClr val="A80000"/>
+            </a:solidFill>
+          </a:ln>
+        </p:spPr>
+        <p:style>
+          <a:lnRef idx="1">
+            <a:schemeClr val="accent1"/>
+          </a:lnRef>
+          <a:fillRef idx="0">
+            <a:schemeClr val="accent1"/>
+          </a:fillRef>
+          <a:effectRef idx="0">
+            <a:schemeClr val="accent1"/>
+          </a:effectRef>
+          <a:fontRef idx="minor">
+            <a:schemeClr val="tx1"/>
+          </a:fontRef>
+        </p:style>
+      </p:cxnSp>
+      <p:sp>
+        <p:nvSpPr>
+          <p:cNvPr id="9" name="TextBox 8">
+            <a:extLst>
+              <a:ext uri="{FF2B5EF4-FFF2-40B4-BE49-F238E27FC236}">
+                <a16:creationId xmlns:a16="http://schemas.microsoft.com/office/drawing/2014/main" id="{85E2DDDA-35AB-489C-8A37-0A056738B5CD}"/>
+              </a:ext>
+            </a:extLst>
+          </p:cNvPr>
+          <p:cNvSpPr txBox="1"/>
+          <p:nvPr/>
+        </p:nvSpPr>
+        <p:spPr>
+          <a:xfrm>
+            <a:off x="513806" y="576645"/>
+            <a:ext cx="3524794" cy="523220"/>
+          </a:xfrm>
+          <a:prstGeom prst="rect">
+            <a:avLst/>
+          </a:prstGeom>
+          <a:noFill/>
+        </p:spPr>
+        <p:txBody>
+          <a:bodyPr wrap="square" rtlCol="0">
+            <a:spAutoFit/>
+          </a:bodyPr>
+          <a:lstStyle/>
+          <a:p>
+            <a:r>
               <a:rPr lang="ko-KR" altLang="en-US" sz="2800" b="1" dirty="0">
                 <a:solidFill>
                   <a:schemeClr val="tx1">
@@ -10209,6 +7045,209 @@
               </a:rPr>
               <a:t>목차</a:t>
             </a:r>
+          </a:p>
+        </p:txBody>
+      </p:sp>
+      <p:sp>
+        <p:nvSpPr>
+          <p:cNvPr id="2" name="TextBox 1">
+            <a:extLst>
+              <a:ext uri="{FF2B5EF4-FFF2-40B4-BE49-F238E27FC236}">
+                <a16:creationId xmlns:a16="http://schemas.microsoft.com/office/drawing/2014/main" id="{815F41C7-1A46-B56A-9FAE-F02983C84F30}"/>
+              </a:ext>
+            </a:extLst>
+          </p:cNvPr>
+          <p:cNvSpPr txBox="1"/>
+          <p:nvPr/>
+        </p:nvSpPr>
+        <p:spPr>
+          <a:xfrm>
+            <a:off x="1839686" y="1275933"/>
+            <a:ext cx="5606143" cy="5262979"/>
+          </a:xfrm>
+          <a:prstGeom prst="rect">
+            <a:avLst/>
+          </a:prstGeom>
+          <a:noFill/>
+        </p:spPr>
+        <p:txBody>
+          <a:bodyPr wrap="square" rtlCol="0">
+            <a:spAutoFit/>
+          </a:bodyPr>
+          <a:lstStyle/>
+          <a:p>
+            <a:pPr marL="514350" indent="-514350">
+              <a:buAutoNum type="arabicPeriod"/>
+            </a:pPr>
+            <a:r>
+              <a:rPr lang="en-US" altLang="ko-KR" sz="2800" b="1" dirty="0">
+                <a:solidFill>
+                  <a:schemeClr val="tx1">
+                    <a:lumMod val="65000"/>
+                    <a:lumOff val="35000"/>
+                  </a:schemeClr>
+                </a:solidFill>
+              </a:rPr>
+              <a:t>Perceptron</a:t>
+            </a:r>
+          </a:p>
+          <a:p>
+            <a:pPr marL="514350" indent="-514350">
+              <a:buAutoNum type="arabicPeriod"/>
+            </a:pPr>
+            <a:endParaRPr lang="en-US" altLang="ko-KR" sz="2800" b="1" dirty="0">
+              <a:solidFill>
+                <a:schemeClr val="tx1">
+                  <a:lumMod val="65000"/>
+                  <a:lumOff val="35000"/>
+                </a:schemeClr>
+              </a:solidFill>
+            </a:endParaRPr>
+          </a:p>
+          <a:p>
+            <a:pPr marL="514350" indent="-514350">
+              <a:buAutoNum type="arabicPeriod"/>
+            </a:pPr>
+            <a:r>
+              <a:rPr lang="en-US" altLang="ko-KR" sz="2800" b="1" dirty="0">
+                <a:solidFill>
+                  <a:schemeClr val="tx1">
+                    <a:lumMod val="65000"/>
+                    <a:lumOff val="35000"/>
+                  </a:schemeClr>
+                </a:solidFill>
+              </a:rPr>
+              <a:t>Logic Gate</a:t>
+            </a:r>
+          </a:p>
+          <a:p>
+            <a:pPr marL="514350" indent="-514350">
+              <a:buAutoNum type="arabicPeriod"/>
+            </a:pPr>
+            <a:endParaRPr lang="en-US" altLang="ko-KR" sz="2800" b="1" dirty="0">
+              <a:solidFill>
+                <a:schemeClr val="tx1">
+                  <a:lumMod val="65000"/>
+                  <a:lumOff val="35000"/>
+                </a:schemeClr>
+              </a:solidFill>
+            </a:endParaRPr>
+          </a:p>
+          <a:p>
+            <a:pPr marL="514350" indent="-514350">
+              <a:buAutoNum type="arabicPeriod"/>
+            </a:pPr>
+            <a:r>
+              <a:rPr lang="en-US" altLang="ko-KR" sz="2800" b="1" dirty="0">
+                <a:solidFill>
+                  <a:schemeClr val="tx1">
+                    <a:lumMod val="65000"/>
+                    <a:lumOff val="35000"/>
+                  </a:schemeClr>
+                </a:solidFill>
+              </a:rPr>
+              <a:t>Perceptron Implement</a:t>
+            </a:r>
+          </a:p>
+          <a:p>
+            <a:pPr marL="514350" indent="-514350">
+              <a:buAutoNum type="arabicPeriod"/>
+            </a:pPr>
+            <a:endParaRPr lang="en-US" altLang="ko-KR" sz="2800" b="1" dirty="0">
+              <a:solidFill>
+                <a:schemeClr val="tx1">
+                  <a:lumMod val="65000"/>
+                  <a:lumOff val="35000"/>
+                </a:schemeClr>
+              </a:solidFill>
+            </a:endParaRPr>
+          </a:p>
+          <a:p>
+            <a:pPr marL="514350" indent="-514350">
+              <a:buAutoNum type="arabicPeriod"/>
+            </a:pPr>
+            <a:r>
+              <a:rPr lang="en-US" altLang="ko-KR" sz="2800" b="1" dirty="0">
+                <a:solidFill>
+                  <a:schemeClr val="tx1">
+                    <a:lumMod val="65000"/>
+                    <a:lumOff val="35000"/>
+                  </a:schemeClr>
+                </a:solidFill>
+              </a:rPr>
+              <a:t>XOR</a:t>
+            </a:r>
+          </a:p>
+          <a:p>
+            <a:pPr marL="514350" indent="-514350">
+              <a:buAutoNum type="arabicPeriod"/>
+            </a:pPr>
+            <a:endParaRPr lang="en-US" altLang="ko-KR" sz="2800" b="1" dirty="0">
+              <a:solidFill>
+                <a:schemeClr val="tx1">
+                  <a:lumMod val="65000"/>
+                  <a:lumOff val="35000"/>
+                </a:schemeClr>
+              </a:solidFill>
+            </a:endParaRPr>
+          </a:p>
+          <a:p>
+            <a:pPr marL="514350" indent="-514350">
+              <a:buAutoNum type="arabicPeriod"/>
+            </a:pPr>
+            <a:r>
+              <a:rPr lang="en-US" altLang="ko-KR" sz="2800" b="1" dirty="0">
+                <a:solidFill>
+                  <a:schemeClr val="tx1">
+                    <a:lumMod val="65000"/>
+                    <a:lumOff val="35000"/>
+                  </a:schemeClr>
+                </a:solidFill>
+              </a:rPr>
+              <a:t>Multi-Layer Perceptron</a:t>
+            </a:r>
+          </a:p>
+          <a:p>
+            <a:pPr marL="514350" indent="-514350">
+              <a:buAutoNum type="arabicPeriod"/>
+            </a:pPr>
+            <a:endParaRPr lang="en-US" altLang="ko-KR" sz="2800" b="1" dirty="0">
+              <a:solidFill>
+                <a:schemeClr val="tx1">
+                  <a:lumMod val="65000"/>
+                  <a:lumOff val="35000"/>
+                </a:schemeClr>
+              </a:solidFill>
+            </a:endParaRPr>
+          </a:p>
+          <a:p>
+            <a:pPr marL="514350" indent="-514350">
+              <a:buAutoNum type="arabicPeriod"/>
+            </a:pPr>
+            <a:r>
+              <a:rPr lang="en-US" altLang="ko-KR" sz="2800" b="1" dirty="0">
+                <a:solidFill>
+                  <a:schemeClr val="tx1">
+                    <a:lumMod val="65000"/>
+                    <a:lumOff val="35000"/>
+                  </a:schemeClr>
+                </a:solidFill>
+              </a:rPr>
+              <a:t>Q&amp;A</a:t>
+            </a:r>
+          </a:p>
+          <a:p>
+            <a:pPr marL="514350" indent="-514350">
+              <a:buAutoNum type="arabicPeriod"/>
+            </a:pPr>
+            <a:endParaRPr lang="ko-KR" altLang="en-US" sz="2800" b="1" dirty="0">
+              <a:solidFill>
+                <a:schemeClr val="tx1">
+                  <a:lumMod val="65000"/>
+                  <a:lumOff val="35000"/>
+                </a:schemeClr>
+              </a:solidFill>
+            </a:endParaRPr>
           </a:p>
         </p:txBody>
       </p:sp>
@@ -11335,8 +8374,8 @@
           </a:prstGeom>
         </p:spPr>
       </p:pic>
-      <mc:AlternateContent xmlns:mc="http://schemas.openxmlformats.org/markup-compatibility/2006">
-        <mc:Choice xmlns:a14="http://schemas.microsoft.com/office/drawing/2010/main" Requires="a14">
+      <mc:AlternateContent xmlns:mc="http://schemas.openxmlformats.org/markup-compatibility/2006" xmlns:a14="http://schemas.microsoft.com/office/drawing/2010/main">
+        <mc:Choice Requires="a14">
           <p:sp>
             <p:nvSpPr>
               <p:cNvPr id="7" name="TextBox 6">
@@ -11768,7 +8807,7 @@
             </p:txBody>
           </p:sp>
         </mc:Choice>
-        <mc:Fallback>
+        <mc:Fallback xmlns="">
           <p:sp>
             <p:nvSpPr>
               <p:cNvPr id="7" name="TextBox 6">
@@ -11813,8 +8852,8 @@
           </p:sp>
         </mc:Fallback>
       </mc:AlternateContent>
-      <mc:AlternateContent xmlns:mc="http://schemas.openxmlformats.org/markup-compatibility/2006">
-        <mc:Choice xmlns:a14="http://schemas.microsoft.com/office/drawing/2010/main" Requires="a14">
+      <mc:AlternateContent xmlns:mc="http://schemas.openxmlformats.org/markup-compatibility/2006" xmlns:a14="http://schemas.microsoft.com/office/drawing/2010/main">
+        <mc:Choice Requires="a14">
           <p:sp>
             <p:nvSpPr>
               <p:cNvPr id="11" name="TextBox 10">
@@ -11887,21 +8926,7 @@
                                 <a:latin typeface="Cambria Math" panose="02040503050406030204" pitchFamily="18" charset="0"/>
                                 <a:ea typeface="Cambria Math" panose="02040503050406030204" pitchFamily="18" charset="0"/>
                               </a:rPr>
-                              <m:t>0 </m:t>
-                            </m:r>
-                            <m:r>
-                              <a:rPr lang="en-US" b="0" i="1" smtClean="0">
-                                <a:latin typeface="Cambria Math" panose="02040503050406030204" pitchFamily="18" charset="0"/>
-                                <a:ea typeface="Cambria Math" panose="02040503050406030204" pitchFamily="18" charset="0"/>
-                              </a:rPr>
-                              <m:t> ,</m:t>
-                            </m:r>
-                            <m:r>
-                              <a:rPr lang="en-US" b="0" i="1" smtClean="0">
-                                <a:latin typeface="Cambria Math" panose="02040503050406030204" pitchFamily="18" charset="0"/>
-                                <a:ea typeface="Cambria Math" panose="02040503050406030204" pitchFamily="18" charset="0"/>
-                              </a:rPr>
-                              <m:t>(</m:t>
+                              <m:t>0  ,(</m:t>
                             </m:r>
                             <m:sSub>
                               <m:sSubPr>
@@ -12050,14 +9075,7 @@
                                 <a:latin typeface="Cambria Math" panose="02040503050406030204" pitchFamily="18" charset="0"/>
                                 <a:ea typeface="Cambria Math" panose="02040503050406030204" pitchFamily="18" charset="0"/>
                               </a:rPr>
-                              <m:t>1 </m:t>
-                            </m:r>
-                            <m:r>
-                              <a:rPr lang="en-US" b="0" i="1" smtClean="0">
-                                <a:latin typeface="Cambria Math" panose="02040503050406030204" pitchFamily="18" charset="0"/>
-                                <a:ea typeface="Cambria Math" panose="02040503050406030204" pitchFamily="18" charset="0"/>
-                              </a:rPr>
-                              <m:t> ,</m:t>
+                              <m:t>1  ,</m:t>
                             </m:r>
                             <m:r>
                               <a:rPr lang="en-US" i="1">
@@ -12220,7 +9238,7 @@
             </p:txBody>
           </p:sp>
         </mc:Choice>
-        <mc:Fallback>
+        <mc:Fallback xmlns="">
           <p:sp>
             <p:nvSpPr>
               <p:cNvPr id="11" name="TextBox 10">
@@ -13358,6 +10376,362 @@
           </a:p>
         </p:txBody>
       </p:sp>
+      <p:pic>
+        <p:nvPicPr>
+          <p:cNvPr id="5" name="그림 4">
+            <a:extLst>
+              <a:ext uri="{FF2B5EF4-FFF2-40B4-BE49-F238E27FC236}">
+                <a16:creationId xmlns:a16="http://schemas.microsoft.com/office/drawing/2014/main" id="{6D77986E-7038-8B41-0ACF-3232E698836B}"/>
+              </a:ext>
+            </a:extLst>
+          </p:cNvPr>
+          <p:cNvPicPr>
+            <a:picLocks noChangeAspect="1"/>
+          </p:cNvPicPr>
+          <p:nvPr/>
+        </p:nvPicPr>
+        <p:blipFill>
+          <a:blip r:embed="rId2"/>
+          <a:stretch>
+            <a:fillRect/>
+          </a:stretch>
+        </p:blipFill>
+        <p:spPr>
+          <a:xfrm>
+            <a:off x="1186505" y="2998948"/>
+            <a:ext cx="3919763" cy="2462993"/>
+          </a:xfrm>
+          <a:prstGeom prst="rect">
+            <a:avLst/>
+          </a:prstGeom>
+        </p:spPr>
+      </p:pic>
+      <mc:AlternateContent xmlns:mc="http://schemas.openxmlformats.org/markup-compatibility/2006">
+        <mc:Choice xmlns:a14="http://schemas.microsoft.com/office/drawing/2010/main" Requires="a14">
+          <p:sp>
+            <p:nvSpPr>
+              <p:cNvPr id="7" name="TextBox 6">
+                <a:extLst>
+                  <a:ext uri="{FF2B5EF4-FFF2-40B4-BE49-F238E27FC236}">
+                    <a16:creationId xmlns:a16="http://schemas.microsoft.com/office/drawing/2014/main" id="{44C8674E-7696-B577-9CAF-435153F1791E}"/>
+                  </a:ext>
+                </a:extLst>
+              </p:cNvPr>
+              <p:cNvSpPr txBox="1"/>
+              <p:nvPr/>
+            </p:nvSpPr>
+            <p:spPr>
+              <a:xfrm>
+                <a:off x="4911117" y="3781759"/>
+                <a:ext cx="6094378" cy="710194"/>
+              </a:xfrm>
+              <a:prstGeom prst="rect">
+                <a:avLst/>
+              </a:prstGeom>
+              <a:noFill/>
+            </p:spPr>
+            <p:txBody>
+              <a:bodyPr wrap="square">
+                <a:spAutoFit/>
+              </a:bodyPr>
+              <a:lstStyle/>
+              <a:p>
+                <a:pPr algn="ctr"/>
+                <a14:m>
+                  <m:oMath xmlns:m="http://schemas.openxmlformats.org/officeDocument/2006/math">
+                    <m:r>
+                      <a:rPr lang="en-US" b="0" i="1" smtClean="0">
+                        <a:latin typeface="Cambria Math" panose="02040503050406030204" pitchFamily="18" charset="0"/>
+                        <a:ea typeface="Cambria Math" panose="02040503050406030204" pitchFamily="18" charset="0"/>
+                      </a:rPr>
+                      <m:t>𝑦</m:t>
+                    </m:r>
+                    <m:r>
+                      <a:rPr lang="en-US" b="0" i="1" smtClean="0">
+                        <a:latin typeface="Cambria Math" panose="02040503050406030204" pitchFamily="18" charset="0"/>
+                        <a:ea typeface="Cambria Math" panose="02040503050406030204" pitchFamily="18" charset="0"/>
+                      </a:rPr>
+                      <m:t>=</m:t>
+                    </m:r>
+                    <m:d>
+                      <m:dPr>
+                        <m:begChr m:val="{"/>
+                        <m:endChr m:val=""/>
+                        <m:ctrlPr>
+                          <a:rPr lang="el-GR" i="1" smtClean="0">
+                            <a:latin typeface="Cambria Math" panose="02040503050406030204" pitchFamily="18" charset="0"/>
+                            <a:ea typeface="Cambria Math" panose="02040503050406030204" pitchFamily="18" charset="0"/>
+                          </a:rPr>
+                        </m:ctrlPr>
+                      </m:dPr>
+                      <m:e>
+                        <m:eqArr>
+                          <m:eqArrPr>
+                            <m:ctrlPr>
+                              <a:rPr lang="el-GR" i="1" smtClean="0">
+                                <a:latin typeface="Cambria Math" panose="02040503050406030204" pitchFamily="18" charset="0"/>
+                                <a:ea typeface="Cambria Math" panose="02040503050406030204" pitchFamily="18" charset="0"/>
+                              </a:rPr>
+                            </m:ctrlPr>
+                          </m:eqArrPr>
+                          <m:e>
+                            <m:r>
+                              <a:rPr lang="en-US" b="0" i="1" smtClean="0">
+                                <a:latin typeface="Cambria Math" panose="02040503050406030204" pitchFamily="18" charset="0"/>
+                                <a:ea typeface="Cambria Math" panose="02040503050406030204" pitchFamily="18" charset="0"/>
+                              </a:rPr>
+                              <m:t>0  ,(</m:t>
+                            </m:r>
+                            <m:r>
+                              <a:rPr lang="en-US" b="0" i="1" smtClean="0">
+                                <a:latin typeface="Cambria Math" panose="02040503050406030204" pitchFamily="18" charset="0"/>
+                                <a:ea typeface="Cambria Math" panose="02040503050406030204" pitchFamily="18" charset="0"/>
+                              </a:rPr>
+                              <m:t>0.5</m:t>
+                            </m:r>
+                            <m:sSub>
+                              <m:sSubPr>
+                                <m:ctrlPr>
+                                  <a:rPr lang="en-US" i="1">
+                                    <a:latin typeface="Cambria Math" panose="02040503050406030204" pitchFamily="18" charset="0"/>
+                                    <a:ea typeface="Cambria Math" panose="02040503050406030204" pitchFamily="18" charset="0"/>
+                                  </a:rPr>
+                                </m:ctrlPr>
+                              </m:sSubPr>
+                              <m:e>
+                                <m:r>
+                                  <a:rPr lang="en-US" b="0" i="1" smtClean="0">
+                                    <a:latin typeface="Cambria Math" panose="02040503050406030204" pitchFamily="18" charset="0"/>
+                                    <a:ea typeface="Cambria Math" panose="02040503050406030204" pitchFamily="18" charset="0"/>
+                                  </a:rPr>
+                                  <m:t>𝑥</m:t>
+                                </m:r>
+                              </m:e>
+                              <m:sub>
+                                <m:r>
+                                  <a:rPr lang="en-US" i="1">
+                                    <a:latin typeface="Cambria Math" panose="02040503050406030204" pitchFamily="18" charset="0"/>
+                                    <a:ea typeface="Cambria Math" panose="02040503050406030204" pitchFamily="18" charset="0"/>
+                                  </a:rPr>
+                                  <m:t>1</m:t>
+                                </m:r>
+                              </m:sub>
+                            </m:sSub>
+                            <m:r>
+                              <a:rPr lang="en-US" b="0" i="1" smtClean="0">
+                                <a:latin typeface="Cambria Math" panose="02040503050406030204" pitchFamily="18" charset="0"/>
+                                <a:ea typeface="Cambria Math" panose="02040503050406030204" pitchFamily="18" charset="0"/>
+                              </a:rPr>
+                              <m:t>+</m:t>
+                            </m:r>
+                            <m:r>
+                              <a:rPr lang="en-US" i="1" smtClean="0">
+                                <a:latin typeface="Cambria Math" panose="02040503050406030204" pitchFamily="18" charset="0"/>
+                                <a:ea typeface="Cambria Math" panose="02040503050406030204" pitchFamily="18" charset="0"/>
+                              </a:rPr>
+                              <m:t>0</m:t>
+                            </m:r>
+                            <m:r>
+                              <a:rPr lang="en-US" b="0" i="1" smtClean="0">
+                                <a:latin typeface="Cambria Math" panose="02040503050406030204" pitchFamily="18" charset="0"/>
+                                <a:ea typeface="Cambria Math" panose="02040503050406030204" pitchFamily="18" charset="0"/>
+                              </a:rPr>
+                              <m:t>.5</m:t>
+                            </m:r>
+                            <m:sSub>
+                              <m:sSubPr>
+                                <m:ctrlPr>
+                                  <a:rPr lang="en-US" i="1">
+                                    <a:latin typeface="Cambria Math" panose="02040503050406030204" pitchFamily="18" charset="0"/>
+                                    <a:ea typeface="Cambria Math" panose="02040503050406030204" pitchFamily="18" charset="0"/>
+                                  </a:rPr>
+                                </m:ctrlPr>
+                              </m:sSubPr>
+                              <m:e>
+                                <m:r>
+                                  <a:rPr lang="en-US" b="0" i="1" smtClean="0">
+                                    <a:latin typeface="Cambria Math" panose="02040503050406030204" pitchFamily="18" charset="0"/>
+                                    <a:ea typeface="Cambria Math" panose="02040503050406030204" pitchFamily="18" charset="0"/>
+                                  </a:rPr>
+                                  <m:t>𝑥</m:t>
+                                </m:r>
+                              </m:e>
+                              <m:sub>
+                                <m:r>
+                                  <a:rPr lang="en-US" b="0" i="1" smtClean="0">
+                                    <a:latin typeface="Cambria Math" panose="02040503050406030204" pitchFamily="18" charset="0"/>
+                                    <a:ea typeface="Cambria Math" panose="02040503050406030204" pitchFamily="18" charset="0"/>
+                                  </a:rPr>
+                                  <m:t>2</m:t>
+                                </m:r>
+                              </m:sub>
+                            </m:sSub>
+                            <m:r>
+                              <a:rPr lang="en-US" i="1" smtClean="0">
+                                <a:latin typeface="Cambria Math" panose="02040503050406030204" pitchFamily="18" charset="0"/>
+                                <a:ea typeface="Cambria Math" panose="02040503050406030204" pitchFamily="18" charset="0"/>
+                              </a:rPr>
+                              <m:t>≤</m:t>
+                            </m:r>
+                            <m:r>
+                              <a:rPr lang="en-US" b="0" i="1" smtClean="0">
+                                <a:latin typeface="Cambria Math" panose="02040503050406030204" pitchFamily="18" charset="0"/>
+                                <a:ea typeface="Cambria Math" panose="02040503050406030204" pitchFamily="18" charset="0"/>
+                              </a:rPr>
+                              <m:t>0.7</m:t>
+                            </m:r>
+                            <m:r>
+                              <a:rPr lang="en-US" b="0" i="1" smtClean="0">
+                                <a:latin typeface="Cambria Math" panose="02040503050406030204" pitchFamily="18" charset="0"/>
+                                <a:ea typeface="Cambria Math" panose="02040503050406030204" pitchFamily="18" charset="0"/>
+                              </a:rPr>
+                              <m:t>)</m:t>
+                            </m:r>
+                          </m:e>
+                          <m:e>
+                            <m:r>
+                              <a:rPr lang="en-US" b="0" i="1" smtClean="0">
+                                <a:latin typeface="Cambria Math" panose="02040503050406030204" pitchFamily="18" charset="0"/>
+                                <a:ea typeface="Cambria Math" panose="02040503050406030204" pitchFamily="18" charset="0"/>
+                              </a:rPr>
+                              <m:t>1</m:t>
+                            </m:r>
+                            <m:r>
+                              <a:rPr lang="en-US" i="1">
+                                <a:latin typeface="Cambria Math" panose="02040503050406030204" pitchFamily="18" charset="0"/>
+                                <a:ea typeface="Cambria Math" panose="02040503050406030204" pitchFamily="18" charset="0"/>
+                              </a:rPr>
+                              <m:t>,(0.5</m:t>
+                            </m:r>
+                            <m:sSub>
+                              <m:sSubPr>
+                                <m:ctrlPr>
+                                  <a:rPr lang="en-US" i="1">
+                                    <a:latin typeface="Cambria Math" panose="02040503050406030204" pitchFamily="18" charset="0"/>
+                                    <a:ea typeface="Cambria Math" panose="02040503050406030204" pitchFamily="18" charset="0"/>
+                                  </a:rPr>
+                                </m:ctrlPr>
+                              </m:sSubPr>
+                              <m:e>
+                                <m:r>
+                                  <a:rPr lang="en-US" i="1">
+                                    <a:latin typeface="Cambria Math" panose="02040503050406030204" pitchFamily="18" charset="0"/>
+                                    <a:ea typeface="Cambria Math" panose="02040503050406030204" pitchFamily="18" charset="0"/>
+                                  </a:rPr>
+                                  <m:t>𝑥</m:t>
+                                </m:r>
+                              </m:e>
+                              <m:sub>
+                                <m:r>
+                                  <a:rPr lang="en-US" i="1">
+                                    <a:latin typeface="Cambria Math" panose="02040503050406030204" pitchFamily="18" charset="0"/>
+                                    <a:ea typeface="Cambria Math" panose="02040503050406030204" pitchFamily="18" charset="0"/>
+                                  </a:rPr>
+                                  <m:t>1</m:t>
+                                </m:r>
+                              </m:sub>
+                            </m:sSub>
+                            <m:r>
+                              <a:rPr lang="en-US" i="1">
+                                <a:latin typeface="Cambria Math" panose="02040503050406030204" pitchFamily="18" charset="0"/>
+                                <a:ea typeface="Cambria Math" panose="02040503050406030204" pitchFamily="18" charset="0"/>
+                              </a:rPr>
+                              <m:t>+0.5</m:t>
+                            </m:r>
+                            <m:sSub>
+                              <m:sSubPr>
+                                <m:ctrlPr>
+                                  <a:rPr lang="en-US" i="1">
+                                    <a:latin typeface="Cambria Math" panose="02040503050406030204" pitchFamily="18" charset="0"/>
+                                    <a:ea typeface="Cambria Math" panose="02040503050406030204" pitchFamily="18" charset="0"/>
+                                  </a:rPr>
+                                </m:ctrlPr>
+                              </m:sSubPr>
+                              <m:e>
+                                <m:r>
+                                  <a:rPr lang="en-US" i="1">
+                                    <a:latin typeface="Cambria Math" panose="02040503050406030204" pitchFamily="18" charset="0"/>
+                                    <a:ea typeface="Cambria Math" panose="02040503050406030204" pitchFamily="18" charset="0"/>
+                                  </a:rPr>
+                                  <m:t>𝑥</m:t>
+                                </m:r>
+                              </m:e>
+                              <m:sub>
+                                <m:r>
+                                  <a:rPr lang="en-US" i="1">
+                                    <a:latin typeface="Cambria Math" panose="02040503050406030204" pitchFamily="18" charset="0"/>
+                                    <a:ea typeface="Cambria Math" panose="02040503050406030204" pitchFamily="18" charset="0"/>
+                                  </a:rPr>
+                                  <m:t>2</m:t>
+                                </m:r>
+                              </m:sub>
+                            </m:sSub>
+                            <m:r>
+                              <a:rPr lang="en-US" i="1">
+                                <a:latin typeface="Cambria Math" panose="02040503050406030204" pitchFamily="18" charset="0"/>
+                                <a:ea typeface="Cambria Math" panose="02040503050406030204" pitchFamily="18" charset="0"/>
+                              </a:rPr>
+                              <m:t>≤0.7)</m:t>
+                            </m:r>
+                          </m:e>
+                        </m:eqArr>
+                      </m:e>
+                    </m:d>
+                  </m:oMath>
+                </a14:m>
+                <a:r>
+                  <a:rPr lang="en-US" dirty="0"/>
+                  <a:t> </a:t>
+                </a:r>
+              </a:p>
+            </p:txBody>
+          </p:sp>
+        </mc:Choice>
+        <mc:Fallback>
+          <p:sp>
+            <p:nvSpPr>
+              <p:cNvPr id="7" name="TextBox 6">
+                <a:extLst>
+                  <a:ext uri="{FF2B5EF4-FFF2-40B4-BE49-F238E27FC236}">
+                    <a16:creationId xmlns:a16="http://schemas.microsoft.com/office/drawing/2014/main" id="{44C8674E-7696-B577-9CAF-435153F1791E}"/>
+                  </a:ext>
+                </a:extLst>
+              </p:cNvPr>
+              <p:cNvSpPr txBox="1">
+                <a:spLocks noRot="1" noChangeAspect="1" noMove="1" noResize="1" noEditPoints="1" noAdjustHandles="1" noChangeArrowheads="1" noChangeShapeType="1" noTextEdit="1"/>
+              </p:cNvSpPr>
+              <p:nvPr/>
+            </p:nvSpPr>
+            <p:spPr>
+              <a:xfrm>
+                <a:off x="4911117" y="3781759"/>
+                <a:ext cx="6094378" cy="710194"/>
+              </a:xfrm>
+              <a:prstGeom prst="rect">
+                <a:avLst/>
+              </a:prstGeom>
+              <a:blipFill>
+                <a:blip r:embed="rId3"/>
+                <a:stretch>
+                  <a:fillRect/>
+                </a:stretch>
+              </a:blipFill>
+            </p:spPr>
+            <p:txBody>
+              <a:bodyPr/>
+              <a:lstStyle/>
+              <a:p>
+                <a:r>
+                  <a:rPr lang="en-US">
+                    <a:noFill/>
+                  </a:rPr>
+                  <a:t> </a:t>
+                </a:r>
+              </a:p>
+            </p:txBody>
+          </p:sp>
+        </mc:Fallback>
+      </mc:AlternateContent>
     </p:spTree>
     <p:extLst>
       <p:ext uri="{BB962C8B-B14F-4D97-AF65-F5344CB8AC3E}">
@@ -13496,10 +10870,10 @@
       </p:cxnSp>
       <p:sp>
         <p:nvSpPr>
-          <p:cNvPr id="2" name="TextBox 1">
-            <a:extLst>
-              <a:ext uri="{FF2B5EF4-FFF2-40B4-BE49-F238E27FC236}">
-                <a16:creationId xmlns:a16="http://schemas.microsoft.com/office/drawing/2014/main" id="{42C44CD5-A821-3F0D-9DCC-9081EB274BBC}"/>
+          <p:cNvPr id="9" name="TextBox 8">
+            <a:extLst>
+              <a:ext uri="{FF2B5EF4-FFF2-40B4-BE49-F238E27FC236}">
+                <a16:creationId xmlns:a16="http://schemas.microsoft.com/office/drawing/2014/main" id="{85E2DDDA-35AB-489C-8A37-0A056738B5CD}"/>
               </a:ext>
             </a:extLst>
           </p:cNvPr>
@@ -13508,8 +10882,8 @@
         </p:nvSpPr>
         <p:spPr>
           <a:xfrm>
-            <a:off x="513806" y="576645"/>
-            <a:ext cx="3524794" cy="523220"/>
+            <a:off x="513805" y="576645"/>
+            <a:ext cx="4953139" cy="523220"/>
           </a:xfrm>
           <a:prstGeom prst="rect">
             <a:avLst/>
@@ -13531,7 +10905,7 @@
                   </a:schemeClr>
                 </a:solidFill>
               </a:rPr>
-              <a:t>Team Viewer</a:t>
+              <a:t>3. Perceptron Implement</a:t>
             </a:r>
             <a:endParaRPr lang="ko-KR" altLang="en-US" sz="2800" b="1" dirty="0">
               <a:solidFill>
@@ -13544,315 +10918,1136 @@
           </a:p>
         </p:txBody>
       </p:sp>
-      <p:sp>
-        <p:nvSpPr>
-          <p:cNvPr id="3" name="TextBox 2">
-            <a:extLst>
-              <a:ext uri="{FF2B5EF4-FFF2-40B4-BE49-F238E27FC236}">
-                <a16:creationId xmlns:a16="http://schemas.microsoft.com/office/drawing/2014/main" id="{F18FD829-44F9-D01B-88F7-4608099462AE}"/>
-              </a:ext>
-            </a:extLst>
-          </p:cNvPr>
-          <p:cNvSpPr txBox="1"/>
+      <mc:AlternateContent xmlns:mc="http://schemas.openxmlformats.org/markup-compatibility/2006">
+        <mc:Choice xmlns:a14="http://schemas.microsoft.com/office/drawing/2010/main" Requires="a14">
+          <p:sp>
+            <p:nvSpPr>
+              <p:cNvPr id="3" name="TextBox 2">
+                <a:extLst>
+                  <a:ext uri="{FF2B5EF4-FFF2-40B4-BE49-F238E27FC236}">
+                    <a16:creationId xmlns:a16="http://schemas.microsoft.com/office/drawing/2014/main" id="{D603CCB4-ACB5-F02F-EF78-87D53658E441}"/>
+                  </a:ext>
+                </a:extLst>
+              </p:cNvPr>
+              <p:cNvSpPr txBox="1"/>
+              <p:nvPr/>
+            </p:nvSpPr>
+            <p:spPr>
+              <a:xfrm>
+                <a:off x="727699" y="1611893"/>
+                <a:ext cx="10550230" cy="1323439"/>
+              </a:xfrm>
+              <a:prstGeom prst="rect">
+                <a:avLst/>
+              </a:prstGeom>
+              <a:noFill/>
+            </p:spPr>
+            <p:txBody>
+              <a:bodyPr wrap="square" rtlCol="0">
+                <a:spAutoFit/>
+              </a:bodyPr>
+              <a:lstStyle/>
+              <a:p>
+                <a:pPr marL="285750" indent="-285750">
+                  <a:buFont typeface="Arial" panose="020B0604020202020204" pitchFamily="34" charset="0"/>
+                  <a:buChar char="•"/>
+                </a:pPr>
+                <a:r>
+                  <a:rPr lang="ko-KR" altLang="en-US" sz="2000" b="1" dirty="0">
+                    <a:solidFill>
+                      <a:schemeClr val="tx1">
+                        <a:lumMod val="65000"/>
+                        <a:lumOff val="35000"/>
+                      </a:schemeClr>
+                    </a:solidFill>
+                  </a:rPr>
+                  <a:t>퍼셉트론의 식을 좀더 보기 편하게 하기 위해 </a:t>
+                </a:r>
+                <a14:m>
+                  <m:oMath xmlns:m="http://schemas.openxmlformats.org/officeDocument/2006/math">
+                    <m:r>
+                      <a:rPr lang="ko-KR" altLang="en-US" sz="2000" b="1" i="1" smtClean="0">
+                        <a:solidFill>
+                          <a:schemeClr val="tx1">
+                            <a:lumMod val="65000"/>
+                            <a:lumOff val="35000"/>
+                          </a:schemeClr>
+                        </a:solidFill>
+                        <a:latin typeface="Cambria Math" panose="02040503050406030204" pitchFamily="18" charset="0"/>
+                      </a:rPr>
+                      <m:t>𝜽</m:t>
+                    </m:r>
+                    <m:r>
+                      <a:rPr lang="en-US" altLang="ko-KR" sz="2000" b="1" i="1" smtClean="0">
+                        <a:solidFill>
+                          <a:schemeClr val="tx1">
+                            <a:lumMod val="65000"/>
+                            <a:lumOff val="35000"/>
+                          </a:schemeClr>
+                        </a:solidFill>
+                        <a:latin typeface="Cambria Math" panose="02040503050406030204" pitchFamily="18" charset="0"/>
+                      </a:rPr>
+                      <m:t> </m:t>
+                    </m:r>
+                  </m:oMath>
+                </a14:m>
+                <a:r>
+                  <a:rPr lang="ko-KR" altLang="en-US" sz="2000" b="1" dirty="0">
+                    <a:solidFill>
+                      <a:schemeClr val="tx1">
+                        <a:lumMod val="65000"/>
+                        <a:lumOff val="35000"/>
+                      </a:schemeClr>
+                    </a:solidFill>
+                  </a:rPr>
+                  <a:t>를 </a:t>
+                </a:r>
+                <a14:m>
+                  <m:oMath xmlns:m="http://schemas.openxmlformats.org/officeDocument/2006/math">
+                    <m:r>
+                      <a:rPr lang="en-US" altLang="ko-KR" sz="2000" b="1" i="1" dirty="0" smtClean="0">
+                        <a:solidFill>
+                          <a:schemeClr val="tx1">
+                            <a:lumMod val="65000"/>
+                            <a:lumOff val="35000"/>
+                          </a:schemeClr>
+                        </a:solidFill>
+                        <a:latin typeface="Cambria Math" panose="02040503050406030204" pitchFamily="18" charset="0"/>
+                      </a:rPr>
+                      <m:t>−</m:t>
+                    </m:r>
+                    <m:r>
+                      <a:rPr lang="en-US" altLang="ko-KR" sz="2000" b="1" i="1" dirty="0" smtClean="0">
+                        <a:solidFill>
+                          <a:schemeClr val="tx1">
+                            <a:lumMod val="65000"/>
+                            <a:lumOff val="35000"/>
+                          </a:schemeClr>
+                        </a:solidFill>
+                        <a:latin typeface="Cambria Math" panose="02040503050406030204" pitchFamily="18" charset="0"/>
+                      </a:rPr>
+                      <m:t>𝒃</m:t>
+                    </m:r>
+                  </m:oMath>
+                </a14:m>
+                <a:r>
+                  <a:rPr lang="ko-KR" altLang="en-US" sz="2000" b="1" dirty="0">
+                    <a:solidFill>
+                      <a:schemeClr val="tx1">
+                        <a:lumMod val="65000"/>
+                        <a:lumOff val="35000"/>
+                      </a:schemeClr>
+                    </a:solidFill>
+                  </a:rPr>
+                  <a:t>로 치환하면 다음과 같은 식이 된다</a:t>
+                </a:r>
+                <a:r>
+                  <a:rPr lang="en-US" altLang="ko-KR" sz="2000" b="1" dirty="0">
+                    <a:solidFill>
+                      <a:schemeClr val="tx1">
+                        <a:lumMod val="65000"/>
+                        <a:lumOff val="35000"/>
+                      </a:schemeClr>
+                    </a:solidFill>
+                  </a:rPr>
+                  <a:t>.</a:t>
+                </a:r>
+                <a:r>
+                  <a:rPr lang="ko-KR" altLang="en-US" sz="2000" b="1" dirty="0">
+                    <a:solidFill>
+                      <a:schemeClr val="tx1">
+                        <a:lumMod val="65000"/>
+                        <a:lumOff val="35000"/>
+                      </a:schemeClr>
+                    </a:solidFill>
+                  </a:rPr>
+                  <a:t> </a:t>
+                </a:r>
+                <a:endParaRPr lang="en-US" altLang="ko-KR" sz="2000" b="1" dirty="0">
+                  <a:solidFill>
+                    <a:schemeClr val="tx1">
+                      <a:lumMod val="65000"/>
+                      <a:lumOff val="35000"/>
+                    </a:schemeClr>
+                  </a:solidFill>
+                </a:endParaRPr>
+              </a:p>
+              <a:p>
+                <a:pPr marL="285750" indent="-285750">
+                  <a:buFont typeface="Arial" panose="020B0604020202020204" pitchFamily="34" charset="0"/>
+                  <a:buChar char="•"/>
+                </a:pPr>
+                <a:endParaRPr lang="en-US" altLang="ko-KR" sz="2000" b="1" dirty="0">
+                  <a:solidFill>
+                    <a:schemeClr val="tx1">
+                      <a:lumMod val="65000"/>
+                      <a:lumOff val="35000"/>
+                    </a:schemeClr>
+                  </a:solidFill>
+                </a:endParaRPr>
+              </a:p>
+              <a:p>
+                <a:pPr marL="285750" indent="-285750">
+                  <a:buFont typeface="Arial" panose="020B0604020202020204" pitchFamily="34" charset="0"/>
+                  <a:buChar char="•"/>
+                </a:pPr>
+                <a:r>
+                  <a:rPr lang="ko-KR" altLang="en-US" sz="2000" b="1" dirty="0">
+                    <a:solidFill>
+                      <a:schemeClr val="tx1">
+                        <a:lumMod val="65000"/>
+                        <a:lumOff val="35000"/>
+                      </a:schemeClr>
+                    </a:solidFill>
+                  </a:rPr>
+                  <a:t>여기서 </a:t>
+                </a:r>
+                <a14:m>
+                  <m:oMath xmlns:m="http://schemas.openxmlformats.org/officeDocument/2006/math">
+                    <m:r>
+                      <a:rPr lang="en-US" altLang="ko-KR" sz="2000" b="1" i="1" dirty="0" smtClean="0">
+                        <a:solidFill>
+                          <a:schemeClr val="tx1">
+                            <a:lumMod val="65000"/>
+                            <a:lumOff val="35000"/>
+                          </a:schemeClr>
+                        </a:solidFill>
+                        <a:latin typeface="Cambria Math" panose="02040503050406030204" pitchFamily="18" charset="0"/>
+                      </a:rPr>
+                      <m:t>𝒃</m:t>
+                    </m:r>
+                    <m:r>
+                      <a:rPr lang="en-US" altLang="ko-KR" sz="2000" b="1" i="1" dirty="0" smtClean="0">
+                        <a:solidFill>
+                          <a:schemeClr val="tx1">
+                            <a:lumMod val="65000"/>
+                            <a:lumOff val="35000"/>
+                          </a:schemeClr>
+                        </a:solidFill>
+                        <a:latin typeface="Cambria Math" panose="02040503050406030204" pitchFamily="18" charset="0"/>
+                      </a:rPr>
+                      <m:t> </m:t>
+                    </m:r>
+                  </m:oMath>
+                </a14:m>
+                <a:r>
+                  <a:rPr lang="ko-KR" altLang="en-US" sz="2000" b="1" dirty="0">
+                    <a:solidFill>
+                      <a:schemeClr val="tx1">
+                        <a:lumMod val="65000"/>
+                        <a:lumOff val="35000"/>
+                      </a:schemeClr>
+                    </a:solidFill>
+                  </a:rPr>
+                  <a:t>를 편향이라 부른다</a:t>
+                </a:r>
+                <a:r>
+                  <a:rPr lang="en-US" altLang="ko-KR" sz="2000" b="1" dirty="0">
+                    <a:solidFill>
+                      <a:schemeClr val="tx1">
+                        <a:lumMod val="65000"/>
+                        <a:lumOff val="35000"/>
+                      </a:schemeClr>
+                    </a:solidFill>
+                  </a:rPr>
+                  <a:t>.</a:t>
+                </a:r>
+              </a:p>
+            </p:txBody>
+          </p:sp>
+        </mc:Choice>
+        <mc:Fallback>
+          <p:sp>
+            <p:nvSpPr>
+              <p:cNvPr id="3" name="TextBox 2">
+                <a:extLst>
+                  <a:ext uri="{FF2B5EF4-FFF2-40B4-BE49-F238E27FC236}">
+                    <a16:creationId xmlns:a16="http://schemas.microsoft.com/office/drawing/2014/main" id="{D603CCB4-ACB5-F02F-EF78-87D53658E441}"/>
+                  </a:ext>
+                </a:extLst>
+              </p:cNvPr>
+              <p:cNvSpPr txBox="1">
+                <a:spLocks noRot="1" noChangeAspect="1" noMove="1" noResize="1" noEditPoints="1" noAdjustHandles="1" noChangeArrowheads="1" noChangeShapeType="1" noTextEdit="1"/>
+              </p:cNvSpPr>
+              <p:nvPr/>
+            </p:nvSpPr>
+            <p:spPr>
+              <a:xfrm>
+                <a:off x="727699" y="1611893"/>
+                <a:ext cx="10550230" cy="1323439"/>
+              </a:xfrm>
+              <a:prstGeom prst="rect">
+                <a:avLst/>
+              </a:prstGeom>
+              <a:blipFill>
+                <a:blip r:embed="rId2"/>
+                <a:stretch>
+                  <a:fillRect l="-520" t="-2294" b="-6881"/>
+                </a:stretch>
+              </a:blipFill>
+            </p:spPr>
+            <p:txBody>
+              <a:bodyPr/>
+              <a:lstStyle/>
+              <a:p>
+                <a:r>
+                  <a:rPr lang="en-US">
+                    <a:noFill/>
+                  </a:rPr>
+                  <a:t> </a:t>
+                </a:r>
+              </a:p>
+            </p:txBody>
+          </p:sp>
+        </mc:Fallback>
+      </mc:AlternateContent>
+      <mc:AlternateContent xmlns:mc="http://schemas.openxmlformats.org/markup-compatibility/2006">
+        <mc:Choice xmlns:a14="http://schemas.microsoft.com/office/drawing/2010/main" Requires="a14">
+          <p:sp>
+            <p:nvSpPr>
+              <p:cNvPr id="2" name="TextBox 1">
+                <a:extLst>
+                  <a:ext uri="{FF2B5EF4-FFF2-40B4-BE49-F238E27FC236}">
+                    <a16:creationId xmlns:a16="http://schemas.microsoft.com/office/drawing/2014/main" id="{0F6F7F4A-6391-7613-133C-4200545B49D2}"/>
+                  </a:ext>
+                </a:extLst>
+              </p:cNvPr>
+              <p:cNvSpPr txBox="1"/>
+              <p:nvPr/>
+            </p:nvSpPr>
+            <p:spPr>
+              <a:xfrm>
+                <a:off x="2675708" y="3207504"/>
+                <a:ext cx="6094378" cy="710194"/>
+              </a:xfrm>
+              <a:prstGeom prst="rect">
+                <a:avLst/>
+              </a:prstGeom>
+              <a:noFill/>
+            </p:spPr>
+            <p:txBody>
+              <a:bodyPr wrap="square">
+                <a:spAutoFit/>
+              </a:bodyPr>
+              <a:lstStyle/>
+              <a:p>
+                <a:pPr algn="ctr"/>
+                <a14:m>
+                  <m:oMath xmlns:m="http://schemas.openxmlformats.org/officeDocument/2006/math">
+                    <m:r>
+                      <a:rPr lang="en-US" b="0" i="1" smtClean="0">
+                        <a:latin typeface="Cambria Math" panose="02040503050406030204" pitchFamily="18" charset="0"/>
+                        <a:ea typeface="Cambria Math" panose="02040503050406030204" pitchFamily="18" charset="0"/>
+                      </a:rPr>
+                      <m:t>𝑦</m:t>
+                    </m:r>
+                    <m:r>
+                      <a:rPr lang="en-US" b="0" i="1" smtClean="0">
+                        <a:latin typeface="Cambria Math" panose="02040503050406030204" pitchFamily="18" charset="0"/>
+                        <a:ea typeface="Cambria Math" panose="02040503050406030204" pitchFamily="18" charset="0"/>
+                      </a:rPr>
+                      <m:t>=</m:t>
+                    </m:r>
+                    <m:d>
+                      <m:dPr>
+                        <m:begChr m:val="{"/>
+                        <m:endChr m:val=""/>
+                        <m:ctrlPr>
+                          <a:rPr lang="el-GR" i="1" smtClean="0">
+                            <a:latin typeface="Cambria Math" panose="02040503050406030204" pitchFamily="18" charset="0"/>
+                            <a:ea typeface="Cambria Math" panose="02040503050406030204" pitchFamily="18" charset="0"/>
+                          </a:rPr>
+                        </m:ctrlPr>
+                      </m:dPr>
+                      <m:e>
+                        <m:eqArr>
+                          <m:eqArrPr>
+                            <m:ctrlPr>
+                              <a:rPr lang="el-GR" i="1" smtClean="0">
+                                <a:latin typeface="Cambria Math" panose="02040503050406030204" pitchFamily="18" charset="0"/>
+                                <a:ea typeface="Cambria Math" panose="02040503050406030204" pitchFamily="18" charset="0"/>
+                              </a:rPr>
+                            </m:ctrlPr>
+                          </m:eqArrPr>
+                          <m:e>
+                            <m:r>
+                              <a:rPr lang="en-US" b="0" i="1" smtClean="0">
+                                <a:latin typeface="Cambria Math" panose="02040503050406030204" pitchFamily="18" charset="0"/>
+                                <a:ea typeface="Cambria Math" panose="02040503050406030204" pitchFamily="18" charset="0"/>
+                              </a:rPr>
+                              <m:t>0  ,(</m:t>
+                            </m:r>
+                            <m:sSub>
+                              <m:sSubPr>
+                                <m:ctrlPr>
+                                  <a:rPr lang="en-US" b="0" i="1" smtClean="0">
+                                    <a:latin typeface="Cambria Math" panose="02040503050406030204" pitchFamily="18" charset="0"/>
+                                    <a:ea typeface="Cambria Math" panose="02040503050406030204" pitchFamily="18" charset="0"/>
+                                  </a:rPr>
+                                </m:ctrlPr>
+                              </m:sSubPr>
+                              <m:e>
+                                <m:r>
+                                  <a:rPr lang="en-US" b="0" i="1" smtClean="0">
+                                    <a:latin typeface="Cambria Math" panose="02040503050406030204" pitchFamily="18" charset="0"/>
+                                    <a:ea typeface="Cambria Math" panose="02040503050406030204" pitchFamily="18" charset="0"/>
+                                  </a:rPr>
+                                  <m:t>𝑏</m:t>
+                                </m:r>
+                                <m:r>
+                                  <a:rPr lang="en-US" b="0" i="1" smtClean="0">
+                                    <a:latin typeface="Cambria Math" panose="02040503050406030204" pitchFamily="18" charset="0"/>
+                                    <a:ea typeface="Cambria Math" panose="02040503050406030204" pitchFamily="18" charset="0"/>
+                                  </a:rPr>
+                                  <m:t>+</m:t>
+                                </m:r>
+                                <m:r>
+                                  <a:rPr lang="en-US" b="0" i="1" smtClean="0">
+                                    <a:latin typeface="Cambria Math" panose="02040503050406030204" pitchFamily="18" charset="0"/>
+                                    <a:ea typeface="Cambria Math" panose="02040503050406030204" pitchFamily="18" charset="0"/>
+                                  </a:rPr>
+                                  <m:t>𝑤</m:t>
+                                </m:r>
+                              </m:e>
+                              <m:sub>
+                                <m:r>
+                                  <a:rPr lang="en-US" b="0" i="1" smtClean="0">
+                                    <a:latin typeface="Cambria Math" panose="02040503050406030204" pitchFamily="18" charset="0"/>
+                                    <a:ea typeface="Cambria Math" panose="02040503050406030204" pitchFamily="18" charset="0"/>
+                                  </a:rPr>
+                                  <m:t>1</m:t>
+                                </m:r>
+                              </m:sub>
+                            </m:sSub>
+                            <m:sSub>
+                              <m:sSubPr>
+                                <m:ctrlPr>
+                                  <a:rPr lang="en-US" i="1">
+                                    <a:latin typeface="Cambria Math" panose="02040503050406030204" pitchFamily="18" charset="0"/>
+                                    <a:ea typeface="Cambria Math" panose="02040503050406030204" pitchFamily="18" charset="0"/>
+                                  </a:rPr>
+                                </m:ctrlPr>
+                              </m:sSubPr>
+                              <m:e>
+                                <m:r>
+                                  <a:rPr lang="en-US" b="0" i="1" smtClean="0">
+                                    <a:latin typeface="Cambria Math" panose="02040503050406030204" pitchFamily="18" charset="0"/>
+                                    <a:ea typeface="Cambria Math" panose="02040503050406030204" pitchFamily="18" charset="0"/>
+                                  </a:rPr>
+                                  <m:t>𝑥</m:t>
+                                </m:r>
+                              </m:e>
+                              <m:sub>
+                                <m:r>
+                                  <a:rPr lang="en-US" i="1">
+                                    <a:latin typeface="Cambria Math" panose="02040503050406030204" pitchFamily="18" charset="0"/>
+                                    <a:ea typeface="Cambria Math" panose="02040503050406030204" pitchFamily="18" charset="0"/>
+                                  </a:rPr>
+                                  <m:t>1</m:t>
+                                </m:r>
+                              </m:sub>
+                            </m:sSub>
+                            <m:r>
+                              <a:rPr lang="en-US" b="0" i="1" smtClean="0">
+                                <a:latin typeface="Cambria Math" panose="02040503050406030204" pitchFamily="18" charset="0"/>
+                                <a:ea typeface="Cambria Math" panose="02040503050406030204" pitchFamily="18" charset="0"/>
+                              </a:rPr>
+                              <m:t>+</m:t>
+                            </m:r>
+                            <m:sSub>
+                              <m:sSubPr>
+                                <m:ctrlPr>
+                                  <a:rPr lang="en-US" i="1">
+                                    <a:latin typeface="Cambria Math" panose="02040503050406030204" pitchFamily="18" charset="0"/>
+                                    <a:ea typeface="Cambria Math" panose="02040503050406030204" pitchFamily="18" charset="0"/>
+                                  </a:rPr>
+                                </m:ctrlPr>
+                              </m:sSubPr>
+                              <m:e>
+                                <m:r>
+                                  <a:rPr lang="en-US" i="1">
+                                    <a:latin typeface="Cambria Math" panose="02040503050406030204" pitchFamily="18" charset="0"/>
+                                    <a:ea typeface="Cambria Math" panose="02040503050406030204" pitchFamily="18" charset="0"/>
+                                  </a:rPr>
+                                  <m:t>𝑤</m:t>
+                                </m:r>
+                              </m:e>
+                              <m:sub>
+                                <m:r>
+                                  <a:rPr lang="en-US" b="0" i="1" smtClean="0">
+                                    <a:latin typeface="Cambria Math" panose="02040503050406030204" pitchFamily="18" charset="0"/>
+                                    <a:ea typeface="Cambria Math" panose="02040503050406030204" pitchFamily="18" charset="0"/>
+                                  </a:rPr>
+                                  <m:t>2</m:t>
+                                </m:r>
+                              </m:sub>
+                            </m:sSub>
+                            <m:sSub>
+                              <m:sSubPr>
+                                <m:ctrlPr>
+                                  <a:rPr lang="en-US" i="1">
+                                    <a:latin typeface="Cambria Math" panose="02040503050406030204" pitchFamily="18" charset="0"/>
+                                    <a:ea typeface="Cambria Math" panose="02040503050406030204" pitchFamily="18" charset="0"/>
+                                  </a:rPr>
+                                </m:ctrlPr>
+                              </m:sSubPr>
+                              <m:e>
+                                <m:r>
+                                  <a:rPr lang="en-US" b="0" i="1" smtClean="0">
+                                    <a:latin typeface="Cambria Math" panose="02040503050406030204" pitchFamily="18" charset="0"/>
+                                    <a:ea typeface="Cambria Math" panose="02040503050406030204" pitchFamily="18" charset="0"/>
+                                  </a:rPr>
+                                  <m:t>𝑥</m:t>
+                                </m:r>
+                              </m:e>
+                              <m:sub>
+                                <m:r>
+                                  <a:rPr lang="en-US" b="0" i="1" smtClean="0">
+                                    <a:latin typeface="Cambria Math" panose="02040503050406030204" pitchFamily="18" charset="0"/>
+                                    <a:ea typeface="Cambria Math" panose="02040503050406030204" pitchFamily="18" charset="0"/>
+                                  </a:rPr>
+                                  <m:t>2</m:t>
+                                </m:r>
+                              </m:sub>
+                            </m:sSub>
+                            <m:r>
+                              <a:rPr lang="en-US" i="1" smtClean="0">
+                                <a:latin typeface="Cambria Math" panose="02040503050406030204" pitchFamily="18" charset="0"/>
+                                <a:ea typeface="Cambria Math" panose="02040503050406030204" pitchFamily="18" charset="0"/>
+                              </a:rPr>
+                              <m:t>≤</m:t>
+                            </m:r>
+                            <m:r>
+                              <a:rPr lang="en-US" b="0" i="1" smtClean="0">
+                                <a:latin typeface="Cambria Math" panose="02040503050406030204" pitchFamily="18" charset="0"/>
+                                <a:ea typeface="Cambria Math" panose="02040503050406030204" pitchFamily="18" charset="0"/>
+                              </a:rPr>
+                              <m:t>0</m:t>
+                            </m:r>
+                            <m:r>
+                              <a:rPr lang="en-US" b="0" i="1" smtClean="0">
+                                <a:latin typeface="Cambria Math" panose="02040503050406030204" pitchFamily="18" charset="0"/>
+                                <a:ea typeface="Cambria Math" panose="02040503050406030204" pitchFamily="18" charset="0"/>
+                              </a:rPr>
+                              <m:t>)</m:t>
+                            </m:r>
+                          </m:e>
+                          <m:e>
+                            <m:r>
+                              <a:rPr lang="en-US" b="0" i="1" smtClean="0">
+                                <a:latin typeface="Cambria Math" panose="02040503050406030204" pitchFamily="18" charset="0"/>
+                                <a:ea typeface="Cambria Math" panose="02040503050406030204" pitchFamily="18" charset="0"/>
+                              </a:rPr>
+                              <m:t>1  ,</m:t>
+                            </m:r>
+                            <m:r>
+                              <a:rPr lang="en-US" i="1">
+                                <a:latin typeface="Cambria Math" panose="02040503050406030204" pitchFamily="18" charset="0"/>
+                                <a:ea typeface="Cambria Math" panose="02040503050406030204" pitchFamily="18" charset="0"/>
+                              </a:rPr>
+                              <m:t>(</m:t>
+                            </m:r>
+                            <m:r>
+                              <a:rPr lang="en-US" b="0" i="1" smtClean="0">
+                                <a:latin typeface="Cambria Math" panose="02040503050406030204" pitchFamily="18" charset="0"/>
+                                <a:ea typeface="Cambria Math" panose="02040503050406030204" pitchFamily="18" charset="0"/>
+                              </a:rPr>
+                              <m:t>𝑏</m:t>
+                            </m:r>
+                            <m:r>
+                              <a:rPr lang="en-US" b="0" i="1" smtClean="0">
+                                <a:latin typeface="Cambria Math" panose="02040503050406030204" pitchFamily="18" charset="0"/>
+                                <a:ea typeface="Cambria Math" panose="02040503050406030204" pitchFamily="18" charset="0"/>
+                              </a:rPr>
+                              <m:t>+</m:t>
+                            </m:r>
+                            <m:sSub>
+                              <m:sSubPr>
+                                <m:ctrlPr>
+                                  <a:rPr lang="en-US" i="1">
+                                    <a:latin typeface="Cambria Math" panose="02040503050406030204" pitchFamily="18" charset="0"/>
+                                    <a:ea typeface="Cambria Math" panose="02040503050406030204" pitchFamily="18" charset="0"/>
+                                  </a:rPr>
+                                </m:ctrlPr>
+                              </m:sSubPr>
+                              <m:e>
+                                <m:r>
+                                  <a:rPr lang="en-US" i="1">
+                                    <a:latin typeface="Cambria Math" panose="02040503050406030204" pitchFamily="18" charset="0"/>
+                                    <a:ea typeface="Cambria Math" panose="02040503050406030204" pitchFamily="18" charset="0"/>
+                                  </a:rPr>
+                                  <m:t>𝑤</m:t>
+                                </m:r>
+                              </m:e>
+                              <m:sub>
+                                <m:r>
+                                  <a:rPr lang="en-US" i="1">
+                                    <a:latin typeface="Cambria Math" panose="02040503050406030204" pitchFamily="18" charset="0"/>
+                                    <a:ea typeface="Cambria Math" panose="02040503050406030204" pitchFamily="18" charset="0"/>
+                                  </a:rPr>
+                                  <m:t>1</m:t>
+                                </m:r>
+                              </m:sub>
+                            </m:sSub>
+                            <m:sSub>
+                              <m:sSubPr>
+                                <m:ctrlPr>
+                                  <a:rPr lang="en-US" i="1">
+                                    <a:latin typeface="Cambria Math" panose="02040503050406030204" pitchFamily="18" charset="0"/>
+                                    <a:ea typeface="Cambria Math" panose="02040503050406030204" pitchFamily="18" charset="0"/>
+                                  </a:rPr>
+                                </m:ctrlPr>
+                              </m:sSubPr>
+                              <m:e>
+                                <m:r>
+                                  <a:rPr lang="en-US" b="0" i="1" smtClean="0">
+                                    <a:latin typeface="Cambria Math" panose="02040503050406030204" pitchFamily="18" charset="0"/>
+                                    <a:ea typeface="Cambria Math" panose="02040503050406030204" pitchFamily="18" charset="0"/>
+                                  </a:rPr>
+                                  <m:t>𝑥</m:t>
+                                </m:r>
+                              </m:e>
+                              <m:sub>
+                                <m:r>
+                                  <a:rPr lang="en-US" i="1">
+                                    <a:latin typeface="Cambria Math" panose="02040503050406030204" pitchFamily="18" charset="0"/>
+                                    <a:ea typeface="Cambria Math" panose="02040503050406030204" pitchFamily="18" charset="0"/>
+                                  </a:rPr>
+                                  <m:t>1</m:t>
+                                </m:r>
+                              </m:sub>
+                            </m:sSub>
+                            <m:r>
+                              <a:rPr lang="en-US" i="1">
+                                <a:latin typeface="Cambria Math" panose="02040503050406030204" pitchFamily="18" charset="0"/>
+                                <a:ea typeface="Cambria Math" panose="02040503050406030204" pitchFamily="18" charset="0"/>
+                              </a:rPr>
+                              <m:t>+</m:t>
+                            </m:r>
+                            <m:sSub>
+                              <m:sSubPr>
+                                <m:ctrlPr>
+                                  <a:rPr lang="en-US" i="1">
+                                    <a:latin typeface="Cambria Math" panose="02040503050406030204" pitchFamily="18" charset="0"/>
+                                    <a:ea typeface="Cambria Math" panose="02040503050406030204" pitchFamily="18" charset="0"/>
+                                  </a:rPr>
+                                </m:ctrlPr>
+                              </m:sSubPr>
+                              <m:e>
+                                <m:r>
+                                  <a:rPr lang="en-US" i="1">
+                                    <a:latin typeface="Cambria Math" panose="02040503050406030204" pitchFamily="18" charset="0"/>
+                                    <a:ea typeface="Cambria Math" panose="02040503050406030204" pitchFamily="18" charset="0"/>
+                                  </a:rPr>
+                                  <m:t>𝑤</m:t>
+                                </m:r>
+                              </m:e>
+                              <m:sub>
+                                <m:r>
+                                  <a:rPr lang="en-US" i="1">
+                                    <a:latin typeface="Cambria Math" panose="02040503050406030204" pitchFamily="18" charset="0"/>
+                                    <a:ea typeface="Cambria Math" panose="02040503050406030204" pitchFamily="18" charset="0"/>
+                                  </a:rPr>
+                                  <m:t>2</m:t>
+                                </m:r>
+                              </m:sub>
+                            </m:sSub>
+                            <m:sSub>
+                              <m:sSubPr>
+                                <m:ctrlPr>
+                                  <a:rPr lang="en-US" i="1">
+                                    <a:latin typeface="Cambria Math" panose="02040503050406030204" pitchFamily="18" charset="0"/>
+                                    <a:ea typeface="Cambria Math" panose="02040503050406030204" pitchFamily="18" charset="0"/>
+                                  </a:rPr>
+                                </m:ctrlPr>
+                              </m:sSubPr>
+                              <m:e>
+                                <m:r>
+                                  <a:rPr lang="en-US" i="1">
+                                    <a:latin typeface="Cambria Math" panose="02040503050406030204" pitchFamily="18" charset="0"/>
+                                    <a:ea typeface="Cambria Math" panose="02040503050406030204" pitchFamily="18" charset="0"/>
+                                  </a:rPr>
+                                  <m:t>𝑥</m:t>
+                                </m:r>
+                              </m:e>
+                              <m:sub>
+                                <m:r>
+                                  <a:rPr lang="en-US" i="1">
+                                    <a:latin typeface="Cambria Math" panose="02040503050406030204" pitchFamily="18" charset="0"/>
+                                    <a:ea typeface="Cambria Math" panose="02040503050406030204" pitchFamily="18" charset="0"/>
+                                  </a:rPr>
+                                  <m:t>2</m:t>
+                                </m:r>
+                              </m:sub>
+                            </m:sSub>
+                            <m:r>
+                              <a:rPr lang="en-US" i="1">
+                                <a:latin typeface="Cambria Math" panose="02040503050406030204" pitchFamily="18" charset="0"/>
+                                <a:ea typeface="Cambria Math" panose="02040503050406030204" pitchFamily="18" charset="0"/>
+                              </a:rPr>
+                              <m:t>≤</m:t>
+                            </m:r>
+                            <m:r>
+                              <a:rPr lang="en-US" b="0" i="1" smtClean="0">
+                                <a:latin typeface="Cambria Math" panose="02040503050406030204" pitchFamily="18" charset="0"/>
+                                <a:ea typeface="Cambria Math" panose="02040503050406030204" pitchFamily="18" charset="0"/>
+                              </a:rPr>
+                              <m:t>0</m:t>
+                            </m:r>
+                            <m:r>
+                              <a:rPr lang="en-US" i="1">
+                                <a:latin typeface="Cambria Math" panose="02040503050406030204" pitchFamily="18" charset="0"/>
+                                <a:ea typeface="Cambria Math" panose="02040503050406030204" pitchFamily="18" charset="0"/>
+                              </a:rPr>
+                              <m:t>)</m:t>
+                            </m:r>
+                          </m:e>
+                        </m:eqArr>
+                      </m:e>
+                    </m:d>
+                  </m:oMath>
+                </a14:m>
+                <a:r>
+                  <a:rPr lang="en-US" dirty="0"/>
+                  <a:t> 		(2)</a:t>
+                </a:r>
+              </a:p>
+            </p:txBody>
+          </p:sp>
+        </mc:Choice>
+        <mc:Fallback>
+          <p:sp>
+            <p:nvSpPr>
+              <p:cNvPr id="2" name="TextBox 1">
+                <a:extLst>
+                  <a:ext uri="{FF2B5EF4-FFF2-40B4-BE49-F238E27FC236}">
+                    <a16:creationId xmlns:a16="http://schemas.microsoft.com/office/drawing/2014/main" id="{0F6F7F4A-6391-7613-133C-4200545B49D2}"/>
+                  </a:ext>
+                </a:extLst>
+              </p:cNvPr>
+              <p:cNvSpPr txBox="1">
+                <a:spLocks noRot="1" noChangeAspect="1" noMove="1" noResize="1" noEditPoints="1" noAdjustHandles="1" noChangeArrowheads="1" noChangeShapeType="1" noTextEdit="1"/>
+              </p:cNvSpPr>
+              <p:nvPr/>
+            </p:nvSpPr>
+            <p:spPr>
+              <a:xfrm>
+                <a:off x="2675708" y="3207504"/>
+                <a:ext cx="6094378" cy="710194"/>
+              </a:xfrm>
+              <a:prstGeom prst="rect">
+                <a:avLst/>
+              </a:prstGeom>
+              <a:blipFill>
+                <a:blip r:embed="rId3"/>
+                <a:stretch>
+                  <a:fillRect/>
+                </a:stretch>
+              </a:blipFill>
+            </p:spPr>
+            <p:txBody>
+              <a:bodyPr/>
+              <a:lstStyle/>
+              <a:p>
+                <a:r>
+                  <a:rPr lang="en-US">
+                    <a:noFill/>
+                  </a:rPr>
+                  <a:t> </a:t>
+                </a:r>
+              </a:p>
+            </p:txBody>
+          </p:sp>
+        </mc:Fallback>
+      </mc:AlternateContent>
+      <p:pic>
+        <p:nvPicPr>
+          <p:cNvPr id="11" name="그림 10">
+            <a:extLst>
+              <a:ext uri="{FF2B5EF4-FFF2-40B4-BE49-F238E27FC236}">
+                <a16:creationId xmlns:a16="http://schemas.microsoft.com/office/drawing/2014/main" id="{540D029A-F7CE-CD78-8FEE-865C4B3B9F52}"/>
+              </a:ext>
+            </a:extLst>
+          </p:cNvPr>
+          <p:cNvPicPr>
+            <a:picLocks noChangeAspect="1"/>
+          </p:cNvPicPr>
           <p:nvPr/>
-        </p:nvSpPr>
+        </p:nvPicPr>
+        <p:blipFill>
+          <a:blip r:embed="rId4"/>
+          <a:stretch>
+            <a:fillRect/>
+          </a:stretch>
+        </p:blipFill>
         <p:spPr>
           <a:xfrm>
-            <a:off x="1046514" y="1316708"/>
-            <a:ext cx="9916126" cy="4210896"/>
+            <a:off x="2675708" y="4332049"/>
+            <a:ext cx="1924319" cy="1609950"/>
           </a:xfrm>
           <a:prstGeom prst="rect">
             <a:avLst/>
           </a:prstGeom>
-          <a:noFill/>
         </p:spPr>
-        <p:txBody>
-          <a:bodyPr wrap="square" rtlCol="0">
-            <a:spAutoFit/>
-          </a:bodyPr>
-          <a:lstStyle/>
-          <a:p>
-            <a:pPr marL="285750" indent="-285750">
-              <a:buFont typeface="Arial" panose="020B0604020202020204" pitchFamily="34" charset="0"/>
-              <a:buChar char="•"/>
-            </a:pPr>
-            <a:r>
-              <a:rPr lang="ko-KR" altLang="en-US" sz="3000" b="1" dirty="0">
-                <a:solidFill>
-                  <a:schemeClr val="tx1">
-                    <a:lumMod val="65000"/>
-                    <a:lumOff val="35000"/>
-                  </a:schemeClr>
-                </a:solidFill>
-              </a:rPr>
-              <a:t>장점</a:t>
-            </a:r>
-            <a:endParaRPr lang="en-US" altLang="ko-KR" sz="3000" b="1" dirty="0">
-              <a:solidFill>
-                <a:schemeClr val="tx1">
-                  <a:lumMod val="65000"/>
-                  <a:lumOff val="35000"/>
-                </a:schemeClr>
-              </a:solidFill>
-            </a:endParaRPr>
-          </a:p>
-          <a:p>
-            <a:pPr marL="742950" lvl="1" indent="-285750">
-              <a:lnSpc>
-                <a:spcPct val="200000"/>
-              </a:lnSpc>
-              <a:buFont typeface="Arial" panose="020B0604020202020204" pitchFamily="34" charset="0"/>
-              <a:buChar char="•"/>
-            </a:pPr>
-            <a:r>
-              <a:rPr lang="ko-KR" altLang="en-US" sz="2000" b="1" dirty="0">
-                <a:solidFill>
-                  <a:schemeClr val="tx1">
-                    <a:lumMod val="65000"/>
-                    <a:lumOff val="35000"/>
-                  </a:schemeClr>
-                </a:solidFill>
-              </a:rPr>
-              <a:t>상용제품 </a:t>
-            </a:r>
-            <a:r>
-              <a:rPr lang="en-US" altLang="ko-KR" sz="2000" b="1" dirty="0">
-                <a:solidFill>
-                  <a:schemeClr val="tx1">
-                    <a:lumMod val="65000"/>
-                    <a:lumOff val="35000"/>
-                  </a:schemeClr>
-                </a:solidFill>
-              </a:rPr>
-              <a:t>: </a:t>
-            </a:r>
-            <a:r>
-              <a:rPr lang="ko-KR" altLang="en-US" sz="2000" b="1" dirty="0">
-                <a:solidFill>
-                  <a:schemeClr val="tx1">
-                    <a:lumMod val="65000"/>
-                    <a:lumOff val="35000"/>
-                  </a:schemeClr>
-                </a:solidFill>
-              </a:rPr>
-              <a:t>사용자 편의성 확보</a:t>
-            </a:r>
-            <a:r>
-              <a:rPr lang="en-US" altLang="ko-KR" sz="2000" b="1" dirty="0">
-                <a:solidFill>
-                  <a:schemeClr val="tx1">
-                    <a:lumMod val="65000"/>
-                    <a:lumOff val="35000"/>
-                  </a:schemeClr>
-                </a:solidFill>
-              </a:rPr>
-              <a:t>, </a:t>
-            </a:r>
-            <a:r>
-              <a:rPr lang="ko-KR" altLang="en-US" sz="2000" b="1" dirty="0">
-                <a:solidFill>
-                  <a:schemeClr val="tx1">
-                    <a:lumMod val="65000"/>
-                    <a:lumOff val="35000"/>
-                  </a:schemeClr>
-                </a:solidFill>
-              </a:rPr>
-              <a:t>다양한 기능 및 제품</a:t>
-            </a:r>
-            <a:r>
-              <a:rPr lang="en-US" altLang="ko-KR" sz="2000" b="1" dirty="0">
-                <a:solidFill>
-                  <a:schemeClr val="tx1">
-                    <a:lumMod val="65000"/>
-                    <a:lumOff val="35000"/>
-                  </a:schemeClr>
-                </a:solidFill>
-              </a:rPr>
-              <a:t>,</a:t>
-            </a:r>
-          </a:p>
-          <a:p>
-            <a:pPr marL="285750" indent="-285750">
-              <a:buFont typeface="Arial" panose="020B0604020202020204" pitchFamily="34" charset="0"/>
-              <a:buChar char="•"/>
-            </a:pPr>
-            <a:endParaRPr lang="en-US" altLang="ko-KR" b="1" dirty="0">
-              <a:solidFill>
-                <a:schemeClr val="tx1">
-                  <a:lumMod val="65000"/>
-                  <a:lumOff val="35000"/>
-                </a:schemeClr>
-              </a:solidFill>
-            </a:endParaRPr>
-          </a:p>
-          <a:p>
-            <a:pPr marL="285750" indent="-285750">
-              <a:buFont typeface="Arial" panose="020B0604020202020204" pitchFamily="34" charset="0"/>
-              <a:buChar char="•"/>
-            </a:pPr>
-            <a:endParaRPr lang="en-US" altLang="ko-KR" b="1" dirty="0">
-              <a:solidFill>
-                <a:schemeClr val="tx1">
-                  <a:lumMod val="65000"/>
-                  <a:lumOff val="35000"/>
-                </a:schemeClr>
-              </a:solidFill>
-            </a:endParaRPr>
-          </a:p>
-          <a:p>
-            <a:pPr marL="285750" indent="-285750">
-              <a:buFont typeface="Arial" panose="020B0604020202020204" pitchFamily="34" charset="0"/>
-              <a:buChar char="•"/>
-            </a:pPr>
-            <a:endParaRPr lang="en-US" altLang="ko-KR" b="1" dirty="0">
-              <a:solidFill>
-                <a:schemeClr val="tx1">
-                  <a:lumMod val="65000"/>
-                  <a:lumOff val="35000"/>
-                </a:schemeClr>
-              </a:solidFill>
-            </a:endParaRPr>
-          </a:p>
-          <a:p>
-            <a:pPr marL="285750" indent="-285750">
-              <a:buFont typeface="Arial" panose="020B0604020202020204" pitchFamily="34" charset="0"/>
-              <a:buChar char="•"/>
-            </a:pPr>
-            <a:r>
-              <a:rPr lang="ko-KR" altLang="en-US" sz="3000" b="1" dirty="0">
-                <a:solidFill>
-                  <a:schemeClr val="tx1">
-                    <a:lumMod val="65000"/>
-                    <a:lumOff val="35000"/>
-                  </a:schemeClr>
-                </a:solidFill>
-              </a:rPr>
-              <a:t>단점</a:t>
-            </a:r>
-            <a:endParaRPr lang="en-US" altLang="ko-KR" sz="3000" b="1" dirty="0">
-              <a:solidFill>
-                <a:schemeClr val="tx1">
-                  <a:lumMod val="65000"/>
-                  <a:lumOff val="35000"/>
-                </a:schemeClr>
-              </a:solidFill>
-            </a:endParaRPr>
-          </a:p>
-          <a:p>
-            <a:pPr marL="742950" lvl="1" indent="-285750">
-              <a:lnSpc>
-                <a:spcPct val="200000"/>
-              </a:lnSpc>
-              <a:buFont typeface="Arial" panose="020B0604020202020204" pitchFamily="34" charset="0"/>
-              <a:buChar char="•"/>
-            </a:pPr>
-            <a:r>
-              <a:rPr lang="ko-KR" altLang="en-US" sz="2000" b="1" dirty="0">
-                <a:solidFill>
-                  <a:schemeClr val="tx1">
-                    <a:lumMod val="65000"/>
-                    <a:lumOff val="35000"/>
-                  </a:schemeClr>
-                </a:solidFill>
-              </a:rPr>
-              <a:t>자동으로 연결이 종료될 수 있다</a:t>
-            </a:r>
-            <a:r>
-              <a:rPr lang="en-US" altLang="ko-KR" sz="2000" b="1" dirty="0">
-                <a:solidFill>
-                  <a:schemeClr val="tx1">
-                    <a:lumMod val="65000"/>
-                    <a:lumOff val="35000"/>
-                  </a:schemeClr>
-                </a:solidFill>
-              </a:rPr>
-              <a:t>(</a:t>
-            </a:r>
-            <a:r>
-              <a:rPr lang="ko-KR" altLang="en-US" sz="2000" b="1" dirty="0">
-                <a:solidFill>
-                  <a:schemeClr val="tx1">
-                    <a:lumMod val="65000"/>
-                    <a:lumOff val="35000"/>
-                  </a:schemeClr>
-                </a:solidFill>
-              </a:rPr>
-              <a:t>무료 라이선스</a:t>
-            </a:r>
-            <a:r>
-              <a:rPr lang="en-US" altLang="ko-KR" sz="2000" b="1" dirty="0">
-                <a:solidFill>
-                  <a:schemeClr val="tx1">
-                    <a:lumMod val="65000"/>
-                    <a:lumOff val="35000"/>
-                  </a:schemeClr>
-                </a:solidFill>
-              </a:rPr>
-              <a:t>).</a:t>
-            </a:r>
-          </a:p>
-          <a:p>
-            <a:pPr marL="742950" lvl="1" indent="-285750">
-              <a:lnSpc>
-                <a:spcPct val="200000"/>
-              </a:lnSpc>
-              <a:buFont typeface="Arial" panose="020B0604020202020204" pitchFamily="34" charset="0"/>
-              <a:buChar char="•"/>
-            </a:pPr>
-            <a:r>
-              <a:rPr lang="ko-KR" altLang="en-US" sz="2000" b="1" dirty="0">
-                <a:solidFill>
-                  <a:schemeClr val="tx1">
-                    <a:lumMod val="65000"/>
-                    <a:lumOff val="35000"/>
-                  </a:schemeClr>
-                </a:solidFill>
-              </a:rPr>
-              <a:t>사용자 필요성 부분에 대한 변경이 불가능</a:t>
-            </a:r>
-            <a:endParaRPr lang="en-US" altLang="ko-KR" sz="2000" b="1" dirty="0">
-              <a:solidFill>
-                <a:schemeClr val="tx1">
-                  <a:lumMod val="65000"/>
-                  <a:lumOff val="35000"/>
-                </a:schemeClr>
-              </a:solidFill>
-            </a:endParaRPr>
-          </a:p>
-          <a:p>
-            <a:pPr marL="742950" lvl="1" indent="-285750">
-              <a:lnSpc>
-                <a:spcPct val="200000"/>
-              </a:lnSpc>
-              <a:buFont typeface="Arial" panose="020B0604020202020204" pitchFamily="34" charset="0"/>
-              <a:buChar char="•"/>
-            </a:pPr>
-            <a:r>
-              <a:rPr lang="ko-KR" altLang="en-US" sz="2000" b="1" dirty="0">
-                <a:solidFill>
-                  <a:schemeClr val="tx1">
-                    <a:lumMod val="65000"/>
-                    <a:lumOff val="35000"/>
-                  </a:schemeClr>
-                </a:solidFill>
-              </a:rPr>
-              <a:t>기업 라이선스의 경우 높은 비용이 발생</a:t>
-            </a:r>
-            <a:endParaRPr lang="en-US" altLang="ko-KR" sz="2000" b="1" dirty="0">
-              <a:solidFill>
-                <a:schemeClr val="tx1">
-                  <a:lumMod val="65000"/>
-                  <a:lumOff val="35000"/>
-                </a:schemeClr>
-              </a:solidFill>
-            </a:endParaRPr>
-          </a:p>
-        </p:txBody>
-      </p:sp>
+      </p:pic>
+      <mc:AlternateContent xmlns:mc="http://schemas.openxmlformats.org/markup-compatibility/2006">
+        <mc:Choice xmlns:a14="http://schemas.microsoft.com/office/drawing/2010/main" Requires="a14">
+          <p:sp>
+            <p:nvSpPr>
+              <p:cNvPr id="12" name="TextBox 11">
+                <a:extLst>
+                  <a:ext uri="{FF2B5EF4-FFF2-40B4-BE49-F238E27FC236}">
+                    <a16:creationId xmlns:a16="http://schemas.microsoft.com/office/drawing/2014/main" id="{66D4E576-29FA-3691-CCAB-8B2FD1C1B723}"/>
+                  </a:ext>
+                </a:extLst>
+              </p:cNvPr>
+              <p:cNvSpPr txBox="1"/>
+              <p:nvPr/>
+            </p:nvSpPr>
+            <p:spPr>
+              <a:xfrm>
+                <a:off x="3785359" y="4661305"/>
+                <a:ext cx="6094378" cy="710194"/>
+              </a:xfrm>
+              <a:prstGeom prst="rect">
+                <a:avLst/>
+              </a:prstGeom>
+              <a:noFill/>
+            </p:spPr>
+            <p:txBody>
+              <a:bodyPr wrap="square">
+                <a:spAutoFit/>
+              </a:bodyPr>
+              <a:lstStyle/>
+              <a:p>
+                <a:pPr algn="ctr"/>
+                <a14:m>
+                  <m:oMath xmlns:m="http://schemas.openxmlformats.org/officeDocument/2006/math">
+                    <m:r>
+                      <a:rPr lang="en-US" b="0" i="1" smtClean="0">
+                        <a:latin typeface="Cambria Math" panose="02040503050406030204" pitchFamily="18" charset="0"/>
+                        <a:ea typeface="Cambria Math" panose="02040503050406030204" pitchFamily="18" charset="0"/>
+                      </a:rPr>
+                      <m:t>𝑦</m:t>
+                    </m:r>
+                    <m:r>
+                      <a:rPr lang="en-US" b="0" i="1" smtClean="0">
+                        <a:latin typeface="Cambria Math" panose="02040503050406030204" pitchFamily="18" charset="0"/>
+                        <a:ea typeface="Cambria Math" panose="02040503050406030204" pitchFamily="18" charset="0"/>
+                      </a:rPr>
+                      <m:t>=</m:t>
+                    </m:r>
+                    <m:d>
+                      <m:dPr>
+                        <m:begChr m:val="{"/>
+                        <m:endChr m:val=""/>
+                        <m:ctrlPr>
+                          <a:rPr lang="el-GR" i="1" smtClean="0">
+                            <a:latin typeface="Cambria Math" panose="02040503050406030204" pitchFamily="18" charset="0"/>
+                            <a:ea typeface="Cambria Math" panose="02040503050406030204" pitchFamily="18" charset="0"/>
+                          </a:rPr>
+                        </m:ctrlPr>
+                      </m:dPr>
+                      <m:e>
+                        <m:eqArr>
+                          <m:eqArrPr>
+                            <m:ctrlPr>
+                              <a:rPr lang="el-GR" i="1" smtClean="0">
+                                <a:latin typeface="Cambria Math" panose="02040503050406030204" pitchFamily="18" charset="0"/>
+                                <a:ea typeface="Cambria Math" panose="02040503050406030204" pitchFamily="18" charset="0"/>
+                              </a:rPr>
+                            </m:ctrlPr>
+                          </m:eqArrPr>
+                          <m:e>
+                            <m:r>
+                              <a:rPr lang="en-US" b="0" i="1" smtClean="0">
+                                <a:latin typeface="Cambria Math" panose="02040503050406030204" pitchFamily="18" charset="0"/>
+                                <a:ea typeface="Cambria Math" panose="02040503050406030204" pitchFamily="18" charset="0"/>
+                              </a:rPr>
+                              <m:t>0  ,(</m:t>
+                            </m:r>
+                            <m:r>
+                              <a:rPr lang="en-US" b="0" i="1" smtClean="0">
+                                <a:latin typeface="Cambria Math" panose="02040503050406030204" pitchFamily="18" charset="0"/>
+                                <a:ea typeface="Cambria Math" panose="02040503050406030204" pitchFamily="18" charset="0"/>
+                              </a:rPr>
+                              <m:t>−0.7+0.5</m:t>
+                            </m:r>
+                            <m:sSub>
+                              <m:sSubPr>
+                                <m:ctrlPr>
+                                  <a:rPr lang="en-US" i="1">
+                                    <a:latin typeface="Cambria Math" panose="02040503050406030204" pitchFamily="18" charset="0"/>
+                                    <a:ea typeface="Cambria Math" panose="02040503050406030204" pitchFamily="18" charset="0"/>
+                                  </a:rPr>
+                                </m:ctrlPr>
+                              </m:sSubPr>
+                              <m:e>
+                                <m:r>
+                                  <a:rPr lang="en-US" b="0" i="1" smtClean="0">
+                                    <a:latin typeface="Cambria Math" panose="02040503050406030204" pitchFamily="18" charset="0"/>
+                                    <a:ea typeface="Cambria Math" panose="02040503050406030204" pitchFamily="18" charset="0"/>
+                                  </a:rPr>
+                                  <m:t>𝑥</m:t>
+                                </m:r>
+                              </m:e>
+                              <m:sub>
+                                <m:r>
+                                  <a:rPr lang="en-US" i="1">
+                                    <a:latin typeface="Cambria Math" panose="02040503050406030204" pitchFamily="18" charset="0"/>
+                                    <a:ea typeface="Cambria Math" panose="02040503050406030204" pitchFamily="18" charset="0"/>
+                                  </a:rPr>
+                                  <m:t>1</m:t>
+                                </m:r>
+                              </m:sub>
+                            </m:sSub>
+                            <m:r>
+                              <a:rPr lang="en-US" b="0" i="1" smtClean="0">
+                                <a:latin typeface="Cambria Math" panose="02040503050406030204" pitchFamily="18" charset="0"/>
+                                <a:ea typeface="Cambria Math" panose="02040503050406030204" pitchFamily="18" charset="0"/>
+                              </a:rPr>
+                              <m:t>+</m:t>
+                            </m:r>
+                            <m:r>
+                              <a:rPr lang="en-US" i="1" smtClean="0">
+                                <a:latin typeface="Cambria Math" panose="02040503050406030204" pitchFamily="18" charset="0"/>
+                                <a:ea typeface="Cambria Math" panose="02040503050406030204" pitchFamily="18" charset="0"/>
+                              </a:rPr>
+                              <m:t>0</m:t>
+                            </m:r>
+                            <m:r>
+                              <a:rPr lang="en-US" b="0" i="1" smtClean="0">
+                                <a:latin typeface="Cambria Math" panose="02040503050406030204" pitchFamily="18" charset="0"/>
+                                <a:ea typeface="Cambria Math" panose="02040503050406030204" pitchFamily="18" charset="0"/>
+                              </a:rPr>
+                              <m:t>.5</m:t>
+                            </m:r>
+                            <m:sSub>
+                              <m:sSubPr>
+                                <m:ctrlPr>
+                                  <a:rPr lang="en-US" i="1">
+                                    <a:latin typeface="Cambria Math" panose="02040503050406030204" pitchFamily="18" charset="0"/>
+                                    <a:ea typeface="Cambria Math" panose="02040503050406030204" pitchFamily="18" charset="0"/>
+                                  </a:rPr>
+                                </m:ctrlPr>
+                              </m:sSubPr>
+                              <m:e>
+                                <m:r>
+                                  <a:rPr lang="en-US" b="0" i="1" smtClean="0">
+                                    <a:latin typeface="Cambria Math" panose="02040503050406030204" pitchFamily="18" charset="0"/>
+                                    <a:ea typeface="Cambria Math" panose="02040503050406030204" pitchFamily="18" charset="0"/>
+                                  </a:rPr>
+                                  <m:t>𝑥</m:t>
+                                </m:r>
+                              </m:e>
+                              <m:sub>
+                                <m:r>
+                                  <a:rPr lang="en-US" b="0" i="1" smtClean="0">
+                                    <a:latin typeface="Cambria Math" panose="02040503050406030204" pitchFamily="18" charset="0"/>
+                                    <a:ea typeface="Cambria Math" panose="02040503050406030204" pitchFamily="18" charset="0"/>
+                                  </a:rPr>
+                                  <m:t>2</m:t>
+                                </m:r>
+                              </m:sub>
+                            </m:sSub>
+                            <m:r>
+                              <a:rPr lang="en-US" i="1" smtClean="0">
+                                <a:latin typeface="Cambria Math" panose="02040503050406030204" pitchFamily="18" charset="0"/>
+                                <a:ea typeface="Cambria Math" panose="02040503050406030204" pitchFamily="18" charset="0"/>
+                              </a:rPr>
+                              <m:t>≤</m:t>
+                            </m:r>
+                            <m:r>
+                              <a:rPr lang="en-US" b="0" i="1" smtClean="0">
+                                <a:latin typeface="Cambria Math" panose="02040503050406030204" pitchFamily="18" charset="0"/>
+                                <a:ea typeface="Cambria Math" panose="02040503050406030204" pitchFamily="18" charset="0"/>
+                              </a:rPr>
+                              <m:t>0</m:t>
+                            </m:r>
+                            <m:r>
+                              <a:rPr lang="en-US" b="0" i="1" smtClean="0">
+                                <a:latin typeface="Cambria Math" panose="02040503050406030204" pitchFamily="18" charset="0"/>
+                                <a:ea typeface="Cambria Math" panose="02040503050406030204" pitchFamily="18" charset="0"/>
+                              </a:rPr>
+                              <m:t>)</m:t>
+                            </m:r>
+                          </m:e>
+                          <m:e>
+                            <m:r>
+                              <a:rPr lang="en-US" b="0" i="1" smtClean="0">
+                                <a:latin typeface="Cambria Math" panose="02040503050406030204" pitchFamily="18" charset="0"/>
+                                <a:ea typeface="Cambria Math" panose="02040503050406030204" pitchFamily="18" charset="0"/>
+                              </a:rPr>
+                              <m:t>1</m:t>
+                            </m:r>
+                            <m:r>
+                              <a:rPr lang="en-US" i="1">
+                                <a:latin typeface="Cambria Math" panose="02040503050406030204" pitchFamily="18" charset="0"/>
+                                <a:ea typeface="Cambria Math" panose="02040503050406030204" pitchFamily="18" charset="0"/>
+                              </a:rPr>
+                              <m:t>,(</m:t>
+                            </m:r>
+                            <m:r>
+                              <a:rPr lang="en-US" b="0" i="1" smtClean="0">
+                                <a:latin typeface="Cambria Math" panose="02040503050406030204" pitchFamily="18" charset="0"/>
+                                <a:ea typeface="Cambria Math" panose="02040503050406030204" pitchFamily="18" charset="0"/>
+                              </a:rPr>
+                              <m:t>−0.7+</m:t>
+                            </m:r>
+                            <m:r>
+                              <a:rPr lang="en-US" i="1">
+                                <a:latin typeface="Cambria Math" panose="02040503050406030204" pitchFamily="18" charset="0"/>
+                                <a:ea typeface="Cambria Math" panose="02040503050406030204" pitchFamily="18" charset="0"/>
+                              </a:rPr>
+                              <m:t>0.5</m:t>
+                            </m:r>
+                            <m:sSub>
+                              <m:sSubPr>
+                                <m:ctrlPr>
+                                  <a:rPr lang="en-US" i="1">
+                                    <a:latin typeface="Cambria Math" panose="02040503050406030204" pitchFamily="18" charset="0"/>
+                                    <a:ea typeface="Cambria Math" panose="02040503050406030204" pitchFamily="18" charset="0"/>
+                                  </a:rPr>
+                                </m:ctrlPr>
+                              </m:sSubPr>
+                              <m:e>
+                                <m:r>
+                                  <a:rPr lang="en-US" i="1">
+                                    <a:latin typeface="Cambria Math" panose="02040503050406030204" pitchFamily="18" charset="0"/>
+                                    <a:ea typeface="Cambria Math" panose="02040503050406030204" pitchFamily="18" charset="0"/>
+                                  </a:rPr>
+                                  <m:t>𝑥</m:t>
+                                </m:r>
+                              </m:e>
+                              <m:sub>
+                                <m:r>
+                                  <a:rPr lang="en-US" i="1">
+                                    <a:latin typeface="Cambria Math" panose="02040503050406030204" pitchFamily="18" charset="0"/>
+                                    <a:ea typeface="Cambria Math" panose="02040503050406030204" pitchFamily="18" charset="0"/>
+                                  </a:rPr>
+                                  <m:t>1</m:t>
+                                </m:r>
+                              </m:sub>
+                            </m:sSub>
+                            <m:r>
+                              <a:rPr lang="en-US" i="1">
+                                <a:latin typeface="Cambria Math" panose="02040503050406030204" pitchFamily="18" charset="0"/>
+                                <a:ea typeface="Cambria Math" panose="02040503050406030204" pitchFamily="18" charset="0"/>
+                              </a:rPr>
+                              <m:t>+0.5</m:t>
+                            </m:r>
+                            <m:sSub>
+                              <m:sSubPr>
+                                <m:ctrlPr>
+                                  <a:rPr lang="en-US" i="1">
+                                    <a:latin typeface="Cambria Math" panose="02040503050406030204" pitchFamily="18" charset="0"/>
+                                    <a:ea typeface="Cambria Math" panose="02040503050406030204" pitchFamily="18" charset="0"/>
+                                  </a:rPr>
+                                </m:ctrlPr>
+                              </m:sSubPr>
+                              <m:e>
+                                <m:r>
+                                  <a:rPr lang="en-US" i="1">
+                                    <a:latin typeface="Cambria Math" panose="02040503050406030204" pitchFamily="18" charset="0"/>
+                                    <a:ea typeface="Cambria Math" panose="02040503050406030204" pitchFamily="18" charset="0"/>
+                                  </a:rPr>
+                                  <m:t>𝑥</m:t>
+                                </m:r>
+                              </m:e>
+                              <m:sub>
+                                <m:r>
+                                  <a:rPr lang="en-US" i="1">
+                                    <a:latin typeface="Cambria Math" panose="02040503050406030204" pitchFamily="18" charset="0"/>
+                                    <a:ea typeface="Cambria Math" panose="02040503050406030204" pitchFamily="18" charset="0"/>
+                                  </a:rPr>
+                                  <m:t>2</m:t>
+                                </m:r>
+                              </m:sub>
+                            </m:sSub>
+                            <m:r>
+                              <a:rPr lang="en-US" i="1">
+                                <a:latin typeface="Cambria Math" panose="02040503050406030204" pitchFamily="18" charset="0"/>
+                                <a:ea typeface="Cambria Math" panose="02040503050406030204" pitchFamily="18" charset="0"/>
+                              </a:rPr>
+                              <m:t>≤</m:t>
+                            </m:r>
+                            <m:r>
+                              <a:rPr lang="en-US" b="0" i="1" smtClean="0">
+                                <a:latin typeface="Cambria Math" panose="02040503050406030204" pitchFamily="18" charset="0"/>
+                                <a:ea typeface="Cambria Math" panose="02040503050406030204" pitchFamily="18" charset="0"/>
+                              </a:rPr>
+                              <m:t>0</m:t>
+                            </m:r>
+                            <m:r>
+                              <a:rPr lang="en-US" i="1">
+                                <a:latin typeface="Cambria Math" panose="02040503050406030204" pitchFamily="18" charset="0"/>
+                                <a:ea typeface="Cambria Math" panose="02040503050406030204" pitchFamily="18" charset="0"/>
+                              </a:rPr>
+                              <m:t>)</m:t>
+                            </m:r>
+                          </m:e>
+                        </m:eqArr>
+                      </m:e>
+                    </m:d>
+                  </m:oMath>
+                </a14:m>
+                <a:r>
+                  <a:rPr lang="en-US" dirty="0"/>
+                  <a:t> </a:t>
+                </a:r>
+              </a:p>
+            </p:txBody>
+          </p:sp>
+        </mc:Choice>
+        <mc:Fallback>
+          <p:sp>
+            <p:nvSpPr>
+              <p:cNvPr id="12" name="TextBox 11">
+                <a:extLst>
+                  <a:ext uri="{FF2B5EF4-FFF2-40B4-BE49-F238E27FC236}">
+                    <a16:creationId xmlns:a16="http://schemas.microsoft.com/office/drawing/2014/main" id="{66D4E576-29FA-3691-CCAB-8B2FD1C1B723}"/>
+                  </a:ext>
+                </a:extLst>
+              </p:cNvPr>
+              <p:cNvSpPr txBox="1">
+                <a:spLocks noRot="1" noChangeAspect="1" noMove="1" noResize="1" noEditPoints="1" noAdjustHandles="1" noChangeArrowheads="1" noChangeShapeType="1" noTextEdit="1"/>
+              </p:cNvSpPr>
+              <p:nvPr/>
+            </p:nvSpPr>
+            <p:spPr>
+              <a:xfrm>
+                <a:off x="3785359" y="4661305"/>
+                <a:ext cx="6094378" cy="710194"/>
+              </a:xfrm>
+              <a:prstGeom prst="rect">
+                <a:avLst/>
+              </a:prstGeom>
+              <a:blipFill>
+                <a:blip r:embed="rId5"/>
+                <a:stretch>
+                  <a:fillRect/>
+                </a:stretch>
+              </a:blipFill>
+            </p:spPr>
+            <p:txBody>
+              <a:bodyPr/>
+              <a:lstStyle/>
+              <a:p>
+                <a:r>
+                  <a:rPr lang="en-US">
+                    <a:noFill/>
+                  </a:rPr>
+                  <a:t> </a:t>
+                </a:r>
+              </a:p>
+            </p:txBody>
+          </p:sp>
+        </mc:Fallback>
+      </mc:AlternateContent>
     </p:spTree>
     <p:extLst>
       <p:ext uri="{BB962C8B-B14F-4D97-AF65-F5344CB8AC3E}">
-        <p14:creationId xmlns:p14="http://schemas.microsoft.com/office/powerpoint/2010/main" val="851103586"/>
+        <p14:creationId xmlns:p14="http://schemas.microsoft.com/office/powerpoint/2010/main" val="3535588675"/>
       </p:ext>
     </p:extLst>
   </p:cSld>
